--- a/predavanja/prezentacije/OOP11-Apstraktne klase i interfejsi.pptx
+++ b/predavanja/prezentacije/OOP11-Apstraktne klase i interfejsi.pptx
@@ -27,7 +27,8 @@
     <p:sldId id="276" r:id="rId21"/>
     <p:sldId id="277" r:id="rId22"/>
     <p:sldId id="278" r:id="rId23"/>
-    <p:sldId id="272" r:id="rId24"/>
+    <p:sldId id="289" r:id="rId24"/>
+    <p:sldId id="272" r:id="rId25"/>
   </p:sldIdLst>
   <p:sldSz cx="9144000" cy="6858000" type="screen4x3"/>
   <p:notesSz cx="6858000" cy="9144000"/>
@@ -158,7 +159,7 @@
   </p:defaultTextStyle>
   <p:extLst>
     <p:ext uri="{EFAFB233-063F-42B5-8137-9DF3F51BA10A}">
-      <p15:sldGuideLst xmlns="" xmlns:p15="http://schemas.microsoft.com/office/powerpoint/2012/main">
+      <p15:sldGuideLst xmlns:p15="http://schemas.microsoft.com/office/powerpoint/2012/main">
         <p15:guide id="1" orient="horz" pos="2160">
           <p15:clr>
             <a:srgbClr val="A4A3A4"/>
@@ -21143,6 +21144,753 @@
 </file>
 
 <file path=ppt/slides/slide23.xml><?xml version="1.0" encoding="utf-8"?>
+<p:sld xmlns:a="http://schemas.openxmlformats.org/drawingml/2006/main" xmlns:r="http://schemas.openxmlformats.org/officeDocument/2006/relationships" xmlns:p="http://schemas.openxmlformats.org/presentationml/2006/main">
+  <p:cSld>
+    <p:spTree>
+      <p:nvGrpSpPr>
+        <p:cNvPr id="1" name=""/>
+        <p:cNvGrpSpPr/>
+        <p:nvPr/>
+      </p:nvGrpSpPr>
+      <p:grpSpPr>
+        <a:xfrm>
+          <a:off x="0" y="0"/>
+          <a:ext cx="0" cy="0"/>
+          <a:chOff x="0" y="0"/>
+          <a:chExt cx="0" cy="0"/>
+        </a:xfrm>
+      </p:grpSpPr>
+      <p:sp>
+        <p:nvSpPr>
+          <p:cNvPr id="26626" name="Text Box 2"/>
+          <p:cNvSpPr txBox="1">
+            <a:spLocks noChangeArrowheads="1"/>
+          </p:cNvSpPr>
+          <p:nvPr/>
+        </p:nvSpPr>
+        <p:spPr bwMode="auto">
+          <a:xfrm>
+            <a:off x="539750" y="1416050"/>
+            <a:ext cx="8451850" cy="4093428"/>
+          </a:xfrm>
+          <a:prstGeom prst="rect">
+            <a:avLst/>
+          </a:prstGeom>
+          <a:noFill/>
+          <a:ln>
+            <a:noFill/>
+          </a:ln>
+          <a:extLst>
+            <a:ext uri="{909E8E84-426E-40DD-AFC4-6F175D3DCCD1}">
+              <a14:hiddenFill xmlns:a14="http://schemas.microsoft.com/office/drawing/2010/main">
+                <a:solidFill>
+                  <a:srgbClr val="FFFFFF"/>
+                </a:solidFill>
+              </a14:hiddenFill>
+            </a:ext>
+            <a:ext uri="{91240B29-F687-4F45-9708-019B960494DF}">
+              <a14:hiddenLine xmlns:a14="http://schemas.microsoft.com/office/drawing/2010/main" w="9525">
+                <a:solidFill>
+                  <a:srgbClr val="000000"/>
+                </a:solidFill>
+                <a:miter lim="800000"/>
+                <a:headEnd/>
+                <a:tailEnd/>
+              </a14:hiddenLine>
+            </a:ext>
+          </a:extLst>
+        </p:spPr>
+        <p:txBody>
+          <a:bodyPr>
+            <a:spAutoFit/>
+          </a:bodyPr>
+          <a:lstStyle>
+            <a:lvl1pPr eaLnBrk="0" hangingPunct="0">
+              <a:defRPr sz="2400">
+                <a:solidFill>
+                  <a:schemeClr val="tx1"/>
+                </a:solidFill>
+                <a:latin typeface="Times New Roman" pitchFamily="18" charset="0"/>
+              </a:defRPr>
+            </a:lvl1pPr>
+            <a:lvl2pPr marL="742950" indent="-285750" eaLnBrk="0" hangingPunct="0">
+              <a:defRPr sz="2400">
+                <a:solidFill>
+                  <a:schemeClr val="tx1"/>
+                </a:solidFill>
+                <a:latin typeface="Times New Roman" pitchFamily="18" charset="0"/>
+              </a:defRPr>
+            </a:lvl2pPr>
+            <a:lvl3pPr marL="1143000" indent="-228600" eaLnBrk="0" hangingPunct="0">
+              <a:defRPr sz="2400">
+                <a:solidFill>
+                  <a:schemeClr val="tx1"/>
+                </a:solidFill>
+                <a:latin typeface="Times New Roman" pitchFamily="18" charset="0"/>
+              </a:defRPr>
+            </a:lvl3pPr>
+            <a:lvl4pPr marL="1600200" indent="-228600" eaLnBrk="0" hangingPunct="0">
+              <a:defRPr sz="2400">
+                <a:solidFill>
+                  <a:schemeClr val="tx1"/>
+                </a:solidFill>
+                <a:latin typeface="Times New Roman" pitchFamily="18" charset="0"/>
+              </a:defRPr>
+            </a:lvl4pPr>
+            <a:lvl5pPr marL="2057400" indent="-228600" eaLnBrk="0" hangingPunct="0">
+              <a:defRPr sz="2400">
+                <a:solidFill>
+                  <a:schemeClr val="tx1"/>
+                </a:solidFill>
+                <a:latin typeface="Times New Roman" pitchFamily="18" charset="0"/>
+              </a:defRPr>
+            </a:lvl5pPr>
+            <a:lvl6pPr marL="2514600" indent="-228600" eaLnBrk="0" fontAlgn="base" hangingPunct="0">
+              <a:spcBef>
+                <a:spcPct val="0"/>
+              </a:spcBef>
+              <a:spcAft>
+                <a:spcPct val="0"/>
+              </a:spcAft>
+              <a:defRPr sz="2400">
+                <a:solidFill>
+                  <a:schemeClr val="tx1"/>
+                </a:solidFill>
+                <a:latin typeface="Times New Roman" pitchFamily="18" charset="0"/>
+              </a:defRPr>
+            </a:lvl6pPr>
+            <a:lvl7pPr marL="2971800" indent="-228600" eaLnBrk="0" fontAlgn="base" hangingPunct="0">
+              <a:spcBef>
+                <a:spcPct val="0"/>
+              </a:spcBef>
+              <a:spcAft>
+                <a:spcPct val="0"/>
+              </a:spcAft>
+              <a:defRPr sz="2400">
+                <a:solidFill>
+                  <a:schemeClr val="tx1"/>
+                </a:solidFill>
+                <a:latin typeface="Times New Roman" pitchFamily="18" charset="0"/>
+              </a:defRPr>
+            </a:lvl7pPr>
+            <a:lvl8pPr marL="3429000" indent="-228600" eaLnBrk="0" fontAlgn="base" hangingPunct="0">
+              <a:spcBef>
+                <a:spcPct val="0"/>
+              </a:spcBef>
+              <a:spcAft>
+                <a:spcPct val="0"/>
+              </a:spcAft>
+              <a:defRPr sz="2400">
+                <a:solidFill>
+                  <a:schemeClr val="tx1"/>
+                </a:solidFill>
+                <a:latin typeface="Times New Roman" pitchFamily="18" charset="0"/>
+              </a:defRPr>
+            </a:lvl8pPr>
+            <a:lvl9pPr marL="3886200" indent="-228600" eaLnBrk="0" fontAlgn="base" hangingPunct="0">
+              <a:spcBef>
+                <a:spcPct val="0"/>
+              </a:spcBef>
+              <a:spcAft>
+                <a:spcPct val="0"/>
+              </a:spcAft>
+              <a:defRPr sz="2400">
+                <a:solidFill>
+                  <a:schemeClr val="tx1"/>
+                </a:solidFill>
+                <a:latin typeface="Times New Roman" pitchFamily="18" charset="0"/>
+              </a:defRPr>
+            </a:lvl9pPr>
+          </a:lstStyle>
+          <a:p>
+            <a:pPr>
+              <a:spcBef>
+                <a:spcPts val="600"/>
+              </a:spcBef>
+              <a:defRPr/>
+            </a:pPr>
+            <a:r>
+              <a:rPr lang="sr-Cyrl-RS" dirty="0" smtClean="0">
+                <a:latin typeface="Garamond" pitchFamily="18" charset="0"/>
+              </a:rPr>
+              <a:t>Принцип једнозначне одговорности (</a:t>
+            </a:r>
+            <a:r>
+              <a:rPr lang="en-US" b="1" u="sng" dirty="0" smtClean="0">
+                <a:latin typeface="Garamond" pitchFamily="18" charset="0"/>
+              </a:rPr>
+              <a:t>S</a:t>
+            </a:r>
+            <a:r>
+              <a:rPr lang="en-US" dirty="0" smtClean="0">
+                <a:latin typeface="Garamond" pitchFamily="18" charset="0"/>
+              </a:rPr>
+              <a:t>ingle responsibility) – </a:t>
+            </a:r>
+            <a:r>
+              <a:rPr lang="sr-Cyrl-RS" dirty="0" smtClean="0">
+                <a:latin typeface="Garamond" pitchFamily="18" charset="0"/>
+              </a:rPr>
+              <a:t>свака класа треба да има тачно једну одговорност </a:t>
+            </a:r>
+          </a:p>
+          <a:p>
+            <a:pPr marL="342900" indent="-342900">
+              <a:spcBef>
+                <a:spcPts val="600"/>
+              </a:spcBef>
+              <a:buFont typeface="Arial" panose="020B0604020202020204" pitchFamily="34" charset="0"/>
+              <a:buChar char="•"/>
+              <a:defRPr/>
+            </a:pPr>
+            <a:r>
+              <a:rPr lang="sr-Cyrl-RS" dirty="0" smtClean="0">
+                <a:latin typeface="Garamond" pitchFamily="18" charset="0"/>
+              </a:rPr>
+              <a:t>По овом принципу</a:t>
+            </a:r>
+            <a:r>
+              <a:rPr lang="en-US" dirty="0" smtClean="0">
+                <a:latin typeface="Garamond" pitchFamily="18" charset="0"/>
+              </a:rPr>
+              <a:t>, </a:t>
+            </a:r>
+            <a:r>
+              <a:rPr lang="sr-Cyrl-RS" dirty="0" smtClean="0">
+                <a:latin typeface="Garamond" pitchFamily="18" charset="0"/>
+              </a:rPr>
+              <a:t>може постојати само један разлог због ког класа треба да буде промењена </a:t>
+            </a:r>
+          </a:p>
+          <a:p>
+            <a:pPr marL="342900" indent="-342900">
+              <a:spcBef>
+                <a:spcPts val="600"/>
+              </a:spcBef>
+              <a:buFont typeface="Arial" panose="020B0604020202020204" pitchFamily="34" charset="0"/>
+              <a:buChar char="•"/>
+              <a:defRPr/>
+            </a:pPr>
+            <a:r>
+              <a:rPr lang="sr-Cyrl-RS" dirty="0" smtClean="0">
+                <a:latin typeface="Garamond" pitchFamily="18" charset="0"/>
+              </a:rPr>
+              <a:t>Класа треба да реализује само један задатак</a:t>
+            </a:r>
+          </a:p>
+          <a:p>
+            <a:pPr marL="1085850" lvl="1" indent="-342900">
+              <a:spcBef>
+                <a:spcPts val="600"/>
+              </a:spcBef>
+              <a:buFont typeface="Arial" panose="020B0604020202020204" pitchFamily="34" charset="0"/>
+              <a:buChar char="•"/>
+              <a:defRPr/>
+            </a:pPr>
+            <a:r>
+              <a:rPr lang="sr-Cyrl-RS" dirty="0" smtClean="0">
+                <a:latin typeface="Garamond" pitchFamily="18" charset="0"/>
+              </a:rPr>
+              <a:t>На пример, ако би се у оквиру једне класе налазила функционалност за пословну логику и за чување података примерка у датотеку или у базу, то би нарушавало овај принцип</a:t>
+            </a:r>
+            <a:r>
+              <a:rPr lang="en-US" dirty="0" smtClean="0">
+                <a:latin typeface="Garamond" pitchFamily="18" charset="0"/>
+              </a:rPr>
+              <a:t> </a:t>
+            </a:r>
+            <a:endParaRPr lang="sr-Cyrl-RS" dirty="0" smtClean="0">
+              <a:latin typeface="Garamond" pitchFamily="18" charset="0"/>
+            </a:endParaRPr>
+          </a:p>
+          <a:p>
+            <a:pPr marL="342900" indent="-342900">
+              <a:spcBef>
+                <a:spcPts val="600"/>
+              </a:spcBef>
+              <a:buFont typeface="Arial" panose="020B0604020202020204" pitchFamily="34" charset="0"/>
+              <a:buChar char="•"/>
+              <a:defRPr/>
+            </a:pPr>
+            <a:endParaRPr lang="en-US" dirty="0" smtClean="0">
+              <a:latin typeface="Garamond" pitchFamily="18" charset="0"/>
+            </a:endParaRPr>
+          </a:p>
+        </p:txBody>
+      </p:sp>
+      <p:sp>
+        <p:nvSpPr>
+          <p:cNvPr id="3" name="Title 1"/>
+          <p:cNvSpPr txBox="1">
+            <a:spLocks/>
+          </p:cNvSpPr>
+          <p:nvPr/>
+        </p:nvSpPr>
+        <p:spPr>
+          <a:xfrm>
+            <a:off x="1371600" y="549275"/>
+            <a:ext cx="7772400" cy="868363"/>
+          </a:xfrm>
+          <a:prstGeom prst="rect">
+            <a:avLst/>
+          </a:prstGeom>
+        </p:spPr>
+        <p:txBody>
+          <a:bodyPr/>
+          <a:lstStyle>
+            <a:lvl1pPr algn="l" rtl="0" eaLnBrk="0" fontAlgn="base" hangingPunct="0">
+              <a:spcBef>
+                <a:spcPct val="0"/>
+              </a:spcBef>
+              <a:spcAft>
+                <a:spcPct val="0"/>
+              </a:spcAft>
+              <a:defRPr sz="3800">
+                <a:solidFill>
+                  <a:schemeClr val="tx2"/>
+                </a:solidFill>
+                <a:latin typeface="+mj-lt"/>
+                <a:ea typeface="+mj-ea"/>
+                <a:cs typeface="+mj-cs"/>
+              </a:defRPr>
+            </a:lvl1pPr>
+            <a:lvl2pPr algn="l" rtl="0" eaLnBrk="0" fontAlgn="base" hangingPunct="0">
+              <a:spcBef>
+                <a:spcPct val="0"/>
+              </a:spcBef>
+              <a:spcAft>
+                <a:spcPct val="0"/>
+              </a:spcAft>
+              <a:defRPr sz="3800">
+                <a:solidFill>
+                  <a:schemeClr val="tx2"/>
+                </a:solidFill>
+                <a:latin typeface="Arial" charset="0"/>
+              </a:defRPr>
+            </a:lvl2pPr>
+            <a:lvl3pPr algn="l" rtl="0" eaLnBrk="0" fontAlgn="base" hangingPunct="0">
+              <a:spcBef>
+                <a:spcPct val="0"/>
+              </a:spcBef>
+              <a:spcAft>
+                <a:spcPct val="0"/>
+              </a:spcAft>
+              <a:defRPr sz="3800">
+                <a:solidFill>
+                  <a:schemeClr val="tx2"/>
+                </a:solidFill>
+                <a:latin typeface="Arial" charset="0"/>
+              </a:defRPr>
+            </a:lvl3pPr>
+            <a:lvl4pPr algn="l" rtl="0" eaLnBrk="0" fontAlgn="base" hangingPunct="0">
+              <a:spcBef>
+                <a:spcPct val="0"/>
+              </a:spcBef>
+              <a:spcAft>
+                <a:spcPct val="0"/>
+              </a:spcAft>
+              <a:defRPr sz="3800">
+                <a:solidFill>
+                  <a:schemeClr val="tx2"/>
+                </a:solidFill>
+                <a:latin typeface="Arial" charset="0"/>
+              </a:defRPr>
+            </a:lvl4pPr>
+            <a:lvl5pPr algn="l" rtl="0" eaLnBrk="0" fontAlgn="base" hangingPunct="0">
+              <a:spcBef>
+                <a:spcPct val="0"/>
+              </a:spcBef>
+              <a:spcAft>
+                <a:spcPct val="0"/>
+              </a:spcAft>
+              <a:defRPr sz="3800">
+                <a:solidFill>
+                  <a:schemeClr val="tx2"/>
+                </a:solidFill>
+                <a:latin typeface="Arial" charset="0"/>
+              </a:defRPr>
+            </a:lvl5pPr>
+            <a:lvl6pPr marL="457200" algn="l" rtl="0" fontAlgn="base">
+              <a:spcBef>
+                <a:spcPct val="0"/>
+              </a:spcBef>
+              <a:spcAft>
+                <a:spcPct val="0"/>
+              </a:spcAft>
+              <a:defRPr sz="3800">
+                <a:solidFill>
+                  <a:schemeClr val="tx2"/>
+                </a:solidFill>
+                <a:latin typeface="Arial" charset="0"/>
+              </a:defRPr>
+            </a:lvl6pPr>
+            <a:lvl7pPr marL="914400" algn="l" rtl="0" fontAlgn="base">
+              <a:spcBef>
+                <a:spcPct val="0"/>
+              </a:spcBef>
+              <a:spcAft>
+                <a:spcPct val="0"/>
+              </a:spcAft>
+              <a:defRPr sz="3800">
+                <a:solidFill>
+                  <a:schemeClr val="tx2"/>
+                </a:solidFill>
+                <a:latin typeface="Arial" charset="0"/>
+              </a:defRPr>
+            </a:lvl7pPr>
+            <a:lvl8pPr marL="1371600" algn="l" rtl="0" fontAlgn="base">
+              <a:spcBef>
+                <a:spcPct val="0"/>
+              </a:spcBef>
+              <a:spcAft>
+                <a:spcPct val="0"/>
+              </a:spcAft>
+              <a:defRPr sz="3800">
+                <a:solidFill>
+                  <a:schemeClr val="tx2"/>
+                </a:solidFill>
+                <a:latin typeface="Arial" charset="0"/>
+              </a:defRPr>
+            </a:lvl8pPr>
+            <a:lvl9pPr marL="1828800" algn="l" rtl="0" fontAlgn="base">
+              <a:spcBef>
+                <a:spcPct val="0"/>
+              </a:spcBef>
+              <a:spcAft>
+                <a:spcPct val="0"/>
+              </a:spcAft>
+              <a:defRPr sz="3800">
+                <a:solidFill>
+                  <a:schemeClr val="tx2"/>
+                </a:solidFill>
+                <a:latin typeface="Arial" charset="0"/>
+              </a:defRPr>
+            </a:lvl9pPr>
+          </a:lstStyle>
+          <a:p>
+            <a:pPr>
+              <a:defRPr/>
+            </a:pPr>
+            <a:r>
+              <a:rPr lang="en-US" sz="3600" b="1" kern="0" dirty="0">
+                <a:solidFill>
+                  <a:srgbClr val="0070C0"/>
+                </a:solidFill>
+              </a:rPr>
+              <a:t>SOLID </a:t>
+            </a:r>
+            <a:r>
+              <a:rPr lang="sr-Cyrl-RS" sz="3600" b="1" kern="0" dirty="0" smtClean="0">
+                <a:solidFill>
+                  <a:srgbClr val="0070C0"/>
+                </a:solidFill>
+              </a:rPr>
+              <a:t>принципи - </a:t>
+            </a:r>
+            <a:r>
+              <a:rPr lang="en-US" sz="3600" b="1" kern="0" dirty="0" smtClean="0">
+                <a:solidFill>
+                  <a:srgbClr val="0070C0"/>
+                </a:solidFill>
+              </a:rPr>
+              <a:t>S</a:t>
+            </a:r>
+            <a:endParaRPr lang="en-US" sz="3600" b="1" kern="0" dirty="0">
+              <a:solidFill>
+                <a:srgbClr val="0070C0"/>
+              </a:solidFill>
+            </a:endParaRPr>
+          </a:p>
+        </p:txBody>
+      </p:sp>
+    </p:spTree>
+    <p:extLst>
+      <p:ext uri="{BB962C8B-B14F-4D97-AF65-F5344CB8AC3E}">
+        <p14:creationId xmlns:p14="http://schemas.microsoft.com/office/powerpoint/2010/main" val="811905334"/>
+      </p:ext>
+    </p:extLst>
+  </p:cSld>
+  <p:clrMapOvr>
+    <a:masterClrMapping/>
+  </p:clrMapOvr>
+  <p:timing>
+    <p:tnLst>
+      <p:par>
+        <p:cTn id="1" dur="indefinite" restart="never" nodeType="tmRoot">
+          <p:childTnLst>
+            <p:seq concurrent="1" nextAc="seek">
+              <p:cTn id="2" dur="indefinite" nodeType="mainSeq">
+                <p:childTnLst>
+                  <p:par>
+                    <p:cTn id="3" fill="hold">
+                      <p:stCondLst>
+                        <p:cond delay="indefinite"/>
+                      </p:stCondLst>
+                      <p:childTnLst>
+                        <p:par>
+                          <p:cTn id="4" fill="hold">
+                            <p:stCondLst>
+                              <p:cond delay="0"/>
+                            </p:stCondLst>
+                            <p:childTnLst>
+                              <p:par>
+                                <p:cTn id="5" presetID="3" presetClass="entr" presetSubtype="10" fill="hold" nodeType="clickEffect">
+                                  <p:stCondLst>
+                                    <p:cond delay="0"/>
+                                  </p:stCondLst>
+                                  <p:childTnLst>
+                                    <p:set>
+                                      <p:cBhvr>
+                                        <p:cTn id="6" dur="1" fill="hold">
+                                          <p:stCondLst>
+                                            <p:cond delay="0"/>
+                                          </p:stCondLst>
+                                        </p:cTn>
+                                        <p:tgtEl>
+                                          <p:spTgt spid="26626">
+                                            <p:txEl>
+                                              <p:pRg st="0" end="0"/>
+                                            </p:txEl>
+                                          </p:spTgt>
+                                        </p:tgtEl>
+                                        <p:attrNameLst>
+                                          <p:attrName>style.visibility</p:attrName>
+                                        </p:attrNameLst>
+                                      </p:cBhvr>
+                                      <p:to>
+                                        <p:strVal val="visible"/>
+                                      </p:to>
+                                    </p:set>
+                                    <p:animEffect transition="in" filter="blinds(horizontal)">
+                                      <p:cBhvr>
+                                        <p:cTn id="7" dur="500"/>
+                                        <p:tgtEl>
+                                          <p:spTgt spid="26626">
+                                            <p:txEl>
+                                              <p:pRg st="0" end="0"/>
+                                            </p:txEl>
+                                          </p:spTgt>
+                                        </p:tgtEl>
+                                      </p:cBhvr>
+                                    </p:animEffect>
+                                  </p:childTnLst>
+                                </p:cTn>
+                              </p:par>
+                            </p:childTnLst>
+                          </p:cTn>
+                        </p:par>
+                      </p:childTnLst>
+                    </p:cTn>
+                  </p:par>
+                  <p:par>
+                    <p:cTn id="8" fill="hold">
+                      <p:stCondLst>
+                        <p:cond delay="indefinite"/>
+                      </p:stCondLst>
+                      <p:childTnLst>
+                        <p:par>
+                          <p:cTn id="9" fill="hold">
+                            <p:stCondLst>
+                              <p:cond delay="0"/>
+                            </p:stCondLst>
+                            <p:childTnLst>
+                              <p:par>
+                                <p:cTn id="10" presetID="3" presetClass="entr" presetSubtype="10" fill="hold" nodeType="clickEffect">
+                                  <p:stCondLst>
+                                    <p:cond delay="0"/>
+                                  </p:stCondLst>
+                                  <p:childTnLst>
+                                    <p:set>
+                                      <p:cBhvr>
+                                        <p:cTn id="11" dur="1" fill="hold">
+                                          <p:stCondLst>
+                                            <p:cond delay="0"/>
+                                          </p:stCondLst>
+                                        </p:cTn>
+                                        <p:tgtEl>
+                                          <p:spTgt spid="26626">
+                                            <p:txEl>
+                                              <p:pRg st="1" end="1"/>
+                                            </p:txEl>
+                                          </p:spTgt>
+                                        </p:tgtEl>
+                                        <p:attrNameLst>
+                                          <p:attrName>style.visibility</p:attrName>
+                                        </p:attrNameLst>
+                                      </p:cBhvr>
+                                      <p:to>
+                                        <p:strVal val="visible"/>
+                                      </p:to>
+                                    </p:set>
+                                    <p:animEffect transition="in" filter="blinds(horizontal)">
+                                      <p:cBhvr>
+                                        <p:cTn id="12" dur="500"/>
+                                        <p:tgtEl>
+                                          <p:spTgt spid="26626">
+                                            <p:txEl>
+                                              <p:pRg st="1" end="1"/>
+                                            </p:txEl>
+                                          </p:spTgt>
+                                        </p:tgtEl>
+                                      </p:cBhvr>
+                                    </p:animEffect>
+                                  </p:childTnLst>
+                                </p:cTn>
+                              </p:par>
+                            </p:childTnLst>
+                          </p:cTn>
+                        </p:par>
+                      </p:childTnLst>
+                    </p:cTn>
+                  </p:par>
+                  <p:par>
+                    <p:cTn id="13" fill="hold">
+                      <p:stCondLst>
+                        <p:cond delay="indefinite"/>
+                      </p:stCondLst>
+                      <p:childTnLst>
+                        <p:par>
+                          <p:cTn id="14" fill="hold">
+                            <p:stCondLst>
+                              <p:cond delay="0"/>
+                            </p:stCondLst>
+                            <p:childTnLst>
+                              <p:par>
+                                <p:cTn id="15" presetID="3" presetClass="entr" presetSubtype="10" fill="hold" nodeType="clickEffect">
+                                  <p:stCondLst>
+                                    <p:cond delay="0"/>
+                                  </p:stCondLst>
+                                  <p:childTnLst>
+                                    <p:set>
+                                      <p:cBhvr>
+                                        <p:cTn id="16" dur="1" fill="hold">
+                                          <p:stCondLst>
+                                            <p:cond delay="0"/>
+                                          </p:stCondLst>
+                                        </p:cTn>
+                                        <p:tgtEl>
+                                          <p:spTgt spid="26626">
+                                            <p:txEl>
+                                              <p:pRg st="2" end="2"/>
+                                            </p:txEl>
+                                          </p:spTgt>
+                                        </p:tgtEl>
+                                        <p:attrNameLst>
+                                          <p:attrName>style.visibility</p:attrName>
+                                        </p:attrNameLst>
+                                      </p:cBhvr>
+                                      <p:to>
+                                        <p:strVal val="visible"/>
+                                      </p:to>
+                                    </p:set>
+                                    <p:animEffect transition="in" filter="blinds(horizontal)">
+                                      <p:cBhvr>
+                                        <p:cTn id="17" dur="500"/>
+                                        <p:tgtEl>
+                                          <p:spTgt spid="26626">
+                                            <p:txEl>
+                                              <p:pRg st="2" end="2"/>
+                                            </p:txEl>
+                                          </p:spTgt>
+                                        </p:tgtEl>
+                                      </p:cBhvr>
+                                    </p:animEffect>
+                                  </p:childTnLst>
+                                </p:cTn>
+                              </p:par>
+                            </p:childTnLst>
+                          </p:cTn>
+                        </p:par>
+                      </p:childTnLst>
+                    </p:cTn>
+                  </p:par>
+                  <p:par>
+                    <p:cTn id="18" fill="hold">
+                      <p:stCondLst>
+                        <p:cond delay="indefinite"/>
+                      </p:stCondLst>
+                      <p:childTnLst>
+                        <p:par>
+                          <p:cTn id="19" fill="hold">
+                            <p:stCondLst>
+                              <p:cond delay="0"/>
+                            </p:stCondLst>
+                            <p:childTnLst>
+                              <p:par>
+                                <p:cTn id="20" presetID="3" presetClass="entr" presetSubtype="10" fill="hold" nodeType="clickEffect">
+                                  <p:stCondLst>
+                                    <p:cond delay="0"/>
+                                  </p:stCondLst>
+                                  <p:childTnLst>
+                                    <p:set>
+                                      <p:cBhvr>
+                                        <p:cTn id="21" dur="1" fill="hold">
+                                          <p:stCondLst>
+                                            <p:cond delay="0"/>
+                                          </p:stCondLst>
+                                        </p:cTn>
+                                        <p:tgtEl>
+                                          <p:spTgt spid="26626">
+                                            <p:txEl>
+                                              <p:pRg st="3" end="3"/>
+                                            </p:txEl>
+                                          </p:spTgt>
+                                        </p:tgtEl>
+                                        <p:attrNameLst>
+                                          <p:attrName>style.visibility</p:attrName>
+                                        </p:attrNameLst>
+                                      </p:cBhvr>
+                                      <p:to>
+                                        <p:strVal val="visible"/>
+                                      </p:to>
+                                    </p:set>
+                                    <p:animEffect transition="in" filter="blinds(horizontal)">
+                                      <p:cBhvr>
+                                        <p:cTn id="22" dur="500"/>
+                                        <p:tgtEl>
+                                          <p:spTgt spid="26626">
+                                            <p:txEl>
+                                              <p:pRg st="3" end="3"/>
+                                            </p:txEl>
+                                          </p:spTgt>
+                                        </p:tgtEl>
+                                      </p:cBhvr>
+                                    </p:animEffect>
+                                  </p:childTnLst>
+                                </p:cTn>
+                              </p:par>
+                            </p:childTnLst>
+                          </p:cTn>
+                        </p:par>
+                      </p:childTnLst>
+                    </p:cTn>
+                  </p:par>
+                </p:childTnLst>
+              </p:cTn>
+              <p:prevCondLst>
+                <p:cond evt="onPrev" delay="0">
+                  <p:tgtEl>
+                    <p:sldTgt/>
+                  </p:tgtEl>
+                </p:cond>
+              </p:prevCondLst>
+              <p:nextCondLst>
+                <p:cond evt="onNext" delay="0">
+                  <p:tgtEl>
+                    <p:sldTgt/>
+                  </p:tgtEl>
+                </p:cond>
+              </p:nextCondLst>
+            </p:seq>
+          </p:childTnLst>
+        </p:cTn>
+      </p:par>
+    </p:tnLst>
+  </p:timing>
+</p:sld>
+</file>
+
+<file path=ppt/slides/slide24.xml><?xml version="1.0" encoding="utf-8"?>
 <p:sld xmlns:a="http://schemas.openxmlformats.org/drawingml/2006/main" xmlns:r="http://schemas.openxmlformats.org/officeDocument/2006/relationships" xmlns:p="http://schemas.openxmlformats.org/presentationml/2006/main">
   <p:cSld>
     <p:spTree>

--- a/predavanja/prezentacije/OOP11-Apstraktne klase i interfejsi.pptx
+++ b/predavanja/prezentacije/OOP11-Apstraktne klase i interfejsi.pptx
@@ -22,13 +22,17 @@
     <p:sldId id="265" r:id="rId16"/>
     <p:sldId id="285" r:id="rId17"/>
     <p:sldId id="286" r:id="rId18"/>
-    <p:sldId id="271" r:id="rId19"/>
-    <p:sldId id="275" r:id="rId20"/>
-    <p:sldId id="276" r:id="rId21"/>
-    <p:sldId id="277" r:id="rId22"/>
-    <p:sldId id="278" r:id="rId23"/>
-    <p:sldId id="289" r:id="rId24"/>
-    <p:sldId id="272" r:id="rId25"/>
+    <p:sldId id="289" r:id="rId19"/>
+    <p:sldId id="290" r:id="rId20"/>
+    <p:sldId id="291" r:id="rId21"/>
+    <p:sldId id="292" r:id="rId22"/>
+    <p:sldId id="293" r:id="rId23"/>
+    <p:sldId id="271" r:id="rId24"/>
+    <p:sldId id="275" r:id="rId25"/>
+    <p:sldId id="276" r:id="rId26"/>
+    <p:sldId id="277" r:id="rId27"/>
+    <p:sldId id="278" r:id="rId28"/>
+    <p:sldId id="272" r:id="rId29"/>
   </p:sldIdLst>
   <p:sldSz cx="9144000" cy="6858000" type="screen4x3"/>
   <p:notesSz cx="6858000" cy="9144000"/>
@@ -14186,8 +14190,8 @@
         </p:nvSpPr>
         <p:spPr bwMode="auto">
           <a:xfrm>
-            <a:off x="107504" y="1557338"/>
-            <a:ext cx="8884096" cy="4985980"/>
+            <a:off x="539750" y="1416050"/>
+            <a:ext cx="8451850" cy="5724644"/>
           </a:xfrm>
           <a:prstGeom prst="rect">
             <a:avLst/>
@@ -14217,7 +14221,7 @@
           </a:extLst>
         </p:spPr>
         <p:txBody>
-          <a:bodyPr wrap="square">
+          <a:bodyPr>
             <a:spAutoFit/>
           </a:bodyPr>
           <a:lstStyle>
@@ -14319,127 +14323,109 @@
             </a:lvl9pPr>
           </a:lstStyle>
           <a:p>
-            <a:pPr marL="457200" indent="-457200">
+            <a:pPr>
               <a:spcBef>
                 <a:spcPts val="600"/>
               </a:spcBef>
-              <a:buFontTx/>
-              <a:buAutoNum type="arabicPeriod"/>
               <a:defRPr/>
             </a:pPr>
             <a:r>
-              <a:rPr lang="sr-Cyrl-RS" b="1" u="sng" dirty="0" smtClean="0">
-                <a:latin typeface="Garamond" pitchFamily="18" charset="0"/>
-              </a:rPr>
-              <a:t>Заједничке операције и поља сместити у надкласе</a:t>
+              <a:rPr lang="sr-Cyrl-RS" dirty="0" smtClean="0">
+                <a:latin typeface="Garamond" pitchFamily="18" charset="0"/>
+              </a:rPr>
+              <a:t>Принцип једнозначне одговорности (</a:t>
             </a:r>
             <a:r>
               <a:rPr lang="en-US" b="1" u="sng" dirty="0" smtClean="0">
                 <a:latin typeface="Garamond" pitchFamily="18" charset="0"/>
               </a:rPr>
-              <a:t>.</a:t>
-            </a:r>
-            <a:endParaRPr lang="sr-Cyrl-RS" b="1" u="sng" dirty="0" smtClean="0">
-              <a:latin typeface="Garamond" pitchFamily="18" charset="0"/>
-            </a:endParaRPr>
+              <a:t>S</a:t>
+            </a:r>
+            <a:r>
+              <a:rPr lang="en-US" dirty="0" smtClean="0">
+                <a:latin typeface="Garamond" pitchFamily="18" charset="0"/>
+              </a:rPr>
+              <a:t>ingle responsibility) – </a:t>
+            </a:r>
+            <a:r>
+              <a:rPr lang="sr-Cyrl-RS" dirty="0" smtClean="0">
+                <a:latin typeface="Garamond" pitchFamily="18" charset="0"/>
+              </a:rPr>
+              <a:t>свака класа треба да има тачно једну одговорност </a:t>
+            </a:r>
           </a:p>
           <a:p>
-            <a:pPr>
+            <a:pPr marL="342900" indent="-342900">
               <a:spcBef>
                 <a:spcPts val="600"/>
               </a:spcBef>
+              <a:buFont typeface="Arial" panose="020B0604020202020204" pitchFamily="34" charset="0"/>
+              <a:buChar char="•"/>
               <a:defRPr/>
             </a:pPr>
             <a:r>
               <a:rPr lang="sr-Cyrl-RS" dirty="0" smtClean="0">
                 <a:latin typeface="Garamond" pitchFamily="18" charset="0"/>
               </a:rPr>
-              <a:t>Тако је оформљена класа </a:t>
-            </a:r>
-            <a:r>
-              <a:rPr lang="en-US" sz="1800" dirty="0" smtClean="0">
-                <a:latin typeface="+mn-lt"/>
-              </a:rPr>
-              <a:t>Person</a:t>
-            </a:r>
-            <a:r>
-              <a:rPr lang="en-US" sz="1800" dirty="0" smtClean="0">
-                <a:latin typeface="Garamond" pitchFamily="18" charset="0"/>
-              </a:rPr>
-              <a:t> </a:t>
+              <a:t>По овом принципу</a:t>
+            </a:r>
+            <a:r>
+              <a:rPr lang="en-US" dirty="0" smtClean="0">
+                <a:latin typeface="Garamond" pitchFamily="18" charset="0"/>
+              </a:rPr>
+              <a:t>, </a:t>
             </a:r>
             <a:r>
               <a:rPr lang="sr-Cyrl-RS" dirty="0" smtClean="0">
                 <a:latin typeface="Garamond" pitchFamily="18" charset="0"/>
               </a:rPr>
-              <a:t>као надкласа </a:t>
-            </a:r>
-            <a:r>
-              <a:rPr lang="en-US" sz="1800" dirty="0" smtClean="0">
-                <a:latin typeface="+mn-lt"/>
-              </a:rPr>
-              <a:t>Employee</a:t>
-            </a:r>
-            <a:r>
-              <a:rPr lang="en-US" sz="1800" dirty="0" smtClean="0">
-                <a:latin typeface="Garamond" pitchFamily="18" charset="0"/>
-              </a:rPr>
-              <a:t> </a:t>
-            </a:r>
-            <a:r>
-              <a:rPr lang="sr-Cyrl-RS" dirty="0" smtClean="0">
-                <a:latin typeface="Garamond" pitchFamily="18" charset="0"/>
-              </a:rPr>
-              <a:t>и </a:t>
-            </a:r>
-            <a:r>
-              <a:rPr lang="en-US" sz="1800" dirty="0" smtClean="0">
-                <a:latin typeface="+mn-lt"/>
-              </a:rPr>
-              <a:t>Student</a:t>
-            </a:r>
-            <a:r>
-              <a:rPr lang="en-US" dirty="0" smtClean="0">
-                <a:latin typeface="Garamond" pitchFamily="18" charset="0"/>
-              </a:rPr>
-              <a:t>.</a:t>
-            </a:r>
-            <a:endParaRPr lang="en-US" dirty="0">
-              <a:latin typeface="Garamond" pitchFamily="18" charset="0"/>
-            </a:endParaRPr>
+              <a:t>може постојати само један разлог због ког класа треба да буде промењена </a:t>
+            </a:r>
           </a:p>
           <a:p>
-            <a:pPr>
+            <a:pPr marL="342900" indent="-342900">
               <a:spcBef>
                 <a:spcPts val="600"/>
               </a:spcBef>
+              <a:buFont typeface="Arial" panose="020B0604020202020204" pitchFamily="34" charset="0"/>
+              <a:buChar char="•"/>
               <a:defRPr/>
             </a:pPr>
             <a:r>
-              <a:rPr lang="en-US" b="1" u="sng" dirty="0" smtClean="0">
-                <a:latin typeface="Garamond" pitchFamily="18" charset="0"/>
-              </a:rPr>
-              <a:t>2</a:t>
-            </a:r>
-            <a:r>
-              <a:rPr lang="en-US" b="1" u="sng" dirty="0">
-                <a:latin typeface="Garamond" pitchFamily="18" charset="0"/>
-              </a:rPr>
-              <a:t>. </a:t>
-            </a:r>
-            <a:r>
-              <a:rPr lang="sr-Cyrl-RS" b="1" u="sng" dirty="0" smtClean="0">
-                <a:latin typeface="Garamond" pitchFamily="18" charset="0"/>
-              </a:rPr>
-              <a:t>Избегавати употребу заштићених поља</a:t>
-            </a:r>
-            <a:r>
-              <a:rPr lang="en-US" b="1" u="sng" dirty="0" smtClean="0">
-                <a:latin typeface="Garamond" pitchFamily="18" charset="0"/>
-              </a:rPr>
-              <a:t>.</a:t>
-            </a:r>
-            <a:endParaRPr lang="en-US" b="1" u="sng" dirty="0">
+              <a:rPr lang="sr-Cyrl-RS" dirty="0" smtClean="0">
+                <a:latin typeface="Garamond" pitchFamily="18" charset="0"/>
+              </a:rPr>
+              <a:t>Класа треба да реализује само један задатак</a:t>
+            </a:r>
+          </a:p>
+          <a:p>
+            <a:pPr marL="1085850" lvl="1" indent="-342900">
+              <a:spcBef>
+                <a:spcPts val="600"/>
+              </a:spcBef>
+              <a:buFont typeface="Arial" panose="020B0604020202020204" pitchFamily="34" charset="0"/>
+              <a:buChar char="•"/>
+              <a:defRPr/>
+            </a:pPr>
+            <a:r>
+              <a:rPr lang="sr-Cyrl-RS" dirty="0" smtClean="0">
+                <a:latin typeface="Garamond" pitchFamily="18" charset="0"/>
+              </a:rPr>
+              <a:t>ако </a:t>
+            </a:r>
+            <a:r>
+              <a:rPr lang="sr-Cyrl-RS" dirty="0" smtClean="0">
+                <a:latin typeface="Garamond" pitchFamily="18" charset="0"/>
+              </a:rPr>
+              <a:t>би се у оквиру једне класе налазила функционалност за пословну логику и за чување података примерка у датотеку или у базу, то би нарушавало овај принцип</a:t>
+            </a:r>
+            <a:r>
+              <a:rPr lang="en-US" dirty="0" smtClean="0">
+                <a:latin typeface="Garamond" pitchFamily="18" charset="0"/>
+              </a:rPr>
+              <a:t> </a:t>
+            </a:r>
+            <a:endParaRPr lang="en-US" dirty="0" smtClean="0">
               <a:latin typeface="Garamond" pitchFamily="18" charset="0"/>
             </a:endParaRPr>
           </a:p>
@@ -14456,93 +14442,7 @@
               <a:rPr lang="sr-Cyrl-RS" dirty="0" smtClean="0">
                 <a:latin typeface="Garamond" pitchFamily="18" charset="0"/>
               </a:rPr>
-              <a:t>Модификатор </a:t>
-            </a:r>
-            <a:r>
-              <a:rPr lang="en-US" sz="1800" dirty="0" smtClean="0">
-                <a:latin typeface="+mn-lt"/>
-              </a:rPr>
-              <a:t>protected</a:t>
-            </a:r>
-            <a:r>
-              <a:rPr lang="en-US" dirty="0" smtClean="0">
-                <a:latin typeface="Garamond" pitchFamily="18" charset="0"/>
-              </a:rPr>
-              <a:t> </a:t>
-            </a:r>
-            <a:r>
-              <a:rPr lang="sr-Cyrl-RS" dirty="0" smtClean="0">
-                <a:latin typeface="Garamond" pitchFamily="18" charset="0"/>
-              </a:rPr>
-              <a:t>не пружа много заштите, из два разлога:</a:t>
-            </a:r>
-          </a:p>
-          <a:p>
-            <a:pPr marL="1200150" lvl="1" indent="-457200">
-              <a:spcBef>
-                <a:spcPts val="600"/>
-              </a:spcBef>
-              <a:buFont typeface="+mj-lt"/>
-              <a:buAutoNum type="arabicPeriod"/>
-              <a:defRPr/>
-            </a:pPr>
-            <a:r>
-              <a:rPr lang="sr-Cyrl-RS" dirty="0" smtClean="0">
-                <a:latin typeface="Garamond" pitchFamily="18" charset="0"/>
-              </a:rPr>
-              <a:t>Може се увек направити поткласа неке класе и тиме приступити </a:t>
-            </a:r>
-            <a:r>
-              <a:rPr lang="sr-Latn-RS" dirty="0" smtClean="0">
-                <a:latin typeface="Garamond" pitchFamily="18" charset="0"/>
-              </a:rPr>
-              <a:t>protected </a:t>
-            </a:r>
-            <a:r>
-              <a:rPr lang="sr-Cyrl-RS" dirty="0" smtClean="0">
-                <a:latin typeface="Garamond" pitchFamily="18" charset="0"/>
-              </a:rPr>
-              <a:t>променљивој. </a:t>
-            </a:r>
-          </a:p>
-          <a:p>
-            <a:pPr marL="1200150" lvl="1" indent="-457200">
-              <a:spcBef>
-                <a:spcPts val="600"/>
-              </a:spcBef>
-              <a:buFont typeface="+mj-lt"/>
-              <a:buAutoNum type="arabicPeriod"/>
-              <a:defRPr/>
-            </a:pPr>
-            <a:r>
-              <a:rPr lang="sr-Cyrl-RS" dirty="0" smtClean="0">
-                <a:latin typeface="Garamond" pitchFamily="18" charset="0"/>
-              </a:rPr>
-              <a:t>У програмском језику Јава све класе у истом пакету имају приступ </a:t>
-            </a:r>
-            <a:r>
-              <a:rPr lang="en-US" dirty="0">
-                <a:latin typeface="Garamond" pitchFamily="18" charset="0"/>
-              </a:rPr>
-              <a:t> </a:t>
-            </a:r>
-            <a:r>
-              <a:rPr lang="en-US" sz="1800" dirty="0">
-                <a:latin typeface="+mn-lt"/>
-              </a:rPr>
-              <a:t>protected</a:t>
-            </a:r>
-            <a:r>
-              <a:rPr lang="en-US" sz="1800" dirty="0">
-                <a:latin typeface="Garamond" pitchFamily="18" charset="0"/>
-              </a:rPr>
-              <a:t> </a:t>
-            </a:r>
-            <a:r>
-              <a:rPr lang="sr-Cyrl-RS" dirty="0" smtClean="0">
-                <a:latin typeface="Garamond" pitchFamily="18" charset="0"/>
-              </a:rPr>
-              <a:t>пољима, тако да се класа може сместити у исти пакет и тиме омогућити приступ. </a:t>
+              <a:t>Када се поштује овај принцип, тестирање је једноставније</a:t>
             </a:r>
           </a:p>
           <a:p>
@@ -14558,27 +14458,22 @@
               <a:rPr lang="sr-Cyrl-RS" dirty="0" smtClean="0">
                 <a:latin typeface="Garamond" pitchFamily="18" charset="0"/>
               </a:rPr>
-              <a:t>Међутим, </a:t>
-            </a:r>
-            <a:r>
-              <a:rPr lang="en-US" sz="1800" dirty="0">
-                <a:latin typeface="+mn-lt"/>
-              </a:rPr>
-              <a:t>protected</a:t>
-            </a:r>
-            <a:r>
-              <a:rPr lang="en-US" sz="1800" dirty="0">
-                <a:latin typeface="Garamond" pitchFamily="18" charset="0"/>
-              </a:rPr>
-              <a:t> </a:t>
-            </a:r>
-            <a:r>
-              <a:rPr lang="sr-Cyrl-RS" dirty="0" smtClean="0">
-                <a:latin typeface="Garamond" pitchFamily="18" charset="0"/>
-              </a:rPr>
-              <a:t>методи могу бити корисни за назначавање да дати метод није спреман за општу употребу и да треба да буде редефинисан у поткласама. </a:t>
-            </a:r>
-            <a:endParaRPr lang="en-US" sz="1800" dirty="0" smtClean="0">
+              <a:t>Мање функционалности у једној класи такође значи да има мање зависности од осталих класа, што доводи до боље организације кода, јер се мање класе са јасном сврхом могу лакше пронаћи</a:t>
+            </a:r>
+            <a:endParaRPr lang="sr-Cyrl-RS" dirty="0" smtClean="0">
+              <a:latin typeface="Garamond" pitchFamily="18" charset="0"/>
+            </a:endParaRPr>
+          </a:p>
+          <a:p>
+            <a:pPr marL="342900" indent="-342900">
+              <a:spcBef>
+                <a:spcPts val="600"/>
+              </a:spcBef>
+              <a:buFont typeface="Arial" panose="020B0604020202020204" pitchFamily="34" charset="0"/>
+              <a:buChar char="•"/>
+              <a:defRPr/>
+            </a:pPr>
+            <a:endParaRPr lang="en-US" dirty="0" smtClean="0">
               <a:latin typeface="Garamond" pitchFamily="18" charset="0"/>
             </a:endParaRPr>
           </a:p>
@@ -14738,12 +14633,28 @@
               <a:defRPr/>
             </a:pPr>
             <a:r>
+              <a:rPr lang="en-US" sz="3600" b="1" kern="0" dirty="0">
+                <a:solidFill>
+                  <a:srgbClr val="0070C0"/>
+                </a:solidFill>
+              </a:rPr>
+              <a:t>SOLID </a:t>
+            </a:r>
+            <a:r>
               <a:rPr lang="sr-Cyrl-RS" sz="3600" b="1" kern="0" dirty="0" smtClean="0">
                 <a:solidFill>
                   <a:srgbClr val="0070C0"/>
                 </a:solidFill>
               </a:rPr>
-              <a:t>Препоруке за наслеђивање</a:t>
+              <a:t>принципи - </a:t>
+            </a:r>
+            <a:r>
+              <a:rPr lang="en-US" sz="3600" b="1" kern="0" dirty="0" smtClean="0">
+                <a:solidFill>
+                  <a:srgbClr val="0070C0"/>
+                </a:solidFill>
+              </a:rPr>
+              <a:t>S</a:t>
             </a:r>
             <a:endParaRPr lang="en-US" sz="3600" b="1" kern="0" dirty="0">
               <a:solidFill>
@@ -14754,6 +14665,11 @@
         </p:txBody>
       </p:sp>
     </p:spTree>
+    <p:extLst>
+      <p:ext uri="{BB962C8B-B14F-4D97-AF65-F5344CB8AC3E}">
+        <p14:creationId xmlns:p14="http://schemas.microsoft.com/office/powerpoint/2010/main" val="811905334"/>
+      </p:ext>
+    </p:extLst>
   </p:cSld>
   <p:clrMapOvr>
     <a:masterClrMapping/>
@@ -14767,13 +14683,13 @@
               <p:cTn id="2" dur="indefinite" nodeType="mainSeq">
                 <p:childTnLst>
                   <p:par>
-                    <p:cTn id="3" fill="hold" nodeType="clickPar">
+                    <p:cTn id="3" fill="hold">
                       <p:stCondLst>
                         <p:cond delay="indefinite"/>
                       </p:stCondLst>
                       <p:childTnLst>
                         <p:par>
-                          <p:cTn id="4" fill="hold" nodeType="withGroup">
+                          <p:cTn id="4" fill="hold">
                             <p:stCondLst>
                               <p:cond delay="0"/>
                             </p:stCondLst>
@@ -14828,13 +14744,13 @@
                     </p:cTn>
                   </p:par>
                   <p:par>
-                    <p:cTn id="8" fill="hold" nodeType="clickPar">
+                    <p:cTn id="8" fill="hold">
                       <p:stCondLst>
                         <p:cond delay="indefinite"/>
                       </p:stCondLst>
                       <p:childTnLst>
                         <p:par>
-                          <p:cTn id="9" fill="hold" nodeType="withGroup">
+                          <p:cTn id="9" fill="hold">
                             <p:stCondLst>
                               <p:cond delay="0"/>
                             </p:stCondLst>
@@ -14889,13 +14805,13 @@
                     </p:cTn>
                   </p:par>
                   <p:par>
-                    <p:cTn id="13" fill="hold" nodeType="clickPar">
+                    <p:cTn id="13" fill="hold">
                       <p:stCondLst>
                         <p:cond delay="indefinite"/>
                       </p:stCondLst>
                       <p:childTnLst>
                         <p:par>
-                          <p:cTn id="14" fill="hold" nodeType="withGroup">
+                          <p:cTn id="14" fill="hold">
                             <p:stCondLst>
                               <p:cond delay="0"/>
                             </p:stCondLst>
@@ -14950,13 +14866,13 @@
                     </p:cTn>
                   </p:par>
                   <p:par>
-                    <p:cTn id="18" fill="hold" nodeType="clickPar">
+                    <p:cTn id="18" fill="hold">
                       <p:stCondLst>
                         <p:cond delay="indefinite"/>
                       </p:stCondLst>
                       <p:childTnLst>
                         <p:par>
-                          <p:cTn id="19" fill="hold" nodeType="withGroup">
+                          <p:cTn id="19" fill="hold">
                             <p:stCondLst>
                               <p:cond delay="0"/>
                             </p:stCondLst>
@@ -15004,15 +14920,33 @@
                                   </p:childTnLst>
                                 </p:cTn>
                               </p:par>
+                            </p:childTnLst>
+                          </p:cTn>
+                        </p:par>
+                      </p:childTnLst>
+                    </p:cTn>
+                  </p:par>
+                  <p:par>
+                    <p:cTn id="23" fill="hold">
+                      <p:stCondLst>
+                        <p:cond delay="indefinite"/>
+                      </p:stCondLst>
+                      <p:childTnLst>
+                        <p:par>
+                          <p:cTn id="24" fill="hold">
+                            <p:stCondLst>
+                              <p:cond delay="0"/>
+                            </p:stCondLst>
+                            <p:childTnLst>
                               <p:par>
-                                <p:cTn id="23" presetID="3" presetClass="entr" presetSubtype="10" fill="hold" nodeType="withEffect">
+                                <p:cTn id="25" presetID="3" presetClass="entr" presetSubtype="10" fill="hold" nodeType="clickEffect">
                                   <p:stCondLst>
                                     <p:cond delay="0"/>
                                   </p:stCondLst>
                                   <p:childTnLst>
                                     <p:set>
                                       <p:cBhvr>
-                                        <p:cTn id="24" dur="1" fill="hold">
+                                        <p:cTn id="26" dur="1" fill="hold">
                                           <p:stCondLst>
                                             <p:cond delay="0"/>
                                           </p:stCondLst>
@@ -15034,54 +14968,11 @@
                                     </p:set>
                                     <p:animEffect transition="in" filter="blinds(horizontal)">
                                       <p:cBhvr>
-                                        <p:cTn id="25" dur="500"/>
+                                        <p:cTn id="27" dur="500"/>
                                         <p:tgtEl>
                                           <p:spTgt spid="26626">
                                             <p:txEl>
                                               <p:pRg st="4" end="4"/>
-                                            </p:txEl>
-                                          </p:spTgt>
-                                        </p:tgtEl>
-                                      </p:cBhvr>
-                                    </p:animEffect>
-                                  </p:childTnLst>
-                                </p:cTn>
-                              </p:par>
-                              <p:par>
-                                <p:cTn id="26" presetID="3" presetClass="entr" presetSubtype="10" fill="hold" nodeType="withEffect">
-                                  <p:stCondLst>
-                                    <p:cond delay="0"/>
-                                  </p:stCondLst>
-                                  <p:childTnLst>
-                                    <p:set>
-                                      <p:cBhvr>
-                                        <p:cTn id="27" dur="1" fill="hold">
-                                          <p:stCondLst>
-                                            <p:cond delay="0"/>
-                                          </p:stCondLst>
-                                        </p:cTn>
-                                        <p:tgtEl>
-                                          <p:spTgt spid="26626">
-                                            <p:txEl>
-                                              <p:pRg st="5" end="5"/>
-                                            </p:txEl>
-                                          </p:spTgt>
-                                        </p:tgtEl>
-                                        <p:attrNameLst>
-                                          <p:attrName>style.visibility</p:attrName>
-                                        </p:attrNameLst>
-                                      </p:cBhvr>
-                                      <p:to>
-                                        <p:strVal val="visible"/>
-                                      </p:to>
-                                    </p:set>
-                                    <p:animEffect transition="in" filter="blinds(horizontal)">
-                                      <p:cBhvr>
-                                        <p:cTn id="28" dur="500"/>
-                                        <p:tgtEl>
-                                          <p:spTgt spid="26626">
-                                            <p:txEl>
-                                              <p:pRg st="5" end="5"/>
                                             </p:txEl>
                                           </p:spTgt>
                                         </p:tgtEl>
@@ -15097,26 +14988,26 @@
                     </p:cTn>
                   </p:par>
                   <p:par>
-                    <p:cTn id="29" fill="hold">
+                    <p:cTn id="28" fill="hold">
                       <p:stCondLst>
                         <p:cond delay="indefinite"/>
                       </p:stCondLst>
                       <p:childTnLst>
                         <p:par>
-                          <p:cTn id="30" fill="hold">
+                          <p:cTn id="29" fill="hold">
                             <p:stCondLst>
                               <p:cond delay="0"/>
                             </p:stCondLst>
                             <p:childTnLst>
                               <p:par>
-                                <p:cTn id="31" presetID="3" presetClass="entr" presetSubtype="10" fill="hold" nodeType="clickEffect">
+                                <p:cTn id="30" presetID="3" presetClass="entr" presetSubtype="10" fill="hold" nodeType="clickEffect">
                                   <p:stCondLst>
                                     <p:cond delay="0"/>
                                   </p:stCondLst>
                                   <p:childTnLst>
                                     <p:set>
                                       <p:cBhvr>
-                                        <p:cTn id="32" dur="1" fill="hold">
+                                        <p:cTn id="31" dur="1" fill="hold">
                                           <p:stCondLst>
                                             <p:cond delay="0"/>
                                           </p:stCondLst>
@@ -15124,7 +15015,7 @@
                                         <p:tgtEl>
                                           <p:spTgt spid="26626">
                                             <p:txEl>
-                                              <p:pRg st="6" end="6"/>
+                                              <p:pRg st="5" end="5"/>
                                             </p:txEl>
                                           </p:spTgt>
                                         </p:tgtEl>
@@ -15138,11 +15029,11 @@
                                     </p:set>
                                     <p:animEffect transition="in" filter="blinds(horizontal)">
                                       <p:cBhvr>
-                                        <p:cTn id="33" dur="500"/>
+                                        <p:cTn id="32" dur="500"/>
                                         <p:tgtEl>
                                           <p:spTgt spid="26626">
                                             <p:txEl>
-                                              <p:pRg st="6" end="6"/>
+                                              <p:pRg st="5" end="5"/>
                                             </p:txEl>
                                           </p:spTgt>
                                         </p:tgtEl>
@@ -15209,8 +15100,8 @@
         </p:nvSpPr>
         <p:spPr bwMode="auto">
           <a:xfrm>
-            <a:off x="539552" y="1628800"/>
-            <a:ext cx="8451850" cy="5062924"/>
+            <a:off x="539750" y="1416050"/>
+            <a:ext cx="8451850" cy="907941"/>
           </a:xfrm>
           <a:prstGeom prst="rect">
             <a:avLst/>
@@ -15349,30 +15240,54 @@
               <a:defRPr/>
             </a:pPr>
             <a:r>
-              <a:rPr lang="sr-Cyrl-RS" b="1" u="sng" dirty="0" smtClean="0">
-                <a:latin typeface="Garamond" pitchFamily="18" charset="0"/>
-              </a:rPr>
-              <a:t>3. Користити наслеђивање за моделирање односа</a:t>
+              <a:rPr lang="sr-Cyrl-RS" dirty="0" smtClean="0">
+                <a:latin typeface="Garamond" pitchFamily="18" charset="0"/>
+              </a:rPr>
+              <a:t>Принцип </a:t>
+            </a:r>
+            <a:r>
+              <a:rPr lang="sr-Cyrl-RS" dirty="0">
+                <a:latin typeface="Garamond" pitchFamily="18" charset="0"/>
+              </a:rPr>
+              <a:t>отворености и затворености </a:t>
+            </a:r>
+            <a:r>
+              <a:rPr lang="sr-Cyrl-RS" dirty="0" smtClean="0">
+                <a:latin typeface="Garamond" pitchFamily="18" charset="0"/>
+              </a:rPr>
+              <a:t>(</a:t>
             </a:r>
             <a:r>
               <a:rPr lang="en-US" b="1" u="sng" dirty="0" smtClean="0">
                 <a:latin typeface="Garamond" pitchFamily="18" charset="0"/>
               </a:rPr>
-              <a:t> “</a:t>
-            </a:r>
-            <a:r>
-              <a:rPr lang="sr-Cyrl-RS" b="1" u="sng" dirty="0" smtClean="0">
-                <a:latin typeface="Garamond" pitchFamily="18" charset="0"/>
-              </a:rPr>
-              <a:t>јесте</a:t>
-            </a:r>
-            <a:r>
-              <a:rPr lang="en-US" b="1" u="sng" dirty="0" smtClean="0">
-                <a:latin typeface="Garamond" pitchFamily="18" charset="0"/>
-              </a:rPr>
-              <a:t>”.</a:t>
-            </a:r>
-            <a:endParaRPr lang="en-US" b="1" u="sng" dirty="0">
+              <a:t>O</a:t>
+            </a:r>
+            <a:r>
+              <a:rPr lang="en-US" b="1" dirty="0" smtClean="0">
+                <a:latin typeface="Garamond" pitchFamily="18" charset="0"/>
+              </a:rPr>
+              <a:t>pen closed</a:t>
+            </a:r>
+            <a:r>
+              <a:rPr lang="en-US" dirty="0" smtClean="0">
+                <a:latin typeface="Garamond" pitchFamily="18" charset="0"/>
+              </a:rPr>
+              <a:t>) </a:t>
+            </a:r>
+            <a:r>
+              <a:rPr lang="en-US" dirty="0" smtClean="0">
+                <a:latin typeface="Garamond" pitchFamily="18" charset="0"/>
+              </a:rPr>
+              <a:t>– </a:t>
+            </a:r>
+            <a:r>
+              <a:rPr lang="sr-Cyrl-RS" dirty="0" smtClean="0">
+                <a:latin typeface="Garamond" pitchFamily="18" charset="0"/>
+              </a:rPr>
+              <a:t> </a:t>
+            </a:r>
+            <a:endParaRPr lang="sr-Cyrl-RS" dirty="0" smtClean="0">
               <a:latin typeface="Garamond" pitchFamily="18" charset="0"/>
             </a:endParaRPr>
           </a:p>
@@ -15389,247 +15304,13 @@
               <a:rPr lang="sr-Cyrl-RS" dirty="0" smtClean="0">
                 <a:latin typeface="Garamond" pitchFamily="18" charset="0"/>
               </a:rPr>
-              <a:t>Понекад програмери претерују у коришћењу наслеђивања</a:t>
+              <a:t>По овом принципу</a:t>
             </a:r>
             <a:r>
               <a:rPr lang="en-US" dirty="0" smtClean="0">
                 <a:latin typeface="Garamond" pitchFamily="18" charset="0"/>
               </a:rPr>
-              <a:t>. </a:t>
-            </a:r>
-            <a:endParaRPr lang="sr-Cyrl-RS" dirty="0" smtClean="0">
-              <a:latin typeface="Garamond" pitchFamily="18" charset="0"/>
-            </a:endParaRPr>
-          </a:p>
-          <a:p>
-            <a:pPr>
-              <a:spcBef>
-                <a:spcPts val="600"/>
-              </a:spcBef>
-              <a:defRPr/>
-            </a:pPr>
-            <a:endParaRPr lang="sr-Cyrl-RS" sz="2000" dirty="0" smtClean="0">
-              <a:latin typeface="Garamond" pitchFamily="18" charset="0"/>
-            </a:endParaRPr>
-          </a:p>
-          <a:p>
-            <a:pPr>
-              <a:spcBef>
-                <a:spcPts val="600"/>
-              </a:spcBef>
-              <a:defRPr/>
-            </a:pPr>
-            <a:r>
-              <a:rPr lang="sr-Cyrl-RS" sz="2000" dirty="0" smtClean="0">
-                <a:latin typeface="Garamond" pitchFamily="18" charset="0"/>
-              </a:rPr>
-              <a:t>Претпоставимо да нам требају радници по уговору, тј. класа</a:t>
-            </a:r>
-            <a:r>
-              <a:rPr lang="en-US" sz="2000" dirty="0" smtClean="0">
-                <a:latin typeface="Garamond" pitchFamily="18" charset="0"/>
-              </a:rPr>
-              <a:t> </a:t>
-            </a:r>
-            <a:r>
-              <a:rPr lang="en-US" sz="2000" dirty="0" smtClean="0">
-                <a:latin typeface="+mn-lt"/>
-              </a:rPr>
-              <a:t>Contractor</a:t>
-            </a:r>
-            <a:r>
-              <a:rPr lang="en-US" sz="2000" dirty="0" smtClean="0">
-                <a:latin typeface="Garamond" pitchFamily="18" charset="0"/>
-              </a:rPr>
-              <a:t>. </a:t>
-            </a:r>
-            <a:r>
-              <a:rPr lang="sr-Cyrl-RS" sz="2000" dirty="0" smtClean="0">
-                <a:latin typeface="Garamond" pitchFamily="18" charset="0"/>
-              </a:rPr>
-              <a:t>Радници под уговором садрже имена и датум запослења, али не садрже плату</a:t>
-            </a:r>
-            <a:r>
-              <a:rPr lang="en-US" sz="2000" dirty="0" smtClean="0">
-                <a:latin typeface="Garamond" pitchFamily="18" charset="0"/>
-              </a:rPr>
               <a:t>, </a:t>
-            </a:r>
-            <a:r>
-              <a:rPr lang="sr-Cyrl-RS" sz="2000" dirty="0" smtClean="0">
-                <a:latin typeface="Garamond" pitchFamily="18" charset="0"/>
-              </a:rPr>
-              <a:t>већ се плаћају по сату</a:t>
-            </a:r>
-            <a:r>
-              <a:rPr lang="en-US" sz="2000" dirty="0" smtClean="0">
-                <a:latin typeface="Garamond" pitchFamily="18" charset="0"/>
-              </a:rPr>
-              <a:t>. </a:t>
-            </a:r>
-            <a:endParaRPr lang="sr-Cyrl-RS" sz="2000" dirty="0" smtClean="0">
-              <a:latin typeface="Garamond" pitchFamily="18" charset="0"/>
-            </a:endParaRPr>
-          </a:p>
-          <a:p>
-            <a:pPr>
-              <a:spcBef>
-                <a:spcPts val="600"/>
-              </a:spcBef>
-              <a:defRPr/>
-            </a:pPr>
-            <a:endParaRPr lang="sr-Cyrl-RS" sz="2000" dirty="0" smtClean="0">
-              <a:latin typeface="Garamond" pitchFamily="18" charset="0"/>
-            </a:endParaRPr>
-          </a:p>
-          <a:p>
-            <a:pPr>
-              <a:spcBef>
-                <a:spcPts val="600"/>
-              </a:spcBef>
-              <a:defRPr/>
-            </a:pPr>
-            <a:r>
-              <a:rPr lang="sr-Cyrl-RS" sz="2000" dirty="0" smtClean="0">
-                <a:latin typeface="Garamond" pitchFamily="18" charset="0"/>
-              </a:rPr>
-              <a:t>Иако постоји изазов да се класа </a:t>
-            </a:r>
-            <a:r>
-              <a:rPr lang="en-US" sz="2000" dirty="0" smtClean="0">
-                <a:latin typeface="+mn-lt"/>
-              </a:rPr>
-              <a:t>Contractor</a:t>
-            </a:r>
-            <a:r>
-              <a:rPr lang="en-US" sz="2000" dirty="0" smtClean="0">
-                <a:latin typeface="Garamond" pitchFamily="18" charset="0"/>
-              </a:rPr>
-              <a:t> </a:t>
-            </a:r>
-            <a:r>
-              <a:rPr lang="sr-Cyrl-RS" sz="2000" dirty="0" smtClean="0">
-                <a:latin typeface="Garamond" pitchFamily="18" charset="0"/>
-              </a:rPr>
-              <a:t>направи као подкласа класе </a:t>
-            </a:r>
-            <a:r>
-              <a:rPr lang="en-US" sz="2000" dirty="0" smtClean="0">
-                <a:latin typeface="+mn-lt"/>
-              </a:rPr>
-              <a:t>Employee</a:t>
-            </a:r>
-            <a:r>
-              <a:rPr lang="en-US" sz="2000" dirty="0" smtClean="0">
-                <a:latin typeface="Garamond" pitchFamily="18" charset="0"/>
-              </a:rPr>
-              <a:t> </a:t>
-            </a:r>
-            <a:r>
-              <a:rPr lang="sr-Cyrl-RS" sz="2000" dirty="0" smtClean="0">
-                <a:latin typeface="Garamond" pitchFamily="18" charset="0"/>
-              </a:rPr>
-              <a:t>којој је додато поље</a:t>
-            </a:r>
-            <a:r>
-              <a:rPr lang="en-US" sz="2000" dirty="0" smtClean="0">
-                <a:latin typeface="Garamond" pitchFamily="18" charset="0"/>
-              </a:rPr>
-              <a:t> </a:t>
-            </a:r>
-            <a:r>
-              <a:rPr lang="en-US" sz="2000" dirty="0" err="1" smtClean="0">
-                <a:latin typeface="+mn-lt"/>
-              </a:rPr>
-              <a:t>hourlyWage</a:t>
-            </a:r>
-            <a:r>
-              <a:rPr lang="sr-Cyrl-RS" sz="2000" dirty="0" smtClean="0">
-                <a:latin typeface="Garamond" pitchFamily="18" charset="0"/>
-              </a:rPr>
-              <a:t>, то не би била добра идеја јер би тада примерак класе</a:t>
-            </a:r>
-            <a:r>
-              <a:rPr lang="en-US" sz="2000" dirty="0">
-                <a:latin typeface="Garamond" pitchFamily="18" charset="0"/>
-              </a:rPr>
-              <a:t> </a:t>
-            </a:r>
-            <a:r>
-              <a:rPr lang="en-US" sz="2000" dirty="0">
-                <a:latin typeface="+mn-lt"/>
-              </a:rPr>
-              <a:t>Contractor</a:t>
-            </a:r>
-            <a:r>
-              <a:rPr lang="sr-Cyrl-RS" sz="2000" dirty="0" smtClean="0">
-                <a:latin typeface="Garamond" pitchFamily="18" charset="0"/>
-              </a:rPr>
-              <a:t> садржао и поље за плату и поље за сатницу, а то би водило у проблеме</a:t>
-            </a:r>
-            <a:r>
-              <a:rPr lang="en-US" sz="2000" dirty="0" smtClean="0">
-                <a:latin typeface="Garamond" pitchFamily="18" charset="0"/>
-              </a:rPr>
-              <a:t>.</a:t>
-            </a:r>
-            <a:endParaRPr lang="sr-Cyrl-RS" sz="2000" dirty="0" smtClean="0">
-              <a:latin typeface="Garamond" pitchFamily="18" charset="0"/>
-            </a:endParaRPr>
-          </a:p>
-          <a:p>
-            <a:pPr>
-              <a:spcBef>
-                <a:spcPts val="600"/>
-              </a:spcBef>
-              <a:defRPr/>
-            </a:pPr>
-            <a:endParaRPr lang="sr-Cyrl-RS" sz="2000" dirty="0" smtClean="0">
-              <a:latin typeface="Garamond" pitchFamily="18" charset="0"/>
-            </a:endParaRPr>
-          </a:p>
-          <a:p>
-            <a:pPr>
-              <a:spcBef>
-                <a:spcPts val="600"/>
-              </a:spcBef>
-              <a:defRPr/>
-            </a:pPr>
-            <a:r>
-              <a:rPr lang="sr-Cyrl-RS" sz="2000" dirty="0" smtClean="0">
-                <a:latin typeface="Garamond" pitchFamily="18" charset="0"/>
-              </a:rPr>
-              <a:t>Наиме однос између ентитета радник по уговору и запослени не пролази тест</a:t>
-            </a:r>
-            <a:r>
-              <a:rPr lang="en-US" sz="2000" dirty="0" smtClean="0">
-                <a:latin typeface="Garamond" pitchFamily="18" charset="0"/>
-              </a:rPr>
-              <a:t> “</a:t>
-            </a:r>
-            <a:r>
-              <a:rPr lang="sr-Cyrl-RS" sz="2000" dirty="0" smtClean="0">
-                <a:latin typeface="Garamond" pitchFamily="18" charset="0"/>
-              </a:rPr>
-              <a:t>јесте</a:t>
-            </a:r>
-            <a:r>
-              <a:rPr lang="en-US" sz="2000" dirty="0" smtClean="0">
-                <a:latin typeface="Garamond" pitchFamily="18" charset="0"/>
-              </a:rPr>
-              <a:t>”. </a:t>
-            </a:r>
-            <a:r>
-              <a:rPr lang="sr-Cyrl-RS" sz="2000" dirty="0" smtClean="0">
-                <a:latin typeface="Garamond" pitchFamily="18" charset="0"/>
-              </a:rPr>
-              <a:t>Радник по уговору није специјалан случај запосленог</a:t>
-            </a:r>
-            <a:r>
-              <a:rPr lang="en-US" sz="2000" dirty="0" smtClean="0">
-                <a:latin typeface="Garamond" pitchFamily="18" charset="0"/>
-              </a:rPr>
-              <a:t>.</a:t>
             </a:r>
           </a:p>
         </p:txBody>
@@ -15788,12 +15469,28 @@
               <a:defRPr/>
             </a:pPr>
             <a:r>
+              <a:rPr lang="en-US" sz="3600" b="1" kern="0" dirty="0">
+                <a:solidFill>
+                  <a:srgbClr val="0070C0"/>
+                </a:solidFill>
+              </a:rPr>
+              <a:t>SOLID </a:t>
+            </a:r>
+            <a:r>
               <a:rPr lang="sr-Cyrl-RS" sz="3600" b="1" kern="0" dirty="0" smtClean="0">
                 <a:solidFill>
                   <a:srgbClr val="0070C0"/>
                 </a:solidFill>
               </a:rPr>
-              <a:t>Препоруке за наслеђивање (2)</a:t>
+              <a:t>принципи - </a:t>
+            </a:r>
+            <a:r>
+              <a:rPr lang="sr-Cyrl-RS" sz="3600" b="1" kern="0" dirty="0">
+                <a:solidFill>
+                  <a:srgbClr val="0070C0"/>
+                </a:solidFill>
+              </a:rPr>
+              <a:t>О</a:t>
             </a:r>
             <a:endParaRPr lang="en-US" sz="3600" b="1" kern="0" dirty="0">
               <a:solidFill>
@@ -15804,6 +15501,11 @@
         </p:txBody>
       </p:sp>
     </p:spTree>
+    <p:extLst>
+      <p:ext uri="{BB962C8B-B14F-4D97-AF65-F5344CB8AC3E}">
+        <p14:creationId xmlns:p14="http://schemas.microsoft.com/office/powerpoint/2010/main" val="1060689140"/>
+      </p:ext>
+    </p:extLst>
   </p:cSld>
   <p:clrMapOvr>
     <a:masterClrMapping/>
@@ -15817,13 +15519,13 @@
               <p:cTn id="2" dur="indefinite" nodeType="mainSeq">
                 <p:childTnLst>
                   <p:par>
-                    <p:cTn id="3" fill="hold" nodeType="clickPar">
+                    <p:cTn id="3" fill="hold">
                       <p:stCondLst>
                         <p:cond delay="indefinite"/>
                       </p:stCondLst>
                       <p:childTnLst>
                         <p:par>
-                          <p:cTn id="4" fill="hold" nodeType="withGroup">
+                          <p:cTn id="4" fill="hold">
                             <p:stCondLst>
                               <p:cond delay="0"/>
                             </p:stCondLst>
@@ -15878,13 +15580,13 @@
                     </p:cTn>
                   </p:par>
                   <p:par>
-                    <p:cTn id="8" fill="hold" nodeType="clickPar">
+                    <p:cTn id="8" fill="hold">
                       <p:stCondLst>
                         <p:cond delay="indefinite"/>
                       </p:stCondLst>
                       <p:childTnLst>
                         <p:par>
-                          <p:cTn id="9" fill="hold" nodeType="withGroup">
+                          <p:cTn id="9" fill="hold">
                             <p:stCondLst>
                               <p:cond delay="0"/>
                             </p:stCondLst>
@@ -15924,189 +15626,6 @@
                                           <p:spTgt spid="26626">
                                             <p:txEl>
                                               <p:pRg st="1" end="1"/>
-                                            </p:txEl>
-                                          </p:spTgt>
-                                        </p:tgtEl>
-                                      </p:cBhvr>
-                                    </p:animEffect>
-                                  </p:childTnLst>
-                                </p:cTn>
-                              </p:par>
-                            </p:childTnLst>
-                          </p:cTn>
-                        </p:par>
-                      </p:childTnLst>
-                    </p:cTn>
-                  </p:par>
-                  <p:par>
-                    <p:cTn id="13" fill="hold">
-                      <p:stCondLst>
-                        <p:cond delay="indefinite"/>
-                      </p:stCondLst>
-                      <p:childTnLst>
-                        <p:par>
-                          <p:cTn id="14" fill="hold">
-                            <p:stCondLst>
-                              <p:cond delay="0"/>
-                            </p:stCondLst>
-                            <p:childTnLst>
-                              <p:par>
-                                <p:cTn id="15" presetID="3" presetClass="entr" presetSubtype="10" fill="hold" nodeType="clickEffect">
-                                  <p:stCondLst>
-                                    <p:cond delay="0"/>
-                                  </p:stCondLst>
-                                  <p:childTnLst>
-                                    <p:set>
-                                      <p:cBhvr>
-                                        <p:cTn id="16" dur="1" fill="hold">
-                                          <p:stCondLst>
-                                            <p:cond delay="0"/>
-                                          </p:stCondLst>
-                                        </p:cTn>
-                                        <p:tgtEl>
-                                          <p:spTgt spid="26626">
-                                            <p:txEl>
-                                              <p:pRg st="3" end="3"/>
-                                            </p:txEl>
-                                          </p:spTgt>
-                                        </p:tgtEl>
-                                        <p:attrNameLst>
-                                          <p:attrName>style.visibility</p:attrName>
-                                        </p:attrNameLst>
-                                      </p:cBhvr>
-                                      <p:to>
-                                        <p:strVal val="visible"/>
-                                      </p:to>
-                                    </p:set>
-                                    <p:animEffect transition="in" filter="blinds(horizontal)">
-                                      <p:cBhvr>
-                                        <p:cTn id="17" dur="500"/>
-                                        <p:tgtEl>
-                                          <p:spTgt spid="26626">
-                                            <p:txEl>
-                                              <p:pRg st="3" end="3"/>
-                                            </p:txEl>
-                                          </p:spTgt>
-                                        </p:tgtEl>
-                                      </p:cBhvr>
-                                    </p:animEffect>
-                                  </p:childTnLst>
-                                </p:cTn>
-                              </p:par>
-                            </p:childTnLst>
-                          </p:cTn>
-                        </p:par>
-                      </p:childTnLst>
-                    </p:cTn>
-                  </p:par>
-                  <p:par>
-                    <p:cTn id="18" fill="hold" nodeType="clickPar">
-                      <p:stCondLst>
-                        <p:cond delay="indefinite"/>
-                      </p:stCondLst>
-                      <p:childTnLst>
-                        <p:par>
-                          <p:cTn id="19" fill="hold" nodeType="withGroup">
-                            <p:stCondLst>
-                              <p:cond delay="0"/>
-                            </p:stCondLst>
-                            <p:childTnLst>
-                              <p:par>
-                                <p:cTn id="20" presetID="3" presetClass="entr" presetSubtype="10" fill="hold" nodeType="clickEffect">
-                                  <p:stCondLst>
-                                    <p:cond delay="0"/>
-                                  </p:stCondLst>
-                                  <p:childTnLst>
-                                    <p:set>
-                                      <p:cBhvr>
-                                        <p:cTn id="21" dur="1" fill="hold">
-                                          <p:stCondLst>
-                                            <p:cond delay="0"/>
-                                          </p:stCondLst>
-                                        </p:cTn>
-                                        <p:tgtEl>
-                                          <p:spTgt spid="26626">
-                                            <p:txEl>
-                                              <p:pRg st="5" end="5"/>
-                                            </p:txEl>
-                                          </p:spTgt>
-                                        </p:tgtEl>
-                                        <p:attrNameLst>
-                                          <p:attrName>style.visibility</p:attrName>
-                                        </p:attrNameLst>
-                                      </p:cBhvr>
-                                      <p:to>
-                                        <p:strVal val="visible"/>
-                                      </p:to>
-                                    </p:set>
-                                    <p:animEffect transition="in" filter="blinds(horizontal)">
-                                      <p:cBhvr>
-                                        <p:cTn id="22" dur="500"/>
-                                        <p:tgtEl>
-                                          <p:spTgt spid="26626">
-                                            <p:txEl>
-                                              <p:pRg st="5" end="5"/>
-                                            </p:txEl>
-                                          </p:spTgt>
-                                        </p:tgtEl>
-                                      </p:cBhvr>
-                                    </p:animEffect>
-                                  </p:childTnLst>
-                                </p:cTn>
-                              </p:par>
-                            </p:childTnLst>
-                          </p:cTn>
-                        </p:par>
-                      </p:childTnLst>
-                    </p:cTn>
-                  </p:par>
-                  <p:par>
-                    <p:cTn id="23" fill="hold" nodeType="clickPar">
-                      <p:stCondLst>
-                        <p:cond delay="indefinite"/>
-                      </p:stCondLst>
-                      <p:childTnLst>
-                        <p:par>
-                          <p:cTn id="24" fill="hold" nodeType="withGroup">
-                            <p:stCondLst>
-                              <p:cond delay="0"/>
-                            </p:stCondLst>
-                            <p:childTnLst>
-                              <p:par>
-                                <p:cTn id="25" presetID="3" presetClass="entr" presetSubtype="10" fill="hold" nodeType="clickEffect">
-                                  <p:stCondLst>
-                                    <p:cond delay="0"/>
-                                  </p:stCondLst>
-                                  <p:childTnLst>
-                                    <p:set>
-                                      <p:cBhvr>
-                                        <p:cTn id="26" dur="1" fill="hold">
-                                          <p:stCondLst>
-                                            <p:cond delay="0"/>
-                                          </p:stCondLst>
-                                        </p:cTn>
-                                        <p:tgtEl>
-                                          <p:spTgt spid="26626">
-                                            <p:txEl>
-                                              <p:pRg st="7" end="7"/>
-                                            </p:txEl>
-                                          </p:spTgt>
-                                        </p:tgtEl>
-                                        <p:attrNameLst>
-                                          <p:attrName>style.visibility</p:attrName>
-                                        </p:attrNameLst>
-                                      </p:cBhvr>
-                                      <p:to>
-                                        <p:strVal val="visible"/>
-                                      </p:to>
-                                    </p:set>
-                                    <p:animEffect transition="in" filter="blinds(horizontal)">
-                                      <p:cBhvr>
-                                        <p:cTn id="27" dur="500"/>
-                                        <p:tgtEl>
-                                          <p:spTgt spid="26626">
-                                            <p:txEl>
-                                              <p:pRg st="7" end="7"/>
                                             </p:txEl>
                                           </p:spTgt>
                                         </p:tgtEl>
@@ -16517,6 +16036,4731 @@
 </file>
 
 <file path=ppt/slides/slide20.xml><?xml version="1.0" encoding="utf-8"?>
+<p:sld xmlns:a="http://schemas.openxmlformats.org/drawingml/2006/main" xmlns:r="http://schemas.openxmlformats.org/officeDocument/2006/relationships" xmlns:p="http://schemas.openxmlformats.org/presentationml/2006/main">
+  <p:cSld>
+    <p:spTree>
+      <p:nvGrpSpPr>
+        <p:cNvPr id="1" name=""/>
+        <p:cNvGrpSpPr/>
+        <p:nvPr/>
+      </p:nvGrpSpPr>
+      <p:grpSpPr>
+        <a:xfrm>
+          <a:off x="0" y="0"/>
+          <a:ext cx="0" cy="0"/>
+          <a:chOff x="0" y="0"/>
+          <a:chExt cx="0" cy="0"/>
+        </a:xfrm>
+      </p:grpSpPr>
+      <p:sp>
+        <p:nvSpPr>
+          <p:cNvPr id="26626" name="Text Box 2"/>
+          <p:cNvSpPr txBox="1">
+            <a:spLocks noChangeArrowheads="1"/>
+          </p:cNvSpPr>
+          <p:nvPr/>
+        </p:nvSpPr>
+        <p:spPr bwMode="auto">
+          <a:xfrm>
+            <a:off x="539750" y="1416050"/>
+            <a:ext cx="8451850" cy="5724644"/>
+          </a:xfrm>
+          <a:prstGeom prst="rect">
+            <a:avLst/>
+          </a:prstGeom>
+          <a:noFill/>
+          <a:ln>
+            <a:noFill/>
+          </a:ln>
+          <a:extLst>
+            <a:ext uri="{909E8E84-426E-40DD-AFC4-6F175D3DCCD1}">
+              <a14:hiddenFill xmlns:a14="http://schemas.microsoft.com/office/drawing/2010/main">
+                <a:solidFill>
+                  <a:srgbClr val="FFFFFF"/>
+                </a:solidFill>
+              </a14:hiddenFill>
+            </a:ext>
+            <a:ext uri="{91240B29-F687-4F45-9708-019B960494DF}">
+              <a14:hiddenLine xmlns:a14="http://schemas.microsoft.com/office/drawing/2010/main" w="9525">
+                <a:solidFill>
+                  <a:srgbClr val="000000"/>
+                </a:solidFill>
+                <a:miter lim="800000"/>
+                <a:headEnd/>
+                <a:tailEnd/>
+              </a14:hiddenLine>
+            </a:ext>
+          </a:extLst>
+        </p:spPr>
+        <p:txBody>
+          <a:bodyPr>
+            <a:spAutoFit/>
+          </a:bodyPr>
+          <a:lstStyle>
+            <a:lvl1pPr eaLnBrk="0" hangingPunct="0">
+              <a:defRPr sz="2400">
+                <a:solidFill>
+                  <a:schemeClr val="tx1"/>
+                </a:solidFill>
+                <a:latin typeface="Times New Roman" pitchFamily="18" charset="0"/>
+              </a:defRPr>
+            </a:lvl1pPr>
+            <a:lvl2pPr marL="742950" indent="-285750" eaLnBrk="0" hangingPunct="0">
+              <a:defRPr sz="2400">
+                <a:solidFill>
+                  <a:schemeClr val="tx1"/>
+                </a:solidFill>
+                <a:latin typeface="Times New Roman" pitchFamily="18" charset="0"/>
+              </a:defRPr>
+            </a:lvl2pPr>
+            <a:lvl3pPr marL="1143000" indent="-228600" eaLnBrk="0" hangingPunct="0">
+              <a:defRPr sz="2400">
+                <a:solidFill>
+                  <a:schemeClr val="tx1"/>
+                </a:solidFill>
+                <a:latin typeface="Times New Roman" pitchFamily="18" charset="0"/>
+              </a:defRPr>
+            </a:lvl3pPr>
+            <a:lvl4pPr marL="1600200" indent="-228600" eaLnBrk="0" hangingPunct="0">
+              <a:defRPr sz="2400">
+                <a:solidFill>
+                  <a:schemeClr val="tx1"/>
+                </a:solidFill>
+                <a:latin typeface="Times New Roman" pitchFamily="18" charset="0"/>
+              </a:defRPr>
+            </a:lvl4pPr>
+            <a:lvl5pPr marL="2057400" indent="-228600" eaLnBrk="0" hangingPunct="0">
+              <a:defRPr sz="2400">
+                <a:solidFill>
+                  <a:schemeClr val="tx1"/>
+                </a:solidFill>
+                <a:latin typeface="Times New Roman" pitchFamily="18" charset="0"/>
+              </a:defRPr>
+            </a:lvl5pPr>
+            <a:lvl6pPr marL="2514600" indent="-228600" eaLnBrk="0" fontAlgn="base" hangingPunct="0">
+              <a:spcBef>
+                <a:spcPct val="0"/>
+              </a:spcBef>
+              <a:spcAft>
+                <a:spcPct val="0"/>
+              </a:spcAft>
+              <a:defRPr sz="2400">
+                <a:solidFill>
+                  <a:schemeClr val="tx1"/>
+                </a:solidFill>
+                <a:latin typeface="Times New Roman" pitchFamily="18" charset="0"/>
+              </a:defRPr>
+            </a:lvl6pPr>
+            <a:lvl7pPr marL="2971800" indent="-228600" eaLnBrk="0" fontAlgn="base" hangingPunct="0">
+              <a:spcBef>
+                <a:spcPct val="0"/>
+              </a:spcBef>
+              <a:spcAft>
+                <a:spcPct val="0"/>
+              </a:spcAft>
+              <a:defRPr sz="2400">
+                <a:solidFill>
+                  <a:schemeClr val="tx1"/>
+                </a:solidFill>
+                <a:latin typeface="Times New Roman" pitchFamily="18" charset="0"/>
+              </a:defRPr>
+            </a:lvl7pPr>
+            <a:lvl8pPr marL="3429000" indent="-228600" eaLnBrk="0" fontAlgn="base" hangingPunct="0">
+              <a:spcBef>
+                <a:spcPct val="0"/>
+              </a:spcBef>
+              <a:spcAft>
+                <a:spcPct val="0"/>
+              </a:spcAft>
+              <a:defRPr sz="2400">
+                <a:solidFill>
+                  <a:schemeClr val="tx1"/>
+                </a:solidFill>
+                <a:latin typeface="Times New Roman" pitchFamily="18" charset="0"/>
+              </a:defRPr>
+            </a:lvl8pPr>
+            <a:lvl9pPr marL="3886200" indent="-228600" eaLnBrk="0" fontAlgn="base" hangingPunct="0">
+              <a:spcBef>
+                <a:spcPct val="0"/>
+              </a:spcBef>
+              <a:spcAft>
+                <a:spcPct val="0"/>
+              </a:spcAft>
+              <a:defRPr sz="2400">
+                <a:solidFill>
+                  <a:schemeClr val="tx1"/>
+                </a:solidFill>
+                <a:latin typeface="Times New Roman" pitchFamily="18" charset="0"/>
+              </a:defRPr>
+            </a:lvl9pPr>
+          </a:lstStyle>
+          <a:p>
+            <a:pPr>
+              <a:spcBef>
+                <a:spcPts val="600"/>
+              </a:spcBef>
+              <a:defRPr/>
+            </a:pPr>
+            <a:r>
+              <a:rPr lang="sr-Cyrl-RS" dirty="0" smtClean="0">
+                <a:latin typeface="Garamond" pitchFamily="18" charset="0"/>
+              </a:rPr>
+              <a:t>Принцип једнозначне одговорности (</a:t>
+            </a:r>
+            <a:r>
+              <a:rPr lang="en-US" b="1" u="sng" dirty="0" smtClean="0">
+                <a:latin typeface="Garamond" pitchFamily="18" charset="0"/>
+              </a:rPr>
+              <a:t>S</a:t>
+            </a:r>
+            <a:r>
+              <a:rPr lang="en-US" dirty="0" smtClean="0">
+                <a:latin typeface="Garamond" pitchFamily="18" charset="0"/>
+              </a:rPr>
+              <a:t>ingle responsibility) – </a:t>
+            </a:r>
+            <a:r>
+              <a:rPr lang="sr-Cyrl-RS" dirty="0" smtClean="0">
+                <a:latin typeface="Garamond" pitchFamily="18" charset="0"/>
+              </a:rPr>
+              <a:t>свака класа треба да има тачно једну одговорност </a:t>
+            </a:r>
+          </a:p>
+          <a:p>
+            <a:pPr marL="342900" indent="-342900">
+              <a:spcBef>
+                <a:spcPts val="600"/>
+              </a:spcBef>
+              <a:buFont typeface="Arial" panose="020B0604020202020204" pitchFamily="34" charset="0"/>
+              <a:buChar char="•"/>
+              <a:defRPr/>
+            </a:pPr>
+            <a:r>
+              <a:rPr lang="sr-Cyrl-RS" dirty="0" smtClean="0">
+                <a:latin typeface="Garamond" pitchFamily="18" charset="0"/>
+              </a:rPr>
+              <a:t>По овом принципу</a:t>
+            </a:r>
+            <a:r>
+              <a:rPr lang="en-US" dirty="0" smtClean="0">
+                <a:latin typeface="Garamond" pitchFamily="18" charset="0"/>
+              </a:rPr>
+              <a:t>, </a:t>
+            </a:r>
+            <a:r>
+              <a:rPr lang="sr-Cyrl-RS" dirty="0" smtClean="0">
+                <a:latin typeface="Garamond" pitchFamily="18" charset="0"/>
+              </a:rPr>
+              <a:t>може постојати само један разлог због ког класа треба да буде промењена </a:t>
+            </a:r>
+          </a:p>
+          <a:p>
+            <a:pPr marL="342900" indent="-342900">
+              <a:spcBef>
+                <a:spcPts val="600"/>
+              </a:spcBef>
+              <a:buFont typeface="Arial" panose="020B0604020202020204" pitchFamily="34" charset="0"/>
+              <a:buChar char="•"/>
+              <a:defRPr/>
+            </a:pPr>
+            <a:r>
+              <a:rPr lang="sr-Cyrl-RS" dirty="0" smtClean="0">
+                <a:latin typeface="Garamond" pitchFamily="18" charset="0"/>
+              </a:rPr>
+              <a:t>Класа треба да реализује само један задатак</a:t>
+            </a:r>
+          </a:p>
+          <a:p>
+            <a:pPr marL="1085850" lvl="1" indent="-342900">
+              <a:spcBef>
+                <a:spcPts val="600"/>
+              </a:spcBef>
+              <a:buFont typeface="Arial" panose="020B0604020202020204" pitchFamily="34" charset="0"/>
+              <a:buChar char="•"/>
+              <a:defRPr/>
+            </a:pPr>
+            <a:r>
+              <a:rPr lang="sr-Cyrl-RS" dirty="0" smtClean="0">
+                <a:latin typeface="Garamond" pitchFamily="18" charset="0"/>
+              </a:rPr>
+              <a:t>ако </a:t>
+            </a:r>
+            <a:r>
+              <a:rPr lang="sr-Cyrl-RS" dirty="0" smtClean="0">
+                <a:latin typeface="Garamond" pitchFamily="18" charset="0"/>
+              </a:rPr>
+              <a:t>би се у оквиру једне класе налазила функционалност за пословну логику и за чување података примерка у датотеку или у базу, то би нарушавало овај принцип</a:t>
+            </a:r>
+            <a:r>
+              <a:rPr lang="en-US" dirty="0" smtClean="0">
+                <a:latin typeface="Garamond" pitchFamily="18" charset="0"/>
+              </a:rPr>
+              <a:t> </a:t>
+            </a:r>
+            <a:endParaRPr lang="en-US" dirty="0" smtClean="0">
+              <a:latin typeface="Garamond" pitchFamily="18" charset="0"/>
+            </a:endParaRPr>
+          </a:p>
+          <a:p>
+            <a:pPr marL="342900" indent="-342900">
+              <a:spcBef>
+                <a:spcPts val="600"/>
+              </a:spcBef>
+              <a:buFont typeface="Arial" panose="020B0604020202020204" pitchFamily="34" charset="0"/>
+              <a:buChar char="•"/>
+              <a:defRPr/>
+            </a:pPr>
+            <a:r>
+              <a:rPr lang="sr-Cyrl-RS" dirty="0" smtClean="0">
+                <a:latin typeface="Garamond" pitchFamily="18" charset="0"/>
+              </a:rPr>
+              <a:t>Када се поштује овај принцип, тестирање је једноставније</a:t>
+            </a:r>
+          </a:p>
+          <a:p>
+            <a:pPr marL="342900" indent="-342900">
+              <a:spcBef>
+                <a:spcPts val="600"/>
+              </a:spcBef>
+              <a:buFont typeface="Arial" panose="020B0604020202020204" pitchFamily="34" charset="0"/>
+              <a:buChar char="•"/>
+              <a:defRPr/>
+            </a:pPr>
+            <a:r>
+              <a:rPr lang="sr-Cyrl-RS" dirty="0" smtClean="0">
+                <a:latin typeface="Garamond" pitchFamily="18" charset="0"/>
+              </a:rPr>
+              <a:t>Мање функционалности у једној класи такође значи да има мање зависности од осталих класа, што доводи до боље организације кода, јер се мање класе са јасном сврхом могу лакше пронаћи</a:t>
+            </a:r>
+            <a:endParaRPr lang="sr-Cyrl-RS" dirty="0" smtClean="0">
+              <a:latin typeface="Garamond" pitchFamily="18" charset="0"/>
+            </a:endParaRPr>
+          </a:p>
+          <a:p>
+            <a:pPr marL="342900" indent="-342900">
+              <a:spcBef>
+                <a:spcPts val="600"/>
+              </a:spcBef>
+              <a:buFont typeface="Arial" panose="020B0604020202020204" pitchFamily="34" charset="0"/>
+              <a:buChar char="•"/>
+              <a:defRPr/>
+            </a:pPr>
+            <a:endParaRPr lang="en-US" dirty="0" smtClean="0">
+              <a:latin typeface="Garamond" pitchFamily="18" charset="0"/>
+            </a:endParaRPr>
+          </a:p>
+        </p:txBody>
+      </p:sp>
+      <p:sp>
+        <p:nvSpPr>
+          <p:cNvPr id="3" name="Title 1"/>
+          <p:cNvSpPr txBox="1">
+            <a:spLocks/>
+          </p:cNvSpPr>
+          <p:nvPr/>
+        </p:nvSpPr>
+        <p:spPr>
+          <a:xfrm>
+            <a:off x="1371600" y="549275"/>
+            <a:ext cx="7772400" cy="868363"/>
+          </a:xfrm>
+          <a:prstGeom prst="rect">
+            <a:avLst/>
+          </a:prstGeom>
+        </p:spPr>
+        <p:txBody>
+          <a:bodyPr/>
+          <a:lstStyle>
+            <a:lvl1pPr algn="l" rtl="0" eaLnBrk="0" fontAlgn="base" hangingPunct="0">
+              <a:spcBef>
+                <a:spcPct val="0"/>
+              </a:spcBef>
+              <a:spcAft>
+                <a:spcPct val="0"/>
+              </a:spcAft>
+              <a:defRPr sz="3800">
+                <a:solidFill>
+                  <a:schemeClr val="tx2"/>
+                </a:solidFill>
+                <a:latin typeface="+mj-lt"/>
+                <a:ea typeface="+mj-ea"/>
+                <a:cs typeface="+mj-cs"/>
+              </a:defRPr>
+            </a:lvl1pPr>
+            <a:lvl2pPr algn="l" rtl="0" eaLnBrk="0" fontAlgn="base" hangingPunct="0">
+              <a:spcBef>
+                <a:spcPct val="0"/>
+              </a:spcBef>
+              <a:spcAft>
+                <a:spcPct val="0"/>
+              </a:spcAft>
+              <a:defRPr sz="3800">
+                <a:solidFill>
+                  <a:schemeClr val="tx2"/>
+                </a:solidFill>
+                <a:latin typeface="Arial" charset="0"/>
+              </a:defRPr>
+            </a:lvl2pPr>
+            <a:lvl3pPr algn="l" rtl="0" eaLnBrk="0" fontAlgn="base" hangingPunct="0">
+              <a:spcBef>
+                <a:spcPct val="0"/>
+              </a:spcBef>
+              <a:spcAft>
+                <a:spcPct val="0"/>
+              </a:spcAft>
+              <a:defRPr sz="3800">
+                <a:solidFill>
+                  <a:schemeClr val="tx2"/>
+                </a:solidFill>
+                <a:latin typeface="Arial" charset="0"/>
+              </a:defRPr>
+            </a:lvl3pPr>
+            <a:lvl4pPr algn="l" rtl="0" eaLnBrk="0" fontAlgn="base" hangingPunct="0">
+              <a:spcBef>
+                <a:spcPct val="0"/>
+              </a:spcBef>
+              <a:spcAft>
+                <a:spcPct val="0"/>
+              </a:spcAft>
+              <a:defRPr sz="3800">
+                <a:solidFill>
+                  <a:schemeClr val="tx2"/>
+                </a:solidFill>
+                <a:latin typeface="Arial" charset="0"/>
+              </a:defRPr>
+            </a:lvl4pPr>
+            <a:lvl5pPr algn="l" rtl="0" eaLnBrk="0" fontAlgn="base" hangingPunct="0">
+              <a:spcBef>
+                <a:spcPct val="0"/>
+              </a:spcBef>
+              <a:spcAft>
+                <a:spcPct val="0"/>
+              </a:spcAft>
+              <a:defRPr sz="3800">
+                <a:solidFill>
+                  <a:schemeClr val="tx2"/>
+                </a:solidFill>
+                <a:latin typeface="Arial" charset="0"/>
+              </a:defRPr>
+            </a:lvl5pPr>
+            <a:lvl6pPr marL="457200" algn="l" rtl="0" fontAlgn="base">
+              <a:spcBef>
+                <a:spcPct val="0"/>
+              </a:spcBef>
+              <a:spcAft>
+                <a:spcPct val="0"/>
+              </a:spcAft>
+              <a:defRPr sz="3800">
+                <a:solidFill>
+                  <a:schemeClr val="tx2"/>
+                </a:solidFill>
+                <a:latin typeface="Arial" charset="0"/>
+              </a:defRPr>
+            </a:lvl6pPr>
+            <a:lvl7pPr marL="914400" algn="l" rtl="0" fontAlgn="base">
+              <a:spcBef>
+                <a:spcPct val="0"/>
+              </a:spcBef>
+              <a:spcAft>
+                <a:spcPct val="0"/>
+              </a:spcAft>
+              <a:defRPr sz="3800">
+                <a:solidFill>
+                  <a:schemeClr val="tx2"/>
+                </a:solidFill>
+                <a:latin typeface="Arial" charset="0"/>
+              </a:defRPr>
+            </a:lvl7pPr>
+            <a:lvl8pPr marL="1371600" algn="l" rtl="0" fontAlgn="base">
+              <a:spcBef>
+                <a:spcPct val="0"/>
+              </a:spcBef>
+              <a:spcAft>
+                <a:spcPct val="0"/>
+              </a:spcAft>
+              <a:defRPr sz="3800">
+                <a:solidFill>
+                  <a:schemeClr val="tx2"/>
+                </a:solidFill>
+                <a:latin typeface="Arial" charset="0"/>
+              </a:defRPr>
+            </a:lvl8pPr>
+            <a:lvl9pPr marL="1828800" algn="l" rtl="0" fontAlgn="base">
+              <a:spcBef>
+                <a:spcPct val="0"/>
+              </a:spcBef>
+              <a:spcAft>
+                <a:spcPct val="0"/>
+              </a:spcAft>
+              <a:defRPr sz="3800">
+                <a:solidFill>
+                  <a:schemeClr val="tx2"/>
+                </a:solidFill>
+                <a:latin typeface="Arial" charset="0"/>
+              </a:defRPr>
+            </a:lvl9pPr>
+          </a:lstStyle>
+          <a:p>
+            <a:pPr>
+              <a:defRPr/>
+            </a:pPr>
+            <a:r>
+              <a:rPr lang="en-US" sz="3600" b="1" kern="0" dirty="0">
+                <a:solidFill>
+                  <a:srgbClr val="0070C0"/>
+                </a:solidFill>
+              </a:rPr>
+              <a:t>SOLID </a:t>
+            </a:r>
+            <a:r>
+              <a:rPr lang="sr-Cyrl-RS" sz="3600" b="1" kern="0" dirty="0" smtClean="0">
+                <a:solidFill>
+                  <a:srgbClr val="0070C0"/>
+                </a:solidFill>
+              </a:rPr>
+              <a:t>принципи - </a:t>
+            </a:r>
+            <a:r>
+              <a:rPr lang="en-US" sz="3600" b="1" kern="0" dirty="0" smtClean="0">
+                <a:solidFill>
+                  <a:srgbClr val="0070C0"/>
+                </a:solidFill>
+              </a:rPr>
+              <a:t>L</a:t>
+            </a:r>
+            <a:endParaRPr lang="en-US" sz="3600" b="1" kern="0" dirty="0">
+              <a:solidFill>
+                <a:srgbClr val="0070C0"/>
+              </a:solidFill>
+            </a:endParaRPr>
+          </a:p>
+        </p:txBody>
+      </p:sp>
+    </p:spTree>
+    <p:extLst>
+      <p:ext uri="{BB962C8B-B14F-4D97-AF65-F5344CB8AC3E}">
+        <p14:creationId xmlns:p14="http://schemas.microsoft.com/office/powerpoint/2010/main" val="2753215479"/>
+      </p:ext>
+    </p:extLst>
+  </p:cSld>
+  <p:clrMapOvr>
+    <a:masterClrMapping/>
+  </p:clrMapOvr>
+  <p:timing>
+    <p:tnLst>
+      <p:par>
+        <p:cTn id="1" dur="indefinite" restart="never" nodeType="tmRoot">
+          <p:childTnLst>
+            <p:seq concurrent="1" nextAc="seek">
+              <p:cTn id="2" dur="indefinite" nodeType="mainSeq">
+                <p:childTnLst>
+                  <p:par>
+                    <p:cTn id="3" fill="hold">
+                      <p:stCondLst>
+                        <p:cond delay="indefinite"/>
+                      </p:stCondLst>
+                      <p:childTnLst>
+                        <p:par>
+                          <p:cTn id="4" fill="hold">
+                            <p:stCondLst>
+                              <p:cond delay="0"/>
+                            </p:stCondLst>
+                            <p:childTnLst>
+                              <p:par>
+                                <p:cTn id="5" presetID="3" presetClass="entr" presetSubtype="10" fill="hold" nodeType="clickEffect">
+                                  <p:stCondLst>
+                                    <p:cond delay="0"/>
+                                  </p:stCondLst>
+                                  <p:childTnLst>
+                                    <p:set>
+                                      <p:cBhvr>
+                                        <p:cTn id="6" dur="1" fill="hold">
+                                          <p:stCondLst>
+                                            <p:cond delay="0"/>
+                                          </p:stCondLst>
+                                        </p:cTn>
+                                        <p:tgtEl>
+                                          <p:spTgt spid="26626">
+                                            <p:txEl>
+                                              <p:pRg st="0" end="0"/>
+                                            </p:txEl>
+                                          </p:spTgt>
+                                        </p:tgtEl>
+                                        <p:attrNameLst>
+                                          <p:attrName>style.visibility</p:attrName>
+                                        </p:attrNameLst>
+                                      </p:cBhvr>
+                                      <p:to>
+                                        <p:strVal val="visible"/>
+                                      </p:to>
+                                    </p:set>
+                                    <p:animEffect transition="in" filter="blinds(horizontal)">
+                                      <p:cBhvr>
+                                        <p:cTn id="7" dur="500"/>
+                                        <p:tgtEl>
+                                          <p:spTgt spid="26626">
+                                            <p:txEl>
+                                              <p:pRg st="0" end="0"/>
+                                            </p:txEl>
+                                          </p:spTgt>
+                                        </p:tgtEl>
+                                      </p:cBhvr>
+                                    </p:animEffect>
+                                  </p:childTnLst>
+                                </p:cTn>
+                              </p:par>
+                            </p:childTnLst>
+                          </p:cTn>
+                        </p:par>
+                      </p:childTnLst>
+                    </p:cTn>
+                  </p:par>
+                  <p:par>
+                    <p:cTn id="8" fill="hold">
+                      <p:stCondLst>
+                        <p:cond delay="indefinite"/>
+                      </p:stCondLst>
+                      <p:childTnLst>
+                        <p:par>
+                          <p:cTn id="9" fill="hold">
+                            <p:stCondLst>
+                              <p:cond delay="0"/>
+                            </p:stCondLst>
+                            <p:childTnLst>
+                              <p:par>
+                                <p:cTn id="10" presetID="3" presetClass="entr" presetSubtype="10" fill="hold" nodeType="clickEffect">
+                                  <p:stCondLst>
+                                    <p:cond delay="0"/>
+                                  </p:stCondLst>
+                                  <p:childTnLst>
+                                    <p:set>
+                                      <p:cBhvr>
+                                        <p:cTn id="11" dur="1" fill="hold">
+                                          <p:stCondLst>
+                                            <p:cond delay="0"/>
+                                          </p:stCondLst>
+                                        </p:cTn>
+                                        <p:tgtEl>
+                                          <p:spTgt spid="26626">
+                                            <p:txEl>
+                                              <p:pRg st="1" end="1"/>
+                                            </p:txEl>
+                                          </p:spTgt>
+                                        </p:tgtEl>
+                                        <p:attrNameLst>
+                                          <p:attrName>style.visibility</p:attrName>
+                                        </p:attrNameLst>
+                                      </p:cBhvr>
+                                      <p:to>
+                                        <p:strVal val="visible"/>
+                                      </p:to>
+                                    </p:set>
+                                    <p:animEffect transition="in" filter="blinds(horizontal)">
+                                      <p:cBhvr>
+                                        <p:cTn id="12" dur="500"/>
+                                        <p:tgtEl>
+                                          <p:spTgt spid="26626">
+                                            <p:txEl>
+                                              <p:pRg st="1" end="1"/>
+                                            </p:txEl>
+                                          </p:spTgt>
+                                        </p:tgtEl>
+                                      </p:cBhvr>
+                                    </p:animEffect>
+                                  </p:childTnLst>
+                                </p:cTn>
+                              </p:par>
+                            </p:childTnLst>
+                          </p:cTn>
+                        </p:par>
+                      </p:childTnLst>
+                    </p:cTn>
+                  </p:par>
+                  <p:par>
+                    <p:cTn id="13" fill="hold">
+                      <p:stCondLst>
+                        <p:cond delay="indefinite"/>
+                      </p:stCondLst>
+                      <p:childTnLst>
+                        <p:par>
+                          <p:cTn id="14" fill="hold">
+                            <p:stCondLst>
+                              <p:cond delay="0"/>
+                            </p:stCondLst>
+                            <p:childTnLst>
+                              <p:par>
+                                <p:cTn id="15" presetID="3" presetClass="entr" presetSubtype="10" fill="hold" nodeType="clickEffect">
+                                  <p:stCondLst>
+                                    <p:cond delay="0"/>
+                                  </p:stCondLst>
+                                  <p:childTnLst>
+                                    <p:set>
+                                      <p:cBhvr>
+                                        <p:cTn id="16" dur="1" fill="hold">
+                                          <p:stCondLst>
+                                            <p:cond delay="0"/>
+                                          </p:stCondLst>
+                                        </p:cTn>
+                                        <p:tgtEl>
+                                          <p:spTgt spid="26626">
+                                            <p:txEl>
+                                              <p:pRg st="2" end="2"/>
+                                            </p:txEl>
+                                          </p:spTgt>
+                                        </p:tgtEl>
+                                        <p:attrNameLst>
+                                          <p:attrName>style.visibility</p:attrName>
+                                        </p:attrNameLst>
+                                      </p:cBhvr>
+                                      <p:to>
+                                        <p:strVal val="visible"/>
+                                      </p:to>
+                                    </p:set>
+                                    <p:animEffect transition="in" filter="blinds(horizontal)">
+                                      <p:cBhvr>
+                                        <p:cTn id="17" dur="500"/>
+                                        <p:tgtEl>
+                                          <p:spTgt spid="26626">
+                                            <p:txEl>
+                                              <p:pRg st="2" end="2"/>
+                                            </p:txEl>
+                                          </p:spTgt>
+                                        </p:tgtEl>
+                                      </p:cBhvr>
+                                    </p:animEffect>
+                                  </p:childTnLst>
+                                </p:cTn>
+                              </p:par>
+                            </p:childTnLst>
+                          </p:cTn>
+                        </p:par>
+                      </p:childTnLst>
+                    </p:cTn>
+                  </p:par>
+                  <p:par>
+                    <p:cTn id="18" fill="hold">
+                      <p:stCondLst>
+                        <p:cond delay="indefinite"/>
+                      </p:stCondLst>
+                      <p:childTnLst>
+                        <p:par>
+                          <p:cTn id="19" fill="hold">
+                            <p:stCondLst>
+                              <p:cond delay="0"/>
+                            </p:stCondLst>
+                            <p:childTnLst>
+                              <p:par>
+                                <p:cTn id="20" presetID="3" presetClass="entr" presetSubtype="10" fill="hold" nodeType="clickEffect">
+                                  <p:stCondLst>
+                                    <p:cond delay="0"/>
+                                  </p:stCondLst>
+                                  <p:childTnLst>
+                                    <p:set>
+                                      <p:cBhvr>
+                                        <p:cTn id="21" dur="1" fill="hold">
+                                          <p:stCondLst>
+                                            <p:cond delay="0"/>
+                                          </p:stCondLst>
+                                        </p:cTn>
+                                        <p:tgtEl>
+                                          <p:spTgt spid="26626">
+                                            <p:txEl>
+                                              <p:pRg st="3" end="3"/>
+                                            </p:txEl>
+                                          </p:spTgt>
+                                        </p:tgtEl>
+                                        <p:attrNameLst>
+                                          <p:attrName>style.visibility</p:attrName>
+                                        </p:attrNameLst>
+                                      </p:cBhvr>
+                                      <p:to>
+                                        <p:strVal val="visible"/>
+                                      </p:to>
+                                    </p:set>
+                                    <p:animEffect transition="in" filter="blinds(horizontal)">
+                                      <p:cBhvr>
+                                        <p:cTn id="22" dur="500"/>
+                                        <p:tgtEl>
+                                          <p:spTgt spid="26626">
+                                            <p:txEl>
+                                              <p:pRg st="3" end="3"/>
+                                            </p:txEl>
+                                          </p:spTgt>
+                                        </p:tgtEl>
+                                      </p:cBhvr>
+                                    </p:animEffect>
+                                  </p:childTnLst>
+                                </p:cTn>
+                              </p:par>
+                            </p:childTnLst>
+                          </p:cTn>
+                        </p:par>
+                      </p:childTnLst>
+                    </p:cTn>
+                  </p:par>
+                  <p:par>
+                    <p:cTn id="23" fill="hold">
+                      <p:stCondLst>
+                        <p:cond delay="indefinite"/>
+                      </p:stCondLst>
+                      <p:childTnLst>
+                        <p:par>
+                          <p:cTn id="24" fill="hold">
+                            <p:stCondLst>
+                              <p:cond delay="0"/>
+                            </p:stCondLst>
+                            <p:childTnLst>
+                              <p:par>
+                                <p:cTn id="25" presetID="3" presetClass="entr" presetSubtype="10" fill="hold" nodeType="clickEffect">
+                                  <p:stCondLst>
+                                    <p:cond delay="0"/>
+                                  </p:stCondLst>
+                                  <p:childTnLst>
+                                    <p:set>
+                                      <p:cBhvr>
+                                        <p:cTn id="26" dur="1" fill="hold">
+                                          <p:stCondLst>
+                                            <p:cond delay="0"/>
+                                          </p:stCondLst>
+                                        </p:cTn>
+                                        <p:tgtEl>
+                                          <p:spTgt spid="26626">
+                                            <p:txEl>
+                                              <p:pRg st="4" end="4"/>
+                                            </p:txEl>
+                                          </p:spTgt>
+                                        </p:tgtEl>
+                                        <p:attrNameLst>
+                                          <p:attrName>style.visibility</p:attrName>
+                                        </p:attrNameLst>
+                                      </p:cBhvr>
+                                      <p:to>
+                                        <p:strVal val="visible"/>
+                                      </p:to>
+                                    </p:set>
+                                    <p:animEffect transition="in" filter="blinds(horizontal)">
+                                      <p:cBhvr>
+                                        <p:cTn id="27" dur="500"/>
+                                        <p:tgtEl>
+                                          <p:spTgt spid="26626">
+                                            <p:txEl>
+                                              <p:pRg st="4" end="4"/>
+                                            </p:txEl>
+                                          </p:spTgt>
+                                        </p:tgtEl>
+                                      </p:cBhvr>
+                                    </p:animEffect>
+                                  </p:childTnLst>
+                                </p:cTn>
+                              </p:par>
+                            </p:childTnLst>
+                          </p:cTn>
+                        </p:par>
+                      </p:childTnLst>
+                    </p:cTn>
+                  </p:par>
+                  <p:par>
+                    <p:cTn id="28" fill="hold">
+                      <p:stCondLst>
+                        <p:cond delay="indefinite"/>
+                      </p:stCondLst>
+                      <p:childTnLst>
+                        <p:par>
+                          <p:cTn id="29" fill="hold">
+                            <p:stCondLst>
+                              <p:cond delay="0"/>
+                            </p:stCondLst>
+                            <p:childTnLst>
+                              <p:par>
+                                <p:cTn id="30" presetID="3" presetClass="entr" presetSubtype="10" fill="hold" nodeType="clickEffect">
+                                  <p:stCondLst>
+                                    <p:cond delay="0"/>
+                                  </p:stCondLst>
+                                  <p:childTnLst>
+                                    <p:set>
+                                      <p:cBhvr>
+                                        <p:cTn id="31" dur="1" fill="hold">
+                                          <p:stCondLst>
+                                            <p:cond delay="0"/>
+                                          </p:stCondLst>
+                                        </p:cTn>
+                                        <p:tgtEl>
+                                          <p:spTgt spid="26626">
+                                            <p:txEl>
+                                              <p:pRg st="5" end="5"/>
+                                            </p:txEl>
+                                          </p:spTgt>
+                                        </p:tgtEl>
+                                        <p:attrNameLst>
+                                          <p:attrName>style.visibility</p:attrName>
+                                        </p:attrNameLst>
+                                      </p:cBhvr>
+                                      <p:to>
+                                        <p:strVal val="visible"/>
+                                      </p:to>
+                                    </p:set>
+                                    <p:animEffect transition="in" filter="blinds(horizontal)">
+                                      <p:cBhvr>
+                                        <p:cTn id="32" dur="500"/>
+                                        <p:tgtEl>
+                                          <p:spTgt spid="26626">
+                                            <p:txEl>
+                                              <p:pRg st="5" end="5"/>
+                                            </p:txEl>
+                                          </p:spTgt>
+                                        </p:tgtEl>
+                                      </p:cBhvr>
+                                    </p:animEffect>
+                                  </p:childTnLst>
+                                </p:cTn>
+                              </p:par>
+                            </p:childTnLst>
+                          </p:cTn>
+                        </p:par>
+                      </p:childTnLst>
+                    </p:cTn>
+                  </p:par>
+                </p:childTnLst>
+              </p:cTn>
+              <p:prevCondLst>
+                <p:cond evt="onPrev" delay="0">
+                  <p:tgtEl>
+                    <p:sldTgt/>
+                  </p:tgtEl>
+                </p:cond>
+              </p:prevCondLst>
+              <p:nextCondLst>
+                <p:cond evt="onNext" delay="0">
+                  <p:tgtEl>
+                    <p:sldTgt/>
+                  </p:tgtEl>
+                </p:cond>
+              </p:nextCondLst>
+            </p:seq>
+          </p:childTnLst>
+        </p:cTn>
+      </p:par>
+    </p:tnLst>
+  </p:timing>
+</p:sld>
+</file>
+
+<file path=ppt/slides/slide21.xml><?xml version="1.0" encoding="utf-8"?>
+<p:sld xmlns:a="http://schemas.openxmlformats.org/drawingml/2006/main" xmlns:r="http://schemas.openxmlformats.org/officeDocument/2006/relationships" xmlns:p="http://schemas.openxmlformats.org/presentationml/2006/main">
+  <p:cSld>
+    <p:spTree>
+      <p:nvGrpSpPr>
+        <p:cNvPr id="1" name=""/>
+        <p:cNvGrpSpPr/>
+        <p:nvPr/>
+      </p:nvGrpSpPr>
+      <p:grpSpPr>
+        <a:xfrm>
+          <a:off x="0" y="0"/>
+          <a:ext cx="0" cy="0"/>
+          <a:chOff x="0" y="0"/>
+          <a:chExt cx="0" cy="0"/>
+        </a:xfrm>
+      </p:grpSpPr>
+      <p:sp>
+        <p:nvSpPr>
+          <p:cNvPr id="26626" name="Text Box 2"/>
+          <p:cNvSpPr txBox="1">
+            <a:spLocks noChangeArrowheads="1"/>
+          </p:cNvSpPr>
+          <p:nvPr/>
+        </p:nvSpPr>
+        <p:spPr bwMode="auto">
+          <a:xfrm>
+            <a:off x="539750" y="1416050"/>
+            <a:ext cx="8451850" cy="5724644"/>
+          </a:xfrm>
+          <a:prstGeom prst="rect">
+            <a:avLst/>
+          </a:prstGeom>
+          <a:noFill/>
+          <a:ln>
+            <a:noFill/>
+          </a:ln>
+          <a:extLst>
+            <a:ext uri="{909E8E84-426E-40DD-AFC4-6F175D3DCCD1}">
+              <a14:hiddenFill xmlns:a14="http://schemas.microsoft.com/office/drawing/2010/main">
+                <a:solidFill>
+                  <a:srgbClr val="FFFFFF"/>
+                </a:solidFill>
+              </a14:hiddenFill>
+            </a:ext>
+            <a:ext uri="{91240B29-F687-4F45-9708-019B960494DF}">
+              <a14:hiddenLine xmlns:a14="http://schemas.microsoft.com/office/drawing/2010/main" w="9525">
+                <a:solidFill>
+                  <a:srgbClr val="000000"/>
+                </a:solidFill>
+                <a:miter lim="800000"/>
+                <a:headEnd/>
+                <a:tailEnd/>
+              </a14:hiddenLine>
+            </a:ext>
+          </a:extLst>
+        </p:spPr>
+        <p:txBody>
+          <a:bodyPr>
+            <a:spAutoFit/>
+          </a:bodyPr>
+          <a:lstStyle>
+            <a:lvl1pPr eaLnBrk="0" hangingPunct="0">
+              <a:defRPr sz="2400">
+                <a:solidFill>
+                  <a:schemeClr val="tx1"/>
+                </a:solidFill>
+                <a:latin typeface="Times New Roman" pitchFamily="18" charset="0"/>
+              </a:defRPr>
+            </a:lvl1pPr>
+            <a:lvl2pPr marL="742950" indent="-285750" eaLnBrk="0" hangingPunct="0">
+              <a:defRPr sz="2400">
+                <a:solidFill>
+                  <a:schemeClr val="tx1"/>
+                </a:solidFill>
+                <a:latin typeface="Times New Roman" pitchFamily="18" charset="0"/>
+              </a:defRPr>
+            </a:lvl2pPr>
+            <a:lvl3pPr marL="1143000" indent="-228600" eaLnBrk="0" hangingPunct="0">
+              <a:defRPr sz="2400">
+                <a:solidFill>
+                  <a:schemeClr val="tx1"/>
+                </a:solidFill>
+                <a:latin typeface="Times New Roman" pitchFamily="18" charset="0"/>
+              </a:defRPr>
+            </a:lvl3pPr>
+            <a:lvl4pPr marL="1600200" indent="-228600" eaLnBrk="0" hangingPunct="0">
+              <a:defRPr sz="2400">
+                <a:solidFill>
+                  <a:schemeClr val="tx1"/>
+                </a:solidFill>
+                <a:latin typeface="Times New Roman" pitchFamily="18" charset="0"/>
+              </a:defRPr>
+            </a:lvl4pPr>
+            <a:lvl5pPr marL="2057400" indent="-228600" eaLnBrk="0" hangingPunct="0">
+              <a:defRPr sz="2400">
+                <a:solidFill>
+                  <a:schemeClr val="tx1"/>
+                </a:solidFill>
+                <a:latin typeface="Times New Roman" pitchFamily="18" charset="0"/>
+              </a:defRPr>
+            </a:lvl5pPr>
+            <a:lvl6pPr marL="2514600" indent="-228600" eaLnBrk="0" fontAlgn="base" hangingPunct="0">
+              <a:spcBef>
+                <a:spcPct val="0"/>
+              </a:spcBef>
+              <a:spcAft>
+                <a:spcPct val="0"/>
+              </a:spcAft>
+              <a:defRPr sz="2400">
+                <a:solidFill>
+                  <a:schemeClr val="tx1"/>
+                </a:solidFill>
+                <a:latin typeface="Times New Roman" pitchFamily="18" charset="0"/>
+              </a:defRPr>
+            </a:lvl6pPr>
+            <a:lvl7pPr marL="2971800" indent="-228600" eaLnBrk="0" fontAlgn="base" hangingPunct="0">
+              <a:spcBef>
+                <a:spcPct val="0"/>
+              </a:spcBef>
+              <a:spcAft>
+                <a:spcPct val="0"/>
+              </a:spcAft>
+              <a:defRPr sz="2400">
+                <a:solidFill>
+                  <a:schemeClr val="tx1"/>
+                </a:solidFill>
+                <a:latin typeface="Times New Roman" pitchFamily="18" charset="0"/>
+              </a:defRPr>
+            </a:lvl7pPr>
+            <a:lvl8pPr marL="3429000" indent="-228600" eaLnBrk="0" fontAlgn="base" hangingPunct="0">
+              <a:spcBef>
+                <a:spcPct val="0"/>
+              </a:spcBef>
+              <a:spcAft>
+                <a:spcPct val="0"/>
+              </a:spcAft>
+              <a:defRPr sz="2400">
+                <a:solidFill>
+                  <a:schemeClr val="tx1"/>
+                </a:solidFill>
+                <a:latin typeface="Times New Roman" pitchFamily="18" charset="0"/>
+              </a:defRPr>
+            </a:lvl8pPr>
+            <a:lvl9pPr marL="3886200" indent="-228600" eaLnBrk="0" fontAlgn="base" hangingPunct="0">
+              <a:spcBef>
+                <a:spcPct val="0"/>
+              </a:spcBef>
+              <a:spcAft>
+                <a:spcPct val="0"/>
+              </a:spcAft>
+              <a:defRPr sz="2400">
+                <a:solidFill>
+                  <a:schemeClr val="tx1"/>
+                </a:solidFill>
+                <a:latin typeface="Times New Roman" pitchFamily="18" charset="0"/>
+              </a:defRPr>
+            </a:lvl9pPr>
+          </a:lstStyle>
+          <a:p>
+            <a:pPr>
+              <a:spcBef>
+                <a:spcPts val="600"/>
+              </a:spcBef>
+              <a:defRPr/>
+            </a:pPr>
+            <a:r>
+              <a:rPr lang="sr-Cyrl-RS" dirty="0" smtClean="0">
+                <a:latin typeface="Garamond" pitchFamily="18" charset="0"/>
+              </a:rPr>
+              <a:t>Принцип једнозначне одговорности (</a:t>
+            </a:r>
+            <a:r>
+              <a:rPr lang="en-US" b="1" u="sng" dirty="0" smtClean="0">
+                <a:latin typeface="Garamond" pitchFamily="18" charset="0"/>
+              </a:rPr>
+              <a:t>S</a:t>
+            </a:r>
+            <a:r>
+              <a:rPr lang="en-US" dirty="0" smtClean="0">
+                <a:latin typeface="Garamond" pitchFamily="18" charset="0"/>
+              </a:rPr>
+              <a:t>ingle responsibility) – </a:t>
+            </a:r>
+            <a:r>
+              <a:rPr lang="sr-Cyrl-RS" dirty="0" smtClean="0">
+                <a:latin typeface="Garamond" pitchFamily="18" charset="0"/>
+              </a:rPr>
+              <a:t>свака класа треба да има тачно једну одговорност </a:t>
+            </a:r>
+          </a:p>
+          <a:p>
+            <a:pPr marL="342900" indent="-342900">
+              <a:spcBef>
+                <a:spcPts val="600"/>
+              </a:spcBef>
+              <a:buFont typeface="Arial" panose="020B0604020202020204" pitchFamily="34" charset="0"/>
+              <a:buChar char="•"/>
+              <a:defRPr/>
+            </a:pPr>
+            <a:r>
+              <a:rPr lang="sr-Cyrl-RS" dirty="0" smtClean="0">
+                <a:latin typeface="Garamond" pitchFamily="18" charset="0"/>
+              </a:rPr>
+              <a:t>По овом принципу</a:t>
+            </a:r>
+            <a:r>
+              <a:rPr lang="en-US" dirty="0" smtClean="0">
+                <a:latin typeface="Garamond" pitchFamily="18" charset="0"/>
+              </a:rPr>
+              <a:t>, </a:t>
+            </a:r>
+            <a:r>
+              <a:rPr lang="sr-Cyrl-RS" dirty="0" smtClean="0">
+                <a:latin typeface="Garamond" pitchFamily="18" charset="0"/>
+              </a:rPr>
+              <a:t>може постојати само један разлог због ког класа треба да буде промењена </a:t>
+            </a:r>
+          </a:p>
+          <a:p>
+            <a:pPr marL="342900" indent="-342900">
+              <a:spcBef>
+                <a:spcPts val="600"/>
+              </a:spcBef>
+              <a:buFont typeface="Arial" panose="020B0604020202020204" pitchFamily="34" charset="0"/>
+              <a:buChar char="•"/>
+              <a:defRPr/>
+            </a:pPr>
+            <a:r>
+              <a:rPr lang="sr-Cyrl-RS" dirty="0" smtClean="0">
+                <a:latin typeface="Garamond" pitchFamily="18" charset="0"/>
+              </a:rPr>
+              <a:t>Класа треба да реализује само један задатак</a:t>
+            </a:r>
+          </a:p>
+          <a:p>
+            <a:pPr marL="1085850" lvl="1" indent="-342900">
+              <a:spcBef>
+                <a:spcPts val="600"/>
+              </a:spcBef>
+              <a:buFont typeface="Arial" panose="020B0604020202020204" pitchFamily="34" charset="0"/>
+              <a:buChar char="•"/>
+              <a:defRPr/>
+            </a:pPr>
+            <a:r>
+              <a:rPr lang="sr-Cyrl-RS" dirty="0" smtClean="0">
+                <a:latin typeface="Garamond" pitchFamily="18" charset="0"/>
+              </a:rPr>
+              <a:t>ако </a:t>
+            </a:r>
+            <a:r>
+              <a:rPr lang="sr-Cyrl-RS" dirty="0" smtClean="0">
+                <a:latin typeface="Garamond" pitchFamily="18" charset="0"/>
+              </a:rPr>
+              <a:t>би се у оквиру једне класе налазила функционалност за пословну логику и за чување података примерка у датотеку или у базу, то би нарушавало овај принцип</a:t>
+            </a:r>
+            <a:r>
+              <a:rPr lang="en-US" dirty="0" smtClean="0">
+                <a:latin typeface="Garamond" pitchFamily="18" charset="0"/>
+              </a:rPr>
+              <a:t> </a:t>
+            </a:r>
+            <a:endParaRPr lang="en-US" dirty="0" smtClean="0">
+              <a:latin typeface="Garamond" pitchFamily="18" charset="0"/>
+            </a:endParaRPr>
+          </a:p>
+          <a:p>
+            <a:pPr marL="342900" indent="-342900">
+              <a:spcBef>
+                <a:spcPts val="600"/>
+              </a:spcBef>
+              <a:buFont typeface="Arial" panose="020B0604020202020204" pitchFamily="34" charset="0"/>
+              <a:buChar char="•"/>
+              <a:defRPr/>
+            </a:pPr>
+            <a:r>
+              <a:rPr lang="sr-Cyrl-RS" dirty="0" smtClean="0">
+                <a:latin typeface="Garamond" pitchFamily="18" charset="0"/>
+              </a:rPr>
+              <a:t>Када се поштује овај принцип, тестирање је једноставније</a:t>
+            </a:r>
+          </a:p>
+          <a:p>
+            <a:pPr marL="342900" indent="-342900">
+              <a:spcBef>
+                <a:spcPts val="600"/>
+              </a:spcBef>
+              <a:buFont typeface="Arial" panose="020B0604020202020204" pitchFamily="34" charset="0"/>
+              <a:buChar char="•"/>
+              <a:defRPr/>
+            </a:pPr>
+            <a:r>
+              <a:rPr lang="sr-Cyrl-RS" dirty="0" smtClean="0">
+                <a:latin typeface="Garamond" pitchFamily="18" charset="0"/>
+              </a:rPr>
+              <a:t>Мање функционалности у једној класи такође значи да има мање зависности од осталих класа, што доводи до боље организације кода, јер се мање класе са јасном сврхом могу лакше пронаћи</a:t>
+            </a:r>
+            <a:endParaRPr lang="sr-Cyrl-RS" dirty="0" smtClean="0">
+              <a:latin typeface="Garamond" pitchFamily="18" charset="0"/>
+            </a:endParaRPr>
+          </a:p>
+          <a:p>
+            <a:pPr marL="342900" indent="-342900">
+              <a:spcBef>
+                <a:spcPts val="600"/>
+              </a:spcBef>
+              <a:buFont typeface="Arial" panose="020B0604020202020204" pitchFamily="34" charset="0"/>
+              <a:buChar char="•"/>
+              <a:defRPr/>
+            </a:pPr>
+            <a:endParaRPr lang="en-US" dirty="0" smtClean="0">
+              <a:latin typeface="Garamond" pitchFamily="18" charset="0"/>
+            </a:endParaRPr>
+          </a:p>
+        </p:txBody>
+      </p:sp>
+      <p:sp>
+        <p:nvSpPr>
+          <p:cNvPr id="3" name="Title 1"/>
+          <p:cNvSpPr txBox="1">
+            <a:spLocks/>
+          </p:cNvSpPr>
+          <p:nvPr/>
+        </p:nvSpPr>
+        <p:spPr>
+          <a:xfrm>
+            <a:off x="1371600" y="549275"/>
+            <a:ext cx="7772400" cy="868363"/>
+          </a:xfrm>
+          <a:prstGeom prst="rect">
+            <a:avLst/>
+          </a:prstGeom>
+        </p:spPr>
+        <p:txBody>
+          <a:bodyPr/>
+          <a:lstStyle>
+            <a:lvl1pPr algn="l" rtl="0" eaLnBrk="0" fontAlgn="base" hangingPunct="0">
+              <a:spcBef>
+                <a:spcPct val="0"/>
+              </a:spcBef>
+              <a:spcAft>
+                <a:spcPct val="0"/>
+              </a:spcAft>
+              <a:defRPr sz="3800">
+                <a:solidFill>
+                  <a:schemeClr val="tx2"/>
+                </a:solidFill>
+                <a:latin typeface="+mj-lt"/>
+                <a:ea typeface="+mj-ea"/>
+                <a:cs typeface="+mj-cs"/>
+              </a:defRPr>
+            </a:lvl1pPr>
+            <a:lvl2pPr algn="l" rtl="0" eaLnBrk="0" fontAlgn="base" hangingPunct="0">
+              <a:spcBef>
+                <a:spcPct val="0"/>
+              </a:spcBef>
+              <a:spcAft>
+                <a:spcPct val="0"/>
+              </a:spcAft>
+              <a:defRPr sz="3800">
+                <a:solidFill>
+                  <a:schemeClr val="tx2"/>
+                </a:solidFill>
+                <a:latin typeface="Arial" charset="0"/>
+              </a:defRPr>
+            </a:lvl2pPr>
+            <a:lvl3pPr algn="l" rtl="0" eaLnBrk="0" fontAlgn="base" hangingPunct="0">
+              <a:spcBef>
+                <a:spcPct val="0"/>
+              </a:spcBef>
+              <a:spcAft>
+                <a:spcPct val="0"/>
+              </a:spcAft>
+              <a:defRPr sz="3800">
+                <a:solidFill>
+                  <a:schemeClr val="tx2"/>
+                </a:solidFill>
+                <a:latin typeface="Arial" charset="0"/>
+              </a:defRPr>
+            </a:lvl3pPr>
+            <a:lvl4pPr algn="l" rtl="0" eaLnBrk="0" fontAlgn="base" hangingPunct="0">
+              <a:spcBef>
+                <a:spcPct val="0"/>
+              </a:spcBef>
+              <a:spcAft>
+                <a:spcPct val="0"/>
+              </a:spcAft>
+              <a:defRPr sz="3800">
+                <a:solidFill>
+                  <a:schemeClr val="tx2"/>
+                </a:solidFill>
+                <a:latin typeface="Arial" charset="0"/>
+              </a:defRPr>
+            </a:lvl4pPr>
+            <a:lvl5pPr algn="l" rtl="0" eaLnBrk="0" fontAlgn="base" hangingPunct="0">
+              <a:spcBef>
+                <a:spcPct val="0"/>
+              </a:spcBef>
+              <a:spcAft>
+                <a:spcPct val="0"/>
+              </a:spcAft>
+              <a:defRPr sz="3800">
+                <a:solidFill>
+                  <a:schemeClr val="tx2"/>
+                </a:solidFill>
+                <a:latin typeface="Arial" charset="0"/>
+              </a:defRPr>
+            </a:lvl5pPr>
+            <a:lvl6pPr marL="457200" algn="l" rtl="0" fontAlgn="base">
+              <a:spcBef>
+                <a:spcPct val="0"/>
+              </a:spcBef>
+              <a:spcAft>
+                <a:spcPct val="0"/>
+              </a:spcAft>
+              <a:defRPr sz="3800">
+                <a:solidFill>
+                  <a:schemeClr val="tx2"/>
+                </a:solidFill>
+                <a:latin typeface="Arial" charset="0"/>
+              </a:defRPr>
+            </a:lvl6pPr>
+            <a:lvl7pPr marL="914400" algn="l" rtl="0" fontAlgn="base">
+              <a:spcBef>
+                <a:spcPct val="0"/>
+              </a:spcBef>
+              <a:spcAft>
+                <a:spcPct val="0"/>
+              </a:spcAft>
+              <a:defRPr sz="3800">
+                <a:solidFill>
+                  <a:schemeClr val="tx2"/>
+                </a:solidFill>
+                <a:latin typeface="Arial" charset="0"/>
+              </a:defRPr>
+            </a:lvl7pPr>
+            <a:lvl8pPr marL="1371600" algn="l" rtl="0" fontAlgn="base">
+              <a:spcBef>
+                <a:spcPct val="0"/>
+              </a:spcBef>
+              <a:spcAft>
+                <a:spcPct val="0"/>
+              </a:spcAft>
+              <a:defRPr sz="3800">
+                <a:solidFill>
+                  <a:schemeClr val="tx2"/>
+                </a:solidFill>
+                <a:latin typeface="Arial" charset="0"/>
+              </a:defRPr>
+            </a:lvl8pPr>
+            <a:lvl9pPr marL="1828800" algn="l" rtl="0" fontAlgn="base">
+              <a:spcBef>
+                <a:spcPct val="0"/>
+              </a:spcBef>
+              <a:spcAft>
+                <a:spcPct val="0"/>
+              </a:spcAft>
+              <a:defRPr sz="3800">
+                <a:solidFill>
+                  <a:schemeClr val="tx2"/>
+                </a:solidFill>
+                <a:latin typeface="Arial" charset="0"/>
+              </a:defRPr>
+            </a:lvl9pPr>
+          </a:lstStyle>
+          <a:p>
+            <a:pPr>
+              <a:defRPr/>
+            </a:pPr>
+            <a:r>
+              <a:rPr lang="en-US" sz="3600" b="1" kern="0" dirty="0">
+                <a:solidFill>
+                  <a:srgbClr val="0070C0"/>
+                </a:solidFill>
+              </a:rPr>
+              <a:t>SOLID </a:t>
+            </a:r>
+            <a:r>
+              <a:rPr lang="sr-Cyrl-RS" sz="3600" b="1" kern="0" dirty="0" smtClean="0">
+                <a:solidFill>
+                  <a:srgbClr val="0070C0"/>
+                </a:solidFill>
+              </a:rPr>
+              <a:t>принципи - </a:t>
+            </a:r>
+            <a:r>
+              <a:rPr lang="en-US" sz="3600" b="1" kern="0" dirty="0">
+                <a:solidFill>
+                  <a:srgbClr val="0070C0"/>
+                </a:solidFill>
+              </a:rPr>
+              <a:t>I</a:t>
+            </a:r>
+            <a:endParaRPr lang="en-US" sz="3600" b="1" kern="0" dirty="0">
+              <a:solidFill>
+                <a:srgbClr val="0070C0"/>
+              </a:solidFill>
+            </a:endParaRPr>
+          </a:p>
+        </p:txBody>
+      </p:sp>
+    </p:spTree>
+    <p:extLst>
+      <p:ext uri="{BB962C8B-B14F-4D97-AF65-F5344CB8AC3E}">
+        <p14:creationId xmlns:p14="http://schemas.microsoft.com/office/powerpoint/2010/main" val="2429738003"/>
+      </p:ext>
+    </p:extLst>
+  </p:cSld>
+  <p:clrMapOvr>
+    <a:masterClrMapping/>
+  </p:clrMapOvr>
+  <p:timing>
+    <p:tnLst>
+      <p:par>
+        <p:cTn id="1" dur="indefinite" restart="never" nodeType="tmRoot">
+          <p:childTnLst>
+            <p:seq concurrent="1" nextAc="seek">
+              <p:cTn id="2" dur="indefinite" nodeType="mainSeq">
+                <p:childTnLst>
+                  <p:par>
+                    <p:cTn id="3" fill="hold">
+                      <p:stCondLst>
+                        <p:cond delay="indefinite"/>
+                      </p:stCondLst>
+                      <p:childTnLst>
+                        <p:par>
+                          <p:cTn id="4" fill="hold">
+                            <p:stCondLst>
+                              <p:cond delay="0"/>
+                            </p:stCondLst>
+                            <p:childTnLst>
+                              <p:par>
+                                <p:cTn id="5" presetID="3" presetClass="entr" presetSubtype="10" fill="hold" nodeType="clickEffect">
+                                  <p:stCondLst>
+                                    <p:cond delay="0"/>
+                                  </p:stCondLst>
+                                  <p:childTnLst>
+                                    <p:set>
+                                      <p:cBhvr>
+                                        <p:cTn id="6" dur="1" fill="hold">
+                                          <p:stCondLst>
+                                            <p:cond delay="0"/>
+                                          </p:stCondLst>
+                                        </p:cTn>
+                                        <p:tgtEl>
+                                          <p:spTgt spid="26626">
+                                            <p:txEl>
+                                              <p:pRg st="0" end="0"/>
+                                            </p:txEl>
+                                          </p:spTgt>
+                                        </p:tgtEl>
+                                        <p:attrNameLst>
+                                          <p:attrName>style.visibility</p:attrName>
+                                        </p:attrNameLst>
+                                      </p:cBhvr>
+                                      <p:to>
+                                        <p:strVal val="visible"/>
+                                      </p:to>
+                                    </p:set>
+                                    <p:animEffect transition="in" filter="blinds(horizontal)">
+                                      <p:cBhvr>
+                                        <p:cTn id="7" dur="500"/>
+                                        <p:tgtEl>
+                                          <p:spTgt spid="26626">
+                                            <p:txEl>
+                                              <p:pRg st="0" end="0"/>
+                                            </p:txEl>
+                                          </p:spTgt>
+                                        </p:tgtEl>
+                                      </p:cBhvr>
+                                    </p:animEffect>
+                                  </p:childTnLst>
+                                </p:cTn>
+                              </p:par>
+                            </p:childTnLst>
+                          </p:cTn>
+                        </p:par>
+                      </p:childTnLst>
+                    </p:cTn>
+                  </p:par>
+                  <p:par>
+                    <p:cTn id="8" fill="hold">
+                      <p:stCondLst>
+                        <p:cond delay="indefinite"/>
+                      </p:stCondLst>
+                      <p:childTnLst>
+                        <p:par>
+                          <p:cTn id="9" fill="hold">
+                            <p:stCondLst>
+                              <p:cond delay="0"/>
+                            </p:stCondLst>
+                            <p:childTnLst>
+                              <p:par>
+                                <p:cTn id="10" presetID="3" presetClass="entr" presetSubtype="10" fill="hold" nodeType="clickEffect">
+                                  <p:stCondLst>
+                                    <p:cond delay="0"/>
+                                  </p:stCondLst>
+                                  <p:childTnLst>
+                                    <p:set>
+                                      <p:cBhvr>
+                                        <p:cTn id="11" dur="1" fill="hold">
+                                          <p:stCondLst>
+                                            <p:cond delay="0"/>
+                                          </p:stCondLst>
+                                        </p:cTn>
+                                        <p:tgtEl>
+                                          <p:spTgt spid="26626">
+                                            <p:txEl>
+                                              <p:pRg st="1" end="1"/>
+                                            </p:txEl>
+                                          </p:spTgt>
+                                        </p:tgtEl>
+                                        <p:attrNameLst>
+                                          <p:attrName>style.visibility</p:attrName>
+                                        </p:attrNameLst>
+                                      </p:cBhvr>
+                                      <p:to>
+                                        <p:strVal val="visible"/>
+                                      </p:to>
+                                    </p:set>
+                                    <p:animEffect transition="in" filter="blinds(horizontal)">
+                                      <p:cBhvr>
+                                        <p:cTn id="12" dur="500"/>
+                                        <p:tgtEl>
+                                          <p:spTgt spid="26626">
+                                            <p:txEl>
+                                              <p:pRg st="1" end="1"/>
+                                            </p:txEl>
+                                          </p:spTgt>
+                                        </p:tgtEl>
+                                      </p:cBhvr>
+                                    </p:animEffect>
+                                  </p:childTnLst>
+                                </p:cTn>
+                              </p:par>
+                            </p:childTnLst>
+                          </p:cTn>
+                        </p:par>
+                      </p:childTnLst>
+                    </p:cTn>
+                  </p:par>
+                  <p:par>
+                    <p:cTn id="13" fill="hold">
+                      <p:stCondLst>
+                        <p:cond delay="indefinite"/>
+                      </p:stCondLst>
+                      <p:childTnLst>
+                        <p:par>
+                          <p:cTn id="14" fill="hold">
+                            <p:stCondLst>
+                              <p:cond delay="0"/>
+                            </p:stCondLst>
+                            <p:childTnLst>
+                              <p:par>
+                                <p:cTn id="15" presetID="3" presetClass="entr" presetSubtype="10" fill="hold" nodeType="clickEffect">
+                                  <p:stCondLst>
+                                    <p:cond delay="0"/>
+                                  </p:stCondLst>
+                                  <p:childTnLst>
+                                    <p:set>
+                                      <p:cBhvr>
+                                        <p:cTn id="16" dur="1" fill="hold">
+                                          <p:stCondLst>
+                                            <p:cond delay="0"/>
+                                          </p:stCondLst>
+                                        </p:cTn>
+                                        <p:tgtEl>
+                                          <p:spTgt spid="26626">
+                                            <p:txEl>
+                                              <p:pRg st="2" end="2"/>
+                                            </p:txEl>
+                                          </p:spTgt>
+                                        </p:tgtEl>
+                                        <p:attrNameLst>
+                                          <p:attrName>style.visibility</p:attrName>
+                                        </p:attrNameLst>
+                                      </p:cBhvr>
+                                      <p:to>
+                                        <p:strVal val="visible"/>
+                                      </p:to>
+                                    </p:set>
+                                    <p:animEffect transition="in" filter="blinds(horizontal)">
+                                      <p:cBhvr>
+                                        <p:cTn id="17" dur="500"/>
+                                        <p:tgtEl>
+                                          <p:spTgt spid="26626">
+                                            <p:txEl>
+                                              <p:pRg st="2" end="2"/>
+                                            </p:txEl>
+                                          </p:spTgt>
+                                        </p:tgtEl>
+                                      </p:cBhvr>
+                                    </p:animEffect>
+                                  </p:childTnLst>
+                                </p:cTn>
+                              </p:par>
+                            </p:childTnLst>
+                          </p:cTn>
+                        </p:par>
+                      </p:childTnLst>
+                    </p:cTn>
+                  </p:par>
+                  <p:par>
+                    <p:cTn id="18" fill="hold">
+                      <p:stCondLst>
+                        <p:cond delay="indefinite"/>
+                      </p:stCondLst>
+                      <p:childTnLst>
+                        <p:par>
+                          <p:cTn id="19" fill="hold">
+                            <p:stCondLst>
+                              <p:cond delay="0"/>
+                            </p:stCondLst>
+                            <p:childTnLst>
+                              <p:par>
+                                <p:cTn id="20" presetID="3" presetClass="entr" presetSubtype="10" fill="hold" nodeType="clickEffect">
+                                  <p:stCondLst>
+                                    <p:cond delay="0"/>
+                                  </p:stCondLst>
+                                  <p:childTnLst>
+                                    <p:set>
+                                      <p:cBhvr>
+                                        <p:cTn id="21" dur="1" fill="hold">
+                                          <p:stCondLst>
+                                            <p:cond delay="0"/>
+                                          </p:stCondLst>
+                                        </p:cTn>
+                                        <p:tgtEl>
+                                          <p:spTgt spid="26626">
+                                            <p:txEl>
+                                              <p:pRg st="3" end="3"/>
+                                            </p:txEl>
+                                          </p:spTgt>
+                                        </p:tgtEl>
+                                        <p:attrNameLst>
+                                          <p:attrName>style.visibility</p:attrName>
+                                        </p:attrNameLst>
+                                      </p:cBhvr>
+                                      <p:to>
+                                        <p:strVal val="visible"/>
+                                      </p:to>
+                                    </p:set>
+                                    <p:animEffect transition="in" filter="blinds(horizontal)">
+                                      <p:cBhvr>
+                                        <p:cTn id="22" dur="500"/>
+                                        <p:tgtEl>
+                                          <p:spTgt spid="26626">
+                                            <p:txEl>
+                                              <p:pRg st="3" end="3"/>
+                                            </p:txEl>
+                                          </p:spTgt>
+                                        </p:tgtEl>
+                                      </p:cBhvr>
+                                    </p:animEffect>
+                                  </p:childTnLst>
+                                </p:cTn>
+                              </p:par>
+                            </p:childTnLst>
+                          </p:cTn>
+                        </p:par>
+                      </p:childTnLst>
+                    </p:cTn>
+                  </p:par>
+                  <p:par>
+                    <p:cTn id="23" fill="hold">
+                      <p:stCondLst>
+                        <p:cond delay="indefinite"/>
+                      </p:stCondLst>
+                      <p:childTnLst>
+                        <p:par>
+                          <p:cTn id="24" fill="hold">
+                            <p:stCondLst>
+                              <p:cond delay="0"/>
+                            </p:stCondLst>
+                            <p:childTnLst>
+                              <p:par>
+                                <p:cTn id="25" presetID="3" presetClass="entr" presetSubtype="10" fill="hold" nodeType="clickEffect">
+                                  <p:stCondLst>
+                                    <p:cond delay="0"/>
+                                  </p:stCondLst>
+                                  <p:childTnLst>
+                                    <p:set>
+                                      <p:cBhvr>
+                                        <p:cTn id="26" dur="1" fill="hold">
+                                          <p:stCondLst>
+                                            <p:cond delay="0"/>
+                                          </p:stCondLst>
+                                        </p:cTn>
+                                        <p:tgtEl>
+                                          <p:spTgt spid="26626">
+                                            <p:txEl>
+                                              <p:pRg st="4" end="4"/>
+                                            </p:txEl>
+                                          </p:spTgt>
+                                        </p:tgtEl>
+                                        <p:attrNameLst>
+                                          <p:attrName>style.visibility</p:attrName>
+                                        </p:attrNameLst>
+                                      </p:cBhvr>
+                                      <p:to>
+                                        <p:strVal val="visible"/>
+                                      </p:to>
+                                    </p:set>
+                                    <p:animEffect transition="in" filter="blinds(horizontal)">
+                                      <p:cBhvr>
+                                        <p:cTn id="27" dur="500"/>
+                                        <p:tgtEl>
+                                          <p:spTgt spid="26626">
+                                            <p:txEl>
+                                              <p:pRg st="4" end="4"/>
+                                            </p:txEl>
+                                          </p:spTgt>
+                                        </p:tgtEl>
+                                      </p:cBhvr>
+                                    </p:animEffect>
+                                  </p:childTnLst>
+                                </p:cTn>
+                              </p:par>
+                            </p:childTnLst>
+                          </p:cTn>
+                        </p:par>
+                      </p:childTnLst>
+                    </p:cTn>
+                  </p:par>
+                  <p:par>
+                    <p:cTn id="28" fill="hold">
+                      <p:stCondLst>
+                        <p:cond delay="indefinite"/>
+                      </p:stCondLst>
+                      <p:childTnLst>
+                        <p:par>
+                          <p:cTn id="29" fill="hold">
+                            <p:stCondLst>
+                              <p:cond delay="0"/>
+                            </p:stCondLst>
+                            <p:childTnLst>
+                              <p:par>
+                                <p:cTn id="30" presetID="3" presetClass="entr" presetSubtype="10" fill="hold" nodeType="clickEffect">
+                                  <p:stCondLst>
+                                    <p:cond delay="0"/>
+                                  </p:stCondLst>
+                                  <p:childTnLst>
+                                    <p:set>
+                                      <p:cBhvr>
+                                        <p:cTn id="31" dur="1" fill="hold">
+                                          <p:stCondLst>
+                                            <p:cond delay="0"/>
+                                          </p:stCondLst>
+                                        </p:cTn>
+                                        <p:tgtEl>
+                                          <p:spTgt spid="26626">
+                                            <p:txEl>
+                                              <p:pRg st="5" end="5"/>
+                                            </p:txEl>
+                                          </p:spTgt>
+                                        </p:tgtEl>
+                                        <p:attrNameLst>
+                                          <p:attrName>style.visibility</p:attrName>
+                                        </p:attrNameLst>
+                                      </p:cBhvr>
+                                      <p:to>
+                                        <p:strVal val="visible"/>
+                                      </p:to>
+                                    </p:set>
+                                    <p:animEffect transition="in" filter="blinds(horizontal)">
+                                      <p:cBhvr>
+                                        <p:cTn id="32" dur="500"/>
+                                        <p:tgtEl>
+                                          <p:spTgt spid="26626">
+                                            <p:txEl>
+                                              <p:pRg st="5" end="5"/>
+                                            </p:txEl>
+                                          </p:spTgt>
+                                        </p:tgtEl>
+                                      </p:cBhvr>
+                                    </p:animEffect>
+                                  </p:childTnLst>
+                                </p:cTn>
+                              </p:par>
+                            </p:childTnLst>
+                          </p:cTn>
+                        </p:par>
+                      </p:childTnLst>
+                    </p:cTn>
+                  </p:par>
+                </p:childTnLst>
+              </p:cTn>
+              <p:prevCondLst>
+                <p:cond evt="onPrev" delay="0">
+                  <p:tgtEl>
+                    <p:sldTgt/>
+                  </p:tgtEl>
+                </p:cond>
+              </p:prevCondLst>
+              <p:nextCondLst>
+                <p:cond evt="onNext" delay="0">
+                  <p:tgtEl>
+                    <p:sldTgt/>
+                  </p:tgtEl>
+                </p:cond>
+              </p:nextCondLst>
+            </p:seq>
+          </p:childTnLst>
+        </p:cTn>
+      </p:par>
+    </p:tnLst>
+  </p:timing>
+</p:sld>
+</file>
+
+<file path=ppt/slides/slide22.xml><?xml version="1.0" encoding="utf-8"?>
+<p:sld xmlns:a="http://schemas.openxmlformats.org/drawingml/2006/main" xmlns:r="http://schemas.openxmlformats.org/officeDocument/2006/relationships" xmlns:p="http://schemas.openxmlformats.org/presentationml/2006/main">
+  <p:cSld>
+    <p:spTree>
+      <p:nvGrpSpPr>
+        <p:cNvPr id="1" name=""/>
+        <p:cNvGrpSpPr/>
+        <p:nvPr/>
+      </p:nvGrpSpPr>
+      <p:grpSpPr>
+        <a:xfrm>
+          <a:off x="0" y="0"/>
+          <a:ext cx="0" cy="0"/>
+          <a:chOff x="0" y="0"/>
+          <a:chExt cx="0" cy="0"/>
+        </a:xfrm>
+      </p:grpSpPr>
+      <p:sp>
+        <p:nvSpPr>
+          <p:cNvPr id="26626" name="Text Box 2"/>
+          <p:cNvSpPr txBox="1">
+            <a:spLocks noChangeArrowheads="1"/>
+          </p:cNvSpPr>
+          <p:nvPr/>
+        </p:nvSpPr>
+        <p:spPr bwMode="auto">
+          <a:xfrm>
+            <a:off x="539750" y="1416050"/>
+            <a:ext cx="8451850" cy="5724644"/>
+          </a:xfrm>
+          <a:prstGeom prst="rect">
+            <a:avLst/>
+          </a:prstGeom>
+          <a:noFill/>
+          <a:ln>
+            <a:noFill/>
+          </a:ln>
+          <a:extLst>
+            <a:ext uri="{909E8E84-426E-40DD-AFC4-6F175D3DCCD1}">
+              <a14:hiddenFill xmlns:a14="http://schemas.microsoft.com/office/drawing/2010/main">
+                <a:solidFill>
+                  <a:srgbClr val="FFFFFF"/>
+                </a:solidFill>
+              </a14:hiddenFill>
+            </a:ext>
+            <a:ext uri="{91240B29-F687-4F45-9708-019B960494DF}">
+              <a14:hiddenLine xmlns:a14="http://schemas.microsoft.com/office/drawing/2010/main" w="9525">
+                <a:solidFill>
+                  <a:srgbClr val="000000"/>
+                </a:solidFill>
+                <a:miter lim="800000"/>
+                <a:headEnd/>
+                <a:tailEnd/>
+              </a14:hiddenLine>
+            </a:ext>
+          </a:extLst>
+        </p:spPr>
+        <p:txBody>
+          <a:bodyPr>
+            <a:spAutoFit/>
+          </a:bodyPr>
+          <a:lstStyle>
+            <a:lvl1pPr eaLnBrk="0" hangingPunct="0">
+              <a:defRPr sz="2400">
+                <a:solidFill>
+                  <a:schemeClr val="tx1"/>
+                </a:solidFill>
+                <a:latin typeface="Times New Roman" pitchFamily="18" charset="0"/>
+              </a:defRPr>
+            </a:lvl1pPr>
+            <a:lvl2pPr marL="742950" indent="-285750" eaLnBrk="0" hangingPunct="0">
+              <a:defRPr sz="2400">
+                <a:solidFill>
+                  <a:schemeClr val="tx1"/>
+                </a:solidFill>
+                <a:latin typeface="Times New Roman" pitchFamily="18" charset="0"/>
+              </a:defRPr>
+            </a:lvl2pPr>
+            <a:lvl3pPr marL="1143000" indent="-228600" eaLnBrk="0" hangingPunct="0">
+              <a:defRPr sz="2400">
+                <a:solidFill>
+                  <a:schemeClr val="tx1"/>
+                </a:solidFill>
+                <a:latin typeface="Times New Roman" pitchFamily="18" charset="0"/>
+              </a:defRPr>
+            </a:lvl3pPr>
+            <a:lvl4pPr marL="1600200" indent="-228600" eaLnBrk="0" hangingPunct="0">
+              <a:defRPr sz="2400">
+                <a:solidFill>
+                  <a:schemeClr val="tx1"/>
+                </a:solidFill>
+                <a:latin typeface="Times New Roman" pitchFamily="18" charset="0"/>
+              </a:defRPr>
+            </a:lvl4pPr>
+            <a:lvl5pPr marL="2057400" indent="-228600" eaLnBrk="0" hangingPunct="0">
+              <a:defRPr sz="2400">
+                <a:solidFill>
+                  <a:schemeClr val="tx1"/>
+                </a:solidFill>
+                <a:latin typeface="Times New Roman" pitchFamily="18" charset="0"/>
+              </a:defRPr>
+            </a:lvl5pPr>
+            <a:lvl6pPr marL="2514600" indent="-228600" eaLnBrk="0" fontAlgn="base" hangingPunct="0">
+              <a:spcBef>
+                <a:spcPct val="0"/>
+              </a:spcBef>
+              <a:spcAft>
+                <a:spcPct val="0"/>
+              </a:spcAft>
+              <a:defRPr sz="2400">
+                <a:solidFill>
+                  <a:schemeClr val="tx1"/>
+                </a:solidFill>
+                <a:latin typeface="Times New Roman" pitchFamily="18" charset="0"/>
+              </a:defRPr>
+            </a:lvl6pPr>
+            <a:lvl7pPr marL="2971800" indent="-228600" eaLnBrk="0" fontAlgn="base" hangingPunct="0">
+              <a:spcBef>
+                <a:spcPct val="0"/>
+              </a:spcBef>
+              <a:spcAft>
+                <a:spcPct val="0"/>
+              </a:spcAft>
+              <a:defRPr sz="2400">
+                <a:solidFill>
+                  <a:schemeClr val="tx1"/>
+                </a:solidFill>
+                <a:latin typeface="Times New Roman" pitchFamily="18" charset="0"/>
+              </a:defRPr>
+            </a:lvl7pPr>
+            <a:lvl8pPr marL="3429000" indent="-228600" eaLnBrk="0" fontAlgn="base" hangingPunct="0">
+              <a:spcBef>
+                <a:spcPct val="0"/>
+              </a:spcBef>
+              <a:spcAft>
+                <a:spcPct val="0"/>
+              </a:spcAft>
+              <a:defRPr sz="2400">
+                <a:solidFill>
+                  <a:schemeClr val="tx1"/>
+                </a:solidFill>
+                <a:latin typeface="Times New Roman" pitchFamily="18" charset="0"/>
+              </a:defRPr>
+            </a:lvl8pPr>
+            <a:lvl9pPr marL="3886200" indent="-228600" eaLnBrk="0" fontAlgn="base" hangingPunct="0">
+              <a:spcBef>
+                <a:spcPct val="0"/>
+              </a:spcBef>
+              <a:spcAft>
+                <a:spcPct val="0"/>
+              </a:spcAft>
+              <a:defRPr sz="2400">
+                <a:solidFill>
+                  <a:schemeClr val="tx1"/>
+                </a:solidFill>
+                <a:latin typeface="Times New Roman" pitchFamily="18" charset="0"/>
+              </a:defRPr>
+            </a:lvl9pPr>
+          </a:lstStyle>
+          <a:p>
+            <a:pPr>
+              <a:spcBef>
+                <a:spcPts val="600"/>
+              </a:spcBef>
+              <a:defRPr/>
+            </a:pPr>
+            <a:r>
+              <a:rPr lang="sr-Cyrl-RS" dirty="0" smtClean="0">
+                <a:latin typeface="Garamond" pitchFamily="18" charset="0"/>
+              </a:rPr>
+              <a:t>Принцип једнозначне одговорности (</a:t>
+            </a:r>
+            <a:r>
+              <a:rPr lang="en-US" b="1" u="sng" dirty="0" smtClean="0">
+                <a:latin typeface="Garamond" pitchFamily="18" charset="0"/>
+              </a:rPr>
+              <a:t>S</a:t>
+            </a:r>
+            <a:r>
+              <a:rPr lang="en-US" dirty="0" smtClean="0">
+                <a:latin typeface="Garamond" pitchFamily="18" charset="0"/>
+              </a:rPr>
+              <a:t>ingle responsibility) – </a:t>
+            </a:r>
+            <a:r>
+              <a:rPr lang="sr-Cyrl-RS" dirty="0" smtClean="0">
+                <a:latin typeface="Garamond" pitchFamily="18" charset="0"/>
+              </a:rPr>
+              <a:t>свака класа треба да има тачно једну одговорност </a:t>
+            </a:r>
+          </a:p>
+          <a:p>
+            <a:pPr marL="342900" indent="-342900">
+              <a:spcBef>
+                <a:spcPts val="600"/>
+              </a:spcBef>
+              <a:buFont typeface="Arial" panose="020B0604020202020204" pitchFamily="34" charset="0"/>
+              <a:buChar char="•"/>
+              <a:defRPr/>
+            </a:pPr>
+            <a:r>
+              <a:rPr lang="sr-Cyrl-RS" dirty="0" smtClean="0">
+                <a:latin typeface="Garamond" pitchFamily="18" charset="0"/>
+              </a:rPr>
+              <a:t>По овом принципу</a:t>
+            </a:r>
+            <a:r>
+              <a:rPr lang="en-US" dirty="0" smtClean="0">
+                <a:latin typeface="Garamond" pitchFamily="18" charset="0"/>
+              </a:rPr>
+              <a:t>, </a:t>
+            </a:r>
+            <a:r>
+              <a:rPr lang="sr-Cyrl-RS" dirty="0" smtClean="0">
+                <a:latin typeface="Garamond" pitchFamily="18" charset="0"/>
+              </a:rPr>
+              <a:t>може постојати само један разлог због ког класа треба да буде промењена </a:t>
+            </a:r>
+          </a:p>
+          <a:p>
+            <a:pPr marL="342900" indent="-342900">
+              <a:spcBef>
+                <a:spcPts val="600"/>
+              </a:spcBef>
+              <a:buFont typeface="Arial" panose="020B0604020202020204" pitchFamily="34" charset="0"/>
+              <a:buChar char="•"/>
+              <a:defRPr/>
+            </a:pPr>
+            <a:r>
+              <a:rPr lang="sr-Cyrl-RS" dirty="0" smtClean="0">
+                <a:latin typeface="Garamond" pitchFamily="18" charset="0"/>
+              </a:rPr>
+              <a:t>Класа треба да реализује само један задатак</a:t>
+            </a:r>
+          </a:p>
+          <a:p>
+            <a:pPr marL="1085850" lvl="1" indent="-342900">
+              <a:spcBef>
+                <a:spcPts val="600"/>
+              </a:spcBef>
+              <a:buFont typeface="Arial" panose="020B0604020202020204" pitchFamily="34" charset="0"/>
+              <a:buChar char="•"/>
+              <a:defRPr/>
+            </a:pPr>
+            <a:r>
+              <a:rPr lang="sr-Cyrl-RS" dirty="0" smtClean="0">
+                <a:latin typeface="Garamond" pitchFamily="18" charset="0"/>
+              </a:rPr>
+              <a:t>ако </a:t>
+            </a:r>
+            <a:r>
+              <a:rPr lang="sr-Cyrl-RS" dirty="0" smtClean="0">
+                <a:latin typeface="Garamond" pitchFamily="18" charset="0"/>
+              </a:rPr>
+              <a:t>би се у оквиру једне класе налазила функционалност за пословну логику и за чување података примерка у датотеку или у базу, то би нарушавало овај принцип</a:t>
+            </a:r>
+            <a:r>
+              <a:rPr lang="en-US" dirty="0" smtClean="0">
+                <a:latin typeface="Garamond" pitchFamily="18" charset="0"/>
+              </a:rPr>
+              <a:t> </a:t>
+            </a:r>
+            <a:endParaRPr lang="en-US" dirty="0" smtClean="0">
+              <a:latin typeface="Garamond" pitchFamily="18" charset="0"/>
+            </a:endParaRPr>
+          </a:p>
+          <a:p>
+            <a:pPr marL="342900" indent="-342900">
+              <a:spcBef>
+                <a:spcPts val="600"/>
+              </a:spcBef>
+              <a:buFont typeface="Arial" panose="020B0604020202020204" pitchFamily="34" charset="0"/>
+              <a:buChar char="•"/>
+              <a:defRPr/>
+            </a:pPr>
+            <a:r>
+              <a:rPr lang="sr-Cyrl-RS" dirty="0" smtClean="0">
+                <a:latin typeface="Garamond" pitchFamily="18" charset="0"/>
+              </a:rPr>
+              <a:t>Када се поштује овај принцип, тестирање је једноставније</a:t>
+            </a:r>
+          </a:p>
+          <a:p>
+            <a:pPr marL="342900" indent="-342900">
+              <a:spcBef>
+                <a:spcPts val="600"/>
+              </a:spcBef>
+              <a:buFont typeface="Arial" panose="020B0604020202020204" pitchFamily="34" charset="0"/>
+              <a:buChar char="•"/>
+              <a:defRPr/>
+            </a:pPr>
+            <a:r>
+              <a:rPr lang="sr-Cyrl-RS" dirty="0" smtClean="0">
+                <a:latin typeface="Garamond" pitchFamily="18" charset="0"/>
+              </a:rPr>
+              <a:t>Мање функционалности у једној класи такође значи да има мање зависности од осталих класа, што доводи до боље организације кода, јер се мање класе са јасном сврхом могу лакше пронаћи</a:t>
+            </a:r>
+            <a:endParaRPr lang="sr-Cyrl-RS" dirty="0" smtClean="0">
+              <a:latin typeface="Garamond" pitchFamily="18" charset="0"/>
+            </a:endParaRPr>
+          </a:p>
+          <a:p>
+            <a:pPr marL="342900" indent="-342900">
+              <a:spcBef>
+                <a:spcPts val="600"/>
+              </a:spcBef>
+              <a:buFont typeface="Arial" panose="020B0604020202020204" pitchFamily="34" charset="0"/>
+              <a:buChar char="•"/>
+              <a:defRPr/>
+            </a:pPr>
+            <a:endParaRPr lang="en-US" dirty="0" smtClean="0">
+              <a:latin typeface="Garamond" pitchFamily="18" charset="0"/>
+            </a:endParaRPr>
+          </a:p>
+        </p:txBody>
+      </p:sp>
+      <p:sp>
+        <p:nvSpPr>
+          <p:cNvPr id="3" name="Title 1"/>
+          <p:cNvSpPr txBox="1">
+            <a:spLocks/>
+          </p:cNvSpPr>
+          <p:nvPr/>
+        </p:nvSpPr>
+        <p:spPr>
+          <a:xfrm>
+            <a:off x="1371600" y="549275"/>
+            <a:ext cx="7772400" cy="868363"/>
+          </a:xfrm>
+          <a:prstGeom prst="rect">
+            <a:avLst/>
+          </a:prstGeom>
+        </p:spPr>
+        <p:txBody>
+          <a:bodyPr/>
+          <a:lstStyle>
+            <a:lvl1pPr algn="l" rtl="0" eaLnBrk="0" fontAlgn="base" hangingPunct="0">
+              <a:spcBef>
+                <a:spcPct val="0"/>
+              </a:spcBef>
+              <a:spcAft>
+                <a:spcPct val="0"/>
+              </a:spcAft>
+              <a:defRPr sz="3800">
+                <a:solidFill>
+                  <a:schemeClr val="tx2"/>
+                </a:solidFill>
+                <a:latin typeface="+mj-lt"/>
+                <a:ea typeface="+mj-ea"/>
+                <a:cs typeface="+mj-cs"/>
+              </a:defRPr>
+            </a:lvl1pPr>
+            <a:lvl2pPr algn="l" rtl="0" eaLnBrk="0" fontAlgn="base" hangingPunct="0">
+              <a:spcBef>
+                <a:spcPct val="0"/>
+              </a:spcBef>
+              <a:spcAft>
+                <a:spcPct val="0"/>
+              </a:spcAft>
+              <a:defRPr sz="3800">
+                <a:solidFill>
+                  <a:schemeClr val="tx2"/>
+                </a:solidFill>
+                <a:latin typeface="Arial" charset="0"/>
+              </a:defRPr>
+            </a:lvl2pPr>
+            <a:lvl3pPr algn="l" rtl="0" eaLnBrk="0" fontAlgn="base" hangingPunct="0">
+              <a:spcBef>
+                <a:spcPct val="0"/>
+              </a:spcBef>
+              <a:spcAft>
+                <a:spcPct val="0"/>
+              </a:spcAft>
+              <a:defRPr sz="3800">
+                <a:solidFill>
+                  <a:schemeClr val="tx2"/>
+                </a:solidFill>
+                <a:latin typeface="Arial" charset="0"/>
+              </a:defRPr>
+            </a:lvl3pPr>
+            <a:lvl4pPr algn="l" rtl="0" eaLnBrk="0" fontAlgn="base" hangingPunct="0">
+              <a:spcBef>
+                <a:spcPct val="0"/>
+              </a:spcBef>
+              <a:spcAft>
+                <a:spcPct val="0"/>
+              </a:spcAft>
+              <a:defRPr sz="3800">
+                <a:solidFill>
+                  <a:schemeClr val="tx2"/>
+                </a:solidFill>
+                <a:latin typeface="Arial" charset="0"/>
+              </a:defRPr>
+            </a:lvl4pPr>
+            <a:lvl5pPr algn="l" rtl="0" eaLnBrk="0" fontAlgn="base" hangingPunct="0">
+              <a:spcBef>
+                <a:spcPct val="0"/>
+              </a:spcBef>
+              <a:spcAft>
+                <a:spcPct val="0"/>
+              </a:spcAft>
+              <a:defRPr sz="3800">
+                <a:solidFill>
+                  <a:schemeClr val="tx2"/>
+                </a:solidFill>
+                <a:latin typeface="Arial" charset="0"/>
+              </a:defRPr>
+            </a:lvl5pPr>
+            <a:lvl6pPr marL="457200" algn="l" rtl="0" fontAlgn="base">
+              <a:spcBef>
+                <a:spcPct val="0"/>
+              </a:spcBef>
+              <a:spcAft>
+                <a:spcPct val="0"/>
+              </a:spcAft>
+              <a:defRPr sz="3800">
+                <a:solidFill>
+                  <a:schemeClr val="tx2"/>
+                </a:solidFill>
+                <a:latin typeface="Arial" charset="0"/>
+              </a:defRPr>
+            </a:lvl6pPr>
+            <a:lvl7pPr marL="914400" algn="l" rtl="0" fontAlgn="base">
+              <a:spcBef>
+                <a:spcPct val="0"/>
+              </a:spcBef>
+              <a:spcAft>
+                <a:spcPct val="0"/>
+              </a:spcAft>
+              <a:defRPr sz="3800">
+                <a:solidFill>
+                  <a:schemeClr val="tx2"/>
+                </a:solidFill>
+                <a:latin typeface="Arial" charset="0"/>
+              </a:defRPr>
+            </a:lvl7pPr>
+            <a:lvl8pPr marL="1371600" algn="l" rtl="0" fontAlgn="base">
+              <a:spcBef>
+                <a:spcPct val="0"/>
+              </a:spcBef>
+              <a:spcAft>
+                <a:spcPct val="0"/>
+              </a:spcAft>
+              <a:defRPr sz="3800">
+                <a:solidFill>
+                  <a:schemeClr val="tx2"/>
+                </a:solidFill>
+                <a:latin typeface="Arial" charset="0"/>
+              </a:defRPr>
+            </a:lvl8pPr>
+            <a:lvl9pPr marL="1828800" algn="l" rtl="0" fontAlgn="base">
+              <a:spcBef>
+                <a:spcPct val="0"/>
+              </a:spcBef>
+              <a:spcAft>
+                <a:spcPct val="0"/>
+              </a:spcAft>
+              <a:defRPr sz="3800">
+                <a:solidFill>
+                  <a:schemeClr val="tx2"/>
+                </a:solidFill>
+                <a:latin typeface="Arial" charset="0"/>
+              </a:defRPr>
+            </a:lvl9pPr>
+          </a:lstStyle>
+          <a:p>
+            <a:pPr>
+              <a:defRPr/>
+            </a:pPr>
+            <a:r>
+              <a:rPr lang="en-US" sz="3600" b="1" kern="0" dirty="0">
+                <a:solidFill>
+                  <a:srgbClr val="0070C0"/>
+                </a:solidFill>
+              </a:rPr>
+              <a:t>SOLID </a:t>
+            </a:r>
+            <a:r>
+              <a:rPr lang="sr-Cyrl-RS" sz="3600" b="1" kern="0" dirty="0" smtClean="0">
+                <a:solidFill>
+                  <a:srgbClr val="0070C0"/>
+                </a:solidFill>
+              </a:rPr>
+              <a:t>принципи - </a:t>
+            </a:r>
+            <a:r>
+              <a:rPr lang="en-US" sz="3600" b="1" kern="0" dirty="0">
+                <a:solidFill>
+                  <a:srgbClr val="0070C0"/>
+                </a:solidFill>
+              </a:rPr>
+              <a:t>D</a:t>
+            </a:r>
+            <a:endParaRPr lang="en-US" sz="3600" b="1" kern="0" dirty="0">
+              <a:solidFill>
+                <a:srgbClr val="0070C0"/>
+              </a:solidFill>
+            </a:endParaRPr>
+          </a:p>
+        </p:txBody>
+      </p:sp>
+    </p:spTree>
+    <p:extLst>
+      <p:ext uri="{BB962C8B-B14F-4D97-AF65-F5344CB8AC3E}">
+        <p14:creationId xmlns:p14="http://schemas.microsoft.com/office/powerpoint/2010/main" val="3377599832"/>
+      </p:ext>
+    </p:extLst>
+  </p:cSld>
+  <p:clrMapOvr>
+    <a:masterClrMapping/>
+  </p:clrMapOvr>
+  <p:timing>
+    <p:tnLst>
+      <p:par>
+        <p:cTn id="1" dur="indefinite" restart="never" nodeType="tmRoot">
+          <p:childTnLst>
+            <p:seq concurrent="1" nextAc="seek">
+              <p:cTn id="2" dur="indefinite" nodeType="mainSeq">
+                <p:childTnLst>
+                  <p:par>
+                    <p:cTn id="3" fill="hold">
+                      <p:stCondLst>
+                        <p:cond delay="indefinite"/>
+                      </p:stCondLst>
+                      <p:childTnLst>
+                        <p:par>
+                          <p:cTn id="4" fill="hold">
+                            <p:stCondLst>
+                              <p:cond delay="0"/>
+                            </p:stCondLst>
+                            <p:childTnLst>
+                              <p:par>
+                                <p:cTn id="5" presetID="3" presetClass="entr" presetSubtype="10" fill="hold" nodeType="clickEffect">
+                                  <p:stCondLst>
+                                    <p:cond delay="0"/>
+                                  </p:stCondLst>
+                                  <p:childTnLst>
+                                    <p:set>
+                                      <p:cBhvr>
+                                        <p:cTn id="6" dur="1" fill="hold">
+                                          <p:stCondLst>
+                                            <p:cond delay="0"/>
+                                          </p:stCondLst>
+                                        </p:cTn>
+                                        <p:tgtEl>
+                                          <p:spTgt spid="26626">
+                                            <p:txEl>
+                                              <p:pRg st="0" end="0"/>
+                                            </p:txEl>
+                                          </p:spTgt>
+                                        </p:tgtEl>
+                                        <p:attrNameLst>
+                                          <p:attrName>style.visibility</p:attrName>
+                                        </p:attrNameLst>
+                                      </p:cBhvr>
+                                      <p:to>
+                                        <p:strVal val="visible"/>
+                                      </p:to>
+                                    </p:set>
+                                    <p:animEffect transition="in" filter="blinds(horizontal)">
+                                      <p:cBhvr>
+                                        <p:cTn id="7" dur="500"/>
+                                        <p:tgtEl>
+                                          <p:spTgt spid="26626">
+                                            <p:txEl>
+                                              <p:pRg st="0" end="0"/>
+                                            </p:txEl>
+                                          </p:spTgt>
+                                        </p:tgtEl>
+                                      </p:cBhvr>
+                                    </p:animEffect>
+                                  </p:childTnLst>
+                                </p:cTn>
+                              </p:par>
+                            </p:childTnLst>
+                          </p:cTn>
+                        </p:par>
+                      </p:childTnLst>
+                    </p:cTn>
+                  </p:par>
+                  <p:par>
+                    <p:cTn id="8" fill="hold">
+                      <p:stCondLst>
+                        <p:cond delay="indefinite"/>
+                      </p:stCondLst>
+                      <p:childTnLst>
+                        <p:par>
+                          <p:cTn id="9" fill="hold">
+                            <p:stCondLst>
+                              <p:cond delay="0"/>
+                            </p:stCondLst>
+                            <p:childTnLst>
+                              <p:par>
+                                <p:cTn id="10" presetID="3" presetClass="entr" presetSubtype="10" fill="hold" nodeType="clickEffect">
+                                  <p:stCondLst>
+                                    <p:cond delay="0"/>
+                                  </p:stCondLst>
+                                  <p:childTnLst>
+                                    <p:set>
+                                      <p:cBhvr>
+                                        <p:cTn id="11" dur="1" fill="hold">
+                                          <p:stCondLst>
+                                            <p:cond delay="0"/>
+                                          </p:stCondLst>
+                                        </p:cTn>
+                                        <p:tgtEl>
+                                          <p:spTgt spid="26626">
+                                            <p:txEl>
+                                              <p:pRg st="1" end="1"/>
+                                            </p:txEl>
+                                          </p:spTgt>
+                                        </p:tgtEl>
+                                        <p:attrNameLst>
+                                          <p:attrName>style.visibility</p:attrName>
+                                        </p:attrNameLst>
+                                      </p:cBhvr>
+                                      <p:to>
+                                        <p:strVal val="visible"/>
+                                      </p:to>
+                                    </p:set>
+                                    <p:animEffect transition="in" filter="blinds(horizontal)">
+                                      <p:cBhvr>
+                                        <p:cTn id="12" dur="500"/>
+                                        <p:tgtEl>
+                                          <p:spTgt spid="26626">
+                                            <p:txEl>
+                                              <p:pRg st="1" end="1"/>
+                                            </p:txEl>
+                                          </p:spTgt>
+                                        </p:tgtEl>
+                                      </p:cBhvr>
+                                    </p:animEffect>
+                                  </p:childTnLst>
+                                </p:cTn>
+                              </p:par>
+                            </p:childTnLst>
+                          </p:cTn>
+                        </p:par>
+                      </p:childTnLst>
+                    </p:cTn>
+                  </p:par>
+                  <p:par>
+                    <p:cTn id="13" fill="hold">
+                      <p:stCondLst>
+                        <p:cond delay="indefinite"/>
+                      </p:stCondLst>
+                      <p:childTnLst>
+                        <p:par>
+                          <p:cTn id="14" fill="hold">
+                            <p:stCondLst>
+                              <p:cond delay="0"/>
+                            </p:stCondLst>
+                            <p:childTnLst>
+                              <p:par>
+                                <p:cTn id="15" presetID="3" presetClass="entr" presetSubtype="10" fill="hold" nodeType="clickEffect">
+                                  <p:stCondLst>
+                                    <p:cond delay="0"/>
+                                  </p:stCondLst>
+                                  <p:childTnLst>
+                                    <p:set>
+                                      <p:cBhvr>
+                                        <p:cTn id="16" dur="1" fill="hold">
+                                          <p:stCondLst>
+                                            <p:cond delay="0"/>
+                                          </p:stCondLst>
+                                        </p:cTn>
+                                        <p:tgtEl>
+                                          <p:spTgt spid="26626">
+                                            <p:txEl>
+                                              <p:pRg st="2" end="2"/>
+                                            </p:txEl>
+                                          </p:spTgt>
+                                        </p:tgtEl>
+                                        <p:attrNameLst>
+                                          <p:attrName>style.visibility</p:attrName>
+                                        </p:attrNameLst>
+                                      </p:cBhvr>
+                                      <p:to>
+                                        <p:strVal val="visible"/>
+                                      </p:to>
+                                    </p:set>
+                                    <p:animEffect transition="in" filter="blinds(horizontal)">
+                                      <p:cBhvr>
+                                        <p:cTn id="17" dur="500"/>
+                                        <p:tgtEl>
+                                          <p:spTgt spid="26626">
+                                            <p:txEl>
+                                              <p:pRg st="2" end="2"/>
+                                            </p:txEl>
+                                          </p:spTgt>
+                                        </p:tgtEl>
+                                      </p:cBhvr>
+                                    </p:animEffect>
+                                  </p:childTnLst>
+                                </p:cTn>
+                              </p:par>
+                            </p:childTnLst>
+                          </p:cTn>
+                        </p:par>
+                      </p:childTnLst>
+                    </p:cTn>
+                  </p:par>
+                  <p:par>
+                    <p:cTn id="18" fill="hold">
+                      <p:stCondLst>
+                        <p:cond delay="indefinite"/>
+                      </p:stCondLst>
+                      <p:childTnLst>
+                        <p:par>
+                          <p:cTn id="19" fill="hold">
+                            <p:stCondLst>
+                              <p:cond delay="0"/>
+                            </p:stCondLst>
+                            <p:childTnLst>
+                              <p:par>
+                                <p:cTn id="20" presetID="3" presetClass="entr" presetSubtype="10" fill="hold" nodeType="clickEffect">
+                                  <p:stCondLst>
+                                    <p:cond delay="0"/>
+                                  </p:stCondLst>
+                                  <p:childTnLst>
+                                    <p:set>
+                                      <p:cBhvr>
+                                        <p:cTn id="21" dur="1" fill="hold">
+                                          <p:stCondLst>
+                                            <p:cond delay="0"/>
+                                          </p:stCondLst>
+                                        </p:cTn>
+                                        <p:tgtEl>
+                                          <p:spTgt spid="26626">
+                                            <p:txEl>
+                                              <p:pRg st="3" end="3"/>
+                                            </p:txEl>
+                                          </p:spTgt>
+                                        </p:tgtEl>
+                                        <p:attrNameLst>
+                                          <p:attrName>style.visibility</p:attrName>
+                                        </p:attrNameLst>
+                                      </p:cBhvr>
+                                      <p:to>
+                                        <p:strVal val="visible"/>
+                                      </p:to>
+                                    </p:set>
+                                    <p:animEffect transition="in" filter="blinds(horizontal)">
+                                      <p:cBhvr>
+                                        <p:cTn id="22" dur="500"/>
+                                        <p:tgtEl>
+                                          <p:spTgt spid="26626">
+                                            <p:txEl>
+                                              <p:pRg st="3" end="3"/>
+                                            </p:txEl>
+                                          </p:spTgt>
+                                        </p:tgtEl>
+                                      </p:cBhvr>
+                                    </p:animEffect>
+                                  </p:childTnLst>
+                                </p:cTn>
+                              </p:par>
+                            </p:childTnLst>
+                          </p:cTn>
+                        </p:par>
+                      </p:childTnLst>
+                    </p:cTn>
+                  </p:par>
+                  <p:par>
+                    <p:cTn id="23" fill="hold">
+                      <p:stCondLst>
+                        <p:cond delay="indefinite"/>
+                      </p:stCondLst>
+                      <p:childTnLst>
+                        <p:par>
+                          <p:cTn id="24" fill="hold">
+                            <p:stCondLst>
+                              <p:cond delay="0"/>
+                            </p:stCondLst>
+                            <p:childTnLst>
+                              <p:par>
+                                <p:cTn id="25" presetID="3" presetClass="entr" presetSubtype="10" fill="hold" nodeType="clickEffect">
+                                  <p:stCondLst>
+                                    <p:cond delay="0"/>
+                                  </p:stCondLst>
+                                  <p:childTnLst>
+                                    <p:set>
+                                      <p:cBhvr>
+                                        <p:cTn id="26" dur="1" fill="hold">
+                                          <p:stCondLst>
+                                            <p:cond delay="0"/>
+                                          </p:stCondLst>
+                                        </p:cTn>
+                                        <p:tgtEl>
+                                          <p:spTgt spid="26626">
+                                            <p:txEl>
+                                              <p:pRg st="4" end="4"/>
+                                            </p:txEl>
+                                          </p:spTgt>
+                                        </p:tgtEl>
+                                        <p:attrNameLst>
+                                          <p:attrName>style.visibility</p:attrName>
+                                        </p:attrNameLst>
+                                      </p:cBhvr>
+                                      <p:to>
+                                        <p:strVal val="visible"/>
+                                      </p:to>
+                                    </p:set>
+                                    <p:animEffect transition="in" filter="blinds(horizontal)">
+                                      <p:cBhvr>
+                                        <p:cTn id="27" dur="500"/>
+                                        <p:tgtEl>
+                                          <p:spTgt spid="26626">
+                                            <p:txEl>
+                                              <p:pRg st="4" end="4"/>
+                                            </p:txEl>
+                                          </p:spTgt>
+                                        </p:tgtEl>
+                                      </p:cBhvr>
+                                    </p:animEffect>
+                                  </p:childTnLst>
+                                </p:cTn>
+                              </p:par>
+                            </p:childTnLst>
+                          </p:cTn>
+                        </p:par>
+                      </p:childTnLst>
+                    </p:cTn>
+                  </p:par>
+                  <p:par>
+                    <p:cTn id="28" fill="hold">
+                      <p:stCondLst>
+                        <p:cond delay="indefinite"/>
+                      </p:stCondLst>
+                      <p:childTnLst>
+                        <p:par>
+                          <p:cTn id="29" fill="hold">
+                            <p:stCondLst>
+                              <p:cond delay="0"/>
+                            </p:stCondLst>
+                            <p:childTnLst>
+                              <p:par>
+                                <p:cTn id="30" presetID="3" presetClass="entr" presetSubtype="10" fill="hold" nodeType="clickEffect">
+                                  <p:stCondLst>
+                                    <p:cond delay="0"/>
+                                  </p:stCondLst>
+                                  <p:childTnLst>
+                                    <p:set>
+                                      <p:cBhvr>
+                                        <p:cTn id="31" dur="1" fill="hold">
+                                          <p:stCondLst>
+                                            <p:cond delay="0"/>
+                                          </p:stCondLst>
+                                        </p:cTn>
+                                        <p:tgtEl>
+                                          <p:spTgt spid="26626">
+                                            <p:txEl>
+                                              <p:pRg st="5" end="5"/>
+                                            </p:txEl>
+                                          </p:spTgt>
+                                        </p:tgtEl>
+                                        <p:attrNameLst>
+                                          <p:attrName>style.visibility</p:attrName>
+                                        </p:attrNameLst>
+                                      </p:cBhvr>
+                                      <p:to>
+                                        <p:strVal val="visible"/>
+                                      </p:to>
+                                    </p:set>
+                                    <p:animEffect transition="in" filter="blinds(horizontal)">
+                                      <p:cBhvr>
+                                        <p:cTn id="32" dur="500"/>
+                                        <p:tgtEl>
+                                          <p:spTgt spid="26626">
+                                            <p:txEl>
+                                              <p:pRg st="5" end="5"/>
+                                            </p:txEl>
+                                          </p:spTgt>
+                                        </p:tgtEl>
+                                      </p:cBhvr>
+                                    </p:animEffect>
+                                  </p:childTnLst>
+                                </p:cTn>
+                              </p:par>
+                            </p:childTnLst>
+                          </p:cTn>
+                        </p:par>
+                      </p:childTnLst>
+                    </p:cTn>
+                  </p:par>
+                </p:childTnLst>
+              </p:cTn>
+              <p:prevCondLst>
+                <p:cond evt="onPrev" delay="0">
+                  <p:tgtEl>
+                    <p:sldTgt/>
+                  </p:tgtEl>
+                </p:cond>
+              </p:prevCondLst>
+              <p:nextCondLst>
+                <p:cond evt="onNext" delay="0">
+                  <p:tgtEl>
+                    <p:sldTgt/>
+                  </p:tgtEl>
+                </p:cond>
+              </p:nextCondLst>
+            </p:seq>
+          </p:childTnLst>
+        </p:cTn>
+      </p:par>
+    </p:tnLst>
+  </p:timing>
+</p:sld>
+</file>
+
+<file path=ppt/slides/slide23.xml><?xml version="1.0" encoding="utf-8"?>
+<p:sld xmlns:a="http://schemas.openxmlformats.org/drawingml/2006/main" xmlns:r="http://schemas.openxmlformats.org/officeDocument/2006/relationships" xmlns:p="http://schemas.openxmlformats.org/presentationml/2006/main">
+  <p:cSld>
+    <p:spTree>
+      <p:nvGrpSpPr>
+        <p:cNvPr id="1" name=""/>
+        <p:cNvGrpSpPr/>
+        <p:nvPr/>
+      </p:nvGrpSpPr>
+      <p:grpSpPr>
+        <a:xfrm>
+          <a:off x="0" y="0"/>
+          <a:ext cx="0" cy="0"/>
+          <a:chOff x="0" y="0"/>
+          <a:chExt cx="0" cy="0"/>
+        </a:xfrm>
+      </p:grpSpPr>
+      <p:sp>
+        <p:nvSpPr>
+          <p:cNvPr id="26626" name="Text Box 2"/>
+          <p:cNvSpPr txBox="1">
+            <a:spLocks noChangeArrowheads="1"/>
+          </p:cNvSpPr>
+          <p:nvPr/>
+        </p:nvSpPr>
+        <p:spPr bwMode="auto">
+          <a:xfrm>
+            <a:off x="107504" y="1557338"/>
+            <a:ext cx="8884096" cy="4985980"/>
+          </a:xfrm>
+          <a:prstGeom prst="rect">
+            <a:avLst/>
+          </a:prstGeom>
+          <a:noFill/>
+          <a:ln>
+            <a:noFill/>
+          </a:ln>
+          <a:extLst>
+            <a:ext uri="{909E8E84-426E-40DD-AFC4-6F175D3DCCD1}">
+              <a14:hiddenFill xmlns:a14="http://schemas.microsoft.com/office/drawing/2010/main">
+                <a:solidFill>
+                  <a:srgbClr val="FFFFFF"/>
+                </a:solidFill>
+              </a14:hiddenFill>
+            </a:ext>
+            <a:ext uri="{91240B29-F687-4F45-9708-019B960494DF}">
+              <a14:hiddenLine xmlns:a14="http://schemas.microsoft.com/office/drawing/2010/main" w="9525">
+                <a:solidFill>
+                  <a:srgbClr val="000000"/>
+                </a:solidFill>
+                <a:miter lim="800000"/>
+                <a:headEnd/>
+                <a:tailEnd/>
+              </a14:hiddenLine>
+            </a:ext>
+          </a:extLst>
+        </p:spPr>
+        <p:txBody>
+          <a:bodyPr wrap="square">
+            <a:spAutoFit/>
+          </a:bodyPr>
+          <a:lstStyle>
+            <a:lvl1pPr eaLnBrk="0" hangingPunct="0">
+              <a:defRPr sz="2400">
+                <a:solidFill>
+                  <a:schemeClr val="tx1"/>
+                </a:solidFill>
+                <a:latin typeface="Times New Roman" pitchFamily="18" charset="0"/>
+              </a:defRPr>
+            </a:lvl1pPr>
+            <a:lvl2pPr marL="742950" indent="-285750" eaLnBrk="0" hangingPunct="0">
+              <a:defRPr sz="2400">
+                <a:solidFill>
+                  <a:schemeClr val="tx1"/>
+                </a:solidFill>
+                <a:latin typeface="Times New Roman" pitchFamily="18" charset="0"/>
+              </a:defRPr>
+            </a:lvl2pPr>
+            <a:lvl3pPr marL="1143000" indent="-228600" eaLnBrk="0" hangingPunct="0">
+              <a:defRPr sz="2400">
+                <a:solidFill>
+                  <a:schemeClr val="tx1"/>
+                </a:solidFill>
+                <a:latin typeface="Times New Roman" pitchFamily="18" charset="0"/>
+              </a:defRPr>
+            </a:lvl3pPr>
+            <a:lvl4pPr marL="1600200" indent="-228600" eaLnBrk="0" hangingPunct="0">
+              <a:defRPr sz="2400">
+                <a:solidFill>
+                  <a:schemeClr val="tx1"/>
+                </a:solidFill>
+                <a:latin typeface="Times New Roman" pitchFamily="18" charset="0"/>
+              </a:defRPr>
+            </a:lvl4pPr>
+            <a:lvl5pPr marL="2057400" indent="-228600" eaLnBrk="0" hangingPunct="0">
+              <a:defRPr sz="2400">
+                <a:solidFill>
+                  <a:schemeClr val="tx1"/>
+                </a:solidFill>
+                <a:latin typeface="Times New Roman" pitchFamily="18" charset="0"/>
+              </a:defRPr>
+            </a:lvl5pPr>
+            <a:lvl6pPr marL="2514600" indent="-228600" eaLnBrk="0" fontAlgn="base" hangingPunct="0">
+              <a:spcBef>
+                <a:spcPct val="0"/>
+              </a:spcBef>
+              <a:spcAft>
+                <a:spcPct val="0"/>
+              </a:spcAft>
+              <a:defRPr sz="2400">
+                <a:solidFill>
+                  <a:schemeClr val="tx1"/>
+                </a:solidFill>
+                <a:latin typeface="Times New Roman" pitchFamily="18" charset="0"/>
+              </a:defRPr>
+            </a:lvl6pPr>
+            <a:lvl7pPr marL="2971800" indent="-228600" eaLnBrk="0" fontAlgn="base" hangingPunct="0">
+              <a:spcBef>
+                <a:spcPct val="0"/>
+              </a:spcBef>
+              <a:spcAft>
+                <a:spcPct val="0"/>
+              </a:spcAft>
+              <a:defRPr sz="2400">
+                <a:solidFill>
+                  <a:schemeClr val="tx1"/>
+                </a:solidFill>
+                <a:latin typeface="Times New Roman" pitchFamily="18" charset="0"/>
+              </a:defRPr>
+            </a:lvl7pPr>
+            <a:lvl8pPr marL="3429000" indent="-228600" eaLnBrk="0" fontAlgn="base" hangingPunct="0">
+              <a:spcBef>
+                <a:spcPct val="0"/>
+              </a:spcBef>
+              <a:spcAft>
+                <a:spcPct val="0"/>
+              </a:spcAft>
+              <a:defRPr sz="2400">
+                <a:solidFill>
+                  <a:schemeClr val="tx1"/>
+                </a:solidFill>
+                <a:latin typeface="Times New Roman" pitchFamily="18" charset="0"/>
+              </a:defRPr>
+            </a:lvl8pPr>
+            <a:lvl9pPr marL="3886200" indent="-228600" eaLnBrk="0" fontAlgn="base" hangingPunct="0">
+              <a:spcBef>
+                <a:spcPct val="0"/>
+              </a:spcBef>
+              <a:spcAft>
+                <a:spcPct val="0"/>
+              </a:spcAft>
+              <a:defRPr sz="2400">
+                <a:solidFill>
+                  <a:schemeClr val="tx1"/>
+                </a:solidFill>
+                <a:latin typeface="Times New Roman" pitchFamily="18" charset="0"/>
+              </a:defRPr>
+            </a:lvl9pPr>
+          </a:lstStyle>
+          <a:p>
+            <a:pPr marL="457200" indent="-457200">
+              <a:spcBef>
+                <a:spcPts val="600"/>
+              </a:spcBef>
+              <a:buFontTx/>
+              <a:buAutoNum type="arabicPeriod"/>
+              <a:defRPr/>
+            </a:pPr>
+            <a:r>
+              <a:rPr lang="sr-Cyrl-RS" b="1" u="sng" dirty="0" smtClean="0">
+                <a:latin typeface="Garamond" pitchFamily="18" charset="0"/>
+              </a:rPr>
+              <a:t>Заједничке операције и поља сместити у надкласе</a:t>
+            </a:r>
+            <a:r>
+              <a:rPr lang="en-US" b="1" u="sng" dirty="0" smtClean="0">
+                <a:latin typeface="Garamond" pitchFamily="18" charset="0"/>
+              </a:rPr>
+              <a:t>.</a:t>
+            </a:r>
+            <a:endParaRPr lang="sr-Cyrl-RS" b="1" u="sng" dirty="0" smtClean="0">
+              <a:latin typeface="Garamond" pitchFamily="18" charset="0"/>
+            </a:endParaRPr>
+          </a:p>
+          <a:p>
+            <a:pPr>
+              <a:spcBef>
+                <a:spcPts val="600"/>
+              </a:spcBef>
+              <a:defRPr/>
+            </a:pPr>
+            <a:r>
+              <a:rPr lang="sr-Cyrl-RS" dirty="0" smtClean="0">
+                <a:latin typeface="Garamond" pitchFamily="18" charset="0"/>
+              </a:rPr>
+              <a:t>Тако је оформљена класа </a:t>
+            </a:r>
+            <a:r>
+              <a:rPr lang="en-US" sz="1800" dirty="0" smtClean="0">
+                <a:latin typeface="+mn-lt"/>
+              </a:rPr>
+              <a:t>Person</a:t>
+            </a:r>
+            <a:r>
+              <a:rPr lang="en-US" sz="1800" dirty="0" smtClean="0">
+                <a:latin typeface="Garamond" pitchFamily="18" charset="0"/>
+              </a:rPr>
+              <a:t> </a:t>
+            </a:r>
+            <a:r>
+              <a:rPr lang="sr-Cyrl-RS" dirty="0" smtClean="0">
+                <a:latin typeface="Garamond" pitchFamily="18" charset="0"/>
+              </a:rPr>
+              <a:t>као надкласа </a:t>
+            </a:r>
+            <a:r>
+              <a:rPr lang="en-US" sz="1800" dirty="0" smtClean="0">
+                <a:latin typeface="+mn-lt"/>
+              </a:rPr>
+              <a:t>Employee</a:t>
+            </a:r>
+            <a:r>
+              <a:rPr lang="en-US" sz="1800" dirty="0" smtClean="0">
+                <a:latin typeface="Garamond" pitchFamily="18" charset="0"/>
+              </a:rPr>
+              <a:t> </a:t>
+            </a:r>
+            <a:r>
+              <a:rPr lang="sr-Cyrl-RS" dirty="0" smtClean="0">
+                <a:latin typeface="Garamond" pitchFamily="18" charset="0"/>
+              </a:rPr>
+              <a:t>и </a:t>
+            </a:r>
+            <a:r>
+              <a:rPr lang="en-US" sz="1800" dirty="0" smtClean="0">
+                <a:latin typeface="+mn-lt"/>
+              </a:rPr>
+              <a:t>Student</a:t>
+            </a:r>
+            <a:r>
+              <a:rPr lang="en-US" dirty="0" smtClean="0">
+                <a:latin typeface="Garamond" pitchFamily="18" charset="0"/>
+              </a:rPr>
+              <a:t>.</a:t>
+            </a:r>
+            <a:endParaRPr lang="en-US" dirty="0">
+              <a:latin typeface="Garamond" pitchFamily="18" charset="0"/>
+            </a:endParaRPr>
+          </a:p>
+          <a:p>
+            <a:pPr>
+              <a:spcBef>
+                <a:spcPts val="600"/>
+              </a:spcBef>
+              <a:defRPr/>
+            </a:pPr>
+            <a:r>
+              <a:rPr lang="en-US" b="1" u="sng" dirty="0" smtClean="0">
+                <a:latin typeface="Garamond" pitchFamily="18" charset="0"/>
+              </a:rPr>
+              <a:t>2</a:t>
+            </a:r>
+            <a:r>
+              <a:rPr lang="en-US" b="1" u="sng" dirty="0">
+                <a:latin typeface="Garamond" pitchFamily="18" charset="0"/>
+              </a:rPr>
+              <a:t>. </a:t>
+            </a:r>
+            <a:r>
+              <a:rPr lang="sr-Cyrl-RS" b="1" u="sng" dirty="0" smtClean="0">
+                <a:latin typeface="Garamond" pitchFamily="18" charset="0"/>
+              </a:rPr>
+              <a:t>Избегавати употребу заштићених поља</a:t>
+            </a:r>
+            <a:r>
+              <a:rPr lang="en-US" b="1" u="sng" dirty="0" smtClean="0">
+                <a:latin typeface="Garamond" pitchFamily="18" charset="0"/>
+              </a:rPr>
+              <a:t>.</a:t>
+            </a:r>
+            <a:endParaRPr lang="en-US" b="1" u="sng" dirty="0">
+              <a:latin typeface="Garamond" pitchFamily="18" charset="0"/>
+            </a:endParaRPr>
+          </a:p>
+          <a:p>
+            <a:pPr marL="342900" indent="-342900">
+              <a:spcBef>
+                <a:spcPts val="600"/>
+              </a:spcBef>
+              <a:buFont typeface="Arial" panose="020B0604020202020204" pitchFamily="34" charset="0"/>
+              <a:buChar char="•"/>
+              <a:defRPr/>
+            </a:pPr>
+            <a:r>
+              <a:rPr lang="sr-Cyrl-RS" dirty="0" smtClean="0">
+                <a:latin typeface="Garamond" pitchFamily="18" charset="0"/>
+              </a:rPr>
+              <a:t>Модификатор </a:t>
+            </a:r>
+            <a:r>
+              <a:rPr lang="en-US" sz="1800" dirty="0" smtClean="0">
+                <a:latin typeface="+mn-lt"/>
+              </a:rPr>
+              <a:t>protected</a:t>
+            </a:r>
+            <a:r>
+              <a:rPr lang="en-US" dirty="0" smtClean="0">
+                <a:latin typeface="Garamond" pitchFamily="18" charset="0"/>
+              </a:rPr>
+              <a:t> </a:t>
+            </a:r>
+            <a:r>
+              <a:rPr lang="sr-Cyrl-RS" dirty="0" smtClean="0">
+                <a:latin typeface="Garamond" pitchFamily="18" charset="0"/>
+              </a:rPr>
+              <a:t>не пружа много заштите, из два разлога:</a:t>
+            </a:r>
+          </a:p>
+          <a:p>
+            <a:pPr marL="1200150" lvl="1" indent="-457200">
+              <a:spcBef>
+                <a:spcPts val="600"/>
+              </a:spcBef>
+              <a:buFont typeface="+mj-lt"/>
+              <a:buAutoNum type="arabicPeriod"/>
+              <a:defRPr/>
+            </a:pPr>
+            <a:r>
+              <a:rPr lang="sr-Cyrl-RS" dirty="0" smtClean="0">
+                <a:latin typeface="Garamond" pitchFamily="18" charset="0"/>
+              </a:rPr>
+              <a:t>Може се увек направити поткласа неке класе и тиме приступити </a:t>
+            </a:r>
+            <a:r>
+              <a:rPr lang="sr-Latn-RS" dirty="0" smtClean="0">
+                <a:latin typeface="Garamond" pitchFamily="18" charset="0"/>
+              </a:rPr>
+              <a:t>protected </a:t>
+            </a:r>
+            <a:r>
+              <a:rPr lang="sr-Cyrl-RS" dirty="0" smtClean="0">
+                <a:latin typeface="Garamond" pitchFamily="18" charset="0"/>
+              </a:rPr>
+              <a:t>променљивој. </a:t>
+            </a:r>
+          </a:p>
+          <a:p>
+            <a:pPr marL="1200150" lvl="1" indent="-457200">
+              <a:spcBef>
+                <a:spcPts val="600"/>
+              </a:spcBef>
+              <a:buFont typeface="+mj-lt"/>
+              <a:buAutoNum type="arabicPeriod"/>
+              <a:defRPr/>
+            </a:pPr>
+            <a:r>
+              <a:rPr lang="sr-Cyrl-RS" dirty="0" smtClean="0">
+                <a:latin typeface="Garamond" pitchFamily="18" charset="0"/>
+              </a:rPr>
+              <a:t>У програмском језику Јава све класе у истом пакету имају приступ </a:t>
+            </a:r>
+            <a:r>
+              <a:rPr lang="en-US" dirty="0">
+                <a:latin typeface="Garamond" pitchFamily="18" charset="0"/>
+              </a:rPr>
+              <a:t> </a:t>
+            </a:r>
+            <a:r>
+              <a:rPr lang="en-US" sz="1800" dirty="0">
+                <a:latin typeface="+mn-lt"/>
+              </a:rPr>
+              <a:t>protected</a:t>
+            </a:r>
+            <a:r>
+              <a:rPr lang="en-US" sz="1800" dirty="0">
+                <a:latin typeface="Garamond" pitchFamily="18" charset="0"/>
+              </a:rPr>
+              <a:t> </a:t>
+            </a:r>
+            <a:r>
+              <a:rPr lang="sr-Cyrl-RS" dirty="0" smtClean="0">
+                <a:latin typeface="Garamond" pitchFamily="18" charset="0"/>
+              </a:rPr>
+              <a:t>пољима, тако да се класа може сместити у исти пакет и тиме омогућити приступ. </a:t>
+            </a:r>
+          </a:p>
+          <a:p>
+            <a:pPr marL="342900" indent="-342900">
+              <a:spcBef>
+                <a:spcPts val="600"/>
+              </a:spcBef>
+              <a:buFont typeface="Arial" panose="020B0604020202020204" pitchFamily="34" charset="0"/>
+              <a:buChar char="•"/>
+              <a:defRPr/>
+            </a:pPr>
+            <a:r>
+              <a:rPr lang="sr-Cyrl-RS" dirty="0" smtClean="0">
+                <a:latin typeface="Garamond" pitchFamily="18" charset="0"/>
+              </a:rPr>
+              <a:t>Међутим, </a:t>
+            </a:r>
+            <a:r>
+              <a:rPr lang="en-US" sz="1800" dirty="0">
+                <a:latin typeface="+mn-lt"/>
+              </a:rPr>
+              <a:t>protected</a:t>
+            </a:r>
+            <a:r>
+              <a:rPr lang="en-US" sz="1800" dirty="0">
+                <a:latin typeface="Garamond" pitchFamily="18" charset="0"/>
+              </a:rPr>
+              <a:t> </a:t>
+            </a:r>
+            <a:r>
+              <a:rPr lang="sr-Cyrl-RS" dirty="0" smtClean="0">
+                <a:latin typeface="Garamond" pitchFamily="18" charset="0"/>
+              </a:rPr>
+              <a:t>методи могу бити корисни за назначавање да дати метод није спреман за општу употребу и да треба да буде редефинисан у поткласама. </a:t>
+            </a:r>
+            <a:endParaRPr lang="en-US" sz="1800" dirty="0" smtClean="0">
+              <a:latin typeface="Garamond" pitchFamily="18" charset="0"/>
+            </a:endParaRPr>
+          </a:p>
+        </p:txBody>
+      </p:sp>
+      <p:sp>
+        <p:nvSpPr>
+          <p:cNvPr id="3" name="Title 1"/>
+          <p:cNvSpPr txBox="1">
+            <a:spLocks/>
+          </p:cNvSpPr>
+          <p:nvPr/>
+        </p:nvSpPr>
+        <p:spPr>
+          <a:xfrm>
+            <a:off x="1371600" y="472405"/>
+            <a:ext cx="7772400" cy="868363"/>
+          </a:xfrm>
+          <a:prstGeom prst="rect">
+            <a:avLst/>
+          </a:prstGeom>
+        </p:spPr>
+        <p:txBody>
+          <a:bodyPr/>
+          <a:lstStyle>
+            <a:lvl1pPr algn="l" rtl="0" eaLnBrk="0" fontAlgn="base" hangingPunct="0">
+              <a:spcBef>
+                <a:spcPct val="0"/>
+              </a:spcBef>
+              <a:spcAft>
+                <a:spcPct val="0"/>
+              </a:spcAft>
+              <a:defRPr sz="3800">
+                <a:solidFill>
+                  <a:schemeClr val="tx2"/>
+                </a:solidFill>
+                <a:latin typeface="+mj-lt"/>
+                <a:ea typeface="+mj-ea"/>
+                <a:cs typeface="+mj-cs"/>
+              </a:defRPr>
+            </a:lvl1pPr>
+            <a:lvl2pPr algn="l" rtl="0" eaLnBrk="0" fontAlgn="base" hangingPunct="0">
+              <a:spcBef>
+                <a:spcPct val="0"/>
+              </a:spcBef>
+              <a:spcAft>
+                <a:spcPct val="0"/>
+              </a:spcAft>
+              <a:defRPr sz="3800">
+                <a:solidFill>
+                  <a:schemeClr val="tx2"/>
+                </a:solidFill>
+                <a:latin typeface="Arial" charset="0"/>
+              </a:defRPr>
+            </a:lvl2pPr>
+            <a:lvl3pPr algn="l" rtl="0" eaLnBrk="0" fontAlgn="base" hangingPunct="0">
+              <a:spcBef>
+                <a:spcPct val="0"/>
+              </a:spcBef>
+              <a:spcAft>
+                <a:spcPct val="0"/>
+              </a:spcAft>
+              <a:defRPr sz="3800">
+                <a:solidFill>
+                  <a:schemeClr val="tx2"/>
+                </a:solidFill>
+                <a:latin typeface="Arial" charset="0"/>
+              </a:defRPr>
+            </a:lvl3pPr>
+            <a:lvl4pPr algn="l" rtl="0" eaLnBrk="0" fontAlgn="base" hangingPunct="0">
+              <a:spcBef>
+                <a:spcPct val="0"/>
+              </a:spcBef>
+              <a:spcAft>
+                <a:spcPct val="0"/>
+              </a:spcAft>
+              <a:defRPr sz="3800">
+                <a:solidFill>
+                  <a:schemeClr val="tx2"/>
+                </a:solidFill>
+                <a:latin typeface="Arial" charset="0"/>
+              </a:defRPr>
+            </a:lvl4pPr>
+            <a:lvl5pPr algn="l" rtl="0" eaLnBrk="0" fontAlgn="base" hangingPunct="0">
+              <a:spcBef>
+                <a:spcPct val="0"/>
+              </a:spcBef>
+              <a:spcAft>
+                <a:spcPct val="0"/>
+              </a:spcAft>
+              <a:defRPr sz="3800">
+                <a:solidFill>
+                  <a:schemeClr val="tx2"/>
+                </a:solidFill>
+                <a:latin typeface="Arial" charset="0"/>
+              </a:defRPr>
+            </a:lvl5pPr>
+            <a:lvl6pPr marL="457200" algn="l" rtl="0" fontAlgn="base">
+              <a:spcBef>
+                <a:spcPct val="0"/>
+              </a:spcBef>
+              <a:spcAft>
+                <a:spcPct val="0"/>
+              </a:spcAft>
+              <a:defRPr sz="3800">
+                <a:solidFill>
+                  <a:schemeClr val="tx2"/>
+                </a:solidFill>
+                <a:latin typeface="Arial" charset="0"/>
+              </a:defRPr>
+            </a:lvl6pPr>
+            <a:lvl7pPr marL="914400" algn="l" rtl="0" fontAlgn="base">
+              <a:spcBef>
+                <a:spcPct val="0"/>
+              </a:spcBef>
+              <a:spcAft>
+                <a:spcPct val="0"/>
+              </a:spcAft>
+              <a:defRPr sz="3800">
+                <a:solidFill>
+                  <a:schemeClr val="tx2"/>
+                </a:solidFill>
+                <a:latin typeface="Arial" charset="0"/>
+              </a:defRPr>
+            </a:lvl7pPr>
+            <a:lvl8pPr marL="1371600" algn="l" rtl="0" fontAlgn="base">
+              <a:spcBef>
+                <a:spcPct val="0"/>
+              </a:spcBef>
+              <a:spcAft>
+                <a:spcPct val="0"/>
+              </a:spcAft>
+              <a:defRPr sz="3800">
+                <a:solidFill>
+                  <a:schemeClr val="tx2"/>
+                </a:solidFill>
+                <a:latin typeface="Arial" charset="0"/>
+              </a:defRPr>
+            </a:lvl8pPr>
+            <a:lvl9pPr marL="1828800" algn="l" rtl="0" fontAlgn="base">
+              <a:spcBef>
+                <a:spcPct val="0"/>
+              </a:spcBef>
+              <a:spcAft>
+                <a:spcPct val="0"/>
+              </a:spcAft>
+              <a:defRPr sz="3800">
+                <a:solidFill>
+                  <a:schemeClr val="tx2"/>
+                </a:solidFill>
+                <a:latin typeface="Arial" charset="0"/>
+              </a:defRPr>
+            </a:lvl9pPr>
+          </a:lstStyle>
+          <a:p>
+            <a:pPr>
+              <a:defRPr/>
+            </a:pPr>
+            <a:r>
+              <a:rPr lang="sr-Cyrl-RS" sz="3600" b="1" kern="0" dirty="0" smtClean="0">
+                <a:solidFill>
+                  <a:srgbClr val="0070C0"/>
+                </a:solidFill>
+              </a:rPr>
+              <a:t>Додатне препоруке </a:t>
+            </a:r>
+            <a:r>
+              <a:rPr lang="sr-Cyrl-RS" sz="3600" b="1" kern="0" dirty="0" smtClean="0">
+                <a:solidFill>
+                  <a:srgbClr val="0070C0"/>
+                </a:solidFill>
+              </a:rPr>
+              <a:t>за наслеђивање</a:t>
+            </a:r>
+            <a:endParaRPr lang="en-US" sz="3600" b="1" kern="0" dirty="0">
+              <a:solidFill>
+                <a:srgbClr val="0070C0"/>
+              </a:solidFill>
+            </a:endParaRPr>
+          </a:p>
+        </p:txBody>
+      </p:sp>
+    </p:spTree>
+  </p:cSld>
+  <p:clrMapOvr>
+    <a:masterClrMapping/>
+  </p:clrMapOvr>
+  <p:timing>
+    <p:tnLst>
+      <p:par>
+        <p:cTn id="1" dur="indefinite" restart="never" nodeType="tmRoot">
+          <p:childTnLst>
+            <p:seq concurrent="1" nextAc="seek">
+              <p:cTn id="2" dur="indefinite" nodeType="mainSeq">
+                <p:childTnLst>
+                  <p:par>
+                    <p:cTn id="3" fill="hold" nodeType="clickPar">
+                      <p:stCondLst>
+                        <p:cond delay="indefinite"/>
+                      </p:stCondLst>
+                      <p:childTnLst>
+                        <p:par>
+                          <p:cTn id="4" fill="hold" nodeType="withGroup">
+                            <p:stCondLst>
+                              <p:cond delay="0"/>
+                            </p:stCondLst>
+                            <p:childTnLst>
+                              <p:par>
+                                <p:cTn id="5" presetID="3" presetClass="entr" presetSubtype="10" fill="hold" nodeType="clickEffect">
+                                  <p:stCondLst>
+                                    <p:cond delay="0"/>
+                                  </p:stCondLst>
+                                  <p:childTnLst>
+                                    <p:set>
+                                      <p:cBhvr>
+                                        <p:cTn id="6" dur="1" fill="hold">
+                                          <p:stCondLst>
+                                            <p:cond delay="0"/>
+                                          </p:stCondLst>
+                                        </p:cTn>
+                                        <p:tgtEl>
+                                          <p:spTgt spid="26626">
+                                            <p:txEl>
+                                              <p:pRg st="0" end="0"/>
+                                            </p:txEl>
+                                          </p:spTgt>
+                                        </p:tgtEl>
+                                        <p:attrNameLst>
+                                          <p:attrName>style.visibility</p:attrName>
+                                        </p:attrNameLst>
+                                      </p:cBhvr>
+                                      <p:to>
+                                        <p:strVal val="visible"/>
+                                      </p:to>
+                                    </p:set>
+                                    <p:animEffect transition="in" filter="blinds(horizontal)">
+                                      <p:cBhvr>
+                                        <p:cTn id="7" dur="500"/>
+                                        <p:tgtEl>
+                                          <p:spTgt spid="26626">
+                                            <p:txEl>
+                                              <p:pRg st="0" end="0"/>
+                                            </p:txEl>
+                                          </p:spTgt>
+                                        </p:tgtEl>
+                                      </p:cBhvr>
+                                    </p:animEffect>
+                                  </p:childTnLst>
+                                </p:cTn>
+                              </p:par>
+                            </p:childTnLst>
+                          </p:cTn>
+                        </p:par>
+                      </p:childTnLst>
+                    </p:cTn>
+                  </p:par>
+                  <p:par>
+                    <p:cTn id="8" fill="hold" nodeType="clickPar">
+                      <p:stCondLst>
+                        <p:cond delay="indefinite"/>
+                      </p:stCondLst>
+                      <p:childTnLst>
+                        <p:par>
+                          <p:cTn id="9" fill="hold" nodeType="withGroup">
+                            <p:stCondLst>
+                              <p:cond delay="0"/>
+                            </p:stCondLst>
+                            <p:childTnLst>
+                              <p:par>
+                                <p:cTn id="10" presetID="3" presetClass="entr" presetSubtype="10" fill="hold" nodeType="clickEffect">
+                                  <p:stCondLst>
+                                    <p:cond delay="0"/>
+                                  </p:stCondLst>
+                                  <p:childTnLst>
+                                    <p:set>
+                                      <p:cBhvr>
+                                        <p:cTn id="11" dur="1" fill="hold">
+                                          <p:stCondLst>
+                                            <p:cond delay="0"/>
+                                          </p:stCondLst>
+                                        </p:cTn>
+                                        <p:tgtEl>
+                                          <p:spTgt spid="26626">
+                                            <p:txEl>
+                                              <p:pRg st="1" end="1"/>
+                                            </p:txEl>
+                                          </p:spTgt>
+                                        </p:tgtEl>
+                                        <p:attrNameLst>
+                                          <p:attrName>style.visibility</p:attrName>
+                                        </p:attrNameLst>
+                                      </p:cBhvr>
+                                      <p:to>
+                                        <p:strVal val="visible"/>
+                                      </p:to>
+                                    </p:set>
+                                    <p:animEffect transition="in" filter="blinds(horizontal)">
+                                      <p:cBhvr>
+                                        <p:cTn id="12" dur="500"/>
+                                        <p:tgtEl>
+                                          <p:spTgt spid="26626">
+                                            <p:txEl>
+                                              <p:pRg st="1" end="1"/>
+                                            </p:txEl>
+                                          </p:spTgt>
+                                        </p:tgtEl>
+                                      </p:cBhvr>
+                                    </p:animEffect>
+                                  </p:childTnLst>
+                                </p:cTn>
+                              </p:par>
+                            </p:childTnLst>
+                          </p:cTn>
+                        </p:par>
+                      </p:childTnLst>
+                    </p:cTn>
+                  </p:par>
+                  <p:par>
+                    <p:cTn id="13" fill="hold" nodeType="clickPar">
+                      <p:stCondLst>
+                        <p:cond delay="indefinite"/>
+                      </p:stCondLst>
+                      <p:childTnLst>
+                        <p:par>
+                          <p:cTn id="14" fill="hold" nodeType="withGroup">
+                            <p:stCondLst>
+                              <p:cond delay="0"/>
+                            </p:stCondLst>
+                            <p:childTnLst>
+                              <p:par>
+                                <p:cTn id="15" presetID="3" presetClass="entr" presetSubtype="10" fill="hold" nodeType="clickEffect">
+                                  <p:stCondLst>
+                                    <p:cond delay="0"/>
+                                  </p:stCondLst>
+                                  <p:childTnLst>
+                                    <p:set>
+                                      <p:cBhvr>
+                                        <p:cTn id="16" dur="1" fill="hold">
+                                          <p:stCondLst>
+                                            <p:cond delay="0"/>
+                                          </p:stCondLst>
+                                        </p:cTn>
+                                        <p:tgtEl>
+                                          <p:spTgt spid="26626">
+                                            <p:txEl>
+                                              <p:pRg st="2" end="2"/>
+                                            </p:txEl>
+                                          </p:spTgt>
+                                        </p:tgtEl>
+                                        <p:attrNameLst>
+                                          <p:attrName>style.visibility</p:attrName>
+                                        </p:attrNameLst>
+                                      </p:cBhvr>
+                                      <p:to>
+                                        <p:strVal val="visible"/>
+                                      </p:to>
+                                    </p:set>
+                                    <p:animEffect transition="in" filter="blinds(horizontal)">
+                                      <p:cBhvr>
+                                        <p:cTn id="17" dur="500"/>
+                                        <p:tgtEl>
+                                          <p:spTgt spid="26626">
+                                            <p:txEl>
+                                              <p:pRg st="2" end="2"/>
+                                            </p:txEl>
+                                          </p:spTgt>
+                                        </p:tgtEl>
+                                      </p:cBhvr>
+                                    </p:animEffect>
+                                  </p:childTnLst>
+                                </p:cTn>
+                              </p:par>
+                            </p:childTnLst>
+                          </p:cTn>
+                        </p:par>
+                      </p:childTnLst>
+                    </p:cTn>
+                  </p:par>
+                  <p:par>
+                    <p:cTn id="18" fill="hold" nodeType="clickPar">
+                      <p:stCondLst>
+                        <p:cond delay="indefinite"/>
+                      </p:stCondLst>
+                      <p:childTnLst>
+                        <p:par>
+                          <p:cTn id="19" fill="hold" nodeType="withGroup">
+                            <p:stCondLst>
+                              <p:cond delay="0"/>
+                            </p:stCondLst>
+                            <p:childTnLst>
+                              <p:par>
+                                <p:cTn id="20" presetID="3" presetClass="entr" presetSubtype="10" fill="hold" nodeType="clickEffect">
+                                  <p:stCondLst>
+                                    <p:cond delay="0"/>
+                                  </p:stCondLst>
+                                  <p:childTnLst>
+                                    <p:set>
+                                      <p:cBhvr>
+                                        <p:cTn id="21" dur="1" fill="hold">
+                                          <p:stCondLst>
+                                            <p:cond delay="0"/>
+                                          </p:stCondLst>
+                                        </p:cTn>
+                                        <p:tgtEl>
+                                          <p:spTgt spid="26626">
+                                            <p:txEl>
+                                              <p:pRg st="3" end="3"/>
+                                            </p:txEl>
+                                          </p:spTgt>
+                                        </p:tgtEl>
+                                        <p:attrNameLst>
+                                          <p:attrName>style.visibility</p:attrName>
+                                        </p:attrNameLst>
+                                      </p:cBhvr>
+                                      <p:to>
+                                        <p:strVal val="visible"/>
+                                      </p:to>
+                                    </p:set>
+                                    <p:animEffect transition="in" filter="blinds(horizontal)">
+                                      <p:cBhvr>
+                                        <p:cTn id="22" dur="500"/>
+                                        <p:tgtEl>
+                                          <p:spTgt spid="26626">
+                                            <p:txEl>
+                                              <p:pRg st="3" end="3"/>
+                                            </p:txEl>
+                                          </p:spTgt>
+                                        </p:tgtEl>
+                                      </p:cBhvr>
+                                    </p:animEffect>
+                                  </p:childTnLst>
+                                </p:cTn>
+                              </p:par>
+                              <p:par>
+                                <p:cTn id="23" presetID="3" presetClass="entr" presetSubtype="10" fill="hold" nodeType="withEffect">
+                                  <p:stCondLst>
+                                    <p:cond delay="0"/>
+                                  </p:stCondLst>
+                                  <p:childTnLst>
+                                    <p:set>
+                                      <p:cBhvr>
+                                        <p:cTn id="24" dur="1" fill="hold">
+                                          <p:stCondLst>
+                                            <p:cond delay="0"/>
+                                          </p:stCondLst>
+                                        </p:cTn>
+                                        <p:tgtEl>
+                                          <p:spTgt spid="26626">
+                                            <p:txEl>
+                                              <p:pRg st="4" end="4"/>
+                                            </p:txEl>
+                                          </p:spTgt>
+                                        </p:tgtEl>
+                                        <p:attrNameLst>
+                                          <p:attrName>style.visibility</p:attrName>
+                                        </p:attrNameLst>
+                                      </p:cBhvr>
+                                      <p:to>
+                                        <p:strVal val="visible"/>
+                                      </p:to>
+                                    </p:set>
+                                    <p:animEffect transition="in" filter="blinds(horizontal)">
+                                      <p:cBhvr>
+                                        <p:cTn id="25" dur="500"/>
+                                        <p:tgtEl>
+                                          <p:spTgt spid="26626">
+                                            <p:txEl>
+                                              <p:pRg st="4" end="4"/>
+                                            </p:txEl>
+                                          </p:spTgt>
+                                        </p:tgtEl>
+                                      </p:cBhvr>
+                                    </p:animEffect>
+                                  </p:childTnLst>
+                                </p:cTn>
+                              </p:par>
+                              <p:par>
+                                <p:cTn id="26" presetID="3" presetClass="entr" presetSubtype="10" fill="hold" nodeType="withEffect">
+                                  <p:stCondLst>
+                                    <p:cond delay="0"/>
+                                  </p:stCondLst>
+                                  <p:childTnLst>
+                                    <p:set>
+                                      <p:cBhvr>
+                                        <p:cTn id="27" dur="1" fill="hold">
+                                          <p:stCondLst>
+                                            <p:cond delay="0"/>
+                                          </p:stCondLst>
+                                        </p:cTn>
+                                        <p:tgtEl>
+                                          <p:spTgt spid="26626">
+                                            <p:txEl>
+                                              <p:pRg st="5" end="5"/>
+                                            </p:txEl>
+                                          </p:spTgt>
+                                        </p:tgtEl>
+                                        <p:attrNameLst>
+                                          <p:attrName>style.visibility</p:attrName>
+                                        </p:attrNameLst>
+                                      </p:cBhvr>
+                                      <p:to>
+                                        <p:strVal val="visible"/>
+                                      </p:to>
+                                    </p:set>
+                                    <p:animEffect transition="in" filter="blinds(horizontal)">
+                                      <p:cBhvr>
+                                        <p:cTn id="28" dur="500"/>
+                                        <p:tgtEl>
+                                          <p:spTgt spid="26626">
+                                            <p:txEl>
+                                              <p:pRg st="5" end="5"/>
+                                            </p:txEl>
+                                          </p:spTgt>
+                                        </p:tgtEl>
+                                      </p:cBhvr>
+                                    </p:animEffect>
+                                  </p:childTnLst>
+                                </p:cTn>
+                              </p:par>
+                            </p:childTnLst>
+                          </p:cTn>
+                        </p:par>
+                      </p:childTnLst>
+                    </p:cTn>
+                  </p:par>
+                  <p:par>
+                    <p:cTn id="29" fill="hold">
+                      <p:stCondLst>
+                        <p:cond delay="indefinite"/>
+                      </p:stCondLst>
+                      <p:childTnLst>
+                        <p:par>
+                          <p:cTn id="30" fill="hold">
+                            <p:stCondLst>
+                              <p:cond delay="0"/>
+                            </p:stCondLst>
+                            <p:childTnLst>
+                              <p:par>
+                                <p:cTn id="31" presetID="3" presetClass="entr" presetSubtype="10" fill="hold" nodeType="clickEffect">
+                                  <p:stCondLst>
+                                    <p:cond delay="0"/>
+                                  </p:stCondLst>
+                                  <p:childTnLst>
+                                    <p:set>
+                                      <p:cBhvr>
+                                        <p:cTn id="32" dur="1" fill="hold">
+                                          <p:stCondLst>
+                                            <p:cond delay="0"/>
+                                          </p:stCondLst>
+                                        </p:cTn>
+                                        <p:tgtEl>
+                                          <p:spTgt spid="26626">
+                                            <p:txEl>
+                                              <p:pRg st="6" end="6"/>
+                                            </p:txEl>
+                                          </p:spTgt>
+                                        </p:tgtEl>
+                                        <p:attrNameLst>
+                                          <p:attrName>style.visibility</p:attrName>
+                                        </p:attrNameLst>
+                                      </p:cBhvr>
+                                      <p:to>
+                                        <p:strVal val="visible"/>
+                                      </p:to>
+                                    </p:set>
+                                    <p:animEffect transition="in" filter="blinds(horizontal)">
+                                      <p:cBhvr>
+                                        <p:cTn id="33" dur="500"/>
+                                        <p:tgtEl>
+                                          <p:spTgt spid="26626">
+                                            <p:txEl>
+                                              <p:pRg st="6" end="6"/>
+                                            </p:txEl>
+                                          </p:spTgt>
+                                        </p:tgtEl>
+                                      </p:cBhvr>
+                                    </p:animEffect>
+                                  </p:childTnLst>
+                                </p:cTn>
+                              </p:par>
+                            </p:childTnLst>
+                          </p:cTn>
+                        </p:par>
+                      </p:childTnLst>
+                    </p:cTn>
+                  </p:par>
+                </p:childTnLst>
+              </p:cTn>
+              <p:prevCondLst>
+                <p:cond evt="onPrev" delay="0">
+                  <p:tgtEl>
+                    <p:sldTgt/>
+                  </p:tgtEl>
+                </p:cond>
+              </p:prevCondLst>
+              <p:nextCondLst>
+                <p:cond evt="onNext" delay="0">
+                  <p:tgtEl>
+                    <p:sldTgt/>
+                  </p:tgtEl>
+                </p:cond>
+              </p:nextCondLst>
+            </p:seq>
+          </p:childTnLst>
+        </p:cTn>
+      </p:par>
+    </p:tnLst>
+  </p:timing>
+</p:sld>
+</file>
+
+<file path=ppt/slides/slide24.xml><?xml version="1.0" encoding="utf-8"?>
+<p:sld xmlns:a="http://schemas.openxmlformats.org/drawingml/2006/main" xmlns:r="http://schemas.openxmlformats.org/officeDocument/2006/relationships" xmlns:p="http://schemas.openxmlformats.org/presentationml/2006/main">
+  <p:cSld>
+    <p:spTree>
+      <p:nvGrpSpPr>
+        <p:cNvPr id="1" name=""/>
+        <p:cNvGrpSpPr/>
+        <p:nvPr/>
+      </p:nvGrpSpPr>
+      <p:grpSpPr>
+        <a:xfrm>
+          <a:off x="0" y="0"/>
+          <a:ext cx="0" cy="0"/>
+          <a:chOff x="0" y="0"/>
+          <a:chExt cx="0" cy="0"/>
+        </a:xfrm>
+      </p:grpSpPr>
+      <p:sp>
+        <p:nvSpPr>
+          <p:cNvPr id="26626" name="Text Box 2"/>
+          <p:cNvSpPr txBox="1">
+            <a:spLocks noChangeArrowheads="1"/>
+          </p:cNvSpPr>
+          <p:nvPr/>
+        </p:nvSpPr>
+        <p:spPr bwMode="auto">
+          <a:xfrm>
+            <a:off x="539552" y="1628800"/>
+            <a:ext cx="8451850" cy="5062924"/>
+          </a:xfrm>
+          <a:prstGeom prst="rect">
+            <a:avLst/>
+          </a:prstGeom>
+          <a:noFill/>
+          <a:ln>
+            <a:noFill/>
+          </a:ln>
+          <a:extLst>
+            <a:ext uri="{909E8E84-426E-40DD-AFC4-6F175D3DCCD1}">
+              <a14:hiddenFill xmlns:a14="http://schemas.microsoft.com/office/drawing/2010/main">
+                <a:solidFill>
+                  <a:srgbClr val="FFFFFF"/>
+                </a:solidFill>
+              </a14:hiddenFill>
+            </a:ext>
+            <a:ext uri="{91240B29-F687-4F45-9708-019B960494DF}">
+              <a14:hiddenLine xmlns:a14="http://schemas.microsoft.com/office/drawing/2010/main" w="9525">
+                <a:solidFill>
+                  <a:srgbClr val="000000"/>
+                </a:solidFill>
+                <a:miter lim="800000"/>
+                <a:headEnd/>
+                <a:tailEnd/>
+              </a14:hiddenLine>
+            </a:ext>
+          </a:extLst>
+        </p:spPr>
+        <p:txBody>
+          <a:bodyPr>
+            <a:spAutoFit/>
+          </a:bodyPr>
+          <a:lstStyle>
+            <a:lvl1pPr eaLnBrk="0" hangingPunct="0">
+              <a:defRPr sz="2400">
+                <a:solidFill>
+                  <a:schemeClr val="tx1"/>
+                </a:solidFill>
+                <a:latin typeface="Times New Roman" pitchFamily="18" charset="0"/>
+              </a:defRPr>
+            </a:lvl1pPr>
+            <a:lvl2pPr marL="742950" indent="-285750" eaLnBrk="0" hangingPunct="0">
+              <a:defRPr sz="2400">
+                <a:solidFill>
+                  <a:schemeClr val="tx1"/>
+                </a:solidFill>
+                <a:latin typeface="Times New Roman" pitchFamily="18" charset="0"/>
+              </a:defRPr>
+            </a:lvl2pPr>
+            <a:lvl3pPr marL="1143000" indent="-228600" eaLnBrk="0" hangingPunct="0">
+              <a:defRPr sz="2400">
+                <a:solidFill>
+                  <a:schemeClr val="tx1"/>
+                </a:solidFill>
+                <a:latin typeface="Times New Roman" pitchFamily="18" charset="0"/>
+              </a:defRPr>
+            </a:lvl3pPr>
+            <a:lvl4pPr marL="1600200" indent="-228600" eaLnBrk="0" hangingPunct="0">
+              <a:defRPr sz="2400">
+                <a:solidFill>
+                  <a:schemeClr val="tx1"/>
+                </a:solidFill>
+                <a:latin typeface="Times New Roman" pitchFamily="18" charset="0"/>
+              </a:defRPr>
+            </a:lvl4pPr>
+            <a:lvl5pPr marL="2057400" indent="-228600" eaLnBrk="0" hangingPunct="0">
+              <a:defRPr sz="2400">
+                <a:solidFill>
+                  <a:schemeClr val="tx1"/>
+                </a:solidFill>
+                <a:latin typeface="Times New Roman" pitchFamily="18" charset="0"/>
+              </a:defRPr>
+            </a:lvl5pPr>
+            <a:lvl6pPr marL="2514600" indent="-228600" eaLnBrk="0" fontAlgn="base" hangingPunct="0">
+              <a:spcBef>
+                <a:spcPct val="0"/>
+              </a:spcBef>
+              <a:spcAft>
+                <a:spcPct val="0"/>
+              </a:spcAft>
+              <a:defRPr sz="2400">
+                <a:solidFill>
+                  <a:schemeClr val="tx1"/>
+                </a:solidFill>
+                <a:latin typeface="Times New Roman" pitchFamily="18" charset="0"/>
+              </a:defRPr>
+            </a:lvl6pPr>
+            <a:lvl7pPr marL="2971800" indent="-228600" eaLnBrk="0" fontAlgn="base" hangingPunct="0">
+              <a:spcBef>
+                <a:spcPct val="0"/>
+              </a:spcBef>
+              <a:spcAft>
+                <a:spcPct val="0"/>
+              </a:spcAft>
+              <a:defRPr sz="2400">
+                <a:solidFill>
+                  <a:schemeClr val="tx1"/>
+                </a:solidFill>
+                <a:latin typeface="Times New Roman" pitchFamily="18" charset="0"/>
+              </a:defRPr>
+            </a:lvl7pPr>
+            <a:lvl8pPr marL="3429000" indent="-228600" eaLnBrk="0" fontAlgn="base" hangingPunct="0">
+              <a:spcBef>
+                <a:spcPct val="0"/>
+              </a:spcBef>
+              <a:spcAft>
+                <a:spcPct val="0"/>
+              </a:spcAft>
+              <a:defRPr sz="2400">
+                <a:solidFill>
+                  <a:schemeClr val="tx1"/>
+                </a:solidFill>
+                <a:latin typeface="Times New Roman" pitchFamily="18" charset="0"/>
+              </a:defRPr>
+            </a:lvl8pPr>
+            <a:lvl9pPr marL="3886200" indent="-228600" eaLnBrk="0" fontAlgn="base" hangingPunct="0">
+              <a:spcBef>
+                <a:spcPct val="0"/>
+              </a:spcBef>
+              <a:spcAft>
+                <a:spcPct val="0"/>
+              </a:spcAft>
+              <a:defRPr sz="2400">
+                <a:solidFill>
+                  <a:schemeClr val="tx1"/>
+                </a:solidFill>
+                <a:latin typeface="Times New Roman" pitchFamily="18" charset="0"/>
+              </a:defRPr>
+            </a:lvl9pPr>
+          </a:lstStyle>
+          <a:p>
+            <a:pPr>
+              <a:spcBef>
+                <a:spcPts val="600"/>
+              </a:spcBef>
+              <a:defRPr/>
+            </a:pPr>
+            <a:r>
+              <a:rPr lang="sr-Cyrl-RS" b="1" u="sng" dirty="0" smtClean="0">
+                <a:latin typeface="Garamond" pitchFamily="18" charset="0"/>
+              </a:rPr>
+              <a:t>3. Користити наслеђивање за моделирање односа</a:t>
+            </a:r>
+            <a:r>
+              <a:rPr lang="en-US" b="1" u="sng" dirty="0" smtClean="0">
+                <a:latin typeface="Garamond" pitchFamily="18" charset="0"/>
+              </a:rPr>
+              <a:t> “</a:t>
+            </a:r>
+            <a:r>
+              <a:rPr lang="sr-Cyrl-RS" b="1" u="sng" dirty="0" smtClean="0">
+                <a:latin typeface="Garamond" pitchFamily="18" charset="0"/>
+              </a:rPr>
+              <a:t>јесте</a:t>
+            </a:r>
+            <a:r>
+              <a:rPr lang="en-US" b="1" u="sng" dirty="0" smtClean="0">
+                <a:latin typeface="Garamond" pitchFamily="18" charset="0"/>
+              </a:rPr>
+              <a:t>”.</a:t>
+            </a:r>
+            <a:endParaRPr lang="en-US" b="1" u="sng" dirty="0">
+              <a:latin typeface="Garamond" pitchFamily="18" charset="0"/>
+            </a:endParaRPr>
+          </a:p>
+          <a:p>
+            <a:pPr marL="342900" indent="-342900">
+              <a:spcBef>
+                <a:spcPts val="600"/>
+              </a:spcBef>
+              <a:buFont typeface="Arial" panose="020B0604020202020204" pitchFamily="34" charset="0"/>
+              <a:buChar char="•"/>
+              <a:defRPr/>
+            </a:pPr>
+            <a:r>
+              <a:rPr lang="sr-Cyrl-RS" dirty="0" smtClean="0">
+                <a:latin typeface="Garamond" pitchFamily="18" charset="0"/>
+              </a:rPr>
+              <a:t>Понекад програмери претерују у коришћењу наслеђивања</a:t>
+            </a:r>
+            <a:r>
+              <a:rPr lang="en-US" dirty="0" smtClean="0">
+                <a:latin typeface="Garamond" pitchFamily="18" charset="0"/>
+              </a:rPr>
+              <a:t>. </a:t>
+            </a:r>
+            <a:endParaRPr lang="sr-Cyrl-RS" dirty="0" smtClean="0">
+              <a:latin typeface="Garamond" pitchFamily="18" charset="0"/>
+            </a:endParaRPr>
+          </a:p>
+          <a:p>
+            <a:pPr>
+              <a:spcBef>
+                <a:spcPts val="600"/>
+              </a:spcBef>
+              <a:defRPr/>
+            </a:pPr>
+            <a:endParaRPr lang="sr-Cyrl-RS" sz="2000" dirty="0" smtClean="0">
+              <a:latin typeface="Garamond" pitchFamily="18" charset="0"/>
+            </a:endParaRPr>
+          </a:p>
+          <a:p>
+            <a:pPr>
+              <a:spcBef>
+                <a:spcPts val="600"/>
+              </a:spcBef>
+              <a:defRPr/>
+            </a:pPr>
+            <a:r>
+              <a:rPr lang="sr-Cyrl-RS" sz="2000" dirty="0" smtClean="0">
+                <a:latin typeface="Garamond" pitchFamily="18" charset="0"/>
+              </a:rPr>
+              <a:t>Претпоставимо да нам требају радници по уговору, тј. класа</a:t>
+            </a:r>
+            <a:r>
+              <a:rPr lang="en-US" sz="2000" dirty="0" smtClean="0">
+                <a:latin typeface="Garamond" pitchFamily="18" charset="0"/>
+              </a:rPr>
+              <a:t> </a:t>
+            </a:r>
+            <a:r>
+              <a:rPr lang="en-US" sz="2000" dirty="0" smtClean="0">
+                <a:latin typeface="+mn-lt"/>
+              </a:rPr>
+              <a:t>Contractor</a:t>
+            </a:r>
+            <a:r>
+              <a:rPr lang="en-US" sz="2000" dirty="0" smtClean="0">
+                <a:latin typeface="Garamond" pitchFamily="18" charset="0"/>
+              </a:rPr>
+              <a:t>. </a:t>
+            </a:r>
+            <a:r>
+              <a:rPr lang="sr-Cyrl-RS" sz="2000" dirty="0" smtClean="0">
+                <a:latin typeface="Garamond" pitchFamily="18" charset="0"/>
+              </a:rPr>
+              <a:t>Радници под уговором садрже имена и датум запослења, али не садрже плату</a:t>
+            </a:r>
+            <a:r>
+              <a:rPr lang="en-US" sz="2000" dirty="0" smtClean="0">
+                <a:latin typeface="Garamond" pitchFamily="18" charset="0"/>
+              </a:rPr>
+              <a:t>, </a:t>
+            </a:r>
+            <a:r>
+              <a:rPr lang="sr-Cyrl-RS" sz="2000" dirty="0" smtClean="0">
+                <a:latin typeface="Garamond" pitchFamily="18" charset="0"/>
+              </a:rPr>
+              <a:t>већ се плаћају по сату</a:t>
+            </a:r>
+            <a:r>
+              <a:rPr lang="en-US" sz="2000" dirty="0" smtClean="0">
+                <a:latin typeface="Garamond" pitchFamily="18" charset="0"/>
+              </a:rPr>
+              <a:t>. </a:t>
+            </a:r>
+            <a:endParaRPr lang="sr-Cyrl-RS" sz="2000" dirty="0" smtClean="0">
+              <a:latin typeface="Garamond" pitchFamily="18" charset="0"/>
+            </a:endParaRPr>
+          </a:p>
+          <a:p>
+            <a:pPr>
+              <a:spcBef>
+                <a:spcPts val="600"/>
+              </a:spcBef>
+              <a:defRPr/>
+            </a:pPr>
+            <a:endParaRPr lang="sr-Cyrl-RS" sz="2000" dirty="0" smtClean="0">
+              <a:latin typeface="Garamond" pitchFamily="18" charset="0"/>
+            </a:endParaRPr>
+          </a:p>
+          <a:p>
+            <a:pPr>
+              <a:spcBef>
+                <a:spcPts val="600"/>
+              </a:spcBef>
+              <a:defRPr/>
+            </a:pPr>
+            <a:r>
+              <a:rPr lang="sr-Cyrl-RS" sz="2000" dirty="0" smtClean="0">
+                <a:latin typeface="Garamond" pitchFamily="18" charset="0"/>
+              </a:rPr>
+              <a:t>Иако постоји изазов да се класа </a:t>
+            </a:r>
+            <a:r>
+              <a:rPr lang="en-US" sz="2000" dirty="0" smtClean="0">
+                <a:latin typeface="+mn-lt"/>
+              </a:rPr>
+              <a:t>Contractor</a:t>
+            </a:r>
+            <a:r>
+              <a:rPr lang="en-US" sz="2000" dirty="0" smtClean="0">
+                <a:latin typeface="Garamond" pitchFamily="18" charset="0"/>
+              </a:rPr>
+              <a:t> </a:t>
+            </a:r>
+            <a:r>
+              <a:rPr lang="sr-Cyrl-RS" sz="2000" dirty="0" smtClean="0">
+                <a:latin typeface="Garamond" pitchFamily="18" charset="0"/>
+              </a:rPr>
+              <a:t>направи као подкласа класе </a:t>
+            </a:r>
+            <a:r>
+              <a:rPr lang="en-US" sz="2000" dirty="0" smtClean="0">
+                <a:latin typeface="+mn-lt"/>
+              </a:rPr>
+              <a:t>Employee</a:t>
+            </a:r>
+            <a:r>
+              <a:rPr lang="en-US" sz="2000" dirty="0" smtClean="0">
+                <a:latin typeface="Garamond" pitchFamily="18" charset="0"/>
+              </a:rPr>
+              <a:t> </a:t>
+            </a:r>
+            <a:r>
+              <a:rPr lang="sr-Cyrl-RS" sz="2000" dirty="0" smtClean="0">
+                <a:latin typeface="Garamond" pitchFamily="18" charset="0"/>
+              </a:rPr>
+              <a:t>којој је додато поље</a:t>
+            </a:r>
+            <a:r>
+              <a:rPr lang="en-US" sz="2000" dirty="0" smtClean="0">
+                <a:latin typeface="Garamond" pitchFamily="18" charset="0"/>
+              </a:rPr>
+              <a:t> </a:t>
+            </a:r>
+            <a:r>
+              <a:rPr lang="en-US" sz="2000" dirty="0" err="1" smtClean="0">
+                <a:latin typeface="+mn-lt"/>
+              </a:rPr>
+              <a:t>hourlyWage</a:t>
+            </a:r>
+            <a:r>
+              <a:rPr lang="sr-Cyrl-RS" sz="2000" dirty="0" smtClean="0">
+                <a:latin typeface="Garamond" pitchFamily="18" charset="0"/>
+              </a:rPr>
+              <a:t>, то не би била добра идеја јер би тада примерак класе</a:t>
+            </a:r>
+            <a:r>
+              <a:rPr lang="en-US" sz="2000" dirty="0">
+                <a:latin typeface="Garamond" pitchFamily="18" charset="0"/>
+              </a:rPr>
+              <a:t> </a:t>
+            </a:r>
+            <a:r>
+              <a:rPr lang="en-US" sz="2000" dirty="0">
+                <a:latin typeface="+mn-lt"/>
+              </a:rPr>
+              <a:t>Contractor</a:t>
+            </a:r>
+            <a:r>
+              <a:rPr lang="sr-Cyrl-RS" sz="2000" dirty="0" smtClean="0">
+                <a:latin typeface="Garamond" pitchFamily="18" charset="0"/>
+              </a:rPr>
+              <a:t> садржао и поље за плату и поље за сатницу, а то би водило у проблеме</a:t>
+            </a:r>
+            <a:r>
+              <a:rPr lang="en-US" sz="2000" dirty="0" smtClean="0">
+                <a:latin typeface="Garamond" pitchFamily="18" charset="0"/>
+              </a:rPr>
+              <a:t>.</a:t>
+            </a:r>
+            <a:endParaRPr lang="sr-Cyrl-RS" sz="2000" dirty="0" smtClean="0">
+              <a:latin typeface="Garamond" pitchFamily="18" charset="0"/>
+            </a:endParaRPr>
+          </a:p>
+          <a:p>
+            <a:pPr>
+              <a:spcBef>
+                <a:spcPts val="600"/>
+              </a:spcBef>
+              <a:defRPr/>
+            </a:pPr>
+            <a:endParaRPr lang="sr-Cyrl-RS" sz="2000" dirty="0" smtClean="0">
+              <a:latin typeface="Garamond" pitchFamily="18" charset="0"/>
+            </a:endParaRPr>
+          </a:p>
+          <a:p>
+            <a:pPr>
+              <a:spcBef>
+                <a:spcPts val="600"/>
+              </a:spcBef>
+              <a:defRPr/>
+            </a:pPr>
+            <a:r>
+              <a:rPr lang="sr-Cyrl-RS" sz="2000" dirty="0" smtClean="0">
+                <a:latin typeface="Garamond" pitchFamily="18" charset="0"/>
+              </a:rPr>
+              <a:t>Наиме однос између ентитета радник по уговору и запослени не пролази тест</a:t>
+            </a:r>
+            <a:r>
+              <a:rPr lang="en-US" sz="2000" dirty="0" smtClean="0">
+                <a:latin typeface="Garamond" pitchFamily="18" charset="0"/>
+              </a:rPr>
+              <a:t> “</a:t>
+            </a:r>
+            <a:r>
+              <a:rPr lang="sr-Cyrl-RS" sz="2000" dirty="0" smtClean="0">
+                <a:latin typeface="Garamond" pitchFamily="18" charset="0"/>
+              </a:rPr>
+              <a:t>јесте</a:t>
+            </a:r>
+            <a:r>
+              <a:rPr lang="en-US" sz="2000" dirty="0" smtClean="0">
+                <a:latin typeface="Garamond" pitchFamily="18" charset="0"/>
+              </a:rPr>
+              <a:t>”. </a:t>
+            </a:r>
+            <a:r>
+              <a:rPr lang="sr-Cyrl-RS" sz="2000" dirty="0" smtClean="0">
+                <a:latin typeface="Garamond" pitchFamily="18" charset="0"/>
+              </a:rPr>
+              <a:t>Радник по уговору није специјалан случај запосленог</a:t>
+            </a:r>
+            <a:r>
+              <a:rPr lang="en-US" sz="2000" dirty="0" smtClean="0">
+                <a:latin typeface="Garamond" pitchFamily="18" charset="0"/>
+              </a:rPr>
+              <a:t>.</a:t>
+            </a:r>
+          </a:p>
+        </p:txBody>
+      </p:sp>
+      <p:sp>
+        <p:nvSpPr>
+          <p:cNvPr id="3" name="Title 1"/>
+          <p:cNvSpPr txBox="1">
+            <a:spLocks/>
+          </p:cNvSpPr>
+          <p:nvPr/>
+        </p:nvSpPr>
+        <p:spPr>
+          <a:xfrm>
+            <a:off x="1371600" y="549275"/>
+            <a:ext cx="7772400" cy="868363"/>
+          </a:xfrm>
+          <a:prstGeom prst="rect">
+            <a:avLst/>
+          </a:prstGeom>
+        </p:spPr>
+        <p:txBody>
+          <a:bodyPr/>
+          <a:lstStyle>
+            <a:lvl1pPr algn="l" rtl="0" eaLnBrk="0" fontAlgn="base" hangingPunct="0">
+              <a:spcBef>
+                <a:spcPct val="0"/>
+              </a:spcBef>
+              <a:spcAft>
+                <a:spcPct val="0"/>
+              </a:spcAft>
+              <a:defRPr sz="3800">
+                <a:solidFill>
+                  <a:schemeClr val="tx2"/>
+                </a:solidFill>
+                <a:latin typeface="+mj-lt"/>
+                <a:ea typeface="+mj-ea"/>
+                <a:cs typeface="+mj-cs"/>
+              </a:defRPr>
+            </a:lvl1pPr>
+            <a:lvl2pPr algn="l" rtl="0" eaLnBrk="0" fontAlgn="base" hangingPunct="0">
+              <a:spcBef>
+                <a:spcPct val="0"/>
+              </a:spcBef>
+              <a:spcAft>
+                <a:spcPct val="0"/>
+              </a:spcAft>
+              <a:defRPr sz="3800">
+                <a:solidFill>
+                  <a:schemeClr val="tx2"/>
+                </a:solidFill>
+                <a:latin typeface="Arial" charset="0"/>
+              </a:defRPr>
+            </a:lvl2pPr>
+            <a:lvl3pPr algn="l" rtl="0" eaLnBrk="0" fontAlgn="base" hangingPunct="0">
+              <a:spcBef>
+                <a:spcPct val="0"/>
+              </a:spcBef>
+              <a:spcAft>
+                <a:spcPct val="0"/>
+              </a:spcAft>
+              <a:defRPr sz="3800">
+                <a:solidFill>
+                  <a:schemeClr val="tx2"/>
+                </a:solidFill>
+                <a:latin typeface="Arial" charset="0"/>
+              </a:defRPr>
+            </a:lvl3pPr>
+            <a:lvl4pPr algn="l" rtl="0" eaLnBrk="0" fontAlgn="base" hangingPunct="0">
+              <a:spcBef>
+                <a:spcPct val="0"/>
+              </a:spcBef>
+              <a:spcAft>
+                <a:spcPct val="0"/>
+              </a:spcAft>
+              <a:defRPr sz="3800">
+                <a:solidFill>
+                  <a:schemeClr val="tx2"/>
+                </a:solidFill>
+                <a:latin typeface="Arial" charset="0"/>
+              </a:defRPr>
+            </a:lvl4pPr>
+            <a:lvl5pPr algn="l" rtl="0" eaLnBrk="0" fontAlgn="base" hangingPunct="0">
+              <a:spcBef>
+                <a:spcPct val="0"/>
+              </a:spcBef>
+              <a:spcAft>
+                <a:spcPct val="0"/>
+              </a:spcAft>
+              <a:defRPr sz="3800">
+                <a:solidFill>
+                  <a:schemeClr val="tx2"/>
+                </a:solidFill>
+                <a:latin typeface="Arial" charset="0"/>
+              </a:defRPr>
+            </a:lvl5pPr>
+            <a:lvl6pPr marL="457200" algn="l" rtl="0" fontAlgn="base">
+              <a:spcBef>
+                <a:spcPct val="0"/>
+              </a:spcBef>
+              <a:spcAft>
+                <a:spcPct val="0"/>
+              </a:spcAft>
+              <a:defRPr sz="3800">
+                <a:solidFill>
+                  <a:schemeClr val="tx2"/>
+                </a:solidFill>
+                <a:latin typeface="Arial" charset="0"/>
+              </a:defRPr>
+            </a:lvl6pPr>
+            <a:lvl7pPr marL="914400" algn="l" rtl="0" fontAlgn="base">
+              <a:spcBef>
+                <a:spcPct val="0"/>
+              </a:spcBef>
+              <a:spcAft>
+                <a:spcPct val="0"/>
+              </a:spcAft>
+              <a:defRPr sz="3800">
+                <a:solidFill>
+                  <a:schemeClr val="tx2"/>
+                </a:solidFill>
+                <a:latin typeface="Arial" charset="0"/>
+              </a:defRPr>
+            </a:lvl7pPr>
+            <a:lvl8pPr marL="1371600" algn="l" rtl="0" fontAlgn="base">
+              <a:spcBef>
+                <a:spcPct val="0"/>
+              </a:spcBef>
+              <a:spcAft>
+                <a:spcPct val="0"/>
+              </a:spcAft>
+              <a:defRPr sz="3800">
+                <a:solidFill>
+                  <a:schemeClr val="tx2"/>
+                </a:solidFill>
+                <a:latin typeface="Arial" charset="0"/>
+              </a:defRPr>
+            </a:lvl8pPr>
+            <a:lvl9pPr marL="1828800" algn="l" rtl="0" fontAlgn="base">
+              <a:spcBef>
+                <a:spcPct val="0"/>
+              </a:spcBef>
+              <a:spcAft>
+                <a:spcPct val="0"/>
+              </a:spcAft>
+              <a:defRPr sz="3800">
+                <a:solidFill>
+                  <a:schemeClr val="tx2"/>
+                </a:solidFill>
+                <a:latin typeface="Arial" charset="0"/>
+              </a:defRPr>
+            </a:lvl9pPr>
+          </a:lstStyle>
+          <a:p>
+            <a:pPr>
+              <a:defRPr/>
+            </a:pPr>
+            <a:r>
+              <a:rPr lang="sr-Cyrl-RS" sz="3600" b="1" kern="0" dirty="0" smtClean="0">
+                <a:solidFill>
+                  <a:srgbClr val="0070C0"/>
+                </a:solidFill>
+              </a:rPr>
+              <a:t>Препоруке за наслеђивање (2)</a:t>
+            </a:r>
+            <a:endParaRPr lang="en-US" sz="3600" b="1" kern="0" dirty="0">
+              <a:solidFill>
+                <a:srgbClr val="0070C0"/>
+              </a:solidFill>
+            </a:endParaRPr>
+          </a:p>
+        </p:txBody>
+      </p:sp>
+    </p:spTree>
+  </p:cSld>
+  <p:clrMapOvr>
+    <a:masterClrMapping/>
+  </p:clrMapOvr>
+  <p:timing>
+    <p:tnLst>
+      <p:par>
+        <p:cTn id="1" dur="indefinite" restart="never" nodeType="tmRoot">
+          <p:childTnLst>
+            <p:seq concurrent="1" nextAc="seek">
+              <p:cTn id="2" dur="indefinite" nodeType="mainSeq">
+                <p:childTnLst>
+                  <p:par>
+                    <p:cTn id="3" fill="hold" nodeType="clickPar">
+                      <p:stCondLst>
+                        <p:cond delay="indefinite"/>
+                      </p:stCondLst>
+                      <p:childTnLst>
+                        <p:par>
+                          <p:cTn id="4" fill="hold" nodeType="withGroup">
+                            <p:stCondLst>
+                              <p:cond delay="0"/>
+                            </p:stCondLst>
+                            <p:childTnLst>
+                              <p:par>
+                                <p:cTn id="5" presetID="3" presetClass="entr" presetSubtype="10" fill="hold" nodeType="clickEffect">
+                                  <p:stCondLst>
+                                    <p:cond delay="0"/>
+                                  </p:stCondLst>
+                                  <p:childTnLst>
+                                    <p:set>
+                                      <p:cBhvr>
+                                        <p:cTn id="6" dur="1" fill="hold">
+                                          <p:stCondLst>
+                                            <p:cond delay="0"/>
+                                          </p:stCondLst>
+                                        </p:cTn>
+                                        <p:tgtEl>
+                                          <p:spTgt spid="26626">
+                                            <p:txEl>
+                                              <p:pRg st="0" end="0"/>
+                                            </p:txEl>
+                                          </p:spTgt>
+                                        </p:tgtEl>
+                                        <p:attrNameLst>
+                                          <p:attrName>style.visibility</p:attrName>
+                                        </p:attrNameLst>
+                                      </p:cBhvr>
+                                      <p:to>
+                                        <p:strVal val="visible"/>
+                                      </p:to>
+                                    </p:set>
+                                    <p:animEffect transition="in" filter="blinds(horizontal)">
+                                      <p:cBhvr>
+                                        <p:cTn id="7" dur="500"/>
+                                        <p:tgtEl>
+                                          <p:spTgt spid="26626">
+                                            <p:txEl>
+                                              <p:pRg st="0" end="0"/>
+                                            </p:txEl>
+                                          </p:spTgt>
+                                        </p:tgtEl>
+                                      </p:cBhvr>
+                                    </p:animEffect>
+                                  </p:childTnLst>
+                                </p:cTn>
+                              </p:par>
+                            </p:childTnLst>
+                          </p:cTn>
+                        </p:par>
+                      </p:childTnLst>
+                    </p:cTn>
+                  </p:par>
+                  <p:par>
+                    <p:cTn id="8" fill="hold" nodeType="clickPar">
+                      <p:stCondLst>
+                        <p:cond delay="indefinite"/>
+                      </p:stCondLst>
+                      <p:childTnLst>
+                        <p:par>
+                          <p:cTn id="9" fill="hold" nodeType="withGroup">
+                            <p:stCondLst>
+                              <p:cond delay="0"/>
+                            </p:stCondLst>
+                            <p:childTnLst>
+                              <p:par>
+                                <p:cTn id="10" presetID="3" presetClass="entr" presetSubtype="10" fill="hold" nodeType="clickEffect">
+                                  <p:stCondLst>
+                                    <p:cond delay="0"/>
+                                  </p:stCondLst>
+                                  <p:childTnLst>
+                                    <p:set>
+                                      <p:cBhvr>
+                                        <p:cTn id="11" dur="1" fill="hold">
+                                          <p:stCondLst>
+                                            <p:cond delay="0"/>
+                                          </p:stCondLst>
+                                        </p:cTn>
+                                        <p:tgtEl>
+                                          <p:spTgt spid="26626">
+                                            <p:txEl>
+                                              <p:pRg st="1" end="1"/>
+                                            </p:txEl>
+                                          </p:spTgt>
+                                        </p:tgtEl>
+                                        <p:attrNameLst>
+                                          <p:attrName>style.visibility</p:attrName>
+                                        </p:attrNameLst>
+                                      </p:cBhvr>
+                                      <p:to>
+                                        <p:strVal val="visible"/>
+                                      </p:to>
+                                    </p:set>
+                                    <p:animEffect transition="in" filter="blinds(horizontal)">
+                                      <p:cBhvr>
+                                        <p:cTn id="12" dur="500"/>
+                                        <p:tgtEl>
+                                          <p:spTgt spid="26626">
+                                            <p:txEl>
+                                              <p:pRg st="1" end="1"/>
+                                            </p:txEl>
+                                          </p:spTgt>
+                                        </p:tgtEl>
+                                      </p:cBhvr>
+                                    </p:animEffect>
+                                  </p:childTnLst>
+                                </p:cTn>
+                              </p:par>
+                            </p:childTnLst>
+                          </p:cTn>
+                        </p:par>
+                      </p:childTnLst>
+                    </p:cTn>
+                  </p:par>
+                  <p:par>
+                    <p:cTn id="13" fill="hold">
+                      <p:stCondLst>
+                        <p:cond delay="indefinite"/>
+                      </p:stCondLst>
+                      <p:childTnLst>
+                        <p:par>
+                          <p:cTn id="14" fill="hold">
+                            <p:stCondLst>
+                              <p:cond delay="0"/>
+                            </p:stCondLst>
+                            <p:childTnLst>
+                              <p:par>
+                                <p:cTn id="15" presetID="3" presetClass="entr" presetSubtype="10" fill="hold" nodeType="clickEffect">
+                                  <p:stCondLst>
+                                    <p:cond delay="0"/>
+                                  </p:stCondLst>
+                                  <p:childTnLst>
+                                    <p:set>
+                                      <p:cBhvr>
+                                        <p:cTn id="16" dur="1" fill="hold">
+                                          <p:stCondLst>
+                                            <p:cond delay="0"/>
+                                          </p:stCondLst>
+                                        </p:cTn>
+                                        <p:tgtEl>
+                                          <p:spTgt spid="26626">
+                                            <p:txEl>
+                                              <p:pRg st="3" end="3"/>
+                                            </p:txEl>
+                                          </p:spTgt>
+                                        </p:tgtEl>
+                                        <p:attrNameLst>
+                                          <p:attrName>style.visibility</p:attrName>
+                                        </p:attrNameLst>
+                                      </p:cBhvr>
+                                      <p:to>
+                                        <p:strVal val="visible"/>
+                                      </p:to>
+                                    </p:set>
+                                    <p:animEffect transition="in" filter="blinds(horizontal)">
+                                      <p:cBhvr>
+                                        <p:cTn id="17" dur="500"/>
+                                        <p:tgtEl>
+                                          <p:spTgt spid="26626">
+                                            <p:txEl>
+                                              <p:pRg st="3" end="3"/>
+                                            </p:txEl>
+                                          </p:spTgt>
+                                        </p:tgtEl>
+                                      </p:cBhvr>
+                                    </p:animEffect>
+                                  </p:childTnLst>
+                                </p:cTn>
+                              </p:par>
+                            </p:childTnLst>
+                          </p:cTn>
+                        </p:par>
+                      </p:childTnLst>
+                    </p:cTn>
+                  </p:par>
+                  <p:par>
+                    <p:cTn id="18" fill="hold" nodeType="clickPar">
+                      <p:stCondLst>
+                        <p:cond delay="indefinite"/>
+                      </p:stCondLst>
+                      <p:childTnLst>
+                        <p:par>
+                          <p:cTn id="19" fill="hold" nodeType="withGroup">
+                            <p:stCondLst>
+                              <p:cond delay="0"/>
+                            </p:stCondLst>
+                            <p:childTnLst>
+                              <p:par>
+                                <p:cTn id="20" presetID="3" presetClass="entr" presetSubtype="10" fill="hold" nodeType="clickEffect">
+                                  <p:stCondLst>
+                                    <p:cond delay="0"/>
+                                  </p:stCondLst>
+                                  <p:childTnLst>
+                                    <p:set>
+                                      <p:cBhvr>
+                                        <p:cTn id="21" dur="1" fill="hold">
+                                          <p:stCondLst>
+                                            <p:cond delay="0"/>
+                                          </p:stCondLst>
+                                        </p:cTn>
+                                        <p:tgtEl>
+                                          <p:spTgt spid="26626">
+                                            <p:txEl>
+                                              <p:pRg st="5" end="5"/>
+                                            </p:txEl>
+                                          </p:spTgt>
+                                        </p:tgtEl>
+                                        <p:attrNameLst>
+                                          <p:attrName>style.visibility</p:attrName>
+                                        </p:attrNameLst>
+                                      </p:cBhvr>
+                                      <p:to>
+                                        <p:strVal val="visible"/>
+                                      </p:to>
+                                    </p:set>
+                                    <p:animEffect transition="in" filter="blinds(horizontal)">
+                                      <p:cBhvr>
+                                        <p:cTn id="22" dur="500"/>
+                                        <p:tgtEl>
+                                          <p:spTgt spid="26626">
+                                            <p:txEl>
+                                              <p:pRg st="5" end="5"/>
+                                            </p:txEl>
+                                          </p:spTgt>
+                                        </p:tgtEl>
+                                      </p:cBhvr>
+                                    </p:animEffect>
+                                  </p:childTnLst>
+                                </p:cTn>
+                              </p:par>
+                            </p:childTnLst>
+                          </p:cTn>
+                        </p:par>
+                      </p:childTnLst>
+                    </p:cTn>
+                  </p:par>
+                  <p:par>
+                    <p:cTn id="23" fill="hold" nodeType="clickPar">
+                      <p:stCondLst>
+                        <p:cond delay="indefinite"/>
+                      </p:stCondLst>
+                      <p:childTnLst>
+                        <p:par>
+                          <p:cTn id="24" fill="hold" nodeType="withGroup">
+                            <p:stCondLst>
+                              <p:cond delay="0"/>
+                            </p:stCondLst>
+                            <p:childTnLst>
+                              <p:par>
+                                <p:cTn id="25" presetID="3" presetClass="entr" presetSubtype="10" fill="hold" nodeType="clickEffect">
+                                  <p:stCondLst>
+                                    <p:cond delay="0"/>
+                                  </p:stCondLst>
+                                  <p:childTnLst>
+                                    <p:set>
+                                      <p:cBhvr>
+                                        <p:cTn id="26" dur="1" fill="hold">
+                                          <p:stCondLst>
+                                            <p:cond delay="0"/>
+                                          </p:stCondLst>
+                                        </p:cTn>
+                                        <p:tgtEl>
+                                          <p:spTgt spid="26626">
+                                            <p:txEl>
+                                              <p:pRg st="7" end="7"/>
+                                            </p:txEl>
+                                          </p:spTgt>
+                                        </p:tgtEl>
+                                        <p:attrNameLst>
+                                          <p:attrName>style.visibility</p:attrName>
+                                        </p:attrNameLst>
+                                      </p:cBhvr>
+                                      <p:to>
+                                        <p:strVal val="visible"/>
+                                      </p:to>
+                                    </p:set>
+                                    <p:animEffect transition="in" filter="blinds(horizontal)">
+                                      <p:cBhvr>
+                                        <p:cTn id="27" dur="500"/>
+                                        <p:tgtEl>
+                                          <p:spTgt spid="26626">
+                                            <p:txEl>
+                                              <p:pRg st="7" end="7"/>
+                                            </p:txEl>
+                                          </p:spTgt>
+                                        </p:tgtEl>
+                                      </p:cBhvr>
+                                    </p:animEffect>
+                                  </p:childTnLst>
+                                </p:cTn>
+                              </p:par>
+                            </p:childTnLst>
+                          </p:cTn>
+                        </p:par>
+                      </p:childTnLst>
+                    </p:cTn>
+                  </p:par>
+                </p:childTnLst>
+              </p:cTn>
+              <p:prevCondLst>
+                <p:cond evt="onPrev" delay="0">
+                  <p:tgtEl>
+                    <p:sldTgt/>
+                  </p:tgtEl>
+                </p:cond>
+              </p:prevCondLst>
+              <p:nextCondLst>
+                <p:cond evt="onNext" delay="0">
+                  <p:tgtEl>
+                    <p:sldTgt/>
+                  </p:tgtEl>
+                </p:cond>
+              </p:nextCondLst>
+            </p:seq>
+          </p:childTnLst>
+        </p:cTn>
+      </p:par>
+    </p:tnLst>
+  </p:timing>
+</p:sld>
+</file>
+
+<file path=ppt/slides/slide25.xml><?xml version="1.0" encoding="utf-8"?>
 <p:sld xmlns:a="http://schemas.openxmlformats.org/drawingml/2006/main" xmlns:r="http://schemas.openxmlformats.org/officeDocument/2006/relationships" xmlns:p="http://schemas.openxmlformats.org/presentationml/2006/main">
   <p:cSld>
     <p:spTree>
@@ -18103,7 +22347,7 @@
 </p:sld>
 </file>
 
-<file path=ppt/slides/slide21.xml><?xml version="1.0" encoding="utf-8"?>
+<file path=ppt/slides/slide26.xml><?xml version="1.0" encoding="utf-8"?>
 <p:sld xmlns:a="http://schemas.openxmlformats.org/drawingml/2006/main" xmlns:r="http://schemas.openxmlformats.org/officeDocument/2006/relationships" xmlns:p="http://schemas.openxmlformats.org/presentationml/2006/main">
   <p:cSld>
     <p:spTree>
@@ -19755,7 +23999,7 @@
 </p:sld>
 </file>
 
-<file path=ppt/slides/slide22.xml><?xml version="1.0" encoding="utf-8"?>
+<file path=ppt/slides/slide27.xml><?xml version="1.0" encoding="utf-8"?>
 <p:sld xmlns:a="http://schemas.openxmlformats.org/drawingml/2006/main" xmlns:r="http://schemas.openxmlformats.org/officeDocument/2006/relationships" xmlns:p="http://schemas.openxmlformats.org/presentationml/2006/main">
   <p:cSld>
     <p:spTree>
@@ -21143,754 +25387,7 @@
 </p:sld>
 </file>
 
-<file path=ppt/slides/slide23.xml><?xml version="1.0" encoding="utf-8"?>
-<p:sld xmlns:a="http://schemas.openxmlformats.org/drawingml/2006/main" xmlns:r="http://schemas.openxmlformats.org/officeDocument/2006/relationships" xmlns:p="http://schemas.openxmlformats.org/presentationml/2006/main">
-  <p:cSld>
-    <p:spTree>
-      <p:nvGrpSpPr>
-        <p:cNvPr id="1" name=""/>
-        <p:cNvGrpSpPr/>
-        <p:nvPr/>
-      </p:nvGrpSpPr>
-      <p:grpSpPr>
-        <a:xfrm>
-          <a:off x="0" y="0"/>
-          <a:ext cx="0" cy="0"/>
-          <a:chOff x="0" y="0"/>
-          <a:chExt cx="0" cy="0"/>
-        </a:xfrm>
-      </p:grpSpPr>
-      <p:sp>
-        <p:nvSpPr>
-          <p:cNvPr id="26626" name="Text Box 2"/>
-          <p:cNvSpPr txBox="1">
-            <a:spLocks noChangeArrowheads="1"/>
-          </p:cNvSpPr>
-          <p:nvPr/>
-        </p:nvSpPr>
-        <p:spPr bwMode="auto">
-          <a:xfrm>
-            <a:off x="539750" y="1416050"/>
-            <a:ext cx="8451850" cy="4093428"/>
-          </a:xfrm>
-          <a:prstGeom prst="rect">
-            <a:avLst/>
-          </a:prstGeom>
-          <a:noFill/>
-          <a:ln>
-            <a:noFill/>
-          </a:ln>
-          <a:extLst>
-            <a:ext uri="{909E8E84-426E-40DD-AFC4-6F175D3DCCD1}">
-              <a14:hiddenFill xmlns:a14="http://schemas.microsoft.com/office/drawing/2010/main">
-                <a:solidFill>
-                  <a:srgbClr val="FFFFFF"/>
-                </a:solidFill>
-              </a14:hiddenFill>
-            </a:ext>
-            <a:ext uri="{91240B29-F687-4F45-9708-019B960494DF}">
-              <a14:hiddenLine xmlns:a14="http://schemas.microsoft.com/office/drawing/2010/main" w="9525">
-                <a:solidFill>
-                  <a:srgbClr val="000000"/>
-                </a:solidFill>
-                <a:miter lim="800000"/>
-                <a:headEnd/>
-                <a:tailEnd/>
-              </a14:hiddenLine>
-            </a:ext>
-          </a:extLst>
-        </p:spPr>
-        <p:txBody>
-          <a:bodyPr>
-            <a:spAutoFit/>
-          </a:bodyPr>
-          <a:lstStyle>
-            <a:lvl1pPr eaLnBrk="0" hangingPunct="0">
-              <a:defRPr sz="2400">
-                <a:solidFill>
-                  <a:schemeClr val="tx1"/>
-                </a:solidFill>
-                <a:latin typeface="Times New Roman" pitchFamily="18" charset="0"/>
-              </a:defRPr>
-            </a:lvl1pPr>
-            <a:lvl2pPr marL="742950" indent="-285750" eaLnBrk="0" hangingPunct="0">
-              <a:defRPr sz="2400">
-                <a:solidFill>
-                  <a:schemeClr val="tx1"/>
-                </a:solidFill>
-                <a:latin typeface="Times New Roman" pitchFamily="18" charset="0"/>
-              </a:defRPr>
-            </a:lvl2pPr>
-            <a:lvl3pPr marL="1143000" indent="-228600" eaLnBrk="0" hangingPunct="0">
-              <a:defRPr sz="2400">
-                <a:solidFill>
-                  <a:schemeClr val="tx1"/>
-                </a:solidFill>
-                <a:latin typeface="Times New Roman" pitchFamily="18" charset="0"/>
-              </a:defRPr>
-            </a:lvl3pPr>
-            <a:lvl4pPr marL="1600200" indent="-228600" eaLnBrk="0" hangingPunct="0">
-              <a:defRPr sz="2400">
-                <a:solidFill>
-                  <a:schemeClr val="tx1"/>
-                </a:solidFill>
-                <a:latin typeface="Times New Roman" pitchFamily="18" charset="0"/>
-              </a:defRPr>
-            </a:lvl4pPr>
-            <a:lvl5pPr marL="2057400" indent="-228600" eaLnBrk="0" hangingPunct="0">
-              <a:defRPr sz="2400">
-                <a:solidFill>
-                  <a:schemeClr val="tx1"/>
-                </a:solidFill>
-                <a:latin typeface="Times New Roman" pitchFamily="18" charset="0"/>
-              </a:defRPr>
-            </a:lvl5pPr>
-            <a:lvl6pPr marL="2514600" indent="-228600" eaLnBrk="0" fontAlgn="base" hangingPunct="0">
-              <a:spcBef>
-                <a:spcPct val="0"/>
-              </a:spcBef>
-              <a:spcAft>
-                <a:spcPct val="0"/>
-              </a:spcAft>
-              <a:defRPr sz="2400">
-                <a:solidFill>
-                  <a:schemeClr val="tx1"/>
-                </a:solidFill>
-                <a:latin typeface="Times New Roman" pitchFamily="18" charset="0"/>
-              </a:defRPr>
-            </a:lvl6pPr>
-            <a:lvl7pPr marL="2971800" indent="-228600" eaLnBrk="0" fontAlgn="base" hangingPunct="0">
-              <a:spcBef>
-                <a:spcPct val="0"/>
-              </a:spcBef>
-              <a:spcAft>
-                <a:spcPct val="0"/>
-              </a:spcAft>
-              <a:defRPr sz="2400">
-                <a:solidFill>
-                  <a:schemeClr val="tx1"/>
-                </a:solidFill>
-                <a:latin typeface="Times New Roman" pitchFamily="18" charset="0"/>
-              </a:defRPr>
-            </a:lvl7pPr>
-            <a:lvl8pPr marL="3429000" indent="-228600" eaLnBrk="0" fontAlgn="base" hangingPunct="0">
-              <a:spcBef>
-                <a:spcPct val="0"/>
-              </a:spcBef>
-              <a:spcAft>
-                <a:spcPct val="0"/>
-              </a:spcAft>
-              <a:defRPr sz="2400">
-                <a:solidFill>
-                  <a:schemeClr val="tx1"/>
-                </a:solidFill>
-                <a:latin typeface="Times New Roman" pitchFamily="18" charset="0"/>
-              </a:defRPr>
-            </a:lvl8pPr>
-            <a:lvl9pPr marL="3886200" indent="-228600" eaLnBrk="0" fontAlgn="base" hangingPunct="0">
-              <a:spcBef>
-                <a:spcPct val="0"/>
-              </a:spcBef>
-              <a:spcAft>
-                <a:spcPct val="0"/>
-              </a:spcAft>
-              <a:defRPr sz="2400">
-                <a:solidFill>
-                  <a:schemeClr val="tx1"/>
-                </a:solidFill>
-                <a:latin typeface="Times New Roman" pitchFamily="18" charset="0"/>
-              </a:defRPr>
-            </a:lvl9pPr>
-          </a:lstStyle>
-          <a:p>
-            <a:pPr>
-              <a:spcBef>
-                <a:spcPts val="600"/>
-              </a:spcBef>
-              <a:defRPr/>
-            </a:pPr>
-            <a:r>
-              <a:rPr lang="sr-Cyrl-RS" dirty="0" smtClean="0">
-                <a:latin typeface="Garamond" pitchFamily="18" charset="0"/>
-              </a:rPr>
-              <a:t>Принцип једнозначне одговорности (</a:t>
-            </a:r>
-            <a:r>
-              <a:rPr lang="en-US" b="1" u="sng" dirty="0" smtClean="0">
-                <a:latin typeface="Garamond" pitchFamily="18" charset="0"/>
-              </a:rPr>
-              <a:t>S</a:t>
-            </a:r>
-            <a:r>
-              <a:rPr lang="en-US" dirty="0" smtClean="0">
-                <a:latin typeface="Garamond" pitchFamily="18" charset="0"/>
-              </a:rPr>
-              <a:t>ingle responsibility) – </a:t>
-            </a:r>
-            <a:r>
-              <a:rPr lang="sr-Cyrl-RS" dirty="0" smtClean="0">
-                <a:latin typeface="Garamond" pitchFamily="18" charset="0"/>
-              </a:rPr>
-              <a:t>свака класа треба да има тачно једну одговорност </a:t>
-            </a:r>
-          </a:p>
-          <a:p>
-            <a:pPr marL="342900" indent="-342900">
-              <a:spcBef>
-                <a:spcPts val="600"/>
-              </a:spcBef>
-              <a:buFont typeface="Arial" panose="020B0604020202020204" pitchFamily="34" charset="0"/>
-              <a:buChar char="•"/>
-              <a:defRPr/>
-            </a:pPr>
-            <a:r>
-              <a:rPr lang="sr-Cyrl-RS" dirty="0" smtClean="0">
-                <a:latin typeface="Garamond" pitchFamily="18" charset="0"/>
-              </a:rPr>
-              <a:t>По овом принципу</a:t>
-            </a:r>
-            <a:r>
-              <a:rPr lang="en-US" dirty="0" smtClean="0">
-                <a:latin typeface="Garamond" pitchFamily="18" charset="0"/>
-              </a:rPr>
-              <a:t>, </a:t>
-            </a:r>
-            <a:r>
-              <a:rPr lang="sr-Cyrl-RS" dirty="0" smtClean="0">
-                <a:latin typeface="Garamond" pitchFamily="18" charset="0"/>
-              </a:rPr>
-              <a:t>може постојати само један разлог због ког класа треба да буде промењена </a:t>
-            </a:r>
-          </a:p>
-          <a:p>
-            <a:pPr marL="342900" indent="-342900">
-              <a:spcBef>
-                <a:spcPts val="600"/>
-              </a:spcBef>
-              <a:buFont typeface="Arial" panose="020B0604020202020204" pitchFamily="34" charset="0"/>
-              <a:buChar char="•"/>
-              <a:defRPr/>
-            </a:pPr>
-            <a:r>
-              <a:rPr lang="sr-Cyrl-RS" dirty="0" smtClean="0">
-                <a:latin typeface="Garamond" pitchFamily="18" charset="0"/>
-              </a:rPr>
-              <a:t>Класа треба да реализује само један задатак</a:t>
-            </a:r>
-          </a:p>
-          <a:p>
-            <a:pPr marL="1085850" lvl="1" indent="-342900">
-              <a:spcBef>
-                <a:spcPts val="600"/>
-              </a:spcBef>
-              <a:buFont typeface="Arial" panose="020B0604020202020204" pitchFamily="34" charset="0"/>
-              <a:buChar char="•"/>
-              <a:defRPr/>
-            </a:pPr>
-            <a:r>
-              <a:rPr lang="sr-Cyrl-RS" dirty="0" smtClean="0">
-                <a:latin typeface="Garamond" pitchFamily="18" charset="0"/>
-              </a:rPr>
-              <a:t>На пример, ако би се у оквиру једне класе налазила функционалност за пословну логику и за чување података примерка у датотеку или у базу, то би нарушавало овај принцип</a:t>
-            </a:r>
-            <a:r>
-              <a:rPr lang="en-US" dirty="0" smtClean="0">
-                <a:latin typeface="Garamond" pitchFamily="18" charset="0"/>
-              </a:rPr>
-              <a:t> </a:t>
-            </a:r>
-            <a:endParaRPr lang="sr-Cyrl-RS" dirty="0" smtClean="0">
-              <a:latin typeface="Garamond" pitchFamily="18" charset="0"/>
-            </a:endParaRPr>
-          </a:p>
-          <a:p>
-            <a:pPr marL="342900" indent="-342900">
-              <a:spcBef>
-                <a:spcPts val="600"/>
-              </a:spcBef>
-              <a:buFont typeface="Arial" panose="020B0604020202020204" pitchFamily="34" charset="0"/>
-              <a:buChar char="•"/>
-              <a:defRPr/>
-            </a:pPr>
-            <a:endParaRPr lang="en-US" dirty="0" smtClean="0">
-              <a:latin typeface="Garamond" pitchFamily="18" charset="0"/>
-            </a:endParaRPr>
-          </a:p>
-        </p:txBody>
-      </p:sp>
-      <p:sp>
-        <p:nvSpPr>
-          <p:cNvPr id="3" name="Title 1"/>
-          <p:cNvSpPr txBox="1">
-            <a:spLocks/>
-          </p:cNvSpPr>
-          <p:nvPr/>
-        </p:nvSpPr>
-        <p:spPr>
-          <a:xfrm>
-            <a:off x="1371600" y="549275"/>
-            <a:ext cx="7772400" cy="868363"/>
-          </a:xfrm>
-          <a:prstGeom prst="rect">
-            <a:avLst/>
-          </a:prstGeom>
-        </p:spPr>
-        <p:txBody>
-          <a:bodyPr/>
-          <a:lstStyle>
-            <a:lvl1pPr algn="l" rtl="0" eaLnBrk="0" fontAlgn="base" hangingPunct="0">
-              <a:spcBef>
-                <a:spcPct val="0"/>
-              </a:spcBef>
-              <a:spcAft>
-                <a:spcPct val="0"/>
-              </a:spcAft>
-              <a:defRPr sz="3800">
-                <a:solidFill>
-                  <a:schemeClr val="tx2"/>
-                </a:solidFill>
-                <a:latin typeface="+mj-lt"/>
-                <a:ea typeface="+mj-ea"/>
-                <a:cs typeface="+mj-cs"/>
-              </a:defRPr>
-            </a:lvl1pPr>
-            <a:lvl2pPr algn="l" rtl="0" eaLnBrk="0" fontAlgn="base" hangingPunct="0">
-              <a:spcBef>
-                <a:spcPct val="0"/>
-              </a:spcBef>
-              <a:spcAft>
-                <a:spcPct val="0"/>
-              </a:spcAft>
-              <a:defRPr sz="3800">
-                <a:solidFill>
-                  <a:schemeClr val="tx2"/>
-                </a:solidFill>
-                <a:latin typeface="Arial" charset="0"/>
-              </a:defRPr>
-            </a:lvl2pPr>
-            <a:lvl3pPr algn="l" rtl="0" eaLnBrk="0" fontAlgn="base" hangingPunct="0">
-              <a:spcBef>
-                <a:spcPct val="0"/>
-              </a:spcBef>
-              <a:spcAft>
-                <a:spcPct val="0"/>
-              </a:spcAft>
-              <a:defRPr sz="3800">
-                <a:solidFill>
-                  <a:schemeClr val="tx2"/>
-                </a:solidFill>
-                <a:latin typeface="Arial" charset="0"/>
-              </a:defRPr>
-            </a:lvl3pPr>
-            <a:lvl4pPr algn="l" rtl="0" eaLnBrk="0" fontAlgn="base" hangingPunct="0">
-              <a:spcBef>
-                <a:spcPct val="0"/>
-              </a:spcBef>
-              <a:spcAft>
-                <a:spcPct val="0"/>
-              </a:spcAft>
-              <a:defRPr sz="3800">
-                <a:solidFill>
-                  <a:schemeClr val="tx2"/>
-                </a:solidFill>
-                <a:latin typeface="Arial" charset="0"/>
-              </a:defRPr>
-            </a:lvl4pPr>
-            <a:lvl5pPr algn="l" rtl="0" eaLnBrk="0" fontAlgn="base" hangingPunct="0">
-              <a:spcBef>
-                <a:spcPct val="0"/>
-              </a:spcBef>
-              <a:spcAft>
-                <a:spcPct val="0"/>
-              </a:spcAft>
-              <a:defRPr sz="3800">
-                <a:solidFill>
-                  <a:schemeClr val="tx2"/>
-                </a:solidFill>
-                <a:latin typeface="Arial" charset="0"/>
-              </a:defRPr>
-            </a:lvl5pPr>
-            <a:lvl6pPr marL="457200" algn="l" rtl="0" fontAlgn="base">
-              <a:spcBef>
-                <a:spcPct val="0"/>
-              </a:spcBef>
-              <a:spcAft>
-                <a:spcPct val="0"/>
-              </a:spcAft>
-              <a:defRPr sz="3800">
-                <a:solidFill>
-                  <a:schemeClr val="tx2"/>
-                </a:solidFill>
-                <a:latin typeface="Arial" charset="0"/>
-              </a:defRPr>
-            </a:lvl6pPr>
-            <a:lvl7pPr marL="914400" algn="l" rtl="0" fontAlgn="base">
-              <a:spcBef>
-                <a:spcPct val="0"/>
-              </a:spcBef>
-              <a:spcAft>
-                <a:spcPct val="0"/>
-              </a:spcAft>
-              <a:defRPr sz="3800">
-                <a:solidFill>
-                  <a:schemeClr val="tx2"/>
-                </a:solidFill>
-                <a:latin typeface="Arial" charset="0"/>
-              </a:defRPr>
-            </a:lvl7pPr>
-            <a:lvl8pPr marL="1371600" algn="l" rtl="0" fontAlgn="base">
-              <a:spcBef>
-                <a:spcPct val="0"/>
-              </a:spcBef>
-              <a:spcAft>
-                <a:spcPct val="0"/>
-              </a:spcAft>
-              <a:defRPr sz="3800">
-                <a:solidFill>
-                  <a:schemeClr val="tx2"/>
-                </a:solidFill>
-                <a:latin typeface="Arial" charset="0"/>
-              </a:defRPr>
-            </a:lvl8pPr>
-            <a:lvl9pPr marL="1828800" algn="l" rtl="0" fontAlgn="base">
-              <a:spcBef>
-                <a:spcPct val="0"/>
-              </a:spcBef>
-              <a:spcAft>
-                <a:spcPct val="0"/>
-              </a:spcAft>
-              <a:defRPr sz="3800">
-                <a:solidFill>
-                  <a:schemeClr val="tx2"/>
-                </a:solidFill>
-                <a:latin typeface="Arial" charset="0"/>
-              </a:defRPr>
-            </a:lvl9pPr>
-          </a:lstStyle>
-          <a:p>
-            <a:pPr>
-              <a:defRPr/>
-            </a:pPr>
-            <a:r>
-              <a:rPr lang="en-US" sz="3600" b="1" kern="0" dirty="0">
-                <a:solidFill>
-                  <a:srgbClr val="0070C0"/>
-                </a:solidFill>
-              </a:rPr>
-              <a:t>SOLID </a:t>
-            </a:r>
-            <a:r>
-              <a:rPr lang="sr-Cyrl-RS" sz="3600" b="1" kern="0" dirty="0" smtClean="0">
-                <a:solidFill>
-                  <a:srgbClr val="0070C0"/>
-                </a:solidFill>
-              </a:rPr>
-              <a:t>принципи - </a:t>
-            </a:r>
-            <a:r>
-              <a:rPr lang="en-US" sz="3600" b="1" kern="0" dirty="0" smtClean="0">
-                <a:solidFill>
-                  <a:srgbClr val="0070C0"/>
-                </a:solidFill>
-              </a:rPr>
-              <a:t>S</a:t>
-            </a:r>
-            <a:endParaRPr lang="en-US" sz="3600" b="1" kern="0" dirty="0">
-              <a:solidFill>
-                <a:srgbClr val="0070C0"/>
-              </a:solidFill>
-            </a:endParaRPr>
-          </a:p>
-        </p:txBody>
-      </p:sp>
-    </p:spTree>
-    <p:extLst>
-      <p:ext uri="{BB962C8B-B14F-4D97-AF65-F5344CB8AC3E}">
-        <p14:creationId xmlns:p14="http://schemas.microsoft.com/office/powerpoint/2010/main" val="811905334"/>
-      </p:ext>
-    </p:extLst>
-  </p:cSld>
-  <p:clrMapOvr>
-    <a:masterClrMapping/>
-  </p:clrMapOvr>
-  <p:timing>
-    <p:tnLst>
-      <p:par>
-        <p:cTn id="1" dur="indefinite" restart="never" nodeType="tmRoot">
-          <p:childTnLst>
-            <p:seq concurrent="1" nextAc="seek">
-              <p:cTn id="2" dur="indefinite" nodeType="mainSeq">
-                <p:childTnLst>
-                  <p:par>
-                    <p:cTn id="3" fill="hold">
-                      <p:stCondLst>
-                        <p:cond delay="indefinite"/>
-                      </p:stCondLst>
-                      <p:childTnLst>
-                        <p:par>
-                          <p:cTn id="4" fill="hold">
-                            <p:stCondLst>
-                              <p:cond delay="0"/>
-                            </p:stCondLst>
-                            <p:childTnLst>
-                              <p:par>
-                                <p:cTn id="5" presetID="3" presetClass="entr" presetSubtype="10" fill="hold" nodeType="clickEffect">
-                                  <p:stCondLst>
-                                    <p:cond delay="0"/>
-                                  </p:stCondLst>
-                                  <p:childTnLst>
-                                    <p:set>
-                                      <p:cBhvr>
-                                        <p:cTn id="6" dur="1" fill="hold">
-                                          <p:stCondLst>
-                                            <p:cond delay="0"/>
-                                          </p:stCondLst>
-                                        </p:cTn>
-                                        <p:tgtEl>
-                                          <p:spTgt spid="26626">
-                                            <p:txEl>
-                                              <p:pRg st="0" end="0"/>
-                                            </p:txEl>
-                                          </p:spTgt>
-                                        </p:tgtEl>
-                                        <p:attrNameLst>
-                                          <p:attrName>style.visibility</p:attrName>
-                                        </p:attrNameLst>
-                                      </p:cBhvr>
-                                      <p:to>
-                                        <p:strVal val="visible"/>
-                                      </p:to>
-                                    </p:set>
-                                    <p:animEffect transition="in" filter="blinds(horizontal)">
-                                      <p:cBhvr>
-                                        <p:cTn id="7" dur="500"/>
-                                        <p:tgtEl>
-                                          <p:spTgt spid="26626">
-                                            <p:txEl>
-                                              <p:pRg st="0" end="0"/>
-                                            </p:txEl>
-                                          </p:spTgt>
-                                        </p:tgtEl>
-                                      </p:cBhvr>
-                                    </p:animEffect>
-                                  </p:childTnLst>
-                                </p:cTn>
-                              </p:par>
-                            </p:childTnLst>
-                          </p:cTn>
-                        </p:par>
-                      </p:childTnLst>
-                    </p:cTn>
-                  </p:par>
-                  <p:par>
-                    <p:cTn id="8" fill="hold">
-                      <p:stCondLst>
-                        <p:cond delay="indefinite"/>
-                      </p:stCondLst>
-                      <p:childTnLst>
-                        <p:par>
-                          <p:cTn id="9" fill="hold">
-                            <p:stCondLst>
-                              <p:cond delay="0"/>
-                            </p:stCondLst>
-                            <p:childTnLst>
-                              <p:par>
-                                <p:cTn id="10" presetID="3" presetClass="entr" presetSubtype="10" fill="hold" nodeType="clickEffect">
-                                  <p:stCondLst>
-                                    <p:cond delay="0"/>
-                                  </p:stCondLst>
-                                  <p:childTnLst>
-                                    <p:set>
-                                      <p:cBhvr>
-                                        <p:cTn id="11" dur="1" fill="hold">
-                                          <p:stCondLst>
-                                            <p:cond delay="0"/>
-                                          </p:stCondLst>
-                                        </p:cTn>
-                                        <p:tgtEl>
-                                          <p:spTgt spid="26626">
-                                            <p:txEl>
-                                              <p:pRg st="1" end="1"/>
-                                            </p:txEl>
-                                          </p:spTgt>
-                                        </p:tgtEl>
-                                        <p:attrNameLst>
-                                          <p:attrName>style.visibility</p:attrName>
-                                        </p:attrNameLst>
-                                      </p:cBhvr>
-                                      <p:to>
-                                        <p:strVal val="visible"/>
-                                      </p:to>
-                                    </p:set>
-                                    <p:animEffect transition="in" filter="blinds(horizontal)">
-                                      <p:cBhvr>
-                                        <p:cTn id="12" dur="500"/>
-                                        <p:tgtEl>
-                                          <p:spTgt spid="26626">
-                                            <p:txEl>
-                                              <p:pRg st="1" end="1"/>
-                                            </p:txEl>
-                                          </p:spTgt>
-                                        </p:tgtEl>
-                                      </p:cBhvr>
-                                    </p:animEffect>
-                                  </p:childTnLst>
-                                </p:cTn>
-                              </p:par>
-                            </p:childTnLst>
-                          </p:cTn>
-                        </p:par>
-                      </p:childTnLst>
-                    </p:cTn>
-                  </p:par>
-                  <p:par>
-                    <p:cTn id="13" fill="hold">
-                      <p:stCondLst>
-                        <p:cond delay="indefinite"/>
-                      </p:stCondLst>
-                      <p:childTnLst>
-                        <p:par>
-                          <p:cTn id="14" fill="hold">
-                            <p:stCondLst>
-                              <p:cond delay="0"/>
-                            </p:stCondLst>
-                            <p:childTnLst>
-                              <p:par>
-                                <p:cTn id="15" presetID="3" presetClass="entr" presetSubtype="10" fill="hold" nodeType="clickEffect">
-                                  <p:stCondLst>
-                                    <p:cond delay="0"/>
-                                  </p:stCondLst>
-                                  <p:childTnLst>
-                                    <p:set>
-                                      <p:cBhvr>
-                                        <p:cTn id="16" dur="1" fill="hold">
-                                          <p:stCondLst>
-                                            <p:cond delay="0"/>
-                                          </p:stCondLst>
-                                        </p:cTn>
-                                        <p:tgtEl>
-                                          <p:spTgt spid="26626">
-                                            <p:txEl>
-                                              <p:pRg st="2" end="2"/>
-                                            </p:txEl>
-                                          </p:spTgt>
-                                        </p:tgtEl>
-                                        <p:attrNameLst>
-                                          <p:attrName>style.visibility</p:attrName>
-                                        </p:attrNameLst>
-                                      </p:cBhvr>
-                                      <p:to>
-                                        <p:strVal val="visible"/>
-                                      </p:to>
-                                    </p:set>
-                                    <p:animEffect transition="in" filter="blinds(horizontal)">
-                                      <p:cBhvr>
-                                        <p:cTn id="17" dur="500"/>
-                                        <p:tgtEl>
-                                          <p:spTgt spid="26626">
-                                            <p:txEl>
-                                              <p:pRg st="2" end="2"/>
-                                            </p:txEl>
-                                          </p:spTgt>
-                                        </p:tgtEl>
-                                      </p:cBhvr>
-                                    </p:animEffect>
-                                  </p:childTnLst>
-                                </p:cTn>
-                              </p:par>
-                            </p:childTnLst>
-                          </p:cTn>
-                        </p:par>
-                      </p:childTnLst>
-                    </p:cTn>
-                  </p:par>
-                  <p:par>
-                    <p:cTn id="18" fill="hold">
-                      <p:stCondLst>
-                        <p:cond delay="indefinite"/>
-                      </p:stCondLst>
-                      <p:childTnLst>
-                        <p:par>
-                          <p:cTn id="19" fill="hold">
-                            <p:stCondLst>
-                              <p:cond delay="0"/>
-                            </p:stCondLst>
-                            <p:childTnLst>
-                              <p:par>
-                                <p:cTn id="20" presetID="3" presetClass="entr" presetSubtype="10" fill="hold" nodeType="clickEffect">
-                                  <p:stCondLst>
-                                    <p:cond delay="0"/>
-                                  </p:stCondLst>
-                                  <p:childTnLst>
-                                    <p:set>
-                                      <p:cBhvr>
-                                        <p:cTn id="21" dur="1" fill="hold">
-                                          <p:stCondLst>
-                                            <p:cond delay="0"/>
-                                          </p:stCondLst>
-                                        </p:cTn>
-                                        <p:tgtEl>
-                                          <p:spTgt spid="26626">
-                                            <p:txEl>
-                                              <p:pRg st="3" end="3"/>
-                                            </p:txEl>
-                                          </p:spTgt>
-                                        </p:tgtEl>
-                                        <p:attrNameLst>
-                                          <p:attrName>style.visibility</p:attrName>
-                                        </p:attrNameLst>
-                                      </p:cBhvr>
-                                      <p:to>
-                                        <p:strVal val="visible"/>
-                                      </p:to>
-                                    </p:set>
-                                    <p:animEffect transition="in" filter="blinds(horizontal)">
-                                      <p:cBhvr>
-                                        <p:cTn id="22" dur="500"/>
-                                        <p:tgtEl>
-                                          <p:spTgt spid="26626">
-                                            <p:txEl>
-                                              <p:pRg st="3" end="3"/>
-                                            </p:txEl>
-                                          </p:spTgt>
-                                        </p:tgtEl>
-                                      </p:cBhvr>
-                                    </p:animEffect>
-                                  </p:childTnLst>
-                                </p:cTn>
-                              </p:par>
-                            </p:childTnLst>
-                          </p:cTn>
-                        </p:par>
-                      </p:childTnLst>
-                    </p:cTn>
-                  </p:par>
-                </p:childTnLst>
-              </p:cTn>
-              <p:prevCondLst>
-                <p:cond evt="onPrev" delay="0">
-                  <p:tgtEl>
-                    <p:sldTgt/>
-                  </p:tgtEl>
-                </p:cond>
-              </p:prevCondLst>
-              <p:nextCondLst>
-                <p:cond evt="onNext" delay="0">
-                  <p:tgtEl>
-                    <p:sldTgt/>
-                  </p:tgtEl>
-                </p:cond>
-              </p:nextCondLst>
-            </p:seq>
-          </p:childTnLst>
-        </p:cTn>
-      </p:par>
-    </p:tnLst>
-  </p:timing>
-</p:sld>
-</file>
-
-<file path=ppt/slides/slide24.xml><?xml version="1.0" encoding="utf-8"?>
+<file path=ppt/slides/slide28.xml><?xml version="1.0" encoding="utf-8"?>
 <p:sld xmlns:a="http://schemas.openxmlformats.org/drawingml/2006/main" xmlns:r="http://schemas.openxmlformats.org/officeDocument/2006/relationships" xmlns:p="http://schemas.openxmlformats.org/presentationml/2006/main">
   <p:cSld>
     <p:spTree>

--- a/predavanja/prezentacije/OOP11-Apstraktne klase i interfejsi.pptx
+++ b/predavanja/prezentacije/OOP11-Apstraktne klase i interfejsi.pptx
@@ -1894,15 +1894,15 @@
               <a:t>/</a:t>
             </a:r>
             <a:r>
-              <a:rPr lang="sr-Cyrl-RS" altLang="sr-Latn-RS" sz="800" smtClean="0">
+              <a:rPr lang="sr-Cyrl-RS" altLang="sr-Latn-RS" sz="800" dirty="0" smtClean="0">
                 <a:solidFill>
                   <a:srgbClr val="6767FF"/>
                 </a:solidFill>
                 <a:cs typeface="Arial" panose="020B0604020202020204" pitchFamily="34" charset="0"/>
               </a:rPr>
-              <a:t>23</a:t>
-            </a:r>
-            <a:endParaRPr lang="en-US" altLang="sr-Latn-RS" sz="800">
+              <a:t>28</a:t>
+            </a:r>
+            <a:endParaRPr lang="en-US" altLang="sr-Latn-RS" sz="800" dirty="0">
               <a:solidFill>
                 <a:srgbClr val="6767FF"/>
               </a:solidFill>
@@ -14411,13 +14411,7 @@
               <a:rPr lang="sr-Cyrl-RS" dirty="0" smtClean="0">
                 <a:latin typeface="Garamond" pitchFamily="18" charset="0"/>
               </a:rPr>
-              <a:t>ако </a:t>
-            </a:r>
-            <a:r>
-              <a:rPr lang="sr-Cyrl-RS" dirty="0" smtClean="0">
-                <a:latin typeface="Garamond" pitchFamily="18" charset="0"/>
-              </a:rPr>
-              <a:t>би се у оквиру једне класе налазила функционалност за пословну логику и за чување података примерка у датотеку или у базу, то би нарушавало овај принцип</a:t>
+              <a:t>ако би се у оквиру једне класе налазила функционалност за пословну логику и за чување података примерка у датотеку или у базу, то би нарушавало овај принцип</a:t>
             </a:r>
             <a:r>
               <a:rPr lang="en-US" dirty="0" smtClean="0">
@@ -14425,9 +14419,6 @@
               </a:rPr>
               <a:t> </a:t>
             </a:r>
-            <a:endParaRPr lang="en-US" dirty="0" smtClean="0">
-              <a:latin typeface="Garamond" pitchFamily="18" charset="0"/>
-            </a:endParaRPr>
           </a:p>
           <a:p>
             <a:pPr marL="342900" indent="-342900">
@@ -14460,9 +14451,6 @@
               </a:rPr>
               <a:t>Мање функционалности у једној класи такође значи да има мање зависности од осталих класа, што доводи до боље организације кода, јер се мање класе са јасном сврхом могу лакше пронаћи</a:t>
             </a:r>
-            <a:endParaRPr lang="sr-Cyrl-RS" dirty="0" smtClean="0">
-              <a:latin typeface="Garamond" pitchFamily="18" charset="0"/>
-            </a:endParaRPr>
           </a:p>
           <a:p>
             <a:pPr marL="342900" indent="-342900">
@@ -15101,7 +15089,7 @@
         <p:spPr bwMode="auto">
           <a:xfrm>
             <a:off x="539750" y="1416050"/>
-            <a:ext cx="8451850" cy="907941"/>
+            <a:ext cx="8451850" cy="5355312"/>
           </a:xfrm>
           <a:prstGeom prst="rect">
             <a:avLst/>
@@ -15264,28 +15252,16 @@
               <a:t>O</a:t>
             </a:r>
             <a:r>
-              <a:rPr lang="en-US" b="1" dirty="0" smtClean="0">
-                <a:latin typeface="Garamond" pitchFamily="18" charset="0"/>
-              </a:rPr>
-              <a:t>pen closed</a:t>
-            </a:r>
-            <a:r>
               <a:rPr lang="en-US" dirty="0" smtClean="0">
                 <a:latin typeface="Garamond" pitchFamily="18" charset="0"/>
               </a:rPr>
-              <a:t>) </a:t>
-            </a:r>
-            <a:r>
-              <a:rPr lang="en-US" dirty="0" smtClean="0">
-                <a:latin typeface="Garamond" pitchFamily="18" charset="0"/>
-              </a:rPr>
-              <a:t>– </a:t>
+              <a:t>pen closed) – </a:t>
             </a:r>
             <a:r>
               <a:rPr lang="sr-Cyrl-RS" dirty="0" smtClean="0">
                 <a:latin typeface="Garamond" pitchFamily="18" charset="0"/>
               </a:rPr>
-              <a:t> </a:t>
+              <a:t>Софтверске компонете треба да буду отворене за проширивање, али затворене за модификацију</a:t>
             </a:r>
             <a:endParaRPr lang="sr-Cyrl-RS" dirty="0" smtClean="0">
               <a:latin typeface="Garamond" pitchFamily="18" charset="0"/>
@@ -15311,6 +15287,101 @@
                 <a:latin typeface="Garamond" pitchFamily="18" charset="0"/>
               </a:rPr>
               <a:t>, </a:t>
+            </a:r>
+            <a:r>
+              <a:rPr lang="sr-Cyrl-RS" dirty="0" smtClean="0">
+                <a:latin typeface="Garamond" pitchFamily="18" charset="0"/>
+              </a:rPr>
+              <a:t>класа треба да буде структуирана тако да реализује своје задатке без претпостављања да ће у будућности бити мењано њено понашање</a:t>
+            </a:r>
+          </a:p>
+          <a:p>
+            <a:pPr marL="342900" indent="-342900">
+              <a:spcBef>
+                <a:spcPts val="600"/>
+              </a:spcBef>
+              <a:buFont typeface="Arial" panose="020B0604020202020204" pitchFamily="34" charset="0"/>
+              <a:buChar char="•"/>
+              <a:defRPr/>
+            </a:pPr>
+            <a:r>
+              <a:rPr lang="sr-Cyrl-RS" dirty="0" smtClean="0">
+                <a:latin typeface="Garamond" pitchFamily="18" charset="0"/>
+              </a:rPr>
+              <a:t>Истовремено, треба да буде омогућено проширивање функционалности класе, на следећи начин:</a:t>
+            </a:r>
+            <a:endParaRPr lang="en-US" dirty="0">
+              <a:latin typeface="Garamond" pitchFamily="18" charset="0"/>
+            </a:endParaRPr>
+          </a:p>
+          <a:p>
+            <a:pPr marL="1085850" lvl="1" indent="-342900">
+              <a:spcBef>
+                <a:spcPts val="600"/>
+              </a:spcBef>
+              <a:buFont typeface="Arial" panose="020B0604020202020204" pitchFamily="34" charset="0"/>
+              <a:buChar char="•"/>
+              <a:defRPr/>
+            </a:pPr>
+            <a:r>
+              <a:rPr lang="sr-Cyrl-RS" dirty="0" smtClean="0">
+                <a:latin typeface="Garamond" pitchFamily="18" charset="0"/>
+              </a:rPr>
+              <a:t>Наслеђивањем дате класе</a:t>
+            </a:r>
+            <a:endParaRPr lang="en-US" dirty="0">
+              <a:latin typeface="Garamond" pitchFamily="18" charset="0"/>
+            </a:endParaRPr>
+          </a:p>
+          <a:p>
+            <a:pPr marL="1085850" lvl="1" indent="-342900">
+              <a:spcBef>
+                <a:spcPts val="600"/>
+              </a:spcBef>
+              <a:buFont typeface="Arial" panose="020B0604020202020204" pitchFamily="34" charset="0"/>
+              <a:buChar char="•"/>
+              <a:defRPr/>
+            </a:pPr>
+            <a:r>
+              <a:rPr lang="sr-Cyrl-RS" dirty="0" smtClean="0">
+                <a:latin typeface="Garamond" pitchFamily="18" charset="0"/>
+              </a:rPr>
+              <a:t>Превазилажењем понашања које је захтевано од класе</a:t>
+            </a:r>
+            <a:endParaRPr lang="en-US" dirty="0">
+              <a:latin typeface="Garamond" pitchFamily="18" charset="0"/>
+            </a:endParaRPr>
+          </a:p>
+          <a:p>
+            <a:pPr marL="1085850" lvl="1" indent="-342900">
+              <a:spcBef>
+                <a:spcPts val="600"/>
+              </a:spcBef>
+              <a:buFont typeface="Arial" panose="020B0604020202020204" pitchFamily="34" charset="0"/>
+              <a:buChar char="•"/>
+              <a:defRPr/>
+            </a:pPr>
+            <a:r>
+              <a:rPr lang="sr-Cyrl-RS" dirty="0" smtClean="0">
+                <a:latin typeface="Garamond" pitchFamily="18" charset="0"/>
+              </a:rPr>
+              <a:t>Превазилажењем појединих понашања класе</a:t>
+            </a:r>
+          </a:p>
+          <a:p>
+            <a:pPr marL="342900" indent="-342900">
+              <a:spcBef>
+                <a:spcPts val="600"/>
+              </a:spcBef>
+              <a:buFont typeface="Arial" panose="020B0604020202020204" pitchFamily="34" charset="0"/>
+              <a:buChar char="•"/>
+              <a:defRPr/>
+            </a:pPr>
+            <a:r>
+              <a:rPr lang="sr-Cyrl-RS" dirty="0" smtClean="0">
+                <a:latin typeface="Garamond" pitchFamily="18" charset="0"/>
+              </a:rPr>
+              <a:t>Пример: аналогија са прегледачем и проширењима – укључена проширења не ометају функцију прегледача </a:t>
             </a:r>
           </a:p>
         </p:txBody>
@@ -15626,6 +15697,311 @@
                                           <p:spTgt spid="26626">
                                             <p:txEl>
                                               <p:pRg st="1" end="1"/>
+                                            </p:txEl>
+                                          </p:spTgt>
+                                        </p:tgtEl>
+                                      </p:cBhvr>
+                                    </p:animEffect>
+                                  </p:childTnLst>
+                                </p:cTn>
+                              </p:par>
+                            </p:childTnLst>
+                          </p:cTn>
+                        </p:par>
+                      </p:childTnLst>
+                    </p:cTn>
+                  </p:par>
+                  <p:par>
+                    <p:cTn id="13" fill="hold">
+                      <p:stCondLst>
+                        <p:cond delay="indefinite"/>
+                      </p:stCondLst>
+                      <p:childTnLst>
+                        <p:par>
+                          <p:cTn id="14" fill="hold">
+                            <p:stCondLst>
+                              <p:cond delay="0"/>
+                            </p:stCondLst>
+                            <p:childTnLst>
+                              <p:par>
+                                <p:cTn id="15" presetID="3" presetClass="entr" presetSubtype="10" fill="hold" nodeType="clickEffect">
+                                  <p:stCondLst>
+                                    <p:cond delay="0"/>
+                                  </p:stCondLst>
+                                  <p:childTnLst>
+                                    <p:set>
+                                      <p:cBhvr>
+                                        <p:cTn id="16" dur="1" fill="hold">
+                                          <p:stCondLst>
+                                            <p:cond delay="0"/>
+                                          </p:stCondLst>
+                                        </p:cTn>
+                                        <p:tgtEl>
+                                          <p:spTgt spid="26626">
+                                            <p:txEl>
+                                              <p:pRg st="2" end="2"/>
+                                            </p:txEl>
+                                          </p:spTgt>
+                                        </p:tgtEl>
+                                        <p:attrNameLst>
+                                          <p:attrName>style.visibility</p:attrName>
+                                        </p:attrNameLst>
+                                      </p:cBhvr>
+                                      <p:to>
+                                        <p:strVal val="visible"/>
+                                      </p:to>
+                                    </p:set>
+                                    <p:animEffect transition="in" filter="blinds(horizontal)">
+                                      <p:cBhvr>
+                                        <p:cTn id="17" dur="500"/>
+                                        <p:tgtEl>
+                                          <p:spTgt spid="26626">
+                                            <p:txEl>
+                                              <p:pRg st="2" end="2"/>
+                                            </p:txEl>
+                                          </p:spTgt>
+                                        </p:tgtEl>
+                                      </p:cBhvr>
+                                    </p:animEffect>
+                                  </p:childTnLst>
+                                </p:cTn>
+                              </p:par>
+                            </p:childTnLst>
+                          </p:cTn>
+                        </p:par>
+                      </p:childTnLst>
+                    </p:cTn>
+                  </p:par>
+                  <p:par>
+                    <p:cTn id="18" fill="hold">
+                      <p:stCondLst>
+                        <p:cond delay="indefinite"/>
+                      </p:stCondLst>
+                      <p:childTnLst>
+                        <p:par>
+                          <p:cTn id="19" fill="hold">
+                            <p:stCondLst>
+                              <p:cond delay="0"/>
+                            </p:stCondLst>
+                            <p:childTnLst>
+                              <p:par>
+                                <p:cTn id="20" presetID="3" presetClass="entr" presetSubtype="10" fill="hold" nodeType="clickEffect">
+                                  <p:stCondLst>
+                                    <p:cond delay="0"/>
+                                  </p:stCondLst>
+                                  <p:childTnLst>
+                                    <p:set>
+                                      <p:cBhvr>
+                                        <p:cTn id="21" dur="1" fill="hold">
+                                          <p:stCondLst>
+                                            <p:cond delay="0"/>
+                                          </p:stCondLst>
+                                        </p:cTn>
+                                        <p:tgtEl>
+                                          <p:spTgt spid="26626">
+                                            <p:txEl>
+                                              <p:pRg st="3" end="3"/>
+                                            </p:txEl>
+                                          </p:spTgt>
+                                        </p:tgtEl>
+                                        <p:attrNameLst>
+                                          <p:attrName>style.visibility</p:attrName>
+                                        </p:attrNameLst>
+                                      </p:cBhvr>
+                                      <p:to>
+                                        <p:strVal val="visible"/>
+                                      </p:to>
+                                    </p:set>
+                                    <p:animEffect transition="in" filter="blinds(horizontal)">
+                                      <p:cBhvr>
+                                        <p:cTn id="22" dur="500"/>
+                                        <p:tgtEl>
+                                          <p:spTgt spid="26626">
+                                            <p:txEl>
+                                              <p:pRg st="3" end="3"/>
+                                            </p:txEl>
+                                          </p:spTgt>
+                                        </p:tgtEl>
+                                      </p:cBhvr>
+                                    </p:animEffect>
+                                  </p:childTnLst>
+                                </p:cTn>
+                              </p:par>
+                            </p:childTnLst>
+                          </p:cTn>
+                        </p:par>
+                      </p:childTnLst>
+                    </p:cTn>
+                  </p:par>
+                  <p:par>
+                    <p:cTn id="23" fill="hold">
+                      <p:stCondLst>
+                        <p:cond delay="indefinite"/>
+                      </p:stCondLst>
+                      <p:childTnLst>
+                        <p:par>
+                          <p:cTn id="24" fill="hold">
+                            <p:stCondLst>
+                              <p:cond delay="0"/>
+                            </p:stCondLst>
+                            <p:childTnLst>
+                              <p:par>
+                                <p:cTn id="25" presetID="3" presetClass="entr" presetSubtype="10" fill="hold" nodeType="clickEffect">
+                                  <p:stCondLst>
+                                    <p:cond delay="0"/>
+                                  </p:stCondLst>
+                                  <p:childTnLst>
+                                    <p:set>
+                                      <p:cBhvr>
+                                        <p:cTn id="26" dur="1" fill="hold">
+                                          <p:stCondLst>
+                                            <p:cond delay="0"/>
+                                          </p:stCondLst>
+                                        </p:cTn>
+                                        <p:tgtEl>
+                                          <p:spTgt spid="26626">
+                                            <p:txEl>
+                                              <p:pRg st="4" end="4"/>
+                                            </p:txEl>
+                                          </p:spTgt>
+                                        </p:tgtEl>
+                                        <p:attrNameLst>
+                                          <p:attrName>style.visibility</p:attrName>
+                                        </p:attrNameLst>
+                                      </p:cBhvr>
+                                      <p:to>
+                                        <p:strVal val="visible"/>
+                                      </p:to>
+                                    </p:set>
+                                    <p:animEffect transition="in" filter="blinds(horizontal)">
+                                      <p:cBhvr>
+                                        <p:cTn id="27" dur="500"/>
+                                        <p:tgtEl>
+                                          <p:spTgt spid="26626">
+                                            <p:txEl>
+                                              <p:pRg st="4" end="4"/>
+                                            </p:txEl>
+                                          </p:spTgt>
+                                        </p:tgtEl>
+                                      </p:cBhvr>
+                                    </p:animEffect>
+                                  </p:childTnLst>
+                                </p:cTn>
+                              </p:par>
+                            </p:childTnLst>
+                          </p:cTn>
+                        </p:par>
+                      </p:childTnLst>
+                    </p:cTn>
+                  </p:par>
+                  <p:par>
+                    <p:cTn id="28" fill="hold">
+                      <p:stCondLst>
+                        <p:cond delay="indefinite"/>
+                      </p:stCondLst>
+                      <p:childTnLst>
+                        <p:par>
+                          <p:cTn id="29" fill="hold">
+                            <p:stCondLst>
+                              <p:cond delay="0"/>
+                            </p:stCondLst>
+                            <p:childTnLst>
+                              <p:par>
+                                <p:cTn id="30" presetID="3" presetClass="entr" presetSubtype="10" fill="hold" nodeType="clickEffect">
+                                  <p:stCondLst>
+                                    <p:cond delay="0"/>
+                                  </p:stCondLst>
+                                  <p:childTnLst>
+                                    <p:set>
+                                      <p:cBhvr>
+                                        <p:cTn id="31" dur="1" fill="hold">
+                                          <p:stCondLst>
+                                            <p:cond delay="0"/>
+                                          </p:stCondLst>
+                                        </p:cTn>
+                                        <p:tgtEl>
+                                          <p:spTgt spid="26626">
+                                            <p:txEl>
+                                              <p:pRg st="5" end="5"/>
+                                            </p:txEl>
+                                          </p:spTgt>
+                                        </p:tgtEl>
+                                        <p:attrNameLst>
+                                          <p:attrName>style.visibility</p:attrName>
+                                        </p:attrNameLst>
+                                      </p:cBhvr>
+                                      <p:to>
+                                        <p:strVal val="visible"/>
+                                      </p:to>
+                                    </p:set>
+                                    <p:animEffect transition="in" filter="blinds(horizontal)">
+                                      <p:cBhvr>
+                                        <p:cTn id="32" dur="500"/>
+                                        <p:tgtEl>
+                                          <p:spTgt spid="26626">
+                                            <p:txEl>
+                                              <p:pRg st="5" end="5"/>
+                                            </p:txEl>
+                                          </p:spTgt>
+                                        </p:tgtEl>
+                                      </p:cBhvr>
+                                    </p:animEffect>
+                                  </p:childTnLst>
+                                </p:cTn>
+                              </p:par>
+                            </p:childTnLst>
+                          </p:cTn>
+                        </p:par>
+                      </p:childTnLst>
+                    </p:cTn>
+                  </p:par>
+                  <p:par>
+                    <p:cTn id="33" fill="hold">
+                      <p:stCondLst>
+                        <p:cond delay="indefinite"/>
+                      </p:stCondLst>
+                      <p:childTnLst>
+                        <p:par>
+                          <p:cTn id="34" fill="hold">
+                            <p:stCondLst>
+                              <p:cond delay="0"/>
+                            </p:stCondLst>
+                            <p:childTnLst>
+                              <p:par>
+                                <p:cTn id="35" presetID="3" presetClass="entr" presetSubtype="10" fill="hold" nodeType="clickEffect">
+                                  <p:stCondLst>
+                                    <p:cond delay="0"/>
+                                  </p:stCondLst>
+                                  <p:childTnLst>
+                                    <p:set>
+                                      <p:cBhvr>
+                                        <p:cTn id="36" dur="1" fill="hold">
+                                          <p:stCondLst>
+                                            <p:cond delay="0"/>
+                                          </p:stCondLst>
+                                        </p:cTn>
+                                        <p:tgtEl>
+                                          <p:spTgt spid="26626">
+                                            <p:txEl>
+                                              <p:pRg st="6" end="6"/>
+                                            </p:txEl>
+                                          </p:spTgt>
+                                        </p:tgtEl>
+                                        <p:attrNameLst>
+                                          <p:attrName>style.visibility</p:attrName>
+                                        </p:attrNameLst>
+                                      </p:cBhvr>
+                                      <p:to>
+                                        <p:strVal val="visible"/>
+                                      </p:to>
+                                    </p:set>
+                                    <p:animEffect transition="in" filter="blinds(horizontal)">
+                                      <p:cBhvr>
+                                        <p:cTn id="37" dur="500"/>
+                                        <p:tgtEl>
+                                          <p:spTgt spid="26626">
+                                            <p:txEl>
+                                              <p:pRg st="6" end="6"/>
                                             </p:txEl>
                                           </p:spTgt>
                                         </p:tgtEl>
@@ -16063,7 +16439,7 @@
         <p:spPr bwMode="auto">
           <a:xfrm>
             <a:off x="539750" y="1416050"/>
-            <a:ext cx="8451850" cy="5724644"/>
+            <a:ext cx="8451850" cy="4385816"/>
           </a:xfrm>
           <a:prstGeom prst="rect">
             <a:avLst/>
@@ -16205,26 +16581,53 @@
               <a:rPr lang="sr-Cyrl-RS" dirty="0" smtClean="0">
                 <a:latin typeface="Garamond" pitchFamily="18" charset="0"/>
               </a:rPr>
-              <a:t>Принцип једнозначне одговорности (</a:t>
-            </a:r>
-            <a:r>
-              <a:rPr lang="en-US" b="1" u="sng" dirty="0" smtClean="0">
-                <a:latin typeface="Garamond" pitchFamily="18" charset="0"/>
-              </a:rPr>
-              <a:t>S</a:t>
+              <a:t>Принцип </a:t>
+            </a:r>
+            <a:r>
+              <a:rPr lang="sr-Cyrl-RS" dirty="0" smtClean="0">
+                <a:latin typeface="Garamond" pitchFamily="18" charset="0"/>
+              </a:rPr>
+              <a:t>замене Лисков (</a:t>
+            </a:r>
+            <a:r>
+              <a:rPr lang="en-US" b="1" u="sng" dirty="0" err="1" smtClean="0">
+                <a:latin typeface="Garamond" pitchFamily="18" charset="0"/>
+              </a:rPr>
+              <a:t>L</a:t>
+            </a:r>
+            <a:r>
+              <a:rPr lang="en-US" dirty="0" err="1" smtClean="0">
+                <a:latin typeface="Garamond" pitchFamily="18" charset="0"/>
+              </a:rPr>
+              <a:t>iskov</a:t>
             </a:r>
             <a:r>
               <a:rPr lang="en-US" dirty="0" smtClean="0">
                 <a:latin typeface="Garamond" pitchFamily="18" charset="0"/>
               </a:rPr>
-              <a:t>ingle responsibility) – </a:t>
+              <a:t> substitution) </a:t>
+            </a:r>
+            <a:r>
+              <a:rPr lang="en-US" dirty="0">
+                <a:latin typeface="Garamond" pitchFamily="18" charset="0"/>
+              </a:rPr>
+              <a:t>– </a:t>
             </a:r>
             <a:r>
               <a:rPr lang="sr-Cyrl-RS" dirty="0" smtClean="0">
                 <a:latin typeface="Garamond" pitchFamily="18" charset="0"/>
               </a:rPr>
-              <a:t>свака класа треба да има тачно једну одговорност </a:t>
-            </a:r>
+              <a:t>Примерци поткласа морају да буду у могућности да у потпуности (у свим аспектима и контекстима) замењују примерке надкласе.</a:t>
+            </a:r>
+            <a:r>
+              <a:rPr lang="sr-Cyrl-RS" dirty="0" smtClean="0">
+                <a:latin typeface="Garamond" pitchFamily="18" charset="0"/>
+              </a:rPr>
+              <a:t> </a:t>
+            </a:r>
+            <a:endParaRPr lang="sr-Cyrl-RS" dirty="0" smtClean="0">
+              <a:latin typeface="Garamond" pitchFamily="18" charset="0"/>
+            </a:endParaRPr>
           </a:p>
           <a:p>
             <a:pPr marL="342900" indent="-342900">
@@ -16239,20 +16642,107 @@
               <a:rPr lang="sr-Cyrl-RS" dirty="0" smtClean="0">
                 <a:latin typeface="Garamond" pitchFamily="18" charset="0"/>
               </a:rPr>
-              <a:t>По овом принципу</a:t>
+              <a:t>Принцип захтева да: ако је</a:t>
             </a:r>
             <a:r>
               <a:rPr lang="en-US" dirty="0" smtClean="0">
                 <a:latin typeface="Garamond" pitchFamily="18" charset="0"/>
               </a:rPr>
+              <a:t> </a:t>
+            </a:r>
+            <a:r>
+              <a:rPr lang="en-US" sz="2000" dirty="0">
+                <a:latin typeface="+mn-lt"/>
+              </a:rPr>
+              <a:t>S</a:t>
+            </a:r>
+            <a:r>
+              <a:rPr lang="en-US" dirty="0">
+                <a:latin typeface="Garamond" pitchFamily="18" charset="0"/>
+              </a:rPr>
+              <a:t> </a:t>
+            </a:r>
+            <a:r>
+              <a:rPr lang="sr-Cyrl-RS" dirty="0" smtClean="0">
+                <a:latin typeface="Garamond" pitchFamily="18" charset="0"/>
+              </a:rPr>
+              <a:t>подтип типа</a:t>
+            </a:r>
+            <a:r>
+              <a:rPr lang="en-US" dirty="0" smtClean="0">
+                <a:latin typeface="Garamond" pitchFamily="18" charset="0"/>
+              </a:rPr>
+              <a:t> </a:t>
+            </a:r>
+            <a:r>
+              <a:rPr lang="en-US" sz="2000" dirty="0">
+                <a:latin typeface="+mn-lt"/>
+              </a:rPr>
+              <a:t>T</a:t>
+            </a:r>
+            <a:r>
+              <a:rPr lang="en-US" dirty="0">
+                <a:latin typeface="Garamond" pitchFamily="18" charset="0"/>
+              </a:rPr>
               <a:t>, </a:t>
             </a:r>
             <a:r>
               <a:rPr lang="sr-Cyrl-RS" dirty="0" smtClean="0">
                 <a:latin typeface="Garamond" pitchFamily="18" charset="0"/>
               </a:rPr>
-              <a:t>може постојати само један разлог због ког класа треба да буде промењена </a:t>
-            </a:r>
+              <a:t>тада објекти типа</a:t>
+            </a:r>
+            <a:r>
+              <a:rPr lang="en-US" dirty="0" smtClean="0">
+                <a:latin typeface="Garamond" pitchFamily="18" charset="0"/>
+              </a:rPr>
+              <a:t> </a:t>
+            </a:r>
+            <a:r>
+              <a:rPr lang="en-US" sz="2000" dirty="0">
+                <a:latin typeface="+mn-lt"/>
+              </a:rPr>
+              <a:t>T</a:t>
+            </a:r>
+            <a:r>
+              <a:rPr lang="en-US" dirty="0">
+                <a:latin typeface="Garamond" pitchFamily="18" charset="0"/>
+              </a:rPr>
+              <a:t> </a:t>
+            </a:r>
+            <a:r>
+              <a:rPr lang="sr-Cyrl-RS" dirty="0" smtClean="0">
+                <a:latin typeface="Garamond" pitchFamily="18" charset="0"/>
+              </a:rPr>
+              <a:t>у програму могу бити замењени објектима типа</a:t>
+            </a:r>
+            <a:r>
+              <a:rPr lang="en-US" dirty="0" smtClean="0">
+                <a:latin typeface="Garamond" pitchFamily="18" charset="0"/>
+              </a:rPr>
+              <a:t> </a:t>
+            </a:r>
+            <a:r>
+              <a:rPr lang="en-US" sz="2000" dirty="0">
+                <a:latin typeface="+mn-lt"/>
+              </a:rPr>
+              <a:t>S</a:t>
+            </a:r>
+            <a:r>
+              <a:rPr lang="en-US" dirty="0">
+                <a:latin typeface="Garamond" pitchFamily="18" charset="0"/>
+              </a:rPr>
+              <a:t> </a:t>
+            </a:r>
+            <a:r>
+              <a:rPr lang="sr-Cyrl-RS" dirty="0" smtClean="0">
+                <a:latin typeface="Garamond" pitchFamily="18" charset="0"/>
+              </a:rPr>
+              <a:t>без промене пожељних особина програма</a:t>
+            </a:r>
+            <a:endParaRPr lang="sr-Cyrl-RS" dirty="0">
+              <a:latin typeface="Garamond" pitchFamily="18" charset="0"/>
+            </a:endParaRPr>
           </a:p>
           <a:p>
             <a:pPr marL="342900" indent="-342900">
@@ -16264,38 +16754,16 @@
               <a:defRPr/>
             </a:pPr>
             <a:r>
+              <a:rPr lang="en-US" dirty="0" smtClean="0">
+                <a:latin typeface="Garamond" pitchFamily="18" charset="0"/>
+              </a:rPr>
+              <a:t> </a:t>
+            </a:r>
+            <a:r>
               <a:rPr lang="sr-Cyrl-RS" dirty="0" smtClean="0">
                 <a:latin typeface="Garamond" pitchFamily="18" charset="0"/>
               </a:rPr>
-              <a:t>Класа треба да реализује само један задатак</a:t>
-            </a:r>
-          </a:p>
-          <a:p>
-            <a:pPr marL="1085850" lvl="1" indent="-342900">
-              <a:spcBef>
-                <a:spcPts val="600"/>
-              </a:spcBef>
-              <a:buFont typeface="Arial" panose="020B0604020202020204" pitchFamily="34" charset="0"/>
-              <a:buChar char="•"/>
-              <a:defRPr/>
-            </a:pPr>
-            <a:r>
-              <a:rPr lang="sr-Cyrl-RS" dirty="0" smtClean="0">
-                <a:latin typeface="Garamond" pitchFamily="18" charset="0"/>
-              </a:rPr>
-              <a:t>ако </a:t>
-            </a:r>
-            <a:r>
-              <a:rPr lang="sr-Cyrl-RS" dirty="0" smtClean="0">
-                <a:latin typeface="Garamond" pitchFamily="18" charset="0"/>
-              </a:rPr>
-              <a:t>би се у оквиру једне класе налазила функционалност за пословну логику и за чување података примерка у датотеку или у базу, то би нарушавало овај принцип</a:t>
-            </a:r>
-            <a:r>
-              <a:rPr lang="en-US" dirty="0" smtClean="0">
-                <a:latin typeface="Garamond" pitchFamily="18" charset="0"/>
-              </a:rPr>
-              <a:t> </a:t>
+              <a:t>Другим речима, класа мора реализовати све уговоре својих надкласа</a:t>
             </a:r>
             <a:endParaRPr lang="en-US" dirty="0" smtClean="0">
               <a:latin typeface="Garamond" pitchFamily="18" charset="0"/>
@@ -16314,37 +16782,8 @@
               <a:rPr lang="sr-Cyrl-RS" dirty="0" smtClean="0">
                 <a:latin typeface="Garamond" pitchFamily="18" charset="0"/>
               </a:rPr>
-              <a:t>Када се поштује овај принцип, тестирање је једноставније</a:t>
-            </a:r>
-          </a:p>
-          <a:p>
-            <a:pPr marL="342900" indent="-342900">
-              <a:spcBef>
-                <a:spcPts val="600"/>
-              </a:spcBef>
-              <a:buFont typeface="Arial" panose="020B0604020202020204" pitchFamily="34" charset="0"/>
-              <a:buChar char="•"/>
-              <a:defRPr/>
-            </a:pPr>
-            <a:r>
-              <a:rPr lang="sr-Cyrl-RS" dirty="0" smtClean="0">
-                <a:latin typeface="Garamond" pitchFamily="18" charset="0"/>
-              </a:rPr>
-              <a:t>Мање функционалности у једној класи такође значи да има мање зависности од осталих класа, што доводи до боље организације кода, јер се мање класе са јасном сврхом могу лакше пронаћи</a:t>
-            </a:r>
-            <a:endParaRPr lang="sr-Cyrl-RS" dirty="0" smtClean="0">
-              <a:latin typeface="Garamond" pitchFamily="18" charset="0"/>
-            </a:endParaRPr>
-          </a:p>
-          <a:p>
-            <a:pPr marL="342900" indent="-342900">
-              <a:spcBef>
-                <a:spcPts val="600"/>
-              </a:spcBef>
-              <a:buFont typeface="Arial" panose="020B0604020202020204" pitchFamily="34" charset="0"/>
-              <a:buChar char="•"/>
-              <a:defRPr/>
-            </a:pPr>
+              <a:t>Поштовањем овог принципа се спречава злоупотреба наслеђивања. Такође, тиме се постиже сагласност са односом наслеђивања „јесте“</a:t>
+            </a:r>
             <a:endParaRPr lang="en-US" dirty="0" smtClean="0">
               <a:latin typeface="Garamond" pitchFamily="18" charset="0"/>
             </a:endParaRPr>
@@ -16784,128 +17223,6 @@
                                           <p:spTgt spid="26626">
                                             <p:txEl>
                                               <p:pRg st="3" end="3"/>
-                                            </p:txEl>
-                                          </p:spTgt>
-                                        </p:tgtEl>
-                                      </p:cBhvr>
-                                    </p:animEffect>
-                                  </p:childTnLst>
-                                </p:cTn>
-                              </p:par>
-                            </p:childTnLst>
-                          </p:cTn>
-                        </p:par>
-                      </p:childTnLst>
-                    </p:cTn>
-                  </p:par>
-                  <p:par>
-                    <p:cTn id="23" fill="hold">
-                      <p:stCondLst>
-                        <p:cond delay="indefinite"/>
-                      </p:stCondLst>
-                      <p:childTnLst>
-                        <p:par>
-                          <p:cTn id="24" fill="hold">
-                            <p:stCondLst>
-                              <p:cond delay="0"/>
-                            </p:stCondLst>
-                            <p:childTnLst>
-                              <p:par>
-                                <p:cTn id="25" presetID="3" presetClass="entr" presetSubtype="10" fill="hold" nodeType="clickEffect">
-                                  <p:stCondLst>
-                                    <p:cond delay="0"/>
-                                  </p:stCondLst>
-                                  <p:childTnLst>
-                                    <p:set>
-                                      <p:cBhvr>
-                                        <p:cTn id="26" dur="1" fill="hold">
-                                          <p:stCondLst>
-                                            <p:cond delay="0"/>
-                                          </p:stCondLst>
-                                        </p:cTn>
-                                        <p:tgtEl>
-                                          <p:spTgt spid="26626">
-                                            <p:txEl>
-                                              <p:pRg st="4" end="4"/>
-                                            </p:txEl>
-                                          </p:spTgt>
-                                        </p:tgtEl>
-                                        <p:attrNameLst>
-                                          <p:attrName>style.visibility</p:attrName>
-                                        </p:attrNameLst>
-                                      </p:cBhvr>
-                                      <p:to>
-                                        <p:strVal val="visible"/>
-                                      </p:to>
-                                    </p:set>
-                                    <p:animEffect transition="in" filter="blinds(horizontal)">
-                                      <p:cBhvr>
-                                        <p:cTn id="27" dur="500"/>
-                                        <p:tgtEl>
-                                          <p:spTgt spid="26626">
-                                            <p:txEl>
-                                              <p:pRg st="4" end="4"/>
-                                            </p:txEl>
-                                          </p:spTgt>
-                                        </p:tgtEl>
-                                      </p:cBhvr>
-                                    </p:animEffect>
-                                  </p:childTnLst>
-                                </p:cTn>
-                              </p:par>
-                            </p:childTnLst>
-                          </p:cTn>
-                        </p:par>
-                      </p:childTnLst>
-                    </p:cTn>
-                  </p:par>
-                  <p:par>
-                    <p:cTn id="28" fill="hold">
-                      <p:stCondLst>
-                        <p:cond delay="indefinite"/>
-                      </p:stCondLst>
-                      <p:childTnLst>
-                        <p:par>
-                          <p:cTn id="29" fill="hold">
-                            <p:stCondLst>
-                              <p:cond delay="0"/>
-                            </p:stCondLst>
-                            <p:childTnLst>
-                              <p:par>
-                                <p:cTn id="30" presetID="3" presetClass="entr" presetSubtype="10" fill="hold" nodeType="clickEffect">
-                                  <p:stCondLst>
-                                    <p:cond delay="0"/>
-                                  </p:stCondLst>
-                                  <p:childTnLst>
-                                    <p:set>
-                                      <p:cBhvr>
-                                        <p:cTn id="31" dur="1" fill="hold">
-                                          <p:stCondLst>
-                                            <p:cond delay="0"/>
-                                          </p:stCondLst>
-                                        </p:cTn>
-                                        <p:tgtEl>
-                                          <p:spTgt spid="26626">
-                                            <p:txEl>
-                                              <p:pRg st="5" end="5"/>
-                                            </p:txEl>
-                                          </p:spTgt>
-                                        </p:tgtEl>
-                                        <p:attrNameLst>
-                                          <p:attrName>style.visibility</p:attrName>
-                                        </p:attrNameLst>
-                                      </p:cBhvr>
-                                      <p:to>
-                                        <p:strVal val="visible"/>
-                                      </p:to>
-                                    </p:set>
-                                    <p:animEffect transition="in" filter="blinds(horizontal)">
-                                      <p:cBhvr>
-                                        <p:cTn id="32" dur="500"/>
-                                        <p:tgtEl>
-                                          <p:spTgt spid="26626">
-                                            <p:txEl>
-                                              <p:pRg st="5" end="5"/>
                                             </p:txEl>
                                           </p:spTgt>
                                         </p:tgtEl>
@@ -16973,7 +17290,7 @@
         <p:spPr bwMode="auto">
           <a:xfrm>
             <a:off x="539750" y="1416050"/>
-            <a:ext cx="8451850" cy="5724644"/>
+            <a:ext cx="8451850" cy="3277820"/>
           </a:xfrm>
           <a:prstGeom prst="rect">
             <a:avLst/>
@@ -17112,102 +17429,60 @@
               <a:defRPr/>
             </a:pPr>
             <a:r>
+              <a:rPr lang="sr-Cyrl-RS" dirty="0">
+                <a:latin typeface="Garamond" pitchFamily="18" charset="0"/>
+              </a:rPr>
+              <a:t>Принцип раздвајања </a:t>
+            </a:r>
+            <a:r>
               <a:rPr lang="sr-Cyrl-RS" dirty="0" smtClean="0">
                 <a:latin typeface="Garamond" pitchFamily="18" charset="0"/>
               </a:rPr>
-              <a:t>Принцип једнозначне одговорности (</a:t>
-            </a:r>
-            <a:r>
-              <a:rPr lang="en-US" b="1" u="sng" dirty="0" smtClean="0">
-                <a:latin typeface="Garamond" pitchFamily="18" charset="0"/>
-              </a:rPr>
-              <a:t>S</a:t>
+              <a:t>интерфејса</a:t>
             </a:r>
             <a:r>
               <a:rPr lang="en-US" dirty="0" smtClean="0">
                 <a:latin typeface="Garamond" pitchFamily="18" charset="0"/>
               </a:rPr>
-              <a:t>ingle responsibility) – </a:t>
+              <a:t> </a:t>
             </a:r>
             <a:r>
               <a:rPr lang="sr-Cyrl-RS" dirty="0" smtClean="0">
                 <a:latin typeface="Garamond" pitchFamily="18" charset="0"/>
               </a:rPr>
-              <a:t>свака класа треба да има тачно једну одговорност </a:t>
-            </a:r>
-          </a:p>
-          <a:p>
-            <a:pPr marL="342900" indent="-342900">
-              <a:spcBef>
-                <a:spcPts val="600"/>
-              </a:spcBef>
-              <a:buFont typeface="Arial" panose="020B0604020202020204" pitchFamily="34" charset="0"/>
-              <a:buChar char="•"/>
-              <a:defRPr/>
-            </a:pPr>
+              <a:t>(</a:t>
+            </a:r>
+            <a:r>
+              <a:rPr lang="en-US" b="1" u="sng" dirty="0">
+                <a:latin typeface="Garamond" pitchFamily="18" charset="0"/>
+              </a:rPr>
+              <a:t>I</a:t>
+            </a:r>
+            <a:r>
+              <a:rPr lang="en-US" dirty="0">
+                <a:latin typeface="Garamond" pitchFamily="18" charset="0"/>
+              </a:rPr>
+              <a:t>nterface </a:t>
+            </a:r>
+            <a:r>
+              <a:rPr lang="en-US" dirty="0" smtClean="0">
+                <a:latin typeface="Garamond" pitchFamily="18" charset="0"/>
+              </a:rPr>
+              <a:t>segregation</a:t>
+            </a:r>
+            <a:r>
+              <a:rPr lang="en-US" dirty="0" smtClean="0">
+                <a:latin typeface="Garamond" pitchFamily="18" charset="0"/>
+              </a:rPr>
+              <a:t>) –</a:t>
+            </a:r>
             <a:r>
               <a:rPr lang="sr-Cyrl-RS" dirty="0" smtClean="0">
                 <a:latin typeface="Garamond" pitchFamily="18" charset="0"/>
               </a:rPr>
-              <a:t>По овом принципу</a:t>
-            </a:r>
-            <a:r>
-              <a:rPr lang="en-US" dirty="0" smtClean="0">
-                <a:latin typeface="Garamond" pitchFamily="18" charset="0"/>
-              </a:rPr>
-              <a:t>, </a:t>
-            </a:r>
-            <a:r>
-              <a:rPr lang="sr-Cyrl-RS" dirty="0" smtClean="0">
-                <a:latin typeface="Garamond" pitchFamily="18" charset="0"/>
-              </a:rPr>
-              <a:t>може постојати само један разлог због ког класа треба да буде промењена </a:t>
-            </a:r>
-          </a:p>
-          <a:p>
-            <a:pPr marL="342900" indent="-342900">
-              <a:spcBef>
-                <a:spcPts val="600"/>
-              </a:spcBef>
-              <a:buFont typeface="Arial" panose="020B0604020202020204" pitchFamily="34" charset="0"/>
-              <a:buChar char="•"/>
-              <a:defRPr/>
-            </a:pPr>
-            <a:r>
-              <a:rPr lang="sr-Cyrl-RS" dirty="0" smtClean="0">
-                <a:latin typeface="Garamond" pitchFamily="18" charset="0"/>
-              </a:rPr>
-              <a:t>Класа треба да реализује само један задатак</a:t>
-            </a:r>
-          </a:p>
-          <a:p>
-            <a:pPr marL="1085850" lvl="1" indent="-342900">
-              <a:spcBef>
-                <a:spcPts val="600"/>
-              </a:spcBef>
-              <a:buFont typeface="Arial" panose="020B0604020202020204" pitchFamily="34" charset="0"/>
-              <a:buChar char="•"/>
-              <a:defRPr/>
-            </a:pPr>
-            <a:r>
-              <a:rPr lang="sr-Cyrl-RS" dirty="0" smtClean="0">
-                <a:latin typeface="Garamond" pitchFamily="18" charset="0"/>
-              </a:rPr>
-              <a:t>ако </a:t>
-            </a:r>
-            <a:r>
-              <a:rPr lang="sr-Cyrl-RS" dirty="0" smtClean="0">
-                <a:latin typeface="Garamond" pitchFamily="18" charset="0"/>
-              </a:rPr>
-              <a:t>би се у оквиру једне класе налазила функционалност за пословну логику и за чување података примерка у датотеку или у базу, то би нарушавало овај принцип</a:t>
-            </a:r>
-            <a:r>
-              <a:rPr lang="en-US" dirty="0" smtClean="0">
-                <a:latin typeface="Garamond" pitchFamily="18" charset="0"/>
-              </a:rPr>
-              <a:t> </a:t>
-            </a:r>
-            <a:endParaRPr lang="en-US" dirty="0" smtClean="0">
+              <a:t> Клијенти не треба да буду приморани да имплементирају непотребне методе, тј. методе које неће користити</a:t>
+            </a:r>
+            <a:endParaRPr lang="sr-Cyrl-RS" dirty="0" smtClean="0">
               <a:latin typeface="Garamond" pitchFamily="18" charset="0"/>
             </a:endParaRPr>
           </a:p>
@@ -17224,7 +17499,19 @@
               <a:rPr lang="sr-Cyrl-RS" dirty="0" smtClean="0">
                 <a:latin typeface="Garamond" pitchFamily="18" charset="0"/>
               </a:rPr>
-              <a:t>Када се поштује овај принцип, тестирање је једноставније</a:t>
+              <a:t>По овом принципу</a:t>
+            </a:r>
+            <a:r>
+              <a:rPr lang="en-US" dirty="0" smtClean="0">
+                <a:latin typeface="Garamond" pitchFamily="18" charset="0"/>
+              </a:rPr>
+              <a:t>, </a:t>
+            </a:r>
+            <a:r>
+              <a:rPr lang="sr-Cyrl-RS" dirty="0" smtClean="0">
+                <a:latin typeface="Garamond" pitchFamily="18" charset="0"/>
+              </a:rPr>
+              <a:t>клијент никад не сме да има обавезу да зависи од било ког метода који не користи.</a:t>
             </a:r>
           </a:p>
           <a:p>
@@ -17240,7 +17527,19 @@
               <a:rPr lang="sr-Cyrl-RS" dirty="0" smtClean="0">
                 <a:latin typeface="Garamond" pitchFamily="18" charset="0"/>
               </a:rPr>
-              <a:t>Мање функционалности у једној класи такође значи да има мање зависности од осталих класа, што доводи до боље организације кода, јер се мање класе са јасном сврхом могу лакше пронаћи</a:t>
+              <a:t>Другим речима</a:t>
+            </a:r>
+            <a:r>
+              <a:rPr lang="en-US" dirty="0" smtClean="0">
+                <a:latin typeface="Garamond" pitchFamily="18" charset="0"/>
+              </a:rPr>
+              <a:t>, </a:t>
+            </a:r>
+            <a:r>
+              <a:rPr lang="sr-Cyrl-RS" dirty="0" smtClean="0">
+                <a:latin typeface="Garamond" pitchFamily="18" charset="0"/>
+              </a:rPr>
+              <a:t>фаворизују се мали интерфејси који зависе од клијента, а не монолитни и велики интерфејси</a:t>
             </a:r>
             <a:endParaRPr lang="sr-Cyrl-RS" dirty="0" smtClean="0">
               <a:latin typeface="Garamond" pitchFamily="18" charset="0"/>
@@ -17438,11 +17737,6 @@
               </a:rPr>
               <a:t>I</a:t>
             </a:r>
-            <a:endParaRPr lang="en-US" sz="3600" b="1" kern="0" dirty="0">
-              <a:solidFill>
-                <a:srgbClr val="0070C0"/>
-              </a:solidFill>
-            </a:endParaRPr>
           </a:p>
         </p:txBody>
       </p:sp>
@@ -17633,189 +17927,6 @@
                                           <p:spTgt spid="26626">
                                             <p:txEl>
                                               <p:pRg st="2" end="2"/>
-                                            </p:txEl>
-                                          </p:spTgt>
-                                        </p:tgtEl>
-                                      </p:cBhvr>
-                                    </p:animEffect>
-                                  </p:childTnLst>
-                                </p:cTn>
-                              </p:par>
-                            </p:childTnLst>
-                          </p:cTn>
-                        </p:par>
-                      </p:childTnLst>
-                    </p:cTn>
-                  </p:par>
-                  <p:par>
-                    <p:cTn id="18" fill="hold">
-                      <p:stCondLst>
-                        <p:cond delay="indefinite"/>
-                      </p:stCondLst>
-                      <p:childTnLst>
-                        <p:par>
-                          <p:cTn id="19" fill="hold">
-                            <p:stCondLst>
-                              <p:cond delay="0"/>
-                            </p:stCondLst>
-                            <p:childTnLst>
-                              <p:par>
-                                <p:cTn id="20" presetID="3" presetClass="entr" presetSubtype="10" fill="hold" nodeType="clickEffect">
-                                  <p:stCondLst>
-                                    <p:cond delay="0"/>
-                                  </p:stCondLst>
-                                  <p:childTnLst>
-                                    <p:set>
-                                      <p:cBhvr>
-                                        <p:cTn id="21" dur="1" fill="hold">
-                                          <p:stCondLst>
-                                            <p:cond delay="0"/>
-                                          </p:stCondLst>
-                                        </p:cTn>
-                                        <p:tgtEl>
-                                          <p:spTgt spid="26626">
-                                            <p:txEl>
-                                              <p:pRg st="3" end="3"/>
-                                            </p:txEl>
-                                          </p:spTgt>
-                                        </p:tgtEl>
-                                        <p:attrNameLst>
-                                          <p:attrName>style.visibility</p:attrName>
-                                        </p:attrNameLst>
-                                      </p:cBhvr>
-                                      <p:to>
-                                        <p:strVal val="visible"/>
-                                      </p:to>
-                                    </p:set>
-                                    <p:animEffect transition="in" filter="blinds(horizontal)">
-                                      <p:cBhvr>
-                                        <p:cTn id="22" dur="500"/>
-                                        <p:tgtEl>
-                                          <p:spTgt spid="26626">
-                                            <p:txEl>
-                                              <p:pRg st="3" end="3"/>
-                                            </p:txEl>
-                                          </p:spTgt>
-                                        </p:tgtEl>
-                                      </p:cBhvr>
-                                    </p:animEffect>
-                                  </p:childTnLst>
-                                </p:cTn>
-                              </p:par>
-                            </p:childTnLst>
-                          </p:cTn>
-                        </p:par>
-                      </p:childTnLst>
-                    </p:cTn>
-                  </p:par>
-                  <p:par>
-                    <p:cTn id="23" fill="hold">
-                      <p:stCondLst>
-                        <p:cond delay="indefinite"/>
-                      </p:stCondLst>
-                      <p:childTnLst>
-                        <p:par>
-                          <p:cTn id="24" fill="hold">
-                            <p:stCondLst>
-                              <p:cond delay="0"/>
-                            </p:stCondLst>
-                            <p:childTnLst>
-                              <p:par>
-                                <p:cTn id="25" presetID="3" presetClass="entr" presetSubtype="10" fill="hold" nodeType="clickEffect">
-                                  <p:stCondLst>
-                                    <p:cond delay="0"/>
-                                  </p:stCondLst>
-                                  <p:childTnLst>
-                                    <p:set>
-                                      <p:cBhvr>
-                                        <p:cTn id="26" dur="1" fill="hold">
-                                          <p:stCondLst>
-                                            <p:cond delay="0"/>
-                                          </p:stCondLst>
-                                        </p:cTn>
-                                        <p:tgtEl>
-                                          <p:spTgt spid="26626">
-                                            <p:txEl>
-                                              <p:pRg st="4" end="4"/>
-                                            </p:txEl>
-                                          </p:spTgt>
-                                        </p:tgtEl>
-                                        <p:attrNameLst>
-                                          <p:attrName>style.visibility</p:attrName>
-                                        </p:attrNameLst>
-                                      </p:cBhvr>
-                                      <p:to>
-                                        <p:strVal val="visible"/>
-                                      </p:to>
-                                    </p:set>
-                                    <p:animEffect transition="in" filter="blinds(horizontal)">
-                                      <p:cBhvr>
-                                        <p:cTn id="27" dur="500"/>
-                                        <p:tgtEl>
-                                          <p:spTgt spid="26626">
-                                            <p:txEl>
-                                              <p:pRg st="4" end="4"/>
-                                            </p:txEl>
-                                          </p:spTgt>
-                                        </p:tgtEl>
-                                      </p:cBhvr>
-                                    </p:animEffect>
-                                  </p:childTnLst>
-                                </p:cTn>
-                              </p:par>
-                            </p:childTnLst>
-                          </p:cTn>
-                        </p:par>
-                      </p:childTnLst>
-                    </p:cTn>
-                  </p:par>
-                  <p:par>
-                    <p:cTn id="28" fill="hold">
-                      <p:stCondLst>
-                        <p:cond delay="indefinite"/>
-                      </p:stCondLst>
-                      <p:childTnLst>
-                        <p:par>
-                          <p:cTn id="29" fill="hold">
-                            <p:stCondLst>
-                              <p:cond delay="0"/>
-                            </p:stCondLst>
-                            <p:childTnLst>
-                              <p:par>
-                                <p:cTn id="30" presetID="3" presetClass="entr" presetSubtype="10" fill="hold" nodeType="clickEffect">
-                                  <p:stCondLst>
-                                    <p:cond delay="0"/>
-                                  </p:stCondLst>
-                                  <p:childTnLst>
-                                    <p:set>
-                                      <p:cBhvr>
-                                        <p:cTn id="31" dur="1" fill="hold">
-                                          <p:stCondLst>
-                                            <p:cond delay="0"/>
-                                          </p:stCondLst>
-                                        </p:cTn>
-                                        <p:tgtEl>
-                                          <p:spTgt spid="26626">
-                                            <p:txEl>
-                                              <p:pRg st="5" end="5"/>
-                                            </p:txEl>
-                                          </p:spTgt>
-                                        </p:tgtEl>
-                                        <p:attrNameLst>
-                                          <p:attrName>style.visibility</p:attrName>
-                                        </p:attrNameLst>
-                                      </p:cBhvr>
-                                      <p:to>
-                                        <p:strVal val="visible"/>
-                                      </p:to>
-                                    </p:set>
-                                    <p:animEffect transition="in" filter="blinds(horizontal)">
-                                      <p:cBhvr>
-                                        <p:cTn id="32" dur="500"/>
-                                        <p:tgtEl>
-                                          <p:spTgt spid="26626">
-                                            <p:txEl>
-                                              <p:pRg st="5" end="5"/>
                                             </p:txEl>
                                           </p:spTgt>
                                         </p:tgtEl>
@@ -17883,7 +17994,7 @@
         <p:spPr bwMode="auto">
           <a:xfrm>
             <a:off x="539750" y="1416050"/>
-            <a:ext cx="8451850" cy="5724644"/>
+            <a:ext cx="8451850" cy="4832092"/>
           </a:xfrm>
           <a:prstGeom prst="rect">
             <a:avLst/>
@@ -18022,135 +18133,58 @@
               <a:defRPr/>
             </a:pPr>
             <a:r>
+              <a:rPr lang="sr-Cyrl-RS" dirty="0">
+                <a:latin typeface="Garamond" pitchFamily="18" charset="0"/>
+              </a:rPr>
+              <a:t>Принцип инверзије </a:t>
+            </a:r>
+            <a:r>
               <a:rPr lang="sr-Cyrl-RS" dirty="0" smtClean="0">
                 <a:latin typeface="Garamond" pitchFamily="18" charset="0"/>
               </a:rPr>
-              <a:t>Принцип једнозначне одговорности (</a:t>
+              <a:t>зависности</a:t>
+            </a:r>
+            <a:r>
+              <a:rPr lang="en-US" dirty="0" smtClean="0">
+                <a:latin typeface="Garamond" pitchFamily="18" charset="0"/>
+              </a:rPr>
+              <a:t> </a:t>
+            </a:r>
+            <a:r>
+              <a:rPr lang="sr-Cyrl-RS" dirty="0" smtClean="0">
+                <a:latin typeface="Garamond" pitchFamily="18" charset="0"/>
+              </a:rPr>
+              <a:t>(</a:t>
             </a:r>
             <a:r>
               <a:rPr lang="en-US" b="1" u="sng" dirty="0" smtClean="0">
                 <a:latin typeface="Garamond" pitchFamily="18" charset="0"/>
               </a:rPr>
-              <a:t>S</a:t>
+              <a:t>D</a:t>
             </a:r>
             <a:r>
               <a:rPr lang="en-US" dirty="0" smtClean="0">
                 <a:latin typeface="Garamond" pitchFamily="18" charset="0"/>
               </a:rPr>
-              <a:t>ingle responsibility) – </a:t>
+              <a:t>ependency inversion</a:t>
+            </a:r>
+            <a:r>
+              <a:rPr lang="en-US" dirty="0">
+                <a:latin typeface="Garamond" pitchFamily="18" charset="0"/>
+              </a:rPr>
+              <a:t>) </a:t>
+            </a:r>
+            <a:r>
+              <a:rPr lang="en-US" dirty="0" smtClean="0">
+                <a:latin typeface="Garamond" pitchFamily="18" charset="0"/>
+              </a:rPr>
+              <a:t>–</a:t>
             </a:r>
             <a:r>
               <a:rPr lang="sr-Cyrl-RS" dirty="0" smtClean="0">
                 <a:latin typeface="Garamond" pitchFamily="18" charset="0"/>
               </a:rPr>
-              <a:t>свака класа треба да има тачно једну одговорност </a:t>
-            </a:r>
-          </a:p>
-          <a:p>
-            <a:pPr marL="342900" indent="-342900">
-              <a:spcBef>
-                <a:spcPts val="600"/>
-              </a:spcBef>
-              <a:buFont typeface="Arial" panose="020B0604020202020204" pitchFamily="34" charset="0"/>
-              <a:buChar char="•"/>
-              <a:defRPr/>
-            </a:pPr>
-            <a:r>
-              <a:rPr lang="sr-Cyrl-RS" dirty="0" smtClean="0">
-                <a:latin typeface="Garamond" pitchFamily="18" charset="0"/>
-              </a:rPr>
-              <a:t>По овом принципу</a:t>
-            </a:r>
-            <a:r>
-              <a:rPr lang="en-US" dirty="0" smtClean="0">
-                <a:latin typeface="Garamond" pitchFamily="18" charset="0"/>
-              </a:rPr>
-              <a:t>, </a:t>
-            </a:r>
-            <a:r>
-              <a:rPr lang="sr-Cyrl-RS" dirty="0" smtClean="0">
-                <a:latin typeface="Garamond" pitchFamily="18" charset="0"/>
-              </a:rPr>
-              <a:t>може постојати само један разлог због ког класа треба да буде промењена </a:t>
-            </a:r>
-          </a:p>
-          <a:p>
-            <a:pPr marL="342900" indent="-342900">
-              <a:spcBef>
-                <a:spcPts val="600"/>
-              </a:spcBef>
-              <a:buFont typeface="Arial" panose="020B0604020202020204" pitchFamily="34" charset="0"/>
-              <a:buChar char="•"/>
-              <a:defRPr/>
-            </a:pPr>
-            <a:r>
-              <a:rPr lang="sr-Cyrl-RS" dirty="0" smtClean="0">
-                <a:latin typeface="Garamond" pitchFamily="18" charset="0"/>
-              </a:rPr>
-              <a:t>Класа треба да реализује само један задатак</a:t>
-            </a:r>
-          </a:p>
-          <a:p>
-            <a:pPr marL="1085850" lvl="1" indent="-342900">
-              <a:spcBef>
-                <a:spcPts val="600"/>
-              </a:spcBef>
-              <a:buFont typeface="Arial" panose="020B0604020202020204" pitchFamily="34" charset="0"/>
-              <a:buChar char="•"/>
-              <a:defRPr/>
-            </a:pPr>
-            <a:r>
-              <a:rPr lang="sr-Cyrl-RS" dirty="0" smtClean="0">
-                <a:latin typeface="Garamond" pitchFamily="18" charset="0"/>
-              </a:rPr>
-              <a:t>ако </a:t>
-            </a:r>
-            <a:r>
-              <a:rPr lang="sr-Cyrl-RS" dirty="0" smtClean="0">
-                <a:latin typeface="Garamond" pitchFamily="18" charset="0"/>
-              </a:rPr>
-              <a:t>би се у оквиру једне класе налазила функционалност за пословну логику и за чување података примерка у датотеку или у базу, то би нарушавало овај принцип</a:t>
-            </a:r>
-            <a:r>
-              <a:rPr lang="en-US" dirty="0" smtClean="0">
-                <a:latin typeface="Garamond" pitchFamily="18" charset="0"/>
-              </a:rPr>
-              <a:t> </a:t>
-            </a:r>
-            <a:endParaRPr lang="en-US" dirty="0" smtClean="0">
-              <a:latin typeface="Garamond" pitchFamily="18" charset="0"/>
-            </a:endParaRPr>
-          </a:p>
-          <a:p>
-            <a:pPr marL="342900" indent="-342900">
-              <a:spcBef>
-                <a:spcPts val="600"/>
-              </a:spcBef>
-              <a:buFont typeface="Arial" panose="020B0604020202020204" pitchFamily="34" charset="0"/>
-              <a:buChar char="•"/>
-              <a:defRPr/>
-            </a:pPr>
-            <a:r>
-              <a:rPr lang="sr-Cyrl-RS" dirty="0" smtClean="0">
-                <a:latin typeface="Garamond" pitchFamily="18" charset="0"/>
-              </a:rPr>
-              <a:t>Када се поштује овај принцип, тестирање је једноставније</a:t>
-            </a:r>
-          </a:p>
-          <a:p>
-            <a:pPr marL="342900" indent="-342900">
-              <a:spcBef>
-                <a:spcPts val="600"/>
-              </a:spcBef>
-              <a:buFont typeface="Arial" panose="020B0604020202020204" pitchFamily="34" charset="0"/>
-              <a:buChar char="•"/>
-              <a:defRPr/>
-            </a:pPr>
-            <a:r>
-              <a:rPr lang="sr-Cyrl-RS" dirty="0" smtClean="0">
-                <a:latin typeface="Garamond" pitchFamily="18" charset="0"/>
-              </a:rPr>
-              <a:t>Мање функционалности у једној класи такође значи да има мање зависности од осталих класа, што доводи до боље организације кода, јер се мање класе са јасном сврхом могу лакше пронаћи</a:t>
+              <a:t> Треба зависити од апстрактција, а не од конкретне реализације</a:t>
             </a:r>
             <a:endParaRPr lang="sr-Cyrl-RS" dirty="0" smtClean="0">
               <a:latin typeface="Garamond" pitchFamily="18" charset="0"/>
@@ -18165,9 +18199,99 @@
               <a:buChar char="•"/>
               <a:defRPr/>
             </a:pPr>
-            <a:endParaRPr lang="en-US" dirty="0" smtClean="0">
+            <a:r>
+              <a:rPr lang="sr-Cyrl-RS" dirty="0" smtClean="0">
+                <a:latin typeface="Garamond" pitchFamily="18" charset="0"/>
+              </a:rPr>
+              <a:t>По овом принципу</a:t>
+            </a:r>
+            <a:r>
+              <a:rPr lang="en-US" dirty="0" smtClean="0">
+                <a:latin typeface="Garamond" pitchFamily="18" charset="0"/>
+              </a:rPr>
+              <a:t>, </a:t>
+            </a:r>
+            <a:r>
+              <a:rPr lang="sr-Cyrl-RS" dirty="0" smtClean="0">
+                <a:latin typeface="Garamond" pitchFamily="18" charset="0"/>
+              </a:rPr>
+              <a:t>модули вишег нивоа никако не треба да зависе од модула нижег нивоа, већ и модули нижег нивоа и модули вишег нивоа треба да зависе од апстракција</a:t>
+            </a:r>
+          </a:p>
+          <a:p>
+            <a:pPr marL="342900" indent="-342900">
+              <a:spcBef>
+                <a:spcPts val="600"/>
+              </a:spcBef>
+              <a:buFont typeface="Arial" panose="020B0604020202020204" pitchFamily="34" charset="0"/>
+              <a:buChar char="•"/>
+              <a:defRPr/>
+            </a:pPr>
+            <a:r>
+              <a:rPr lang="sr-Cyrl-RS" dirty="0" smtClean="0">
+                <a:latin typeface="Garamond" pitchFamily="18" charset="0"/>
+              </a:rPr>
+              <a:t>Апстракције не треба да зависе од детаља, већ детаљи треба да зависе од апстракције</a:t>
+            </a:r>
+          </a:p>
+          <a:p>
+            <a:pPr marL="1085850" lvl="1" indent="-342900">
+              <a:spcBef>
+                <a:spcPts val="600"/>
+              </a:spcBef>
+              <a:buFont typeface="Arial" panose="020B0604020202020204" pitchFamily="34" charset="0"/>
+              <a:buChar char="•"/>
+              <a:defRPr/>
+            </a:pPr>
+            <a:r>
+              <a:rPr lang="sr-Cyrl-RS" dirty="0" smtClean="0">
+                <a:latin typeface="Garamond" pitchFamily="18" charset="0"/>
+              </a:rPr>
+              <a:t>Пример: само </a:t>
+            </a:r>
+            <a:r>
+              <a:rPr lang="sr-Cyrl-RS" dirty="0">
+                <a:latin typeface="Garamond" pitchFamily="18" charset="0"/>
+              </a:rPr>
+              <a:t>процесирање кредитних картица не зависи од типа кредитне картице</a:t>
+            </a:r>
+            <a:r>
+              <a:rPr lang="en-US" dirty="0">
+                <a:latin typeface="Garamond" pitchFamily="18" charset="0"/>
+              </a:rPr>
+              <a:t> </a:t>
+            </a:r>
+            <a:endParaRPr lang="sr-Cyrl-RS" dirty="0" smtClean="0">
               <a:latin typeface="Garamond" pitchFamily="18" charset="0"/>
             </a:endParaRPr>
+          </a:p>
+          <a:p>
+            <a:pPr marL="342900" indent="-342900">
+              <a:spcBef>
+                <a:spcPts val="600"/>
+              </a:spcBef>
+              <a:buFont typeface="Arial" panose="020B0604020202020204" pitchFamily="34" charset="0"/>
+              <a:buChar char="•"/>
+              <a:defRPr/>
+            </a:pPr>
+            <a:r>
+              <a:rPr lang="sr-Cyrl-RS" dirty="0" smtClean="0">
+                <a:latin typeface="Garamond" pitchFamily="18" charset="0"/>
+              </a:rPr>
+              <a:t>У реализацији се обично користи контејнер за инверзију зависности (нпр. контејнер у оквиру радног оквира </a:t>
+            </a:r>
+            <a:r>
+              <a:rPr lang="en-US" dirty="0" smtClean="0">
+                <a:latin typeface="Garamond" pitchFamily="18" charset="0"/>
+              </a:rPr>
+              <a:t>Spring</a:t>
+            </a:r>
+            <a:r>
+              <a:rPr lang="sr-Cyrl-RS" dirty="0" smtClean="0">
+                <a:latin typeface="Garamond" pitchFamily="18" charset="0"/>
+              </a:rPr>
+              <a:t> код програмског језика Јава)</a:t>
+            </a:r>
           </a:p>
         </p:txBody>
       </p:sp>
@@ -18348,11 +18472,6 @@
               </a:rPr>
               <a:t>D</a:t>
             </a:r>
-            <a:endParaRPr lang="en-US" sz="3600" b="1" kern="0" dirty="0">
-              <a:solidFill>
-                <a:srgbClr val="0070C0"/>
-              </a:solidFill>
-            </a:endParaRPr>
           </a:p>
         </p:txBody>
       </p:sp>
@@ -18665,67 +18784,6 @@
                                           <p:spTgt spid="26626">
                                             <p:txEl>
                                               <p:pRg st="4" end="4"/>
-                                            </p:txEl>
-                                          </p:spTgt>
-                                        </p:tgtEl>
-                                      </p:cBhvr>
-                                    </p:animEffect>
-                                  </p:childTnLst>
-                                </p:cTn>
-                              </p:par>
-                            </p:childTnLst>
-                          </p:cTn>
-                        </p:par>
-                      </p:childTnLst>
-                    </p:cTn>
-                  </p:par>
-                  <p:par>
-                    <p:cTn id="28" fill="hold">
-                      <p:stCondLst>
-                        <p:cond delay="indefinite"/>
-                      </p:stCondLst>
-                      <p:childTnLst>
-                        <p:par>
-                          <p:cTn id="29" fill="hold">
-                            <p:stCondLst>
-                              <p:cond delay="0"/>
-                            </p:stCondLst>
-                            <p:childTnLst>
-                              <p:par>
-                                <p:cTn id="30" presetID="3" presetClass="entr" presetSubtype="10" fill="hold" nodeType="clickEffect">
-                                  <p:stCondLst>
-                                    <p:cond delay="0"/>
-                                  </p:stCondLst>
-                                  <p:childTnLst>
-                                    <p:set>
-                                      <p:cBhvr>
-                                        <p:cTn id="31" dur="1" fill="hold">
-                                          <p:stCondLst>
-                                            <p:cond delay="0"/>
-                                          </p:stCondLst>
-                                        </p:cTn>
-                                        <p:tgtEl>
-                                          <p:spTgt spid="26626">
-                                            <p:txEl>
-                                              <p:pRg st="5" end="5"/>
-                                            </p:txEl>
-                                          </p:spTgt>
-                                        </p:tgtEl>
-                                        <p:attrNameLst>
-                                          <p:attrName>style.visibility</p:attrName>
-                                        </p:attrNameLst>
-                                      </p:cBhvr>
-                                      <p:to>
-                                        <p:strVal val="visible"/>
-                                      </p:to>
-                                    </p:set>
-                                    <p:animEffect transition="in" filter="blinds(horizontal)">
-                                      <p:cBhvr>
-                                        <p:cTn id="32" dur="500"/>
-                                        <p:tgtEl>
-                                          <p:spTgt spid="26626">
-                                            <p:txEl>
-                                              <p:pRg st="5" end="5"/>
                                             </p:txEl>
                                           </p:spTgt>
                                         </p:tgtEl>
@@ -19349,15 +19407,7 @@
                   <a:srgbClr val="0070C0"/>
                 </a:solidFill>
               </a:rPr>
-              <a:t>Додатне препоруке </a:t>
-            </a:r>
-            <a:r>
-              <a:rPr lang="sr-Cyrl-RS" sz="3600" b="1" kern="0" dirty="0" smtClean="0">
-                <a:solidFill>
-                  <a:srgbClr val="0070C0"/>
-                </a:solidFill>
-              </a:rPr>
-              <a:t>за наслеђивање</a:t>
+              <a:t>Додатне препоруке за наслеђивање</a:t>
             </a:r>
             <a:endParaRPr lang="en-US" sz="3600" b="1" kern="0" dirty="0">
               <a:solidFill>
@@ -19824,7 +19874,7 @@
         <p:spPr bwMode="auto">
           <a:xfrm>
             <a:off x="539552" y="1628800"/>
-            <a:ext cx="8451850" cy="5062924"/>
+            <a:ext cx="8451850" cy="5124480"/>
           </a:xfrm>
           <a:prstGeom prst="rect">
             <a:avLst/>
@@ -19991,6 +20041,29 @@
             </a:endParaRPr>
           </a:p>
           <a:p>
+            <a:pPr>
+              <a:spcBef>
+                <a:spcPts val="600"/>
+              </a:spcBef>
+              <a:defRPr/>
+            </a:pPr>
+            <a:r>
+              <a:rPr lang="en-US" b="1" u="sng" dirty="0" smtClean="0">
+                <a:latin typeface="Garamond" pitchFamily="18" charset="0"/>
+              </a:rPr>
+              <a:t>SO</a:t>
+            </a:r>
+            <a:r>
+              <a:rPr lang="en-US" dirty="0" smtClean="0">
+                <a:latin typeface="Garamond" pitchFamily="18" charset="0"/>
+              </a:rPr>
+              <a:t>LID</a:t>
+            </a:r>
+            <a:endParaRPr lang="en-US" dirty="0" smtClean="0">
+              <a:latin typeface="Garamond" pitchFamily="18" charset="0"/>
+            </a:endParaRPr>
+          </a:p>
+          <a:p>
             <a:pPr marL="342900" indent="-342900">
               <a:spcBef>
                 <a:spcPts val="600"/>
@@ -20003,7 +20076,13 @@
               <a:rPr lang="sr-Cyrl-RS" dirty="0" smtClean="0">
                 <a:latin typeface="Garamond" pitchFamily="18" charset="0"/>
               </a:rPr>
-              <a:t>Понекад програмери претерују у коришћењу наслеђивања</a:t>
+              <a:t>Понекад </a:t>
+            </a:r>
+            <a:r>
+              <a:rPr lang="sr-Cyrl-RS" dirty="0" smtClean="0">
+                <a:latin typeface="Garamond" pitchFamily="18" charset="0"/>
+              </a:rPr>
+              <a:t>програмери претерују у коришћењу наслеђивања</a:t>
             </a:r>
             <a:r>
               <a:rPr lang="en-US" dirty="0" smtClean="0">
@@ -20011,17 +20090,6 @@
               </a:rPr>
               <a:t>. </a:t>
             </a:r>
-            <a:endParaRPr lang="sr-Cyrl-RS" dirty="0" smtClean="0">
-              <a:latin typeface="Garamond" pitchFamily="18" charset="0"/>
-            </a:endParaRPr>
-          </a:p>
-          <a:p>
-            <a:pPr>
-              <a:spcBef>
-                <a:spcPts val="600"/>
-              </a:spcBef>
-              <a:defRPr/>
-            </a:pPr>
             <a:endParaRPr lang="sr-Cyrl-RS" sz="2000" dirty="0" smtClean="0">
               <a:latin typeface="Garamond" pitchFamily="18" charset="0"/>
             </a:endParaRPr>
@@ -20258,7 +20326,7 @@
         </p:nvSpPr>
         <p:spPr>
           <a:xfrm>
-            <a:off x="1371600" y="549275"/>
+            <a:off x="1371600" y="404664"/>
             <a:ext cx="7772400" cy="868363"/>
           </a:xfrm>
           <a:prstGeom prst="rect">
@@ -20402,12 +20470,20 @@
               <a:defRPr/>
             </a:pPr>
             <a:r>
+              <a:rPr lang="sr-Cyrl-RS" sz="3600" b="1" kern="0" dirty="0">
+                <a:solidFill>
+                  <a:srgbClr val="0070C0"/>
+                </a:solidFill>
+              </a:rPr>
+              <a:t>Додатне препоруке </a:t>
+            </a:r>
+            <a:r>
               <a:rPr lang="sr-Cyrl-RS" sz="3600" b="1" kern="0" dirty="0" smtClean="0">
                 <a:solidFill>
                   <a:srgbClr val="0070C0"/>
                 </a:solidFill>
               </a:rPr>
-              <a:t>Препоруке за наслеђивање (2)</a:t>
+              <a:t>за наслеђивање (2)</a:t>
             </a:r>
             <a:endParaRPr lang="en-US" sz="3600" b="1" kern="0" dirty="0">
               <a:solidFill>
@@ -20492,13 +20568,13 @@
                     </p:cTn>
                   </p:par>
                   <p:par>
-                    <p:cTn id="8" fill="hold" nodeType="clickPar">
+                    <p:cTn id="8" fill="hold">
                       <p:stCondLst>
                         <p:cond delay="indefinite"/>
                       </p:stCondLst>
                       <p:childTnLst>
                         <p:par>
-                          <p:cTn id="9" fill="hold" nodeType="withGroup">
+                          <p:cTn id="9" fill="hold">
                             <p:stCondLst>
                               <p:cond delay="0"/>
                             </p:stCondLst>
@@ -20553,13 +20629,13 @@
                     </p:cTn>
                   </p:par>
                   <p:par>
-                    <p:cTn id="13" fill="hold">
+                    <p:cTn id="13" fill="hold" nodeType="clickPar">
                       <p:stCondLst>
                         <p:cond delay="indefinite"/>
                       </p:stCondLst>
                       <p:childTnLst>
                         <p:par>
-                          <p:cTn id="14" fill="hold">
+                          <p:cTn id="14" fill="hold" nodeType="withGroup">
                             <p:stCondLst>
                               <p:cond delay="0"/>
                             </p:stCondLst>
@@ -20580,7 +20656,7 @@
                                         <p:tgtEl>
                                           <p:spTgt spid="26626">
                                             <p:txEl>
-                                              <p:pRg st="3" end="3"/>
+                                              <p:pRg st="2" end="2"/>
                                             </p:txEl>
                                           </p:spTgt>
                                         </p:tgtEl>
@@ -20598,7 +20674,7 @@
                                         <p:tgtEl>
                                           <p:spTgt spid="26626">
                                             <p:txEl>
-                                              <p:pRg st="3" end="3"/>
+                                              <p:pRg st="2" end="2"/>
                                             </p:txEl>
                                           </p:spTgt>
                                         </p:tgtEl>
@@ -20614,13 +20690,13 @@
                     </p:cTn>
                   </p:par>
                   <p:par>
-                    <p:cTn id="18" fill="hold" nodeType="clickPar">
+                    <p:cTn id="18" fill="hold">
                       <p:stCondLst>
                         <p:cond delay="indefinite"/>
                       </p:stCondLst>
                       <p:childTnLst>
                         <p:par>
-                          <p:cTn id="19" fill="hold" nodeType="withGroup">
+                          <p:cTn id="19" fill="hold">
                             <p:stCondLst>
                               <p:cond delay="0"/>
                             </p:stCondLst>
@@ -20641,7 +20717,7 @@
                                         <p:tgtEl>
                                           <p:spTgt spid="26626">
                                             <p:txEl>
-                                              <p:pRg st="5" end="5"/>
+                                              <p:pRg st="3" end="3"/>
                                             </p:txEl>
                                           </p:spTgt>
                                         </p:tgtEl>
@@ -20659,7 +20735,7 @@
                                         <p:tgtEl>
                                           <p:spTgt spid="26626">
                                             <p:txEl>
-                                              <p:pRg st="5" end="5"/>
+                                              <p:pRg st="3" end="3"/>
                                             </p:txEl>
                                           </p:spTgt>
                                         </p:tgtEl>
@@ -20702,7 +20778,7 @@
                                         <p:tgtEl>
                                           <p:spTgt spid="26626">
                                             <p:txEl>
-                                              <p:pRg st="7" end="7"/>
+                                              <p:pRg st="5" end="5"/>
                                             </p:txEl>
                                           </p:spTgt>
                                         </p:tgtEl>
@@ -20717,6 +20793,67 @@
                                     <p:animEffect transition="in" filter="blinds(horizontal)">
                                       <p:cBhvr>
                                         <p:cTn id="27" dur="500"/>
+                                        <p:tgtEl>
+                                          <p:spTgt spid="26626">
+                                            <p:txEl>
+                                              <p:pRg st="5" end="5"/>
+                                            </p:txEl>
+                                          </p:spTgt>
+                                        </p:tgtEl>
+                                      </p:cBhvr>
+                                    </p:animEffect>
+                                  </p:childTnLst>
+                                </p:cTn>
+                              </p:par>
+                            </p:childTnLst>
+                          </p:cTn>
+                        </p:par>
+                      </p:childTnLst>
+                    </p:cTn>
+                  </p:par>
+                  <p:par>
+                    <p:cTn id="28" fill="hold" nodeType="clickPar">
+                      <p:stCondLst>
+                        <p:cond delay="indefinite"/>
+                      </p:stCondLst>
+                      <p:childTnLst>
+                        <p:par>
+                          <p:cTn id="29" fill="hold" nodeType="withGroup">
+                            <p:stCondLst>
+                              <p:cond delay="0"/>
+                            </p:stCondLst>
+                            <p:childTnLst>
+                              <p:par>
+                                <p:cTn id="30" presetID="3" presetClass="entr" presetSubtype="10" fill="hold" nodeType="clickEffect">
+                                  <p:stCondLst>
+                                    <p:cond delay="0"/>
+                                  </p:stCondLst>
+                                  <p:childTnLst>
+                                    <p:set>
+                                      <p:cBhvr>
+                                        <p:cTn id="31" dur="1" fill="hold">
+                                          <p:stCondLst>
+                                            <p:cond delay="0"/>
+                                          </p:stCondLst>
+                                        </p:cTn>
+                                        <p:tgtEl>
+                                          <p:spTgt spid="26626">
+                                            <p:txEl>
+                                              <p:pRg st="7" end="7"/>
+                                            </p:txEl>
+                                          </p:spTgt>
+                                        </p:tgtEl>
+                                        <p:attrNameLst>
+                                          <p:attrName>style.visibility</p:attrName>
+                                        </p:attrNameLst>
+                                      </p:cBhvr>
+                                      <p:to>
+                                        <p:strVal val="visible"/>
+                                      </p:to>
+                                    </p:set>
+                                    <p:animEffect transition="in" filter="blinds(horizontal)">
+                                      <p:cBhvr>
+                                        <p:cTn id="32" dur="500"/>
                                         <p:tgtEl>
                                           <p:spTgt spid="26626">
                                             <p:txEl>
@@ -20952,6 +21089,24 @@
               </a:spcBef>
               <a:defRPr/>
             </a:pPr>
+            <a:r>
+              <a:rPr lang="en-US" dirty="0" smtClean="0">
+                <a:latin typeface="Garamond" pitchFamily="18" charset="0"/>
+              </a:rPr>
+              <a:t>SO</a:t>
+            </a:r>
+            <a:r>
+              <a:rPr lang="en-US" b="1" u="sng" dirty="0" smtClean="0">
+                <a:latin typeface="Garamond" pitchFamily="18" charset="0"/>
+              </a:rPr>
+              <a:t>L</a:t>
+            </a:r>
+            <a:r>
+              <a:rPr lang="en-US" dirty="0" smtClean="0">
+                <a:latin typeface="Garamond" pitchFamily="18" charset="0"/>
+              </a:rPr>
+              <a:t>ID</a:t>
+            </a:r>
             <a:endParaRPr lang="sr-Cyrl-RS" dirty="0" smtClean="0">
               <a:latin typeface="Garamond" pitchFamily="18" charset="0"/>
             </a:endParaRPr>
@@ -21026,7 +21181,7 @@
               <a:rPr lang="en-US" sz="2000" dirty="0" err="1" smtClean="0">
                 <a:latin typeface="+mn-lt"/>
               </a:rPr>
-              <a:t>GregorianCalendar</a:t>
+              <a:t>LocalDate</a:t>
             </a:r>
             <a:r>
               <a:rPr lang="en-US" sz="2000" dirty="0" smtClean="0">
@@ -21117,16 +21272,16 @@
               <a:t> </a:t>
             </a:r>
             <a:r>
-              <a:rPr lang="en-US" sz="1500" dirty="0" err="1">
+              <a:rPr lang="en-US" sz="1500" dirty="0" err="1" smtClean="0">
                 <a:solidFill>
                   <a:srgbClr val="000000"/>
                 </a:solidFill>
                 <a:latin typeface="Courier New" panose="02070309020205020404" pitchFamily="49" charset="0"/>
               </a:rPr>
-              <a:t>GregorianCalendar</a:t>
-            </a:r>
-            <a:r>
-              <a:rPr lang="en-US" sz="1500" dirty="0">
+              <a:t>LocalDate</a:t>
+            </a:r>
+            <a:r>
+              <a:rPr lang="en-US" sz="1500" dirty="0" smtClean="0">
                 <a:solidFill>
                   <a:srgbClr val="000000"/>
                 </a:solidFill>
@@ -21248,7 +21403,7 @@
               <a:rPr lang="en-US" sz="2000" dirty="0" err="1" smtClean="0">
                 <a:latin typeface="+mn-lt"/>
               </a:rPr>
-              <a:t>GregorianCalendar</a:t>
+              <a:t>LocalDate</a:t>
             </a:r>
             <a:r>
               <a:rPr lang="en-US" sz="2000" dirty="0" smtClean="0">
@@ -21392,79 +21547,25 @@
               <a:t>christmas</a:t>
             </a:r>
             <a:r>
-              <a:rPr lang="en-US" sz="1500" b="1" dirty="0" err="1" smtClean="0">
-                <a:solidFill>
-                  <a:srgbClr val="000080"/>
-                </a:solidFill>
-                <a:latin typeface="Courier New" panose="02070309020205020404" pitchFamily="49" charset="0"/>
-              </a:rPr>
-              <a:t>.</a:t>
-            </a:r>
-            <a:r>
               <a:rPr lang="en-US" sz="1500" dirty="0" err="1" smtClean="0">
                 <a:solidFill>
                   <a:srgbClr val="000000"/>
                 </a:solidFill>
                 <a:latin typeface="Courier New" panose="02070309020205020404" pitchFamily="49" charset="0"/>
               </a:rPr>
-              <a:t>add</a:t>
-            </a:r>
-            <a:r>
-              <a:rPr lang="en-US" sz="1500" b="1" dirty="0" smtClean="0">
-                <a:solidFill>
-                  <a:srgbClr val="000080"/>
+              <a:t>.plusDays</a:t>
+            </a:r>
+            <a:r>
+              <a:rPr lang="en-US" sz="1500" dirty="0" smtClean="0">
+                <a:solidFill>
+                  <a:srgbClr val="000000"/>
                 </a:solidFill>
                 <a:latin typeface="Courier New" panose="02070309020205020404" pitchFamily="49" charset="0"/>
               </a:rPr>
               <a:t>(</a:t>
             </a:r>
             <a:r>
-              <a:rPr lang="en-US" sz="1500" dirty="0" err="1" smtClean="0">
-                <a:solidFill>
-                  <a:srgbClr val="000000"/>
-                </a:solidFill>
-                <a:latin typeface="Courier New" panose="02070309020205020404" pitchFamily="49" charset="0"/>
-              </a:rPr>
-              <a:t>Calendar</a:t>
-            </a:r>
-            <a:r>
-              <a:rPr lang="en-US" sz="1500" b="1" dirty="0" err="1" smtClean="0">
-                <a:solidFill>
-                  <a:srgbClr val="000080"/>
-                </a:solidFill>
-                <a:latin typeface="Courier New" panose="02070309020205020404" pitchFamily="49" charset="0"/>
-              </a:rPr>
-              <a:t>.</a:t>
-            </a:r>
-            <a:r>
-              <a:rPr lang="en-US" sz="1500" dirty="0" err="1" smtClean="0">
-                <a:solidFill>
-                  <a:srgbClr val="000000"/>
-                </a:solidFill>
-                <a:latin typeface="Courier New" panose="02070309020205020404" pitchFamily="49" charset="0"/>
-              </a:rPr>
-              <a:t>DAY_OF_MONTH</a:t>
-            </a:r>
-            <a:r>
-              <a:rPr lang="en-US" sz="1500" b="1" dirty="0">
-                <a:solidFill>
-                  <a:srgbClr val="000080"/>
-                </a:solidFill>
-                <a:latin typeface="Courier New" panose="02070309020205020404" pitchFamily="49" charset="0"/>
-              </a:rPr>
-              <a:t>,</a:t>
-            </a:r>
-            <a:r>
-              <a:rPr lang="en-US" sz="1500" dirty="0">
-                <a:solidFill>
-                  <a:srgbClr val="000000"/>
-                </a:solidFill>
-                <a:latin typeface="Courier New" panose="02070309020205020404" pitchFamily="49" charset="0"/>
-              </a:rPr>
-              <a:t> </a:t>
-            </a:r>
-            <a:r>
-              <a:rPr lang="en-US" sz="1500" dirty="0">
+              <a:rPr lang="en-US" sz="1500" dirty="0" smtClean="0">
                 <a:solidFill>
                   <a:srgbClr val="FF8000"/>
                 </a:solidFill>
@@ -21517,7 +21618,7 @@
         </p:nvSpPr>
         <p:spPr>
           <a:xfrm>
-            <a:off x="1371600" y="549275"/>
+            <a:off x="1371600" y="404664"/>
             <a:ext cx="7772400" cy="868363"/>
           </a:xfrm>
           <a:prstGeom prst="rect">
@@ -21661,12 +21762,20 @@
               <a:defRPr/>
             </a:pPr>
             <a:r>
+              <a:rPr lang="sr-Cyrl-RS" sz="3600" b="1" kern="0" dirty="0">
+                <a:solidFill>
+                  <a:srgbClr val="0070C0"/>
+                </a:solidFill>
+              </a:rPr>
+              <a:t>Додатне препоруке </a:t>
+            </a:r>
+            <a:r>
               <a:rPr lang="sr-Cyrl-RS" sz="3600" b="1" kern="0" dirty="0" smtClean="0">
                 <a:solidFill>
                   <a:srgbClr val="0070C0"/>
                 </a:solidFill>
               </a:rPr>
-              <a:t>Препоруке за наслеђивање (3)</a:t>
+              <a:t>за наслеђивање (3)</a:t>
             </a:r>
             <a:endParaRPr lang="en-US" sz="3600" b="1" kern="0" dirty="0">
               <a:solidFill>
@@ -21833,13 +21942,13 @@
                     </p:cTn>
                   </p:par>
                   <p:par>
-                    <p:cTn id="8" fill="hold" nodeType="clickPar">
+                    <p:cTn id="8" fill="hold">
                       <p:stCondLst>
                         <p:cond delay="indefinite"/>
                       </p:stCondLst>
                       <p:childTnLst>
                         <p:par>
-                          <p:cTn id="9" fill="hold" nodeType="withGroup">
+                          <p:cTn id="9" fill="hold">
                             <p:stCondLst>
                               <p:cond delay="0"/>
                             </p:stCondLst>
@@ -21860,7 +21969,7 @@
                                         <p:tgtEl>
                                           <p:spTgt spid="26626">
                                             <p:txEl>
-                                              <p:pRg st="2" end="2"/>
+                                              <p:pRg st="1" end="1"/>
                                             </p:txEl>
                                           </p:spTgt>
                                         </p:tgtEl>
@@ -21878,7 +21987,7 @@
                                         <p:tgtEl>
                                           <p:spTgt spid="26626">
                                             <p:txEl>
-                                              <p:pRg st="2" end="2"/>
+                                              <p:pRg st="1" end="1"/>
                                             </p:txEl>
                                           </p:spTgt>
                                         </p:tgtEl>
@@ -21894,13 +22003,13 @@
                     </p:cTn>
                   </p:par>
                   <p:par>
-                    <p:cTn id="13" fill="hold">
+                    <p:cTn id="13" fill="hold" nodeType="clickPar">
                       <p:stCondLst>
                         <p:cond delay="indefinite"/>
                       </p:stCondLst>
                       <p:childTnLst>
                         <p:par>
-                          <p:cTn id="14" fill="hold">
+                          <p:cTn id="14" fill="hold" nodeType="withGroup">
                             <p:stCondLst>
                               <p:cond delay="0"/>
                             </p:stCondLst>
@@ -21921,7 +22030,7 @@
                                         <p:tgtEl>
                                           <p:spTgt spid="26626">
                                             <p:txEl>
-                                              <p:pRg st="3" end="3"/>
+                                              <p:pRg st="2" end="2"/>
                                             </p:txEl>
                                           </p:spTgt>
                                         </p:tgtEl>
@@ -21939,85 +22048,7 @@
                                         <p:tgtEl>
                                           <p:spTgt spid="26626">
                                             <p:txEl>
-                                              <p:pRg st="3" end="3"/>
-                                            </p:txEl>
-                                          </p:spTgt>
-                                        </p:tgtEl>
-                                      </p:cBhvr>
-                                    </p:animEffect>
-                                  </p:childTnLst>
-                                </p:cTn>
-                              </p:par>
-                              <p:par>
-                                <p:cTn id="18" presetID="10" presetClass="entr" presetSubtype="0" fill="hold" grpId="0" nodeType="withEffect">
-                                  <p:stCondLst>
-                                    <p:cond delay="0"/>
-                                  </p:stCondLst>
-                                  <p:childTnLst>
-                                    <p:set>
-                                      <p:cBhvr>
-                                        <p:cTn id="19" dur="1" fill="hold">
-                                          <p:stCondLst>
-                                            <p:cond delay="0"/>
-                                          </p:stCondLst>
-                                        </p:cTn>
-                                        <p:tgtEl>
-                                          <p:spTgt spid="2"/>
-                                        </p:tgtEl>
-                                        <p:attrNameLst>
-                                          <p:attrName>style.visibility</p:attrName>
-                                        </p:attrNameLst>
-                                      </p:cBhvr>
-                                      <p:to>
-                                        <p:strVal val="visible"/>
-                                      </p:to>
-                                    </p:set>
-                                    <p:animEffect transition="in" filter="fade">
-                                      <p:cBhvr>
-                                        <p:cTn id="20" dur="500"/>
-                                        <p:tgtEl>
-                                          <p:spTgt spid="2"/>
-                                        </p:tgtEl>
-                                      </p:cBhvr>
-                                    </p:animEffect>
-                                  </p:childTnLst>
-                                </p:cTn>
-                              </p:par>
-                              <p:par>
-                                <p:cTn id="21" presetID="3" presetClass="entr" presetSubtype="10" fill="hold" nodeType="withEffect">
-                                  <p:stCondLst>
-                                    <p:cond delay="0"/>
-                                  </p:stCondLst>
-                                  <p:childTnLst>
-                                    <p:set>
-                                      <p:cBhvr>
-                                        <p:cTn id="22" dur="1" fill="hold">
-                                          <p:stCondLst>
-                                            <p:cond delay="0"/>
-                                          </p:stCondLst>
-                                        </p:cTn>
-                                        <p:tgtEl>
-                                          <p:spTgt spid="26626">
-                                            <p:txEl>
-                                              <p:pRg st="5" end="5"/>
-                                            </p:txEl>
-                                          </p:spTgt>
-                                        </p:tgtEl>
-                                        <p:attrNameLst>
-                                          <p:attrName>style.visibility</p:attrName>
-                                        </p:attrNameLst>
-                                      </p:cBhvr>
-                                      <p:to>
-                                        <p:strVal val="visible"/>
-                                      </p:to>
-                                    </p:set>
-                                    <p:animEffect transition="in" filter="blinds(horizontal)">
-                                      <p:cBhvr>
-                                        <p:cTn id="23" dur="500"/>
-                                        <p:tgtEl>
-                                          <p:spTgt spid="26626">
-                                            <p:txEl>
-                                              <p:pRg st="5" end="5"/>
+                                              <p:pRg st="2" end="2"/>
                                             </p:txEl>
                                           </p:spTgt>
                                         </p:tgtEl>
@@ -22033,25 +22064,103 @@
                     </p:cTn>
                   </p:par>
                   <p:par>
-                    <p:cTn id="24" fill="hold" nodeType="clickPar">
+                    <p:cTn id="18" fill="hold">
                       <p:stCondLst>
                         <p:cond delay="indefinite"/>
                       </p:stCondLst>
                       <p:childTnLst>
                         <p:par>
-                          <p:cTn id="25" fill="hold" nodeType="withGroup">
+                          <p:cTn id="19" fill="hold">
                             <p:stCondLst>
                               <p:cond delay="0"/>
                             </p:stCondLst>
                             <p:childTnLst>
                               <p:par>
-                                <p:cTn id="26" presetID="3" presetClass="entr" presetSubtype="10" fill="hold" nodeType="clickEffect">
+                                <p:cTn id="20" presetID="3" presetClass="entr" presetSubtype="10" fill="hold" nodeType="clickEffect">
                                   <p:stCondLst>
                                     <p:cond delay="0"/>
                                   </p:stCondLst>
                                   <p:childTnLst>
                                     <p:set>
                                       <p:cBhvr>
+                                        <p:cTn id="21" dur="1" fill="hold">
+                                          <p:stCondLst>
+                                            <p:cond delay="0"/>
+                                          </p:stCondLst>
+                                        </p:cTn>
+                                        <p:tgtEl>
+                                          <p:spTgt spid="26626">
+                                            <p:txEl>
+                                              <p:pRg st="3" end="3"/>
+                                            </p:txEl>
+                                          </p:spTgt>
+                                        </p:tgtEl>
+                                        <p:attrNameLst>
+                                          <p:attrName>style.visibility</p:attrName>
+                                        </p:attrNameLst>
+                                      </p:cBhvr>
+                                      <p:to>
+                                        <p:strVal val="visible"/>
+                                      </p:to>
+                                    </p:set>
+                                    <p:animEffect transition="in" filter="blinds(horizontal)">
+                                      <p:cBhvr>
+                                        <p:cTn id="22" dur="500"/>
+                                        <p:tgtEl>
+                                          <p:spTgt spid="26626">
+                                            <p:txEl>
+                                              <p:pRg st="3" end="3"/>
+                                            </p:txEl>
+                                          </p:spTgt>
+                                        </p:tgtEl>
+                                      </p:cBhvr>
+                                    </p:animEffect>
+                                  </p:childTnLst>
+                                </p:cTn>
+                              </p:par>
+                              <p:par>
+                                <p:cTn id="23" presetID="10" presetClass="entr" presetSubtype="0" fill="hold" grpId="0" nodeType="withEffect">
+                                  <p:stCondLst>
+                                    <p:cond delay="0"/>
+                                  </p:stCondLst>
+                                  <p:childTnLst>
+                                    <p:set>
+                                      <p:cBhvr>
+                                        <p:cTn id="24" dur="1" fill="hold">
+                                          <p:stCondLst>
+                                            <p:cond delay="0"/>
+                                          </p:stCondLst>
+                                        </p:cTn>
+                                        <p:tgtEl>
+                                          <p:spTgt spid="2"/>
+                                        </p:tgtEl>
+                                        <p:attrNameLst>
+                                          <p:attrName>style.visibility</p:attrName>
+                                        </p:attrNameLst>
+                                      </p:cBhvr>
+                                      <p:to>
+                                        <p:strVal val="visible"/>
+                                      </p:to>
+                                    </p:set>
+                                    <p:animEffect transition="in" filter="fade">
+                                      <p:cBhvr>
+                                        <p:cTn id="25" dur="500"/>
+                                        <p:tgtEl>
+                                          <p:spTgt spid="2"/>
+                                        </p:tgtEl>
+                                      </p:cBhvr>
+                                    </p:animEffect>
+                                  </p:childTnLst>
+                                </p:cTn>
+                              </p:par>
+                              <p:par>
+                                <p:cTn id="26" presetID="3" presetClass="entr" presetSubtype="10" fill="hold" nodeType="withEffect">
+                                  <p:stCondLst>
+                                    <p:cond delay="0"/>
+                                  </p:stCondLst>
+                                  <p:childTnLst>
+                                    <p:set>
+                                      <p:cBhvr>
                                         <p:cTn id="27" dur="1" fill="hold">
                                           <p:stCondLst>
                                             <p:cond delay="0"/>
@@ -22060,7 +22169,7 @@
                                         <p:tgtEl>
                                           <p:spTgt spid="26626">
                                             <p:txEl>
-                                              <p:pRg st="6" end="6"/>
+                                              <p:pRg st="5" end="5"/>
                                             </p:txEl>
                                           </p:spTgt>
                                         </p:tgtEl>
@@ -22078,7 +22187,7 @@
                                         <p:tgtEl>
                                           <p:spTgt spid="26626">
                                             <p:txEl>
-                                              <p:pRg st="6" end="6"/>
+                                              <p:pRg st="5" end="5"/>
                                             </p:txEl>
                                           </p:spTgt>
                                         </p:tgtEl>
@@ -22094,13 +22203,13 @@
                     </p:cTn>
                   </p:par>
                   <p:par>
-                    <p:cTn id="29" fill="hold">
+                    <p:cTn id="29" fill="hold" nodeType="clickPar">
                       <p:stCondLst>
                         <p:cond delay="indefinite"/>
                       </p:stCondLst>
                       <p:childTnLst>
                         <p:par>
-                          <p:cTn id="30" fill="hold">
+                          <p:cTn id="30" fill="hold" nodeType="withGroup">
                             <p:stCondLst>
                               <p:cond delay="0"/>
                             </p:stCondLst>
@@ -22121,7 +22230,7 @@
                                         <p:tgtEl>
                                           <p:spTgt spid="26626">
                                             <p:txEl>
-                                              <p:pRg st="7" end="7"/>
+                                              <p:pRg st="6" end="6"/>
                                             </p:txEl>
                                           </p:spTgt>
                                         </p:tgtEl>
@@ -22139,6 +22248,67 @@
                                         <p:tgtEl>
                                           <p:spTgt spid="26626">
                                             <p:txEl>
+                                              <p:pRg st="6" end="6"/>
+                                            </p:txEl>
+                                          </p:spTgt>
+                                        </p:tgtEl>
+                                      </p:cBhvr>
+                                    </p:animEffect>
+                                  </p:childTnLst>
+                                </p:cTn>
+                              </p:par>
+                            </p:childTnLst>
+                          </p:cTn>
+                        </p:par>
+                      </p:childTnLst>
+                    </p:cTn>
+                  </p:par>
+                  <p:par>
+                    <p:cTn id="34" fill="hold">
+                      <p:stCondLst>
+                        <p:cond delay="indefinite"/>
+                      </p:stCondLst>
+                      <p:childTnLst>
+                        <p:par>
+                          <p:cTn id="35" fill="hold">
+                            <p:stCondLst>
+                              <p:cond delay="0"/>
+                            </p:stCondLst>
+                            <p:childTnLst>
+                              <p:par>
+                                <p:cTn id="36" presetID="3" presetClass="entr" presetSubtype="10" fill="hold" nodeType="clickEffect">
+                                  <p:stCondLst>
+                                    <p:cond delay="0"/>
+                                  </p:stCondLst>
+                                  <p:childTnLst>
+                                    <p:set>
+                                      <p:cBhvr>
+                                        <p:cTn id="37" dur="1" fill="hold">
+                                          <p:stCondLst>
+                                            <p:cond delay="0"/>
+                                          </p:stCondLst>
+                                        </p:cTn>
+                                        <p:tgtEl>
+                                          <p:spTgt spid="26626">
+                                            <p:txEl>
+                                              <p:pRg st="7" end="7"/>
+                                            </p:txEl>
+                                          </p:spTgt>
+                                        </p:tgtEl>
+                                        <p:attrNameLst>
+                                          <p:attrName>style.visibility</p:attrName>
+                                        </p:attrNameLst>
+                                      </p:cBhvr>
+                                      <p:to>
+                                        <p:strVal val="visible"/>
+                                      </p:to>
+                                    </p:set>
+                                    <p:animEffect transition="in" filter="blinds(horizontal)">
+                                      <p:cBhvr>
+                                        <p:cTn id="38" dur="500"/>
+                                        <p:tgtEl>
+                                          <p:spTgt spid="26626">
+                                            <p:txEl>
                                               <p:pRg st="7" end="7"/>
                                             </p:txEl>
                                           </p:spTgt>
@@ -22149,14 +22319,14 @@
                                 </p:cTn>
                               </p:par>
                               <p:par>
-                                <p:cTn id="34" presetID="10" presetClass="entr" presetSubtype="0" fill="hold" grpId="0" nodeType="withEffect">
+                                <p:cTn id="39" presetID="10" presetClass="entr" presetSubtype="0" fill="hold" grpId="0" nodeType="withEffect">
                                   <p:stCondLst>
                                     <p:cond delay="0"/>
                                   </p:stCondLst>
                                   <p:childTnLst>
                                     <p:set>
                                       <p:cBhvr>
-                                        <p:cTn id="35" dur="1" fill="hold">
+                                        <p:cTn id="40" dur="1" fill="hold">
                                           <p:stCondLst>
                                             <p:cond delay="0"/>
                                           </p:stCondLst>
@@ -22174,7 +22344,7 @@
                                     </p:set>
                                     <p:animEffect transition="in" filter="fade">
                                       <p:cBhvr>
-                                        <p:cTn id="36" dur="500"/>
+                                        <p:cTn id="41" dur="500"/>
                                         <p:tgtEl>
                                           <p:spTgt spid="4"/>
                                         </p:tgtEl>
@@ -22184,14 +22354,14 @@
                                 </p:cTn>
                               </p:par>
                               <p:par>
-                                <p:cTn id="37" presetID="3" presetClass="entr" presetSubtype="10" fill="hold" nodeType="withEffect">
+                                <p:cTn id="42" presetID="3" presetClass="entr" presetSubtype="10" fill="hold" nodeType="withEffect">
                                   <p:stCondLst>
                                     <p:cond delay="0"/>
                                   </p:stCondLst>
                                   <p:childTnLst>
                                     <p:set>
                                       <p:cBhvr>
-                                        <p:cTn id="38" dur="1" fill="hold">
+                                        <p:cTn id="43" dur="1" fill="hold">
                                           <p:stCondLst>
                                             <p:cond delay="0"/>
                                           </p:stCondLst>
@@ -22213,7 +22383,7 @@
                                     </p:set>
                                     <p:animEffect transition="in" filter="blinds(horizontal)">
                                       <p:cBhvr>
-                                        <p:cTn id="39" dur="500"/>
+                                        <p:cTn id="44" dur="500"/>
                                         <p:tgtEl>
                                           <p:spTgt spid="26626">
                                             <p:txEl>
@@ -22227,14 +22397,14 @@
                                 </p:cTn>
                               </p:par>
                               <p:par>
-                                <p:cTn id="40" presetID="3" presetClass="entr" presetSubtype="10" fill="hold" nodeType="withEffect">
+                                <p:cTn id="45" presetID="3" presetClass="entr" presetSubtype="10" fill="hold" nodeType="withEffect">
                                   <p:stCondLst>
                                     <p:cond delay="0"/>
                                   </p:stCondLst>
                                   <p:childTnLst>
                                     <p:set>
                                       <p:cBhvr>
-                                        <p:cTn id="41" dur="1" fill="hold">
+                                        <p:cTn id="46" dur="1" fill="hold">
                                           <p:stCondLst>
                                             <p:cond delay="0"/>
                                           </p:stCondLst>
@@ -22256,7 +22426,7 @@
                                     </p:set>
                                     <p:animEffect transition="in" filter="blinds(horizontal)">
                                       <p:cBhvr>
-                                        <p:cTn id="42" dur="500"/>
+                                        <p:cTn id="47" dur="500"/>
                                         <p:tgtEl>
                                           <p:spTgt spid="26626">
                                             <p:txEl>
@@ -22270,14 +22440,14 @@
                                 </p:cTn>
                               </p:par>
                               <p:par>
-                                <p:cTn id="43" presetID="3" presetClass="entr" presetSubtype="10" fill="hold" nodeType="withEffect">
+                                <p:cTn id="48" presetID="3" presetClass="entr" presetSubtype="10" fill="hold" nodeType="withEffect">
                                   <p:stCondLst>
                                     <p:cond delay="0"/>
                                   </p:stCondLst>
                                   <p:childTnLst>
                                     <p:set>
                                       <p:cBhvr>
-                                        <p:cTn id="44" dur="1" fill="hold">
+                                        <p:cTn id="49" dur="1" fill="hold">
                                           <p:stCondLst>
                                             <p:cond delay="0"/>
                                           </p:stCondLst>
@@ -22299,7 +22469,7 @@
                                     </p:set>
                                     <p:animEffect transition="in" filter="blinds(horizontal)">
                                       <p:cBhvr>
-                                        <p:cTn id="45" dur="500"/>
+                                        <p:cTn id="50" dur="500"/>
                                         <p:tgtEl>
                                           <p:spTgt spid="26626">
                                             <p:txEl>
@@ -22375,7 +22545,7 @@
         <p:spPr bwMode="auto">
           <a:xfrm>
             <a:off x="539552" y="1417638"/>
-            <a:ext cx="8451850" cy="4909036"/>
+            <a:ext cx="8451850" cy="4878259"/>
           </a:xfrm>
           <a:prstGeom prst="rect">
             <a:avLst/>
@@ -22537,10 +22707,39 @@
               <a:defRPr/>
             </a:pPr>
             <a:r>
+              <a:rPr lang="en-US" sz="2000" b="1" u="sng" dirty="0" smtClean="0">
+                <a:latin typeface="Garamond" pitchFamily="18" charset="0"/>
+              </a:rPr>
+              <a:t>SOL</a:t>
+            </a:r>
+            <a:r>
+              <a:rPr lang="en-US" sz="2000" dirty="0" smtClean="0">
+                <a:latin typeface="Garamond" pitchFamily="18" charset="0"/>
+              </a:rPr>
+              <a:t>ID</a:t>
+            </a:r>
+            <a:endParaRPr lang="en-US" sz="2000" dirty="0" smtClean="0">
+              <a:latin typeface="Garamond" pitchFamily="18" charset="0"/>
+            </a:endParaRPr>
+          </a:p>
+          <a:p>
+            <a:pPr>
+              <a:spcBef>
+                <a:spcPts val="600"/>
+              </a:spcBef>
+              <a:defRPr/>
+            </a:pPr>
+            <a:r>
               <a:rPr lang="sr-Cyrl-RS" sz="2000" dirty="0" smtClean="0">
                 <a:latin typeface="Garamond" pitchFamily="18" charset="0"/>
               </a:rPr>
-              <a:t>Принцип замене се примењује и на синтаксу и на понашање.</a:t>
+              <a:t>Принцип </a:t>
+            </a:r>
+            <a:r>
+              <a:rPr lang="sr-Cyrl-RS" sz="2000" dirty="0" smtClean="0">
+                <a:latin typeface="Garamond" pitchFamily="18" charset="0"/>
+              </a:rPr>
+              <a:t>замене се примењује и на синтаксу и на понашање.</a:t>
             </a:r>
             <a:endParaRPr lang="en-US" sz="2000" dirty="0">
               <a:latin typeface="Garamond" pitchFamily="18" charset="0"/>
@@ -22698,43 +22897,54 @@
               <a:t>	</a:t>
             </a:r>
             <a:r>
-              <a:rPr lang="en-US" sz="1500" dirty="0" err="1" smtClean="0">
-                <a:solidFill>
-                  <a:srgbClr val="8000FF"/>
-                </a:solidFill>
-                <a:latin typeface="Courier New" panose="02070309020205020404" pitchFamily="49" charset="0"/>
-              </a:rPr>
-              <a:t>int</a:t>
-            </a:r>
-            <a:r>
               <a:rPr lang="en-US" sz="1500" dirty="0" smtClean="0">
                 <a:solidFill>
                   <a:srgbClr val="000000"/>
                 </a:solidFill>
                 <a:latin typeface="Courier New" panose="02070309020205020404" pitchFamily="49" charset="0"/>
               </a:rPr>
+              <a:t>d1 </a:t>
+            </a:r>
+            <a:r>
+              <a:rPr lang="en-US" sz="1500" b="1" dirty="0">
+                <a:solidFill>
+                  <a:srgbClr val="000080"/>
+                </a:solidFill>
+                <a:latin typeface="Courier New" panose="02070309020205020404" pitchFamily="49" charset="0"/>
+              </a:rPr>
+              <a:t>=</a:t>
+            </a:r>
+            <a:r>
+              <a:rPr lang="en-US" sz="1500" dirty="0">
+                <a:solidFill>
+                  <a:srgbClr val="000000"/>
+                </a:solidFill>
+                <a:latin typeface="Courier New" panose="02070309020205020404" pitchFamily="49" charset="0"/>
+              </a:rPr>
               <a:t> </a:t>
             </a:r>
             <a:r>
-              <a:rPr lang="en-US" sz="1500" dirty="0">
+              <a:rPr lang="en-US" sz="1500" dirty="0" smtClean="0">
                 <a:solidFill>
                   <a:srgbClr val="000000"/>
                 </a:solidFill>
                 <a:latin typeface="Courier New" panose="02070309020205020404" pitchFamily="49" charset="0"/>
               </a:rPr>
-              <a:t>d1 </a:t>
-            </a:r>
-            <a:r>
-              <a:rPr lang="en-US" sz="1500" b="1" dirty="0">
+              <a:t>…</a:t>
+            </a:r>
+            <a:r>
+              <a:rPr lang="en-US" sz="1500" b="1" dirty="0" smtClean="0">
                 <a:solidFill>
                   <a:srgbClr val="000080"/>
                 </a:solidFill>
                 <a:latin typeface="Courier New" panose="02070309020205020404" pitchFamily="49" charset="0"/>
               </a:rPr>
-              <a:t>=</a:t>
-            </a:r>
-            <a:r>
-              <a:rPr lang="en-US" sz="1500" dirty="0">
+              <a:t>;</a:t>
+            </a:r>
+          </a:p>
+          <a:p>
+            <a:r>
+              <a:rPr lang="en-US" sz="1500" dirty="0" smtClean="0">
                 <a:solidFill>
                   <a:srgbClr val="000000"/>
                 </a:solidFill>
@@ -22743,34 +22953,61 @@
               <a:t> </a:t>
             </a:r>
             <a:r>
-              <a:rPr lang="en-US" sz="1500" dirty="0" err="1">
+              <a:rPr lang="sr-Cyrl-RS" sz="1500" dirty="0" smtClean="0">
                 <a:solidFill>
                   <a:srgbClr val="000000"/>
                 </a:solidFill>
                 <a:latin typeface="Courier New" panose="02070309020205020404" pitchFamily="49" charset="0"/>
               </a:rPr>
-              <a:t>x</a:t>
-            </a:r>
-            <a:r>
-              <a:rPr lang="en-US" sz="1500" b="1" dirty="0" err="1">
+              <a:t>	</a:t>
+            </a:r>
+            <a:r>
+              <a:rPr lang="en-US" sz="1500" dirty="0" smtClean="0">
+                <a:solidFill>
+                  <a:srgbClr val="000000"/>
+                </a:solidFill>
+                <a:latin typeface="Courier New" panose="02070309020205020404" pitchFamily="49" charset="0"/>
+              </a:rPr>
+              <a:t>d2 </a:t>
+            </a:r>
+            <a:r>
+              <a:rPr lang="en-US" sz="1500" b="1" dirty="0" smtClean="0">
                 <a:solidFill>
                   <a:srgbClr val="000080"/>
                 </a:solidFill>
                 <a:latin typeface="Courier New" panose="02070309020205020404" pitchFamily="49" charset="0"/>
               </a:rPr>
+              <a:t>= </a:t>
+            </a:r>
+            <a:r>
+              <a:rPr lang="en-US" sz="1500" dirty="0" smtClean="0">
+                <a:solidFill>
+                  <a:srgbClr val="000080"/>
+                </a:solidFill>
+                <a:latin typeface="Courier New" panose="02070309020205020404" pitchFamily="49" charset="0"/>
+              </a:rPr>
+              <a:t>d1</a:t>
+            </a:r>
+            <a:r>
+              <a:rPr lang="en-US" sz="1500" b="1" dirty="0" smtClean="0">
+                <a:solidFill>
+                  <a:srgbClr val="000080"/>
+                </a:solidFill>
+                <a:latin typeface="Courier New" panose="02070309020205020404" pitchFamily="49" charset="0"/>
+              </a:rPr>
               <a:t>.</a:t>
             </a:r>
             <a:r>
-              <a:rPr lang="en-US" sz="1500" dirty="0" err="1">
+              <a:rPr lang="en-US" sz="1500" dirty="0" smtClean="0">
                 <a:solidFill>
                   <a:srgbClr val="000000"/>
                 </a:solidFill>
                 <a:latin typeface="Courier New" panose="02070309020205020404" pitchFamily="49" charset="0"/>
               </a:rPr>
-              <a:t>get</a:t>
-            </a:r>
-            <a:r>
-              <a:rPr lang="en-US" sz="1500" b="1" dirty="0">
+              <a:t>plusDays</a:t>
+            </a:r>
+            <a:r>
+              <a:rPr lang="en-US" sz="1500" b="1" dirty="0" smtClean="0">
                 <a:solidFill>
                   <a:srgbClr val="000080"/>
                 </a:solidFill>
@@ -22779,142 +23016,7 @@
               <a:t>(</a:t>
             </a:r>
             <a:r>
-              <a:rPr lang="en-US" sz="1500" dirty="0" err="1">
-                <a:solidFill>
-                  <a:srgbClr val="000000"/>
-                </a:solidFill>
-                <a:latin typeface="Courier New" panose="02070309020205020404" pitchFamily="49" charset="0"/>
-              </a:rPr>
-              <a:t>Calendar</a:t>
-            </a:r>
-            <a:r>
-              <a:rPr lang="en-US" sz="1500" b="1" dirty="0" err="1">
-                <a:solidFill>
-                  <a:srgbClr val="000080"/>
-                </a:solidFill>
-                <a:latin typeface="Courier New" panose="02070309020205020404" pitchFamily="49" charset="0"/>
-              </a:rPr>
-              <a:t>.</a:t>
-            </a:r>
-            <a:r>
-              <a:rPr lang="en-US" sz="1500" dirty="0" err="1">
-                <a:solidFill>
-                  <a:srgbClr val="000000"/>
-                </a:solidFill>
-                <a:latin typeface="Courier New" panose="02070309020205020404" pitchFamily="49" charset="0"/>
-              </a:rPr>
-              <a:t>DAY_OF_MONTH</a:t>
-            </a:r>
-            <a:r>
-              <a:rPr lang="en-US" sz="1500" b="1" dirty="0">
-                <a:solidFill>
-                  <a:srgbClr val="000080"/>
-                </a:solidFill>
-                <a:latin typeface="Courier New" panose="02070309020205020404" pitchFamily="49" charset="0"/>
-              </a:rPr>
-              <a:t>);</a:t>
-            </a:r>
-            <a:r>
-              <a:rPr lang="en-US" sz="1500" dirty="0">
-                <a:solidFill>
-                  <a:srgbClr val="000000"/>
-                </a:solidFill>
-                <a:latin typeface="Courier New" panose="02070309020205020404" pitchFamily="49" charset="0"/>
-              </a:rPr>
-              <a:t> </a:t>
-            </a:r>
-            <a:r>
-              <a:rPr lang="sr-Cyrl-RS" sz="1500" dirty="0" smtClean="0">
-                <a:solidFill>
-                  <a:srgbClr val="000000"/>
-                </a:solidFill>
-                <a:latin typeface="Courier New" panose="02070309020205020404" pitchFamily="49" charset="0"/>
-              </a:rPr>
-              <a:t>	</a:t>
-            </a:r>
-            <a:r>
-              <a:rPr lang="en-US" sz="1500" dirty="0" err="1" smtClean="0">
-                <a:solidFill>
-                  <a:srgbClr val="000000"/>
-                </a:solidFill>
-                <a:latin typeface="Courier New" panose="02070309020205020404" pitchFamily="49" charset="0"/>
-              </a:rPr>
-              <a:t>x</a:t>
-            </a:r>
-            <a:r>
-              <a:rPr lang="en-US" sz="1500" b="1" dirty="0" err="1" smtClean="0">
-                <a:solidFill>
-                  <a:srgbClr val="000080"/>
-                </a:solidFill>
-                <a:latin typeface="Courier New" panose="02070309020205020404" pitchFamily="49" charset="0"/>
-              </a:rPr>
-              <a:t>.</a:t>
-            </a:r>
-            <a:r>
-              <a:rPr lang="en-US" sz="1500" dirty="0" err="1" smtClean="0">
-                <a:solidFill>
-                  <a:srgbClr val="000000"/>
-                </a:solidFill>
-                <a:latin typeface="Courier New" panose="02070309020205020404" pitchFamily="49" charset="0"/>
-              </a:rPr>
-              <a:t>add</a:t>
-            </a:r>
-            <a:r>
-              <a:rPr lang="en-US" sz="1500" b="1" dirty="0" smtClean="0">
-                <a:solidFill>
-                  <a:srgbClr val="000080"/>
-                </a:solidFill>
-                <a:latin typeface="Courier New" panose="02070309020205020404" pitchFamily="49" charset="0"/>
-              </a:rPr>
-              <a:t>(</a:t>
-            </a:r>
-            <a:r>
-              <a:rPr lang="en-US" sz="1500" dirty="0" err="1" smtClean="0">
-                <a:solidFill>
-                  <a:srgbClr val="000000"/>
-                </a:solidFill>
-                <a:latin typeface="Courier New" panose="02070309020205020404" pitchFamily="49" charset="0"/>
-              </a:rPr>
-              <a:t>Calendar</a:t>
-            </a:r>
-            <a:r>
-              <a:rPr lang="en-US" sz="1500" b="1" dirty="0" err="1" smtClean="0">
-                <a:solidFill>
-                  <a:srgbClr val="000080"/>
-                </a:solidFill>
-                <a:latin typeface="Courier New" panose="02070309020205020404" pitchFamily="49" charset="0"/>
-              </a:rPr>
-              <a:t>.</a:t>
-            </a:r>
-            <a:r>
-              <a:rPr lang="en-US" sz="1500" dirty="0" err="1" smtClean="0">
-                <a:solidFill>
-                  <a:srgbClr val="000000"/>
-                </a:solidFill>
-                <a:latin typeface="Courier New" panose="02070309020205020404" pitchFamily="49" charset="0"/>
-              </a:rPr>
-              <a:t>DAY_OF_MONTH</a:t>
-            </a:r>
-            <a:r>
-              <a:rPr lang="en-US" sz="1500" b="1" dirty="0">
-                <a:solidFill>
-                  <a:srgbClr val="000080"/>
-                </a:solidFill>
-                <a:latin typeface="Courier New" panose="02070309020205020404" pitchFamily="49" charset="0"/>
-              </a:rPr>
-              <a:t>,</a:t>
-            </a:r>
-            <a:r>
-              <a:rPr lang="en-US" sz="1500" dirty="0">
-                <a:solidFill>
-                  <a:srgbClr val="000000"/>
-                </a:solidFill>
-                <a:latin typeface="Courier New" panose="02070309020205020404" pitchFamily="49" charset="0"/>
-              </a:rPr>
-              <a:t> </a:t>
-            </a:r>
-            <a:r>
-              <a:rPr lang="en-US" sz="1500" dirty="0">
+              <a:rPr lang="en-US" sz="1500" dirty="0" smtClean="0">
                 <a:solidFill>
                   <a:srgbClr val="FF8000"/>
                 </a:solidFill>
@@ -22960,11 +23062,56 @@
             <a:r>
               <a:rPr lang="en-US" sz="1500" dirty="0" err="1" smtClean="0">
                 <a:solidFill>
-                  <a:srgbClr val="8000FF"/>
-                </a:solidFill>
-                <a:latin typeface="Courier New" panose="02070309020205020404" pitchFamily="49" charset="0"/>
-              </a:rPr>
-              <a:t>int</a:t>
+                  <a:srgbClr val="000000"/>
+                </a:solidFill>
+                <a:latin typeface="Courier New" panose="02070309020205020404" pitchFamily="49" charset="0"/>
+              </a:rPr>
+              <a:t>System</a:t>
+            </a:r>
+            <a:r>
+              <a:rPr lang="en-US" sz="1500" b="1" dirty="0" err="1" smtClean="0">
+                <a:solidFill>
+                  <a:srgbClr val="000080"/>
+                </a:solidFill>
+                <a:latin typeface="Courier New" panose="02070309020205020404" pitchFamily="49" charset="0"/>
+              </a:rPr>
+              <a:t>.</a:t>
+            </a:r>
+            <a:r>
+              <a:rPr lang="en-US" sz="1500" dirty="0" err="1" smtClean="0">
+                <a:solidFill>
+                  <a:srgbClr val="000000"/>
+                </a:solidFill>
+                <a:latin typeface="Courier New" panose="02070309020205020404" pitchFamily="49" charset="0"/>
+              </a:rPr>
+              <a:t>out</a:t>
+            </a:r>
+            <a:r>
+              <a:rPr lang="en-US" sz="1500" b="1" dirty="0" err="1" smtClean="0">
+                <a:solidFill>
+                  <a:srgbClr val="000080"/>
+                </a:solidFill>
+                <a:latin typeface="Courier New" panose="02070309020205020404" pitchFamily="49" charset="0"/>
+              </a:rPr>
+              <a:t>.</a:t>
+            </a:r>
+            <a:r>
+              <a:rPr lang="en-US" sz="1500" dirty="0" err="1" smtClean="0">
+                <a:solidFill>
+                  <a:srgbClr val="000000"/>
+                </a:solidFill>
+                <a:latin typeface="Courier New" panose="02070309020205020404" pitchFamily="49" charset="0"/>
+              </a:rPr>
+              <a:t>println</a:t>
+            </a:r>
+            <a:r>
+              <a:rPr lang="en-US" sz="1500" b="1" dirty="0" smtClean="0">
+                <a:solidFill>
+                  <a:srgbClr val="000080"/>
+                </a:solidFill>
+                <a:latin typeface="Courier New" panose="02070309020205020404" pitchFamily="49" charset="0"/>
+              </a:rPr>
+              <a:t>(</a:t>
             </a:r>
             <a:r>
               <a:rPr lang="en-US" sz="1500" dirty="0" smtClean="0">
@@ -22973,7 +23120,7 @@
                 </a:solidFill>
                 <a:latin typeface="Courier New" panose="02070309020205020404" pitchFamily="49" charset="0"/>
               </a:rPr>
-              <a:t> </a:t>
+              <a:t>datum2.until(datum1,ChronoUnit.DAYS</a:t>
             </a:r>
             <a:r>
               <a:rPr lang="en-US" sz="1500" dirty="0">
@@ -22982,204 +23129,7 @@
                 </a:solidFill>
                 <a:latin typeface="Courier New" panose="02070309020205020404" pitchFamily="49" charset="0"/>
               </a:rPr>
-              <a:t>d2 </a:t>
-            </a:r>
-            <a:r>
-              <a:rPr lang="en-US" sz="1500" b="1" dirty="0">
-                <a:solidFill>
-                  <a:srgbClr val="000080"/>
-                </a:solidFill>
-                <a:latin typeface="Courier New" panose="02070309020205020404" pitchFamily="49" charset="0"/>
-              </a:rPr>
-              <a:t>=</a:t>
-            </a:r>
-            <a:r>
-              <a:rPr lang="en-US" sz="1500" dirty="0">
-                <a:solidFill>
-                  <a:srgbClr val="000000"/>
-                </a:solidFill>
-                <a:latin typeface="Courier New" panose="02070309020205020404" pitchFamily="49" charset="0"/>
-              </a:rPr>
-              <a:t> </a:t>
-            </a:r>
-            <a:r>
-              <a:rPr lang="en-US" sz="1500" dirty="0" err="1">
-                <a:solidFill>
-                  <a:srgbClr val="000000"/>
-                </a:solidFill>
-                <a:latin typeface="Courier New" panose="02070309020205020404" pitchFamily="49" charset="0"/>
-              </a:rPr>
-              <a:t>x</a:t>
-            </a:r>
-            <a:r>
-              <a:rPr lang="en-US" sz="1500" b="1" dirty="0" err="1">
-                <a:solidFill>
-                  <a:srgbClr val="000080"/>
-                </a:solidFill>
-                <a:latin typeface="Courier New" panose="02070309020205020404" pitchFamily="49" charset="0"/>
-              </a:rPr>
-              <a:t>.</a:t>
-            </a:r>
-            <a:r>
-              <a:rPr lang="en-US" sz="1500" dirty="0" err="1">
-                <a:solidFill>
-                  <a:srgbClr val="000000"/>
-                </a:solidFill>
-                <a:latin typeface="Courier New" panose="02070309020205020404" pitchFamily="49" charset="0"/>
-              </a:rPr>
-              <a:t>get</a:t>
-            </a:r>
-            <a:r>
-              <a:rPr lang="en-US" sz="1500" b="1" dirty="0">
-                <a:solidFill>
-                  <a:srgbClr val="000080"/>
-                </a:solidFill>
-                <a:latin typeface="Courier New" panose="02070309020205020404" pitchFamily="49" charset="0"/>
-              </a:rPr>
-              <a:t>(</a:t>
-            </a:r>
-            <a:r>
-              <a:rPr lang="en-US" sz="1500" dirty="0" err="1">
-                <a:solidFill>
-                  <a:srgbClr val="000000"/>
-                </a:solidFill>
-                <a:latin typeface="Courier New" panose="02070309020205020404" pitchFamily="49" charset="0"/>
-              </a:rPr>
-              <a:t>Calendar</a:t>
-            </a:r>
-            <a:r>
-              <a:rPr lang="en-US" sz="1500" b="1" dirty="0" err="1">
-                <a:solidFill>
-                  <a:srgbClr val="000080"/>
-                </a:solidFill>
-                <a:latin typeface="Courier New" panose="02070309020205020404" pitchFamily="49" charset="0"/>
-              </a:rPr>
-              <a:t>.</a:t>
-            </a:r>
-            <a:r>
-              <a:rPr lang="en-US" sz="1500" dirty="0" err="1">
-                <a:solidFill>
-                  <a:srgbClr val="000000"/>
-                </a:solidFill>
-                <a:latin typeface="Courier New" panose="02070309020205020404" pitchFamily="49" charset="0"/>
-              </a:rPr>
-              <a:t>DAY_OF_MONTH</a:t>
-            </a:r>
-            <a:r>
-              <a:rPr lang="en-US" sz="1500" b="1" dirty="0">
-                <a:solidFill>
-                  <a:srgbClr val="000080"/>
-                </a:solidFill>
-                <a:latin typeface="Courier New" panose="02070309020205020404" pitchFamily="49" charset="0"/>
-              </a:rPr>
-              <a:t>);</a:t>
-            </a:r>
-            <a:r>
-              <a:rPr lang="en-US" sz="1500" dirty="0">
-                <a:solidFill>
-                  <a:srgbClr val="000000"/>
-                </a:solidFill>
-                <a:latin typeface="Courier New" panose="02070309020205020404" pitchFamily="49" charset="0"/>
-              </a:rPr>
-              <a:t> </a:t>
-            </a:r>
-            <a:endParaRPr lang="sr-Cyrl-RS" sz="1500" dirty="0" smtClean="0">
-              <a:solidFill>
-                <a:srgbClr val="000000"/>
-              </a:solidFill>
-              <a:latin typeface="Courier New" panose="02070309020205020404" pitchFamily="49" charset="0"/>
-            </a:endParaRPr>
-          </a:p>
-          <a:p>
-            <a:r>
-              <a:rPr lang="sr-Cyrl-RS" sz="1500" dirty="0">
-                <a:solidFill>
-                  <a:srgbClr val="000000"/>
-                </a:solidFill>
-                <a:latin typeface="Courier New" panose="02070309020205020404" pitchFamily="49" charset="0"/>
-              </a:rPr>
-              <a:t>	</a:t>
-            </a:r>
-            <a:r>
-              <a:rPr lang="en-US" sz="1500" dirty="0" err="1" smtClean="0">
-                <a:solidFill>
-                  <a:srgbClr val="000000"/>
-                </a:solidFill>
-                <a:latin typeface="Courier New" panose="02070309020205020404" pitchFamily="49" charset="0"/>
-              </a:rPr>
-              <a:t>System</a:t>
-            </a:r>
-            <a:r>
-              <a:rPr lang="en-US" sz="1500" b="1" dirty="0" err="1" smtClean="0">
-                <a:solidFill>
-                  <a:srgbClr val="000080"/>
-                </a:solidFill>
-                <a:latin typeface="Courier New" panose="02070309020205020404" pitchFamily="49" charset="0"/>
-              </a:rPr>
-              <a:t>.</a:t>
-            </a:r>
-            <a:r>
-              <a:rPr lang="en-US" sz="1500" dirty="0" err="1" smtClean="0">
-                <a:solidFill>
-                  <a:srgbClr val="000000"/>
-                </a:solidFill>
-                <a:latin typeface="Courier New" panose="02070309020205020404" pitchFamily="49" charset="0"/>
-              </a:rPr>
-              <a:t>out</a:t>
-            </a:r>
-            <a:r>
-              <a:rPr lang="en-US" sz="1500" b="1" dirty="0" err="1" smtClean="0">
-                <a:solidFill>
-                  <a:srgbClr val="000080"/>
-                </a:solidFill>
-                <a:latin typeface="Courier New" panose="02070309020205020404" pitchFamily="49" charset="0"/>
-              </a:rPr>
-              <a:t>.</a:t>
-            </a:r>
-            <a:r>
-              <a:rPr lang="en-US" sz="1500" dirty="0" err="1" smtClean="0">
-                <a:solidFill>
-                  <a:srgbClr val="000000"/>
-                </a:solidFill>
-                <a:latin typeface="Courier New" panose="02070309020205020404" pitchFamily="49" charset="0"/>
-              </a:rPr>
-              <a:t>println</a:t>
-            </a:r>
-            <a:r>
-              <a:rPr lang="en-US" sz="1500" b="1" dirty="0" smtClean="0">
-                <a:solidFill>
-                  <a:srgbClr val="000080"/>
-                </a:solidFill>
-                <a:latin typeface="Courier New" panose="02070309020205020404" pitchFamily="49" charset="0"/>
-              </a:rPr>
-              <a:t>(</a:t>
-            </a:r>
-            <a:r>
-              <a:rPr lang="en-US" sz="1500" dirty="0" smtClean="0">
-                <a:solidFill>
-                  <a:srgbClr val="000000"/>
-                </a:solidFill>
-                <a:latin typeface="Courier New" panose="02070309020205020404" pitchFamily="49" charset="0"/>
-              </a:rPr>
-              <a:t>d2 </a:t>
-            </a:r>
-            <a:r>
-              <a:rPr lang="en-US" sz="1500" b="1" dirty="0">
-                <a:solidFill>
-                  <a:srgbClr val="000080"/>
-                </a:solidFill>
-                <a:latin typeface="Courier New" panose="02070309020205020404" pitchFamily="49" charset="0"/>
-              </a:rPr>
-              <a:t>-</a:t>
-            </a:r>
-            <a:r>
-              <a:rPr lang="en-US" sz="1500" dirty="0">
-                <a:solidFill>
-                  <a:srgbClr val="000000"/>
-                </a:solidFill>
-                <a:latin typeface="Courier New" panose="02070309020205020404" pitchFamily="49" charset="0"/>
-              </a:rPr>
-              <a:t> d1</a:t>
+              <a:t>)</a:t>
             </a:r>
             <a:r>
               <a:rPr lang="en-US" sz="1500" b="1" dirty="0" smtClean="0">
@@ -23217,16 +23167,38 @@
               <a:rPr lang="sr-Cyrl-RS" sz="2000" dirty="0" smtClean="0">
                 <a:latin typeface="Garamond" pitchFamily="18" charset="0"/>
               </a:rPr>
-              <a:t>, без обзира да ли је променљива </a:t>
+              <a:t>, без обзира да ли </a:t>
+            </a:r>
+            <a:r>
+              <a:rPr lang="sr-Cyrl-RS" sz="2000" dirty="0" smtClean="0">
+                <a:latin typeface="Garamond" pitchFamily="18" charset="0"/>
+              </a:rPr>
+              <a:t>су променљиве </a:t>
             </a:r>
             <a:r>
               <a:rPr lang="en-US" sz="2000" dirty="0" smtClean="0">
                 <a:latin typeface="+mn-lt"/>
               </a:rPr>
-              <a:t>x</a:t>
+              <a:t>d1</a:t>
+            </a:r>
+            <a:r>
+              <a:rPr lang="en-US" sz="2000" dirty="0" smtClean="0"/>
+              <a:t> </a:t>
+            </a:r>
+            <a:r>
+              <a:rPr lang="sr-Cyrl-RS" sz="2000" dirty="0" smtClean="0">
+                <a:latin typeface="Garamond" pitchFamily="18" charset="0"/>
+              </a:rPr>
+              <a:t>и </a:t>
             </a:r>
             <a:r>
               <a:rPr lang="en-US" sz="2000" dirty="0" smtClean="0">
+                <a:latin typeface="+mn-lt"/>
+              </a:rPr>
+              <a:t>d2</a:t>
+            </a:r>
+            <a:r>
+              <a:rPr lang="en-US" sz="2000" dirty="0" smtClean="0">
                 <a:latin typeface="Garamond" pitchFamily="18" charset="0"/>
               </a:rPr>
               <a:t> </a:t>
@@ -23244,13 +23216,13 @@
               <a:t> </a:t>
             </a:r>
             <a:r>
-              <a:rPr lang="en-US" sz="2000" dirty="0" err="1">
+              <a:rPr lang="en-US" sz="2000" dirty="0" err="1" smtClean="0">
                 <a:latin typeface="+mn-lt"/>
               </a:rPr>
-              <a:t>GregorianCalendar</a:t>
-            </a:r>
-            <a:r>
-              <a:rPr lang="en-US" sz="2000" dirty="0">
+              <a:t>LocalDate</a:t>
+            </a:r>
+            <a:r>
+              <a:rPr lang="en-US" sz="2000" dirty="0" smtClean="0">
                 <a:latin typeface="Garamond" pitchFamily="18" charset="0"/>
               </a:rPr>
               <a:t> </a:t>
@@ -23289,7 +23261,7 @@
         </p:nvSpPr>
         <p:spPr>
           <a:xfrm>
-            <a:off x="1371600" y="549275"/>
+            <a:off x="1371600" y="404664"/>
             <a:ext cx="7772400" cy="868363"/>
           </a:xfrm>
           <a:prstGeom prst="rect">
@@ -23433,12 +23405,20 @@
               <a:defRPr/>
             </a:pPr>
             <a:r>
+              <a:rPr lang="sr-Cyrl-RS" sz="3600" b="1" kern="0" dirty="0">
+                <a:solidFill>
+                  <a:srgbClr val="0070C0"/>
+                </a:solidFill>
+              </a:rPr>
+              <a:t>Додатне препоруке </a:t>
+            </a:r>
+            <a:r>
               <a:rPr lang="sr-Cyrl-RS" sz="3600" b="1" kern="0" dirty="0" smtClean="0">
                 <a:solidFill>
                   <a:srgbClr val="0070C0"/>
                 </a:solidFill>
               </a:rPr>
-              <a:t>Препоруке за наслеђивање (4)</a:t>
+              <a:t>за наслеђивање (4)</a:t>
             </a:r>
             <a:endParaRPr lang="en-US" sz="3600" b="1" kern="0" dirty="0">
               <a:solidFill>
@@ -23456,8 +23436,8 @@
         </p:nvSpPr>
         <p:spPr>
           <a:xfrm>
-            <a:off x="1371600" y="4365104"/>
-            <a:ext cx="4640560" cy="1080120"/>
+            <a:off x="539552" y="4725144"/>
+            <a:ext cx="8451850" cy="864096"/>
           </a:xfrm>
           <a:prstGeom prst="rect">
             <a:avLst/>
@@ -23564,13 +23544,13 @@
                     </p:cTn>
                   </p:par>
                   <p:par>
-                    <p:cTn id="8" fill="hold" nodeType="clickPar">
+                    <p:cTn id="8" fill="hold">
                       <p:stCondLst>
                         <p:cond delay="indefinite"/>
                       </p:stCondLst>
                       <p:childTnLst>
                         <p:par>
-                          <p:cTn id="9" fill="hold" nodeType="withGroup">
+                          <p:cTn id="9" fill="hold">
                             <p:stCondLst>
                               <p:cond delay="0"/>
                             </p:stCondLst>
@@ -23686,13 +23666,13 @@
                     </p:cTn>
                   </p:par>
                   <p:par>
-                    <p:cTn id="18" fill="hold">
+                    <p:cTn id="18" fill="hold" nodeType="clickPar">
                       <p:stCondLst>
                         <p:cond delay="indefinite"/>
                       </p:stCondLst>
                       <p:childTnLst>
                         <p:par>
-                          <p:cTn id="19" fill="hold">
+                          <p:cTn id="19" fill="hold" nodeType="withGroup">
                             <p:stCondLst>
                               <p:cond delay="0"/>
                             </p:stCondLst>
@@ -23740,15 +23720,76 @@
                                   </p:childTnLst>
                                 </p:cTn>
                               </p:par>
+                            </p:childTnLst>
+                          </p:cTn>
+                        </p:par>
+                      </p:childTnLst>
+                    </p:cTn>
+                  </p:par>
+                  <p:par>
+                    <p:cTn id="23" fill="hold">
+                      <p:stCondLst>
+                        <p:cond delay="indefinite"/>
+                      </p:stCondLst>
+                      <p:childTnLst>
+                        <p:par>
+                          <p:cTn id="24" fill="hold">
+                            <p:stCondLst>
+                              <p:cond delay="0"/>
+                            </p:stCondLst>
+                            <p:childTnLst>
                               <p:par>
-                                <p:cTn id="23" presetID="10" presetClass="entr" presetSubtype="0" fill="hold" grpId="0" nodeType="withEffect">
+                                <p:cTn id="25" presetID="3" presetClass="entr" presetSubtype="10" fill="hold" nodeType="clickEffect">
                                   <p:stCondLst>
                                     <p:cond delay="0"/>
                                   </p:stCondLst>
                                   <p:childTnLst>
                                     <p:set>
                                       <p:cBhvr>
-                                        <p:cTn id="24" dur="1" fill="hold">
+                                        <p:cTn id="26" dur="1" fill="hold">
+                                          <p:stCondLst>
+                                            <p:cond delay="0"/>
+                                          </p:stCondLst>
+                                        </p:cTn>
+                                        <p:tgtEl>
+                                          <p:spTgt spid="26626">
+                                            <p:txEl>
+                                              <p:pRg st="4" end="4"/>
+                                            </p:txEl>
+                                          </p:spTgt>
+                                        </p:tgtEl>
+                                        <p:attrNameLst>
+                                          <p:attrName>style.visibility</p:attrName>
+                                        </p:attrNameLst>
+                                      </p:cBhvr>
+                                      <p:to>
+                                        <p:strVal val="visible"/>
+                                      </p:to>
+                                    </p:set>
+                                    <p:animEffect transition="in" filter="blinds(horizontal)">
+                                      <p:cBhvr>
+                                        <p:cTn id="27" dur="500"/>
+                                        <p:tgtEl>
+                                          <p:spTgt spid="26626">
+                                            <p:txEl>
+                                              <p:pRg st="4" end="4"/>
+                                            </p:txEl>
+                                          </p:spTgt>
+                                        </p:tgtEl>
+                                      </p:cBhvr>
+                                    </p:animEffect>
+                                  </p:childTnLst>
+                                </p:cTn>
+                              </p:par>
+                              <p:par>
+                                <p:cTn id="28" presetID="10" presetClass="entr" presetSubtype="0" fill="hold" grpId="0" nodeType="withEffect">
+                                  <p:stCondLst>
+                                    <p:cond delay="0"/>
+                                  </p:stCondLst>
+                                  <p:childTnLst>
+                                    <p:set>
+                                      <p:cBhvr>
+                                        <p:cTn id="29" dur="1" fill="hold">
                                           <p:stCondLst>
                                             <p:cond delay="0"/>
                                           </p:stCondLst>
@@ -23766,7 +23807,7 @@
                                     </p:set>
                                     <p:animEffect transition="in" filter="fade">
                                       <p:cBhvr>
-                                        <p:cTn id="25" dur="500"/>
+                                        <p:cTn id="30" dur="500"/>
                                         <p:tgtEl>
                                           <p:spTgt spid="2"/>
                                         </p:tgtEl>
@@ -23776,14 +23817,14 @@
                                 </p:cTn>
                               </p:par>
                               <p:par>
-                                <p:cTn id="26" presetID="3" presetClass="entr" presetSubtype="10" fill="hold" nodeType="withEffect">
+                                <p:cTn id="31" presetID="3" presetClass="entr" presetSubtype="10" fill="hold" nodeType="withEffect">
                                   <p:stCondLst>
                                     <p:cond delay="0"/>
                                   </p:stCondLst>
                                   <p:childTnLst>
                                     <p:set>
                                       <p:cBhvr>
-                                        <p:cTn id="27" dur="1" fill="hold">
+                                        <p:cTn id="32" dur="1" fill="hold">
                                           <p:stCondLst>
                                             <p:cond delay="0"/>
                                           </p:stCondLst>
@@ -23791,7 +23832,7 @@
                                         <p:tgtEl>
                                           <p:spTgt spid="26626">
                                             <p:txEl>
-                                              <p:pRg st="5" end="5"/>
+                                              <p:pRg st="6" end="6"/>
                                             </p:txEl>
                                           </p:spTgt>
                                         </p:tgtEl>
@@ -23805,11 +23846,11 @@
                                     </p:set>
                                     <p:animEffect transition="in" filter="blinds(horizontal)">
                                       <p:cBhvr>
-                                        <p:cTn id="28" dur="500"/>
+                                        <p:cTn id="33" dur="500"/>
                                         <p:tgtEl>
                                           <p:spTgt spid="26626">
                                             <p:txEl>
-                                              <p:pRg st="5" end="5"/>
+                                              <p:pRg st="6" end="6"/>
                                             </p:txEl>
                                           </p:spTgt>
                                         </p:tgtEl>
@@ -23819,14 +23860,14 @@
                                 </p:cTn>
                               </p:par>
                               <p:par>
-                                <p:cTn id="29" presetID="3" presetClass="entr" presetSubtype="10" fill="hold" nodeType="withEffect">
+                                <p:cTn id="34" presetID="3" presetClass="entr" presetSubtype="10" fill="hold" nodeType="withEffect">
                                   <p:stCondLst>
                                     <p:cond delay="0"/>
                                   </p:stCondLst>
                                   <p:childTnLst>
                                     <p:set>
                                       <p:cBhvr>
-                                        <p:cTn id="30" dur="1" fill="hold">
+                                        <p:cTn id="35" dur="1" fill="hold">
                                           <p:stCondLst>
                                             <p:cond delay="0"/>
                                           </p:stCondLst>
@@ -23834,7 +23875,7 @@
                                         <p:tgtEl>
                                           <p:spTgt spid="26626">
                                             <p:txEl>
-                                              <p:pRg st="6" end="6"/>
+                                              <p:pRg st="7" end="7"/>
                                             </p:txEl>
                                           </p:spTgt>
                                         </p:tgtEl>
@@ -23848,11 +23889,11 @@
                                     </p:set>
                                     <p:animEffect transition="in" filter="blinds(horizontal)">
                                       <p:cBhvr>
-                                        <p:cTn id="31" dur="500"/>
+                                        <p:cTn id="36" dur="500"/>
                                         <p:tgtEl>
                                           <p:spTgt spid="26626">
                                             <p:txEl>
-                                              <p:pRg st="6" end="6"/>
+                                              <p:pRg st="7" end="7"/>
                                             </p:txEl>
                                           </p:spTgt>
                                         </p:tgtEl>
@@ -23862,14 +23903,14 @@
                                 </p:cTn>
                               </p:par>
                               <p:par>
-                                <p:cTn id="32" presetID="3" presetClass="entr" presetSubtype="10" fill="hold" nodeType="withEffect">
+                                <p:cTn id="37" presetID="3" presetClass="entr" presetSubtype="10" fill="hold" nodeType="withEffect">
                                   <p:stCondLst>
                                     <p:cond delay="0"/>
                                   </p:stCondLst>
                                   <p:childTnLst>
                                     <p:set>
                                       <p:cBhvr>
-                                        <p:cTn id="33" dur="1" fill="hold">
+                                        <p:cTn id="38" dur="1" fill="hold">
                                           <p:stCondLst>
                                             <p:cond delay="0"/>
                                           </p:stCondLst>
@@ -23877,7 +23918,7 @@
                                         <p:tgtEl>
                                           <p:spTgt spid="26626">
                                             <p:txEl>
-                                              <p:pRg st="7" end="7"/>
+                                              <p:pRg st="8" end="8"/>
                                             </p:txEl>
                                           </p:spTgt>
                                         </p:tgtEl>
@@ -23891,11 +23932,11 @@
                                     </p:set>
                                     <p:animEffect transition="in" filter="blinds(horizontal)">
                                       <p:cBhvr>
-                                        <p:cTn id="34" dur="500"/>
+                                        <p:cTn id="39" dur="500"/>
                                         <p:tgtEl>
                                           <p:spTgt spid="26626">
                                             <p:txEl>
-                                              <p:pRg st="7" end="7"/>
+                                              <p:pRg st="8" end="8"/>
                                             </p:txEl>
                                           </p:spTgt>
                                         </p:tgtEl>
@@ -23911,26 +23952,26 @@
                     </p:cTn>
                   </p:par>
                   <p:par>
-                    <p:cTn id="35" fill="hold" nodeType="clickPar">
+                    <p:cTn id="40" fill="hold" nodeType="clickPar">
                       <p:stCondLst>
                         <p:cond delay="indefinite"/>
                       </p:stCondLst>
                       <p:childTnLst>
                         <p:par>
-                          <p:cTn id="36" fill="hold" nodeType="withGroup">
+                          <p:cTn id="41" fill="hold" nodeType="withGroup">
                             <p:stCondLst>
                               <p:cond delay="0"/>
                             </p:stCondLst>
                             <p:childTnLst>
                               <p:par>
-                                <p:cTn id="37" presetID="3" presetClass="entr" presetSubtype="10" fill="hold" nodeType="clickEffect">
+                                <p:cTn id="42" presetID="3" presetClass="entr" presetSubtype="10" fill="hold" nodeType="clickEffect">
                                   <p:stCondLst>
                                     <p:cond delay="0"/>
                                   </p:stCondLst>
                                   <p:childTnLst>
                                     <p:set>
                                       <p:cBhvr>
-                                        <p:cTn id="38" dur="1" fill="hold">
+                                        <p:cTn id="43" dur="1" fill="hold">
                                           <p:stCondLst>
                                             <p:cond delay="0"/>
                                           </p:stCondLst>
@@ -23938,7 +23979,7 @@
                                         <p:tgtEl>
                                           <p:spTgt spid="26626">
                                             <p:txEl>
-                                              <p:pRg st="8" end="8"/>
+                                              <p:pRg st="9" end="9"/>
                                             </p:txEl>
                                           </p:spTgt>
                                         </p:tgtEl>
@@ -23952,11 +23993,11 @@
                                     </p:set>
                                     <p:animEffect transition="in" filter="blinds(horizontal)">
                                       <p:cBhvr>
-                                        <p:cTn id="39" dur="500"/>
+                                        <p:cTn id="44" dur="500"/>
                                         <p:tgtEl>
                                           <p:spTgt spid="26626">
                                             <p:txEl>
-                                              <p:pRg st="8" end="8"/>
+                                              <p:pRg st="9" end="9"/>
                                             </p:txEl>
                                           </p:spTgt>
                                         </p:tgtEl>
@@ -24027,7 +24068,7 @@
         <p:spPr bwMode="auto">
           <a:xfrm>
             <a:off x="539750" y="1416050"/>
-            <a:ext cx="8451850" cy="5247590"/>
+            <a:ext cx="8451850" cy="5216813"/>
           </a:xfrm>
           <a:prstGeom prst="rect">
             <a:avLst/>
@@ -24182,6 +24223,29 @@
             </a:endParaRPr>
           </a:p>
           <a:p>
+            <a:pPr>
+              <a:spcBef>
+                <a:spcPts val="600"/>
+              </a:spcBef>
+              <a:defRPr/>
+            </a:pPr>
+            <a:r>
+              <a:rPr lang="en-US" b="1" u="sng" dirty="0" smtClean="0">
+                <a:latin typeface="Garamond" pitchFamily="18" charset="0"/>
+              </a:rPr>
+              <a:t>SO</a:t>
+            </a:r>
+            <a:r>
+              <a:rPr lang="en-US" dirty="0" smtClean="0">
+                <a:latin typeface="Garamond" pitchFamily="18" charset="0"/>
+              </a:rPr>
+              <a:t>LID</a:t>
+            </a:r>
+            <a:endParaRPr lang="en-US" dirty="0" smtClean="0">
+              <a:latin typeface="Garamond" pitchFamily="18" charset="0"/>
+            </a:endParaRPr>
+          </a:p>
+          <a:p>
             <a:pPr marL="342900" indent="-342900">
               <a:spcBef>
                 <a:spcPts val="600"/>
@@ -24194,7 +24258,13 @@
               <a:rPr lang="sr-Cyrl-RS" dirty="0" smtClean="0">
                 <a:latin typeface="Garamond" pitchFamily="18" charset="0"/>
               </a:rPr>
-              <a:t>Кад год се наиђе на код облика:</a:t>
+              <a:t>Кад </a:t>
+            </a:r>
+            <a:r>
+              <a:rPr lang="sr-Cyrl-RS" dirty="0" smtClean="0">
+                <a:latin typeface="Garamond" pitchFamily="18" charset="0"/>
+              </a:rPr>
+              <a:t>год се наиђе на код облика:</a:t>
             </a:r>
             <a:endParaRPr lang="en-US" dirty="0">
               <a:latin typeface="Garamond" pitchFamily="18" charset="0"/>
@@ -24680,17 +24750,6 @@
               <a:t>.</a:t>
             </a:r>
             <a:endParaRPr lang="en-US" dirty="0">
-              <a:latin typeface="Garamond" pitchFamily="18" charset="0"/>
-            </a:endParaRPr>
-          </a:p>
-          <a:p>
-            <a:pPr>
-              <a:spcBef>
-                <a:spcPts val="600"/>
-              </a:spcBef>
-              <a:defRPr/>
-            </a:pPr>
-            <a:endParaRPr lang="en-US" dirty="0" smtClean="0">
               <a:latin typeface="Garamond" pitchFamily="18" charset="0"/>
             </a:endParaRPr>
           </a:p>
@@ -24706,7 +24765,7 @@
         </p:nvSpPr>
         <p:spPr>
           <a:xfrm>
-            <a:off x="1371600" y="549275"/>
+            <a:off x="1371600" y="476672"/>
             <a:ext cx="7772400" cy="868363"/>
           </a:xfrm>
           <a:prstGeom prst="rect">
@@ -24850,12 +24909,20 @@
               <a:defRPr/>
             </a:pPr>
             <a:r>
+              <a:rPr lang="sr-Cyrl-RS" sz="3600" b="1" kern="0" dirty="0">
+                <a:solidFill>
+                  <a:srgbClr val="0070C0"/>
+                </a:solidFill>
+              </a:rPr>
+              <a:t>Додатне препоруке </a:t>
+            </a:r>
+            <a:r>
               <a:rPr lang="sr-Cyrl-RS" sz="3600" b="1" kern="0" dirty="0" smtClean="0">
                 <a:solidFill>
                   <a:srgbClr val="0070C0"/>
                 </a:solidFill>
               </a:rPr>
-              <a:t>Препоруке за наслеђивање (5)</a:t>
+              <a:t>за наслеђивање (5)</a:t>
             </a:r>
             <a:endParaRPr lang="en-US" sz="3600" b="1" kern="0" dirty="0">
               <a:solidFill>
@@ -24940,19 +25007,19 @@
                     </p:cTn>
                   </p:par>
                   <p:par>
-                    <p:cTn id="8" fill="hold" nodeType="clickPar">
+                    <p:cTn id="8" fill="hold">
                       <p:stCondLst>
                         <p:cond delay="indefinite"/>
                       </p:stCondLst>
                       <p:childTnLst>
                         <p:par>
-                          <p:cTn id="9" fill="hold" nodeType="withGroup">
+                          <p:cTn id="9" fill="hold">
                             <p:stCondLst>
                               <p:cond delay="0"/>
                             </p:stCondLst>
                             <p:childTnLst>
                               <p:par>
-                                <p:cTn id="10" presetID="10" presetClass="entr" presetSubtype="0" fill="hold" nodeType="clickEffect">
+                                <p:cTn id="10" presetID="3" presetClass="entr" presetSubtype="10" fill="hold" nodeType="clickEffect">
                                   <p:stCondLst>
                                     <p:cond delay="0"/>
                                   </p:stCondLst>
@@ -24979,228 +25046,13 @@
                                         <p:strVal val="visible"/>
                                       </p:to>
                                     </p:set>
-                                    <p:animEffect transition="in" filter="fade">
+                                    <p:animEffect transition="in" filter="blinds(horizontal)">
                                       <p:cBhvr>
                                         <p:cTn id="12" dur="500"/>
                                         <p:tgtEl>
                                           <p:spTgt spid="26626">
                                             <p:txEl>
                                               <p:pRg st="1" end="1"/>
-                                            </p:txEl>
-                                          </p:spTgt>
-                                        </p:tgtEl>
-                                      </p:cBhvr>
-                                    </p:animEffect>
-                                  </p:childTnLst>
-                                </p:cTn>
-                              </p:par>
-                              <p:par>
-                                <p:cTn id="13" presetID="10" presetClass="entr" presetSubtype="0" fill="hold" nodeType="withEffect">
-                                  <p:stCondLst>
-                                    <p:cond delay="0"/>
-                                  </p:stCondLst>
-                                  <p:childTnLst>
-                                    <p:set>
-                                      <p:cBhvr>
-                                        <p:cTn id="14" dur="1" fill="hold">
-                                          <p:stCondLst>
-                                            <p:cond delay="0"/>
-                                          </p:stCondLst>
-                                        </p:cTn>
-                                        <p:tgtEl>
-                                          <p:spTgt spid="26626">
-                                            <p:txEl>
-                                              <p:pRg st="3" end="3"/>
-                                            </p:txEl>
-                                          </p:spTgt>
-                                        </p:tgtEl>
-                                        <p:attrNameLst>
-                                          <p:attrName>style.visibility</p:attrName>
-                                        </p:attrNameLst>
-                                      </p:cBhvr>
-                                      <p:to>
-                                        <p:strVal val="visible"/>
-                                      </p:to>
-                                    </p:set>
-                                    <p:animEffect transition="in" filter="fade">
-                                      <p:cBhvr>
-                                        <p:cTn id="15" dur="500"/>
-                                        <p:tgtEl>
-                                          <p:spTgt spid="26626">
-                                            <p:txEl>
-                                              <p:pRg st="3" end="3"/>
-                                            </p:txEl>
-                                          </p:spTgt>
-                                        </p:tgtEl>
-                                      </p:cBhvr>
-                                    </p:animEffect>
-                                  </p:childTnLst>
-                                </p:cTn>
-                              </p:par>
-                              <p:par>
-                                <p:cTn id="16" presetID="10" presetClass="entr" presetSubtype="0" fill="hold" nodeType="withEffect">
-                                  <p:stCondLst>
-                                    <p:cond delay="0"/>
-                                  </p:stCondLst>
-                                  <p:childTnLst>
-                                    <p:set>
-                                      <p:cBhvr>
-                                        <p:cTn id="17" dur="1" fill="hold">
-                                          <p:stCondLst>
-                                            <p:cond delay="0"/>
-                                          </p:stCondLst>
-                                        </p:cTn>
-                                        <p:tgtEl>
-                                          <p:spTgt spid="26626">
-                                            <p:txEl>
-                                              <p:pRg st="4" end="4"/>
-                                            </p:txEl>
-                                          </p:spTgt>
-                                        </p:tgtEl>
-                                        <p:attrNameLst>
-                                          <p:attrName>style.visibility</p:attrName>
-                                        </p:attrNameLst>
-                                      </p:cBhvr>
-                                      <p:to>
-                                        <p:strVal val="visible"/>
-                                      </p:to>
-                                    </p:set>
-                                    <p:animEffect transition="in" filter="fade">
-                                      <p:cBhvr>
-                                        <p:cTn id="18" dur="500"/>
-                                        <p:tgtEl>
-                                          <p:spTgt spid="26626">
-                                            <p:txEl>
-                                              <p:pRg st="4" end="4"/>
-                                            </p:txEl>
-                                          </p:spTgt>
-                                        </p:tgtEl>
-                                      </p:cBhvr>
-                                    </p:animEffect>
-                                  </p:childTnLst>
-                                </p:cTn>
-                              </p:par>
-                              <p:par>
-                                <p:cTn id="19" presetID="10" presetClass="entr" presetSubtype="0" fill="hold" nodeType="withEffect">
-                                  <p:stCondLst>
-                                    <p:cond delay="0"/>
-                                  </p:stCondLst>
-                                  <p:childTnLst>
-                                    <p:set>
-                                      <p:cBhvr>
-                                        <p:cTn id="20" dur="1" fill="hold">
-                                          <p:stCondLst>
-                                            <p:cond delay="0"/>
-                                          </p:stCondLst>
-                                        </p:cTn>
-                                        <p:tgtEl>
-                                          <p:spTgt spid="26626">
-                                            <p:txEl>
-                                              <p:pRg st="5" end="5"/>
-                                            </p:txEl>
-                                          </p:spTgt>
-                                        </p:tgtEl>
-                                        <p:attrNameLst>
-                                          <p:attrName>style.visibility</p:attrName>
-                                        </p:attrNameLst>
-                                      </p:cBhvr>
-                                      <p:to>
-                                        <p:strVal val="visible"/>
-                                      </p:to>
-                                    </p:set>
-                                    <p:animEffect transition="in" filter="fade">
-                                      <p:cBhvr>
-                                        <p:cTn id="21" dur="500"/>
-                                        <p:tgtEl>
-                                          <p:spTgt spid="26626">
-                                            <p:txEl>
-                                              <p:pRg st="5" end="5"/>
-                                            </p:txEl>
-                                          </p:spTgt>
-                                        </p:tgtEl>
-                                      </p:cBhvr>
-                                    </p:animEffect>
-                                  </p:childTnLst>
-                                </p:cTn>
-                              </p:par>
-                              <p:par>
-                                <p:cTn id="22" presetID="10" presetClass="entr" presetSubtype="0" fill="hold" nodeType="withEffect">
-                                  <p:stCondLst>
-                                    <p:cond delay="0"/>
-                                  </p:stCondLst>
-                                  <p:childTnLst>
-                                    <p:set>
-                                      <p:cBhvr>
-                                        <p:cTn id="23" dur="1" fill="hold">
-                                          <p:stCondLst>
-                                            <p:cond delay="0"/>
-                                          </p:stCondLst>
-                                        </p:cTn>
-                                        <p:tgtEl>
-                                          <p:spTgt spid="26626">
-                                            <p:txEl>
-                                              <p:pRg st="6" end="6"/>
-                                            </p:txEl>
-                                          </p:spTgt>
-                                        </p:tgtEl>
-                                        <p:attrNameLst>
-                                          <p:attrName>style.visibility</p:attrName>
-                                        </p:attrNameLst>
-                                      </p:cBhvr>
-                                      <p:to>
-                                        <p:strVal val="visible"/>
-                                      </p:to>
-                                    </p:set>
-                                    <p:animEffect transition="in" filter="fade">
-                                      <p:cBhvr>
-                                        <p:cTn id="24" dur="500"/>
-                                        <p:tgtEl>
-                                          <p:spTgt spid="26626">
-                                            <p:txEl>
-                                              <p:pRg st="6" end="6"/>
-                                            </p:txEl>
-                                          </p:spTgt>
-                                        </p:tgtEl>
-                                      </p:cBhvr>
-                                    </p:animEffect>
-                                  </p:childTnLst>
-                                </p:cTn>
-                              </p:par>
-                              <p:par>
-                                <p:cTn id="25" presetID="10" presetClass="entr" presetSubtype="0" fill="hold" nodeType="withEffect">
-                                  <p:stCondLst>
-                                    <p:cond delay="0"/>
-                                  </p:stCondLst>
-                                  <p:childTnLst>
-                                    <p:set>
-                                      <p:cBhvr>
-                                        <p:cTn id="26" dur="1" fill="hold">
-                                          <p:stCondLst>
-                                            <p:cond delay="0"/>
-                                          </p:stCondLst>
-                                        </p:cTn>
-                                        <p:tgtEl>
-                                          <p:spTgt spid="26626">
-                                            <p:txEl>
-                                              <p:pRg st="7" end="7"/>
-                                            </p:txEl>
-                                          </p:spTgt>
-                                        </p:tgtEl>
-                                        <p:attrNameLst>
-                                          <p:attrName>style.visibility</p:attrName>
-                                        </p:attrNameLst>
-                                      </p:cBhvr>
-                                      <p:to>
-                                        <p:strVal val="visible"/>
-                                      </p:to>
-                                    </p:set>
-                                    <p:animEffect transition="in" filter="fade">
-                                      <p:cBhvr>
-                                        <p:cTn id="27" dur="500"/>
-                                        <p:tgtEl>
-                                          <p:spTgt spid="26626">
-                                            <p:txEl>
-                                              <p:pRg st="7" end="7"/>
                                             </p:txEl>
                                           </p:spTgt>
                                         </p:tgtEl>
@@ -25216,25 +25068,240 @@
                     </p:cTn>
                   </p:par>
                   <p:par>
-                    <p:cTn id="28" fill="hold" nodeType="clickPar">
+                    <p:cTn id="13" fill="hold" nodeType="clickPar">
                       <p:stCondLst>
                         <p:cond delay="indefinite"/>
                       </p:stCondLst>
                       <p:childTnLst>
                         <p:par>
-                          <p:cTn id="29" fill="hold" nodeType="withGroup">
+                          <p:cTn id="14" fill="hold" nodeType="withGroup">
                             <p:stCondLst>
                               <p:cond delay="0"/>
                             </p:stCondLst>
                             <p:childTnLst>
                               <p:par>
-                                <p:cTn id="30" presetID="10" presetClass="entr" presetSubtype="0" fill="hold" nodeType="clickEffect">
+                                <p:cTn id="15" presetID="10" presetClass="entr" presetSubtype="0" fill="hold" nodeType="clickEffect">
                                   <p:stCondLst>
                                     <p:cond delay="0"/>
                                   </p:stCondLst>
                                   <p:childTnLst>
                                     <p:set>
                                       <p:cBhvr>
+                                        <p:cTn id="16" dur="1" fill="hold">
+                                          <p:stCondLst>
+                                            <p:cond delay="0"/>
+                                          </p:stCondLst>
+                                        </p:cTn>
+                                        <p:tgtEl>
+                                          <p:spTgt spid="26626">
+                                            <p:txEl>
+                                              <p:pRg st="2" end="2"/>
+                                            </p:txEl>
+                                          </p:spTgt>
+                                        </p:tgtEl>
+                                        <p:attrNameLst>
+                                          <p:attrName>style.visibility</p:attrName>
+                                        </p:attrNameLst>
+                                      </p:cBhvr>
+                                      <p:to>
+                                        <p:strVal val="visible"/>
+                                      </p:to>
+                                    </p:set>
+                                    <p:animEffect transition="in" filter="fade">
+                                      <p:cBhvr>
+                                        <p:cTn id="17" dur="500"/>
+                                        <p:tgtEl>
+                                          <p:spTgt spid="26626">
+                                            <p:txEl>
+                                              <p:pRg st="2" end="2"/>
+                                            </p:txEl>
+                                          </p:spTgt>
+                                        </p:tgtEl>
+                                      </p:cBhvr>
+                                    </p:animEffect>
+                                  </p:childTnLst>
+                                </p:cTn>
+                              </p:par>
+                              <p:par>
+                                <p:cTn id="18" presetID="10" presetClass="entr" presetSubtype="0" fill="hold" nodeType="withEffect">
+                                  <p:stCondLst>
+                                    <p:cond delay="0"/>
+                                  </p:stCondLst>
+                                  <p:childTnLst>
+                                    <p:set>
+                                      <p:cBhvr>
+                                        <p:cTn id="19" dur="1" fill="hold">
+                                          <p:stCondLst>
+                                            <p:cond delay="0"/>
+                                          </p:stCondLst>
+                                        </p:cTn>
+                                        <p:tgtEl>
+                                          <p:spTgt spid="26626">
+                                            <p:txEl>
+                                              <p:pRg st="4" end="4"/>
+                                            </p:txEl>
+                                          </p:spTgt>
+                                        </p:tgtEl>
+                                        <p:attrNameLst>
+                                          <p:attrName>style.visibility</p:attrName>
+                                        </p:attrNameLst>
+                                      </p:cBhvr>
+                                      <p:to>
+                                        <p:strVal val="visible"/>
+                                      </p:to>
+                                    </p:set>
+                                    <p:animEffect transition="in" filter="fade">
+                                      <p:cBhvr>
+                                        <p:cTn id="20" dur="500"/>
+                                        <p:tgtEl>
+                                          <p:spTgt spid="26626">
+                                            <p:txEl>
+                                              <p:pRg st="4" end="4"/>
+                                            </p:txEl>
+                                          </p:spTgt>
+                                        </p:tgtEl>
+                                      </p:cBhvr>
+                                    </p:animEffect>
+                                  </p:childTnLst>
+                                </p:cTn>
+                              </p:par>
+                              <p:par>
+                                <p:cTn id="21" presetID="10" presetClass="entr" presetSubtype="0" fill="hold" nodeType="withEffect">
+                                  <p:stCondLst>
+                                    <p:cond delay="0"/>
+                                  </p:stCondLst>
+                                  <p:childTnLst>
+                                    <p:set>
+                                      <p:cBhvr>
+                                        <p:cTn id="22" dur="1" fill="hold">
+                                          <p:stCondLst>
+                                            <p:cond delay="0"/>
+                                          </p:stCondLst>
+                                        </p:cTn>
+                                        <p:tgtEl>
+                                          <p:spTgt spid="26626">
+                                            <p:txEl>
+                                              <p:pRg st="5" end="5"/>
+                                            </p:txEl>
+                                          </p:spTgt>
+                                        </p:tgtEl>
+                                        <p:attrNameLst>
+                                          <p:attrName>style.visibility</p:attrName>
+                                        </p:attrNameLst>
+                                      </p:cBhvr>
+                                      <p:to>
+                                        <p:strVal val="visible"/>
+                                      </p:to>
+                                    </p:set>
+                                    <p:animEffect transition="in" filter="fade">
+                                      <p:cBhvr>
+                                        <p:cTn id="23" dur="500"/>
+                                        <p:tgtEl>
+                                          <p:spTgt spid="26626">
+                                            <p:txEl>
+                                              <p:pRg st="5" end="5"/>
+                                            </p:txEl>
+                                          </p:spTgt>
+                                        </p:tgtEl>
+                                      </p:cBhvr>
+                                    </p:animEffect>
+                                  </p:childTnLst>
+                                </p:cTn>
+                              </p:par>
+                              <p:par>
+                                <p:cTn id="24" presetID="10" presetClass="entr" presetSubtype="0" fill="hold" nodeType="withEffect">
+                                  <p:stCondLst>
+                                    <p:cond delay="0"/>
+                                  </p:stCondLst>
+                                  <p:childTnLst>
+                                    <p:set>
+                                      <p:cBhvr>
+                                        <p:cTn id="25" dur="1" fill="hold">
+                                          <p:stCondLst>
+                                            <p:cond delay="0"/>
+                                          </p:stCondLst>
+                                        </p:cTn>
+                                        <p:tgtEl>
+                                          <p:spTgt spid="26626">
+                                            <p:txEl>
+                                              <p:pRg st="6" end="6"/>
+                                            </p:txEl>
+                                          </p:spTgt>
+                                        </p:tgtEl>
+                                        <p:attrNameLst>
+                                          <p:attrName>style.visibility</p:attrName>
+                                        </p:attrNameLst>
+                                      </p:cBhvr>
+                                      <p:to>
+                                        <p:strVal val="visible"/>
+                                      </p:to>
+                                    </p:set>
+                                    <p:animEffect transition="in" filter="fade">
+                                      <p:cBhvr>
+                                        <p:cTn id="26" dur="500"/>
+                                        <p:tgtEl>
+                                          <p:spTgt spid="26626">
+                                            <p:txEl>
+                                              <p:pRg st="6" end="6"/>
+                                            </p:txEl>
+                                          </p:spTgt>
+                                        </p:tgtEl>
+                                      </p:cBhvr>
+                                    </p:animEffect>
+                                  </p:childTnLst>
+                                </p:cTn>
+                              </p:par>
+                              <p:par>
+                                <p:cTn id="27" presetID="10" presetClass="entr" presetSubtype="0" fill="hold" nodeType="withEffect">
+                                  <p:stCondLst>
+                                    <p:cond delay="0"/>
+                                  </p:stCondLst>
+                                  <p:childTnLst>
+                                    <p:set>
+                                      <p:cBhvr>
+                                        <p:cTn id="28" dur="1" fill="hold">
+                                          <p:stCondLst>
+                                            <p:cond delay="0"/>
+                                          </p:stCondLst>
+                                        </p:cTn>
+                                        <p:tgtEl>
+                                          <p:spTgt spid="26626">
+                                            <p:txEl>
+                                              <p:pRg st="7" end="7"/>
+                                            </p:txEl>
+                                          </p:spTgt>
+                                        </p:tgtEl>
+                                        <p:attrNameLst>
+                                          <p:attrName>style.visibility</p:attrName>
+                                        </p:attrNameLst>
+                                      </p:cBhvr>
+                                      <p:to>
+                                        <p:strVal val="visible"/>
+                                      </p:to>
+                                    </p:set>
+                                    <p:animEffect transition="in" filter="fade">
+                                      <p:cBhvr>
+                                        <p:cTn id="29" dur="500"/>
+                                        <p:tgtEl>
+                                          <p:spTgt spid="26626">
+                                            <p:txEl>
+                                              <p:pRg st="7" end="7"/>
+                                            </p:txEl>
+                                          </p:spTgt>
+                                        </p:tgtEl>
+                                      </p:cBhvr>
+                                    </p:animEffect>
+                                  </p:childTnLst>
+                                </p:cTn>
+                              </p:par>
+                              <p:par>
+                                <p:cTn id="30" presetID="10" presetClass="entr" presetSubtype="0" fill="hold" nodeType="withEffect">
+                                  <p:stCondLst>
+                                    <p:cond delay="0"/>
+                                  </p:stCondLst>
+                                  <p:childTnLst>
+                                    <p:set>
+                                      <p:cBhvr>
                                         <p:cTn id="31" dur="1" fill="hold">
                                           <p:stCondLst>
                                             <p:cond delay="0"/>
@@ -25270,15 +25337,33 @@
                                   </p:childTnLst>
                                 </p:cTn>
                               </p:par>
+                            </p:childTnLst>
+                          </p:cTn>
+                        </p:par>
+                      </p:childTnLst>
+                    </p:cTn>
+                  </p:par>
+                  <p:par>
+                    <p:cTn id="33" fill="hold" nodeType="clickPar">
+                      <p:stCondLst>
+                        <p:cond delay="indefinite"/>
+                      </p:stCondLst>
+                      <p:childTnLst>
+                        <p:par>
+                          <p:cTn id="34" fill="hold" nodeType="withGroup">
+                            <p:stCondLst>
+                              <p:cond delay="0"/>
+                            </p:stCondLst>
+                            <p:childTnLst>
                               <p:par>
-                                <p:cTn id="33" presetID="10" presetClass="entr" presetSubtype="0" fill="hold" nodeType="withEffect">
+                                <p:cTn id="35" presetID="10" presetClass="entr" presetSubtype="0" fill="hold" nodeType="clickEffect">
                                   <p:stCondLst>
                                     <p:cond delay="0"/>
                                   </p:stCondLst>
                                   <p:childTnLst>
                                     <p:set>
                                       <p:cBhvr>
-                                        <p:cTn id="34" dur="1" fill="hold">
+                                        <p:cTn id="36" dur="1" fill="hold">
                                           <p:stCondLst>
                                             <p:cond delay="0"/>
                                           </p:stCondLst>
@@ -25300,7 +25385,7 @@
                                     </p:set>
                                     <p:animEffect transition="in" filter="fade">
                                       <p:cBhvr>
-                                        <p:cTn id="35" dur="500"/>
+                                        <p:cTn id="37" dur="500"/>
                                         <p:tgtEl>
                                           <p:spTgt spid="26626">
                                             <p:txEl>
@@ -25314,14 +25399,14 @@
                                 </p:cTn>
                               </p:par>
                               <p:par>
-                                <p:cTn id="36" presetID="10" presetClass="entr" presetSubtype="0" fill="hold" nodeType="withEffect">
+                                <p:cTn id="38" presetID="10" presetClass="entr" presetSubtype="0" fill="hold" nodeType="withEffect">
                                   <p:stCondLst>
                                     <p:cond delay="0"/>
                                   </p:stCondLst>
                                   <p:childTnLst>
                                     <p:set>
                                       <p:cBhvr>
-                                        <p:cTn id="37" dur="1" fill="hold">
+                                        <p:cTn id="39" dur="1" fill="hold">
                                           <p:stCondLst>
                                             <p:cond delay="0"/>
                                           </p:stCondLst>
@@ -25343,11 +25428,54 @@
                                     </p:set>
                                     <p:animEffect transition="in" filter="fade">
                                       <p:cBhvr>
-                                        <p:cTn id="38" dur="500"/>
+                                        <p:cTn id="40" dur="500"/>
                                         <p:tgtEl>
                                           <p:spTgt spid="26626">
                                             <p:txEl>
                                               <p:pRg st="10" end="10"/>
+                                            </p:txEl>
+                                          </p:spTgt>
+                                        </p:tgtEl>
+                                      </p:cBhvr>
+                                    </p:animEffect>
+                                  </p:childTnLst>
+                                </p:cTn>
+                              </p:par>
+                              <p:par>
+                                <p:cTn id="41" presetID="10" presetClass="entr" presetSubtype="0" fill="hold" nodeType="withEffect">
+                                  <p:stCondLst>
+                                    <p:cond delay="0"/>
+                                  </p:stCondLst>
+                                  <p:childTnLst>
+                                    <p:set>
+                                      <p:cBhvr>
+                                        <p:cTn id="42" dur="1" fill="hold">
+                                          <p:stCondLst>
+                                            <p:cond delay="0"/>
+                                          </p:stCondLst>
+                                        </p:cTn>
+                                        <p:tgtEl>
+                                          <p:spTgt spid="26626">
+                                            <p:txEl>
+                                              <p:pRg st="11" end="11"/>
+                                            </p:txEl>
+                                          </p:spTgt>
+                                        </p:tgtEl>
+                                        <p:attrNameLst>
+                                          <p:attrName>style.visibility</p:attrName>
+                                        </p:attrNameLst>
+                                      </p:cBhvr>
+                                      <p:to>
+                                        <p:strVal val="visible"/>
+                                      </p:to>
+                                    </p:set>
+                                    <p:animEffect transition="in" filter="fade">
+                                      <p:cBhvr>
+                                        <p:cTn id="43" dur="500"/>
+                                        <p:tgtEl>
+                                          <p:spTgt spid="26626">
+                                            <p:txEl>
+                                              <p:pRg st="11" end="11"/>
                                             </p:txEl>
                                           </p:spTgt>
                                         </p:tgtEl>

--- a/predavanja/prezentacije/OOP11-Apstraktne klase i interfejsi.pptx
+++ b/predavanja/prezentacije/OOP11-Apstraktne klase i interfejsi.pptx
@@ -32,7 +32,14 @@
     <p:sldId id="276" r:id="rId26"/>
     <p:sldId id="277" r:id="rId27"/>
     <p:sldId id="278" r:id="rId28"/>
-    <p:sldId id="272" r:id="rId29"/>
+    <p:sldId id="294" r:id="rId29"/>
+    <p:sldId id="295" r:id="rId30"/>
+    <p:sldId id="296" r:id="rId31"/>
+    <p:sldId id="297" r:id="rId32"/>
+    <p:sldId id="298" r:id="rId33"/>
+    <p:sldId id="299" r:id="rId34"/>
+    <p:sldId id="300" r:id="rId35"/>
+    <p:sldId id="272" r:id="rId36"/>
   </p:sldIdLst>
   <p:sldSz cx="9144000" cy="6858000" type="screen4x3"/>
   <p:notesSz cx="6858000" cy="9144000"/>
@@ -1357,6 +1364,13 @@
   <p:clrMapOvr>
     <a:masterClrMapping/>
   </p:clrMapOvr>
+  <p:timing>
+    <p:tnLst>
+      <p:par>
+        <p:cTn id="1" dur="indefinite" restart="never" nodeType="tmRoot"/>
+      </p:par>
+    </p:tnLst>
+  </p:timing>
 </p:sldLayout>
 </file>
 
@@ -1865,7 +1879,7 @@
               <a:t> </a:t>
             </a:r>
             <a:fld id="{2AAF965A-07E2-4909-8FFC-07DEC430C6DF}" type="slidenum">
-              <a:rPr lang="en-US" altLang="sr-Latn-RS" sz="800">
+              <a:rPr lang="en-US" altLang="sr-Latn-RS" sz="800" smtClean="0">
                 <a:solidFill>
                   <a:srgbClr val="6767FF"/>
                 </a:solidFill>
@@ -1885,7 +1899,7 @@
               <a:t>‹#›</a:t>
             </a:fld>
             <a:r>
-              <a:rPr lang="en-US" altLang="sr-Latn-RS" sz="800" dirty="0">
+              <a:rPr lang="en-US" altLang="sr-Latn-RS" sz="800" dirty="0" smtClean="0">
                 <a:solidFill>
                   <a:srgbClr val="6767FF"/>
                 </a:solidFill>
@@ -1900,7 +1914,7 @@
                 </a:solidFill>
                 <a:cs typeface="Arial" panose="020B0604020202020204" pitchFamily="34" charset="0"/>
               </a:rPr>
-              <a:t>28</a:t>
+              <a:t>35</a:t>
             </a:r>
             <a:endParaRPr lang="en-US" altLang="sr-Latn-RS" sz="800" dirty="0">
               <a:solidFill>
@@ -14725,33 +14739,15 @@
                                   </p:childTnLst>
                                 </p:cTn>
                               </p:par>
-                            </p:childTnLst>
-                          </p:cTn>
-                        </p:par>
-                      </p:childTnLst>
-                    </p:cTn>
-                  </p:par>
-                  <p:par>
-                    <p:cTn id="8" fill="hold">
-                      <p:stCondLst>
-                        <p:cond delay="indefinite"/>
-                      </p:stCondLst>
-                      <p:childTnLst>
-                        <p:par>
-                          <p:cTn id="9" fill="hold">
-                            <p:stCondLst>
-                              <p:cond delay="0"/>
-                            </p:stCondLst>
-                            <p:childTnLst>
                               <p:par>
-                                <p:cTn id="10" presetID="3" presetClass="entr" presetSubtype="10" fill="hold" nodeType="clickEffect">
+                                <p:cTn id="8" presetID="3" presetClass="entr" presetSubtype="10" fill="hold" nodeType="withEffect">
                                   <p:stCondLst>
                                     <p:cond delay="0"/>
                                   </p:stCondLst>
                                   <p:childTnLst>
                                     <p:set>
                                       <p:cBhvr>
-                                        <p:cTn id="11" dur="1" fill="hold">
+                                        <p:cTn id="9" dur="1" fill="hold">
                                           <p:stCondLst>
                                             <p:cond delay="0"/>
                                           </p:stCondLst>
@@ -14773,7 +14769,7 @@
                                     </p:set>
                                     <p:animEffect transition="in" filter="blinds(horizontal)">
                                       <p:cBhvr>
-                                        <p:cTn id="12" dur="500"/>
+                                        <p:cTn id="10" dur="500"/>
                                         <p:tgtEl>
                                           <p:spTgt spid="26626">
                                             <p:txEl>
@@ -14793,26 +14789,26 @@
                     </p:cTn>
                   </p:par>
                   <p:par>
-                    <p:cTn id="13" fill="hold">
+                    <p:cTn id="11" fill="hold">
                       <p:stCondLst>
                         <p:cond delay="indefinite"/>
                       </p:stCondLst>
                       <p:childTnLst>
                         <p:par>
-                          <p:cTn id="14" fill="hold">
+                          <p:cTn id="12" fill="hold">
                             <p:stCondLst>
                               <p:cond delay="0"/>
                             </p:stCondLst>
                             <p:childTnLst>
                               <p:par>
-                                <p:cTn id="15" presetID="3" presetClass="entr" presetSubtype="10" fill="hold" nodeType="clickEffect">
+                                <p:cTn id="13" presetID="3" presetClass="entr" presetSubtype="10" fill="hold" nodeType="clickEffect">
                                   <p:stCondLst>
                                     <p:cond delay="0"/>
                                   </p:stCondLst>
                                   <p:childTnLst>
                                     <p:set>
                                       <p:cBhvr>
-                                        <p:cTn id="16" dur="1" fill="hold">
+                                        <p:cTn id="14" dur="1" fill="hold">
                                           <p:stCondLst>
                                             <p:cond delay="0"/>
                                           </p:stCondLst>
@@ -14834,11 +14830,54 @@
                                     </p:set>
                                     <p:animEffect transition="in" filter="blinds(horizontal)">
                                       <p:cBhvr>
-                                        <p:cTn id="17" dur="500"/>
+                                        <p:cTn id="15" dur="500"/>
                                         <p:tgtEl>
                                           <p:spTgt spid="26626">
                                             <p:txEl>
                                               <p:pRg st="2" end="2"/>
+                                            </p:txEl>
+                                          </p:spTgt>
+                                        </p:tgtEl>
+                                      </p:cBhvr>
+                                    </p:animEffect>
+                                  </p:childTnLst>
+                                </p:cTn>
+                              </p:par>
+                              <p:par>
+                                <p:cTn id="16" presetID="3" presetClass="entr" presetSubtype="10" fill="hold" nodeType="withEffect">
+                                  <p:stCondLst>
+                                    <p:cond delay="0"/>
+                                  </p:stCondLst>
+                                  <p:childTnLst>
+                                    <p:set>
+                                      <p:cBhvr>
+                                        <p:cTn id="17" dur="1" fill="hold">
+                                          <p:stCondLst>
+                                            <p:cond delay="0"/>
+                                          </p:stCondLst>
+                                        </p:cTn>
+                                        <p:tgtEl>
+                                          <p:spTgt spid="26626">
+                                            <p:txEl>
+                                              <p:pRg st="3" end="3"/>
+                                            </p:txEl>
+                                          </p:spTgt>
+                                        </p:tgtEl>
+                                        <p:attrNameLst>
+                                          <p:attrName>style.visibility</p:attrName>
+                                        </p:attrNameLst>
+                                      </p:cBhvr>
+                                      <p:to>
+                                        <p:strVal val="visible"/>
+                                      </p:to>
+                                    </p:set>
+                                    <p:animEffect transition="in" filter="blinds(horizontal)">
+                                      <p:cBhvr>
+                                        <p:cTn id="18" dur="500"/>
+                                        <p:tgtEl>
+                                          <p:spTgt spid="26626">
+                                            <p:txEl>
+                                              <p:pRg st="3" end="3"/>
                                             </p:txEl>
                                           </p:spTgt>
                                         </p:tgtEl>
@@ -14854,26 +14893,26 @@
                     </p:cTn>
                   </p:par>
                   <p:par>
-                    <p:cTn id="18" fill="hold">
+                    <p:cTn id="19" fill="hold">
                       <p:stCondLst>
                         <p:cond delay="indefinite"/>
                       </p:stCondLst>
                       <p:childTnLst>
                         <p:par>
-                          <p:cTn id="19" fill="hold">
+                          <p:cTn id="20" fill="hold">
                             <p:stCondLst>
                               <p:cond delay="0"/>
                             </p:stCondLst>
                             <p:childTnLst>
                               <p:par>
-                                <p:cTn id="20" presetID="3" presetClass="entr" presetSubtype="10" fill="hold" nodeType="clickEffect">
+                                <p:cTn id="21" presetID="3" presetClass="entr" presetSubtype="10" fill="hold" nodeType="clickEffect">
                                   <p:stCondLst>
                                     <p:cond delay="0"/>
                                   </p:stCondLst>
                                   <p:childTnLst>
                                     <p:set>
                                       <p:cBhvr>
-                                        <p:cTn id="21" dur="1" fill="hold">
+                                        <p:cTn id="22" dur="1" fill="hold">
                                           <p:stCondLst>
                                             <p:cond delay="0"/>
                                           </p:stCondLst>
@@ -14881,7 +14920,7 @@
                                         <p:tgtEl>
                                           <p:spTgt spid="26626">
                                             <p:txEl>
-                                              <p:pRg st="3" end="3"/>
+                                              <p:pRg st="4" end="4"/>
                                             </p:txEl>
                                           </p:spTgt>
                                         </p:tgtEl>
@@ -14895,11 +14934,11 @@
                                     </p:set>
                                     <p:animEffect transition="in" filter="blinds(horizontal)">
                                       <p:cBhvr>
-                                        <p:cTn id="22" dur="500"/>
+                                        <p:cTn id="23" dur="500"/>
                                         <p:tgtEl>
                                           <p:spTgt spid="26626">
                                             <p:txEl>
-                                              <p:pRg st="3" end="3"/>
+                                              <p:pRg st="4" end="4"/>
                                             </p:txEl>
                                           </p:spTgt>
                                         </p:tgtEl>
@@ -14915,26 +14954,26 @@
                     </p:cTn>
                   </p:par>
                   <p:par>
-                    <p:cTn id="23" fill="hold">
+                    <p:cTn id="24" fill="hold">
                       <p:stCondLst>
                         <p:cond delay="indefinite"/>
                       </p:stCondLst>
                       <p:childTnLst>
                         <p:par>
-                          <p:cTn id="24" fill="hold">
+                          <p:cTn id="25" fill="hold">
                             <p:stCondLst>
                               <p:cond delay="0"/>
                             </p:stCondLst>
                             <p:childTnLst>
                               <p:par>
-                                <p:cTn id="25" presetID="3" presetClass="entr" presetSubtype="10" fill="hold" nodeType="clickEffect">
+                                <p:cTn id="26" presetID="3" presetClass="entr" presetSubtype="10" fill="hold" nodeType="clickEffect">
                                   <p:stCondLst>
                                     <p:cond delay="0"/>
                                   </p:stCondLst>
                                   <p:childTnLst>
                                     <p:set>
                                       <p:cBhvr>
-                                        <p:cTn id="26" dur="1" fill="hold">
+                                        <p:cTn id="27" dur="1" fill="hold">
                                           <p:stCondLst>
                                             <p:cond delay="0"/>
                                           </p:stCondLst>
@@ -14942,7 +14981,7 @@
                                         <p:tgtEl>
                                           <p:spTgt spid="26626">
                                             <p:txEl>
-                                              <p:pRg st="4" end="4"/>
+                                              <p:pRg st="5" end="5"/>
                                             </p:txEl>
                                           </p:spTgt>
                                         </p:tgtEl>
@@ -14956,68 +14995,7 @@
                                     </p:set>
                                     <p:animEffect transition="in" filter="blinds(horizontal)">
                                       <p:cBhvr>
-                                        <p:cTn id="27" dur="500"/>
-                                        <p:tgtEl>
-                                          <p:spTgt spid="26626">
-                                            <p:txEl>
-                                              <p:pRg st="4" end="4"/>
-                                            </p:txEl>
-                                          </p:spTgt>
-                                        </p:tgtEl>
-                                      </p:cBhvr>
-                                    </p:animEffect>
-                                  </p:childTnLst>
-                                </p:cTn>
-                              </p:par>
-                            </p:childTnLst>
-                          </p:cTn>
-                        </p:par>
-                      </p:childTnLst>
-                    </p:cTn>
-                  </p:par>
-                  <p:par>
-                    <p:cTn id="28" fill="hold">
-                      <p:stCondLst>
-                        <p:cond delay="indefinite"/>
-                      </p:stCondLst>
-                      <p:childTnLst>
-                        <p:par>
-                          <p:cTn id="29" fill="hold">
-                            <p:stCondLst>
-                              <p:cond delay="0"/>
-                            </p:stCondLst>
-                            <p:childTnLst>
-                              <p:par>
-                                <p:cTn id="30" presetID="3" presetClass="entr" presetSubtype="10" fill="hold" nodeType="clickEffect">
-                                  <p:stCondLst>
-                                    <p:cond delay="0"/>
-                                  </p:stCondLst>
-                                  <p:childTnLst>
-                                    <p:set>
-                                      <p:cBhvr>
-                                        <p:cTn id="31" dur="1" fill="hold">
-                                          <p:stCondLst>
-                                            <p:cond delay="0"/>
-                                          </p:stCondLst>
-                                        </p:cTn>
-                                        <p:tgtEl>
-                                          <p:spTgt spid="26626">
-                                            <p:txEl>
-                                              <p:pRg st="5" end="5"/>
-                                            </p:txEl>
-                                          </p:spTgt>
-                                        </p:tgtEl>
-                                        <p:attrNameLst>
-                                          <p:attrName>style.visibility</p:attrName>
-                                        </p:attrNameLst>
-                                      </p:cBhvr>
-                                      <p:to>
-                                        <p:strVal val="visible"/>
-                                      </p:to>
-                                    </p:set>
-                                    <p:animEffect transition="in" filter="blinds(horizontal)">
-                                      <p:cBhvr>
-                                        <p:cTn id="32" dur="500"/>
+                                        <p:cTn id="28" dur="500"/>
                                         <p:tgtEl>
                                           <p:spTgt spid="26626">
                                             <p:txEl>
@@ -15263,9 +15241,6 @@
               </a:rPr>
               <a:t>Софтверске компонете треба да буду отворене за проширивање, али затворене за модификацију</a:t>
             </a:r>
-            <a:endParaRPr lang="sr-Cyrl-RS" dirty="0" smtClean="0">
-              <a:latin typeface="Garamond" pitchFamily="18" charset="0"/>
-            </a:endParaRPr>
           </a:p>
           <a:p>
             <a:pPr marL="342900" indent="-342900">
@@ -15644,33 +15619,15 @@
                                   </p:childTnLst>
                                 </p:cTn>
                               </p:par>
-                            </p:childTnLst>
-                          </p:cTn>
-                        </p:par>
-                      </p:childTnLst>
-                    </p:cTn>
-                  </p:par>
-                  <p:par>
-                    <p:cTn id="8" fill="hold">
-                      <p:stCondLst>
-                        <p:cond delay="indefinite"/>
-                      </p:stCondLst>
-                      <p:childTnLst>
-                        <p:par>
-                          <p:cTn id="9" fill="hold">
-                            <p:stCondLst>
-                              <p:cond delay="0"/>
-                            </p:stCondLst>
-                            <p:childTnLst>
                               <p:par>
-                                <p:cTn id="10" presetID="3" presetClass="entr" presetSubtype="10" fill="hold" nodeType="clickEffect">
+                                <p:cTn id="8" presetID="3" presetClass="entr" presetSubtype="10" fill="hold" nodeType="withEffect">
                                   <p:stCondLst>
                                     <p:cond delay="0"/>
                                   </p:stCondLst>
                                   <p:childTnLst>
                                     <p:set>
                                       <p:cBhvr>
-                                        <p:cTn id="11" dur="1" fill="hold">
+                                        <p:cTn id="9" dur="1" fill="hold">
                                           <p:stCondLst>
                                             <p:cond delay="0"/>
                                           </p:stCondLst>
@@ -15692,7 +15649,7 @@
                                     </p:set>
                                     <p:animEffect transition="in" filter="blinds(horizontal)">
                                       <p:cBhvr>
-                                        <p:cTn id="12" dur="500"/>
+                                        <p:cTn id="10" dur="500"/>
                                         <p:tgtEl>
                                           <p:spTgt spid="26626">
                                             <p:txEl>
@@ -15712,26 +15669,26 @@
                     </p:cTn>
                   </p:par>
                   <p:par>
-                    <p:cTn id="13" fill="hold">
+                    <p:cTn id="11" fill="hold">
                       <p:stCondLst>
                         <p:cond delay="indefinite"/>
                       </p:stCondLst>
                       <p:childTnLst>
                         <p:par>
-                          <p:cTn id="14" fill="hold">
+                          <p:cTn id="12" fill="hold">
                             <p:stCondLst>
                               <p:cond delay="0"/>
                             </p:stCondLst>
                             <p:childTnLst>
                               <p:par>
-                                <p:cTn id="15" presetID="3" presetClass="entr" presetSubtype="10" fill="hold" nodeType="clickEffect">
+                                <p:cTn id="13" presetID="3" presetClass="entr" presetSubtype="10" fill="hold" nodeType="clickEffect">
                                   <p:stCondLst>
                                     <p:cond delay="0"/>
                                   </p:stCondLst>
                                   <p:childTnLst>
                                     <p:set>
                                       <p:cBhvr>
-                                        <p:cTn id="16" dur="1" fill="hold">
+                                        <p:cTn id="14" dur="1" fill="hold">
                                           <p:stCondLst>
                                             <p:cond delay="0"/>
                                           </p:stCondLst>
@@ -15753,11 +15710,54 @@
                                     </p:set>
                                     <p:animEffect transition="in" filter="blinds(horizontal)">
                                       <p:cBhvr>
-                                        <p:cTn id="17" dur="500"/>
+                                        <p:cTn id="15" dur="500"/>
                                         <p:tgtEl>
                                           <p:spTgt spid="26626">
                                             <p:txEl>
                                               <p:pRg st="2" end="2"/>
+                                            </p:txEl>
+                                          </p:spTgt>
+                                        </p:tgtEl>
+                                      </p:cBhvr>
+                                    </p:animEffect>
+                                  </p:childTnLst>
+                                </p:cTn>
+                              </p:par>
+                              <p:par>
+                                <p:cTn id="16" presetID="3" presetClass="entr" presetSubtype="10" fill="hold" nodeType="withEffect">
+                                  <p:stCondLst>
+                                    <p:cond delay="0"/>
+                                  </p:stCondLst>
+                                  <p:childTnLst>
+                                    <p:set>
+                                      <p:cBhvr>
+                                        <p:cTn id="17" dur="1" fill="hold">
+                                          <p:stCondLst>
+                                            <p:cond delay="0"/>
+                                          </p:stCondLst>
+                                        </p:cTn>
+                                        <p:tgtEl>
+                                          <p:spTgt spid="26626">
+                                            <p:txEl>
+                                              <p:pRg st="3" end="3"/>
+                                            </p:txEl>
+                                          </p:spTgt>
+                                        </p:tgtEl>
+                                        <p:attrNameLst>
+                                          <p:attrName>style.visibility</p:attrName>
+                                        </p:attrNameLst>
+                                      </p:cBhvr>
+                                      <p:to>
+                                        <p:strVal val="visible"/>
+                                      </p:to>
+                                    </p:set>
+                                    <p:animEffect transition="in" filter="blinds(horizontal)">
+                                      <p:cBhvr>
+                                        <p:cTn id="18" dur="500"/>
+                                        <p:tgtEl>
+                                          <p:spTgt spid="26626">
+                                            <p:txEl>
+                                              <p:pRg st="3" end="3"/>
                                             </p:txEl>
                                           </p:spTgt>
                                         </p:tgtEl>
@@ -15773,26 +15773,26 @@
                     </p:cTn>
                   </p:par>
                   <p:par>
-                    <p:cTn id="18" fill="hold">
+                    <p:cTn id="19" fill="hold">
                       <p:stCondLst>
                         <p:cond delay="indefinite"/>
                       </p:stCondLst>
                       <p:childTnLst>
                         <p:par>
-                          <p:cTn id="19" fill="hold">
+                          <p:cTn id="20" fill="hold">
                             <p:stCondLst>
                               <p:cond delay="0"/>
                             </p:stCondLst>
                             <p:childTnLst>
                               <p:par>
-                                <p:cTn id="20" presetID="3" presetClass="entr" presetSubtype="10" fill="hold" nodeType="clickEffect">
+                                <p:cTn id="21" presetID="3" presetClass="entr" presetSubtype="10" fill="hold" nodeType="clickEffect">
                                   <p:stCondLst>
                                     <p:cond delay="0"/>
                                   </p:stCondLst>
                                   <p:childTnLst>
                                     <p:set>
                                       <p:cBhvr>
-                                        <p:cTn id="21" dur="1" fill="hold">
+                                        <p:cTn id="22" dur="1" fill="hold">
                                           <p:stCondLst>
                                             <p:cond delay="0"/>
                                           </p:stCondLst>
@@ -15800,7 +15800,7 @@
                                         <p:tgtEl>
                                           <p:spTgt spid="26626">
                                             <p:txEl>
-                                              <p:pRg st="3" end="3"/>
+                                              <p:pRg st="4" end="4"/>
                                             </p:txEl>
                                           </p:spTgt>
                                         </p:tgtEl>
@@ -15814,11 +15814,11 @@
                                     </p:set>
                                     <p:animEffect transition="in" filter="blinds(horizontal)">
                                       <p:cBhvr>
-                                        <p:cTn id="22" dur="500"/>
+                                        <p:cTn id="23" dur="500"/>
                                         <p:tgtEl>
                                           <p:spTgt spid="26626">
                                             <p:txEl>
-                                              <p:pRg st="3" end="3"/>
+                                              <p:pRg st="4" end="4"/>
                                             </p:txEl>
                                           </p:spTgt>
                                         </p:tgtEl>
@@ -15834,26 +15834,26 @@
                     </p:cTn>
                   </p:par>
                   <p:par>
-                    <p:cTn id="23" fill="hold">
+                    <p:cTn id="24" fill="hold">
                       <p:stCondLst>
                         <p:cond delay="indefinite"/>
                       </p:stCondLst>
                       <p:childTnLst>
                         <p:par>
-                          <p:cTn id="24" fill="hold">
+                          <p:cTn id="25" fill="hold">
                             <p:stCondLst>
                               <p:cond delay="0"/>
                             </p:stCondLst>
                             <p:childTnLst>
                               <p:par>
-                                <p:cTn id="25" presetID="3" presetClass="entr" presetSubtype="10" fill="hold" nodeType="clickEffect">
+                                <p:cTn id="26" presetID="3" presetClass="entr" presetSubtype="10" fill="hold" nodeType="clickEffect">
                                   <p:stCondLst>
                                     <p:cond delay="0"/>
                                   </p:stCondLst>
                                   <p:childTnLst>
                                     <p:set>
                                       <p:cBhvr>
-                                        <p:cTn id="26" dur="1" fill="hold">
+                                        <p:cTn id="27" dur="1" fill="hold">
                                           <p:stCondLst>
                                             <p:cond delay="0"/>
                                           </p:stCondLst>
@@ -15861,7 +15861,7 @@
                                         <p:tgtEl>
                                           <p:spTgt spid="26626">
                                             <p:txEl>
-                                              <p:pRg st="4" end="4"/>
+                                              <p:pRg st="5" end="5"/>
                                             </p:txEl>
                                           </p:spTgt>
                                         </p:tgtEl>
@@ -15875,11 +15875,11 @@
                                     </p:set>
                                     <p:animEffect transition="in" filter="blinds(horizontal)">
                                       <p:cBhvr>
-                                        <p:cTn id="27" dur="500"/>
+                                        <p:cTn id="28" dur="500"/>
                                         <p:tgtEl>
                                           <p:spTgt spid="26626">
                                             <p:txEl>
-                                              <p:pRg st="4" end="4"/>
+                                              <p:pRg st="5" end="5"/>
                                             </p:txEl>
                                           </p:spTgt>
                                         </p:tgtEl>
@@ -15895,26 +15895,26 @@
                     </p:cTn>
                   </p:par>
                   <p:par>
-                    <p:cTn id="28" fill="hold">
+                    <p:cTn id="29" fill="hold">
                       <p:stCondLst>
                         <p:cond delay="indefinite"/>
                       </p:stCondLst>
                       <p:childTnLst>
                         <p:par>
-                          <p:cTn id="29" fill="hold">
+                          <p:cTn id="30" fill="hold">
                             <p:stCondLst>
                               <p:cond delay="0"/>
                             </p:stCondLst>
                             <p:childTnLst>
                               <p:par>
-                                <p:cTn id="30" presetID="3" presetClass="entr" presetSubtype="10" fill="hold" nodeType="clickEffect">
+                                <p:cTn id="31" presetID="3" presetClass="entr" presetSubtype="10" fill="hold" nodeType="clickEffect">
                                   <p:stCondLst>
                                     <p:cond delay="0"/>
                                   </p:stCondLst>
                                   <p:childTnLst>
                                     <p:set>
                                       <p:cBhvr>
-                                        <p:cTn id="31" dur="1" fill="hold">
+                                        <p:cTn id="32" dur="1" fill="hold">
                                           <p:stCondLst>
                                             <p:cond delay="0"/>
                                           </p:stCondLst>
@@ -15922,7 +15922,7 @@
                                         <p:tgtEl>
                                           <p:spTgt spid="26626">
                                             <p:txEl>
-                                              <p:pRg st="5" end="5"/>
+                                              <p:pRg st="6" end="6"/>
                                             </p:txEl>
                                           </p:spTgt>
                                         </p:tgtEl>
@@ -15936,68 +15936,7 @@
                                     </p:set>
                                     <p:animEffect transition="in" filter="blinds(horizontal)">
                                       <p:cBhvr>
-                                        <p:cTn id="32" dur="500"/>
-                                        <p:tgtEl>
-                                          <p:spTgt spid="26626">
-                                            <p:txEl>
-                                              <p:pRg st="5" end="5"/>
-                                            </p:txEl>
-                                          </p:spTgt>
-                                        </p:tgtEl>
-                                      </p:cBhvr>
-                                    </p:animEffect>
-                                  </p:childTnLst>
-                                </p:cTn>
-                              </p:par>
-                            </p:childTnLst>
-                          </p:cTn>
-                        </p:par>
-                      </p:childTnLst>
-                    </p:cTn>
-                  </p:par>
-                  <p:par>
-                    <p:cTn id="33" fill="hold">
-                      <p:stCondLst>
-                        <p:cond delay="indefinite"/>
-                      </p:stCondLst>
-                      <p:childTnLst>
-                        <p:par>
-                          <p:cTn id="34" fill="hold">
-                            <p:stCondLst>
-                              <p:cond delay="0"/>
-                            </p:stCondLst>
-                            <p:childTnLst>
-                              <p:par>
-                                <p:cTn id="35" presetID="3" presetClass="entr" presetSubtype="10" fill="hold" nodeType="clickEffect">
-                                  <p:stCondLst>
-                                    <p:cond delay="0"/>
-                                  </p:stCondLst>
-                                  <p:childTnLst>
-                                    <p:set>
-                                      <p:cBhvr>
-                                        <p:cTn id="36" dur="1" fill="hold">
-                                          <p:stCondLst>
-                                            <p:cond delay="0"/>
-                                          </p:stCondLst>
-                                        </p:cTn>
-                                        <p:tgtEl>
-                                          <p:spTgt spid="26626">
-                                            <p:txEl>
-                                              <p:pRg st="6" end="6"/>
-                                            </p:txEl>
-                                          </p:spTgt>
-                                        </p:tgtEl>
-                                        <p:attrNameLst>
-                                          <p:attrName>style.visibility</p:attrName>
-                                        </p:attrNameLst>
-                                      </p:cBhvr>
-                                      <p:to>
-                                        <p:strVal val="visible"/>
-                                      </p:to>
-                                    </p:set>
-                                    <p:animEffect transition="in" filter="blinds(horizontal)">
-                                      <p:cBhvr>
-                                        <p:cTn id="37" dur="500"/>
+                                        <p:cTn id="33" dur="500"/>
                                         <p:tgtEl>
                                           <p:spTgt spid="26626">
                                             <p:txEl>
@@ -16581,53 +16520,38 @@
               <a:rPr lang="sr-Cyrl-RS" dirty="0" smtClean="0">
                 <a:latin typeface="Garamond" pitchFamily="18" charset="0"/>
               </a:rPr>
-              <a:t>Принцип </a:t>
+              <a:t>Принцип замене Лисков (</a:t>
+            </a:r>
+            <a:r>
+              <a:rPr lang="en-US" b="1" u="sng" dirty="0" err="1" smtClean="0">
+                <a:latin typeface="Garamond" pitchFamily="18" charset="0"/>
+              </a:rPr>
+              <a:t>L</a:t>
+            </a:r>
+            <a:r>
+              <a:rPr lang="en-US" dirty="0" err="1" smtClean="0">
+                <a:latin typeface="Garamond" pitchFamily="18" charset="0"/>
+              </a:rPr>
+              <a:t>iskov</a:t>
+            </a:r>
+            <a:r>
+              <a:rPr lang="en-US" dirty="0" smtClean="0">
+                <a:latin typeface="Garamond" pitchFamily="18" charset="0"/>
+              </a:rPr>
+              <a:t> substitution) </a:t>
+            </a:r>
+            <a:r>
+              <a:rPr lang="en-US" dirty="0">
+                <a:latin typeface="Garamond" pitchFamily="18" charset="0"/>
+              </a:rPr>
+              <a:t>– </a:t>
             </a:r>
             <a:r>
               <a:rPr lang="sr-Cyrl-RS" dirty="0" smtClean="0">
                 <a:latin typeface="Garamond" pitchFamily="18" charset="0"/>
               </a:rPr>
-              <a:t>замене Лисков (</a:t>
-            </a:r>
-            <a:r>
-              <a:rPr lang="en-US" b="1" u="sng" dirty="0" err="1" smtClean="0">
-                <a:latin typeface="Garamond" pitchFamily="18" charset="0"/>
-              </a:rPr>
-              <a:t>L</a:t>
-            </a:r>
-            <a:r>
-              <a:rPr lang="en-US" dirty="0" err="1" smtClean="0">
-                <a:latin typeface="Garamond" pitchFamily="18" charset="0"/>
-              </a:rPr>
-              <a:t>iskov</a:t>
-            </a:r>
-            <a:r>
-              <a:rPr lang="en-US" dirty="0" smtClean="0">
-                <a:latin typeface="Garamond" pitchFamily="18" charset="0"/>
-              </a:rPr>
-              <a:t> substitution) </a:t>
-            </a:r>
-            <a:r>
-              <a:rPr lang="en-US" dirty="0">
-                <a:latin typeface="Garamond" pitchFamily="18" charset="0"/>
-              </a:rPr>
-              <a:t>– </a:t>
-            </a:r>
-            <a:r>
-              <a:rPr lang="sr-Cyrl-RS" dirty="0" smtClean="0">
-                <a:latin typeface="Garamond" pitchFamily="18" charset="0"/>
-              </a:rPr>
-              <a:t>Примерци поткласа морају да буду у могућности да у потпуности (у свим аспектима и контекстима) замењују примерке надкласе.</a:t>
-            </a:r>
-            <a:r>
-              <a:rPr lang="sr-Cyrl-RS" dirty="0" smtClean="0">
-                <a:latin typeface="Garamond" pitchFamily="18" charset="0"/>
-              </a:rPr>
-              <a:t> </a:t>
-            </a:r>
-            <a:endParaRPr lang="sr-Cyrl-RS" dirty="0" smtClean="0">
-              <a:latin typeface="Garamond" pitchFamily="18" charset="0"/>
-            </a:endParaRPr>
+              <a:t>Примерци поткласа морају да буду у могућности да у потпуности (у свим аспектима и контекстима) замењују примерке надкласе. </a:t>
+            </a:r>
           </a:p>
           <a:p>
             <a:pPr marL="342900" indent="-342900">
@@ -17048,33 +16972,15 @@
                                   </p:childTnLst>
                                 </p:cTn>
                               </p:par>
-                            </p:childTnLst>
-                          </p:cTn>
-                        </p:par>
-                      </p:childTnLst>
-                    </p:cTn>
-                  </p:par>
-                  <p:par>
-                    <p:cTn id="8" fill="hold">
-                      <p:stCondLst>
-                        <p:cond delay="indefinite"/>
-                      </p:stCondLst>
-                      <p:childTnLst>
-                        <p:par>
-                          <p:cTn id="9" fill="hold">
-                            <p:stCondLst>
-                              <p:cond delay="0"/>
-                            </p:stCondLst>
-                            <p:childTnLst>
                               <p:par>
-                                <p:cTn id="10" presetID="3" presetClass="entr" presetSubtype="10" fill="hold" nodeType="clickEffect">
+                                <p:cTn id="8" presetID="3" presetClass="entr" presetSubtype="10" fill="hold" nodeType="withEffect">
                                   <p:stCondLst>
                                     <p:cond delay="0"/>
                                   </p:stCondLst>
                                   <p:childTnLst>
                                     <p:set>
                                       <p:cBhvr>
-                                        <p:cTn id="11" dur="1" fill="hold">
+                                        <p:cTn id="9" dur="1" fill="hold">
                                           <p:stCondLst>
                                             <p:cond delay="0"/>
                                           </p:stCondLst>
@@ -17096,7 +17002,7 @@
                                     </p:set>
                                     <p:animEffect transition="in" filter="blinds(horizontal)">
                                       <p:cBhvr>
-                                        <p:cTn id="12" dur="500"/>
+                                        <p:cTn id="10" dur="500"/>
                                         <p:tgtEl>
                                           <p:spTgt spid="26626">
                                             <p:txEl>
@@ -17116,26 +17022,26 @@
                     </p:cTn>
                   </p:par>
                   <p:par>
-                    <p:cTn id="13" fill="hold">
+                    <p:cTn id="11" fill="hold">
                       <p:stCondLst>
                         <p:cond delay="indefinite"/>
                       </p:stCondLst>
                       <p:childTnLst>
                         <p:par>
-                          <p:cTn id="14" fill="hold">
+                          <p:cTn id="12" fill="hold">
                             <p:stCondLst>
                               <p:cond delay="0"/>
                             </p:stCondLst>
                             <p:childTnLst>
                               <p:par>
-                                <p:cTn id="15" presetID="3" presetClass="entr" presetSubtype="10" fill="hold" nodeType="clickEffect">
+                                <p:cTn id="13" presetID="3" presetClass="entr" presetSubtype="10" fill="hold" nodeType="clickEffect">
                                   <p:stCondLst>
                                     <p:cond delay="0"/>
                                   </p:stCondLst>
                                   <p:childTnLst>
                                     <p:set>
                                       <p:cBhvr>
-                                        <p:cTn id="16" dur="1" fill="hold">
+                                        <p:cTn id="14" dur="1" fill="hold">
                                           <p:stCondLst>
                                             <p:cond delay="0"/>
                                           </p:stCondLst>
@@ -17157,7 +17063,7 @@
                                     </p:set>
                                     <p:animEffect transition="in" filter="blinds(horizontal)">
                                       <p:cBhvr>
-                                        <p:cTn id="17" dur="500"/>
+                                        <p:cTn id="15" dur="500"/>
                                         <p:tgtEl>
                                           <p:spTgt spid="26626">
                                             <p:txEl>
@@ -17177,26 +17083,26 @@
                     </p:cTn>
                   </p:par>
                   <p:par>
-                    <p:cTn id="18" fill="hold">
+                    <p:cTn id="16" fill="hold">
                       <p:stCondLst>
                         <p:cond delay="indefinite"/>
                       </p:stCondLst>
                       <p:childTnLst>
                         <p:par>
-                          <p:cTn id="19" fill="hold">
+                          <p:cTn id="17" fill="hold">
                             <p:stCondLst>
                               <p:cond delay="0"/>
                             </p:stCondLst>
                             <p:childTnLst>
                               <p:par>
-                                <p:cTn id="20" presetID="3" presetClass="entr" presetSubtype="10" fill="hold" nodeType="clickEffect">
+                                <p:cTn id="18" presetID="3" presetClass="entr" presetSubtype="10" fill="hold" nodeType="clickEffect">
                                   <p:stCondLst>
                                     <p:cond delay="0"/>
                                   </p:stCondLst>
                                   <p:childTnLst>
                                     <p:set>
                                       <p:cBhvr>
-                                        <p:cTn id="21" dur="1" fill="hold">
+                                        <p:cTn id="19" dur="1" fill="hold">
                                           <p:stCondLst>
                                             <p:cond delay="0"/>
                                           </p:stCondLst>
@@ -17218,7 +17124,7 @@
                                     </p:set>
                                     <p:animEffect transition="in" filter="blinds(horizontal)">
                                       <p:cBhvr>
-                                        <p:cTn id="22" dur="500"/>
+                                        <p:cTn id="20" dur="500"/>
                                         <p:tgtEl>
                                           <p:spTgt spid="26626">
                                             <p:txEl>
@@ -17468,13 +17374,7 @@
               <a:rPr lang="en-US" dirty="0" smtClean="0">
                 <a:latin typeface="Garamond" pitchFamily="18" charset="0"/>
               </a:rPr>
-              <a:t>segregation</a:t>
-            </a:r>
-            <a:r>
-              <a:rPr lang="en-US" dirty="0" smtClean="0">
-                <a:latin typeface="Garamond" pitchFamily="18" charset="0"/>
-              </a:rPr>
-              <a:t>) –</a:t>
+              <a:t>segregation) –</a:t>
             </a:r>
             <a:r>
               <a:rPr lang="sr-Cyrl-RS" dirty="0" smtClean="0">
@@ -17482,9 +17382,6 @@
               </a:rPr>
               <a:t> Клијенти не треба да буду приморани да имплементирају непотребне методе, тј. методе које неће користити</a:t>
             </a:r>
-            <a:endParaRPr lang="sr-Cyrl-RS" dirty="0" smtClean="0">
-              <a:latin typeface="Garamond" pitchFamily="18" charset="0"/>
-            </a:endParaRPr>
           </a:p>
           <a:p>
             <a:pPr marL="342900" indent="-342900">
@@ -17541,9 +17438,6 @@
               </a:rPr>
               <a:t>фаворизују се мали интерфејси који зависе од клијента, а не монолитни и велики интерфејси</a:t>
             </a:r>
-            <a:endParaRPr lang="sr-Cyrl-RS" dirty="0" smtClean="0">
-              <a:latin typeface="Garamond" pitchFamily="18" charset="0"/>
-            </a:endParaRPr>
           </a:p>
           <a:p>
             <a:pPr marL="342900" indent="-342900">
@@ -17813,33 +17707,15 @@
                                   </p:childTnLst>
                                 </p:cTn>
                               </p:par>
-                            </p:childTnLst>
-                          </p:cTn>
-                        </p:par>
-                      </p:childTnLst>
-                    </p:cTn>
-                  </p:par>
-                  <p:par>
-                    <p:cTn id="8" fill="hold">
-                      <p:stCondLst>
-                        <p:cond delay="indefinite"/>
-                      </p:stCondLst>
-                      <p:childTnLst>
-                        <p:par>
-                          <p:cTn id="9" fill="hold">
-                            <p:stCondLst>
-                              <p:cond delay="0"/>
-                            </p:stCondLst>
-                            <p:childTnLst>
                               <p:par>
-                                <p:cTn id="10" presetID="3" presetClass="entr" presetSubtype="10" fill="hold" nodeType="clickEffect">
+                                <p:cTn id="8" presetID="3" presetClass="entr" presetSubtype="10" fill="hold" nodeType="withEffect">
                                   <p:stCondLst>
                                     <p:cond delay="0"/>
                                   </p:stCondLst>
                                   <p:childTnLst>
                                     <p:set>
                                       <p:cBhvr>
-                                        <p:cTn id="11" dur="1" fill="hold">
+                                        <p:cTn id="9" dur="1" fill="hold">
                                           <p:stCondLst>
                                             <p:cond delay="0"/>
                                           </p:stCondLst>
@@ -17861,7 +17737,7 @@
                                     </p:set>
                                     <p:animEffect transition="in" filter="blinds(horizontal)">
                                       <p:cBhvr>
-                                        <p:cTn id="12" dur="500"/>
+                                        <p:cTn id="10" dur="500"/>
                                         <p:tgtEl>
                                           <p:spTgt spid="26626">
                                             <p:txEl>
@@ -17881,26 +17757,26 @@
                     </p:cTn>
                   </p:par>
                   <p:par>
-                    <p:cTn id="13" fill="hold">
+                    <p:cTn id="11" fill="hold">
                       <p:stCondLst>
                         <p:cond delay="indefinite"/>
                       </p:stCondLst>
                       <p:childTnLst>
                         <p:par>
-                          <p:cTn id="14" fill="hold">
+                          <p:cTn id="12" fill="hold">
                             <p:stCondLst>
                               <p:cond delay="0"/>
                             </p:stCondLst>
                             <p:childTnLst>
                               <p:par>
-                                <p:cTn id="15" presetID="3" presetClass="entr" presetSubtype="10" fill="hold" nodeType="clickEffect">
+                                <p:cTn id="13" presetID="3" presetClass="entr" presetSubtype="10" fill="hold" nodeType="clickEffect">
                                   <p:stCondLst>
                                     <p:cond delay="0"/>
                                   </p:stCondLst>
                                   <p:childTnLst>
                                     <p:set>
                                       <p:cBhvr>
-                                        <p:cTn id="16" dur="1" fill="hold">
+                                        <p:cTn id="14" dur="1" fill="hold">
                                           <p:stCondLst>
                                             <p:cond delay="0"/>
                                           </p:stCondLst>
@@ -17922,7 +17798,7 @@
                                     </p:set>
                                     <p:animEffect transition="in" filter="blinds(horizontal)">
                                       <p:cBhvr>
-                                        <p:cTn id="17" dur="500"/>
+                                        <p:cTn id="15" dur="500"/>
                                         <p:tgtEl>
                                           <p:spTgt spid="26626">
                                             <p:txEl>
@@ -18186,9 +18062,6 @@
               </a:rPr>
               <a:t> Треба зависити од апстрактција, а не од конкретне реализације</a:t>
             </a:r>
-            <a:endParaRPr lang="sr-Cyrl-RS" dirty="0" smtClean="0">
-              <a:latin typeface="Garamond" pitchFamily="18" charset="0"/>
-            </a:endParaRPr>
           </a:p>
           <a:p>
             <a:pPr marL="342900" indent="-342900">
@@ -18548,33 +18421,15 @@
                                   </p:childTnLst>
                                 </p:cTn>
                               </p:par>
-                            </p:childTnLst>
-                          </p:cTn>
-                        </p:par>
-                      </p:childTnLst>
-                    </p:cTn>
-                  </p:par>
-                  <p:par>
-                    <p:cTn id="8" fill="hold">
-                      <p:stCondLst>
-                        <p:cond delay="indefinite"/>
-                      </p:stCondLst>
-                      <p:childTnLst>
-                        <p:par>
-                          <p:cTn id="9" fill="hold">
-                            <p:stCondLst>
-                              <p:cond delay="0"/>
-                            </p:stCondLst>
-                            <p:childTnLst>
                               <p:par>
-                                <p:cTn id="10" presetID="3" presetClass="entr" presetSubtype="10" fill="hold" nodeType="clickEffect">
+                                <p:cTn id="8" presetID="3" presetClass="entr" presetSubtype="10" fill="hold" nodeType="withEffect">
                                   <p:stCondLst>
                                     <p:cond delay="0"/>
                                   </p:stCondLst>
                                   <p:childTnLst>
                                     <p:set>
                                       <p:cBhvr>
-                                        <p:cTn id="11" dur="1" fill="hold">
+                                        <p:cTn id="9" dur="1" fill="hold">
                                           <p:stCondLst>
                                             <p:cond delay="0"/>
                                           </p:stCondLst>
@@ -18596,7 +18451,7 @@
                                     </p:set>
                                     <p:animEffect transition="in" filter="blinds(horizontal)">
                                       <p:cBhvr>
-                                        <p:cTn id="12" dur="500"/>
+                                        <p:cTn id="10" dur="500"/>
                                         <p:tgtEl>
                                           <p:spTgt spid="26626">
                                             <p:txEl>
@@ -18616,26 +18471,26 @@
                     </p:cTn>
                   </p:par>
                   <p:par>
-                    <p:cTn id="13" fill="hold">
+                    <p:cTn id="11" fill="hold">
                       <p:stCondLst>
                         <p:cond delay="indefinite"/>
                       </p:stCondLst>
                       <p:childTnLst>
                         <p:par>
-                          <p:cTn id="14" fill="hold">
+                          <p:cTn id="12" fill="hold">
                             <p:stCondLst>
                               <p:cond delay="0"/>
                             </p:stCondLst>
                             <p:childTnLst>
                               <p:par>
-                                <p:cTn id="15" presetID="3" presetClass="entr" presetSubtype="10" fill="hold" nodeType="clickEffect">
+                                <p:cTn id="13" presetID="3" presetClass="entr" presetSubtype="10" fill="hold" nodeType="clickEffect">
                                   <p:stCondLst>
                                     <p:cond delay="0"/>
                                   </p:stCondLst>
                                   <p:childTnLst>
                                     <p:set>
                                       <p:cBhvr>
-                                        <p:cTn id="16" dur="1" fill="hold">
+                                        <p:cTn id="14" dur="1" fill="hold">
                                           <p:stCondLst>
                                             <p:cond delay="0"/>
                                           </p:stCondLst>
@@ -18657,7 +18512,7 @@
                                     </p:set>
                                     <p:animEffect transition="in" filter="blinds(horizontal)">
                                       <p:cBhvr>
-                                        <p:cTn id="17" dur="500"/>
+                                        <p:cTn id="15" dur="500"/>
                                         <p:tgtEl>
                                           <p:spTgt spid="26626">
                                             <p:txEl>
@@ -18677,26 +18532,26 @@
                     </p:cTn>
                   </p:par>
                   <p:par>
-                    <p:cTn id="18" fill="hold">
+                    <p:cTn id="16" fill="hold">
                       <p:stCondLst>
                         <p:cond delay="indefinite"/>
                       </p:stCondLst>
                       <p:childTnLst>
                         <p:par>
-                          <p:cTn id="19" fill="hold">
+                          <p:cTn id="17" fill="hold">
                             <p:stCondLst>
                               <p:cond delay="0"/>
                             </p:stCondLst>
                             <p:childTnLst>
                               <p:par>
-                                <p:cTn id="20" presetID="3" presetClass="entr" presetSubtype="10" fill="hold" nodeType="clickEffect">
+                                <p:cTn id="18" presetID="3" presetClass="entr" presetSubtype="10" fill="hold" nodeType="clickEffect">
                                   <p:stCondLst>
                                     <p:cond delay="0"/>
                                   </p:stCondLst>
                                   <p:childTnLst>
                                     <p:set>
                                       <p:cBhvr>
-                                        <p:cTn id="21" dur="1" fill="hold">
+                                        <p:cTn id="19" dur="1" fill="hold">
                                           <p:stCondLst>
                                             <p:cond delay="0"/>
                                           </p:stCondLst>
@@ -18718,7 +18573,7 @@
                                     </p:set>
                                     <p:animEffect transition="in" filter="blinds(horizontal)">
                                       <p:cBhvr>
-                                        <p:cTn id="22" dur="500"/>
+                                        <p:cTn id="20" dur="500"/>
                                         <p:tgtEl>
                                           <p:spTgt spid="26626">
                                             <p:txEl>
@@ -18738,26 +18593,26 @@
                     </p:cTn>
                   </p:par>
                   <p:par>
-                    <p:cTn id="23" fill="hold">
+                    <p:cTn id="21" fill="hold">
                       <p:stCondLst>
                         <p:cond delay="indefinite"/>
                       </p:stCondLst>
                       <p:childTnLst>
                         <p:par>
-                          <p:cTn id="24" fill="hold">
+                          <p:cTn id="22" fill="hold">
                             <p:stCondLst>
                               <p:cond delay="0"/>
                             </p:stCondLst>
                             <p:childTnLst>
                               <p:par>
-                                <p:cTn id="25" presetID="3" presetClass="entr" presetSubtype="10" fill="hold" nodeType="clickEffect">
+                                <p:cTn id="23" presetID="3" presetClass="entr" presetSubtype="10" fill="hold" nodeType="clickEffect">
                                   <p:stCondLst>
                                     <p:cond delay="0"/>
                                   </p:stCondLst>
                                   <p:childTnLst>
                                     <p:set>
                                       <p:cBhvr>
-                                        <p:cTn id="26" dur="1" fill="hold">
+                                        <p:cTn id="24" dur="1" fill="hold">
                                           <p:stCondLst>
                                             <p:cond delay="0"/>
                                           </p:stCondLst>
@@ -18779,7 +18634,7 @@
                                     </p:set>
                                     <p:animEffect transition="in" filter="blinds(horizontal)">
                                       <p:cBhvr>
-                                        <p:cTn id="27" dur="500"/>
+                                        <p:cTn id="25" dur="500"/>
                                         <p:tgtEl>
                                           <p:spTgt spid="26626">
                                             <p:txEl>
@@ -19157,10 +19012,16 @@
               <a:t>Може се увек направити поткласа неке класе и тиме приступити </a:t>
             </a:r>
             <a:r>
+              <a:rPr lang="sr-Latn-RS" sz="1800" dirty="0" smtClean="0">
+                <a:latin typeface="+mn-lt"/>
+              </a:rPr>
+              <a:t>protected</a:t>
+            </a:r>
+            <a:r>
               <a:rPr lang="sr-Latn-RS" dirty="0" smtClean="0">
                 <a:latin typeface="Garamond" pitchFamily="18" charset="0"/>
               </a:rPr>
-              <a:t>protected </a:t>
+              <a:t> </a:t>
             </a:r>
             <a:r>
               <a:rPr lang="sr-Cyrl-RS" dirty="0" smtClean="0">
@@ -19485,33 +19346,15 @@
                                   </p:childTnLst>
                                 </p:cTn>
                               </p:par>
-                            </p:childTnLst>
-                          </p:cTn>
-                        </p:par>
-                      </p:childTnLst>
-                    </p:cTn>
-                  </p:par>
-                  <p:par>
-                    <p:cTn id="8" fill="hold" nodeType="clickPar">
-                      <p:stCondLst>
-                        <p:cond delay="indefinite"/>
-                      </p:stCondLst>
-                      <p:childTnLst>
-                        <p:par>
-                          <p:cTn id="9" fill="hold" nodeType="withGroup">
-                            <p:stCondLst>
-                              <p:cond delay="0"/>
-                            </p:stCondLst>
-                            <p:childTnLst>
                               <p:par>
-                                <p:cTn id="10" presetID="3" presetClass="entr" presetSubtype="10" fill="hold" nodeType="clickEffect">
+                                <p:cTn id="8" presetID="3" presetClass="entr" presetSubtype="10" fill="hold" nodeType="withEffect">
                                   <p:stCondLst>
                                     <p:cond delay="0"/>
                                   </p:stCondLst>
                                   <p:childTnLst>
                                     <p:set>
                                       <p:cBhvr>
-                                        <p:cTn id="11" dur="1" fill="hold">
+                                        <p:cTn id="9" dur="1" fill="hold">
                                           <p:stCondLst>
                                             <p:cond delay="0"/>
                                           </p:stCondLst>
@@ -19533,7 +19376,7 @@
                                     </p:set>
                                     <p:animEffect transition="in" filter="blinds(horizontal)">
                                       <p:cBhvr>
-                                        <p:cTn id="12" dur="500"/>
+                                        <p:cTn id="10" dur="500"/>
                                         <p:tgtEl>
                                           <p:spTgt spid="26626">
                                             <p:txEl>
@@ -19553,26 +19396,26 @@
                     </p:cTn>
                   </p:par>
                   <p:par>
-                    <p:cTn id="13" fill="hold" nodeType="clickPar">
+                    <p:cTn id="11" fill="hold" nodeType="clickPar">
                       <p:stCondLst>
                         <p:cond delay="indefinite"/>
                       </p:stCondLst>
                       <p:childTnLst>
                         <p:par>
-                          <p:cTn id="14" fill="hold" nodeType="withGroup">
+                          <p:cTn id="12" fill="hold" nodeType="withGroup">
                             <p:stCondLst>
                               <p:cond delay="0"/>
                             </p:stCondLst>
                             <p:childTnLst>
                               <p:par>
-                                <p:cTn id="15" presetID="3" presetClass="entr" presetSubtype="10" fill="hold" nodeType="clickEffect">
+                                <p:cTn id="13" presetID="3" presetClass="entr" presetSubtype="10" fill="hold" nodeType="clickEffect">
                                   <p:stCondLst>
                                     <p:cond delay="0"/>
                                   </p:stCondLst>
                                   <p:childTnLst>
                                     <p:set>
                                       <p:cBhvr>
-                                        <p:cTn id="16" dur="1" fill="hold">
+                                        <p:cTn id="14" dur="1" fill="hold">
                                           <p:stCondLst>
                                             <p:cond delay="0"/>
                                           </p:stCondLst>
@@ -19594,7 +19437,7 @@
                                     </p:set>
                                     <p:animEffect transition="in" filter="blinds(horizontal)">
                                       <p:cBhvr>
-                                        <p:cTn id="17" dur="500"/>
+                                        <p:cTn id="15" dur="500"/>
                                         <p:tgtEl>
                                           <p:spTgt spid="26626">
                                             <p:txEl>
@@ -19614,26 +19457,26 @@
                     </p:cTn>
                   </p:par>
                   <p:par>
-                    <p:cTn id="18" fill="hold" nodeType="clickPar">
+                    <p:cTn id="16" fill="hold" nodeType="clickPar">
                       <p:stCondLst>
                         <p:cond delay="indefinite"/>
                       </p:stCondLst>
                       <p:childTnLst>
                         <p:par>
-                          <p:cTn id="19" fill="hold" nodeType="withGroup">
+                          <p:cTn id="17" fill="hold" nodeType="withGroup">
                             <p:stCondLst>
                               <p:cond delay="0"/>
                             </p:stCondLst>
                             <p:childTnLst>
                               <p:par>
-                                <p:cTn id="20" presetID="3" presetClass="entr" presetSubtype="10" fill="hold" nodeType="clickEffect">
+                                <p:cTn id="18" presetID="3" presetClass="entr" presetSubtype="10" fill="hold" nodeType="clickEffect">
                                   <p:stCondLst>
                                     <p:cond delay="0"/>
                                   </p:stCondLst>
                                   <p:childTnLst>
                                     <p:set>
                                       <p:cBhvr>
-                                        <p:cTn id="21" dur="1" fill="hold">
+                                        <p:cTn id="19" dur="1" fill="hold">
                                           <p:stCondLst>
                                             <p:cond delay="0"/>
                                           </p:stCondLst>
@@ -19655,7 +19498,7 @@
                                     </p:set>
                                     <p:animEffect transition="in" filter="blinds(horizontal)">
                                       <p:cBhvr>
-                                        <p:cTn id="22" dur="500"/>
+                                        <p:cTn id="20" dur="500"/>
                                         <p:tgtEl>
                                           <p:spTgt spid="26626">
                                             <p:txEl>
@@ -19669,14 +19512,14 @@
                                 </p:cTn>
                               </p:par>
                               <p:par>
-                                <p:cTn id="23" presetID="3" presetClass="entr" presetSubtype="10" fill="hold" nodeType="withEffect">
+                                <p:cTn id="21" presetID="3" presetClass="entr" presetSubtype="10" fill="hold" nodeType="withEffect">
                                   <p:stCondLst>
                                     <p:cond delay="0"/>
                                   </p:stCondLst>
                                   <p:childTnLst>
                                     <p:set>
                                       <p:cBhvr>
-                                        <p:cTn id="24" dur="1" fill="hold">
+                                        <p:cTn id="22" dur="1" fill="hold">
                                           <p:stCondLst>
                                             <p:cond delay="0"/>
                                           </p:stCondLst>
@@ -19698,7 +19541,7 @@
                                     </p:set>
                                     <p:animEffect transition="in" filter="blinds(horizontal)">
                                       <p:cBhvr>
-                                        <p:cTn id="25" dur="500"/>
+                                        <p:cTn id="23" dur="500"/>
                                         <p:tgtEl>
                                           <p:spTgt spid="26626">
                                             <p:txEl>
@@ -19712,14 +19555,14 @@
                                 </p:cTn>
                               </p:par>
                               <p:par>
-                                <p:cTn id="26" presetID="3" presetClass="entr" presetSubtype="10" fill="hold" nodeType="withEffect">
+                                <p:cTn id="24" presetID="3" presetClass="entr" presetSubtype="10" fill="hold" nodeType="withEffect">
                                   <p:stCondLst>
                                     <p:cond delay="0"/>
                                   </p:stCondLst>
                                   <p:childTnLst>
                                     <p:set>
                                       <p:cBhvr>
-                                        <p:cTn id="27" dur="1" fill="hold">
+                                        <p:cTn id="25" dur="1" fill="hold">
                                           <p:stCondLst>
                                             <p:cond delay="0"/>
                                           </p:stCondLst>
@@ -19741,7 +19584,7 @@
                                     </p:set>
                                     <p:animEffect transition="in" filter="blinds(horizontal)">
                                       <p:cBhvr>
-                                        <p:cTn id="28" dur="500"/>
+                                        <p:cTn id="26" dur="500"/>
                                         <p:tgtEl>
                                           <p:spTgt spid="26626">
                                             <p:txEl>
@@ -19761,26 +19604,26 @@
                     </p:cTn>
                   </p:par>
                   <p:par>
-                    <p:cTn id="29" fill="hold">
+                    <p:cTn id="27" fill="hold">
                       <p:stCondLst>
                         <p:cond delay="indefinite"/>
                       </p:stCondLst>
                       <p:childTnLst>
                         <p:par>
-                          <p:cTn id="30" fill="hold">
+                          <p:cTn id="28" fill="hold">
                             <p:stCondLst>
                               <p:cond delay="0"/>
                             </p:stCondLst>
                             <p:childTnLst>
                               <p:par>
-                                <p:cTn id="31" presetID="3" presetClass="entr" presetSubtype="10" fill="hold" nodeType="clickEffect">
+                                <p:cTn id="29" presetID="3" presetClass="entr" presetSubtype="10" fill="hold" nodeType="clickEffect">
                                   <p:stCondLst>
                                     <p:cond delay="0"/>
                                   </p:stCondLst>
                                   <p:childTnLst>
                                     <p:set>
                                       <p:cBhvr>
-                                        <p:cTn id="32" dur="1" fill="hold">
+                                        <p:cTn id="30" dur="1" fill="hold">
                                           <p:stCondLst>
                                             <p:cond delay="0"/>
                                           </p:stCondLst>
@@ -19802,7 +19645,7 @@
                                     </p:set>
                                     <p:animEffect transition="in" filter="blinds(horizontal)">
                                       <p:cBhvr>
-                                        <p:cTn id="33" dur="500"/>
+                                        <p:cTn id="31" dur="500"/>
                                         <p:tgtEl>
                                           <p:spTgt spid="26626">
                                             <p:txEl>
@@ -20059,9 +19902,6 @@
               </a:rPr>
               <a:t>LID</a:t>
             </a:r>
-            <a:endParaRPr lang="en-US" dirty="0" smtClean="0">
-              <a:latin typeface="Garamond" pitchFamily="18" charset="0"/>
-            </a:endParaRPr>
           </a:p>
           <a:p>
             <a:pPr marL="342900" indent="-342900">
@@ -20076,13 +19916,7 @@
               <a:rPr lang="sr-Cyrl-RS" dirty="0" smtClean="0">
                 <a:latin typeface="Garamond" pitchFamily="18" charset="0"/>
               </a:rPr>
-              <a:t>Понекад </a:t>
-            </a:r>
-            <a:r>
-              <a:rPr lang="sr-Cyrl-RS" dirty="0" smtClean="0">
-                <a:latin typeface="Garamond" pitchFamily="18" charset="0"/>
-              </a:rPr>
-              <a:t>програмери претерују у коришћењу наслеђивања</a:t>
+              <a:t>Понекад програмери претерују у коришћењу наслеђивања</a:t>
             </a:r>
             <a:r>
               <a:rPr lang="en-US" dirty="0" smtClean="0">
@@ -20105,7 +19939,7 @@
               <a:rPr lang="sr-Cyrl-RS" sz="2000" dirty="0" smtClean="0">
                 <a:latin typeface="Garamond" pitchFamily="18" charset="0"/>
               </a:rPr>
-              <a:t>Претпоставимо да нам требају радници по уговору, тј. класа</a:t>
+              <a:t>На пример, претпоставимо да нам требају радници по уговору, тј. класа</a:t>
             </a:r>
             <a:r>
               <a:rPr lang="en-US" sz="2000" dirty="0" smtClean="0">
@@ -20561,33 +20395,15 @@
                                   </p:childTnLst>
                                 </p:cTn>
                               </p:par>
-                            </p:childTnLst>
-                          </p:cTn>
-                        </p:par>
-                      </p:childTnLst>
-                    </p:cTn>
-                  </p:par>
-                  <p:par>
-                    <p:cTn id="8" fill="hold">
-                      <p:stCondLst>
-                        <p:cond delay="indefinite"/>
-                      </p:stCondLst>
-                      <p:childTnLst>
-                        <p:par>
-                          <p:cTn id="9" fill="hold">
-                            <p:stCondLst>
-                              <p:cond delay="0"/>
-                            </p:stCondLst>
-                            <p:childTnLst>
                               <p:par>
-                                <p:cTn id="10" presetID="3" presetClass="entr" presetSubtype="10" fill="hold" nodeType="clickEffect">
+                                <p:cTn id="8" presetID="3" presetClass="entr" presetSubtype="10" fill="hold" nodeType="withEffect">
                                   <p:stCondLst>
                                     <p:cond delay="0"/>
                                   </p:stCondLst>
                                   <p:childTnLst>
                                     <p:set>
                                       <p:cBhvr>
-                                        <p:cTn id="11" dur="1" fill="hold">
+                                        <p:cTn id="9" dur="1" fill="hold">
                                           <p:stCondLst>
                                             <p:cond delay="0"/>
                                           </p:stCondLst>
@@ -20609,7 +20425,7 @@
                                     </p:set>
                                     <p:animEffect transition="in" filter="blinds(horizontal)">
                                       <p:cBhvr>
-                                        <p:cTn id="12" dur="500"/>
+                                        <p:cTn id="10" dur="500"/>
                                         <p:tgtEl>
                                           <p:spTgt spid="26626">
                                             <p:txEl>
@@ -20629,26 +20445,26 @@
                     </p:cTn>
                   </p:par>
                   <p:par>
-                    <p:cTn id="13" fill="hold" nodeType="clickPar">
+                    <p:cTn id="11" fill="hold" nodeType="clickPar">
                       <p:stCondLst>
                         <p:cond delay="indefinite"/>
                       </p:stCondLst>
                       <p:childTnLst>
                         <p:par>
-                          <p:cTn id="14" fill="hold" nodeType="withGroup">
+                          <p:cTn id="12" fill="hold" nodeType="withGroup">
                             <p:stCondLst>
                               <p:cond delay="0"/>
                             </p:stCondLst>
                             <p:childTnLst>
                               <p:par>
-                                <p:cTn id="15" presetID="3" presetClass="entr" presetSubtype="10" fill="hold" nodeType="clickEffect">
+                                <p:cTn id="13" presetID="3" presetClass="entr" presetSubtype="10" fill="hold" nodeType="clickEffect">
                                   <p:stCondLst>
                                     <p:cond delay="0"/>
                                   </p:stCondLst>
                                   <p:childTnLst>
                                     <p:set>
                                       <p:cBhvr>
-                                        <p:cTn id="16" dur="1" fill="hold">
+                                        <p:cTn id="14" dur="1" fill="hold">
                                           <p:stCondLst>
                                             <p:cond delay="0"/>
                                           </p:stCondLst>
@@ -20670,7 +20486,7 @@
                                     </p:set>
                                     <p:animEffect transition="in" filter="blinds(horizontal)">
                                       <p:cBhvr>
-                                        <p:cTn id="17" dur="500"/>
+                                        <p:cTn id="15" dur="500"/>
                                         <p:tgtEl>
                                           <p:spTgt spid="26626">
                                             <p:txEl>
@@ -20690,26 +20506,26 @@
                     </p:cTn>
                   </p:par>
                   <p:par>
-                    <p:cTn id="18" fill="hold">
+                    <p:cTn id="16" fill="hold">
                       <p:stCondLst>
                         <p:cond delay="indefinite"/>
                       </p:stCondLst>
                       <p:childTnLst>
                         <p:par>
-                          <p:cTn id="19" fill="hold">
+                          <p:cTn id="17" fill="hold">
                             <p:stCondLst>
                               <p:cond delay="0"/>
                             </p:stCondLst>
                             <p:childTnLst>
                               <p:par>
-                                <p:cTn id="20" presetID="3" presetClass="entr" presetSubtype="10" fill="hold" nodeType="clickEffect">
+                                <p:cTn id="18" presetID="3" presetClass="entr" presetSubtype="10" fill="hold" nodeType="clickEffect">
                                   <p:stCondLst>
                                     <p:cond delay="0"/>
                                   </p:stCondLst>
                                   <p:childTnLst>
                                     <p:set>
                                       <p:cBhvr>
-                                        <p:cTn id="21" dur="1" fill="hold">
+                                        <p:cTn id="19" dur="1" fill="hold">
                                           <p:stCondLst>
                                             <p:cond delay="0"/>
                                           </p:stCondLst>
@@ -20731,7 +20547,7 @@
                                     </p:set>
                                     <p:animEffect transition="in" filter="blinds(horizontal)">
                                       <p:cBhvr>
-                                        <p:cTn id="22" dur="500"/>
+                                        <p:cTn id="20" dur="500"/>
                                         <p:tgtEl>
                                           <p:spTgt spid="26626">
                                             <p:txEl>
@@ -20744,33 +20560,15 @@
                                   </p:childTnLst>
                                 </p:cTn>
                               </p:par>
-                            </p:childTnLst>
-                          </p:cTn>
-                        </p:par>
-                      </p:childTnLst>
-                    </p:cTn>
-                  </p:par>
-                  <p:par>
-                    <p:cTn id="23" fill="hold" nodeType="clickPar">
-                      <p:stCondLst>
-                        <p:cond delay="indefinite"/>
-                      </p:stCondLst>
-                      <p:childTnLst>
-                        <p:par>
-                          <p:cTn id="24" fill="hold" nodeType="withGroup">
-                            <p:stCondLst>
-                              <p:cond delay="0"/>
-                            </p:stCondLst>
-                            <p:childTnLst>
                               <p:par>
-                                <p:cTn id="25" presetID="3" presetClass="entr" presetSubtype="10" fill="hold" nodeType="clickEffect">
+                                <p:cTn id="21" presetID="3" presetClass="entr" presetSubtype="10" fill="hold" nodeType="withEffect">
                                   <p:stCondLst>
                                     <p:cond delay="0"/>
                                   </p:stCondLst>
                                   <p:childTnLst>
                                     <p:set>
                                       <p:cBhvr>
-                                        <p:cTn id="26" dur="1" fill="hold">
+                                        <p:cTn id="22" dur="1" fill="hold">
                                           <p:stCondLst>
                                             <p:cond delay="0"/>
                                           </p:stCondLst>
@@ -20792,7 +20590,7 @@
                                     </p:set>
                                     <p:animEffect transition="in" filter="blinds(horizontal)">
                                       <p:cBhvr>
-                                        <p:cTn id="27" dur="500"/>
+                                        <p:cTn id="23" dur="500"/>
                                         <p:tgtEl>
                                           <p:spTgt spid="26626">
                                             <p:txEl>
@@ -20805,33 +20603,15 @@
                                   </p:childTnLst>
                                 </p:cTn>
                               </p:par>
-                            </p:childTnLst>
-                          </p:cTn>
-                        </p:par>
-                      </p:childTnLst>
-                    </p:cTn>
-                  </p:par>
-                  <p:par>
-                    <p:cTn id="28" fill="hold" nodeType="clickPar">
-                      <p:stCondLst>
-                        <p:cond delay="indefinite"/>
-                      </p:stCondLst>
-                      <p:childTnLst>
-                        <p:par>
-                          <p:cTn id="29" fill="hold" nodeType="withGroup">
-                            <p:stCondLst>
-                              <p:cond delay="0"/>
-                            </p:stCondLst>
-                            <p:childTnLst>
                               <p:par>
-                                <p:cTn id="30" presetID="3" presetClass="entr" presetSubtype="10" fill="hold" nodeType="clickEffect">
+                                <p:cTn id="24" presetID="3" presetClass="entr" presetSubtype="10" fill="hold" nodeType="withEffect">
                                   <p:stCondLst>
                                     <p:cond delay="0"/>
                                   </p:stCondLst>
                                   <p:childTnLst>
                                     <p:set>
                                       <p:cBhvr>
-                                        <p:cTn id="31" dur="1" fill="hold">
+                                        <p:cTn id="25" dur="1" fill="hold">
                                           <p:stCondLst>
                                             <p:cond delay="0"/>
                                           </p:stCondLst>
@@ -20853,7 +20633,7 @@
                                     </p:set>
                                     <p:animEffect transition="in" filter="blinds(horizontal)">
                                       <p:cBhvr>
-                                        <p:cTn id="32" dur="500"/>
+                                        <p:cTn id="26" dur="500"/>
                                         <p:tgtEl>
                                           <p:spTgt spid="26626">
                                             <p:txEl>
@@ -20925,7 +20705,7 @@
         <p:spPr bwMode="auto">
           <a:xfrm>
             <a:off x="539750" y="1557338"/>
-            <a:ext cx="8451850" cy="5047536"/>
+            <a:ext cx="8451850" cy="5355312"/>
           </a:xfrm>
           <a:prstGeom prst="rect">
             <a:avLst/>
@@ -21122,7 +20902,19 @@
               <a:rPr lang="sr-Cyrl-RS" sz="2000" dirty="0" smtClean="0">
                 <a:latin typeface="Garamond" pitchFamily="18" charset="0"/>
               </a:rPr>
-              <a:t>Претпоставимо да желимо да направимо класу за празнике</a:t>
+              <a:t>На пример, </a:t>
+            </a:r>
+            <a:r>
+              <a:rPr lang="sr-Cyrl-RS" sz="2000" dirty="0">
+                <a:latin typeface="Garamond" pitchFamily="18" charset="0"/>
+              </a:rPr>
+              <a:t>п</a:t>
+            </a:r>
+            <a:r>
+              <a:rPr lang="sr-Cyrl-RS" sz="2000" dirty="0" smtClean="0">
+                <a:latin typeface="Garamond" pitchFamily="18" charset="0"/>
+              </a:rPr>
+              <a:t>ретпоставимо да желимо да направимо класу за празнике</a:t>
             </a:r>
             <a:r>
               <a:rPr lang="en-US" sz="2000" dirty="0" smtClean="0">
@@ -21212,7 +21004,7 @@
               </a:spcBef>
               <a:defRPr/>
             </a:pPr>
-            <a:endParaRPr lang="sr-Cyrl-RS" sz="2000" dirty="0" smtClean="0">
+            <a:endParaRPr lang="sr-Cyrl-RS" sz="800" dirty="0" smtClean="0">
               <a:latin typeface="Garamond" pitchFamily="18" charset="0"/>
             </a:endParaRPr>
           </a:p>
@@ -21544,16 +21336,7 @@
                 </a:solidFill>
                 <a:latin typeface="Courier New" panose="02070309020205020404" pitchFamily="49" charset="0"/>
               </a:rPr>
-              <a:t>christmas</a:t>
-            </a:r>
-            <a:r>
-              <a:rPr lang="en-US" sz="1500" dirty="0" err="1" smtClean="0">
-                <a:solidFill>
-                  <a:srgbClr val="000000"/>
-                </a:solidFill>
-                <a:latin typeface="Courier New" panose="02070309020205020404" pitchFamily="49" charset="0"/>
-              </a:rPr>
-              <a:t>.plusDays</a:t>
+              <a:t>christmas.plusDays</a:t>
             </a:r>
             <a:r>
               <a:rPr lang="en-US" sz="1500" dirty="0" smtClean="0">
@@ -21793,7 +21576,7 @@
         </p:nvSpPr>
         <p:spPr>
           <a:xfrm>
-            <a:off x="1371600" y="4077072"/>
+            <a:off x="1371600" y="4221088"/>
             <a:ext cx="6008712" cy="432048"/>
           </a:xfrm>
           <a:prstGeom prst="rect">
@@ -21834,7 +21617,7 @@
         </p:nvSpPr>
         <p:spPr>
           <a:xfrm>
-            <a:off x="1371600" y="5589240"/>
+            <a:off x="1371600" y="5733256"/>
             <a:ext cx="4928592" cy="576064"/>
           </a:xfrm>
           <a:prstGeom prst="rect">
@@ -21935,33 +21718,15 @@
                                   </p:childTnLst>
                                 </p:cTn>
                               </p:par>
-                            </p:childTnLst>
-                          </p:cTn>
-                        </p:par>
-                      </p:childTnLst>
-                    </p:cTn>
-                  </p:par>
-                  <p:par>
-                    <p:cTn id="8" fill="hold">
-                      <p:stCondLst>
-                        <p:cond delay="indefinite"/>
-                      </p:stCondLst>
-                      <p:childTnLst>
-                        <p:par>
-                          <p:cTn id="9" fill="hold">
-                            <p:stCondLst>
-                              <p:cond delay="0"/>
-                            </p:stCondLst>
-                            <p:childTnLst>
                               <p:par>
-                                <p:cTn id="10" presetID="3" presetClass="entr" presetSubtype="10" fill="hold" nodeType="clickEffect">
+                                <p:cTn id="8" presetID="3" presetClass="entr" presetSubtype="10" fill="hold" nodeType="withEffect">
                                   <p:stCondLst>
                                     <p:cond delay="0"/>
                                   </p:stCondLst>
                                   <p:childTnLst>
                                     <p:set>
                                       <p:cBhvr>
-                                        <p:cTn id="11" dur="1" fill="hold">
+                                        <p:cTn id="9" dur="1" fill="hold">
                                           <p:stCondLst>
                                             <p:cond delay="0"/>
                                           </p:stCondLst>
@@ -21983,7 +21748,7 @@
                                     </p:set>
                                     <p:animEffect transition="in" filter="blinds(horizontal)">
                                       <p:cBhvr>
-                                        <p:cTn id="12" dur="500"/>
+                                        <p:cTn id="10" dur="500"/>
                                         <p:tgtEl>
                                           <p:spTgt spid="26626">
                                             <p:txEl>
@@ -22003,26 +21768,26 @@
                     </p:cTn>
                   </p:par>
                   <p:par>
-                    <p:cTn id="13" fill="hold" nodeType="clickPar">
+                    <p:cTn id="11" fill="hold" nodeType="clickPar">
                       <p:stCondLst>
                         <p:cond delay="indefinite"/>
                       </p:stCondLst>
                       <p:childTnLst>
                         <p:par>
-                          <p:cTn id="14" fill="hold" nodeType="withGroup">
+                          <p:cTn id="12" fill="hold" nodeType="withGroup">
                             <p:stCondLst>
                               <p:cond delay="0"/>
                             </p:stCondLst>
                             <p:childTnLst>
                               <p:par>
-                                <p:cTn id="15" presetID="3" presetClass="entr" presetSubtype="10" fill="hold" nodeType="clickEffect">
+                                <p:cTn id="13" presetID="3" presetClass="entr" presetSubtype="10" fill="hold" nodeType="clickEffect">
                                   <p:stCondLst>
                                     <p:cond delay="0"/>
                                   </p:stCondLst>
                                   <p:childTnLst>
                                     <p:set>
                                       <p:cBhvr>
-                                        <p:cTn id="16" dur="1" fill="hold">
+                                        <p:cTn id="14" dur="1" fill="hold">
                                           <p:stCondLst>
                                             <p:cond delay="0"/>
                                           </p:stCondLst>
@@ -22044,7 +21809,7 @@
                                     </p:set>
                                     <p:animEffect transition="in" filter="blinds(horizontal)">
                                       <p:cBhvr>
-                                        <p:cTn id="17" dur="500"/>
+                                        <p:cTn id="15" dur="500"/>
                                         <p:tgtEl>
                                           <p:spTgt spid="26626">
                                             <p:txEl>
@@ -22064,26 +21829,26 @@
                     </p:cTn>
                   </p:par>
                   <p:par>
-                    <p:cTn id="18" fill="hold">
+                    <p:cTn id="16" fill="hold">
                       <p:stCondLst>
                         <p:cond delay="indefinite"/>
                       </p:stCondLst>
                       <p:childTnLst>
                         <p:par>
-                          <p:cTn id="19" fill="hold">
+                          <p:cTn id="17" fill="hold">
                             <p:stCondLst>
                               <p:cond delay="0"/>
                             </p:stCondLst>
                             <p:childTnLst>
                               <p:par>
-                                <p:cTn id="20" presetID="3" presetClass="entr" presetSubtype="10" fill="hold" nodeType="clickEffect">
+                                <p:cTn id="18" presetID="3" presetClass="entr" presetSubtype="10" fill="hold" nodeType="clickEffect">
                                   <p:stCondLst>
                                     <p:cond delay="0"/>
                                   </p:stCondLst>
                                   <p:childTnLst>
                                     <p:set>
                                       <p:cBhvr>
-                                        <p:cTn id="21" dur="1" fill="hold">
+                                        <p:cTn id="19" dur="1" fill="hold">
                                           <p:stCondLst>
                                             <p:cond delay="0"/>
                                           </p:stCondLst>
@@ -22105,7 +21870,7 @@
                                     </p:set>
                                     <p:animEffect transition="in" filter="blinds(horizontal)">
                                       <p:cBhvr>
-                                        <p:cTn id="22" dur="500"/>
+                                        <p:cTn id="20" dur="500"/>
                                         <p:tgtEl>
                                           <p:spTgt spid="26626">
                                             <p:txEl>
@@ -22119,14 +21884,14 @@
                                 </p:cTn>
                               </p:par>
                               <p:par>
-                                <p:cTn id="23" presetID="10" presetClass="entr" presetSubtype="0" fill="hold" grpId="0" nodeType="withEffect">
+                                <p:cTn id="21" presetID="10" presetClass="entr" presetSubtype="0" fill="hold" grpId="0" nodeType="withEffect">
                                   <p:stCondLst>
                                     <p:cond delay="0"/>
                                   </p:stCondLst>
                                   <p:childTnLst>
                                     <p:set>
                                       <p:cBhvr>
-                                        <p:cTn id="24" dur="1" fill="hold">
+                                        <p:cTn id="22" dur="1" fill="hold">
                                           <p:stCondLst>
                                             <p:cond delay="0"/>
                                           </p:stCondLst>
@@ -22144,7 +21909,7 @@
                                     </p:set>
                                     <p:animEffect transition="in" filter="fade">
                                       <p:cBhvr>
-                                        <p:cTn id="25" dur="500"/>
+                                        <p:cTn id="23" dur="500"/>
                                         <p:tgtEl>
                                           <p:spTgt spid="2"/>
                                         </p:tgtEl>
@@ -22154,14 +21919,14 @@
                                 </p:cTn>
                               </p:par>
                               <p:par>
-                                <p:cTn id="26" presetID="3" presetClass="entr" presetSubtype="10" fill="hold" nodeType="withEffect">
+                                <p:cTn id="24" presetID="3" presetClass="entr" presetSubtype="10" fill="hold" nodeType="withEffect">
                                   <p:stCondLst>
                                     <p:cond delay="0"/>
                                   </p:stCondLst>
                                   <p:childTnLst>
                                     <p:set>
                                       <p:cBhvr>
-                                        <p:cTn id="27" dur="1" fill="hold">
+                                        <p:cTn id="25" dur="1" fill="hold">
                                           <p:stCondLst>
                                             <p:cond delay="0"/>
                                           </p:stCondLst>
@@ -22183,7 +21948,7 @@
                                     </p:set>
                                     <p:animEffect transition="in" filter="blinds(horizontal)">
                                       <p:cBhvr>
-                                        <p:cTn id="28" dur="500"/>
+                                        <p:cTn id="26" dur="500"/>
                                         <p:tgtEl>
                                           <p:spTgt spid="26626">
                                             <p:txEl>
@@ -22203,26 +21968,26 @@
                     </p:cTn>
                   </p:par>
                   <p:par>
-                    <p:cTn id="29" fill="hold" nodeType="clickPar">
+                    <p:cTn id="27" fill="hold" nodeType="clickPar">
                       <p:stCondLst>
                         <p:cond delay="indefinite"/>
                       </p:stCondLst>
                       <p:childTnLst>
                         <p:par>
-                          <p:cTn id="30" fill="hold" nodeType="withGroup">
+                          <p:cTn id="28" fill="hold" nodeType="withGroup">
                             <p:stCondLst>
                               <p:cond delay="0"/>
                             </p:stCondLst>
                             <p:childTnLst>
                               <p:par>
-                                <p:cTn id="31" presetID="3" presetClass="entr" presetSubtype="10" fill="hold" nodeType="clickEffect">
+                                <p:cTn id="29" presetID="3" presetClass="entr" presetSubtype="10" fill="hold" nodeType="clickEffect">
                                   <p:stCondLst>
                                     <p:cond delay="0"/>
                                   </p:stCondLst>
                                   <p:childTnLst>
                                     <p:set>
                                       <p:cBhvr>
-                                        <p:cTn id="32" dur="1" fill="hold">
+                                        <p:cTn id="30" dur="1" fill="hold">
                                           <p:stCondLst>
                                             <p:cond delay="0"/>
                                           </p:stCondLst>
@@ -22244,7 +22009,7 @@
                                     </p:set>
                                     <p:animEffect transition="in" filter="blinds(horizontal)">
                                       <p:cBhvr>
-                                        <p:cTn id="33" dur="500"/>
+                                        <p:cTn id="31" dur="500"/>
                                         <p:tgtEl>
                                           <p:spTgt spid="26626">
                                             <p:txEl>
@@ -22264,26 +22029,26 @@
                     </p:cTn>
                   </p:par>
                   <p:par>
-                    <p:cTn id="34" fill="hold">
+                    <p:cTn id="32" fill="hold">
                       <p:stCondLst>
                         <p:cond delay="indefinite"/>
                       </p:stCondLst>
                       <p:childTnLst>
                         <p:par>
-                          <p:cTn id="35" fill="hold">
+                          <p:cTn id="33" fill="hold">
                             <p:stCondLst>
                               <p:cond delay="0"/>
                             </p:stCondLst>
                             <p:childTnLst>
                               <p:par>
-                                <p:cTn id="36" presetID="3" presetClass="entr" presetSubtype="10" fill="hold" nodeType="clickEffect">
+                                <p:cTn id="34" presetID="3" presetClass="entr" presetSubtype="10" fill="hold" nodeType="clickEffect">
                                   <p:stCondLst>
                                     <p:cond delay="0"/>
                                   </p:stCondLst>
                                   <p:childTnLst>
                                     <p:set>
                                       <p:cBhvr>
-                                        <p:cTn id="37" dur="1" fill="hold">
+                                        <p:cTn id="35" dur="1" fill="hold">
                                           <p:stCondLst>
                                             <p:cond delay="0"/>
                                           </p:stCondLst>
@@ -22305,7 +22070,7 @@
                                     </p:set>
                                     <p:animEffect transition="in" filter="blinds(horizontal)">
                                       <p:cBhvr>
-                                        <p:cTn id="38" dur="500"/>
+                                        <p:cTn id="36" dur="500"/>
                                         <p:tgtEl>
                                           <p:spTgt spid="26626">
                                             <p:txEl>
@@ -22319,14 +22084,14 @@
                                 </p:cTn>
                               </p:par>
                               <p:par>
-                                <p:cTn id="39" presetID="10" presetClass="entr" presetSubtype="0" fill="hold" grpId="0" nodeType="withEffect">
+                                <p:cTn id="37" presetID="10" presetClass="entr" presetSubtype="0" fill="hold" grpId="0" nodeType="withEffect">
                                   <p:stCondLst>
                                     <p:cond delay="0"/>
                                   </p:stCondLst>
                                   <p:childTnLst>
                                     <p:set>
                                       <p:cBhvr>
-                                        <p:cTn id="40" dur="1" fill="hold">
+                                        <p:cTn id="38" dur="1" fill="hold">
                                           <p:stCondLst>
                                             <p:cond delay="0"/>
                                           </p:stCondLst>
@@ -22344,7 +22109,7 @@
                                     </p:set>
                                     <p:animEffect transition="in" filter="fade">
                                       <p:cBhvr>
-                                        <p:cTn id="41" dur="500"/>
+                                        <p:cTn id="39" dur="500"/>
                                         <p:tgtEl>
                                           <p:spTgt spid="4"/>
                                         </p:tgtEl>
@@ -22354,14 +22119,14 @@
                                 </p:cTn>
                               </p:par>
                               <p:par>
-                                <p:cTn id="42" presetID="3" presetClass="entr" presetSubtype="10" fill="hold" nodeType="withEffect">
+                                <p:cTn id="40" presetID="3" presetClass="entr" presetSubtype="10" fill="hold" nodeType="withEffect">
                                   <p:stCondLst>
                                     <p:cond delay="0"/>
                                   </p:stCondLst>
                                   <p:childTnLst>
                                     <p:set>
                                       <p:cBhvr>
-                                        <p:cTn id="43" dur="1" fill="hold">
+                                        <p:cTn id="41" dur="1" fill="hold">
                                           <p:stCondLst>
                                             <p:cond delay="0"/>
                                           </p:stCondLst>
@@ -22383,7 +22148,7 @@
                                     </p:set>
                                     <p:animEffect transition="in" filter="blinds(horizontal)">
                                       <p:cBhvr>
-                                        <p:cTn id="44" dur="500"/>
+                                        <p:cTn id="42" dur="500"/>
                                         <p:tgtEl>
                                           <p:spTgt spid="26626">
                                             <p:txEl>
@@ -22397,14 +22162,14 @@
                                 </p:cTn>
                               </p:par>
                               <p:par>
-                                <p:cTn id="45" presetID="3" presetClass="entr" presetSubtype="10" fill="hold" nodeType="withEffect">
+                                <p:cTn id="43" presetID="3" presetClass="entr" presetSubtype="10" fill="hold" nodeType="withEffect">
                                   <p:stCondLst>
                                     <p:cond delay="0"/>
                                   </p:stCondLst>
                                   <p:childTnLst>
                                     <p:set>
                                       <p:cBhvr>
-                                        <p:cTn id="46" dur="1" fill="hold">
+                                        <p:cTn id="44" dur="1" fill="hold">
                                           <p:stCondLst>
                                             <p:cond delay="0"/>
                                           </p:stCondLst>
@@ -22426,7 +22191,7 @@
                                     </p:set>
                                     <p:animEffect transition="in" filter="blinds(horizontal)">
                                       <p:cBhvr>
-                                        <p:cTn id="47" dur="500"/>
+                                        <p:cTn id="45" dur="500"/>
                                         <p:tgtEl>
                                           <p:spTgt spid="26626">
                                             <p:txEl>
@@ -22440,14 +22205,14 @@
                                 </p:cTn>
                               </p:par>
                               <p:par>
-                                <p:cTn id="48" presetID="3" presetClass="entr" presetSubtype="10" fill="hold" nodeType="withEffect">
+                                <p:cTn id="46" presetID="3" presetClass="entr" presetSubtype="10" fill="hold" nodeType="withEffect">
                                   <p:stCondLst>
                                     <p:cond delay="0"/>
                                   </p:stCondLst>
                                   <p:childTnLst>
                                     <p:set>
                                       <p:cBhvr>
-                                        <p:cTn id="49" dur="1" fill="hold">
+                                        <p:cTn id="47" dur="1" fill="hold">
                                           <p:stCondLst>
                                             <p:cond delay="0"/>
                                           </p:stCondLst>
@@ -22469,7 +22234,7 @@
                                     </p:set>
                                     <p:animEffect transition="in" filter="blinds(horizontal)">
                                       <p:cBhvr>
-                                        <p:cTn id="50" dur="500"/>
+                                        <p:cTn id="48" dur="500"/>
                                         <p:tgtEl>
                                           <p:spTgt spid="26626">
                                             <p:txEl>
@@ -22718,9 +22483,6 @@
               </a:rPr>
               <a:t>ID</a:t>
             </a:r>
-            <a:endParaRPr lang="en-US" sz="2000" dirty="0" smtClean="0">
-              <a:latin typeface="Garamond" pitchFamily="18" charset="0"/>
-            </a:endParaRPr>
           </a:p>
           <a:p>
             <a:pPr>
@@ -22733,13 +22495,7 @@
               <a:rPr lang="sr-Cyrl-RS" sz="2000" dirty="0" smtClean="0">
                 <a:latin typeface="Garamond" pitchFamily="18" charset="0"/>
               </a:rPr>
-              <a:t>Принцип </a:t>
-            </a:r>
-            <a:r>
-              <a:rPr lang="sr-Cyrl-RS" sz="2000" dirty="0" smtClean="0">
-                <a:latin typeface="Garamond" pitchFamily="18" charset="0"/>
-              </a:rPr>
-              <a:t>замене се примењује и на синтаксу и на понашање.</a:t>
+              <a:t>Принцип замене се примењује и на синтаксу и на понашање.</a:t>
             </a:r>
             <a:endParaRPr lang="en-US" sz="2000" dirty="0">
               <a:latin typeface="Garamond" pitchFamily="18" charset="0"/>
@@ -22756,7 +22512,7 @@
               <a:rPr lang="sr-Cyrl-RS" sz="2000" dirty="0" smtClean="0">
                 <a:latin typeface="Garamond" pitchFamily="18" charset="0"/>
               </a:rPr>
-              <a:t>При превазилажењу метода се не сме неразумно мењати његово понашање</a:t>
+              <a:t>На пример, при превазилажењу метода се не сме неразумно мењати његово понашање</a:t>
             </a:r>
             <a:r>
               <a:rPr lang="en-US" sz="2000" dirty="0" smtClean="0">
@@ -23167,13 +22923,7 @@
               <a:rPr lang="sr-Cyrl-RS" sz="2000" dirty="0" smtClean="0">
                 <a:latin typeface="Garamond" pitchFamily="18" charset="0"/>
               </a:rPr>
-              <a:t>, без обзира да ли </a:t>
-            </a:r>
-            <a:r>
-              <a:rPr lang="sr-Cyrl-RS" sz="2000" dirty="0" smtClean="0">
-                <a:latin typeface="Garamond" pitchFamily="18" charset="0"/>
-              </a:rPr>
-              <a:t>су променљиве </a:t>
+              <a:t>, без обзира да ли су променљиве </a:t>
             </a:r>
             <a:r>
               <a:rPr lang="en-US" sz="2000" dirty="0" smtClean="0">
@@ -23945,33 +23695,15 @@
                                   </p:childTnLst>
                                 </p:cTn>
                               </p:par>
-                            </p:childTnLst>
-                          </p:cTn>
-                        </p:par>
-                      </p:childTnLst>
-                    </p:cTn>
-                  </p:par>
-                  <p:par>
-                    <p:cTn id="40" fill="hold" nodeType="clickPar">
-                      <p:stCondLst>
-                        <p:cond delay="indefinite"/>
-                      </p:stCondLst>
-                      <p:childTnLst>
-                        <p:par>
-                          <p:cTn id="41" fill="hold" nodeType="withGroup">
-                            <p:stCondLst>
-                              <p:cond delay="0"/>
-                            </p:stCondLst>
-                            <p:childTnLst>
                               <p:par>
-                                <p:cTn id="42" presetID="3" presetClass="entr" presetSubtype="10" fill="hold" nodeType="clickEffect">
+                                <p:cTn id="40" presetID="3" presetClass="entr" presetSubtype="10" fill="hold" nodeType="withEffect">
                                   <p:stCondLst>
                                     <p:cond delay="0"/>
                                   </p:stCondLst>
                                   <p:childTnLst>
                                     <p:set>
                                       <p:cBhvr>
-                                        <p:cTn id="43" dur="1" fill="hold">
+                                        <p:cTn id="41" dur="1" fill="hold">
                                           <p:stCondLst>
                                             <p:cond delay="0"/>
                                           </p:stCondLst>
@@ -23993,7 +23725,7 @@
                                     </p:set>
                                     <p:animEffect transition="in" filter="blinds(horizontal)">
                                       <p:cBhvr>
-                                        <p:cTn id="44" dur="500"/>
+                                        <p:cTn id="42" dur="500"/>
                                         <p:tgtEl>
                                           <p:spTgt spid="26626">
                                             <p:txEl>
@@ -24241,9 +23973,6 @@
               </a:rPr>
               <a:t>LID</a:t>
             </a:r>
-            <a:endParaRPr lang="en-US" dirty="0" smtClean="0">
-              <a:latin typeface="Garamond" pitchFamily="18" charset="0"/>
-            </a:endParaRPr>
           </a:p>
           <a:p>
             <a:pPr marL="342900" indent="-342900">
@@ -24258,13 +23987,7 @@
               <a:rPr lang="sr-Cyrl-RS" dirty="0" smtClean="0">
                 <a:latin typeface="Garamond" pitchFamily="18" charset="0"/>
               </a:rPr>
-              <a:t>Кад </a:t>
-            </a:r>
-            <a:r>
-              <a:rPr lang="sr-Cyrl-RS" dirty="0" smtClean="0">
-                <a:latin typeface="Garamond" pitchFamily="18" charset="0"/>
-              </a:rPr>
-              <a:t>год се наиђе на код облика:</a:t>
+              <a:t>Кад год се наиђе на код облика:</a:t>
             </a:r>
             <a:endParaRPr lang="en-US" dirty="0">
               <a:latin typeface="Garamond" pitchFamily="18" charset="0"/>
@@ -25534,44 +25257,7 @@
       </p:grpSpPr>
       <p:sp>
         <p:nvSpPr>
-          <p:cNvPr id="28674" name="Rectangle 2"/>
-          <p:cNvSpPr>
-            <a:spLocks noGrp="1" noChangeArrowheads="1"/>
-          </p:cNvSpPr>
-          <p:nvPr>
-            <p:ph type="title" idx="4294967295"/>
-          </p:nvPr>
-        </p:nvSpPr>
-        <p:spPr>
-          <a:xfrm>
-            <a:off x="3311525" y="427038"/>
-            <a:ext cx="5832475" cy="914400"/>
-          </a:xfrm>
-        </p:spPr>
-        <p:txBody>
-          <a:bodyPr/>
-          <a:lstStyle/>
-          <a:p>
-            <a:pPr eaLnBrk="1" hangingPunct="1"/>
-            <a:r>
-              <a:rPr lang="sr-Cyrl-RS" altLang="en-US" smtClean="0">
-                <a:solidFill>
-                  <a:srgbClr val="3366FF"/>
-                </a:solidFill>
-              </a:rPr>
-              <a:t>Захвалница</a:t>
-            </a:r>
-            <a:endParaRPr lang="sr-Latn-CS" altLang="en-US" smtClean="0">
-              <a:solidFill>
-                <a:srgbClr val="3366FF"/>
-              </a:solidFill>
-            </a:endParaRPr>
-          </a:p>
-        </p:txBody>
-      </p:sp>
-      <p:sp>
-        <p:nvSpPr>
-          <p:cNvPr id="8197" name="Text Box 3"/>
+          <p:cNvPr id="26626" name="Text Box 2"/>
           <p:cNvSpPr txBox="1">
             <a:spLocks noChangeArrowheads="1"/>
           </p:cNvSpPr>
@@ -25579,8 +25265,8 @@
         </p:nvSpPr>
         <p:spPr bwMode="auto">
           <a:xfrm>
-            <a:off x="304800" y="1628775"/>
-            <a:ext cx="8610600" cy="3452813"/>
+            <a:off x="539750" y="1416050"/>
+            <a:ext cx="8451850" cy="5432256"/>
           </a:xfrm>
           <a:prstGeom prst="rect">
             <a:avLst/>
@@ -25615,215 +25301,393 @@
           </a:bodyPr>
           <a:lstStyle>
             <a:lvl1pPr eaLnBrk="0" hangingPunct="0">
-              <a:spcBef>
-                <a:spcPct val="20000"/>
-              </a:spcBef>
-              <a:buClr>
-                <a:schemeClr val="accent1"/>
-              </a:buClr>
-              <a:buFont typeface="Wingdings" panose="05000000000000000000" pitchFamily="2" charset="2"/>
-              <a:buChar char="l"/>
-              <a:defRPr sz="3200">
+              <a:defRPr sz="2400">
                 <a:solidFill>
                   <a:schemeClr val="tx1"/>
                 </a:solidFill>
-                <a:latin typeface="Arial" panose="020B0604020202020204" pitchFamily="34" charset="0"/>
+                <a:latin typeface="Times New Roman" pitchFamily="18" charset="0"/>
               </a:defRPr>
             </a:lvl1pPr>
             <a:lvl2pPr marL="742950" indent="-285750" eaLnBrk="0" hangingPunct="0">
-              <a:spcBef>
-                <a:spcPct val="20000"/>
-              </a:spcBef>
-              <a:buClr>
-                <a:schemeClr val="accent1"/>
-              </a:buClr>
-              <a:buFont typeface="Wingdings" panose="05000000000000000000" pitchFamily="2" charset="2"/>
-              <a:buChar char="¡"/>
-              <a:defRPr sz="2700">
+              <a:defRPr sz="2400">
                 <a:solidFill>
                   <a:schemeClr val="tx1"/>
                 </a:solidFill>
-                <a:latin typeface="Arial" panose="020B0604020202020204" pitchFamily="34" charset="0"/>
+                <a:latin typeface="Times New Roman" pitchFamily="18" charset="0"/>
               </a:defRPr>
             </a:lvl2pPr>
             <a:lvl3pPr marL="1143000" indent="-228600" eaLnBrk="0" hangingPunct="0">
-              <a:spcBef>
-                <a:spcPct val="20000"/>
-              </a:spcBef>
-              <a:buClr>
-                <a:schemeClr val="accent1"/>
-              </a:buClr>
-              <a:buFont typeface="Wingdings" panose="05000000000000000000" pitchFamily="2" charset="2"/>
-              <a:buChar char="l"/>
-              <a:defRPr sz="2300">
+              <a:defRPr sz="2400">
                 <a:solidFill>
                   <a:schemeClr val="tx1"/>
                 </a:solidFill>
-                <a:latin typeface="Arial" panose="020B0604020202020204" pitchFamily="34" charset="0"/>
+                <a:latin typeface="Times New Roman" pitchFamily="18" charset="0"/>
               </a:defRPr>
             </a:lvl3pPr>
             <a:lvl4pPr marL="1600200" indent="-228600" eaLnBrk="0" hangingPunct="0">
-              <a:spcBef>
-                <a:spcPct val="20000"/>
-              </a:spcBef>
-              <a:buClr>
-                <a:schemeClr val="accent1"/>
-              </a:buClr>
-              <a:buChar char="•"/>
-              <a:defRPr sz="2000">
+              <a:defRPr sz="2400">
                 <a:solidFill>
                   <a:schemeClr val="tx1"/>
                 </a:solidFill>
-                <a:latin typeface="Arial" panose="020B0604020202020204" pitchFamily="34" charset="0"/>
+                <a:latin typeface="Times New Roman" pitchFamily="18" charset="0"/>
               </a:defRPr>
             </a:lvl4pPr>
             <a:lvl5pPr marL="2057400" indent="-228600" eaLnBrk="0" hangingPunct="0">
-              <a:spcBef>
-                <a:spcPct val="20000"/>
-              </a:spcBef>
-              <a:buClr>
-                <a:schemeClr val="accent1"/>
-              </a:buClr>
-              <a:buFont typeface="Wingdings" panose="05000000000000000000" pitchFamily="2" charset="2"/>
-              <a:buChar char=""/>
-              <a:defRPr sz="2000">
+              <a:defRPr sz="2400">
                 <a:solidFill>
                   <a:schemeClr val="tx1"/>
                 </a:solidFill>
-                <a:latin typeface="Arial" panose="020B0604020202020204" pitchFamily="34" charset="0"/>
+                <a:latin typeface="Times New Roman" pitchFamily="18" charset="0"/>
               </a:defRPr>
             </a:lvl5pPr>
             <a:lvl6pPr marL="2514600" indent="-228600" eaLnBrk="0" fontAlgn="base" hangingPunct="0">
               <a:spcBef>
-                <a:spcPct val="20000"/>
+                <a:spcPct val="0"/>
               </a:spcBef>
               <a:spcAft>
                 <a:spcPct val="0"/>
               </a:spcAft>
-              <a:buClr>
-                <a:schemeClr val="accent1"/>
-              </a:buClr>
-              <a:buFont typeface="Wingdings" panose="05000000000000000000" pitchFamily="2" charset="2"/>
-              <a:buChar char=""/>
-              <a:defRPr sz="2000">
+              <a:defRPr sz="2400">
                 <a:solidFill>
                   <a:schemeClr val="tx1"/>
                 </a:solidFill>
-                <a:latin typeface="Arial" panose="020B0604020202020204" pitchFamily="34" charset="0"/>
+                <a:latin typeface="Times New Roman" pitchFamily="18" charset="0"/>
               </a:defRPr>
             </a:lvl6pPr>
             <a:lvl7pPr marL="2971800" indent="-228600" eaLnBrk="0" fontAlgn="base" hangingPunct="0">
               <a:spcBef>
-                <a:spcPct val="20000"/>
+                <a:spcPct val="0"/>
               </a:spcBef>
               <a:spcAft>
                 <a:spcPct val="0"/>
               </a:spcAft>
-              <a:buClr>
-                <a:schemeClr val="accent1"/>
-              </a:buClr>
-              <a:buFont typeface="Wingdings" panose="05000000000000000000" pitchFamily="2" charset="2"/>
-              <a:buChar char=""/>
-              <a:defRPr sz="2000">
+              <a:defRPr sz="2400">
                 <a:solidFill>
                   <a:schemeClr val="tx1"/>
                 </a:solidFill>
-                <a:latin typeface="Arial" panose="020B0604020202020204" pitchFamily="34" charset="0"/>
+                <a:latin typeface="Times New Roman" pitchFamily="18" charset="0"/>
               </a:defRPr>
             </a:lvl7pPr>
             <a:lvl8pPr marL="3429000" indent="-228600" eaLnBrk="0" fontAlgn="base" hangingPunct="0">
               <a:spcBef>
-                <a:spcPct val="20000"/>
+                <a:spcPct val="0"/>
               </a:spcBef>
               <a:spcAft>
                 <a:spcPct val="0"/>
               </a:spcAft>
-              <a:buClr>
-                <a:schemeClr val="accent1"/>
-              </a:buClr>
-              <a:buFont typeface="Wingdings" panose="05000000000000000000" pitchFamily="2" charset="2"/>
-              <a:buChar char=""/>
-              <a:defRPr sz="2000">
+              <a:defRPr sz="2400">
                 <a:solidFill>
                   <a:schemeClr val="tx1"/>
                 </a:solidFill>
-                <a:latin typeface="Arial" panose="020B0604020202020204" pitchFamily="34" charset="0"/>
+                <a:latin typeface="Times New Roman" pitchFamily="18" charset="0"/>
               </a:defRPr>
             </a:lvl8pPr>
             <a:lvl9pPr marL="3886200" indent="-228600" eaLnBrk="0" fontAlgn="base" hangingPunct="0">
               <a:spcBef>
-                <a:spcPct val="20000"/>
+                <a:spcPct val="0"/>
               </a:spcBef>
               <a:spcAft>
                 <a:spcPct val="0"/>
               </a:spcAft>
-              <a:buClr>
-                <a:schemeClr val="accent1"/>
-              </a:buClr>
-              <a:buFont typeface="Wingdings" panose="05000000000000000000" pitchFamily="2" charset="2"/>
-              <a:buChar char=""/>
-              <a:defRPr sz="2000">
+              <a:defRPr sz="2400">
                 <a:solidFill>
                   <a:schemeClr val="tx1"/>
                 </a:solidFill>
-                <a:latin typeface="Arial" panose="020B0604020202020204" pitchFamily="34" charset="0"/>
+                <a:latin typeface="Times New Roman" pitchFamily="18" charset="0"/>
               </a:defRPr>
             </a:lvl9pPr>
           </a:lstStyle>
           <a:p>
-            <a:pPr eaLnBrk="1" hangingPunct="1">
-              <a:buClrTx/>
-              <a:buFontTx/>
-              <a:buNone/>
+            <a:pPr>
+              <a:spcBef>
+                <a:spcPts val="600"/>
+              </a:spcBef>
+              <a:defRPr/>
             </a:pPr>
             <a:r>
-              <a:rPr lang="sr-Cyrl-RS" altLang="en-US" sz="2600">
-                <a:solidFill>
-                  <a:srgbClr val="000073"/>
-                </a:solidFill>
-                <a:latin typeface="Garamond" panose="02020404030301010803" pitchFamily="18" charset="0"/>
-              </a:rPr>
-              <a:t>Велики део материјала који је укључен у ову презентацију је преузет из презентације коју је раније (у време када је он држао курс Објектно орјентисано програмирање) направио проф. др Душан Тошић.</a:t>
+              <a:rPr lang="sr-Cyrl-RS" dirty="0" smtClean="0">
+                <a:latin typeface="Garamond" pitchFamily="18" charset="0"/>
+              </a:rPr>
+              <a:t>Иако различити оквири за развој у Јави имају различите објекте за рад са догађајима, њихово понашање је фундаментално исто.</a:t>
             </a:r>
           </a:p>
           <a:p>
-            <a:pPr eaLnBrk="1" hangingPunct="1">
-              <a:buClrTx/>
-              <a:buFontTx/>
-              <a:buNone/>
+            <a:pPr>
+              <a:spcBef>
+                <a:spcPts val="600"/>
+              </a:spcBef>
+              <a:defRPr/>
             </a:pPr>
-            <a:endParaRPr lang="sr-Cyrl-RS" altLang="en-US" sz="2600">
-              <a:solidFill>
-                <a:srgbClr val="000073"/>
-              </a:solidFill>
-              <a:latin typeface="Garamond" panose="02020404030301010803" pitchFamily="18" charset="0"/>
+            <a:r>
+              <a:rPr lang="sr-Cyrl-RS" dirty="0" smtClean="0">
+                <a:latin typeface="Garamond" pitchFamily="18" charset="0"/>
+              </a:rPr>
+              <a:t>Рад са догађајима (испаљивање и руковање) захтева следеће елементе:</a:t>
+            </a:r>
+          </a:p>
+          <a:p>
+            <a:pPr marL="342900" indent="-342900">
+              <a:spcBef>
+                <a:spcPts val="600"/>
+              </a:spcBef>
+              <a:buFont typeface="Arial" panose="020B0604020202020204" pitchFamily="34" charset="0"/>
+              <a:buChar char="•"/>
+              <a:defRPr/>
+            </a:pPr>
+            <a:r>
+              <a:rPr lang="sr-Cyrl-RS" dirty="0" smtClean="0">
+                <a:latin typeface="Garamond" pitchFamily="18" charset="0"/>
+              </a:rPr>
+              <a:t>Класу за тип догађаја – садржи информације везане за тај тип догађаја</a:t>
+            </a:r>
+          </a:p>
+          <a:p>
+            <a:pPr marL="342900" indent="-342900">
+              <a:spcBef>
+                <a:spcPts val="600"/>
+              </a:spcBef>
+              <a:buFont typeface="Arial" panose="020B0604020202020204" pitchFamily="34" charset="0"/>
+              <a:buChar char="•"/>
+              <a:defRPr/>
+            </a:pPr>
+            <a:r>
+              <a:rPr lang="sr-Cyrl-RS" dirty="0" smtClean="0">
+                <a:latin typeface="Garamond" pitchFamily="18" charset="0"/>
+              </a:rPr>
+              <a:t>Интерфејс који описује како ће о испаљивању догађаја бити информисани заинтересовани објекти, тзв. ослушкивачи</a:t>
+            </a:r>
+          </a:p>
+          <a:p>
+            <a:pPr marL="1085850" lvl="1" indent="-342900">
+              <a:spcBef>
+                <a:spcPts val="600"/>
+              </a:spcBef>
+              <a:buFont typeface="Arial" panose="020B0604020202020204" pitchFamily="34" charset="0"/>
+              <a:buChar char="•"/>
+              <a:defRPr/>
+            </a:pPr>
+            <a:r>
+              <a:rPr lang="sr-Cyrl-RS" dirty="0" smtClean="0">
+                <a:latin typeface="Garamond" pitchFamily="18" charset="0"/>
+              </a:rPr>
+              <a:t>Ослушкивачи морају да имплементирају интерфејс</a:t>
+            </a:r>
+          </a:p>
+          <a:p>
+            <a:pPr marL="342900" indent="-342900">
+              <a:spcBef>
+                <a:spcPts val="600"/>
+              </a:spcBef>
+              <a:buFont typeface="Arial" panose="020B0604020202020204" pitchFamily="34" charset="0"/>
+              <a:buChar char="•"/>
+              <a:defRPr/>
+            </a:pPr>
+            <a:r>
+              <a:rPr lang="sr-Cyrl-RS" dirty="0" smtClean="0">
+                <a:latin typeface="Garamond" pitchFamily="18" charset="0"/>
+              </a:rPr>
+              <a:t>Структура података која води рачуна о томе који су ослушкивачи претплаћени на догађаје</a:t>
+            </a:r>
+            <a:endParaRPr lang="en-US" dirty="0" smtClean="0">
+              <a:latin typeface="Garamond" pitchFamily="18" charset="0"/>
             </a:endParaRPr>
           </a:p>
           <a:p>
-            <a:pPr eaLnBrk="1" hangingPunct="1">
-              <a:buClrTx/>
-              <a:buFontTx/>
-              <a:buNone/>
+            <a:pPr marL="342900" indent="-342900">
+              <a:spcBef>
+                <a:spcPts val="600"/>
+              </a:spcBef>
+              <a:buFont typeface="Arial" panose="020B0604020202020204" pitchFamily="34" charset="0"/>
+              <a:buChar char="•"/>
+              <a:defRPr/>
             </a:pPr>
             <a:r>
-              <a:rPr lang="sr-Cyrl-RS" altLang="en-US" sz="2600">
-                <a:solidFill>
-                  <a:srgbClr val="000073"/>
-                </a:solidFill>
-                <a:latin typeface="Garamond" panose="02020404030301010803" pitchFamily="18" charset="0"/>
-              </a:rPr>
-              <a:t>Хвала проф. Тошићу што се сагласио са укључивањем тог материјала у садашњу презентацији, као и на помоћи коју ми је пружио током конципцирања и реализације курса. </a:t>
-            </a:r>
-            <a:endParaRPr lang="sr-Latn-CS" altLang="en-US" sz="2600">
+              <a:rPr lang="sr-Cyrl-RS" dirty="0" smtClean="0">
+                <a:latin typeface="Garamond" pitchFamily="18" charset="0"/>
+              </a:rPr>
+              <a:t>Методи којима се омогућује да се додају/уклоне ослушкивачи на догађаје</a:t>
+            </a:r>
+            <a:endParaRPr lang="en-US" dirty="0">
+              <a:latin typeface="Garamond" pitchFamily="18" charset="0"/>
+            </a:endParaRPr>
+          </a:p>
+        </p:txBody>
+      </p:sp>
+      <p:sp>
+        <p:nvSpPr>
+          <p:cNvPr id="3" name="Title 1"/>
+          <p:cNvSpPr txBox="1">
+            <a:spLocks/>
+          </p:cNvSpPr>
+          <p:nvPr/>
+        </p:nvSpPr>
+        <p:spPr>
+          <a:xfrm>
+            <a:off x="1371600" y="549275"/>
+            <a:ext cx="7772400" cy="868363"/>
+          </a:xfrm>
+          <a:prstGeom prst="rect">
+            <a:avLst/>
+          </a:prstGeom>
+        </p:spPr>
+        <p:txBody>
+          <a:bodyPr/>
+          <a:lstStyle>
+            <a:lvl1pPr algn="l" rtl="0" eaLnBrk="0" fontAlgn="base" hangingPunct="0">
+              <a:spcBef>
+                <a:spcPct val="0"/>
+              </a:spcBef>
+              <a:spcAft>
+                <a:spcPct val="0"/>
+              </a:spcAft>
+              <a:defRPr sz="3800">
+                <a:solidFill>
+                  <a:schemeClr val="tx2"/>
+                </a:solidFill>
+                <a:latin typeface="+mj-lt"/>
+                <a:ea typeface="+mj-ea"/>
+                <a:cs typeface="+mj-cs"/>
+              </a:defRPr>
+            </a:lvl1pPr>
+            <a:lvl2pPr algn="l" rtl="0" eaLnBrk="0" fontAlgn="base" hangingPunct="0">
+              <a:spcBef>
+                <a:spcPct val="0"/>
+              </a:spcBef>
+              <a:spcAft>
+                <a:spcPct val="0"/>
+              </a:spcAft>
+              <a:defRPr sz="3800">
+                <a:solidFill>
+                  <a:schemeClr val="tx2"/>
+                </a:solidFill>
+                <a:latin typeface="Arial" charset="0"/>
+              </a:defRPr>
+            </a:lvl2pPr>
+            <a:lvl3pPr algn="l" rtl="0" eaLnBrk="0" fontAlgn="base" hangingPunct="0">
+              <a:spcBef>
+                <a:spcPct val="0"/>
+              </a:spcBef>
+              <a:spcAft>
+                <a:spcPct val="0"/>
+              </a:spcAft>
+              <a:defRPr sz="3800">
+                <a:solidFill>
+                  <a:schemeClr val="tx2"/>
+                </a:solidFill>
+                <a:latin typeface="Arial" charset="0"/>
+              </a:defRPr>
+            </a:lvl3pPr>
+            <a:lvl4pPr algn="l" rtl="0" eaLnBrk="0" fontAlgn="base" hangingPunct="0">
+              <a:spcBef>
+                <a:spcPct val="0"/>
+              </a:spcBef>
+              <a:spcAft>
+                <a:spcPct val="0"/>
+              </a:spcAft>
+              <a:defRPr sz="3800">
+                <a:solidFill>
+                  <a:schemeClr val="tx2"/>
+                </a:solidFill>
+                <a:latin typeface="Arial" charset="0"/>
+              </a:defRPr>
+            </a:lvl4pPr>
+            <a:lvl5pPr algn="l" rtl="0" eaLnBrk="0" fontAlgn="base" hangingPunct="0">
+              <a:spcBef>
+                <a:spcPct val="0"/>
+              </a:spcBef>
+              <a:spcAft>
+                <a:spcPct val="0"/>
+              </a:spcAft>
+              <a:defRPr sz="3800">
+                <a:solidFill>
+                  <a:schemeClr val="tx2"/>
+                </a:solidFill>
+                <a:latin typeface="Arial" charset="0"/>
+              </a:defRPr>
+            </a:lvl5pPr>
+            <a:lvl6pPr marL="457200" algn="l" rtl="0" fontAlgn="base">
+              <a:spcBef>
+                <a:spcPct val="0"/>
+              </a:spcBef>
+              <a:spcAft>
+                <a:spcPct val="0"/>
+              </a:spcAft>
+              <a:defRPr sz="3800">
+                <a:solidFill>
+                  <a:schemeClr val="tx2"/>
+                </a:solidFill>
+                <a:latin typeface="Arial" charset="0"/>
+              </a:defRPr>
+            </a:lvl6pPr>
+            <a:lvl7pPr marL="914400" algn="l" rtl="0" fontAlgn="base">
+              <a:spcBef>
+                <a:spcPct val="0"/>
+              </a:spcBef>
+              <a:spcAft>
+                <a:spcPct val="0"/>
+              </a:spcAft>
+              <a:defRPr sz="3800">
+                <a:solidFill>
+                  <a:schemeClr val="tx2"/>
+                </a:solidFill>
+                <a:latin typeface="Arial" charset="0"/>
+              </a:defRPr>
+            </a:lvl7pPr>
+            <a:lvl8pPr marL="1371600" algn="l" rtl="0" fontAlgn="base">
+              <a:spcBef>
+                <a:spcPct val="0"/>
+              </a:spcBef>
+              <a:spcAft>
+                <a:spcPct val="0"/>
+              </a:spcAft>
+              <a:defRPr sz="3800">
+                <a:solidFill>
+                  <a:schemeClr val="tx2"/>
+                </a:solidFill>
+                <a:latin typeface="Arial" charset="0"/>
+              </a:defRPr>
+            </a:lvl8pPr>
+            <a:lvl9pPr marL="1828800" algn="l" rtl="0" fontAlgn="base">
+              <a:spcBef>
+                <a:spcPct val="0"/>
+              </a:spcBef>
+              <a:spcAft>
+                <a:spcPct val="0"/>
+              </a:spcAft>
+              <a:defRPr sz="3800">
+                <a:solidFill>
+                  <a:schemeClr val="tx2"/>
+                </a:solidFill>
+                <a:latin typeface="Arial" charset="0"/>
+              </a:defRPr>
+            </a:lvl9pPr>
+          </a:lstStyle>
+          <a:p>
+            <a:pPr>
+              <a:defRPr/>
+            </a:pPr>
+            <a:r>
+              <a:rPr lang="sr-Cyrl-RS" sz="3600" b="1" kern="0" dirty="0" smtClean="0">
+                <a:solidFill>
+                  <a:srgbClr val="0070C0"/>
+                </a:solidFill>
+              </a:rPr>
+              <a:t>Догађаји</a:t>
+            </a:r>
+            <a:endParaRPr lang="en-US" sz="3600" b="1" kern="0" dirty="0">
               <a:solidFill>
-                <a:srgbClr val="000073"/>
+                <a:srgbClr val="0070C0"/>
               </a:solidFill>
-              <a:latin typeface="Garamond" panose="02020404030301010803" pitchFamily="18" charset="0"/>
             </a:endParaRPr>
           </a:p>
         </p:txBody>
       </p:sp>
     </p:spTree>
+    <p:extLst>
+      <p:ext uri="{BB962C8B-B14F-4D97-AF65-F5344CB8AC3E}">
+        <p14:creationId xmlns:p14="http://schemas.microsoft.com/office/powerpoint/2010/main" val="452198317"/>
+      </p:ext>
+    </p:extLst>
   </p:cSld>
   <p:clrMapOvr>
     <a:masterClrMapping/>
@@ -25837,22 +25701,19 @@
               <p:cTn id="2" dur="indefinite" nodeType="mainSeq">
                 <p:childTnLst>
                   <p:par>
-                    <p:cTn id="3" fill="hold" nodeType="clickPar">
+                    <p:cTn id="3" fill="hold">
                       <p:stCondLst>
                         <p:cond delay="indefinite"/>
-                        <p:cond evt="onBegin" delay="0">
-                          <p:tn val="2"/>
-                        </p:cond>
                       </p:stCondLst>
                       <p:childTnLst>
                         <p:par>
-                          <p:cTn id="4" fill="hold" nodeType="withGroup">
+                          <p:cTn id="4" fill="hold">
                             <p:stCondLst>
                               <p:cond delay="0"/>
                             </p:stCondLst>
                             <p:childTnLst>
                               <p:par>
-                                <p:cTn id="5" presetID="10" presetClass="entr" presetSubtype="0" fill="hold" nodeType="withEffect">
+                                <p:cTn id="5" presetID="3" presetClass="entr" presetSubtype="10" fill="hold" nodeType="clickEffect">
                                   <p:stCondLst>
                                     <p:cond delay="0"/>
                                   </p:stCondLst>
@@ -25865,9 +25726,9 @@
                                           </p:stCondLst>
                                         </p:cTn>
                                         <p:tgtEl>
-                                          <p:spTgt spid="8197">
-                                            <p:txEl>
-                                              <p:pRg st="0" end="0"/>
+                                          <p:spTgt spid="26626">
+                                            <p:txEl>
+                                              <p:pRg st="1" end="1"/>
                                             </p:txEl>
                                           </p:spTgt>
                                         </p:tgtEl>
@@ -25879,13 +25740,135 @@
                                         <p:strVal val="visible"/>
                                       </p:to>
                                     </p:set>
-                                    <p:animEffect transition="in" filter="fade">
+                                    <p:animEffect transition="in" filter="blinds(horizontal)">
                                       <p:cBhvr>
                                         <p:cTn id="7" dur="500"/>
                                         <p:tgtEl>
-                                          <p:spTgt spid="8197">
-                                            <p:txEl>
-                                              <p:pRg st="0" end="0"/>
+                                          <p:spTgt spid="26626">
+                                            <p:txEl>
+                                              <p:pRg st="1" end="1"/>
+                                            </p:txEl>
+                                          </p:spTgt>
+                                        </p:tgtEl>
+                                      </p:cBhvr>
+                                    </p:animEffect>
+                                  </p:childTnLst>
+                                </p:cTn>
+                              </p:par>
+                            </p:childTnLst>
+                          </p:cTn>
+                        </p:par>
+                      </p:childTnLst>
+                    </p:cTn>
+                  </p:par>
+                  <p:par>
+                    <p:cTn id="8" fill="hold">
+                      <p:stCondLst>
+                        <p:cond delay="indefinite"/>
+                      </p:stCondLst>
+                      <p:childTnLst>
+                        <p:par>
+                          <p:cTn id="9" fill="hold">
+                            <p:stCondLst>
+                              <p:cond delay="0"/>
+                            </p:stCondLst>
+                            <p:childTnLst>
+                              <p:par>
+                                <p:cTn id="10" presetID="3" presetClass="entr" presetSubtype="10" fill="hold" nodeType="clickEffect">
+                                  <p:stCondLst>
+                                    <p:cond delay="0"/>
+                                  </p:stCondLst>
+                                  <p:childTnLst>
+                                    <p:set>
+                                      <p:cBhvr>
+                                        <p:cTn id="11" dur="1" fill="hold">
+                                          <p:stCondLst>
+                                            <p:cond delay="0"/>
+                                          </p:stCondLst>
+                                        </p:cTn>
+                                        <p:tgtEl>
+                                          <p:spTgt spid="26626">
+                                            <p:txEl>
+                                              <p:pRg st="2" end="2"/>
+                                            </p:txEl>
+                                          </p:spTgt>
+                                        </p:tgtEl>
+                                        <p:attrNameLst>
+                                          <p:attrName>style.visibility</p:attrName>
+                                        </p:attrNameLst>
+                                      </p:cBhvr>
+                                      <p:to>
+                                        <p:strVal val="visible"/>
+                                      </p:to>
+                                    </p:set>
+                                    <p:animEffect transition="in" filter="blinds(horizontal)">
+                                      <p:cBhvr>
+                                        <p:cTn id="12" dur="500"/>
+                                        <p:tgtEl>
+                                          <p:spTgt spid="26626">
+                                            <p:txEl>
+                                              <p:pRg st="2" end="2"/>
+                                            </p:txEl>
+                                          </p:spTgt>
+                                        </p:tgtEl>
+                                      </p:cBhvr>
+                                    </p:animEffect>
+                                  </p:childTnLst>
+                                </p:cTn>
+                              </p:par>
+                            </p:childTnLst>
+                          </p:cTn>
+                        </p:par>
+                      </p:childTnLst>
+                    </p:cTn>
+                  </p:par>
+                  <p:par>
+                    <p:cTn id="13" fill="hold">
+                      <p:stCondLst>
+                        <p:cond delay="indefinite"/>
+                      </p:stCondLst>
+                      <p:childTnLst>
+                        <p:par>
+                          <p:cTn id="14" fill="hold">
+                            <p:stCondLst>
+                              <p:cond delay="0"/>
+                            </p:stCondLst>
+                            <p:childTnLst>
+                              <p:par>
+                                <p:cTn id="15" presetID="3" presetClass="entr" presetSubtype="10" fill="hold" nodeType="clickEffect">
+                                  <p:stCondLst>
+                                    <p:cond delay="0"/>
+                                  </p:stCondLst>
+                                  <p:childTnLst>
+                                    <p:set>
+                                      <p:cBhvr>
+                                        <p:cTn id="16" dur="1" fill="hold">
+                                          <p:stCondLst>
+                                            <p:cond delay="0"/>
+                                          </p:stCondLst>
+                                        </p:cTn>
+                                        <p:tgtEl>
+                                          <p:spTgt spid="26626">
+                                            <p:txEl>
+                                              <p:pRg st="3" end="3"/>
+                                            </p:txEl>
+                                          </p:spTgt>
+                                        </p:tgtEl>
+                                        <p:attrNameLst>
+                                          <p:attrName>style.visibility</p:attrName>
+                                        </p:attrNameLst>
+                                      </p:cBhvr>
+                                      <p:to>
+                                        <p:strVal val="visible"/>
+                                      </p:to>
+                                    </p:set>
+                                    <p:animEffect transition="in" filter="blinds(horizontal)">
+                                      <p:cBhvr>
+                                        <p:cTn id="17" dur="500"/>
+                                        <p:tgtEl>
+                                          <p:spTgt spid="26626">
+                                            <p:txEl>
+                                              <p:pRg st="3" end="3"/>
                                             </p:txEl>
                                           </p:spTgt>
                                         </p:tgtEl>
@@ -25895,22 +25878,22 @@
                                 </p:cTn>
                               </p:par>
                               <p:par>
-                                <p:cTn id="8" presetID="10" presetClass="entr" presetSubtype="0" fill="hold" nodeType="withEffect">
+                                <p:cTn id="18" presetID="3" presetClass="entr" presetSubtype="10" fill="hold" nodeType="withEffect">
                                   <p:stCondLst>
                                     <p:cond delay="0"/>
                                   </p:stCondLst>
                                   <p:childTnLst>
                                     <p:set>
                                       <p:cBhvr>
-                                        <p:cTn id="9" dur="1" fill="hold">
+                                        <p:cTn id="19" dur="1" fill="hold">
                                           <p:stCondLst>
                                             <p:cond delay="0"/>
                                           </p:stCondLst>
                                         </p:cTn>
                                         <p:tgtEl>
-                                          <p:spTgt spid="8197">
-                                            <p:txEl>
-                                              <p:pRg st="2" end="2"/>
+                                          <p:spTgt spid="26626">
+                                            <p:txEl>
+                                              <p:pRg st="4" end="4"/>
                                             </p:txEl>
                                           </p:spTgt>
                                         </p:tgtEl>
@@ -25922,13 +25905,1043 @@
                                         <p:strVal val="visible"/>
                                       </p:to>
                                     </p:set>
-                                    <p:animEffect transition="in" filter="fade">
-                                      <p:cBhvr>
-                                        <p:cTn id="10" dur="500"/>
-                                        <p:tgtEl>
-                                          <p:spTgt spid="8197">
+                                    <p:animEffect transition="in" filter="blinds(horizontal)">
+                                      <p:cBhvr>
+                                        <p:cTn id="20" dur="500"/>
+                                        <p:tgtEl>
+                                          <p:spTgt spid="26626">
+                                            <p:txEl>
+                                              <p:pRg st="4" end="4"/>
+                                            </p:txEl>
+                                          </p:spTgt>
+                                        </p:tgtEl>
+                                      </p:cBhvr>
+                                    </p:animEffect>
+                                  </p:childTnLst>
+                                </p:cTn>
+                              </p:par>
+                            </p:childTnLst>
+                          </p:cTn>
+                        </p:par>
+                      </p:childTnLst>
+                    </p:cTn>
+                  </p:par>
+                  <p:par>
+                    <p:cTn id="21" fill="hold">
+                      <p:stCondLst>
+                        <p:cond delay="indefinite"/>
+                      </p:stCondLst>
+                      <p:childTnLst>
+                        <p:par>
+                          <p:cTn id="22" fill="hold">
+                            <p:stCondLst>
+                              <p:cond delay="0"/>
+                            </p:stCondLst>
+                            <p:childTnLst>
+                              <p:par>
+                                <p:cTn id="23" presetID="3" presetClass="entr" presetSubtype="10" fill="hold" nodeType="clickEffect">
+                                  <p:stCondLst>
+                                    <p:cond delay="0"/>
+                                  </p:stCondLst>
+                                  <p:childTnLst>
+                                    <p:set>
+                                      <p:cBhvr>
+                                        <p:cTn id="24" dur="1" fill="hold">
+                                          <p:stCondLst>
+                                            <p:cond delay="0"/>
+                                          </p:stCondLst>
+                                        </p:cTn>
+                                        <p:tgtEl>
+                                          <p:spTgt spid="26626">
+                                            <p:txEl>
+                                              <p:pRg st="5" end="5"/>
+                                            </p:txEl>
+                                          </p:spTgt>
+                                        </p:tgtEl>
+                                        <p:attrNameLst>
+                                          <p:attrName>style.visibility</p:attrName>
+                                        </p:attrNameLst>
+                                      </p:cBhvr>
+                                      <p:to>
+                                        <p:strVal val="visible"/>
+                                      </p:to>
+                                    </p:set>
+                                    <p:animEffect transition="in" filter="blinds(horizontal)">
+                                      <p:cBhvr>
+                                        <p:cTn id="25" dur="500"/>
+                                        <p:tgtEl>
+                                          <p:spTgt spid="26626">
+                                            <p:txEl>
+                                              <p:pRg st="5" end="5"/>
+                                            </p:txEl>
+                                          </p:spTgt>
+                                        </p:tgtEl>
+                                      </p:cBhvr>
+                                    </p:animEffect>
+                                  </p:childTnLst>
+                                </p:cTn>
+                              </p:par>
+                            </p:childTnLst>
+                          </p:cTn>
+                        </p:par>
+                      </p:childTnLst>
+                    </p:cTn>
+                  </p:par>
+                  <p:par>
+                    <p:cTn id="26" fill="hold">
+                      <p:stCondLst>
+                        <p:cond delay="indefinite"/>
+                      </p:stCondLst>
+                      <p:childTnLst>
+                        <p:par>
+                          <p:cTn id="27" fill="hold">
+                            <p:stCondLst>
+                              <p:cond delay="0"/>
+                            </p:stCondLst>
+                            <p:childTnLst>
+                              <p:par>
+                                <p:cTn id="28" presetID="3" presetClass="entr" presetSubtype="10" fill="hold" nodeType="clickEffect">
+                                  <p:stCondLst>
+                                    <p:cond delay="0"/>
+                                  </p:stCondLst>
+                                  <p:childTnLst>
+                                    <p:set>
+                                      <p:cBhvr>
+                                        <p:cTn id="29" dur="1" fill="hold">
+                                          <p:stCondLst>
+                                            <p:cond delay="0"/>
+                                          </p:stCondLst>
+                                        </p:cTn>
+                                        <p:tgtEl>
+                                          <p:spTgt spid="26626">
+                                            <p:txEl>
+                                              <p:pRg st="6" end="6"/>
+                                            </p:txEl>
+                                          </p:spTgt>
+                                        </p:tgtEl>
+                                        <p:attrNameLst>
+                                          <p:attrName>style.visibility</p:attrName>
+                                        </p:attrNameLst>
+                                      </p:cBhvr>
+                                      <p:to>
+                                        <p:strVal val="visible"/>
+                                      </p:to>
+                                    </p:set>
+                                    <p:animEffect transition="in" filter="blinds(horizontal)">
+                                      <p:cBhvr>
+                                        <p:cTn id="30" dur="500"/>
+                                        <p:tgtEl>
+                                          <p:spTgt spid="26626">
+                                            <p:txEl>
+                                              <p:pRg st="6" end="6"/>
+                                            </p:txEl>
+                                          </p:spTgt>
+                                        </p:tgtEl>
+                                      </p:cBhvr>
+                                    </p:animEffect>
+                                  </p:childTnLst>
+                                </p:cTn>
+                              </p:par>
+                            </p:childTnLst>
+                          </p:cTn>
+                        </p:par>
+                      </p:childTnLst>
+                    </p:cTn>
+                  </p:par>
+                  <p:par>
+                    <p:cTn id="31" fill="hold">
+                      <p:stCondLst>
+                        <p:cond delay="indefinite"/>
+                      </p:stCondLst>
+                      <p:childTnLst>
+                        <p:par>
+                          <p:cTn id="32" fill="hold">
+                            <p:stCondLst>
+                              <p:cond delay="0"/>
+                            </p:stCondLst>
+                            <p:childTnLst>
+                              <p:par>
+                                <p:cTn id="33" presetID="3" presetClass="entr" presetSubtype="10" fill="hold" nodeType="clickEffect">
+                                  <p:stCondLst>
+                                    <p:cond delay="0"/>
+                                  </p:stCondLst>
+                                  <p:childTnLst>
+                                    <p:set>
+                                      <p:cBhvr>
+                                        <p:cTn id="34" dur="1" fill="hold">
+                                          <p:stCondLst>
+                                            <p:cond delay="0"/>
+                                          </p:stCondLst>
+                                        </p:cTn>
+                                        <p:tgtEl>
+                                          <p:spTgt spid="26626">
+                                            <p:txEl>
+                                              <p:pRg st="0" end="0"/>
+                                            </p:txEl>
+                                          </p:spTgt>
+                                        </p:tgtEl>
+                                        <p:attrNameLst>
+                                          <p:attrName>style.visibility</p:attrName>
+                                        </p:attrNameLst>
+                                      </p:cBhvr>
+                                      <p:to>
+                                        <p:strVal val="visible"/>
+                                      </p:to>
+                                    </p:set>
+                                    <p:animEffect transition="in" filter="blinds(horizontal)">
+                                      <p:cBhvr>
+                                        <p:cTn id="35" dur="500"/>
+                                        <p:tgtEl>
+                                          <p:spTgt spid="26626">
+                                            <p:txEl>
+                                              <p:pRg st="0" end="0"/>
+                                            </p:txEl>
+                                          </p:spTgt>
+                                        </p:tgtEl>
+                                      </p:cBhvr>
+                                    </p:animEffect>
+                                  </p:childTnLst>
+                                </p:cTn>
+                              </p:par>
+                            </p:childTnLst>
+                          </p:cTn>
+                        </p:par>
+                      </p:childTnLst>
+                    </p:cTn>
+                  </p:par>
+                </p:childTnLst>
+              </p:cTn>
+              <p:prevCondLst>
+                <p:cond evt="onPrev" delay="0">
+                  <p:tgtEl>
+                    <p:sldTgt/>
+                  </p:tgtEl>
+                </p:cond>
+              </p:prevCondLst>
+              <p:nextCondLst>
+                <p:cond evt="onNext" delay="0">
+                  <p:tgtEl>
+                    <p:sldTgt/>
+                  </p:tgtEl>
+                </p:cond>
+              </p:nextCondLst>
+            </p:seq>
+          </p:childTnLst>
+        </p:cTn>
+      </p:par>
+    </p:tnLst>
+  </p:timing>
+</p:sld>
+</file>
+
+<file path=ppt/slides/slide29.xml><?xml version="1.0" encoding="utf-8"?>
+<p:sld xmlns:a="http://schemas.openxmlformats.org/drawingml/2006/main" xmlns:r="http://schemas.openxmlformats.org/officeDocument/2006/relationships" xmlns:p="http://schemas.openxmlformats.org/presentationml/2006/main">
+  <p:cSld>
+    <p:spTree>
+      <p:nvGrpSpPr>
+        <p:cNvPr id="1" name=""/>
+        <p:cNvGrpSpPr/>
+        <p:nvPr/>
+      </p:nvGrpSpPr>
+      <p:grpSpPr>
+        <a:xfrm>
+          <a:off x="0" y="0"/>
+          <a:ext cx="0" cy="0"/>
+          <a:chOff x="0" y="0"/>
+          <a:chExt cx="0" cy="0"/>
+        </a:xfrm>
+      </p:grpSpPr>
+      <p:sp>
+        <p:nvSpPr>
+          <p:cNvPr id="26626" name="Text Box 2"/>
+          <p:cNvSpPr txBox="1">
+            <a:spLocks noChangeArrowheads="1"/>
+          </p:cNvSpPr>
+          <p:nvPr/>
+        </p:nvSpPr>
+        <p:spPr bwMode="auto">
+          <a:xfrm>
+            <a:off x="539750" y="1416050"/>
+            <a:ext cx="8451850" cy="4909036"/>
+          </a:xfrm>
+          <a:prstGeom prst="rect">
+            <a:avLst/>
+          </a:prstGeom>
+          <a:noFill/>
+          <a:ln>
+            <a:noFill/>
+          </a:ln>
+          <a:extLst>
+            <a:ext uri="{909E8E84-426E-40DD-AFC4-6F175D3DCCD1}">
+              <a14:hiddenFill xmlns:a14="http://schemas.microsoft.com/office/drawing/2010/main">
+                <a:solidFill>
+                  <a:srgbClr val="FFFFFF"/>
+                </a:solidFill>
+              </a14:hiddenFill>
+            </a:ext>
+            <a:ext uri="{91240B29-F687-4F45-9708-019B960494DF}">
+              <a14:hiddenLine xmlns:a14="http://schemas.microsoft.com/office/drawing/2010/main" w="9525">
+                <a:solidFill>
+                  <a:srgbClr val="000000"/>
+                </a:solidFill>
+                <a:miter lim="800000"/>
+                <a:headEnd/>
+                <a:tailEnd/>
+              </a14:hiddenLine>
+            </a:ext>
+          </a:extLst>
+        </p:spPr>
+        <p:txBody>
+          <a:bodyPr>
+            <a:spAutoFit/>
+          </a:bodyPr>
+          <a:lstStyle>
+            <a:lvl1pPr eaLnBrk="0" hangingPunct="0">
+              <a:defRPr sz="2400">
+                <a:solidFill>
+                  <a:schemeClr val="tx1"/>
+                </a:solidFill>
+                <a:latin typeface="Times New Roman" pitchFamily="18" charset="0"/>
+              </a:defRPr>
+            </a:lvl1pPr>
+            <a:lvl2pPr marL="742950" indent="-285750" eaLnBrk="0" hangingPunct="0">
+              <a:defRPr sz="2400">
+                <a:solidFill>
+                  <a:schemeClr val="tx1"/>
+                </a:solidFill>
+                <a:latin typeface="Times New Roman" pitchFamily="18" charset="0"/>
+              </a:defRPr>
+            </a:lvl2pPr>
+            <a:lvl3pPr marL="1143000" indent="-228600" eaLnBrk="0" hangingPunct="0">
+              <a:defRPr sz="2400">
+                <a:solidFill>
+                  <a:schemeClr val="tx1"/>
+                </a:solidFill>
+                <a:latin typeface="Times New Roman" pitchFamily="18" charset="0"/>
+              </a:defRPr>
+            </a:lvl3pPr>
+            <a:lvl4pPr marL="1600200" indent="-228600" eaLnBrk="0" hangingPunct="0">
+              <a:defRPr sz="2400">
+                <a:solidFill>
+                  <a:schemeClr val="tx1"/>
+                </a:solidFill>
+                <a:latin typeface="Times New Roman" pitchFamily="18" charset="0"/>
+              </a:defRPr>
+            </a:lvl4pPr>
+            <a:lvl5pPr marL="2057400" indent="-228600" eaLnBrk="0" hangingPunct="0">
+              <a:defRPr sz="2400">
+                <a:solidFill>
+                  <a:schemeClr val="tx1"/>
+                </a:solidFill>
+                <a:latin typeface="Times New Roman" pitchFamily="18" charset="0"/>
+              </a:defRPr>
+            </a:lvl5pPr>
+            <a:lvl6pPr marL="2514600" indent="-228600" eaLnBrk="0" fontAlgn="base" hangingPunct="0">
+              <a:spcBef>
+                <a:spcPct val="0"/>
+              </a:spcBef>
+              <a:spcAft>
+                <a:spcPct val="0"/>
+              </a:spcAft>
+              <a:defRPr sz="2400">
+                <a:solidFill>
+                  <a:schemeClr val="tx1"/>
+                </a:solidFill>
+                <a:latin typeface="Times New Roman" pitchFamily="18" charset="0"/>
+              </a:defRPr>
+            </a:lvl6pPr>
+            <a:lvl7pPr marL="2971800" indent="-228600" eaLnBrk="0" fontAlgn="base" hangingPunct="0">
+              <a:spcBef>
+                <a:spcPct val="0"/>
+              </a:spcBef>
+              <a:spcAft>
+                <a:spcPct val="0"/>
+              </a:spcAft>
+              <a:defRPr sz="2400">
+                <a:solidFill>
+                  <a:schemeClr val="tx1"/>
+                </a:solidFill>
+                <a:latin typeface="Times New Roman" pitchFamily="18" charset="0"/>
+              </a:defRPr>
+            </a:lvl7pPr>
+            <a:lvl8pPr marL="3429000" indent="-228600" eaLnBrk="0" fontAlgn="base" hangingPunct="0">
+              <a:spcBef>
+                <a:spcPct val="0"/>
+              </a:spcBef>
+              <a:spcAft>
+                <a:spcPct val="0"/>
+              </a:spcAft>
+              <a:defRPr sz="2400">
+                <a:solidFill>
+                  <a:schemeClr val="tx1"/>
+                </a:solidFill>
+                <a:latin typeface="Times New Roman" pitchFamily="18" charset="0"/>
+              </a:defRPr>
+            </a:lvl8pPr>
+            <a:lvl9pPr marL="3886200" indent="-228600" eaLnBrk="0" fontAlgn="base" hangingPunct="0">
+              <a:spcBef>
+                <a:spcPct val="0"/>
+              </a:spcBef>
+              <a:spcAft>
+                <a:spcPct val="0"/>
+              </a:spcAft>
+              <a:defRPr sz="2400">
+                <a:solidFill>
+                  <a:schemeClr val="tx1"/>
+                </a:solidFill>
+                <a:latin typeface="Times New Roman" pitchFamily="18" charset="0"/>
+              </a:defRPr>
+            </a:lvl9pPr>
+          </a:lstStyle>
+          <a:p>
+            <a:pPr marL="342900" indent="-342900">
+              <a:spcBef>
+                <a:spcPts val="600"/>
+              </a:spcBef>
+              <a:buFont typeface="Arial" panose="020B0604020202020204" pitchFamily="34" charset="0"/>
+              <a:buChar char="•"/>
+              <a:defRPr/>
+            </a:pPr>
+            <a:r>
+              <a:rPr lang="sr-Cyrl-RS" dirty="0" smtClean="0">
+                <a:latin typeface="Garamond" pitchFamily="18" charset="0"/>
+              </a:rPr>
+              <a:t>Први захтев за испаљивање догађаја је постојање класе која представља информацију о догађају</a:t>
+            </a:r>
+          </a:p>
+          <a:p>
+            <a:pPr marL="342900" indent="-342900">
+              <a:spcBef>
+                <a:spcPts val="600"/>
+              </a:spcBef>
+              <a:buFont typeface="Arial" panose="020B0604020202020204" pitchFamily="34" charset="0"/>
+              <a:buChar char="•"/>
+              <a:defRPr/>
+            </a:pPr>
+            <a:r>
+              <a:rPr lang="sr-Cyrl-RS" dirty="0" smtClean="0">
+                <a:latin typeface="Garamond" pitchFamily="18" charset="0"/>
+              </a:rPr>
+              <a:t>Класе за догађаје треба да буду имутабилне, тј. после креирања не могу бити мењани</a:t>
+            </a:r>
+            <a:r>
+              <a:rPr lang="en-US" dirty="0" smtClean="0">
+                <a:latin typeface="Garamond" pitchFamily="18" charset="0"/>
+              </a:rPr>
+              <a:t> </a:t>
+            </a:r>
+            <a:endParaRPr lang="sr-Cyrl-RS" dirty="0" smtClean="0">
+              <a:latin typeface="Garamond" pitchFamily="18" charset="0"/>
+            </a:endParaRPr>
+          </a:p>
+          <a:p>
+            <a:pPr marL="342900" indent="-342900">
+              <a:spcBef>
+                <a:spcPts val="600"/>
+              </a:spcBef>
+              <a:buFont typeface="Arial" panose="020B0604020202020204" pitchFamily="34" charset="0"/>
+              <a:buChar char="•"/>
+              <a:defRPr/>
+            </a:pPr>
+            <a:r>
+              <a:rPr lang="sr-Cyrl-RS" dirty="0" smtClean="0">
+                <a:latin typeface="Garamond" pitchFamily="18" charset="0"/>
+              </a:rPr>
+              <a:t>Испаљивање догађаја прослђује референцу на један приемрак догађаја према свим регистрованим ослушкивачима </a:t>
+            </a:r>
+          </a:p>
+          <a:p>
+            <a:pPr marL="1085850" lvl="1" indent="-342900">
+              <a:spcBef>
+                <a:spcPts val="600"/>
+              </a:spcBef>
+              <a:buFont typeface="Arial" panose="020B0604020202020204" pitchFamily="34" charset="0"/>
+              <a:buChar char="•"/>
+              <a:defRPr/>
+            </a:pPr>
+            <a:r>
+              <a:rPr lang="sr-Cyrl-RS" dirty="0">
+                <a:latin typeface="Garamond" pitchFamily="18" charset="0"/>
+              </a:rPr>
+              <a:t>Р</a:t>
+            </a:r>
+            <a:r>
+              <a:rPr lang="sr-Cyrl-RS" dirty="0" smtClean="0">
+                <a:latin typeface="Garamond" pitchFamily="18" charset="0"/>
+              </a:rPr>
+              <a:t>едослед прослеђивања према ослушкивачима није специфициран</a:t>
+            </a:r>
+            <a:r>
+              <a:rPr lang="en-US" dirty="0" smtClean="0">
+                <a:latin typeface="Garamond" pitchFamily="18" charset="0"/>
+              </a:rPr>
+              <a:t> </a:t>
+            </a:r>
+            <a:endParaRPr lang="sr-Cyrl-RS" dirty="0" smtClean="0">
+              <a:latin typeface="Garamond" pitchFamily="18" charset="0"/>
+            </a:endParaRPr>
+          </a:p>
+          <a:p>
+            <a:pPr marL="1085850" lvl="1" indent="-342900">
+              <a:spcBef>
+                <a:spcPts val="600"/>
+              </a:spcBef>
+              <a:buFont typeface="Arial" panose="020B0604020202020204" pitchFamily="34" charset="0"/>
+              <a:buChar char="•"/>
+              <a:defRPr/>
+            </a:pPr>
+            <a:r>
+              <a:rPr lang="sr-Cyrl-RS" dirty="0" smtClean="0">
+                <a:latin typeface="Garamond" pitchFamily="18" charset="0"/>
+              </a:rPr>
+              <a:t>Ослушкивачи не могу модификовати догађај који им је прослеђен</a:t>
+            </a:r>
+          </a:p>
+          <a:p>
+            <a:pPr marL="1085850" lvl="1" indent="-342900">
+              <a:spcBef>
+                <a:spcPts val="600"/>
+              </a:spcBef>
+              <a:buFont typeface="Arial" panose="020B0604020202020204" pitchFamily="34" charset="0"/>
+              <a:buChar char="•"/>
+              <a:defRPr/>
+            </a:pPr>
+            <a:r>
+              <a:rPr lang="sr-Cyrl-RS" dirty="0" smtClean="0">
+                <a:latin typeface="Garamond" pitchFamily="18" charset="0"/>
+              </a:rPr>
+              <a:t>Ослушкивачи не могу променити начин на који ће се наставити процесирање од стране других ослушкивача</a:t>
+            </a:r>
+            <a:endParaRPr lang="en-US" dirty="0">
+              <a:latin typeface="Garamond" pitchFamily="18" charset="0"/>
+            </a:endParaRPr>
+          </a:p>
+        </p:txBody>
+      </p:sp>
+      <p:sp>
+        <p:nvSpPr>
+          <p:cNvPr id="3" name="Title 1"/>
+          <p:cNvSpPr txBox="1">
+            <a:spLocks/>
+          </p:cNvSpPr>
+          <p:nvPr/>
+        </p:nvSpPr>
+        <p:spPr>
+          <a:xfrm>
+            <a:off x="1371600" y="549275"/>
+            <a:ext cx="7772400" cy="868363"/>
+          </a:xfrm>
+          <a:prstGeom prst="rect">
+            <a:avLst/>
+          </a:prstGeom>
+        </p:spPr>
+        <p:txBody>
+          <a:bodyPr/>
+          <a:lstStyle>
+            <a:lvl1pPr algn="l" rtl="0" eaLnBrk="0" fontAlgn="base" hangingPunct="0">
+              <a:spcBef>
+                <a:spcPct val="0"/>
+              </a:spcBef>
+              <a:spcAft>
+                <a:spcPct val="0"/>
+              </a:spcAft>
+              <a:defRPr sz="3800">
+                <a:solidFill>
+                  <a:schemeClr val="tx2"/>
+                </a:solidFill>
+                <a:latin typeface="+mj-lt"/>
+                <a:ea typeface="+mj-ea"/>
+                <a:cs typeface="+mj-cs"/>
+              </a:defRPr>
+            </a:lvl1pPr>
+            <a:lvl2pPr algn="l" rtl="0" eaLnBrk="0" fontAlgn="base" hangingPunct="0">
+              <a:spcBef>
+                <a:spcPct val="0"/>
+              </a:spcBef>
+              <a:spcAft>
+                <a:spcPct val="0"/>
+              </a:spcAft>
+              <a:defRPr sz="3800">
+                <a:solidFill>
+                  <a:schemeClr val="tx2"/>
+                </a:solidFill>
+                <a:latin typeface="Arial" charset="0"/>
+              </a:defRPr>
+            </a:lvl2pPr>
+            <a:lvl3pPr algn="l" rtl="0" eaLnBrk="0" fontAlgn="base" hangingPunct="0">
+              <a:spcBef>
+                <a:spcPct val="0"/>
+              </a:spcBef>
+              <a:spcAft>
+                <a:spcPct val="0"/>
+              </a:spcAft>
+              <a:defRPr sz="3800">
+                <a:solidFill>
+                  <a:schemeClr val="tx2"/>
+                </a:solidFill>
+                <a:latin typeface="Arial" charset="0"/>
+              </a:defRPr>
+            </a:lvl3pPr>
+            <a:lvl4pPr algn="l" rtl="0" eaLnBrk="0" fontAlgn="base" hangingPunct="0">
+              <a:spcBef>
+                <a:spcPct val="0"/>
+              </a:spcBef>
+              <a:spcAft>
+                <a:spcPct val="0"/>
+              </a:spcAft>
+              <a:defRPr sz="3800">
+                <a:solidFill>
+                  <a:schemeClr val="tx2"/>
+                </a:solidFill>
+                <a:latin typeface="Arial" charset="0"/>
+              </a:defRPr>
+            </a:lvl4pPr>
+            <a:lvl5pPr algn="l" rtl="0" eaLnBrk="0" fontAlgn="base" hangingPunct="0">
+              <a:spcBef>
+                <a:spcPct val="0"/>
+              </a:spcBef>
+              <a:spcAft>
+                <a:spcPct val="0"/>
+              </a:spcAft>
+              <a:defRPr sz="3800">
+                <a:solidFill>
+                  <a:schemeClr val="tx2"/>
+                </a:solidFill>
+                <a:latin typeface="Arial" charset="0"/>
+              </a:defRPr>
+            </a:lvl5pPr>
+            <a:lvl6pPr marL="457200" algn="l" rtl="0" fontAlgn="base">
+              <a:spcBef>
+                <a:spcPct val="0"/>
+              </a:spcBef>
+              <a:spcAft>
+                <a:spcPct val="0"/>
+              </a:spcAft>
+              <a:defRPr sz="3800">
+                <a:solidFill>
+                  <a:schemeClr val="tx2"/>
+                </a:solidFill>
+                <a:latin typeface="Arial" charset="0"/>
+              </a:defRPr>
+            </a:lvl6pPr>
+            <a:lvl7pPr marL="914400" algn="l" rtl="0" fontAlgn="base">
+              <a:spcBef>
+                <a:spcPct val="0"/>
+              </a:spcBef>
+              <a:spcAft>
+                <a:spcPct val="0"/>
+              </a:spcAft>
+              <a:defRPr sz="3800">
+                <a:solidFill>
+                  <a:schemeClr val="tx2"/>
+                </a:solidFill>
+                <a:latin typeface="Arial" charset="0"/>
+              </a:defRPr>
+            </a:lvl7pPr>
+            <a:lvl8pPr marL="1371600" algn="l" rtl="0" fontAlgn="base">
+              <a:spcBef>
+                <a:spcPct val="0"/>
+              </a:spcBef>
+              <a:spcAft>
+                <a:spcPct val="0"/>
+              </a:spcAft>
+              <a:defRPr sz="3800">
+                <a:solidFill>
+                  <a:schemeClr val="tx2"/>
+                </a:solidFill>
+                <a:latin typeface="Arial" charset="0"/>
+              </a:defRPr>
+            </a:lvl8pPr>
+            <a:lvl9pPr marL="1828800" algn="l" rtl="0" fontAlgn="base">
+              <a:spcBef>
+                <a:spcPct val="0"/>
+              </a:spcBef>
+              <a:spcAft>
+                <a:spcPct val="0"/>
+              </a:spcAft>
+              <a:defRPr sz="3800">
+                <a:solidFill>
+                  <a:schemeClr val="tx2"/>
+                </a:solidFill>
+                <a:latin typeface="Arial" charset="0"/>
+              </a:defRPr>
+            </a:lvl9pPr>
+          </a:lstStyle>
+          <a:p>
+            <a:pPr>
+              <a:defRPr/>
+            </a:pPr>
+            <a:r>
+              <a:rPr lang="sr-Cyrl-RS" sz="3600" b="1" kern="0" dirty="0">
+                <a:solidFill>
+                  <a:srgbClr val="0070C0"/>
+                </a:solidFill>
+              </a:rPr>
+              <a:t>Класа </a:t>
+            </a:r>
+            <a:r>
+              <a:rPr lang="en-US" sz="3600" b="1" kern="0" dirty="0">
+                <a:solidFill>
+                  <a:srgbClr val="0070C0"/>
+                </a:solidFill>
+              </a:rPr>
+              <a:t>Event</a:t>
+            </a:r>
+          </a:p>
+        </p:txBody>
+      </p:sp>
+    </p:spTree>
+    <p:extLst>
+      <p:ext uri="{BB962C8B-B14F-4D97-AF65-F5344CB8AC3E}">
+        <p14:creationId xmlns:p14="http://schemas.microsoft.com/office/powerpoint/2010/main" val="3262392555"/>
+      </p:ext>
+    </p:extLst>
+  </p:cSld>
+  <p:clrMapOvr>
+    <a:masterClrMapping/>
+  </p:clrMapOvr>
+  <p:timing>
+    <p:tnLst>
+      <p:par>
+        <p:cTn id="1" dur="indefinite" restart="never" nodeType="tmRoot">
+          <p:childTnLst>
+            <p:seq concurrent="1" nextAc="seek">
+              <p:cTn id="2" dur="indefinite" nodeType="mainSeq">
+                <p:childTnLst>
+                  <p:par>
+                    <p:cTn id="3" fill="hold">
+                      <p:stCondLst>
+                        <p:cond delay="indefinite"/>
+                      </p:stCondLst>
+                      <p:childTnLst>
+                        <p:par>
+                          <p:cTn id="4" fill="hold">
+                            <p:stCondLst>
+                              <p:cond delay="0"/>
+                            </p:stCondLst>
+                            <p:childTnLst>
+                              <p:par>
+                                <p:cTn id="5" presetID="3" presetClass="entr" presetSubtype="10" fill="hold" nodeType="clickEffect">
+                                  <p:stCondLst>
+                                    <p:cond delay="0"/>
+                                  </p:stCondLst>
+                                  <p:childTnLst>
+                                    <p:set>
+                                      <p:cBhvr>
+                                        <p:cTn id="6" dur="1" fill="hold">
+                                          <p:stCondLst>
+                                            <p:cond delay="0"/>
+                                          </p:stCondLst>
+                                        </p:cTn>
+                                        <p:tgtEl>
+                                          <p:spTgt spid="26626">
+                                            <p:txEl>
+                                              <p:pRg st="0" end="0"/>
+                                            </p:txEl>
+                                          </p:spTgt>
+                                        </p:tgtEl>
+                                        <p:attrNameLst>
+                                          <p:attrName>style.visibility</p:attrName>
+                                        </p:attrNameLst>
+                                      </p:cBhvr>
+                                      <p:to>
+                                        <p:strVal val="visible"/>
+                                      </p:to>
+                                    </p:set>
+                                    <p:animEffect transition="in" filter="blinds(horizontal)">
+                                      <p:cBhvr>
+                                        <p:cTn id="7" dur="500"/>
+                                        <p:tgtEl>
+                                          <p:spTgt spid="26626">
+                                            <p:txEl>
+                                              <p:pRg st="0" end="0"/>
+                                            </p:txEl>
+                                          </p:spTgt>
+                                        </p:tgtEl>
+                                      </p:cBhvr>
+                                    </p:animEffect>
+                                  </p:childTnLst>
+                                </p:cTn>
+                              </p:par>
+                            </p:childTnLst>
+                          </p:cTn>
+                        </p:par>
+                      </p:childTnLst>
+                    </p:cTn>
+                  </p:par>
+                  <p:par>
+                    <p:cTn id="8" fill="hold">
+                      <p:stCondLst>
+                        <p:cond delay="indefinite"/>
+                      </p:stCondLst>
+                      <p:childTnLst>
+                        <p:par>
+                          <p:cTn id="9" fill="hold">
+                            <p:stCondLst>
+                              <p:cond delay="0"/>
+                            </p:stCondLst>
+                            <p:childTnLst>
+                              <p:par>
+                                <p:cTn id="10" presetID="3" presetClass="entr" presetSubtype="10" fill="hold" nodeType="clickEffect">
+                                  <p:stCondLst>
+                                    <p:cond delay="0"/>
+                                  </p:stCondLst>
+                                  <p:childTnLst>
+                                    <p:set>
+                                      <p:cBhvr>
+                                        <p:cTn id="11" dur="1" fill="hold">
+                                          <p:stCondLst>
+                                            <p:cond delay="0"/>
+                                          </p:stCondLst>
+                                        </p:cTn>
+                                        <p:tgtEl>
+                                          <p:spTgt spid="26626">
+                                            <p:txEl>
+                                              <p:pRg st="1" end="1"/>
+                                            </p:txEl>
+                                          </p:spTgt>
+                                        </p:tgtEl>
+                                        <p:attrNameLst>
+                                          <p:attrName>style.visibility</p:attrName>
+                                        </p:attrNameLst>
+                                      </p:cBhvr>
+                                      <p:to>
+                                        <p:strVal val="visible"/>
+                                      </p:to>
+                                    </p:set>
+                                    <p:animEffect transition="in" filter="blinds(horizontal)">
+                                      <p:cBhvr>
+                                        <p:cTn id="12" dur="500"/>
+                                        <p:tgtEl>
+                                          <p:spTgt spid="26626">
+                                            <p:txEl>
+                                              <p:pRg st="1" end="1"/>
+                                            </p:txEl>
+                                          </p:spTgt>
+                                        </p:tgtEl>
+                                      </p:cBhvr>
+                                    </p:animEffect>
+                                  </p:childTnLst>
+                                </p:cTn>
+                              </p:par>
+                            </p:childTnLst>
+                          </p:cTn>
+                        </p:par>
+                      </p:childTnLst>
+                    </p:cTn>
+                  </p:par>
+                  <p:par>
+                    <p:cTn id="13" fill="hold">
+                      <p:stCondLst>
+                        <p:cond delay="indefinite"/>
+                      </p:stCondLst>
+                      <p:childTnLst>
+                        <p:par>
+                          <p:cTn id="14" fill="hold">
+                            <p:stCondLst>
+                              <p:cond delay="0"/>
+                            </p:stCondLst>
+                            <p:childTnLst>
+                              <p:par>
+                                <p:cTn id="15" presetID="3" presetClass="entr" presetSubtype="10" fill="hold" nodeType="clickEffect">
+                                  <p:stCondLst>
+                                    <p:cond delay="0"/>
+                                  </p:stCondLst>
+                                  <p:childTnLst>
+                                    <p:set>
+                                      <p:cBhvr>
+                                        <p:cTn id="16" dur="1" fill="hold">
+                                          <p:stCondLst>
+                                            <p:cond delay="0"/>
+                                          </p:stCondLst>
+                                        </p:cTn>
+                                        <p:tgtEl>
+                                          <p:spTgt spid="26626">
                                             <p:txEl>
                                               <p:pRg st="2" end="2"/>
+                                            </p:txEl>
+                                          </p:spTgt>
+                                        </p:tgtEl>
+                                        <p:attrNameLst>
+                                          <p:attrName>style.visibility</p:attrName>
+                                        </p:attrNameLst>
+                                      </p:cBhvr>
+                                      <p:to>
+                                        <p:strVal val="visible"/>
+                                      </p:to>
+                                    </p:set>
+                                    <p:animEffect transition="in" filter="blinds(horizontal)">
+                                      <p:cBhvr>
+                                        <p:cTn id="17" dur="500"/>
+                                        <p:tgtEl>
+                                          <p:spTgt spid="26626">
+                                            <p:txEl>
+                                              <p:pRg st="2" end="2"/>
+                                            </p:txEl>
+                                          </p:spTgt>
+                                        </p:tgtEl>
+                                      </p:cBhvr>
+                                    </p:animEffect>
+                                  </p:childTnLst>
+                                </p:cTn>
+                              </p:par>
+                              <p:par>
+                                <p:cTn id="18" presetID="3" presetClass="entr" presetSubtype="10" fill="hold" nodeType="withEffect">
+                                  <p:stCondLst>
+                                    <p:cond delay="0"/>
+                                  </p:stCondLst>
+                                  <p:childTnLst>
+                                    <p:set>
+                                      <p:cBhvr>
+                                        <p:cTn id="19" dur="1" fill="hold">
+                                          <p:stCondLst>
+                                            <p:cond delay="0"/>
+                                          </p:stCondLst>
+                                        </p:cTn>
+                                        <p:tgtEl>
+                                          <p:spTgt spid="26626">
+                                            <p:txEl>
+                                              <p:pRg st="3" end="3"/>
+                                            </p:txEl>
+                                          </p:spTgt>
+                                        </p:tgtEl>
+                                        <p:attrNameLst>
+                                          <p:attrName>style.visibility</p:attrName>
+                                        </p:attrNameLst>
+                                      </p:cBhvr>
+                                      <p:to>
+                                        <p:strVal val="visible"/>
+                                      </p:to>
+                                    </p:set>
+                                    <p:animEffect transition="in" filter="blinds(horizontal)">
+                                      <p:cBhvr>
+                                        <p:cTn id="20" dur="500"/>
+                                        <p:tgtEl>
+                                          <p:spTgt spid="26626">
+                                            <p:txEl>
+                                              <p:pRg st="3" end="3"/>
+                                            </p:txEl>
+                                          </p:spTgt>
+                                        </p:tgtEl>
+                                      </p:cBhvr>
+                                    </p:animEffect>
+                                  </p:childTnLst>
+                                </p:cTn>
+                              </p:par>
+                            </p:childTnLst>
+                          </p:cTn>
+                        </p:par>
+                      </p:childTnLst>
+                    </p:cTn>
+                  </p:par>
+                  <p:par>
+                    <p:cTn id="21" fill="hold">
+                      <p:stCondLst>
+                        <p:cond delay="indefinite"/>
+                      </p:stCondLst>
+                      <p:childTnLst>
+                        <p:par>
+                          <p:cTn id="22" fill="hold">
+                            <p:stCondLst>
+                              <p:cond delay="0"/>
+                            </p:stCondLst>
+                            <p:childTnLst>
+                              <p:par>
+                                <p:cTn id="23" presetID="3" presetClass="entr" presetSubtype="10" fill="hold" nodeType="clickEffect">
+                                  <p:stCondLst>
+                                    <p:cond delay="0"/>
+                                  </p:stCondLst>
+                                  <p:childTnLst>
+                                    <p:set>
+                                      <p:cBhvr>
+                                        <p:cTn id="24" dur="1" fill="hold">
+                                          <p:stCondLst>
+                                            <p:cond delay="0"/>
+                                          </p:stCondLst>
+                                        </p:cTn>
+                                        <p:tgtEl>
+                                          <p:spTgt spid="26626">
+                                            <p:txEl>
+                                              <p:pRg st="4" end="4"/>
+                                            </p:txEl>
+                                          </p:spTgt>
+                                        </p:tgtEl>
+                                        <p:attrNameLst>
+                                          <p:attrName>style.visibility</p:attrName>
+                                        </p:attrNameLst>
+                                      </p:cBhvr>
+                                      <p:to>
+                                        <p:strVal val="visible"/>
+                                      </p:to>
+                                    </p:set>
+                                    <p:animEffect transition="in" filter="blinds(horizontal)">
+                                      <p:cBhvr>
+                                        <p:cTn id="25" dur="500"/>
+                                        <p:tgtEl>
+                                          <p:spTgt spid="26626">
+                                            <p:txEl>
+                                              <p:pRg st="4" end="4"/>
+                                            </p:txEl>
+                                          </p:spTgt>
+                                        </p:tgtEl>
+                                      </p:cBhvr>
+                                    </p:animEffect>
+                                  </p:childTnLst>
+                                </p:cTn>
+                              </p:par>
+                            </p:childTnLst>
+                          </p:cTn>
+                        </p:par>
+                      </p:childTnLst>
+                    </p:cTn>
+                  </p:par>
+                  <p:par>
+                    <p:cTn id="26" fill="hold">
+                      <p:stCondLst>
+                        <p:cond delay="indefinite"/>
+                      </p:stCondLst>
+                      <p:childTnLst>
+                        <p:par>
+                          <p:cTn id="27" fill="hold">
+                            <p:stCondLst>
+                              <p:cond delay="0"/>
+                            </p:stCondLst>
+                            <p:childTnLst>
+                              <p:par>
+                                <p:cTn id="28" presetID="3" presetClass="entr" presetSubtype="10" fill="hold" nodeType="clickEffect">
+                                  <p:stCondLst>
+                                    <p:cond delay="0"/>
+                                  </p:stCondLst>
+                                  <p:childTnLst>
+                                    <p:set>
+                                      <p:cBhvr>
+                                        <p:cTn id="29" dur="1" fill="hold">
+                                          <p:stCondLst>
+                                            <p:cond delay="0"/>
+                                          </p:stCondLst>
+                                        </p:cTn>
+                                        <p:tgtEl>
+                                          <p:spTgt spid="26626">
+                                            <p:txEl>
+                                              <p:pRg st="5" end="5"/>
+                                            </p:txEl>
+                                          </p:spTgt>
+                                        </p:tgtEl>
+                                        <p:attrNameLst>
+                                          <p:attrName>style.visibility</p:attrName>
+                                        </p:attrNameLst>
+                                      </p:cBhvr>
+                                      <p:to>
+                                        <p:strVal val="visible"/>
+                                      </p:to>
+                                    </p:set>
+                                    <p:animEffect transition="in" filter="blinds(horizontal)">
+                                      <p:cBhvr>
+                                        <p:cTn id="30" dur="500"/>
+                                        <p:tgtEl>
+                                          <p:spTgt spid="26626">
+                                            <p:txEl>
+                                              <p:pRg st="5" end="5"/>
                                             </p:txEl>
                                           </p:spTgt>
                                         </p:tgtEl>
@@ -26909,6 +27922,3762 @@
                                           <p:spTgt spid="3074">
                                             <p:txEl>
                                               <p:pRg st="4" end="4"/>
+                                            </p:txEl>
+                                          </p:spTgt>
+                                        </p:tgtEl>
+                                      </p:cBhvr>
+                                    </p:animEffect>
+                                  </p:childTnLst>
+                                </p:cTn>
+                              </p:par>
+                            </p:childTnLst>
+                          </p:cTn>
+                        </p:par>
+                      </p:childTnLst>
+                    </p:cTn>
+                  </p:par>
+                </p:childTnLst>
+              </p:cTn>
+              <p:prevCondLst>
+                <p:cond evt="onPrev" delay="0">
+                  <p:tgtEl>
+                    <p:sldTgt/>
+                  </p:tgtEl>
+                </p:cond>
+              </p:prevCondLst>
+              <p:nextCondLst>
+                <p:cond evt="onNext" delay="0">
+                  <p:tgtEl>
+                    <p:sldTgt/>
+                  </p:tgtEl>
+                </p:cond>
+              </p:nextCondLst>
+            </p:seq>
+          </p:childTnLst>
+        </p:cTn>
+      </p:par>
+    </p:tnLst>
+  </p:timing>
+</p:sld>
+</file>
+
+<file path=ppt/slides/slide30.xml><?xml version="1.0" encoding="utf-8"?>
+<p:sld xmlns:a="http://schemas.openxmlformats.org/drawingml/2006/main" xmlns:r="http://schemas.openxmlformats.org/officeDocument/2006/relationships" xmlns:p="http://schemas.openxmlformats.org/presentationml/2006/main">
+  <p:cSld>
+    <p:spTree>
+      <p:nvGrpSpPr>
+        <p:cNvPr id="1" name=""/>
+        <p:cNvGrpSpPr/>
+        <p:nvPr/>
+      </p:nvGrpSpPr>
+      <p:grpSpPr>
+        <a:xfrm>
+          <a:off x="0" y="0"/>
+          <a:ext cx="0" cy="0"/>
+          <a:chOff x="0" y="0"/>
+          <a:chExt cx="0" cy="0"/>
+        </a:xfrm>
+      </p:grpSpPr>
+      <p:sp>
+        <p:nvSpPr>
+          <p:cNvPr id="26626" name="Text Box 2"/>
+          <p:cNvSpPr txBox="1">
+            <a:spLocks noChangeArrowheads="1"/>
+          </p:cNvSpPr>
+          <p:nvPr/>
+        </p:nvSpPr>
+        <p:spPr bwMode="auto">
+          <a:xfrm>
+            <a:off x="539750" y="1416050"/>
+            <a:ext cx="8451850" cy="2092881"/>
+          </a:xfrm>
+          <a:prstGeom prst="rect">
+            <a:avLst/>
+          </a:prstGeom>
+          <a:noFill/>
+          <a:ln>
+            <a:noFill/>
+          </a:ln>
+          <a:extLst>
+            <a:ext uri="{909E8E84-426E-40DD-AFC4-6F175D3DCCD1}">
+              <a14:hiddenFill xmlns:a14="http://schemas.microsoft.com/office/drawing/2010/main">
+                <a:solidFill>
+                  <a:srgbClr val="FFFFFF"/>
+                </a:solidFill>
+              </a14:hiddenFill>
+            </a:ext>
+            <a:ext uri="{91240B29-F687-4F45-9708-019B960494DF}">
+              <a14:hiddenLine xmlns:a14="http://schemas.microsoft.com/office/drawing/2010/main" w="9525">
+                <a:solidFill>
+                  <a:srgbClr val="000000"/>
+                </a:solidFill>
+                <a:miter lim="800000"/>
+                <a:headEnd/>
+                <a:tailEnd/>
+              </a14:hiddenLine>
+            </a:ext>
+          </a:extLst>
+        </p:spPr>
+        <p:txBody>
+          <a:bodyPr>
+            <a:spAutoFit/>
+          </a:bodyPr>
+          <a:lstStyle>
+            <a:lvl1pPr eaLnBrk="0" hangingPunct="0">
+              <a:defRPr sz="2400">
+                <a:solidFill>
+                  <a:schemeClr val="tx1"/>
+                </a:solidFill>
+                <a:latin typeface="Times New Roman" pitchFamily="18" charset="0"/>
+              </a:defRPr>
+            </a:lvl1pPr>
+            <a:lvl2pPr marL="742950" indent="-285750" eaLnBrk="0" hangingPunct="0">
+              <a:defRPr sz="2400">
+                <a:solidFill>
+                  <a:schemeClr val="tx1"/>
+                </a:solidFill>
+                <a:latin typeface="Times New Roman" pitchFamily="18" charset="0"/>
+              </a:defRPr>
+            </a:lvl2pPr>
+            <a:lvl3pPr marL="1143000" indent="-228600" eaLnBrk="0" hangingPunct="0">
+              <a:defRPr sz="2400">
+                <a:solidFill>
+                  <a:schemeClr val="tx1"/>
+                </a:solidFill>
+                <a:latin typeface="Times New Roman" pitchFamily="18" charset="0"/>
+              </a:defRPr>
+            </a:lvl3pPr>
+            <a:lvl4pPr marL="1600200" indent="-228600" eaLnBrk="0" hangingPunct="0">
+              <a:defRPr sz="2400">
+                <a:solidFill>
+                  <a:schemeClr val="tx1"/>
+                </a:solidFill>
+                <a:latin typeface="Times New Roman" pitchFamily="18" charset="0"/>
+              </a:defRPr>
+            </a:lvl4pPr>
+            <a:lvl5pPr marL="2057400" indent="-228600" eaLnBrk="0" hangingPunct="0">
+              <a:defRPr sz="2400">
+                <a:solidFill>
+                  <a:schemeClr val="tx1"/>
+                </a:solidFill>
+                <a:latin typeface="Times New Roman" pitchFamily="18" charset="0"/>
+              </a:defRPr>
+            </a:lvl5pPr>
+            <a:lvl6pPr marL="2514600" indent="-228600" eaLnBrk="0" fontAlgn="base" hangingPunct="0">
+              <a:spcBef>
+                <a:spcPct val="0"/>
+              </a:spcBef>
+              <a:spcAft>
+                <a:spcPct val="0"/>
+              </a:spcAft>
+              <a:defRPr sz="2400">
+                <a:solidFill>
+                  <a:schemeClr val="tx1"/>
+                </a:solidFill>
+                <a:latin typeface="Times New Roman" pitchFamily="18" charset="0"/>
+              </a:defRPr>
+            </a:lvl6pPr>
+            <a:lvl7pPr marL="2971800" indent="-228600" eaLnBrk="0" fontAlgn="base" hangingPunct="0">
+              <a:spcBef>
+                <a:spcPct val="0"/>
+              </a:spcBef>
+              <a:spcAft>
+                <a:spcPct val="0"/>
+              </a:spcAft>
+              <a:defRPr sz="2400">
+                <a:solidFill>
+                  <a:schemeClr val="tx1"/>
+                </a:solidFill>
+                <a:latin typeface="Times New Roman" pitchFamily="18" charset="0"/>
+              </a:defRPr>
+            </a:lvl7pPr>
+            <a:lvl8pPr marL="3429000" indent="-228600" eaLnBrk="0" fontAlgn="base" hangingPunct="0">
+              <a:spcBef>
+                <a:spcPct val="0"/>
+              </a:spcBef>
+              <a:spcAft>
+                <a:spcPct val="0"/>
+              </a:spcAft>
+              <a:defRPr sz="2400">
+                <a:solidFill>
+                  <a:schemeClr val="tx1"/>
+                </a:solidFill>
+                <a:latin typeface="Times New Roman" pitchFamily="18" charset="0"/>
+              </a:defRPr>
+            </a:lvl8pPr>
+            <a:lvl9pPr marL="3886200" indent="-228600" eaLnBrk="0" fontAlgn="base" hangingPunct="0">
+              <a:spcBef>
+                <a:spcPct val="0"/>
+              </a:spcBef>
+              <a:spcAft>
+                <a:spcPct val="0"/>
+              </a:spcAft>
+              <a:defRPr sz="2400">
+                <a:solidFill>
+                  <a:schemeClr val="tx1"/>
+                </a:solidFill>
+                <a:latin typeface="Times New Roman" pitchFamily="18" charset="0"/>
+              </a:defRPr>
+            </a:lvl9pPr>
+          </a:lstStyle>
+          <a:p>
+            <a:pPr marL="342900" indent="-342900">
+              <a:spcBef>
+                <a:spcPts val="600"/>
+              </a:spcBef>
+              <a:buFont typeface="Arial" panose="020B0604020202020204" pitchFamily="34" charset="0"/>
+              <a:buChar char="•"/>
+              <a:defRPr/>
+            </a:pPr>
+            <a:r>
+              <a:rPr lang="sr-Cyrl-RS" dirty="0" smtClean="0">
+                <a:latin typeface="Garamond" pitchFamily="18" charset="0"/>
+              </a:rPr>
+              <a:t>Класе за догађаје су изведене из класе</a:t>
+            </a:r>
+            <a:r>
+              <a:rPr lang="en-US" dirty="0" smtClean="0">
+                <a:latin typeface="Garamond" pitchFamily="18" charset="0"/>
+              </a:rPr>
+              <a:t> </a:t>
+            </a:r>
+            <a:r>
+              <a:rPr lang="en-US" sz="2000" dirty="0" err="1" smtClean="0">
+                <a:latin typeface="+mn-lt"/>
+              </a:rPr>
+              <a:t>java.util.EventObject</a:t>
+            </a:r>
+            <a:endParaRPr lang="sr-Cyrl-RS" dirty="0" smtClean="0">
+              <a:latin typeface="+mn-lt"/>
+            </a:endParaRPr>
+          </a:p>
+          <a:p>
+            <a:pPr marL="1085850" lvl="1" indent="-342900">
+              <a:spcBef>
+                <a:spcPts val="600"/>
+              </a:spcBef>
+              <a:buFont typeface="Arial" panose="020B0604020202020204" pitchFamily="34" charset="0"/>
+              <a:buChar char="•"/>
+              <a:defRPr/>
+            </a:pPr>
+            <a:r>
+              <a:rPr lang="en-US" sz="2000" dirty="0" err="1" smtClean="0">
+                <a:latin typeface="+mn-lt"/>
+              </a:rPr>
+              <a:t>EventObject</a:t>
+            </a:r>
+            <a:r>
+              <a:rPr lang="en-US" sz="2000" dirty="0" smtClean="0">
+                <a:latin typeface="+mn-lt"/>
+              </a:rPr>
+              <a:t> </a:t>
+            </a:r>
+            <a:r>
+              <a:rPr lang="sr-Cyrl-RS" dirty="0" smtClean="0">
+                <a:latin typeface="Garamond" pitchFamily="18" charset="0"/>
+              </a:rPr>
+              <a:t>обезбеђује метод</a:t>
+            </a:r>
+            <a:r>
+              <a:rPr lang="en-US" dirty="0" smtClean="0">
+                <a:latin typeface="Garamond" pitchFamily="18" charset="0"/>
+              </a:rPr>
+              <a:t> </a:t>
+            </a:r>
+            <a:r>
+              <a:rPr lang="en-US" sz="2000" dirty="0" err="1">
+                <a:latin typeface="+mn-lt"/>
+              </a:rPr>
+              <a:t>getSource</a:t>
+            </a:r>
+            <a:r>
+              <a:rPr lang="en-US" sz="2000" dirty="0">
+                <a:latin typeface="+mn-lt"/>
+              </a:rPr>
+              <a:t>() </a:t>
+            </a:r>
+            <a:r>
+              <a:rPr lang="sr-Cyrl-RS" dirty="0" smtClean="0">
+                <a:latin typeface="Garamond" pitchFamily="18" charset="0"/>
+              </a:rPr>
+              <a:t>којим се одређује извор догађаја</a:t>
+            </a:r>
+          </a:p>
+          <a:p>
+            <a:pPr marL="1085850" lvl="1" indent="-342900">
+              <a:spcBef>
+                <a:spcPts val="600"/>
+              </a:spcBef>
+              <a:buFont typeface="Arial" panose="020B0604020202020204" pitchFamily="34" charset="0"/>
+              <a:buChar char="•"/>
+              <a:defRPr/>
+            </a:pPr>
+            <a:r>
+              <a:rPr lang="sr-Cyrl-RS" dirty="0" smtClean="0">
+                <a:latin typeface="Garamond" pitchFamily="18" charset="0"/>
+              </a:rPr>
+              <a:t>Извођењем из класе</a:t>
+            </a:r>
+            <a:r>
+              <a:rPr lang="en-US" dirty="0" smtClean="0">
+                <a:latin typeface="Garamond" pitchFamily="18" charset="0"/>
+              </a:rPr>
+              <a:t> </a:t>
+            </a:r>
+            <a:r>
+              <a:rPr lang="en-US" sz="2000" dirty="0" err="1">
+                <a:latin typeface="+mn-lt"/>
+              </a:rPr>
+              <a:t>EventObject</a:t>
+            </a:r>
+            <a:r>
+              <a:rPr lang="en-US" dirty="0">
+                <a:latin typeface="Garamond" pitchFamily="18" charset="0"/>
+              </a:rPr>
+              <a:t>, </a:t>
+            </a:r>
+            <a:r>
+              <a:rPr lang="sr-Cyrl-RS" dirty="0" smtClean="0">
+                <a:latin typeface="Garamond" pitchFamily="18" charset="0"/>
+              </a:rPr>
+              <a:t>креирани објекти могу да буду генерички обрађени</a:t>
+            </a:r>
+            <a:endParaRPr lang="en-US" dirty="0">
+              <a:latin typeface="Garamond" pitchFamily="18" charset="0"/>
+            </a:endParaRPr>
+          </a:p>
+        </p:txBody>
+      </p:sp>
+      <p:sp>
+        <p:nvSpPr>
+          <p:cNvPr id="3" name="Title 1"/>
+          <p:cNvSpPr txBox="1">
+            <a:spLocks/>
+          </p:cNvSpPr>
+          <p:nvPr/>
+        </p:nvSpPr>
+        <p:spPr>
+          <a:xfrm>
+            <a:off x="1371600" y="549275"/>
+            <a:ext cx="7772400" cy="868363"/>
+          </a:xfrm>
+          <a:prstGeom prst="rect">
+            <a:avLst/>
+          </a:prstGeom>
+        </p:spPr>
+        <p:txBody>
+          <a:bodyPr/>
+          <a:lstStyle>
+            <a:lvl1pPr algn="l" rtl="0" eaLnBrk="0" fontAlgn="base" hangingPunct="0">
+              <a:spcBef>
+                <a:spcPct val="0"/>
+              </a:spcBef>
+              <a:spcAft>
+                <a:spcPct val="0"/>
+              </a:spcAft>
+              <a:defRPr sz="3800">
+                <a:solidFill>
+                  <a:schemeClr val="tx2"/>
+                </a:solidFill>
+                <a:latin typeface="+mj-lt"/>
+                <a:ea typeface="+mj-ea"/>
+                <a:cs typeface="+mj-cs"/>
+              </a:defRPr>
+            </a:lvl1pPr>
+            <a:lvl2pPr algn="l" rtl="0" eaLnBrk="0" fontAlgn="base" hangingPunct="0">
+              <a:spcBef>
+                <a:spcPct val="0"/>
+              </a:spcBef>
+              <a:spcAft>
+                <a:spcPct val="0"/>
+              </a:spcAft>
+              <a:defRPr sz="3800">
+                <a:solidFill>
+                  <a:schemeClr val="tx2"/>
+                </a:solidFill>
+                <a:latin typeface="Arial" charset="0"/>
+              </a:defRPr>
+            </a:lvl2pPr>
+            <a:lvl3pPr algn="l" rtl="0" eaLnBrk="0" fontAlgn="base" hangingPunct="0">
+              <a:spcBef>
+                <a:spcPct val="0"/>
+              </a:spcBef>
+              <a:spcAft>
+                <a:spcPct val="0"/>
+              </a:spcAft>
+              <a:defRPr sz="3800">
+                <a:solidFill>
+                  <a:schemeClr val="tx2"/>
+                </a:solidFill>
+                <a:latin typeface="Arial" charset="0"/>
+              </a:defRPr>
+            </a:lvl3pPr>
+            <a:lvl4pPr algn="l" rtl="0" eaLnBrk="0" fontAlgn="base" hangingPunct="0">
+              <a:spcBef>
+                <a:spcPct val="0"/>
+              </a:spcBef>
+              <a:spcAft>
+                <a:spcPct val="0"/>
+              </a:spcAft>
+              <a:defRPr sz="3800">
+                <a:solidFill>
+                  <a:schemeClr val="tx2"/>
+                </a:solidFill>
+                <a:latin typeface="Arial" charset="0"/>
+              </a:defRPr>
+            </a:lvl4pPr>
+            <a:lvl5pPr algn="l" rtl="0" eaLnBrk="0" fontAlgn="base" hangingPunct="0">
+              <a:spcBef>
+                <a:spcPct val="0"/>
+              </a:spcBef>
+              <a:spcAft>
+                <a:spcPct val="0"/>
+              </a:spcAft>
+              <a:defRPr sz="3800">
+                <a:solidFill>
+                  <a:schemeClr val="tx2"/>
+                </a:solidFill>
+                <a:latin typeface="Arial" charset="0"/>
+              </a:defRPr>
+            </a:lvl5pPr>
+            <a:lvl6pPr marL="457200" algn="l" rtl="0" fontAlgn="base">
+              <a:spcBef>
+                <a:spcPct val="0"/>
+              </a:spcBef>
+              <a:spcAft>
+                <a:spcPct val="0"/>
+              </a:spcAft>
+              <a:defRPr sz="3800">
+                <a:solidFill>
+                  <a:schemeClr val="tx2"/>
+                </a:solidFill>
+                <a:latin typeface="Arial" charset="0"/>
+              </a:defRPr>
+            </a:lvl6pPr>
+            <a:lvl7pPr marL="914400" algn="l" rtl="0" fontAlgn="base">
+              <a:spcBef>
+                <a:spcPct val="0"/>
+              </a:spcBef>
+              <a:spcAft>
+                <a:spcPct val="0"/>
+              </a:spcAft>
+              <a:defRPr sz="3800">
+                <a:solidFill>
+                  <a:schemeClr val="tx2"/>
+                </a:solidFill>
+                <a:latin typeface="Arial" charset="0"/>
+              </a:defRPr>
+            </a:lvl7pPr>
+            <a:lvl8pPr marL="1371600" algn="l" rtl="0" fontAlgn="base">
+              <a:spcBef>
+                <a:spcPct val="0"/>
+              </a:spcBef>
+              <a:spcAft>
+                <a:spcPct val="0"/>
+              </a:spcAft>
+              <a:defRPr sz="3800">
+                <a:solidFill>
+                  <a:schemeClr val="tx2"/>
+                </a:solidFill>
+                <a:latin typeface="Arial" charset="0"/>
+              </a:defRPr>
+            </a:lvl8pPr>
+            <a:lvl9pPr marL="1828800" algn="l" rtl="0" fontAlgn="base">
+              <a:spcBef>
+                <a:spcPct val="0"/>
+              </a:spcBef>
+              <a:spcAft>
+                <a:spcPct val="0"/>
+              </a:spcAft>
+              <a:defRPr sz="3800">
+                <a:solidFill>
+                  <a:schemeClr val="tx2"/>
+                </a:solidFill>
+                <a:latin typeface="Arial" charset="0"/>
+              </a:defRPr>
+            </a:lvl9pPr>
+          </a:lstStyle>
+          <a:p>
+            <a:pPr>
+              <a:defRPr/>
+            </a:pPr>
+            <a:r>
+              <a:rPr lang="sr-Cyrl-RS" sz="3600" b="1" kern="0" dirty="0">
+                <a:solidFill>
+                  <a:srgbClr val="0070C0"/>
+                </a:solidFill>
+              </a:rPr>
+              <a:t>Класа </a:t>
+            </a:r>
+            <a:r>
+              <a:rPr lang="en-US" sz="3600" b="1" kern="0" dirty="0" smtClean="0">
+                <a:solidFill>
+                  <a:srgbClr val="0070C0"/>
+                </a:solidFill>
+              </a:rPr>
+              <a:t>Event</a:t>
+            </a:r>
+            <a:r>
+              <a:rPr lang="sr-Cyrl-RS" sz="3600" b="1" kern="0" dirty="0" smtClean="0">
+                <a:solidFill>
+                  <a:srgbClr val="0070C0"/>
+                </a:solidFill>
+              </a:rPr>
+              <a:t> (2)</a:t>
+            </a:r>
+            <a:endParaRPr lang="en-US" sz="3600" b="1" kern="0" dirty="0">
+              <a:solidFill>
+                <a:srgbClr val="0070C0"/>
+              </a:solidFill>
+            </a:endParaRPr>
+          </a:p>
+        </p:txBody>
+      </p:sp>
+    </p:spTree>
+    <p:extLst>
+      <p:ext uri="{BB962C8B-B14F-4D97-AF65-F5344CB8AC3E}">
+        <p14:creationId xmlns:p14="http://schemas.microsoft.com/office/powerpoint/2010/main" val="2233224937"/>
+      </p:ext>
+    </p:extLst>
+  </p:cSld>
+  <p:clrMapOvr>
+    <a:masterClrMapping/>
+  </p:clrMapOvr>
+  <p:timing>
+    <p:tnLst>
+      <p:par>
+        <p:cTn id="1" dur="indefinite" restart="never" nodeType="tmRoot">
+          <p:childTnLst>
+            <p:seq concurrent="1" nextAc="seek">
+              <p:cTn id="2" dur="indefinite" nodeType="mainSeq">
+                <p:childTnLst>
+                  <p:par>
+                    <p:cTn id="3" fill="hold">
+                      <p:stCondLst>
+                        <p:cond delay="indefinite"/>
+                      </p:stCondLst>
+                      <p:childTnLst>
+                        <p:par>
+                          <p:cTn id="4" fill="hold">
+                            <p:stCondLst>
+                              <p:cond delay="0"/>
+                            </p:stCondLst>
+                            <p:childTnLst>
+                              <p:par>
+                                <p:cTn id="5" presetID="3" presetClass="entr" presetSubtype="10" fill="hold" nodeType="clickEffect">
+                                  <p:stCondLst>
+                                    <p:cond delay="0"/>
+                                  </p:stCondLst>
+                                  <p:childTnLst>
+                                    <p:set>
+                                      <p:cBhvr>
+                                        <p:cTn id="6" dur="1" fill="hold">
+                                          <p:stCondLst>
+                                            <p:cond delay="0"/>
+                                          </p:stCondLst>
+                                        </p:cTn>
+                                        <p:tgtEl>
+                                          <p:spTgt spid="26626">
+                                            <p:txEl>
+                                              <p:pRg st="0" end="0"/>
+                                            </p:txEl>
+                                          </p:spTgt>
+                                        </p:tgtEl>
+                                        <p:attrNameLst>
+                                          <p:attrName>style.visibility</p:attrName>
+                                        </p:attrNameLst>
+                                      </p:cBhvr>
+                                      <p:to>
+                                        <p:strVal val="visible"/>
+                                      </p:to>
+                                    </p:set>
+                                    <p:animEffect transition="in" filter="blinds(horizontal)">
+                                      <p:cBhvr>
+                                        <p:cTn id="7" dur="500"/>
+                                        <p:tgtEl>
+                                          <p:spTgt spid="26626">
+                                            <p:txEl>
+                                              <p:pRg st="0" end="0"/>
+                                            </p:txEl>
+                                          </p:spTgt>
+                                        </p:tgtEl>
+                                      </p:cBhvr>
+                                    </p:animEffect>
+                                  </p:childTnLst>
+                                </p:cTn>
+                              </p:par>
+                              <p:par>
+                                <p:cTn id="8" presetID="3" presetClass="entr" presetSubtype="10" fill="hold" nodeType="withEffect">
+                                  <p:stCondLst>
+                                    <p:cond delay="0"/>
+                                  </p:stCondLst>
+                                  <p:childTnLst>
+                                    <p:set>
+                                      <p:cBhvr>
+                                        <p:cTn id="9" dur="1" fill="hold">
+                                          <p:stCondLst>
+                                            <p:cond delay="0"/>
+                                          </p:stCondLst>
+                                        </p:cTn>
+                                        <p:tgtEl>
+                                          <p:spTgt spid="26626">
+                                            <p:txEl>
+                                              <p:pRg st="1" end="1"/>
+                                            </p:txEl>
+                                          </p:spTgt>
+                                        </p:tgtEl>
+                                        <p:attrNameLst>
+                                          <p:attrName>style.visibility</p:attrName>
+                                        </p:attrNameLst>
+                                      </p:cBhvr>
+                                      <p:to>
+                                        <p:strVal val="visible"/>
+                                      </p:to>
+                                    </p:set>
+                                    <p:animEffect transition="in" filter="blinds(horizontal)">
+                                      <p:cBhvr>
+                                        <p:cTn id="10" dur="500"/>
+                                        <p:tgtEl>
+                                          <p:spTgt spid="26626">
+                                            <p:txEl>
+                                              <p:pRg st="1" end="1"/>
+                                            </p:txEl>
+                                          </p:spTgt>
+                                        </p:tgtEl>
+                                      </p:cBhvr>
+                                    </p:animEffect>
+                                  </p:childTnLst>
+                                </p:cTn>
+                              </p:par>
+                            </p:childTnLst>
+                          </p:cTn>
+                        </p:par>
+                      </p:childTnLst>
+                    </p:cTn>
+                  </p:par>
+                  <p:par>
+                    <p:cTn id="11" fill="hold">
+                      <p:stCondLst>
+                        <p:cond delay="indefinite"/>
+                      </p:stCondLst>
+                      <p:childTnLst>
+                        <p:par>
+                          <p:cTn id="12" fill="hold">
+                            <p:stCondLst>
+                              <p:cond delay="0"/>
+                            </p:stCondLst>
+                            <p:childTnLst>
+                              <p:par>
+                                <p:cTn id="13" presetID="3" presetClass="entr" presetSubtype="10" fill="hold" nodeType="clickEffect">
+                                  <p:stCondLst>
+                                    <p:cond delay="0"/>
+                                  </p:stCondLst>
+                                  <p:childTnLst>
+                                    <p:set>
+                                      <p:cBhvr>
+                                        <p:cTn id="14" dur="1" fill="hold">
+                                          <p:stCondLst>
+                                            <p:cond delay="0"/>
+                                          </p:stCondLst>
+                                        </p:cTn>
+                                        <p:tgtEl>
+                                          <p:spTgt spid="26626">
+                                            <p:txEl>
+                                              <p:pRg st="2" end="2"/>
+                                            </p:txEl>
+                                          </p:spTgt>
+                                        </p:tgtEl>
+                                        <p:attrNameLst>
+                                          <p:attrName>style.visibility</p:attrName>
+                                        </p:attrNameLst>
+                                      </p:cBhvr>
+                                      <p:to>
+                                        <p:strVal val="visible"/>
+                                      </p:to>
+                                    </p:set>
+                                    <p:animEffect transition="in" filter="blinds(horizontal)">
+                                      <p:cBhvr>
+                                        <p:cTn id="15" dur="500"/>
+                                        <p:tgtEl>
+                                          <p:spTgt spid="26626">
+                                            <p:txEl>
+                                              <p:pRg st="2" end="2"/>
+                                            </p:txEl>
+                                          </p:spTgt>
+                                        </p:tgtEl>
+                                      </p:cBhvr>
+                                    </p:animEffect>
+                                  </p:childTnLst>
+                                </p:cTn>
+                              </p:par>
+                            </p:childTnLst>
+                          </p:cTn>
+                        </p:par>
+                      </p:childTnLst>
+                    </p:cTn>
+                  </p:par>
+                </p:childTnLst>
+              </p:cTn>
+              <p:prevCondLst>
+                <p:cond evt="onPrev" delay="0">
+                  <p:tgtEl>
+                    <p:sldTgt/>
+                  </p:tgtEl>
+                </p:cond>
+              </p:prevCondLst>
+              <p:nextCondLst>
+                <p:cond evt="onNext" delay="0">
+                  <p:tgtEl>
+                    <p:sldTgt/>
+                  </p:tgtEl>
+                </p:cond>
+              </p:nextCondLst>
+            </p:seq>
+          </p:childTnLst>
+        </p:cTn>
+      </p:par>
+    </p:tnLst>
+  </p:timing>
+</p:sld>
+</file>
+
+<file path=ppt/slides/slide31.xml><?xml version="1.0" encoding="utf-8"?>
+<p:sld xmlns:a="http://schemas.openxmlformats.org/drawingml/2006/main" xmlns:r="http://schemas.openxmlformats.org/officeDocument/2006/relationships" xmlns:p="http://schemas.openxmlformats.org/presentationml/2006/main">
+  <p:cSld>
+    <p:spTree>
+      <p:nvGrpSpPr>
+        <p:cNvPr id="1" name=""/>
+        <p:cNvGrpSpPr/>
+        <p:nvPr/>
+      </p:nvGrpSpPr>
+      <p:grpSpPr>
+        <a:xfrm>
+          <a:off x="0" y="0"/>
+          <a:ext cx="0" cy="0"/>
+          <a:chOff x="0" y="0"/>
+          <a:chExt cx="0" cy="0"/>
+        </a:xfrm>
+      </p:grpSpPr>
+      <p:sp>
+        <p:nvSpPr>
+          <p:cNvPr id="26626" name="Text Box 2"/>
+          <p:cNvSpPr txBox="1">
+            <a:spLocks noChangeArrowheads="1"/>
+          </p:cNvSpPr>
+          <p:nvPr/>
+        </p:nvSpPr>
+        <p:spPr bwMode="auto">
+          <a:xfrm>
+            <a:off x="539750" y="1416050"/>
+            <a:ext cx="8451850" cy="4985980"/>
+          </a:xfrm>
+          <a:prstGeom prst="rect">
+            <a:avLst/>
+          </a:prstGeom>
+          <a:noFill/>
+          <a:ln>
+            <a:noFill/>
+          </a:ln>
+          <a:extLst>
+            <a:ext uri="{909E8E84-426E-40DD-AFC4-6F175D3DCCD1}">
+              <a14:hiddenFill xmlns:a14="http://schemas.microsoft.com/office/drawing/2010/main">
+                <a:solidFill>
+                  <a:srgbClr val="FFFFFF"/>
+                </a:solidFill>
+              </a14:hiddenFill>
+            </a:ext>
+            <a:ext uri="{91240B29-F687-4F45-9708-019B960494DF}">
+              <a14:hiddenLine xmlns:a14="http://schemas.microsoft.com/office/drawing/2010/main" w="9525">
+                <a:solidFill>
+                  <a:srgbClr val="000000"/>
+                </a:solidFill>
+                <a:miter lim="800000"/>
+                <a:headEnd/>
+                <a:tailEnd/>
+              </a14:hiddenLine>
+            </a:ext>
+          </a:extLst>
+        </p:spPr>
+        <p:txBody>
+          <a:bodyPr>
+            <a:spAutoFit/>
+          </a:bodyPr>
+          <a:lstStyle>
+            <a:lvl1pPr eaLnBrk="0" hangingPunct="0">
+              <a:defRPr sz="2400">
+                <a:solidFill>
+                  <a:schemeClr val="tx1"/>
+                </a:solidFill>
+                <a:latin typeface="Times New Roman" pitchFamily="18" charset="0"/>
+              </a:defRPr>
+            </a:lvl1pPr>
+            <a:lvl2pPr marL="742950" indent="-285750" eaLnBrk="0" hangingPunct="0">
+              <a:defRPr sz="2400">
+                <a:solidFill>
+                  <a:schemeClr val="tx1"/>
+                </a:solidFill>
+                <a:latin typeface="Times New Roman" pitchFamily="18" charset="0"/>
+              </a:defRPr>
+            </a:lvl2pPr>
+            <a:lvl3pPr marL="1143000" indent="-228600" eaLnBrk="0" hangingPunct="0">
+              <a:defRPr sz="2400">
+                <a:solidFill>
+                  <a:schemeClr val="tx1"/>
+                </a:solidFill>
+                <a:latin typeface="Times New Roman" pitchFamily="18" charset="0"/>
+              </a:defRPr>
+            </a:lvl3pPr>
+            <a:lvl4pPr marL="1600200" indent="-228600" eaLnBrk="0" hangingPunct="0">
+              <a:defRPr sz="2400">
+                <a:solidFill>
+                  <a:schemeClr val="tx1"/>
+                </a:solidFill>
+                <a:latin typeface="Times New Roman" pitchFamily="18" charset="0"/>
+              </a:defRPr>
+            </a:lvl4pPr>
+            <a:lvl5pPr marL="2057400" indent="-228600" eaLnBrk="0" hangingPunct="0">
+              <a:defRPr sz="2400">
+                <a:solidFill>
+                  <a:schemeClr val="tx1"/>
+                </a:solidFill>
+                <a:latin typeface="Times New Roman" pitchFamily="18" charset="0"/>
+              </a:defRPr>
+            </a:lvl5pPr>
+            <a:lvl6pPr marL="2514600" indent="-228600" eaLnBrk="0" fontAlgn="base" hangingPunct="0">
+              <a:spcBef>
+                <a:spcPct val="0"/>
+              </a:spcBef>
+              <a:spcAft>
+                <a:spcPct val="0"/>
+              </a:spcAft>
+              <a:defRPr sz="2400">
+                <a:solidFill>
+                  <a:schemeClr val="tx1"/>
+                </a:solidFill>
+                <a:latin typeface="Times New Roman" pitchFamily="18" charset="0"/>
+              </a:defRPr>
+            </a:lvl6pPr>
+            <a:lvl7pPr marL="2971800" indent="-228600" eaLnBrk="0" fontAlgn="base" hangingPunct="0">
+              <a:spcBef>
+                <a:spcPct val="0"/>
+              </a:spcBef>
+              <a:spcAft>
+                <a:spcPct val="0"/>
+              </a:spcAft>
+              <a:defRPr sz="2400">
+                <a:solidFill>
+                  <a:schemeClr val="tx1"/>
+                </a:solidFill>
+                <a:latin typeface="Times New Roman" pitchFamily="18" charset="0"/>
+              </a:defRPr>
+            </a:lvl7pPr>
+            <a:lvl8pPr marL="3429000" indent="-228600" eaLnBrk="0" fontAlgn="base" hangingPunct="0">
+              <a:spcBef>
+                <a:spcPct val="0"/>
+              </a:spcBef>
+              <a:spcAft>
+                <a:spcPct val="0"/>
+              </a:spcAft>
+              <a:defRPr sz="2400">
+                <a:solidFill>
+                  <a:schemeClr val="tx1"/>
+                </a:solidFill>
+                <a:latin typeface="Times New Roman" pitchFamily="18" charset="0"/>
+              </a:defRPr>
+            </a:lvl8pPr>
+            <a:lvl9pPr marL="3886200" indent="-228600" eaLnBrk="0" fontAlgn="base" hangingPunct="0">
+              <a:spcBef>
+                <a:spcPct val="0"/>
+              </a:spcBef>
+              <a:spcAft>
+                <a:spcPct val="0"/>
+              </a:spcAft>
+              <a:defRPr sz="2400">
+                <a:solidFill>
+                  <a:schemeClr val="tx1"/>
+                </a:solidFill>
+                <a:latin typeface="Times New Roman" pitchFamily="18" charset="0"/>
+              </a:defRPr>
+            </a:lvl9pPr>
+          </a:lstStyle>
+          <a:p>
+            <a:pPr marL="342900" indent="-342900">
+              <a:spcBef>
+                <a:spcPts val="600"/>
+              </a:spcBef>
+              <a:buFont typeface="Arial" panose="020B0604020202020204" pitchFamily="34" charset="0"/>
+              <a:buChar char="•"/>
+              <a:defRPr/>
+            </a:pPr>
+            <a:r>
+              <a:rPr lang="sr-Cyrl-RS" dirty="0" smtClean="0">
+                <a:latin typeface="Garamond" pitchFamily="18" charset="0"/>
+              </a:rPr>
+              <a:t>Ослушкивачи догађаја су класе које су исказале интерес за догађаје који се испаљују  </a:t>
+            </a:r>
+          </a:p>
+          <a:p>
+            <a:pPr marL="342900" indent="-342900">
+              <a:spcBef>
+                <a:spcPts val="600"/>
+              </a:spcBef>
+              <a:buFont typeface="Arial" panose="020B0604020202020204" pitchFamily="34" charset="0"/>
+              <a:buChar char="•"/>
+              <a:defRPr/>
+            </a:pPr>
+            <a:r>
+              <a:rPr lang="sr-Cyrl-RS" dirty="0" smtClean="0">
+                <a:latin typeface="Garamond" pitchFamily="18" charset="0"/>
+              </a:rPr>
+              <a:t>Класе ослушкивачи бивају информисани о испаљеном догађају тако што се позове одговарајући метод ослушкивача</a:t>
+            </a:r>
+          </a:p>
+          <a:p>
+            <a:pPr marL="342900" indent="-342900">
+              <a:spcBef>
+                <a:spcPts val="600"/>
+              </a:spcBef>
+              <a:buFont typeface="Arial" panose="020B0604020202020204" pitchFamily="34" charset="0"/>
+              <a:buChar char="•"/>
+              <a:defRPr/>
+            </a:pPr>
+            <a:r>
+              <a:rPr lang="sr-Cyrl-RS" dirty="0" smtClean="0">
+                <a:latin typeface="Garamond" pitchFamily="18" charset="0"/>
+              </a:rPr>
+              <a:t>Како се зна који је метод одговарајући, тј. који ће се метод позвати? </a:t>
+            </a:r>
+            <a:endParaRPr lang="en-US" dirty="0">
+              <a:latin typeface="Garamond" pitchFamily="18" charset="0"/>
+            </a:endParaRPr>
+          </a:p>
+          <a:p>
+            <a:pPr marL="1085850" lvl="1" indent="-342900">
+              <a:spcBef>
+                <a:spcPts val="600"/>
+              </a:spcBef>
+              <a:buFont typeface="Arial" panose="020B0604020202020204" pitchFamily="34" charset="0"/>
+              <a:buChar char="•"/>
+              <a:defRPr/>
+            </a:pPr>
+            <a:r>
+              <a:rPr lang="sr-Cyrl-RS" dirty="0">
+                <a:latin typeface="Garamond" pitchFamily="18" charset="0"/>
+              </a:rPr>
+              <a:t>Дефинисање догађаја захтева да се дефинише уговор између извора </a:t>
+            </a:r>
+            <a:r>
+              <a:rPr lang="sr-Cyrl-RS" dirty="0" smtClean="0">
+                <a:latin typeface="Garamond" pitchFamily="18" charset="0"/>
+              </a:rPr>
+              <a:t>за догађај и ослушкивача тог догађаја</a:t>
+            </a:r>
+          </a:p>
+          <a:p>
+            <a:pPr marL="1085850" lvl="1" indent="-342900">
+              <a:spcBef>
+                <a:spcPts val="600"/>
+              </a:spcBef>
+              <a:buFont typeface="Arial" panose="020B0604020202020204" pitchFamily="34" charset="0"/>
+              <a:buChar char="•"/>
+              <a:defRPr/>
+            </a:pPr>
+            <a:r>
+              <a:rPr lang="sr-Cyrl-RS" dirty="0" smtClean="0">
+                <a:latin typeface="Garamond" pitchFamily="18" charset="0"/>
+              </a:rPr>
+              <a:t>Тај уговор одређује који ће се метод ослушкивача звати</a:t>
+            </a:r>
+          </a:p>
+          <a:p>
+            <a:pPr marL="1085850" lvl="1" indent="-342900">
+              <a:spcBef>
+                <a:spcPts val="600"/>
+              </a:spcBef>
+              <a:buFont typeface="Arial" panose="020B0604020202020204" pitchFamily="34" charset="0"/>
+              <a:buChar char="•"/>
+              <a:defRPr/>
+            </a:pPr>
+            <a:r>
+              <a:rPr lang="sr-Cyrl-RS" dirty="0" smtClean="0">
+                <a:latin typeface="Garamond" pitchFamily="18" charset="0"/>
+              </a:rPr>
+              <a:t>Сваки ослушкивач мора имплементирати метод</a:t>
+            </a:r>
+            <a:endParaRPr lang="en-US" dirty="0">
+              <a:latin typeface="Garamond" pitchFamily="18" charset="0"/>
+            </a:endParaRPr>
+          </a:p>
+          <a:p>
+            <a:pPr marL="342900" indent="-342900">
+              <a:spcBef>
+                <a:spcPts val="600"/>
+              </a:spcBef>
+              <a:buFont typeface="Arial" panose="020B0604020202020204" pitchFamily="34" charset="0"/>
+              <a:buChar char="•"/>
+              <a:defRPr/>
+            </a:pPr>
+            <a:r>
+              <a:rPr lang="sr-Cyrl-RS" dirty="0" smtClean="0">
+                <a:latin typeface="Garamond" pitchFamily="18" charset="0"/>
+              </a:rPr>
+              <a:t>Дакле</a:t>
+            </a:r>
+            <a:r>
+              <a:rPr lang="en-US" dirty="0" smtClean="0">
+                <a:latin typeface="Garamond" pitchFamily="18" charset="0"/>
+              </a:rPr>
+              <a:t>,</a:t>
+            </a:r>
+            <a:r>
+              <a:rPr lang="sr-Cyrl-RS" dirty="0" smtClean="0">
+                <a:latin typeface="Garamond" pitchFamily="18" charset="0"/>
+              </a:rPr>
+              <a:t> помоћу интерфејса се дефинише тај уговор, па сваки ослушкивач мора имплементирати интерфејс</a:t>
+            </a:r>
+            <a:r>
+              <a:rPr lang="en-US" dirty="0" smtClean="0">
+                <a:latin typeface="Garamond" pitchFamily="18" charset="0"/>
+              </a:rPr>
+              <a:t> </a:t>
+            </a:r>
+            <a:endParaRPr lang="en-US" dirty="0">
+              <a:latin typeface="Garamond" pitchFamily="18" charset="0"/>
+            </a:endParaRPr>
+          </a:p>
+        </p:txBody>
+      </p:sp>
+      <p:sp>
+        <p:nvSpPr>
+          <p:cNvPr id="3" name="Title 1"/>
+          <p:cNvSpPr txBox="1">
+            <a:spLocks/>
+          </p:cNvSpPr>
+          <p:nvPr/>
+        </p:nvSpPr>
+        <p:spPr>
+          <a:xfrm>
+            <a:off x="1371600" y="549275"/>
+            <a:ext cx="7772400" cy="868363"/>
+          </a:xfrm>
+          <a:prstGeom prst="rect">
+            <a:avLst/>
+          </a:prstGeom>
+        </p:spPr>
+        <p:txBody>
+          <a:bodyPr/>
+          <a:lstStyle>
+            <a:lvl1pPr algn="l" rtl="0" eaLnBrk="0" fontAlgn="base" hangingPunct="0">
+              <a:spcBef>
+                <a:spcPct val="0"/>
+              </a:spcBef>
+              <a:spcAft>
+                <a:spcPct val="0"/>
+              </a:spcAft>
+              <a:defRPr sz="3800">
+                <a:solidFill>
+                  <a:schemeClr val="tx2"/>
+                </a:solidFill>
+                <a:latin typeface="+mj-lt"/>
+                <a:ea typeface="+mj-ea"/>
+                <a:cs typeface="+mj-cs"/>
+              </a:defRPr>
+            </a:lvl1pPr>
+            <a:lvl2pPr algn="l" rtl="0" eaLnBrk="0" fontAlgn="base" hangingPunct="0">
+              <a:spcBef>
+                <a:spcPct val="0"/>
+              </a:spcBef>
+              <a:spcAft>
+                <a:spcPct val="0"/>
+              </a:spcAft>
+              <a:defRPr sz="3800">
+                <a:solidFill>
+                  <a:schemeClr val="tx2"/>
+                </a:solidFill>
+                <a:latin typeface="Arial" charset="0"/>
+              </a:defRPr>
+            </a:lvl2pPr>
+            <a:lvl3pPr algn="l" rtl="0" eaLnBrk="0" fontAlgn="base" hangingPunct="0">
+              <a:spcBef>
+                <a:spcPct val="0"/>
+              </a:spcBef>
+              <a:spcAft>
+                <a:spcPct val="0"/>
+              </a:spcAft>
+              <a:defRPr sz="3800">
+                <a:solidFill>
+                  <a:schemeClr val="tx2"/>
+                </a:solidFill>
+                <a:latin typeface="Arial" charset="0"/>
+              </a:defRPr>
+            </a:lvl3pPr>
+            <a:lvl4pPr algn="l" rtl="0" eaLnBrk="0" fontAlgn="base" hangingPunct="0">
+              <a:spcBef>
+                <a:spcPct val="0"/>
+              </a:spcBef>
+              <a:spcAft>
+                <a:spcPct val="0"/>
+              </a:spcAft>
+              <a:defRPr sz="3800">
+                <a:solidFill>
+                  <a:schemeClr val="tx2"/>
+                </a:solidFill>
+                <a:latin typeface="Arial" charset="0"/>
+              </a:defRPr>
+            </a:lvl4pPr>
+            <a:lvl5pPr algn="l" rtl="0" eaLnBrk="0" fontAlgn="base" hangingPunct="0">
+              <a:spcBef>
+                <a:spcPct val="0"/>
+              </a:spcBef>
+              <a:spcAft>
+                <a:spcPct val="0"/>
+              </a:spcAft>
+              <a:defRPr sz="3800">
+                <a:solidFill>
+                  <a:schemeClr val="tx2"/>
+                </a:solidFill>
+                <a:latin typeface="Arial" charset="0"/>
+              </a:defRPr>
+            </a:lvl5pPr>
+            <a:lvl6pPr marL="457200" algn="l" rtl="0" fontAlgn="base">
+              <a:spcBef>
+                <a:spcPct val="0"/>
+              </a:spcBef>
+              <a:spcAft>
+                <a:spcPct val="0"/>
+              </a:spcAft>
+              <a:defRPr sz="3800">
+                <a:solidFill>
+                  <a:schemeClr val="tx2"/>
+                </a:solidFill>
+                <a:latin typeface="Arial" charset="0"/>
+              </a:defRPr>
+            </a:lvl6pPr>
+            <a:lvl7pPr marL="914400" algn="l" rtl="0" fontAlgn="base">
+              <a:spcBef>
+                <a:spcPct val="0"/>
+              </a:spcBef>
+              <a:spcAft>
+                <a:spcPct val="0"/>
+              </a:spcAft>
+              <a:defRPr sz="3800">
+                <a:solidFill>
+                  <a:schemeClr val="tx2"/>
+                </a:solidFill>
+                <a:latin typeface="Arial" charset="0"/>
+              </a:defRPr>
+            </a:lvl7pPr>
+            <a:lvl8pPr marL="1371600" algn="l" rtl="0" fontAlgn="base">
+              <a:spcBef>
+                <a:spcPct val="0"/>
+              </a:spcBef>
+              <a:spcAft>
+                <a:spcPct val="0"/>
+              </a:spcAft>
+              <a:defRPr sz="3800">
+                <a:solidFill>
+                  <a:schemeClr val="tx2"/>
+                </a:solidFill>
+                <a:latin typeface="Arial" charset="0"/>
+              </a:defRPr>
+            </a:lvl8pPr>
+            <a:lvl9pPr marL="1828800" algn="l" rtl="0" fontAlgn="base">
+              <a:spcBef>
+                <a:spcPct val="0"/>
+              </a:spcBef>
+              <a:spcAft>
+                <a:spcPct val="0"/>
+              </a:spcAft>
+              <a:defRPr sz="3800">
+                <a:solidFill>
+                  <a:schemeClr val="tx2"/>
+                </a:solidFill>
+                <a:latin typeface="Arial" charset="0"/>
+              </a:defRPr>
+            </a:lvl9pPr>
+          </a:lstStyle>
+          <a:p>
+            <a:pPr>
+              <a:defRPr/>
+            </a:pPr>
+            <a:r>
+              <a:rPr lang="sr-Cyrl-RS" sz="3600" b="1" kern="0" dirty="0" smtClean="0">
+                <a:solidFill>
+                  <a:srgbClr val="0070C0"/>
+                </a:solidFill>
+              </a:rPr>
+              <a:t>Интерфејс </a:t>
+            </a:r>
+            <a:r>
+              <a:rPr lang="en-US" sz="3600" b="1" kern="0" dirty="0" err="1">
+                <a:solidFill>
+                  <a:srgbClr val="0070C0"/>
+                </a:solidFill>
+              </a:rPr>
+              <a:t>EventListener</a:t>
+            </a:r>
+            <a:endParaRPr lang="en-US" sz="3600" b="1" kern="0" dirty="0">
+              <a:solidFill>
+                <a:srgbClr val="0070C0"/>
+              </a:solidFill>
+            </a:endParaRPr>
+          </a:p>
+        </p:txBody>
+      </p:sp>
+    </p:spTree>
+    <p:extLst>
+      <p:ext uri="{BB962C8B-B14F-4D97-AF65-F5344CB8AC3E}">
+        <p14:creationId xmlns:p14="http://schemas.microsoft.com/office/powerpoint/2010/main" val="2540239671"/>
+      </p:ext>
+    </p:extLst>
+  </p:cSld>
+  <p:clrMapOvr>
+    <a:masterClrMapping/>
+  </p:clrMapOvr>
+  <p:timing>
+    <p:tnLst>
+      <p:par>
+        <p:cTn id="1" dur="indefinite" restart="never" nodeType="tmRoot">
+          <p:childTnLst>
+            <p:seq concurrent="1" nextAc="seek">
+              <p:cTn id="2" dur="indefinite" nodeType="mainSeq">
+                <p:childTnLst>
+                  <p:par>
+                    <p:cTn id="3" fill="hold">
+                      <p:stCondLst>
+                        <p:cond delay="indefinite"/>
+                        <p:cond evt="onBegin" delay="0">
+                          <p:tn val="2"/>
+                        </p:cond>
+                      </p:stCondLst>
+                      <p:childTnLst>
+                        <p:par>
+                          <p:cTn id="4" fill="hold">
+                            <p:stCondLst>
+                              <p:cond delay="0"/>
+                            </p:stCondLst>
+                            <p:childTnLst>
+                              <p:par>
+                                <p:cTn id="5" presetID="3" presetClass="entr" presetSubtype="10" fill="hold" nodeType="withEffect">
+                                  <p:stCondLst>
+                                    <p:cond delay="0"/>
+                                  </p:stCondLst>
+                                  <p:childTnLst>
+                                    <p:set>
+                                      <p:cBhvr>
+                                        <p:cTn id="6" dur="1" fill="hold">
+                                          <p:stCondLst>
+                                            <p:cond delay="0"/>
+                                          </p:stCondLst>
+                                        </p:cTn>
+                                        <p:tgtEl>
+                                          <p:spTgt spid="26626">
+                                            <p:txEl>
+                                              <p:pRg st="0" end="0"/>
+                                            </p:txEl>
+                                          </p:spTgt>
+                                        </p:tgtEl>
+                                        <p:attrNameLst>
+                                          <p:attrName>style.visibility</p:attrName>
+                                        </p:attrNameLst>
+                                      </p:cBhvr>
+                                      <p:to>
+                                        <p:strVal val="visible"/>
+                                      </p:to>
+                                    </p:set>
+                                    <p:animEffect transition="in" filter="blinds(horizontal)">
+                                      <p:cBhvr>
+                                        <p:cTn id="7" dur="500"/>
+                                        <p:tgtEl>
+                                          <p:spTgt spid="26626">
+                                            <p:txEl>
+                                              <p:pRg st="0" end="0"/>
+                                            </p:txEl>
+                                          </p:spTgt>
+                                        </p:tgtEl>
+                                      </p:cBhvr>
+                                    </p:animEffect>
+                                  </p:childTnLst>
+                                </p:cTn>
+                              </p:par>
+                              <p:par>
+                                <p:cTn id="8" presetID="3" presetClass="entr" presetSubtype="10" fill="hold" nodeType="withEffect">
+                                  <p:stCondLst>
+                                    <p:cond delay="0"/>
+                                  </p:stCondLst>
+                                  <p:childTnLst>
+                                    <p:set>
+                                      <p:cBhvr>
+                                        <p:cTn id="9" dur="1" fill="hold">
+                                          <p:stCondLst>
+                                            <p:cond delay="0"/>
+                                          </p:stCondLst>
+                                        </p:cTn>
+                                        <p:tgtEl>
+                                          <p:spTgt spid="26626">
+                                            <p:txEl>
+                                              <p:pRg st="1" end="1"/>
+                                            </p:txEl>
+                                          </p:spTgt>
+                                        </p:tgtEl>
+                                        <p:attrNameLst>
+                                          <p:attrName>style.visibility</p:attrName>
+                                        </p:attrNameLst>
+                                      </p:cBhvr>
+                                      <p:to>
+                                        <p:strVal val="visible"/>
+                                      </p:to>
+                                    </p:set>
+                                    <p:animEffect transition="in" filter="blinds(horizontal)">
+                                      <p:cBhvr>
+                                        <p:cTn id="10" dur="500"/>
+                                        <p:tgtEl>
+                                          <p:spTgt spid="26626">
+                                            <p:txEl>
+                                              <p:pRg st="1" end="1"/>
+                                            </p:txEl>
+                                          </p:spTgt>
+                                        </p:tgtEl>
+                                      </p:cBhvr>
+                                    </p:animEffect>
+                                  </p:childTnLst>
+                                </p:cTn>
+                              </p:par>
+                              <p:par>
+                                <p:cTn id="11" presetID="3" presetClass="entr" presetSubtype="10" fill="hold" nodeType="withEffect">
+                                  <p:stCondLst>
+                                    <p:cond delay="0"/>
+                                  </p:stCondLst>
+                                  <p:childTnLst>
+                                    <p:set>
+                                      <p:cBhvr>
+                                        <p:cTn id="12" dur="1" fill="hold">
+                                          <p:stCondLst>
+                                            <p:cond delay="0"/>
+                                          </p:stCondLst>
+                                        </p:cTn>
+                                        <p:tgtEl>
+                                          <p:spTgt spid="26626">
+                                            <p:txEl>
+                                              <p:pRg st="2" end="2"/>
+                                            </p:txEl>
+                                          </p:spTgt>
+                                        </p:tgtEl>
+                                        <p:attrNameLst>
+                                          <p:attrName>style.visibility</p:attrName>
+                                        </p:attrNameLst>
+                                      </p:cBhvr>
+                                      <p:to>
+                                        <p:strVal val="visible"/>
+                                      </p:to>
+                                    </p:set>
+                                    <p:animEffect transition="in" filter="blinds(horizontal)">
+                                      <p:cBhvr>
+                                        <p:cTn id="13" dur="500"/>
+                                        <p:tgtEl>
+                                          <p:spTgt spid="26626">
+                                            <p:txEl>
+                                              <p:pRg st="2" end="2"/>
+                                            </p:txEl>
+                                          </p:spTgt>
+                                        </p:tgtEl>
+                                      </p:cBhvr>
+                                    </p:animEffect>
+                                  </p:childTnLst>
+                                </p:cTn>
+                              </p:par>
+                              <p:par>
+                                <p:cTn id="14" presetID="3" presetClass="entr" presetSubtype="10" fill="hold" nodeType="withEffect">
+                                  <p:stCondLst>
+                                    <p:cond delay="0"/>
+                                  </p:stCondLst>
+                                  <p:childTnLst>
+                                    <p:set>
+                                      <p:cBhvr>
+                                        <p:cTn id="15" dur="1" fill="hold">
+                                          <p:stCondLst>
+                                            <p:cond delay="0"/>
+                                          </p:stCondLst>
+                                        </p:cTn>
+                                        <p:tgtEl>
+                                          <p:spTgt spid="26626">
+                                            <p:txEl>
+                                              <p:pRg st="3" end="3"/>
+                                            </p:txEl>
+                                          </p:spTgt>
+                                        </p:tgtEl>
+                                        <p:attrNameLst>
+                                          <p:attrName>style.visibility</p:attrName>
+                                        </p:attrNameLst>
+                                      </p:cBhvr>
+                                      <p:to>
+                                        <p:strVal val="visible"/>
+                                      </p:to>
+                                    </p:set>
+                                    <p:animEffect transition="in" filter="blinds(horizontal)">
+                                      <p:cBhvr>
+                                        <p:cTn id="16" dur="500"/>
+                                        <p:tgtEl>
+                                          <p:spTgt spid="26626">
+                                            <p:txEl>
+                                              <p:pRg st="3" end="3"/>
+                                            </p:txEl>
+                                          </p:spTgt>
+                                        </p:tgtEl>
+                                      </p:cBhvr>
+                                    </p:animEffect>
+                                  </p:childTnLst>
+                                </p:cTn>
+                              </p:par>
+                              <p:par>
+                                <p:cTn id="17" presetID="3" presetClass="entr" presetSubtype="10" fill="hold" nodeType="withEffect">
+                                  <p:stCondLst>
+                                    <p:cond delay="0"/>
+                                  </p:stCondLst>
+                                  <p:childTnLst>
+                                    <p:set>
+                                      <p:cBhvr>
+                                        <p:cTn id="18" dur="1" fill="hold">
+                                          <p:stCondLst>
+                                            <p:cond delay="0"/>
+                                          </p:stCondLst>
+                                        </p:cTn>
+                                        <p:tgtEl>
+                                          <p:spTgt spid="26626">
+                                            <p:txEl>
+                                              <p:pRg st="4" end="4"/>
+                                            </p:txEl>
+                                          </p:spTgt>
+                                        </p:tgtEl>
+                                        <p:attrNameLst>
+                                          <p:attrName>style.visibility</p:attrName>
+                                        </p:attrNameLst>
+                                      </p:cBhvr>
+                                      <p:to>
+                                        <p:strVal val="visible"/>
+                                      </p:to>
+                                    </p:set>
+                                    <p:animEffect transition="in" filter="blinds(horizontal)">
+                                      <p:cBhvr>
+                                        <p:cTn id="19" dur="500"/>
+                                        <p:tgtEl>
+                                          <p:spTgt spid="26626">
+                                            <p:txEl>
+                                              <p:pRg st="4" end="4"/>
+                                            </p:txEl>
+                                          </p:spTgt>
+                                        </p:tgtEl>
+                                      </p:cBhvr>
+                                    </p:animEffect>
+                                  </p:childTnLst>
+                                </p:cTn>
+                              </p:par>
+                              <p:par>
+                                <p:cTn id="20" presetID="3" presetClass="entr" presetSubtype="10" fill="hold" nodeType="withEffect">
+                                  <p:stCondLst>
+                                    <p:cond delay="0"/>
+                                  </p:stCondLst>
+                                  <p:childTnLst>
+                                    <p:set>
+                                      <p:cBhvr>
+                                        <p:cTn id="21" dur="1" fill="hold">
+                                          <p:stCondLst>
+                                            <p:cond delay="0"/>
+                                          </p:stCondLst>
+                                        </p:cTn>
+                                        <p:tgtEl>
+                                          <p:spTgt spid="26626">
+                                            <p:txEl>
+                                              <p:pRg st="5" end="5"/>
+                                            </p:txEl>
+                                          </p:spTgt>
+                                        </p:tgtEl>
+                                        <p:attrNameLst>
+                                          <p:attrName>style.visibility</p:attrName>
+                                        </p:attrNameLst>
+                                      </p:cBhvr>
+                                      <p:to>
+                                        <p:strVal val="visible"/>
+                                      </p:to>
+                                    </p:set>
+                                    <p:animEffect transition="in" filter="blinds(horizontal)">
+                                      <p:cBhvr>
+                                        <p:cTn id="22" dur="500"/>
+                                        <p:tgtEl>
+                                          <p:spTgt spid="26626">
+                                            <p:txEl>
+                                              <p:pRg st="5" end="5"/>
+                                            </p:txEl>
+                                          </p:spTgt>
+                                        </p:tgtEl>
+                                      </p:cBhvr>
+                                    </p:animEffect>
+                                  </p:childTnLst>
+                                </p:cTn>
+                              </p:par>
+                              <p:par>
+                                <p:cTn id="23" presetID="3" presetClass="entr" presetSubtype="10" fill="hold" nodeType="withEffect">
+                                  <p:stCondLst>
+                                    <p:cond delay="0"/>
+                                  </p:stCondLst>
+                                  <p:childTnLst>
+                                    <p:set>
+                                      <p:cBhvr>
+                                        <p:cTn id="24" dur="1" fill="hold">
+                                          <p:stCondLst>
+                                            <p:cond delay="0"/>
+                                          </p:stCondLst>
+                                        </p:cTn>
+                                        <p:tgtEl>
+                                          <p:spTgt spid="26626">
+                                            <p:txEl>
+                                              <p:pRg st="6" end="6"/>
+                                            </p:txEl>
+                                          </p:spTgt>
+                                        </p:tgtEl>
+                                        <p:attrNameLst>
+                                          <p:attrName>style.visibility</p:attrName>
+                                        </p:attrNameLst>
+                                      </p:cBhvr>
+                                      <p:to>
+                                        <p:strVal val="visible"/>
+                                      </p:to>
+                                    </p:set>
+                                    <p:animEffect transition="in" filter="blinds(horizontal)">
+                                      <p:cBhvr>
+                                        <p:cTn id="25" dur="500"/>
+                                        <p:tgtEl>
+                                          <p:spTgt spid="26626">
+                                            <p:txEl>
+                                              <p:pRg st="6" end="6"/>
+                                            </p:txEl>
+                                          </p:spTgt>
+                                        </p:tgtEl>
+                                      </p:cBhvr>
+                                    </p:animEffect>
+                                  </p:childTnLst>
+                                </p:cTn>
+                              </p:par>
+                            </p:childTnLst>
+                          </p:cTn>
+                        </p:par>
+                      </p:childTnLst>
+                    </p:cTn>
+                  </p:par>
+                </p:childTnLst>
+              </p:cTn>
+              <p:prevCondLst>
+                <p:cond evt="onPrev" delay="0">
+                  <p:tgtEl>
+                    <p:sldTgt/>
+                  </p:tgtEl>
+                </p:cond>
+              </p:prevCondLst>
+              <p:nextCondLst>
+                <p:cond evt="onNext" delay="0">
+                  <p:tgtEl>
+                    <p:sldTgt/>
+                  </p:tgtEl>
+                </p:cond>
+              </p:nextCondLst>
+            </p:seq>
+          </p:childTnLst>
+        </p:cTn>
+      </p:par>
+    </p:tnLst>
+  </p:timing>
+</p:sld>
+</file>
+
+<file path=ppt/slides/slide32.xml><?xml version="1.0" encoding="utf-8"?>
+<p:sld xmlns:a="http://schemas.openxmlformats.org/drawingml/2006/main" xmlns:r="http://schemas.openxmlformats.org/officeDocument/2006/relationships" xmlns:p="http://schemas.openxmlformats.org/presentationml/2006/main">
+  <p:cSld>
+    <p:spTree>
+      <p:nvGrpSpPr>
+        <p:cNvPr id="1" name=""/>
+        <p:cNvGrpSpPr/>
+        <p:nvPr/>
+      </p:nvGrpSpPr>
+      <p:grpSpPr>
+        <a:xfrm>
+          <a:off x="0" y="0"/>
+          <a:ext cx="0" cy="0"/>
+          <a:chOff x="0" y="0"/>
+          <a:chExt cx="0" cy="0"/>
+        </a:xfrm>
+      </p:grpSpPr>
+      <p:sp>
+        <p:nvSpPr>
+          <p:cNvPr id="26626" name="Text Box 2"/>
+          <p:cNvSpPr txBox="1">
+            <a:spLocks noChangeArrowheads="1"/>
+          </p:cNvSpPr>
+          <p:nvPr/>
+        </p:nvSpPr>
+        <p:spPr bwMode="auto">
+          <a:xfrm>
+            <a:off x="539750" y="1416050"/>
+            <a:ext cx="8451850" cy="3200876"/>
+          </a:xfrm>
+          <a:prstGeom prst="rect">
+            <a:avLst/>
+          </a:prstGeom>
+          <a:noFill/>
+          <a:ln>
+            <a:noFill/>
+          </a:ln>
+          <a:extLst>
+            <a:ext uri="{909E8E84-426E-40DD-AFC4-6F175D3DCCD1}">
+              <a14:hiddenFill xmlns:a14="http://schemas.microsoft.com/office/drawing/2010/main">
+                <a:solidFill>
+                  <a:srgbClr val="FFFFFF"/>
+                </a:solidFill>
+              </a14:hiddenFill>
+            </a:ext>
+            <a:ext uri="{91240B29-F687-4F45-9708-019B960494DF}">
+              <a14:hiddenLine xmlns:a14="http://schemas.microsoft.com/office/drawing/2010/main" w="9525">
+                <a:solidFill>
+                  <a:srgbClr val="000000"/>
+                </a:solidFill>
+                <a:miter lim="800000"/>
+                <a:headEnd/>
+                <a:tailEnd/>
+              </a14:hiddenLine>
+            </a:ext>
+          </a:extLst>
+        </p:spPr>
+        <p:txBody>
+          <a:bodyPr>
+            <a:spAutoFit/>
+          </a:bodyPr>
+          <a:lstStyle>
+            <a:lvl1pPr eaLnBrk="0" hangingPunct="0">
+              <a:defRPr sz="2400">
+                <a:solidFill>
+                  <a:schemeClr val="tx1"/>
+                </a:solidFill>
+                <a:latin typeface="Times New Roman" pitchFamily="18" charset="0"/>
+              </a:defRPr>
+            </a:lvl1pPr>
+            <a:lvl2pPr marL="742950" indent="-285750" eaLnBrk="0" hangingPunct="0">
+              <a:defRPr sz="2400">
+                <a:solidFill>
+                  <a:schemeClr val="tx1"/>
+                </a:solidFill>
+                <a:latin typeface="Times New Roman" pitchFamily="18" charset="0"/>
+              </a:defRPr>
+            </a:lvl2pPr>
+            <a:lvl3pPr marL="1143000" indent="-228600" eaLnBrk="0" hangingPunct="0">
+              <a:defRPr sz="2400">
+                <a:solidFill>
+                  <a:schemeClr val="tx1"/>
+                </a:solidFill>
+                <a:latin typeface="Times New Roman" pitchFamily="18" charset="0"/>
+              </a:defRPr>
+            </a:lvl3pPr>
+            <a:lvl4pPr marL="1600200" indent="-228600" eaLnBrk="0" hangingPunct="0">
+              <a:defRPr sz="2400">
+                <a:solidFill>
+                  <a:schemeClr val="tx1"/>
+                </a:solidFill>
+                <a:latin typeface="Times New Roman" pitchFamily="18" charset="0"/>
+              </a:defRPr>
+            </a:lvl4pPr>
+            <a:lvl5pPr marL="2057400" indent="-228600" eaLnBrk="0" hangingPunct="0">
+              <a:defRPr sz="2400">
+                <a:solidFill>
+                  <a:schemeClr val="tx1"/>
+                </a:solidFill>
+                <a:latin typeface="Times New Roman" pitchFamily="18" charset="0"/>
+              </a:defRPr>
+            </a:lvl5pPr>
+            <a:lvl6pPr marL="2514600" indent="-228600" eaLnBrk="0" fontAlgn="base" hangingPunct="0">
+              <a:spcBef>
+                <a:spcPct val="0"/>
+              </a:spcBef>
+              <a:spcAft>
+                <a:spcPct val="0"/>
+              </a:spcAft>
+              <a:defRPr sz="2400">
+                <a:solidFill>
+                  <a:schemeClr val="tx1"/>
+                </a:solidFill>
+                <a:latin typeface="Times New Roman" pitchFamily="18" charset="0"/>
+              </a:defRPr>
+            </a:lvl6pPr>
+            <a:lvl7pPr marL="2971800" indent="-228600" eaLnBrk="0" fontAlgn="base" hangingPunct="0">
+              <a:spcBef>
+                <a:spcPct val="0"/>
+              </a:spcBef>
+              <a:spcAft>
+                <a:spcPct val="0"/>
+              </a:spcAft>
+              <a:defRPr sz="2400">
+                <a:solidFill>
+                  <a:schemeClr val="tx1"/>
+                </a:solidFill>
+                <a:latin typeface="Times New Roman" pitchFamily="18" charset="0"/>
+              </a:defRPr>
+            </a:lvl7pPr>
+            <a:lvl8pPr marL="3429000" indent="-228600" eaLnBrk="0" fontAlgn="base" hangingPunct="0">
+              <a:spcBef>
+                <a:spcPct val="0"/>
+              </a:spcBef>
+              <a:spcAft>
+                <a:spcPct val="0"/>
+              </a:spcAft>
+              <a:defRPr sz="2400">
+                <a:solidFill>
+                  <a:schemeClr val="tx1"/>
+                </a:solidFill>
+                <a:latin typeface="Times New Roman" pitchFamily="18" charset="0"/>
+              </a:defRPr>
+            </a:lvl8pPr>
+            <a:lvl9pPr marL="3886200" indent="-228600" eaLnBrk="0" fontAlgn="base" hangingPunct="0">
+              <a:spcBef>
+                <a:spcPct val="0"/>
+              </a:spcBef>
+              <a:spcAft>
+                <a:spcPct val="0"/>
+              </a:spcAft>
+              <a:defRPr sz="2400">
+                <a:solidFill>
+                  <a:schemeClr val="tx1"/>
+                </a:solidFill>
+                <a:latin typeface="Times New Roman" pitchFamily="18" charset="0"/>
+              </a:defRPr>
+            </a:lvl9pPr>
+          </a:lstStyle>
+          <a:p>
+            <a:pPr marL="342900" indent="-342900">
+              <a:spcBef>
+                <a:spcPts val="600"/>
+              </a:spcBef>
+              <a:buFont typeface="Arial" panose="020B0604020202020204" pitchFamily="34" charset="0"/>
+              <a:buChar char="•"/>
+              <a:defRPr/>
+            </a:pPr>
+            <a:r>
+              <a:rPr lang="sr-Cyrl-RS" dirty="0" smtClean="0">
+                <a:latin typeface="Garamond" pitchFamily="18" charset="0"/>
+              </a:rPr>
+              <a:t>У примерима са догађајима, интерфејси тј. уговори ће проширивати интерфејс</a:t>
+            </a:r>
+            <a:r>
+              <a:rPr lang="en-US" dirty="0" smtClean="0">
+                <a:latin typeface="Garamond" pitchFamily="18" charset="0"/>
+              </a:rPr>
+              <a:t> </a:t>
+            </a:r>
+            <a:r>
+              <a:rPr lang="en-US" sz="2000" dirty="0" err="1" smtClean="0">
+                <a:latin typeface="+mn-lt"/>
+              </a:rPr>
+              <a:t>java.util.EventListener</a:t>
+            </a:r>
+            <a:endParaRPr lang="sr-Cyrl-RS" dirty="0" smtClean="0">
+              <a:latin typeface="+mn-lt"/>
+            </a:endParaRPr>
+          </a:p>
+          <a:p>
+            <a:pPr marL="342900" indent="-342900">
+              <a:spcBef>
+                <a:spcPts val="600"/>
+              </a:spcBef>
+              <a:buFont typeface="Arial" panose="020B0604020202020204" pitchFamily="34" charset="0"/>
+              <a:buChar char="•"/>
+              <a:defRPr/>
+            </a:pPr>
+            <a:r>
+              <a:rPr lang="sr-Cyrl-RS" dirty="0" smtClean="0">
+                <a:latin typeface="Garamond" pitchFamily="18" charset="0"/>
+              </a:rPr>
+              <a:t>Интерфејс </a:t>
+            </a:r>
+            <a:r>
+              <a:rPr lang="en-US" sz="2000" dirty="0" err="1" smtClean="0">
+                <a:latin typeface="+mn-lt"/>
+              </a:rPr>
+              <a:t>EventListener</a:t>
+            </a:r>
+            <a:r>
+              <a:rPr lang="en-US" dirty="0" smtClean="0">
+                <a:latin typeface="Garamond" pitchFamily="18" charset="0"/>
+              </a:rPr>
+              <a:t> </a:t>
+            </a:r>
+            <a:r>
+              <a:rPr lang="sr-Cyrl-RS" dirty="0" smtClean="0">
+                <a:latin typeface="Garamond" pitchFamily="18" charset="0"/>
+              </a:rPr>
+              <a:t>не захтева да се имплементира неки метод, већ се ради о тзв. маркерском интерфејсу – то је само ознака да се ради о интерфејсу који служи као ослушкивач догађаја</a:t>
+            </a:r>
+            <a:r>
+              <a:rPr lang="en-US" dirty="0" smtClean="0">
+                <a:latin typeface="Garamond" pitchFamily="18" charset="0"/>
+              </a:rPr>
+              <a:t> </a:t>
+            </a:r>
+            <a:endParaRPr lang="sr-Cyrl-RS" dirty="0" smtClean="0">
+              <a:latin typeface="Garamond" pitchFamily="18" charset="0"/>
+            </a:endParaRPr>
+          </a:p>
+          <a:p>
+            <a:pPr marL="1085850" lvl="1" indent="-342900">
+              <a:spcBef>
+                <a:spcPts val="600"/>
+              </a:spcBef>
+              <a:buFont typeface="Arial" panose="020B0604020202020204" pitchFamily="34" charset="0"/>
+              <a:buChar char="•"/>
+              <a:defRPr/>
+            </a:pPr>
+            <a:r>
+              <a:rPr lang="sr-Cyrl-RS" dirty="0" smtClean="0">
+                <a:latin typeface="Garamond" pitchFamily="18" charset="0"/>
+              </a:rPr>
+              <a:t>Овим се олакшава да се одреди који догађај може бити испаљен</a:t>
+            </a:r>
+            <a:endParaRPr lang="en-US" dirty="0">
+              <a:latin typeface="Garamond" pitchFamily="18" charset="0"/>
+            </a:endParaRPr>
+          </a:p>
+        </p:txBody>
+      </p:sp>
+      <p:sp>
+        <p:nvSpPr>
+          <p:cNvPr id="3" name="Title 1"/>
+          <p:cNvSpPr txBox="1">
+            <a:spLocks/>
+          </p:cNvSpPr>
+          <p:nvPr/>
+        </p:nvSpPr>
+        <p:spPr>
+          <a:xfrm>
+            <a:off x="1371600" y="549275"/>
+            <a:ext cx="7772400" cy="868363"/>
+          </a:xfrm>
+          <a:prstGeom prst="rect">
+            <a:avLst/>
+          </a:prstGeom>
+        </p:spPr>
+        <p:txBody>
+          <a:bodyPr/>
+          <a:lstStyle>
+            <a:lvl1pPr algn="l" rtl="0" eaLnBrk="0" fontAlgn="base" hangingPunct="0">
+              <a:spcBef>
+                <a:spcPct val="0"/>
+              </a:spcBef>
+              <a:spcAft>
+                <a:spcPct val="0"/>
+              </a:spcAft>
+              <a:defRPr sz="3800">
+                <a:solidFill>
+                  <a:schemeClr val="tx2"/>
+                </a:solidFill>
+                <a:latin typeface="+mj-lt"/>
+                <a:ea typeface="+mj-ea"/>
+                <a:cs typeface="+mj-cs"/>
+              </a:defRPr>
+            </a:lvl1pPr>
+            <a:lvl2pPr algn="l" rtl="0" eaLnBrk="0" fontAlgn="base" hangingPunct="0">
+              <a:spcBef>
+                <a:spcPct val="0"/>
+              </a:spcBef>
+              <a:spcAft>
+                <a:spcPct val="0"/>
+              </a:spcAft>
+              <a:defRPr sz="3800">
+                <a:solidFill>
+                  <a:schemeClr val="tx2"/>
+                </a:solidFill>
+                <a:latin typeface="Arial" charset="0"/>
+              </a:defRPr>
+            </a:lvl2pPr>
+            <a:lvl3pPr algn="l" rtl="0" eaLnBrk="0" fontAlgn="base" hangingPunct="0">
+              <a:spcBef>
+                <a:spcPct val="0"/>
+              </a:spcBef>
+              <a:spcAft>
+                <a:spcPct val="0"/>
+              </a:spcAft>
+              <a:defRPr sz="3800">
+                <a:solidFill>
+                  <a:schemeClr val="tx2"/>
+                </a:solidFill>
+                <a:latin typeface="Arial" charset="0"/>
+              </a:defRPr>
+            </a:lvl3pPr>
+            <a:lvl4pPr algn="l" rtl="0" eaLnBrk="0" fontAlgn="base" hangingPunct="0">
+              <a:spcBef>
+                <a:spcPct val="0"/>
+              </a:spcBef>
+              <a:spcAft>
+                <a:spcPct val="0"/>
+              </a:spcAft>
+              <a:defRPr sz="3800">
+                <a:solidFill>
+                  <a:schemeClr val="tx2"/>
+                </a:solidFill>
+                <a:latin typeface="Arial" charset="0"/>
+              </a:defRPr>
+            </a:lvl4pPr>
+            <a:lvl5pPr algn="l" rtl="0" eaLnBrk="0" fontAlgn="base" hangingPunct="0">
+              <a:spcBef>
+                <a:spcPct val="0"/>
+              </a:spcBef>
+              <a:spcAft>
+                <a:spcPct val="0"/>
+              </a:spcAft>
+              <a:defRPr sz="3800">
+                <a:solidFill>
+                  <a:schemeClr val="tx2"/>
+                </a:solidFill>
+                <a:latin typeface="Arial" charset="0"/>
+              </a:defRPr>
+            </a:lvl5pPr>
+            <a:lvl6pPr marL="457200" algn="l" rtl="0" fontAlgn="base">
+              <a:spcBef>
+                <a:spcPct val="0"/>
+              </a:spcBef>
+              <a:spcAft>
+                <a:spcPct val="0"/>
+              </a:spcAft>
+              <a:defRPr sz="3800">
+                <a:solidFill>
+                  <a:schemeClr val="tx2"/>
+                </a:solidFill>
+                <a:latin typeface="Arial" charset="0"/>
+              </a:defRPr>
+            </a:lvl6pPr>
+            <a:lvl7pPr marL="914400" algn="l" rtl="0" fontAlgn="base">
+              <a:spcBef>
+                <a:spcPct val="0"/>
+              </a:spcBef>
+              <a:spcAft>
+                <a:spcPct val="0"/>
+              </a:spcAft>
+              <a:defRPr sz="3800">
+                <a:solidFill>
+                  <a:schemeClr val="tx2"/>
+                </a:solidFill>
+                <a:latin typeface="Arial" charset="0"/>
+              </a:defRPr>
+            </a:lvl7pPr>
+            <a:lvl8pPr marL="1371600" algn="l" rtl="0" fontAlgn="base">
+              <a:spcBef>
+                <a:spcPct val="0"/>
+              </a:spcBef>
+              <a:spcAft>
+                <a:spcPct val="0"/>
+              </a:spcAft>
+              <a:defRPr sz="3800">
+                <a:solidFill>
+                  <a:schemeClr val="tx2"/>
+                </a:solidFill>
+                <a:latin typeface="Arial" charset="0"/>
+              </a:defRPr>
+            </a:lvl8pPr>
+            <a:lvl9pPr marL="1828800" algn="l" rtl="0" fontAlgn="base">
+              <a:spcBef>
+                <a:spcPct val="0"/>
+              </a:spcBef>
+              <a:spcAft>
+                <a:spcPct val="0"/>
+              </a:spcAft>
+              <a:defRPr sz="3800">
+                <a:solidFill>
+                  <a:schemeClr val="tx2"/>
+                </a:solidFill>
+                <a:latin typeface="Arial" charset="0"/>
+              </a:defRPr>
+            </a:lvl9pPr>
+          </a:lstStyle>
+          <a:p>
+            <a:pPr>
+              <a:defRPr/>
+            </a:pPr>
+            <a:r>
+              <a:rPr lang="sr-Cyrl-RS" sz="3600" b="1" kern="0" dirty="0" smtClean="0">
+                <a:solidFill>
+                  <a:srgbClr val="0070C0"/>
+                </a:solidFill>
+              </a:rPr>
+              <a:t>Интерфејс </a:t>
+            </a:r>
+            <a:r>
+              <a:rPr lang="en-US" sz="3600" b="1" kern="0" dirty="0" err="1" smtClean="0">
+                <a:solidFill>
+                  <a:srgbClr val="0070C0"/>
+                </a:solidFill>
+              </a:rPr>
+              <a:t>EventListener</a:t>
+            </a:r>
+            <a:r>
+              <a:rPr lang="sr-Cyrl-RS" sz="3600" b="1" kern="0" dirty="0" smtClean="0">
+                <a:solidFill>
+                  <a:srgbClr val="0070C0"/>
+                </a:solidFill>
+              </a:rPr>
+              <a:t> (2)</a:t>
+            </a:r>
+            <a:endParaRPr lang="en-US" sz="3600" b="1" kern="0" dirty="0">
+              <a:solidFill>
+                <a:srgbClr val="0070C0"/>
+              </a:solidFill>
+            </a:endParaRPr>
+          </a:p>
+        </p:txBody>
+      </p:sp>
+    </p:spTree>
+    <p:extLst>
+      <p:ext uri="{BB962C8B-B14F-4D97-AF65-F5344CB8AC3E}">
+        <p14:creationId xmlns:p14="http://schemas.microsoft.com/office/powerpoint/2010/main" val="695587044"/>
+      </p:ext>
+    </p:extLst>
+  </p:cSld>
+  <p:clrMapOvr>
+    <a:masterClrMapping/>
+  </p:clrMapOvr>
+  <p:timing>
+    <p:tnLst>
+      <p:par>
+        <p:cTn id="1" dur="indefinite" restart="never" nodeType="tmRoot">
+          <p:childTnLst>
+            <p:seq concurrent="1" nextAc="seek">
+              <p:cTn id="2" dur="indefinite" nodeType="mainSeq">
+                <p:childTnLst>
+                  <p:par>
+                    <p:cTn id="3" fill="hold">
+                      <p:stCondLst>
+                        <p:cond delay="indefinite"/>
+                      </p:stCondLst>
+                      <p:childTnLst>
+                        <p:par>
+                          <p:cTn id="4" fill="hold">
+                            <p:stCondLst>
+                              <p:cond delay="0"/>
+                            </p:stCondLst>
+                            <p:childTnLst>
+                              <p:par>
+                                <p:cTn id="5" presetID="3" presetClass="entr" presetSubtype="10" fill="hold" nodeType="clickEffect">
+                                  <p:stCondLst>
+                                    <p:cond delay="0"/>
+                                  </p:stCondLst>
+                                  <p:childTnLst>
+                                    <p:set>
+                                      <p:cBhvr>
+                                        <p:cTn id="6" dur="1" fill="hold">
+                                          <p:stCondLst>
+                                            <p:cond delay="0"/>
+                                          </p:stCondLst>
+                                        </p:cTn>
+                                        <p:tgtEl>
+                                          <p:spTgt spid="26626">
+                                            <p:txEl>
+                                              <p:pRg st="0" end="0"/>
+                                            </p:txEl>
+                                          </p:spTgt>
+                                        </p:tgtEl>
+                                        <p:attrNameLst>
+                                          <p:attrName>style.visibility</p:attrName>
+                                        </p:attrNameLst>
+                                      </p:cBhvr>
+                                      <p:to>
+                                        <p:strVal val="visible"/>
+                                      </p:to>
+                                    </p:set>
+                                    <p:animEffect transition="in" filter="blinds(horizontal)">
+                                      <p:cBhvr>
+                                        <p:cTn id="7" dur="500"/>
+                                        <p:tgtEl>
+                                          <p:spTgt spid="26626">
+                                            <p:txEl>
+                                              <p:pRg st="0" end="0"/>
+                                            </p:txEl>
+                                          </p:spTgt>
+                                        </p:tgtEl>
+                                      </p:cBhvr>
+                                    </p:animEffect>
+                                  </p:childTnLst>
+                                </p:cTn>
+                              </p:par>
+                            </p:childTnLst>
+                          </p:cTn>
+                        </p:par>
+                      </p:childTnLst>
+                    </p:cTn>
+                  </p:par>
+                  <p:par>
+                    <p:cTn id="8" fill="hold">
+                      <p:stCondLst>
+                        <p:cond delay="indefinite"/>
+                      </p:stCondLst>
+                      <p:childTnLst>
+                        <p:par>
+                          <p:cTn id="9" fill="hold">
+                            <p:stCondLst>
+                              <p:cond delay="0"/>
+                            </p:stCondLst>
+                            <p:childTnLst>
+                              <p:par>
+                                <p:cTn id="10" presetID="3" presetClass="entr" presetSubtype="10" fill="hold" nodeType="clickEffect">
+                                  <p:stCondLst>
+                                    <p:cond delay="0"/>
+                                  </p:stCondLst>
+                                  <p:childTnLst>
+                                    <p:set>
+                                      <p:cBhvr>
+                                        <p:cTn id="11" dur="1" fill="hold">
+                                          <p:stCondLst>
+                                            <p:cond delay="0"/>
+                                          </p:stCondLst>
+                                        </p:cTn>
+                                        <p:tgtEl>
+                                          <p:spTgt spid="26626">
+                                            <p:txEl>
+                                              <p:pRg st="1" end="1"/>
+                                            </p:txEl>
+                                          </p:spTgt>
+                                        </p:tgtEl>
+                                        <p:attrNameLst>
+                                          <p:attrName>style.visibility</p:attrName>
+                                        </p:attrNameLst>
+                                      </p:cBhvr>
+                                      <p:to>
+                                        <p:strVal val="visible"/>
+                                      </p:to>
+                                    </p:set>
+                                    <p:animEffect transition="in" filter="blinds(horizontal)">
+                                      <p:cBhvr>
+                                        <p:cTn id="12" dur="500"/>
+                                        <p:tgtEl>
+                                          <p:spTgt spid="26626">
+                                            <p:txEl>
+                                              <p:pRg st="1" end="1"/>
+                                            </p:txEl>
+                                          </p:spTgt>
+                                        </p:tgtEl>
+                                      </p:cBhvr>
+                                    </p:animEffect>
+                                  </p:childTnLst>
+                                </p:cTn>
+                              </p:par>
+                              <p:par>
+                                <p:cTn id="13" presetID="3" presetClass="entr" presetSubtype="10" fill="hold" nodeType="withEffect">
+                                  <p:stCondLst>
+                                    <p:cond delay="0"/>
+                                  </p:stCondLst>
+                                  <p:childTnLst>
+                                    <p:set>
+                                      <p:cBhvr>
+                                        <p:cTn id="14" dur="1" fill="hold">
+                                          <p:stCondLst>
+                                            <p:cond delay="0"/>
+                                          </p:stCondLst>
+                                        </p:cTn>
+                                        <p:tgtEl>
+                                          <p:spTgt spid="26626">
+                                            <p:txEl>
+                                              <p:pRg st="2" end="2"/>
+                                            </p:txEl>
+                                          </p:spTgt>
+                                        </p:tgtEl>
+                                        <p:attrNameLst>
+                                          <p:attrName>style.visibility</p:attrName>
+                                        </p:attrNameLst>
+                                      </p:cBhvr>
+                                      <p:to>
+                                        <p:strVal val="visible"/>
+                                      </p:to>
+                                    </p:set>
+                                    <p:animEffect transition="in" filter="blinds(horizontal)">
+                                      <p:cBhvr>
+                                        <p:cTn id="15" dur="500"/>
+                                        <p:tgtEl>
+                                          <p:spTgt spid="26626">
+                                            <p:txEl>
+                                              <p:pRg st="2" end="2"/>
+                                            </p:txEl>
+                                          </p:spTgt>
+                                        </p:tgtEl>
+                                      </p:cBhvr>
+                                    </p:animEffect>
+                                  </p:childTnLst>
+                                </p:cTn>
+                              </p:par>
+                            </p:childTnLst>
+                          </p:cTn>
+                        </p:par>
+                      </p:childTnLst>
+                    </p:cTn>
+                  </p:par>
+                </p:childTnLst>
+              </p:cTn>
+              <p:prevCondLst>
+                <p:cond evt="onPrev" delay="0">
+                  <p:tgtEl>
+                    <p:sldTgt/>
+                  </p:tgtEl>
+                </p:cond>
+              </p:prevCondLst>
+              <p:nextCondLst>
+                <p:cond evt="onNext" delay="0">
+                  <p:tgtEl>
+                    <p:sldTgt/>
+                  </p:tgtEl>
+                </p:cond>
+              </p:nextCondLst>
+            </p:seq>
+          </p:childTnLst>
+        </p:cTn>
+      </p:par>
+    </p:tnLst>
+  </p:timing>
+</p:sld>
+</file>
+
+<file path=ppt/slides/slide33.xml><?xml version="1.0" encoding="utf-8"?>
+<p:sld xmlns:a="http://schemas.openxmlformats.org/drawingml/2006/main" xmlns:r="http://schemas.openxmlformats.org/officeDocument/2006/relationships" xmlns:p="http://schemas.openxmlformats.org/presentationml/2006/main">
+  <p:cSld>
+    <p:spTree>
+      <p:nvGrpSpPr>
+        <p:cNvPr id="1" name=""/>
+        <p:cNvGrpSpPr/>
+        <p:nvPr/>
+      </p:nvGrpSpPr>
+      <p:grpSpPr>
+        <a:xfrm>
+          <a:off x="0" y="0"/>
+          <a:ext cx="0" cy="0"/>
+          <a:chOff x="0" y="0"/>
+          <a:chExt cx="0" cy="0"/>
+        </a:xfrm>
+      </p:grpSpPr>
+      <p:sp>
+        <p:nvSpPr>
+          <p:cNvPr id="26626" name="Text Box 2"/>
+          <p:cNvSpPr txBox="1">
+            <a:spLocks noChangeArrowheads="1"/>
+          </p:cNvSpPr>
+          <p:nvPr/>
+        </p:nvSpPr>
+        <p:spPr bwMode="auto">
+          <a:xfrm>
+            <a:off x="539750" y="1416050"/>
+            <a:ext cx="8451850" cy="2462213"/>
+          </a:xfrm>
+          <a:prstGeom prst="rect">
+            <a:avLst/>
+          </a:prstGeom>
+          <a:noFill/>
+          <a:ln>
+            <a:noFill/>
+          </a:ln>
+          <a:extLst>
+            <a:ext uri="{909E8E84-426E-40DD-AFC4-6F175D3DCCD1}">
+              <a14:hiddenFill xmlns:a14="http://schemas.microsoft.com/office/drawing/2010/main">
+                <a:solidFill>
+                  <a:srgbClr val="FFFFFF"/>
+                </a:solidFill>
+              </a14:hiddenFill>
+            </a:ext>
+            <a:ext uri="{91240B29-F687-4F45-9708-019B960494DF}">
+              <a14:hiddenLine xmlns:a14="http://schemas.microsoft.com/office/drawing/2010/main" w="9525">
+                <a:solidFill>
+                  <a:srgbClr val="000000"/>
+                </a:solidFill>
+                <a:miter lim="800000"/>
+                <a:headEnd/>
+                <a:tailEnd/>
+              </a14:hiddenLine>
+            </a:ext>
+          </a:extLst>
+        </p:spPr>
+        <p:txBody>
+          <a:bodyPr>
+            <a:spAutoFit/>
+          </a:bodyPr>
+          <a:lstStyle>
+            <a:lvl1pPr eaLnBrk="0" hangingPunct="0">
+              <a:defRPr sz="2400">
+                <a:solidFill>
+                  <a:schemeClr val="tx1"/>
+                </a:solidFill>
+                <a:latin typeface="Times New Roman" pitchFamily="18" charset="0"/>
+              </a:defRPr>
+            </a:lvl1pPr>
+            <a:lvl2pPr marL="742950" indent="-285750" eaLnBrk="0" hangingPunct="0">
+              <a:defRPr sz="2400">
+                <a:solidFill>
+                  <a:schemeClr val="tx1"/>
+                </a:solidFill>
+                <a:latin typeface="Times New Roman" pitchFamily="18" charset="0"/>
+              </a:defRPr>
+            </a:lvl2pPr>
+            <a:lvl3pPr marL="1143000" indent="-228600" eaLnBrk="0" hangingPunct="0">
+              <a:defRPr sz="2400">
+                <a:solidFill>
+                  <a:schemeClr val="tx1"/>
+                </a:solidFill>
+                <a:latin typeface="Times New Roman" pitchFamily="18" charset="0"/>
+              </a:defRPr>
+            </a:lvl3pPr>
+            <a:lvl4pPr marL="1600200" indent="-228600" eaLnBrk="0" hangingPunct="0">
+              <a:defRPr sz="2400">
+                <a:solidFill>
+                  <a:schemeClr val="tx1"/>
+                </a:solidFill>
+                <a:latin typeface="Times New Roman" pitchFamily="18" charset="0"/>
+              </a:defRPr>
+            </a:lvl4pPr>
+            <a:lvl5pPr marL="2057400" indent="-228600" eaLnBrk="0" hangingPunct="0">
+              <a:defRPr sz="2400">
+                <a:solidFill>
+                  <a:schemeClr val="tx1"/>
+                </a:solidFill>
+                <a:latin typeface="Times New Roman" pitchFamily="18" charset="0"/>
+              </a:defRPr>
+            </a:lvl5pPr>
+            <a:lvl6pPr marL="2514600" indent="-228600" eaLnBrk="0" fontAlgn="base" hangingPunct="0">
+              <a:spcBef>
+                <a:spcPct val="0"/>
+              </a:spcBef>
+              <a:spcAft>
+                <a:spcPct val="0"/>
+              </a:spcAft>
+              <a:defRPr sz="2400">
+                <a:solidFill>
+                  <a:schemeClr val="tx1"/>
+                </a:solidFill>
+                <a:latin typeface="Times New Roman" pitchFamily="18" charset="0"/>
+              </a:defRPr>
+            </a:lvl6pPr>
+            <a:lvl7pPr marL="2971800" indent="-228600" eaLnBrk="0" fontAlgn="base" hangingPunct="0">
+              <a:spcBef>
+                <a:spcPct val="0"/>
+              </a:spcBef>
+              <a:spcAft>
+                <a:spcPct val="0"/>
+              </a:spcAft>
+              <a:defRPr sz="2400">
+                <a:solidFill>
+                  <a:schemeClr val="tx1"/>
+                </a:solidFill>
+                <a:latin typeface="Times New Roman" pitchFamily="18" charset="0"/>
+              </a:defRPr>
+            </a:lvl7pPr>
+            <a:lvl8pPr marL="3429000" indent="-228600" eaLnBrk="0" fontAlgn="base" hangingPunct="0">
+              <a:spcBef>
+                <a:spcPct val="0"/>
+              </a:spcBef>
+              <a:spcAft>
+                <a:spcPct val="0"/>
+              </a:spcAft>
+              <a:defRPr sz="2400">
+                <a:solidFill>
+                  <a:schemeClr val="tx1"/>
+                </a:solidFill>
+                <a:latin typeface="Times New Roman" pitchFamily="18" charset="0"/>
+              </a:defRPr>
+            </a:lvl8pPr>
+            <a:lvl9pPr marL="3886200" indent="-228600" eaLnBrk="0" fontAlgn="base" hangingPunct="0">
+              <a:spcBef>
+                <a:spcPct val="0"/>
+              </a:spcBef>
+              <a:spcAft>
+                <a:spcPct val="0"/>
+              </a:spcAft>
+              <a:defRPr sz="2400">
+                <a:solidFill>
+                  <a:schemeClr val="tx1"/>
+                </a:solidFill>
+                <a:latin typeface="Times New Roman" pitchFamily="18" charset="0"/>
+              </a:defRPr>
+            </a:lvl9pPr>
+          </a:lstStyle>
+          <a:p>
+            <a:pPr marL="342900" indent="-342900">
+              <a:spcBef>
+                <a:spcPts val="600"/>
+              </a:spcBef>
+              <a:buFont typeface="Arial" panose="020B0604020202020204" pitchFamily="34" charset="0"/>
+              <a:buChar char="•"/>
+              <a:defRPr/>
+            </a:pPr>
+            <a:r>
+              <a:rPr lang="sr-Cyrl-RS" dirty="0" smtClean="0">
+                <a:latin typeface="Garamond" pitchFamily="18" charset="0"/>
+              </a:rPr>
+              <a:t>Објекат који представља извор за догађаје чува информације о ослушкивачима</a:t>
+            </a:r>
+          </a:p>
+          <a:p>
+            <a:pPr marL="342900" indent="-342900">
+              <a:spcBef>
+                <a:spcPts val="600"/>
+              </a:spcBef>
+              <a:buFont typeface="Arial" panose="020B0604020202020204" pitchFamily="34" charset="0"/>
+              <a:buChar char="•"/>
+              <a:defRPr/>
+            </a:pPr>
+            <a:r>
+              <a:rPr lang="sr-Cyrl-RS" dirty="0" smtClean="0">
+                <a:latin typeface="Garamond" pitchFamily="18" charset="0"/>
+              </a:rPr>
+              <a:t>Истовремено, објекат ове класе испаљује догађаје</a:t>
+            </a:r>
+          </a:p>
+          <a:p>
+            <a:pPr marL="342900" indent="-342900">
+              <a:spcBef>
+                <a:spcPts val="600"/>
+              </a:spcBef>
+              <a:buFont typeface="Arial" panose="020B0604020202020204" pitchFamily="34" charset="0"/>
+              <a:buChar char="•"/>
+              <a:defRPr/>
+            </a:pPr>
+            <a:r>
+              <a:rPr lang="sr-Cyrl-RS" dirty="0" smtClean="0">
+                <a:latin typeface="Garamond" pitchFamily="18" charset="0"/>
+              </a:rPr>
+              <a:t>У различитим оквирима за развој обично већ постоји извор за догађаје, па тада нема потребе да га програмер посебно програмира</a:t>
+            </a:r>
+            <a:endParaRPr lang="en-US" dirty="0">
+              <a:latin typeface="Garamond" pitchFamily="18" charset="0"/>
+            </a:endParaRPr>
+          </a:p>
+        </p:txBody>
+      </p:sp>
+      <p:sp>
+        <p:nvSpPr>
+          <p:cNvPr id="3" name="Title 1"/>
+          <p:cNvSpPr txBox="1">
+            <a:spLocks/>
+          </p:cNvSpPr>
+          <p:nvPr/>
+        </p:nvSpPr>
+        <p:spPr>
+          <a:xfrm>
+            <a:off x="1371600" y="549275"/>
+            <a:ext cx="7772400" cy="868363"/>
+          </a:xfrm>
+          <a:prstGeom prst="rect">
+            <a:avLst/>
+          </a:prstGeom>
+        </p:spPr>
+        <p:txBody>
+          <a:bodyPr/>
+          <a:lstStyle>
+            <a:lvl1pPr algn="l" rtl="0" eaLnBrk="0" fontAlgn="base" hangingPunct="0">
+              <a:spcBef>
+                <a:spcPct val="0"/>
+              </a:spcBef>
+              <a:spcAft>
+                <a:spcPct val="0"/>
+              </a:spcAft>
+              <a:defRPr sz="3800">
+                <a:solidFill>
+                  <a:schemeClr val="tx2"/>
+                </a:solidFill>
+                <a:latin typeface="+mj-lt"/>
+                <a:ea typeface="+mj-ea"/>
+                <a:cs typeface="+mj-cs"/>
+              </a:defRPr>
+            </a:lvl1pPr>
+            <a:lvl2pPr algn="l" rtl="0" eaLnBrk="0" fontAlgn="base" hangingPunct="0">
+              <a:spcBef>
+                <a:spcPct val="0"/>
+              </a:spcBef>
+              <a:spcAft>
+                <a:spcPct val="0"/>
+              </a:spcAft>
+              <a:defRPr sz="3800">
+                <a:solidFill>
+                  <a:schemeClr val="tx2"/>
+                </a:solidFill>
+                <a:latin typeface="Arial" charset="0"/>
+              </a:defRPr>
+            </a:lvl2pPr>
+            <a:lvl3pPr algn="l" rtl="0" eaLnBrk="0" fontAlgn="base" hangingPunct="0">
+              <a:spcBef>
+                <a:spcPct val="0"/>
+              </a:spcBef>
+              <a:spcAft>
+                <a:spcPct val="0"/>
+              </a:spcAft>
+              <a:defRPr sz="3800">
+                <a:solidFill>
+                  <a:schemeClr val="tx2"/>
+                </a:solidFill>
+                <a:latin typeface="Arial" charset="0"/>
+              </a:defRPr>
+            </a:lvl3pPr>
+            <a:lvl4pPr algn="l" rtl="0" eaLnBrk="0" fontAlgn="base" hangingPunct="0">
+              <a:spcBef>
+                <a:spcPct val="0"/>
+              </a:spcBef>
+              <a:spcAft>
+                <a:spcPct val="0"/>
+              </a:spcAft>
+              <a:defRPr sz="3800">
+                <a:solidFill>
+                  <a:schemeClr val="tx2"/>
+                </a:solidFill>
+                <a:latin typeface="Arial" charset="0"/>
+              </a:defRPr>
+            </a:lvl4pPr>
+            <a:lvl5pPr algn="l" rtl="0" eaLnBrk="0" fontAlgn="base" hangingPunct="0">
+              <a:spcBef>
+                <a:spcPct val="0"/>
+              </a:spcBef>
+              <a:spcAft>
+                <a:spcPct val="0"/>
+              </a:spcAft>
+              <a:defRPr sz="3800">
+                <a:solidFill>
+                  <a:schemeClr val="tx2"/>
+                </a:solidFill>
+                <a:latin typeface="Arial" charset="0"/>
+              </a:defRPr>
+            </a:lvl5pPr>
+            <a:lvl6pPr marL="457200" algn="l" rtl="0" fontAlgn="base">
+              <a:spcBef>
+                <a:spcPct val="0"/>
+              </a:spcBef>
+              <a:spcAft>
+                <a:spcPct val="0"/>
+              </a:spcAft>
+              <a:defRPr sz="3800">
+                <a:solidFill>
+                  <a:schemeClr val="tx2"/>
+                </a:solidFill>
+                <a:latin typeface="Arial" charset="0"/>
+              </a:defRPr>
+            </a:lvl6pPr>
+            <a:lvl7pPr marL="914400" algn="l" rtl="0" fontAlgn="base">
+              <a:spcBef>
+                <a:spcPct val="0"/>
+              </a:spcBef>
+              <a:spcAft>
+                <a:spcPct val="0"/>
+              </a:spcAft>
+              <a:defRPr sz="3800">
+                <a:solidFill>
+                  <a:schemeClr val="tx2"/>
+                </a:solidFill>
+                <a:latin typeface="Arial" charset="0"/>
+              </a:defRPr>
+            </a:lvl7pPr>
+            <a:lvl8pPr marL="1371600" algn="l" rtl="0" fontAlgn="base">
+              <a:spcBef>
+                <a:spcPct val="0"/>
+              </a:spcBef>
+              <a:spcAft>
+                <a:spcPct val="0"/>
+              </a:spcAft>
+              <a:defRPr sz="3800">
+                <a:solidFill>
+                  <a:schemeClr val="tx2"/>
+                </a:solidFill>
+                <a:latin typeface="Arial" charset="0"/>
+              </a:defRPr>
+            </a:lvl8pPr>
+            <a:lvl9pPr marL="1828800" algn="l" rtl="0" fontAlgn="base">
+              <a:spcBef>
+                <a:spcPct val="0"/>
+              </a:spcBef>
+              <a:spcAft>
+                <a:spcPct val="0"/>
+              </a:spcAft>
+              <a:defRPr sz="3800">
+                <a:solidFill>
+                  <a:schemeClr val="tx2"/>
+                </a:solidFill>
+                <a:latin typeface="Arial" charset="0"/>
+              </a:defRPr>
+            </a:lvl9pPr>
+          </a:lstStyle>
+          <a:p>
+            <a:pPr>
+              <a:defRPr/>
+            </a:pPr>
+            <a:r>
+              <a:rPr lang="sr-Cyrl-RS" sz="3600" b="1" kern="0" dirty="0" smtClean="0">
+                <a:solidFill>
+                  <a:srgbClr val="0070C0"/>
+                </a:solidFill>
+              </a:rPr>
+              <a:t>Извор за догађаје </a:t>
+            </a:r>
+            <a:endParaRPr lang="en-US" sz="3600" b="1" kern="0" dirty="0">
+              <a:solidFill>
+                <a:srgbClr val="0070C0"/>
+              </a:solidFill>
+            </a:endParaRPr>
+          </a:p>
+        </p:txBody>
+      </p:sp>
+    </p:spTree>
+    <p:extLst>
+      <p:ext uri="{BB962C8B-B14F-4D97-AF65-F5344CB8AC3E}">
+        <p14:creationId xmlns:p14="http://schemas.microsoft.com/office/powerpoint/2010/main" val="2637129046"/>
+      </p:ext>
+    </p:extLst>
+  </p:cSld>
+  <p:clrMapOvr>
+    <a:masterClrMapping/>
+  </p:clrMapOvr>
+  <p:timing>
+    <p:tnLst>
+      <p:par>
+        <p:cTn id="1" dur="indefinite" restart="never" nodeType="tmRoot">
+          <p:childTnLst>
+            <p:seq concurrent="1" nextAc="seek">
+              <p:cTn id="2" dur="indefinite" nodeType="mainSeq">
+                <p:childTnLst>
+                  <p:par>
+                    <p:cTn id="3" fill="hold">
+                      <p:stCondLst>
+                        <p:cond delay="indefinite"/>
+                      </p:stCondLst>
+                      <p:childTnLst>
+                        <p:par>
+                          <p:cTn id="4" fill="hold">
+                            <p:stCondLst>
+                              <p:cond delay="0"/>
+                            </p:stCondLst>
+                            <p:childTnLst>
+                              <p:par>
+                                <p:cTn id="5" presetID="3" presetClass="entr" presetSubtype="10" fill="hold" nodeType="clickEffect">
+                                  <p:stCondLst>
+                                    <p:cond delay="0"/>
+                                  </p:stCondLst>
+                                  <p:childTnLst>
+                                    <p:set>
+                                      <p:cBhvr>
+                                        <p:cTn id="6" dur="1" fill="hold">
+                                          <p:stCondLst>
+                                            <p:cond delay="0"/>
+                                          </p:stCondLst>
+                                        </p:cTn>
+                                        <p:tgtEl>
+                                          <p:spTgt spid="26626">
+                                            <p:txEl>
+                                              <p:pRg st="0" end="0"/>
+                                            </p:txEl>
+                                          </p:spTgt>
+                                        </p:tgtEl>
+                                        <p:attrNameLst>
+                                          <p:attrName>style.visibility</p:attrName>
+                                        </p:attrNameLst>
+                                      </p:cBhvr>
+                                      <p:to>
+                                        <p:strVal val="visible"/>
+                                      </p:to>
+                                    </p:set>
+                                    <p:animEffect transition="in" filter="blinds(horizontal)">
+                                      <p:cBhvr>
+                                        <p:cTn id="7" dur="500"/>
+                                        <p:tgtEl>
+                                          <p:spTgt spid="26626">
+                                            <p:txEl>
+                                              <p:pRg st="0" end="0"/>
+                                            </p:txEl>
+                                          </p:spTgt>
+                                        </p:tgtEl>
+                                      </p:cBhvr>
+                                    </p:animEffect>
+                                  </p:childTnLst>
+                                </p:cTn>
+                              </p:par>
+                            </p:childTnLst>
+                          </p:cTn>
+                        </p:par>
+                      </p:childTnLst>
+                    </p:cTn>
+                  </p:par>
+                  <p:par>
+                    <p:cTn id="8" fill="hold">
+                      <p:stCondLst>
+                        <p:cond delay="indefinite"/>
+                      </p:stCondLst>
+                      <p:childTnLst>
+                        <p:par>
+                          <p:cTn id="9" fill="hold">
+                            <p:stCondLst>
+                              <p:cond delay="0"/>
+                            </p:stCondLst>
+                            <p:childTnLst>
+                              <p:par>
+                                <p:cTn id="10" presetID="3" presetClass="entr" presetSubtype="10" fill="hold" nodeType="clickEffect">
+                                  <p:stCondLst>
+                                    <p:cond delay="0"/>
+                                  </p:stCondLst>
+                                  <p:childTnLst>
+                                    <p:set>
+                                      <p:cBhvr>
+                                        <p:cTn id="11" dur="1" fill="hold">
+                                          <p:stCondLst>
+                                            <p:cond delay="0"/>
+                                          </p:stCondLst>
+                                        </p:cTn>
+                                        <p:tgtEl>
+                                          <p:spTgt spid="26626">
+                                            <p:txEl>
+                                              <p:pRg st="1" end="1"/>
+                                            </p:txEl>
+                                          </p:spTgt>
+                                        </p:tgtEl>
+                                        <p:attrNameLst>
+                                          <p:attrName>style.visibility</p:attrName>
+                                        </p:attrNameLst>
+                                      </p:cBhvr>
+                                      <p:to>
+                                        <p:strVal val="visible"/>
+                                      </p:to>
+                                    </p:set>
+                                    <p:animEffect transition="in" filter="blinds(horizontal)">
+                                      <p:cBhvr>
+                                        <p:cTn id="12" dur="500"/>
+                                        <p:tgtEl>
+                                          <p:spTgt spid="26626">
+                                            <p:txEl>
+                                              <p:pRg st="1" end="1"/>
+                                            </p:txEl>
+                                          </p:spTgt>
+                                        </p:tgtEl>
+                                      </p:cBhvr>
+                                    </p:animEffect>
+                                  </p:childTnLst>
+                                </p:cTn>
+                              </p:par>
+                            </p:childTnLst>
+                          </p:cTn>
+                        </p:par>
+                      </p:childTnLst>
+                    </p:cTn>
+                  </p:par>
+                  <p:par>
+                    <p:cTn id="13" fill="hold">
+                      <p:stCondLst>
+                        <p:cond delay="indefinite"/>
+                      </p:stCondLst>
+                      <p:childTnLst>
+                        <p:par>
+                          <p:cTn id="14" fill="hold">
+                            <p:stCondLst>
+                              <p:cond delay="0"/>
+                            </p:stCondLst>
+                            <p:childTnLst>
+                              <p:par>
+                                <p:cTn id="15" presetID="3" presetClass="entr" presetSubtype="10" fill="hold" nodeType="clickEffect">
+                                  <p:stCondLst>
+                                    <p:cond delay="0"/>
+                                  </p:stCondLst>
+                                  <p:childTnLst>
+                                    <p:set>
+                                      <p:cBhvr>
+                                        <p:cTn id="16" dur="1" fill="hold">
+                                          <p:stCondLst>
+                                            <p:cond delay="0"/>
+                                          </p:stCondLst>
+                                        </p:cTn>
+                                        <p:tgtEl>
+                                          <p:spTgt spid="26626">
+                                            <p:txEl>
+                                              <p:pRg st="2" end="2"/>
+                                            </p:txEl>
+                                          </p:spTgt>
+                                        </p:tgtEl>
+                                        <p:attrNameLst>
+                                          <p:attrName>style.visibility</p:attrName>
+                                        </p:attrNameLst>
+                                      </p:cBhvr>
+                                      <p:to>
+                                        <p:strVal val="visible"/>
+                                      </p:to>
+                                    </p:set>
+                                    <p:animEffect transition="in" filter="blinds(horizontal)">
+                                      <p:cBhvr>
+                                        <p:cTn id="17" dur="500"/>
+                                        <p:tgtEl>
+                                          <p:spTgt spid="26626">
+                                            <p:txEl>
+                                              <p:pRg st="2" end="2"/>
+                                            </p:txEl>
+                                          </p:spTgt>
+                                        </p:tgtEl>
+                                      </p:cBhvr>
+                                    </p:animEffect>
+                                  </p:childTnLst>
+                                </p:cTn>
+                              </p:par>
+                            </p:childTnLst>
+                          </p:cTn>
+                        </p:par>
+                      </p:childTnLst>
+                    </p:cTn>
+                  </p:par>
+                </p:childTnLst>
+              </p:cTn>
+              <p:prevCondLst>
+                <p:cond evt="onPrev" delay="0">
+                  <p:tgtEl>
+                    <p:sldTgt/>
+                  </p:tgtEl>
+                </p:cond>
+              </p:prevCondLst>
+              <p:nextCondLst>
+                <p:cond evt="onNext" delay="0">
+                  <p:tgtEl>
+                    <p:sldTgt/>
+                  </p:tgtEl>
+                </p:cond>
+              </p:nextCondLst>
+            </p:seq>
+          </p:childTnLst>
+        </p:cTn>
+      </p:par>
+    </p:tnLst>
+  </p:timing>
+</p:sld>
+</file>
+
+<file path=ppt/slides/slide34.xml><?xml version="1.0" encoding="utf-8"?>
+<p:sld xmlns:a="http://schemas.openxmlformats.org/drawingml/2006/main" xmlns:r="http://schemas.openxmlformats.org/officeDocument/2006/relationships" xmlns:p="http://schemas.openxmlformats.org/presentationml/2006/main">
+  <p:cSld>
+    <p:spTree>
+      <p:nvGrpSpPr>
+        <p:cNvPr id="1" name=""/>
+        <p:cNvGrpSpPr/>
+        <p:nvPr/>
+      </p:nvGrpSpPr>
+      <p:grpSpPr>
+        <a:xfrm>
+          <a:off x="0" y="0"/>
+          <a:ext cx="0" cy="0"/>
+          <a:chOff x="0" y="0"/>
+          <a:chExt cx="0" cy="0"/>
+        </a:xfrm>
+      </p:grpSpPr>
+      <p:sp>
+        <p:nvSpPr>
+          <p:cNvPr id="26626" name="Text Box 2"/>
+          <p:cNvSpPr txBox="1">
+            <a:spLocks noChangeArrowheads="1"/>
+          </p:cNvSpPr>
+          <p:nvPr/>
+        </p:nvSpPr>
+        <p:spPr bwMode="auto">
+          <a:xfrm>
+            <a:off x="539750" y="1416050"/>
+            <a:ext cx="8451850" cy="3123932"/>
+          </a:xfrm>
+          <a:prstGeom prst="rect">
+            <a:avLst/>
+          </a:prstGeom>
+          <a:noFill/>
+          <a:ln>
+            <a:noFill/>
+          </a:ln>
+          <a:extLst>
+            <a:ext uri="{909E8E84-426E-40DD-AFC4-6F175D3DCCD1}">
+              <a14:hiddenFill xmlns:a14="http://schemas.microsoft.com/office/drawing/2010/main">
+                <a:solidFill>
+                  <a:srgbClr val="FFFFFF"/>
+                </a:solidFill>
+              </a14:hiddenFill>
+            </a:ext>
+            <a:ext uri="{91240B29-F687-4F45-9708-019B960494DF}">
+              <a14:hiddenLine xmlns:a14="http://schemas.microsoft.com/office/drawing/2010/main" w="9525">
+                <a:solidFill>
+                  <a:srgbClr val="000000"/>
+                </a:solidFill>
+                <a:miter lim="800000"/>
+                <a:headEnd/>
+                <a:tailEnd/>
+              </a14:hiddenLine>
+            </a:ext>
+          </a:extLst>
+        </p:spPr>
+        <p:txBody>
+          <a:bodyPr>
+            <a:spAutoFit/>
+          </a:bodyPr>
+          <a:lstStyle>
+            <a:lvl1pPr eaLnBrk="0" hangingPunct="0">
+              <a:defRPr sz="2400">
+                <a:solidFill>
+                  <a:schemeClr val="tx1"/>
+                </a:solidFill>
+                <a:latin typeface="Times New Roman" pitchFamily="18" charset="0"/>
+              </a:defRPr>
+            </a:lvl1pPr>
+            <a:lvl2pPr marL="742950" indent="-285750" eaLnBrk="0" hangingPunct="0">
+              <a:defRPr sz="2400">
+                <a:solidFill>
+                  <a:schemeClr val="tx1"/>
+                </a:solidFill>
+                <a:latin typeface="Times New Roman" pitchFamily="18" charset="0"/>
+              </a:defRPr>
+            </a:lvl2pPr>
+            <a:lvl3pPr marL="1143000" indent="-228600" eaLnBrk="0" hangingPunct="0">
+              <a:defRPr sz="2400">
+                <a:solidFill>
+                  <a:schemeClr val="tx1"/>
+                </a:solidFill>
+                <a:latin typeface="Times New Roman" pitchFamily="18" charset="0"/>
+              </a:defRPr>
+            </a:lvl3pPr>
+            <a:lvl4pPr marL="1600200" indent="-228600" eaLnBrk="0" hangingPunct="0">
+              <a:defRPr sz="2400">
+                <a:solidFill>
+                  <a:schemeClr val="tx1"/>
+                </a:solidFill>
+                <a:latin typeface="Times New Roman" pitchFamily="18" charset="0"/>
+              </a:defRPr>
+            </a:lvl4pPr>
+            <a:lvl5pPr marL="2057400" indent="-228600" eaLnBrk="0" hangingPunct="0">
+              <a:defRPr sz="2400">
+                <a:solidFill>
+                  <a:schemeClr val="tx1"/>
+                </a:solidFill>
+                <a:latin typeface="Times New Roman" pitchFamily="18" charset="0"/>
+              </a:defRPr>
+            </a:lvl5pPr>
+            <a:lvl6pPr marL="2514600" indent="-228600" eaLnBrk="0" fontAlgn="base" hangingPunct="0">
+              <a:spcBef>
+                <a:spcPct val="0"/>
+              </a:spcBef>
+              <a:spcAft>
+                <a:spcPct val="0"/>
+              </a:spcAft>
+              <a:defRPr sz="2400">
+                <a:solidFill>
+                  <a:schemeClr val="tx1"/>
+                </a:solidFill>
+                <a:latin typeface="Times New Roman" pitchFamily="18" charset="0"/>
+              </a:defRPr>
+            </a:lvl6pPr>
+            <a:lvl7pPr marL="2971800" indent="-228600" eaLnBrk="0" fontAlgn="base" hangingPunct="0">
+              <a:spcBef>
+                <a:spcPct val="0"/>
+              </a:spcBef>
+              <a:spcAft>
+                <a:spcPct val="0"/>
+              </a:spcAft>
+              <a:defRPr sz="2400">
+                <a:solidFill>
+                  <a:schemeClr val="tx1"/>
+                </a:solidFill>
+                <a:latin typeface="Times New Roman" pitchFamily="18" charset="0"/>
+              </a:defRPr>
+            </a:lvl7pPr>
+            <a:lvl8pPr marL="3429000" indent="-228600" eaLnBrk="0" fontAlgn="base" hangingPunct="0">
+              <a:spcBef>
+                <a:spcPct val="0"/>
+              </a:spcBef>
+              <a:spcAft>
+                <a:spcPct val="0"/>
+              </a:spcAft>
+              <a:defRPr sz="2400">
+                <a:solidFill>
+                  <a:schemeClr val="tx1"/>
+                </a:solidFill>
+                <a:latin typeface="Times New Roman" pitchFamily="18" charset="0"/>
+              </a:defRPr>
+            </a:lvl8pPr>
+            <a:lvl9pPr marL="3886200" indent="-228600" eaLnBrk="0" fontAlgn="base" hangingPunct="0">
+              <a:spcBef>
+                <a:spcPct val="0"/>
+              </a:spcBef>
+              <a:spcAft>
+                <a:spcPct val="0"/>
+              </a:spcAft>
+              <a:defRPr sz="2400">
+                <a:solidFill>
+                  <a:schemeClr val="tx1"/>
+                </a:solidFill>
+                <a:latin typeface="Times New Roman" pitchFamily="18" charset="0"/>
+              </a:defRPr>
+            </a:lvl9pPr>
+          </a:lstStyle>
+          <a:p>
+            <a:pPr marL="342900" indent="-342900">
+              <a:spcBef>
+                <a:spcPts val="600"/>
+              </a:spcBef>
+              <a:buFont typeface="Arial" panose="020B0604020202020204" pitchFamily="34" charset="0"/>
+              <a:buChar char="•"/>
+              <a:defRPr/>
+            </a:pPr>
+            <a:r>
+              <a:rPr lang="sr-Cyrl-RS" dirty="0" smtClean="0">
+                <a:latin typeface="Garamond" pitchFamily="18" charset="0"/>
+              </a:rPr>
+              <a:t>Објекат који представља ослушкивач догађаја, у методи која имплементира интерфејс изведен из интерфејса </a:t>
+            </a:r>
+            <a:r>
+              <a:rPr lang="en-US" sz="2000" dirty="0" err="1">
+                <a:latin typeface="+mn-lt"/>
+              </a:rPr>
+              <a:t>EventListener</a:t>
+            </a:r>
+            <a:r>
+              <a:rPr lang="sr-Cyrl-RS" dirty="0" smtClean="0">
+                <a:latin typeface="Garamond" pitchFamily="18" charset="0"/>
+              </a:rPr>
+              <a:t> специфицира шта ће се урадити када догађај буде испаљен – наравно под претпоставком да је објекат ослушкивач догађаја већ регистрован за слушање датог догађаја</a:t>
+            </a:r>
+          </a:p>
+          <a:p>
+            <a:pPr marL="1085850" lvl="1" indent="-342900">
+              <a:spcBef>
+                <a:spcPts val="600"/>
+              </a:spcBef>
+              <a:buFont typeface="Arial" panose="020B0604020202020204" pitchFamily="34" charset="0"/>
+              <a:buChar char="•"/>
+              <a:defRPr/>
+            </a:pPr>
+            <a:r>
+              <a:rPr lang="sr-Cyrl-RS" dirty="0" smtClean="0">
+                <a:latin typeface="Garamond" pitchFamily="18" charset="0"/>
+              </a:rPr>
+              <a:t>Метод ослушкивача који се реализује приликом испаљивања догађаја обично има један параметар – догађај који је испаљен</a:t>
+            </a:r>
+          </a:p>
+        </p:txBody>
+      </p:sp>
+      <p:sp>
+        <p:nvSpPr>
+          <p:cNvPr id="3" name="Title 1"/>
+          <p:cNvSpPr txBox="1">
+            <a:spLocks/>
+          </p:cNvSpPr>
+          <p:nvPr/>
+        </p:nvSpPr>
+        <p:spPr>
+          <a:xfrm>
+            <a:off x="1371600" y="549275"/>
+            <a:ext cx="7772400" cy="868363"/>
+          </a:xfrm>
+          <a:prstGeom prst="rect">
+            <a:avLst/>
+          </a:prstGeom>
+        </p:spPr>
+        <p:txBody>
+          <a:bodyPr/>
+          <a:lstStyle>
+            <a:lvl1pPr algn="l" rtl="0" eaLnBrk="0" fontAlgn="base" hangingPunct="0">
+              <a:spcBef>
+                <a:spcPct val="0"/>
+              </a:spcBef>
+              <a:spcAft>
+                <a:spcPct val="0"/>
+              </a:spcAft>
+              <a:defRPr sz="3800">
+                <a:solidFill>
+                  <a:schemeClr val="tx2"/>
+                </a:solidFill>
+                <a:latin typeface="+mj-lt"/>
+                <a:ea typeface="+mj-ea"/>
+                <a:cs typeface="+mj-cs"/>
+              </a:defRPr>
+            </a:lvl1pPr>
+            <a:lvl2pPr algn="l" rtl="0" eaLnBrk="0" fontAlgn="base" hangingPunct="0">
+              <a:spcBef>
+                <a:spcPct val="0"/>
+              </a:spcBef>
+              <a:spcAft>
+                <a:spcPct val="0"/>
+              </a:spcAft>
+              <a:defRPr sz="3800">
+                <a:solidFill>
+                  <a:schemeClr val="tx2"/>
+                </a:solidFill>
+                <a:latin typeface="Arial" charset="0"/>
+              </a:defRPr>
+            </a:lvl2pPr>
+            <a:lvl3pPr algn="l" rtl="0" eaLnBrk="0" fontAlgn="base" hangingPunct="0">
+              <a:spcBef>
+                <a:spcPct val="0"/>
+              </a:spcBef>
+              <a:spcAft>
+                <a:spcPct val="0"/>
+              </a:spcAft>
+              <a:defRPr sz="3800">
+                <a:solidFill>
+                  <a:schemeClr val="tx2"/>
+                </a:solidFill>
+                <a:latin typeface="Arial" charset="0"/>
+              </a:defRPr>
+            </a:lvl3pPr>
+            <a:lvl4pPr algn="l" rtl="0" eaLnBrk="0" fontAlgn="base" hangingPunct="0">
+              <a:spcBef>
+                <a:spcPct val="0"/>
+              </a:spcBef>
+              <a:spcAft>
+                <a:spcPct val="0"/>
+              </a:spcAft>
+              <a:defRPr sz="3800">
+                <a:solidFill>
+                  <a:schemeClr val="tx2"/>
+                </a:solidFill>
+                <a:latin typeface="Arial" charset="0"/>
+              </a:defRPr>
+            </a:lvl4pPr>
+            <a:lvl5pPr algn="l" rtl="0" eaLnBrk="0" fontAlgn="base" hangingPunct="0">
+              <a:spcBef>
+                <a:spcPct val="0"/>
+              </a:spcBef>
+              <a:spcAft>
+                <a:spcPct val="0"/>
+              </a:spcAft>
+              <a:defRPr sz="3800">
+                <a:solidFill>
+                  <a:schemeClr val="tx2"/>
+                </a:solidFill>
+                <a:latin typeface="Arial" charset="0"/>
+              </a:defRPr>
+            </a:lvl5pPr>
+            <a:lvl6pPr marL="457200" algn="l" rtl="0" fontAlgn="base">
+              <a:spcBef>
+                <a:spcPct val="0"/>
+              </a:spcBef>
+              <a:spcAft>
+                <a:spcPct val="0"/>
+              </a:spcAft>
+              <a:defRPr sz="3800">
+                <a:solidFill>
+                  <a:schemeClr val="tx2"/>
+                </a:solidFill>
+                <a:latin typeface="Arial" charset="0"/>
+              </a:defRPr>
+            </a:lvl6pPr>
+            <a:lvl7pPr marL="914400" algn="l" rtl="0" fontAlgn="base">
+              <a:spcBef>
+                <a:spcPct val="0"/>
+              </a:spcBef>
+              <a:spcAft>
+                <a:spcPct val="0"/>
+              </a:spcAft>
+              <a:defRPr sz="3800">
+                <a:solidFill>
+                  <a:schemeClr val="tx2"/>
+                </a:solidFill>
+                <a:latin typeface="Arial" charset="0"/>
+              </a:defRPr>
+            </a:lvl7pPr>
+            <a:lvl8pPr marL="1371600" algn="l" rtl="0" fontAlgn="base">
+              <a:spcBef>
+                <a:spcPct val="0"/>
+              </a:spcBef>
+              <a:spcAft>
+                <a:spcPct val="0"/>
+              </a:spcAft>
+              <a:defRPr sz="3800">
+                <a:solidFill>
+                  <a:schemeClr val="tx2"/>
+                </a:solidFill>
+                <a:latin typeface="Arial" charset="0"/>
+              </a:defRPr>
+            </a:lvl8pPr>
+            <a:lvl9pPr marL="1828800" algn="l" rtl="0" fontAlgn="base">
+              <a:spcBef>
+                <a:spcPct val="0"/>
+              </a:spcBef>
+              <a:spcAft>
+                <a:spcPct val="0"/>
+              </a:spcAft>
+              <a:defRPr sz="3800">
+                <a:solidFill>
+                  <a:schemeClr val="tx2"/>
+                </a:solidFill>
+                <a:latin typeface="Arial" charset="0"/>
+              </a:defRPr>
+            </a:lvl9pPr>
+          </a:lstStyle>
+          <a:p>
+            <a:pPr>
+              <a:defRPr/>
+            </a:pPr>
+            <a:r>
+              <a:rPr lang="sr-Cyrl-RS" sz="3600" b="1" kern="0" dirty="0" smtClean="0">
+                <a:solidFill>
+                  <a:srgbClr val="0070C0"/>
+                </a:solidFill>
+              </a:rPr>
+              <a:t>Ослушкивач догађаја </a:t>
+            </a:r>
+            <a:endParaRPr lang="en-US" sz="3600" b="1" kern="0" dirty="0">
+              <a:solidFill>
+                <a:srgbClr val="0070C0"/>
+              </a:solidFill>
+            </a:endParaRPr>
+          </a:p>
+        </p:txBody>
+      </p:sp>
+    </p:spTree>
+    <p:extLst>
+      <p:ext uri="{BB962C8B-B14F-4D97-AF65-F5344CB8AC3E}">
+        <p14:creationId xmlns:p14="http://schemas.microsoft.com/office/powerpoint/2010/main" val="1149876621"/>
+      </p:ext>
+    </p:extLst>
+  </p:cSld>
+  <p:clrMapOvr>
+    <a:masterClrMapping/>
+  </p:clrMapOvr>
+  <p:timing>
+    <p:tnLst>
+      <p:par>
+        <p:cTn id="1" dur="indefinite" restart="never" nodeType="tmRoot">
+          <p:childTnLst>
+            <p:seq concurrent="1" nextAc="seek">
+              <p:cTn id="2" dur="indefinite" nodeType="mainSeq">
+                <p:childTnLst>
+                  <p:par>
+                    <p:cTn id="3" fill="hold">
+                      <p:stCondLst>
+                        <p:cond delay="indefinite"/>
+                      </p:stCondLst>
+                      <p:childTnLst>
+                        <p:par>
+                          <p:cTn id="4" fill="hold">
+                            <p:stCondLst>
+                              <p:cond delay="0"/>
+                            </p:stCondLst>
+                            <p:childTnLst>
+                              <p:par>
+                                <p:cTn id="5" presetID="3" presetClass="entr" presetSubtype="10" fill="hold" nodeType="clickEffect">
+                                  <p:stCondLst>
+                                    <p:cond delay="0"/>
+                                  </p:stCondLst>
+                                  <p:childTnLst>
+                                    <p:set>
+                                      <p:cBhvr>
+                                        <p:cTn id="6" dur="1" fill="hold">
+                                          <p:stCondLst>
+                                            <p:cond delay="0"/>
+                                          </p:stCondLst>
+                                        </p:cTn>
+                                        <p:tgtEl>
+                                          <p:spTgt spid="26626">
+                                            <p:txEl>
+                                              <p:pRg st="0" end="0"/>
+                                            </p:txEl>
+                                          </p:spTgt>
+                                        </p:tgtEl>
+                                        <p:attrNameLst>
+                                          <p:attrName>style.visibility</p:attrName>
+                                        </p:attrNameLst>
+                                      </p:cBhvr>
+                                      <p:to>
+                                        <p:strVal val="visible"/>
+                                      </p:to>
+                                    </p:set>
+                                    <p:animEffect transition="in" filter="blinds(horizontal)">
+                                      <p:cBhvr>
+                                        <p:cTn id="7" dur="500"/>
+                                        <p:tgtEl>
+                                          <p:spTgt spid="26626">
+                                            <p:txEl>
+                                              <p:pRg st="0" end="0"/>
+                                            </p:txEl>
+                                          </p:spTgt>
+                                        </p:tgtEl>
+                                      </p:cBhvr>
+                                    </p:animEffect>
+                                  </p:childTnLst>
+                                </p:cTn>
+                              </p:par>
+                              <p:par>
+                                <p:cTn id="8" presetID="3" presetClass="entr" presetSubtype="10" fill="hold" nodeType="withEffect">
+                                  <p:stCondLst>
+                                    <p:cond delay="0"/>
+                                  </p:stCondLst>
+                                  <p:childTnLst>
+                                    <p:set>
+                                      <p:cBhvr>
+                                        <p:cTn id="9" dur="1" fill="hold">
+                                          <p:stCondLst>
+                                            <p:cond delay="0"/>
+                                          </p:stCondLst>
+                                        </p:cTn>
+                                        <p:tgtEl>
+                                          <p:spTgt spid="26626">
+                                            <p:txEl>
+                                              <p:pRg st="1" end="1"/>
+                                            </p:txEl>
+                                          </p:spTgt>
+                                        </p:tgtEl>
+                                        <p:attrNameLst>
+                                          <p:attrName>style.visibility</p:attrName>
+                                        </p:attrNameLst>
+                                      </p:cBhvr>
+                                      <p:to>
+                                        <p:strVal val="visible"/>
+                                      </p:to>
+                                    </p:set>
+                                    <p:animEffect transition="in" filter="blinds(horizontal)">
+                                      <p:cBhvr>
+                                        <p:cTn id="10" dur="500"/>
+                                        <p:tgtEl>
+                                          <p:spTgt spid="26626">
+                                            <p:txEl>
+                                              <p:pRg st="1" end="1"/>
+                                            </p:txEl>
+                                          </p:spTgt>
+                                        </p:tgtEl>
+                                      </p:cBhvr>
+                                    </p:animEffect>
+                                  </p:childTnLst>
+                                </p:cTn>
+                              </p:par>
+                            </p:childTnLst>
+                          </p:cTn>
+                        </p:par>
+                      </p:childTnLst>
+                    </p:cTn>
+                  </p:par>
+                </p:childTnLst>
+              </p:cTn>
+              <p:prevCondLst>
+                <p:cond evt="onPrev" delay="0">
+                  <p:tgtEl>
+                    <p:sldTgt/>
+                  </p:tgtEl>
+                </p:cond>
+              </p:prevCondLst>
+              <p:nextCondLst>
+                <p:cond evt="onNext" delay="0">
+                  <p:tgtEl>
+                    <p:sldTgt/>
+                  </p:tgtEl>
+                </p:cond>
+              </p:nextCondLst>
+            </p:seq>
+          </p:childTnLst>
+        </p:cTn>
+      </p:par>
+    </p:tnLst>
+  </p:timing>
+</p:sld>
+</file>
+
+<file path=ppt/slides/slide35.xml><?xml version="1.0" encoding="utf-8"?>
+<p:sld xmlns:a="http://schemas.openxmlformats.org/drawingml/2006/main" xmlns:r="http://schemas.openxmlformats.org/officeDocument/2006/relationships" xmlns:p="http://schemas.openxmlformats.org/presentationml/2006/main">
+  <p:cSld>
+    <p:spTree>
+      <p:nvGrpSpPr>
+        <p:cNvPr id="1" name=""/>
+        <p:cNvGrpSpPr/>
+        <p:nvPr/>
+      </p:nvGrpSpPr>
+      <p:grpSpPr>
+        <a:xfrm>
+          <a:off x="0" y="0"/>
+          <a:ext cx="0" cy="0"/>
+          <a:chOff x="0" y="0"/>
+          <a:chExt cx="0" cy="0"/>
+        </a:xfrm>
+      </p:grpSpPr>
+      <p:sp>
+        <p:nvSpPr>
+          <p:cNvPr id="28674" name="Rectangle 2"/>
+          <p:cNvSpPr>
+            <a:spLocks noGrp="1" noChangeArrowheads="1"/>
+          </p:cNvSpPr>
+          <p:nvPr>
+            <p:ph type="title" idx="4294967295"/>
+          </p:nvPr>
+        </p:nvSpPr>
+        <p:spPr>
+          <a:xfrm>
+            <a:off x="3311525" y="427038"/>
+            <a:ext cx="5832475" cy="914400"/>
+          </a:xfrm>
+        </p:spPr>
+        <p:txBody>
+          <a:bodyPr/>
+          <a:lstStyle/>
+          <a:p>
+            <a:pPr eaLnBrk="1" hangingPunct="1"/>
+            <a:r>
+              <a:rPr lang="sr-Cyrl-RS" altLang="en-US" smtClean="0">
+                <a:solidFill>
+                  <a:srgbClr val="3366FF"/>
+                </a:solidFill>
+              </a:rPr>
+              <a:t>Захвалница</a:t>
+            </a:r>
+            <a:endParaRPr lang="sr-Latn-CS" altLang="en-US" smtClean="0">
+              <a:solidFill>
+                <a:srgbClr val="3366FF"/>
+              </a:solidFill>
+            </a:endParaRPr>
+          </a:p>
+        </p:txBody>
+      </p:sp>
+      <p:sp>
+        <p:nvSpPr>
+          <p:cNvPr id="8197" name="Text Box 3"/>
+          <p:cNvSpPr txBox="1">
+            <a:spLocks noChangeArrowheads="1"/>
+          </p:cNvSpPr>
+          <p:nvPr/>
+        </p:nvSpPr>
+        <p:spPr bwMode="auto">
+          <a:xfrm>
+            <a:off x="304800" y="1628775"/>
+            <a:ext cx="8610600" cy="3452813"/>
+          </a:xfrm>
+          <a:prstGeom prst="rect">
+            <a:avLst/>
+          </a:prstGeom>
+          <a:noFill/>
+          <a:ln>
+            <a:noFill/>
+          </a:ln>
+          <a:extLst>
+            <a:ext uri="{909E8E84-426E-40DD-AFC4-6F175D3DCCD1}">
+              <a14:hiddenFill xmlns:a14="http://schemas.microsoft.com/office/drawing/2010/main">
+                <a:solidFill>
+                  <a:srgbClr val="FFFFFF"/>
+                </a:solidFill>
+              </a14:hiddenFill>
+            </a:ext>
+            <a:ext uri="{91240B29-F687-4F45-9708-019B960494DF}">
+              <a14:hiddenLine xmlns:a14="http://schemas.microsoft.com/office/drawing/2010/main" w="9525">
+                <a:solidFill>
+                  <a:srgbClr val="000000"/>
+                </a:solidFill>
+                <a:miter lim="800000"/>
+                <a:headEnd/>
+                <a:tailEnd/>
+              </a14:hiddenLine>
+            </a:ext>
+          </a:extLst>
+        </p:spPr>
+        <p:txBody>
+          <a:bodyPr>
+            <a:spAutoFit/>
+          </a:bodyPr>
+          <a:lstStyle>
+            <a:lvl1pPr eaLnBrk="0" hangingPunct="0">
+              <a:spcBef>
+                <a:spcPct val="20000"/>
+              </a:spcBef>
+              <a:buClr>
+                <a:schemeClr val="accent1"/>
+              </a:buClr>
+              <a:buFont typeface="Wingdings" panose="05000000000000000000" pitchFamily="2" charset="2"/>
+              <a:buChar char="l"/>
+              <a:defRPr sz="3200">
+                <a:solidFill>
+                  <a:schemeClr val="tx1"/>
+                </a:solidFill>
+                <a:latin typeface="Arial" panose="020B0604020202020204" pitchFamily="34" charset="0"/>
+              </a:defRPr>
+            </a:lvl1pPr>
+            <a:lvl2pPr marL="742950" indent="-285750" eaLnBrk="0" hangingPunct="0">
+              <a:spcBef>
+                <a:spcPct val="20000"/>
+              </a:spcBef>
+              <a:buClr>
+                <a:schemeClr val="accent1"/>
+              </a:buClr>
+              <a:buFont typeface="Wingdings" panose="05000000000000000000" pitchFamily="2" charset="2"/>
+              <a:buChar char="¡"/>
+              <a:defRPr sz="2700">
+                <a:solidFill>
+                  <a:schemeClr val="tx1"/>
+                </a:solidFill>
+                <a:latin typeface="Arial" panose="020B0604020202020204" pitchFamily="34" charset="0"/>
+              </a:defRPr>
+            </a:lvl2pPr>
+            <a:lvl3pPr marL="1143000" indent="-228600" eaLnBrk="0" hangingPunct="0">
+              <a:spcBef>
+                <a:spcPct val="20000"/>
+              </a:spcBef>
+              <a:buClr>
+                <a:schemeClr val="accent1"/>
+              </a:buClr>
+              <a:buFont typeface="Wingdings" panose="05000000000000000000" pitchFamily="2" charset="2"/>
+              <a:buChar char="l"/>
+              <a:defRPr sz="2300">
+                <a:solidFill>
+                  <a:schemeClr val="tx1"/>
+                </a:solidFill>
+                <a:latin typeface="Arial" panose="020B0604020202020204" pitchFamily="34" charset="0"/>
+              </a:defRPr>
+            </a:lvl3pPr>
+            <a:lvl4pPr marL="1600200" indent="-228600" eaLnBrk="0" hangingPunct="0">
+              <a:spcBef>
+                <a:spcPct val="20000"/>
+              </a:spcBef>
+              <a:buClr>
+                <a:schemeClr val="accent1"/>
+              </a:buClr>
+              <a:buChar char="•"/>
+              <a:defRPr sz="2000">
+                <a:solidFill>
+                  <a:schemeClr val="tx1"/>
+                </a:solidFill>
+                <a:latin typeface="Arial" panose="020B0604020202020204" pitchFamily="34" charset="0"/>
+              </a:defRPr>
+            </a:lvl4pPr>
+            <a:lvl5pPr marL="2057400" indent="-228600" eaLnBrk="0" hangingPunct="0">
+              <a:spcBef>
+                <a:spcPct val="20000"/>
+              </a:spcBef>
+              <a:buClr>
+                <a:schemeClr val="accent1"/>
+              </a:buClr>
+              <a:buFont typeface="Wingdings" panose="05000000000000000000" pitchFamily="2" charset="2"/>
+              <a:buChar char=""/>
+              <a:defRPr sz="2000">
+                <a:solidFill>
+                  <a:schemeClr val="tx1"/>
+                </a:solidFill>
+                <a:latin typeface="Arial" panose="020B0604020202020204" pitchFamily="34" charset="0"/>
+              </a:defRPr>
+            </a:lvl5pPr>
+            <a:lvl6pPr marL="2514600" indent="-228600" eaLnBrk="0" fontAlgn="base" hangingPunct="0">
+              <a:spcBef>
+                <a:spcPct val="20000"/>
+              </a:spcBef>
+              <a:spcAft>
+                <a:spcPct val="0"/>
+              </a:spcAft>
+              <a:buClr>
+                <a:schemeClr val="accent1"/>
+              </a:buClr>
+              <a:buFont typeface="Wingdings" panose="05000000000000000000" pitchFamily="2" charset="2"/>
+              <a:buChar char=""/>
+              <a:defRPr sz="2000">
+                <a:solidFill>
+                  <a:schemeClr val="tx1"/>
+                </a:solidFill>
+                <a:latin typeface="Arial" panose="020B0604020202020204" pitchFamily="34" charset="0"/>
+              </a:defRPr>
+            </a:lvl6pPr>
+            <a:lvl7pPr marL="2971800" indent="-228600" eaLnBrk="0" fontAlgn="base" hangingPunct="0">
+              <a:spcBef>
+                <a:spcPct val="20000"/>
+              </a:spcBef>
+              <a:spcAft>
+                <a:spcPct val="0"/>
+              </a:spcAft>
+              <a:buClr>
+                <a:schemeClr val="accent1"/>
+              </a:buClr>
+              <a:buFont typeface="Wingdings" panose="05000000000000000000" pitchFamily="2" charset="2"/>
+              <a:buChar char=""/>
+              <a:defRPr sz="2000">
+                <a:solidFill>
+                  <a:schemeClr val="tx1"/>
+                </a:solidFill>
+                <a:latin typeface="Arial" panose="020B0604020202020204" pitchFamily="34" charset="0"/>
+              </a:defRPr>
+            </a:lvl7pPr>
+            <a:lvl8pPr marL="3429000" indent="-228600" eaLnBrk="0" fontAlgn="base" hangingPunct="0">
+              <a:spcBef>
+                <a:spcPct val="20000"/>
+              </a:spcBef>
+              <a:spcAft>
+                <a:spcPct val="0"/>
+              </a:spcAft>
+              <a:buClr>
+                <a:schemeClr val="accent1"/>
+              </a:buClr>
+              <a:buFont typeface="Wingdings" panose="05000000000000000000" pitchFamily="2" charset="2"/>
+              <a:buChar char=""/>
+              <a:defRPr sz="2000">
+                <a:solidFill>
+                  <a:schemeClr val="tx1"/>
+                </a:solidFill>
+                <a:latin typeface="Arial" panose="020B0604020202020204" pitchFamily="34" charset="0"/>
+              </a:defRPr>
+            </a:lvl8pPr>
+            <a:lvl9pPr marL="3886200" indent="-228600" eaLnBrk="0" fontAlgn="base" hangingPunct="0">
+              <a:spcBef>
+                <a:spcPct val="20000"/>
+              </a:spcBef>
+              <a:spcAft>
+                <a:spcPct val="0"/>
+              </a:spcAft>
+              <a:buClr>
+                <a:schemeClr val="accent1"/>
+              </a:buClr>
+              <a:buFont typeface="Wingdings" panose="05000000000000000000" pitchFamily="2" charset="2"/>
+              <a:buChar char=""/>
+              <a:defRPr sz="2000">
+                <a:solidFill>
+                  <a:schemeClr val="tx1"/>
+                </a:solidFill>
+                <a:latin typeface="Arial" panose="020B0604020202020204" pitchFamily="34" charset="0"/>
+              </a:defRPr>
+            </a:lvl9pPr>
+          </a:lstStyle>
+          <a:p>
+            <a:pPr eaLnBrk="1" hangingPunct="1">
+              <a:buClrTx/>
+              <a:buFontTx/>
+              <a:buNone/>
+            </a:pPr>
+            <a:r>
+              <a:rPr lang="sr-Cyrl-RS" altLang="en-US" sz="2600">
+                <a:solidFill>
+                  <a:srgbClr val="000073"/>
+                </a:solidFill>
+                <a:latin typeface="Garamond" panose="02020404030301010803" pitchFamily="18" charset="0"/>
+              </a:rPr>
+              <a:t>Велики део материјала који је укључен у ову презентацију је преузет из презентације коју је раније (у време када је он држао курс Објектно орјентисано програмирање) направио проф. др Душан Тошић.</a:t>
+            </a:r>
+          </a:p>
+          <a:p>
+            <a:pPr eaLnBrk="1" hangingPunct="1">
+              <a:buClrTx/>
+              <a:buFontTx/>
+              <a:buNone/>
+            </a:pPr>
+            <a:endParaRPr lang="sr-Cyrl-RS" altLang="en-US" sz="2600">
+              <a:solidFill>
+                <a:srgbClr val="000073"/>
+              </a:solidFill>
+              <a:latin typeface="Garamond" panose="02020404030301010803" pitchFamily="18" charset="0"/>
+            </a:endParaRPr>
+          </a:p>
+          <a:p>
+            <a:pPr eaLnBrk="1" hangingPunct="1">
+              <a:buClrTx/>
+              <a:buFontTx/>
+              <a:buNone/>
+            </a:pPr>
+            <a:r>
+              <a:rPr lang="sr-Cyrl-RS" altLang="en-US" sz="2600">
+                <a:solidFill>
+                  <a:srgbClr val="000073"/>
+                </a:solidFill>
+                <a:latin typeface="Garamond" panose="02020404030301010803" pitchFamily="18" charset="0"/>
+              </a:rPr>
+              <a:t>Хвала проф. Тошићу што се сагласио са укључивањем тог материјала у садашњу презентацији, као и на помоћи коју ми је пружио током конципцирања и реализације курса. </a:t>
+            </a:r>
+            <a:endParaRPr lang="sr-Latn-CS" altLang="en-US" sz="2600">
+              <a:solidFill>
+                <a:srgbClr val="000073"/>
+              </a:solidFill>
+              <a:latin typeface="Garamond" panose="02020404030301010803" pitchFamily="18" charset="0"/>
+            </a:endParaRPr>
+          </a:p>
+        </p:txBody>
+      </p:sp>
+    </p:spTree>
+  </p:cSld>
+  <p:clrMapOvr>
+    <a:masterClrMapping/>
+  </p:clrMapOvr>
+  <p:timing>
+    <p:tnLst>
+      <p:par>
+        <p:cTn id="1" dur="indefinite" restart="never" nodeType="tmRoot">
+          <p:childTnLst>
+            <p:seq concurrent="1" nextAc="seek">
+              <p:cTn id="2" dur="indefinite" nodeType="mainSeq">
+                <p:childTnLst>
+                  <p:par>
+                    <p:cTn id="3" fill="hold" nodeType="clickPar">
+                      <p:stCondLst>
+                        <p:cond delay="indefinite"/>
+                        <p:cond evt="onBegin" delay="0">
+                          <p:tn val="2"/>
+                        </p:cond>
+                      </p:stCondLst>
+                      <p:childTnLst>
+                        <p:par>
+                          <p:cTn id="4" fill="hold" nodeType="withGroup">
+                            <p:stCondLst>
+                              <p:cond delay="0"/>
+                            </p:stCondLst>
+                            <p:childTnLst>
+                              <p:par>
+                                <p:cTn id="5" presetID="10" presetClass="entr" presetSubtype="0" fill="hold" nodeType="withEffect">
+                                  <p:stCondLst>
+                                    <p:cond delay="0"/>
+                                  </p:stCondLst>
+                                  <p:childTnLst>
+                                    <p:set>
+                                      <p:cBhvr>
+                                        <p:cTn id="6" dur="1" fill="hold">
+                                          <p:stCondLst>
+                                            <p:cond delay="0"/>
+                                          </p:stCondLst>
+                                        </p:cTn>
+                                        <p:tgtEl>
+                                          <p:spTgt spid="8197">
+                                            <p:txEl>
+                                              <p:pRg st="0" end="0"/>
+                                            </p:txEl>
+                                          </p:spTgt>
+                                        </p:tgtEl>
+                                        <p:attrNameLst>
+                                          <p:attrName>style.visibility</p:attrName>
+                                        </p:attrNameLst>
+                                      </p:cBhvr>
+                                      <p:to>
+                                        <p:strVal val="visible"/>
+                                      </p:to>
+                                    </p:set>
+                                    <p:animEffect transition="in" filter="fade">
+                                      <p:cBhvr>
+                                        <p:cTn id="7" dur="500"/>
+                                        <p:tgtEl>
+                                          <p:spTgt spid="8197">
+                                            <p:txEl>
+                                              <p:pRg st="0" end="0"/>
+                                            </p:txEl>
+                                          </p:spTgt>
+                                        </p:tgtEl>
+                                      </p:cBhvr>
+                                    </p:animEffect>
+                                  </p:childTnLst>
+                                </p:cTn>
+                              </p:par>
+                              <p:par>
+                                <p:cTn id="8" presetID="10" presetClass="entr" presetSubtype="0" fill="hold" nodeType="withEffect">
+                                  <p:stCondLst>
+                                    <p:cond delay="0"/>
+                                  </p:stCondLst>
+                                  <p:childTnLst>
+                                    <p:set>
+                                      <p:cBhvr>
+                                        <p:cTn id="9" dur="1" fill="hold">
+                                          <p:stCondLst>
+                                            <p:cond delay="0"/>
+                                          </p:stCondLst>
+                                        </p:cTn>
+                                        <p:tgtEl>
+                                          <p:spTgt spid="8197">
+                                            <p:txEl>
+                                              <p:pRg st="2" end="2"/>
+                                            </p:txEl>
+                                          </p:spTgt>
+                                        </p:tgtEl>
+                                        <p:attrNameLst>
+                                          <p:attrName>style.visibility</p:attrName>
+                                        </p:attrNameLst>
+                                      </p:cBhvr>
+                                      <p:to>
+                                        <p:strVal val="visible"/>
+                                      </p:to>
+                                    </p:set>
+                                    <p:animEffect transition="in" filter="fade">
+                                      <p:cBhvr>
+                                        <p:cTn id="10" dur="500"/>
+                                        <p:tgtEl>
+                                          <p:spTgt spid="8197">
+                                            <p:txEl>
+                                              <p:pRg st="2" end="2"/>
                                             </p:txEl>
                                           </p:spTgt>
                                         </p:tgtEl>

--- a/predavanja/prezentacije/OOP11-Apstraktne klase i interfejsi.pptx
+++ b/predavanja/prezentacije/OOP11-Apstraktne klase i interfejsi.pptx
@@ -16024,9 +16024,9 @@
                   <a:srgbClr val="3366FF"/>
                 </a:solidFill>
               </a:rPr>
-              <a:t>Апстрактне класе и интерфејси</a:t>
-            </a:r>
-            <a:endParaRPr lang="sr-Latn-CS" altLang="en-US" sz="5400" smtClean="0">
+              <a:t>Напредни рад са класама и објектима</a:t>
+            </a:r>
+            <a:endParaRPr lang="sr-Latn-CS" altLang="en-US" sz="5400" dirty="0" smtClean="0">
               <a:solidFill>
                 <a:srgbClr val="3366FF"/>
               </a:solidFill>

--- a/predavanja/prezentacije/OOP11-Apstraktne klase i interfejsi.pptx
+++ b/predavanja/prezentacije/OOP11-Apstraktne klase i interfejsi.pptx
@@ -14,11 +14,11 @@
     <p:sldId id="281" r:id="rId8"/>
     <p:sldId id="257" r:id="rId9"/>
     <p:sldId id="258" r:id="rId10"/>
-    <p:sldId id="268" r:id="rId11"/>
-    <p:sldId id="259" r:id="rId12"/>
+    <p:sldId id="259" r:id="rId11"/>
+    <p:sldId id="269" r:id="rId12"/>
     <p:sldId id="262" r:id="rId13"/>
     <p:sldId id="264" r:id="rId14"/>
-    <p:sldId id="269" r:id="rId15"/>
+    <p:sldId id="268" r:id="rId15"/>
     <p:sldId id="265" r:id="rId16"/>
     <p:sldId id="285" r:id="rId17"/>
     <p:sldId id="286" r:id="rId18"/>
@@ -3514,1285 +3514,6 @@
       </p:grpSpPr>
       <p:sp>
         <p:nvSpPr>
-          <p:cNvPr id="4098" name="Text Box 2"/>
-          <p:cNvSpPr txBox="1">
-            <a:spLocks noChangeArrowheads="1"/>
-          </p:cNvSpPr>
-          <p:nvPr/>
-        </p:nvSpPr>
-        <p:spPr bwMode="auto">
-          <a:xfrm>
-            <a:off x="611188" y="1412875"/>
-            <a:ext cx="8305800" cy="4385816"/>
-          </a:xfrm>
-          <a:prstGeom prst="rect">
-            <a:avLst/>
-          </a:prstGeom>
-          <a:noFill/>
-          <a:ln w="9525">
-            <a:noFill/>
-            <a:miter lim="800000"/>
-            <a:headEnd/>
-            <a:tailEnd/>
-          </a:ln>
-          <a:effectLst/>
-        </p:spPr>
-        <p:txBody>
-          <a:bodyPr>
-            <a:spAutoFit/>
-          </a:bodyPr>
-          <a:lstStyle/>
-          <a:p>
-            <a:pPr marL="342900" indent="-342900" eaLnBrk="0" hangingPunct="0">
-              <a:spcBef>
-                <a:spcPct val="50000"/>
-              </a:spcBef>
-              <a:buFont typeface="Arial" panose="020B0604020202020204" pitchFamily="34" charset="0"/>
-              <a:buChar char="•"/>
-              <a:defRPr/>
-            </a:pPr>
-            <a:r>
-              <a:rPr lang="vi-VN" dirty="0">
-                <a:latin typeface="Garamond" pitchFamily="18" charset="0"/>
-              </a:rPr>
-              <a:t>Код интерфејса нема хијерархијске организације. </a:t>
-            </a:r>
-            <a:endParaRPr lang="sr-Cyrl-RS" dirty="0" smtClean="0">
-              <a:latin typeface="Garamond" pitchFamily="18" charset="0"/>
-            </a:endParaRPr>
-          </a:p>
-          <a:p>
-            <a:pPr marL="342900" indent="-342900" eaLnBrk="0" hangingPunct="0">
-              <a:spcBef>
-                <a:spcPct val="50000"/>
-              </a:spcBef>
-              <a:buFont typeface="Arial" panose="020B0604020202020204" pitchFamily="34" charset="0"/>
-              <a:buChar char="•"/>
-              <a:defRPr/>
-            </a:pPr>
-            <a:r>
-              <a:rPr lang="sr-Cyrl-RS" dirty="0" smtClean="0">
-                <a:latin typeface="Garamond" pitchFamily="18" charset="0"/>
-              </a:rPr>
-              <a:t>Како </a:t>
-            </a:r>
-            <a:r>
-              <a:rPr lang="sr-Cyrl-RS" dirty="0">
-                <a:latin typeface="Garamond" pitchFamily="18" charset="0"/>
-              </a:rPr>
-              <a:t>би </a:t>
-            </a:r>
-            <a:r>
-              <a:rPr lang="vi-VN" dirty="0">
-                <a:latin typeface="Garamond" pitchFamily="18" charset="0"/>
-              </a:rPr>
-              <a:t>нагласили да један интерфејс насле</a:t>
-            </a:r>
-            <a:r>
-              <a:rPr lang="sr-Cyrl-RS" dirty="0">
-                <a:latin typeface="Garamond" pitchFamily="18" charset="0"/>
-              </a:rPr>
-              <a:t>ђ</a:t>
-            </a:r>
-            <a:r>
-              <a:rPr lang="vi-VN" dirty="0">
-                <a:latin typeface="Garamond" pitchFamily="18" charset="0"/>
-              </a:rPr>
-              <a:t>ује ви</a:t>
-            </a:r>
-            <a:r>
-              <a:rPr lang="sr-Cyrl-RS" dirty="0">
-                <a:latin typeface="Garamond" pitchFamily="18" charset="0"/>
-              </a:rPr>
-              <a:t>ш</a:t>
-            </a:r>
-            <a:r>
-              <a:rPr lang="vi-VN" dirty="0">
-                <a:latin typeface="Garamond" pitchFamily="18" charset="0"/>
-              </a:rPr>
-              <a:t>е других, иза кљу</a:t>
-            </a:r>
-            <a:r>
-              <a:rPr lang="sr-Cyrl-RS" dirty="0">
-                <a:latin typeface="Garamond" pitchFamily="18" charset="0"/>
-              </a:rPr>
-              <a:t>ч</a:t>
-            </a:r>
-            <a:r>
-              <a:rPr lang="vi-VN" dirty="0">
-                <a:latin typeface="Garamond" pitchFamily="18" charset="0"/>
-              </a:rPr>
-              <a:t>не ре</a:t>
-            </a:r>
-            <a:r>
-              <a:rPr lang="sr-Cyrl-RS" dirty="0">
-                <a:latin typeface="Garamond" pitchFamily="18" charset="0"/>
-              </a:rPr>
-              <a:t>ч</a:t>
-            </a:r>
-            <a:r>
-              <a:rPr lang="vi-VN" dirty="0">
-                <a:latin typeface="Garamond" pitchFamily="18" charset="0"/>
-              </a:rPr>
-              <a:t>и </a:t>
-            </a:r>
-            <a:r>
-              <a:rPr lang="en-US" sz="1800" dirty="0">
-                <a:latin typeface="+mn-lt"/>
-              </a:rPr>
-              <a:t>extends</a:t>
-            </a:r>
-            <a:r>
-              <a:rPr lang="en-US" sz="1800" dirty="0">
-                <a:latin typeface="Garamond" pitchFamily="18" charset="0"/>
-              </a:rPr>
-              <a:t> </a:t>
-            </a:r>
-            <a:r>
-              <a:rPr lang="ru-RU" dirty="0">
-                <a:latin typeface="Garamond" pitchFamily="18" charset="0"/>
-              </a:rPr>
-              <a:t>наводимо све интерфејсе које овај </a:t>
-            </a:r>
-            <a:r>
-              <a:rPr lang="ru-RU" dirty="0" err="1">
-                <a:latin typeface="Garamond" pitchFamily="18" charset="0"/>
-              </a:rPr>
-              <a:t>наслеђује</a:t>
-            </a:r>
-            <a:r>
-              <a:rPr lang="en-US" dirty="0" smtClean="0">
-                <a:latin typeface="Garamond" pitchFamily="18" charset="0"/>
-              </a:rPr>
-              <a:t>.</a:t>
-            </a:r>
-            <a:endParaRPr lang="sr-Cyrl-RS" dirty="0" smtClean="0">
-              <a:latin typeface="Garamond" pitchFamily="18" charset="0"/>
-            </a:endParaRPr>
-          </a:p>
-          <a:p>
-            <a:endParaRPr lang="sr-Cyrl-RS" sz="1500" dirty="0" smtClean="0">
-              <a:solidFill>
-                <a:srgbClr val="8000FF"/>
-              </a:solidFill>
-              <a:effectLst/>
-              <a:latin typeface="Courier New" panose="02070309020205020404" pitchFamily="49" charset="0"/>
-            </a:endParaRPr>
-          </a:p>
-          <a:p>
-            <a:r>
-              <a:rPr lang="sr-Cyrl-RS" sz="1500" dirty="0">
-                <a:solidFill>
-                  <a:srgbClr val="8000FF"/>
-                </a:solidFill>
-                <a:latin typeface="Courier New" panose="02070309020205020404" pitchFamily="49" charset="0"/>
-              </a:rPr>
-              <a:t>	</a:t>
-            </a:r>
-            <a:r>
-              <a:rPr lang="sr-Latn-RS" sz="1500" dirty="0" smtClean="0">
-                <a:solidFill>
-                  <a:srgbClr val="8000FF"/>
-                </a:solidFill>
-                <a:effectLst/>
-                <a:latin typeface="Courier New" panose="02070309020205020404" pitchFamily="49" charset="0"/>
-              </a:rPr>
-              <a:t>public</a:t>
-            </a:r>
-            <a:r>
-              <a:rPr lang="sr-Latn-RS" sz="1500" dirty="0" smtClean="0">
-                <a:solidFill>
-                  <a:srgbClr val="000000"/>
-                </a:solidFill>
-                <a:latin typeface="Courier New" panose="02070309020205020404" pitchFamily="49" charset="0"/>
-              </a:rPr>
-              <a:t> </a:t>
-            </a:r>
-            <a:r>
-              <a:rPr lang="sr-Latn-RS" sz="1500" dirty="0" smtClean="0">
-                <a:solidFill>
-                  <a:srgbClr val="8000FF"/>
-                </a:solidFill>
-                <a:effectLst/>
-                <a:latin typeface="Courier New" panose="02070309020205020404" pitchFamily="49" charset="0"/>
-              </a:rPr>
-              <a:t>interface</a:t>
-            </a:r>
-            <a:r>
-              <a:rPr lang="sr-Latn-RS" sz="1500" dirty="0">
-                <a:solidFill>
-                  <a:srgbClr val="000000"/>
-                </a:solidFill>
-                <a:latin typeface="Courier New" panose="02070309020205020404" pitchFamily="49" charset="0"/>
-              </a:rPr>
-              <a:t> DrugiInterfejs </a:t>
-            </a:r>
-            <a:r>
-              <a:rPr lang="sr-Latn-RS" sz="1500" b="1" dirty="0" smtClean="0">
-                <a:solidFill>
-                  <a:srgbClr val="0000FF"/>
-                </a:solidFill>
-                <a:effectLst/>
-                <a:latin typeface="Courier New" panose="02070309020205020404" pitchFamily="49" charset="0"/>
-              </a:rPr>
-              <a:t>extends</a:t>
-            </a:r>
-            <a:r>
-              <a:rPr lang="sr-Latn-RS" sz="1500" dirty="0">
-                <a:solidFill>
-                  <a:srgbClr val="000000"/>
-                </a:solidFill>
-                <a:latin typeface="Courier New" panose="02070309020205020404" pitchFamily="49" charset="0"/>
-              </a:rPr>
-              <a:t> Prvi</a:t>
-            </a:r>
-            <a:r>
-              <a:rPr lang="sr-Latn-RS" sz="1500" b="1" dirty="0" smtClean="0">
-                <a:solidFill>
-                  <a:srgbClr val="000080"/>
-                </a:solidFill>
-                <a:effectLst/>
-                <a:latin typeface="Courier New" panose="02070309020205020404" pitchFamily="49" charset="0"/>
-              </a:rPr>
-              <a:t>,</a:t>
-            </a:r>
-            <a:r>
-              <a:rPr lang="sr-Latn-RS" sz="1500" dirty="0">
-                <a:solidFill>
-                  <a:srgbClr val="000000"/>
-                </a:solidFill>
-                <a:latin typeface="Courier New" panose="02070309020205020404" pitchFamily="49" charset="0"/>
-              </a:rPr>
-              <a:t> Primarni </a:t>
-            </a:r>
-            <a:r>
-              <a:rPr lang="sr-Latn-RS" sz="1500" b="1" dirty="0" smtClean="0">
-                <a:solidFill>
-                  <a:srgbClr val="000080"/>
-                </a:solidFill>
-                <a:effectLst/>
-                <a:latin typeface="Courier New" panose="02070309020205020404" pitchFamily="49" charset="0"/>
-              </a:rPr>
-              <a:t>{</a:t>
-            </a:r>
-            <a:r>
-              <a:rPr lang="sr-Latn-RS" sz="1500" dirty="0">
-                <a:solidFill>
-                  <a:srgbClr val="000000"/>
-                </a:solidFill>
-                <a:latin typeface="Courier New" panose="02070309020205020404" pitchFamily="49" charset="0"/>
-              </a:rPr>
-              <a:t> </a:t>
-            </a:r>
-            <a:endParaRPr lang="sr-Cyrl-RS" sz="1500" dirty="0" smtClean="0">
-              <a:solidFill>
-                <a:srgbClr val="000000"/>
-              </a:solidFill>
-              <a:latin typeface="Courier New" panose="02070309020205020404" pitchFamily="49" charset="0"/>
-            </a:endParaRPr>
-          </a:p>
-          <a:p>
-            <a:r>
-              <a:rPr lang="sr-Cyrl-RS" sz="1500" dirty="0">
-                <a:solidFill>
-                  <a:srgbClr val="000000"/>
-                </a:solidFill>
-                <a:latin typeface="Courier New" panose="02070309020205020404" pitchFamily="49" charset="0"/>
-              </a:rPr>
-              <a:t>	</a:t>
-            </a:r>
-            <a:r>
-              <a:rPr lang="sr-Cyrl-RS" sz="1500" dirty="0" smtClean="0">
-                <a:solidFill>
-                  <a:srgbClr val="000000"/>
-                </a:solidFill>
-                <a:latin typeface="Courier New" panose="02070309020205020404" pitchFamily="49" charset="0"/>
-              </a:rPr>
-              <a:t>	</a:t>
-            </a:r>
-            <a:r>
-              <a:rPr lang="sr-Latn-RS" sz="1500" dirty="0" smtClean="0">
-                <a:solidFill>
-                  <a:srgbClr val="000000"/>
-                </a:solidFill>
-                <a:latin typeface="Courier New" panose="02070309020205020404" pitchFamily="49" charset="0"/>
-              </a:rPr>
-              <a:t>…</a:t>
-            </a:r>
-            <a:r>
-              <a:rPr lang="sr-Latn-RS" sz="1500" dirty="0" smtClean="0">
-                <a:solidFill>
-                  <a:srgbClr val="008000"/>
-                </a:solidFill>
-                <a:effectLst/>
-                <a:latin typeface="Courier New" panose="02070309020205020404" pitchFamily="49" charset="0"/>
-              </a:rPr>
-              <a:t>// svi metodi su public i abstract </a:t>
-            </a:r>
-            <a:endParaRPr lang="sr-Cyrl-RS" sz="1500" dirty="0" smtClean="0">
-              <a:solidFill>
-                <a:srgbClr val="008000"/>
-              </a:solidFill>
-              <a:effectLst/>
-              <a:latin typeface="Courier New" panose="02070309020205020404" pitchFamily="49" charset="0"/>
-            </a:endParaRPr>
-          </a:p>
-          <a:p>
-            <a:r>
-              <a:rPr lang="sr-Cyrl-RS" sz="1500" dirty="0">
-                <a:solidFill>
-                  <a:srgbClr val="008000"/>
-                </a:solidFill>
-                <a:latin typeface="Courier New" panose="02070309020205020404" pitchFamily="49" charset="0"/>
-              </a:rPr>
-              <a:t>	</a:t>
-            </a:r>
-            <a:r>
-              <a:rPr lang="sr-Cyrl-RS" sz="1500" dirty="0" smtClean="0">
-                <a:solidFill>
-                  <a:srgbClr val="008000"/>
-                </a:solidFill>
-                <a:latin typeface="Courier New" panose="02070309020205020404" pitchFamily="49" charset="0"/>
-              </a:rPr>
-              <a:t>	</a:t>
-            </a:r>
-            <a:r>
-              <a:rPr lang="sr-Latn-RS" sz="1500" dirty="0" smtClean="0">
-                <a:solidFill>
-                  <a:srgbClr val="000000"/>
-                </a:solidFill>
-                <a:latin typeface="Courier New" panose="02070309020205020404" pitchFamily="49" charset="0"/>
-              </a:rPr>
-              <a:t>…</a:t>
-            </a:r>
-            <a:r>
-              <a:rPr lang="sr-Latn-RS" sz="1500" dirty="0" smtClean="0">
-                <a:solidFill>
-                  <a:srgbClr val="008000"/>
-                </a:solidFill>
-                <a:effectLst/>
-                <a:latin typeface="Courier New" panose="02070309020205020404" pitchFamily="49" charset="0"/>
-              </a:rPr>
-              <a:t>//sve promenljive su: public, static i final </a:t>
-            </a:r>
-            <a:endParaRPr lang="sr-Cyrl-RS" sz="1500" dirty="0" smtClean="0">
-              <a:solidFill>
-                <a:srgbClr val="008000"/>
-              </a:solidFill>
-              <a:effectLst/>
-              <a:latin typeface="Courier New" panose="02070309020205020404" pitchFamily="49" charset="0"/>
-            </a:endParaRPr>
-          </a:p>
-          <a:p>
-            <a:r>
-              <a:rPr lang="sr-Cyrl-RS" sz="1500" b="1" dirty="0">
-                <a:solidFill>
-                  <a:srgbClr val="008000"/>
-                </a:solidFill>
-                <a:latin typeface="Courier New" panose="02070309020205020404" pitchFamily="49" charset="0"/>
-              </a:rPr>
-              <a:t>	</a:t>
-            </a:r>
-            <a:r>
-              <a:rPr lang="sr-Latn-RS" sz="1500" b="1" dirty="0" smtClean="0">
-                <a:solidFill>
-                  <a:srgbClr val="000080"/>
-                </a:solidFill>
-                <a:effectLst/>
-                <a:latin typeface="Courier New" panose="02070309020205020404" pitchFamily="49" charset="0"/>
-              </a:rPr>
-              <a:t>}</a:t>
-            </a:r>
-            <a:endParaRPr lang="sr-Latn-ME" sz="1500" dirty="0">
-              <a:latin typeface="Garamond" pitchFamily="18" charset="0"/>
-            </a:endParaRPr>
-          </a:p>
-          <a:p>
-            <a:pPr marL="342900" indent="-342900" eaLnBrk="0" hangingPunct="0">
-              <a:spcBef>
-                <a:spcPct val="50000"/>
-              </a:spcBef>
-              <a:buFont typeface="Arial" panose="020B0604020202020204" pitchFamily="34" charset="0"/>
-              <a:buChar char="•"/>
-              <a:defRPr/>
-            </a:pPr>
-            <a:r>
-              <a:rPr lang="ru-RU" dirty="0" err="1" smtClean="0">
-                <a:latin typeface="Garamond" pitchFamily="18" charset="0"/>
-              </a:rPr>
-              <a:t>Интерфејси</a:t>
-            </a:r>
-            <a:r>
-              <a:rPr lang="ru-RU" dirty="0" smtClean="0">
-                <a:latin typeface="Garamond" pitchFamily="18" charset="0"/>
-              </a:rPr>
-              <a:t> </a:t>
-            </a:r>
-            <a:r>
-              <a:rPr lang="ru-RU" dirty="0">
-                <a:latin typeface="Garamond" pitchFamily="18" charset="0"/>
-              </a:rPr>
-              <a:t>се, као и класе, смештају у пакете.</a:t>
-            </a:r>
-          </a:p>
-          <a:p>
-            <a:pPr marL="342900" indent="-342900" eaLnBrk="0" hangingPunct="0">
-              <a:spcBef>
-                <a:spcPct val="50000"/>
-              </a:spcBef>
-              <a:buFont typeface="Arial" panose="020B0604020202020204" pitchFamily="34" charset="0"/>
-              <a:buChar char="•"/>
-              <a:defRPr/>
-            </a:pPr>
-            <a:r>
-              <a:rPr lang="ru-RU" dirty="0">
-                <a:latin typeface="Garamond" pitchFamily="18" charset="0"/>
-              </a:rPr>
-              <a:t>Ако се за методе и променљиве у интерфејсу не </a:t>
-            </a:r>
-            <a:r>
-              <a:rPr lang="ru-RU" dirty="0" err="1" smtClean="0">
-                <a:latin typeface="Garamond" pitchFamily="18" charset="0"/>
-              </a:rPr>
-              <a:t>нагласи</a:t>
-            </a:r>
-            <a:r>
-              <a:rPr lang="ru-RU" dirty="0" smtClean="0">
-                <a:latin typeface="Garamond" pitchFamily="18" charset="0"/>
-              </a:rPr>
-              <a:t> </a:t>
-            </a:r>
-            <a:r>
-              <a:rPr lang="ru-RU" dirty="0">
-                <a:latin typeface="Garamond" pitchFamily="18" charset="0"/>
-              </a:rPr>
-              <a:t>да су </a:t>
-            </a:r>
-            <a:r>
-              <a:rPr lang="en-US" sz="1800" dirty="0">
-                <a:latin typeface="+mn-lt"/>
-              </a:rPr>
-              <a:t>abstract</a:t>
-            </a:r>
-            <a:r>
-              <a:rPr lang="en-US" dirty="0">
-                <a:latin typeface="Garamond" pitchFamily="18" charset="0"/>
-              </a:rPr>
-              <a:t>, </a:t>
-            </a:r>
-            <a:r>
-              <a:rPr lang="en-US" sz="1800" dirty="0">
-                <a:latin typeface="+mn-lt"/>
-              </a:rPr>
-              <a:t>public</a:t>
-            </a:r>
-            <a:r>
-              <a:rPr lang="en-US" sz="1800" dirty="0">
-                <a:latin typeface="Garamond" pitchFamily="18" charset="0"/>
-              </a:rPr>
-              <a:t> </a:t>
-            </a:r>
-            <a:r>
-              <a:rPr lang="sr-Cyrl-RS" dirty="0">
-                <a:latin typeface="Garamond" pitchFamily="18" charset="0"/>
-              </a:rPr>
-              <a:t>и</a:t>
-            </a:r>
-            <a:r>
-              <a:rPr lang="en-US" dirty="0">
-                <a:latin typeface="Garamond" pitchFamily="18" charset="0"/>
-              </a:rPr>
-              <a:t> </a:t>
-            </a:r>
-            <a:r>
-              <a:rPr lang="en-US" sz="1800" dirty="0">
-                <a:latin typeface="+mn-lt"/>
-              </a:rPr>
-              <a:t>final</a:t>
-            </a:r>
-            <a:r>
-              <a:rPr lang="en-US" dirty="0">
-                <a:latin typeface="Garamond" pitchFamily="18" charset="0"/>
-              </a:rPr>
-              <a:t>, </a:t>
-            </a:r>
-            <a:r>
-              <a:rPr lang="sr-Cyrl-RS" dirty="0">
-                <a:latin typeface="Garamond" pitchFamily="18" charset="0"/>
-              </a:rPr>
-              <a:t>подразумеваће се да је тако</a:t>
-            </a:r>
-            <a:r>
-              <a:rPr lang="en-US" dirty="0">
-                <a:latin typeface="Garamond" pitchFamily="18" charset="0"/>
-              </a:rPr>
-              <a:t>.</a:t>
-            </a:r>
-          </a:p>
-        </p:txBody>
-      </p:sp>
-      <p:sp>
-        <p:nvSpPr>
-          <p:cNvPr id="3" name="Rectangle 2"/>
-          <p:cNvSpPr txBox="1">
-            <a:spLocks noChangeArrowheads="1"/>
-          </p:cNvSpPr>
-          <p:nvPr/>
-        </p:nvSpPr>
-        <p:spPr bwMode="auto">
-          <a:xfrm>
-            <a:off x="1447800" y="427038"/>
-            <a:ext cx="7696200" cy="914400"/>
-          </a:xfrm>
-          <a:prstGeom prst="rect">
-            <a:avLst/>
-          </a:prstGeom>
-          <a:noFill/>
-          <a:ln>
-            <a:noFill/>
-          </a:ln>
-          <a:extLst>
-            <a:ext uri="{909E8E84-426E-40DD-AFC4-6F175D3DCCD1}">
-              <a14:hiddenFill xmlns:a14="http://schemas.microsoft.com/office/drawing/2010/main">
-                <a:solidFill>
-                  <a:srgbClr val="FFFFFF"/>
-                </a:solidFill>
-              </a14:hiddenFill>
-            </a:ext>
-            <a:ext uri="{91240B29-F687-4F45-9708-019B960494DF}">
-              <a14:hiddenLine xmlns:a14="http://schemas.microsoft.com/office/drawing/2010/main" w="9525">
-                <a:solidFill>
-                  <a:srgbClr val="000000"/>
-                </a:solidFill>
-                <a:miter lim="800000"/>
-                <a:headEnd/>
-                <a:tailEnd/>
-              </a14:hiddenLine>
-            </a:ext>
-          </a:extLst>
-        </p:spPr>
-        <p:txBody>
-          <a:bodyPr anchor="ctr"/>
-          <a:lstStyle>
-            <a:lvl1pPr algn="l" rtl="0" eaLnBrk="0" fontAlgn="base" hangingPunct="0">
-              <a:spcBef>
-                <a:spcPct val="0"/>
-              </a:spcBef>
-              <a:spcAft>
-                <a:spcPct val="0"/>
-              </a:spcAft>
-              <a:defRPr sz="3800">
-                <a:solidFill>
-                  <a:schemeClr val="tx2"/>
-                </a:solidFill>
-                <a:latin typeface="+mj-lt"/>
-                <a:ea typeface="+mj-ea"/>
-                <a:cs typeface="+mj-cs"/>
-              </a:defRPr>
-            </a:lvl1pPr>
-            <a:lvl2pPr algn="l" rtl="0" eaLnBrk="0" fontAlgn="base" hangingPunct="0">
-              <a:spcBef>
-                <a:spcPct val="0"/>
-              </a:spcBef>
-              <a:spcAft>
-                <a:spcPct val="0"/>
-              </a:spcAft>
-              <a:defRPr sz="3800">
-                <a:solidFill>
-                  <a:schemeClr val="tx2"/>
-                </a:solidFill>
-                <a:latin typeface="Arial" charset="0"/>
-              </a:defRPr>
-            </a:lvl2pPr>
-            <a:lvl3pPr algn="l" rtl="0" eaLnBrk="0" fontAlgn="base" hangingPunct="0">
-              <a:spcBef>
-                <a:spcPct val="0"/>
-              </a:spcBef>
-              <a:spcAft>
-                <a:spcPct val="0"/>
-              </a:spcAft>
-              <a:defRPr sz="3800">
-                <a:solidFill>
-                  <a:schemeClr val="tx2"/>
-                </a:solidFill>
-                <a:latin typeface="Arial" charset="0"/>
-              </a:defRPr>
-            </a:lvl3pPr>
-            <a:lvl4pPr algn="l" rtl="0" eaLnBrk="0" fontAlgn="base" hangingPunct="0">
-              <a:spcBef>
-                <a:spcPct val="0"/>
-              </a:spcBef>
-              <a:spcAft>
-                <a:spcPct val="0"/>
-              </a:spcAft>
-              <a:defRPr sz="3800">
-                <a:solidFill>
-                  <a:schemeClr val="tx2"/>
-                </a:solidFill>
-                <a:latin typeface="Arial" charset="0"/>
-              </a:defRPr>
-            </a:lvl4pPr>
-            <a:lvl5pPr algn="l" rtl="0" eaLnBrk="0" fontAlgn="base" hangingPunct="0">
-              <a:spcBef>
-                <a:spcPct val="0"/>
-              </a:spcBef>
-              <a:spcAft>
-                <a:spcPct val="0"/>
-              </a:spcAft>
-              <a:defRPr sz="3800">
-                <a:solidFill>
-                  <a:schemeClr val="tx2"/>
-                </a:solidFill>
-                <a:latin typeface="Arial" charset="0"/>
-              </a:defRPr>
-            </a:lvl5pPr>
-            <a:lvl6pPr marL="457200" algn="l" rtl="0" fontAlgn="base">
-              <a:spcBef>
-                <a:spcPct val="0"/>
-              </a:spcBef>
-              <a:spcAft>
-                <a:spcPct val="0"/>
-              </a:spcAft>
-              <a:defRPr sz="3800">
-                <a:solidFill>
-                  <a:schemeClr val="tx2"/>
-                </a:solidFill>
-                <a:latin typeface="Arial" charset="0"/>
-              </a:defRPr>
-            </a:lvl6pPr>
-            <a:lvl7pPr marL="914400" algn="l" rtl="0" fontAlgn="base">
-              <a:spcBef>
-                <a:spcPct val="0"/>
-              </a:spcBef>
-              <a:spcAft>
-                <a:spcPct val="0"/>
-              </a:spcAft>
-              <a:defRPr sz="3800">
-                <a:solidFill>
-                  <a:schemeClr val="tx2"/>
-                </a:solidFill>
-                <a:latin typeface="Arial" charset="0"/>
-              </a:defRPr>
-            </a:lvl7pPr>
-            <a:lvl8pPr marL="1371600" algn="l" rtl="0" fontAlgn="base">
-              <a:spcBef>
-                <a:spcPct val="0"/>
-              </a:spcBef>
-              <a:spcAft>
-                <a:spcPct val="0"/>
-              </a:spcAft>
-              <a:defRPr sz="3800">
-                <a:solidFill>
-                  <a:schemeClr val="tx2"/>
-                </a:solidFill>
-                <a:latin typeface="Arial" charset="0"/>
-              </a:defRPr>
-            </a:lvl8pPr>
-            <a:lvl9pPr marL="1828800" algn="l" rtl="0" fontAlgn="base">
-              <a:spcBef>
-                <a:spcPct val="0"/>
-              </a:spcBef>
-              <a:spcAft>
-                <a:spcPct val="0"/>
-              </a:spcAft>
-              <a:defRPr sz="3800">
-                <a:solidFill>
-                  <a:schemeClr val="tx2"/>
-                </a:solidFill>
-                <a:latin typeface="Arial" charset="0"/>
-              </a:defRPr>
-            </a:lvl9pPr>
-          </a:lstStyle>
-          <a:p>
-            <a:pPr eaLnBrk="1" hangingPunct="1">
-              <a:defRPr/>
-            </a:pPr>
-            <a:r>
-              <a:rPr lang="sr-Cyrl-RS" kern="0" dirty="0" smtClean="0">
-                <a:solidFill>
-                  <a:srgbClr val="3366FF"/>
-                </a:solidFill>
-              </a:rPr>
-              <a:t>Интерфејси (4)</a:t>
-            </a:r>
-            <a:endParaRPr lang="sr-Latn-CS" kern="0" dirty="0" smtClean="0">
-              <a:solidFill>
-                <a:srgbClr val="3366FF"/>
-              </a:solidFill>
-            </a:endParaRPr>
-          </a:p>
-        </p:txBody>
-      </p:sp>
-      <p:sp>
-        <p:nvSpPr>
-          <p:cNvPr id="2" name="Rectangle 1"/>
-          <p:cNvSpPr/>
-          <p:nvPr/>
-        </p:nvSpPr>
-        <p:spPr>
-          <a:xfrm>
-            <a:off x="1547664" y="3284984"/>
-            <a:ext cx="6624736" cy="1008112"/>
-          </a:xfrm>
-          <a:prstGeom prst="rect">
-            <a:avLst/>
-          </a:prstGeom>
-          <a:noFill/>
-        </p:spPr>
-        <p:style>
-          <a:lnRef idx="2">
-            <a:schemeClr val="accent1">
-              <a:shade val="50000"/>
-            </a:schemeClr>
-          </a:lnRef>
-          <a:fillRef idx="1">
-            <a:schemeClr val="accent1"/>
-          </a:fillRef>
-          <a:effectRef idx="0">
-            <a:schemeClr val="accent1"/>
-          </a:effectRef>
-          <a:fontRef idx="minor">
-            <a:schemeClr val="lt1"/>
-          </a:fontRef>
-        </p:style>
-        <p:txBody>
-          <a:bodyPr rtlCol="0" anchor="ctr"/>
-          <a:lstStyle/>
-          <a:p>
-            <a:pPr algn="ctr"/>
-            <a:endParaRPr lang="sr-Latn-RS"/>
-          </a:p>
-        </p:txBody>
-      </p:sp>
-    </p:spTree>
-  </p:cSld>
-  <p:clrMapOvr>
-    <a:masterClrMapping/>
-  </p:clrMapOvr>
-  <p:timing>
-    <p:tnLst>
-      <p:par>
-        <p:cTn id="1" dur="indefinite" restart="never" nodeType="tmRoot">
-          <p:childTnLst>
-            <p:seq concurrent="1" nextAc="seek">
-              <p:cTn id="2" dur="indefinite" nodeType="mainSeq">
-                <p:childTnLst>
-                  <p:par>
-                    <p:cTn id="3" fill="hold" nodeType="clickPar">
-                      <p:stCondLst>
-                        <p:cond delay="indefinite"/>
-                      </p:stCondLst>
-                      <p:childTnLst>
-                        <p:par>
-                          <p:cTn id="4" fill="hold" nodeType="withGroup">
-                            <p:stCondLst>
-                              <p:cond delay="0"/>
-                            </p:stCondLst>
-                            <p:childTnLst>
-                              <p:par>
-                                <p:cTn id="5" presetID="10" presetClass="entr" presetSubtype="0" fill="hold" nodeType="clickEffect">
-                                  <p:stCondLst>
-                                    <p:cond delay="0"/>
-                                  </p:stCondLst>
-                                  <p:childTnLst>
-                                    <p:set>
-                                      <p:cBhvr>
-                                        <p:cTn id="6" dur="1" fill="hold">
-                                          <p:stCondLst>
-                                            <p:cond delay="0"/>
-                                          </p:stCondLst>
-                                        </p:cTn>
-                                        <p:tgtEl>
-                                          <p:spTgt spid="4098">
-                                            <p:txEl>
-                                              <p:pRg st="0" end="0"/>
-                                            </p:txEl>
-                                          </p:spTgt>
-                                        </p:tgtEl>
-                                        <p:attrNameLst>
-                                          <p:attrName>style.visibility</p:attrName>
-                                        </p:attrNameLst>
-                                      </p:cBhvr>
-                                      <p:to>
-                                        <p:strVal val="visible"/>
-                                      </p:to>
-                                    </p:set>
-                                    <p:animEffect transition="in" filter="fade">
-                                      <p:cBhvr>
-                                        <p:cTn id="7" dur="500"/>
-                                        <p:tgtEl>
-                                          <p:spTgt spid="4098">
-                                            <p:txEl>
-                                              <p:pRg st="0" end="0"/>
-                                            </p:txEl>
-                                          </p:spTgt>
-                                        </p:tgtEl>
-                                      </p:cBhvr>
-                                    </p:animEffect>
-                                  </p:childTnLst>
-                                </p:cTn>
-                              </p:par>
-                            </p:childTnLst>
-                          </p:cTn>
-                        </p:par>
-                      </p:childTnLst>
-                    </p:cTn>
-                  </p:par>
-                  <p:par>
-                    <p:cTn id="8" fill="hold">
-                      <p:stCondLst>
-                        <p:cond delay="indefinite"/>
-                      </p:stCondLst>
-                      <p:childTnLst>
-                        <p:par>
-                          <p:cTn id="9" fill="hold">
-                            <p:stCondLst>
-                              <p:cond delay="0"/>
-                            </p:stCondLst>
-                            <p:childTnLst>
-                              <p:par>
-                                <p:cTn id="10" presetID="10" presetClass="entr" presetSubtype="0" fill="hold" nodeType="clickEffect">
-                                  <p:stCondLst>
-                                    <p:cond delay="0"/>
-                                  </p:stCondLst>
-                                  <p:childTnLst>
-                                    <p:set>
-                                      <p:cBhvr>
-                                        <p:cTn id="11" dur="1" fill="hold">
-                                          <p:stCondLst>
-                                            <p:cond delay="0"/>
-                                          </p:stCondLst>
-                                        </p:cTn>
-                                        <p:tgtEl>
-                                          <p:spTgt spid="4098">
-                                            <p:txEl>
-                                              <p:pRg st="1" end="1"/>
-                                            </p:txEl>
-                                          </p:spTgt>
-                                        </p:tgtEl>
-                                        <p:attrNameLst>
-                                          <p:attrName>style.visibility</p:attrName>
-                                        </p:attrNameLst>
-                                      </p:cBhvr>
-                                      <p:to>
-                                        <p:strVal val="visible"/>
-                                      </p:to>
-                                    </p:set>
-                                    <p:animEffect transition="in" filter="fade">
-                                      <p:cBhvr>
-                                        <p:cTn id="12" dur="500"/>
-                                        <p:tgtEl>
-                                          <p:spTgt spid="4098">
-                                            <p:txEl>
-                                              <p:pRg st="1" end="1"/>
-                                            </p:txEl>
-                                          </p:spTgt>
-                                        </p:tgtEl>
-                                      </p:cBhvr>
-                                    </p:animEffect>
-                                  </p:childTnLst>
-                                </p:cTn>
-                              </p:par>
-                            </p:childTnLst>
-                          </p:cTn>
-                        </p:par>
-                      </p:childTnLst>
-                    </p:cTn>
-                  </p:par>
-                  <p:par>
-                    <p:cTn id="13" fill="hold">
-                      <p:stCondLst>
-                        <p:cond delay="indefinite"/>
-                      </p:stCondLst>
-                      <p:childTnLst>
-                        <p:par>
-                          <p:cTn id="14" fill="hold">
-                            <p:stCondLst>
-                              <p:cond delay="0"/>
-                            </p:stCondLst>
-                            <p:childTnLst>
-                              <p:par>
-                                <p:cTn id="15" presetID="10" presetClass="entr" presetSubtype="0" fill="hold" grpId="0" nodeType="clickEffect">
-                                  <p:stCondLst>
-                                    <p:cond delay="0"/>
-                                  </p:stCondLst>
-                                  <p:childTnLst>
-                                    <p:set>
-                                      <p:cBhvr>
-                                        <p:cTn id="16" dur="1" fill="hold">
-                                          <p:stCondLst>
-                                            <p:cond delay="0"/>
-                                          </p:stCondLst>
-                                        </p:cTn>
-                                        <p:tgtEl>
-                                          <p:spTgt spid="2"/>
-                                        </p:tgtEl>
-                                        <p:attrNameLst>
-                                          <p:attrName>style.visibility</p:attrName>
-                                        </p:attrNameLst>
-                                      </p:cBhvr>
-                                      <p:to>
-                                        <p:strVal val="visible"/>
-                                      </p:to>
-                                    </p:set>
-                                    <p:animEffect transition="in" filter="fade">
-                                      <p:cBhvr>
-                                        <p:cTn id="17" dur="500"/>
-                                        <p:tgtEl>
-                                          <p:spTgt spid="2"/>
-                                        </p:tgtEl>
-                                      </p:cBhvr>
-                                    </p:animEffect>
-                                  </p:childTnLst>
-                                </p:cTn>
-                              </p:par>
-                              <p:par>
-                                <p:cTn id="18" presetID="10" presetClass="entr" presetSubtype="0" fill="hold" nodeType="withEffect">
-                                  <p:stCondLst>
-                                    <p:cond delay="0"/>
-                                  </p:stCondLst>
-                                  <p:childTnLst>
-                                    <p:set>
-                                      <p:cBhvr>
-                                        <p:cTn id="19" dur="1" fill="hold">
-                                          <p:stCondLst>
-                                            <p:cond delay="0"/>
-                                          </p:stCondLst>
-                                        </p:cTn>
-                                        <p:tgtEl>
-                                          <p:spTgt spid="4098">
-                                            <p:txEl>
-                                              <p:pRg st="3" end="3"/>
-                                            </p:txEl>
-                                          </p:spTgt>
-                                        </p:tgtEl>
-                                        <p:attrNameLst>
-                                          <p:attrName>style.visibility</p:attrName>
-                                        </p:attrNameLst>
-                                      </p:cBhvr>
-                                      <p:to>
-                                        <p:strVal val="visible"/>
-                                      </p:to>
-                                    </p:set>
-                                    <p:animEffect transition="in" filter="fade">
-                                      <p:cBhvr>
-                                        <p:cTn id="20" dur="500"/>
-                                        <p:tgtEl>
-                                          <p:spTgt spid="4098">
-                                            <p:txEl>
-                                              <p:pRg st="3" end="3"/>
-                                            </p:txEl>
-                                          </p:spTgt>
-                                        </p:tgtEl>
-                                      </p:cBhvr>
-                                    </p:animEffect>
-                                  </p:childTnLst>
-                                </p:cTn>
-                              </p:par>
-                              <p:par>
-                                <p:cTn id="21" presetID="10" presetClass="entr" presetSubtype="0" fill="hold" nodeType="withEffect">
-                                  <p:stCondLst>
-                                    <p:cond delay="0"/>
-                                  </p:stCondLst>
-                                  <p:childTnLst>
-                                    <p:set>
-                                      <p:cBhvr>
-                                        <p:cTn id="22" dur="1" fill="hold">
-                                          <p:stCondLst>
-                                            <p:cond delay="0"/>
-                                          </p:stCondLst>
-                                        </p:cTn>
-                                        <p:tgtEl>
-                                          <p:spTgt spid="4098">
-                                            <p:txEl>
-                                              <p:pRg st="4" end="4"/>
-                                            </p:txEl>
-                                          </p:spTgt>
-                                        </p:tgtEl>
-                                        <p:attrNameLst>
-                                          <p:attrName>style.visibility</p:attrName>
-                                        </p:attrNameLst>
-                                      </p:cBhvr>
-                                      <p:to>
-                                        <p:strVal val="visible"/>
-                                      </p:to>
-                                    </p:set>
-                                    <p:animEffect transition="in" filter="fade">
-                                      <p:cBhvr>
-                                        <p:cTn id="23" dur="500"/>
-                                        <p:tgtEl>
-                                          <p:spTgt spid="4098">
-                                            <p:txEl>
-                                              <p:pRg st="4" end="4"/>
-                                            </p:txEl>
-                                          </p:spTgt>
-                                        </p:tgtEl>
-                                      </p:cBhvr>
-                                    </p:animEffect>
-                                  </p:childTnLst>
-                                </p:cTn>
-                              </p:par>
-                              <p:par>
-                                <p:cTn id="24" presetID="10" presetClass="entr" presetSubtype="0" fill="hold" nodeType="withEffect">
-                                  <p:stCondLst>
-                                    <p:cond delay="0"/>
-                                  </p:stCondLst>
-                                  <p:childTnLst>
-                                    <p:set>
-                                      <p:cBhvr>
-                                        <p:cTn id="25" dur="1" fill="hold">
-                                          <p:stCondLst>
-                                            <p:cond delay="0"/>
-                                          </p:stCondLst>
-                                        </p:cTn>
-                                        <p:tgtEl>
-                                          <p:spTgt spid="4098">
-                                            <p:txEl>
-                                              <p:pRg st="5" end="5"/>
-                                            </p:txEl>
-                                          </p:spTgt>
-                                        </p:tgtEl>
-                                        <p:attrNameLst>
-                                          <p:attrName>style.visibility</p:attrName>
-                                        </p:attrNameLst>
-                                      </p:cBhvr>
-                                      <p:to>
-                                        <p:strVal val="visible"/>
-                                      </p:to>
-                                    </p:set>
-                                    <p:animEffect transition="in" filter="fade">
-                                      <p:cBhvr>
-                                        <p:cTn id="26" dur="500"/>
-                                        <p:tgtEl>
-                                          <p:spTgt spid="4098">
-                                            <p:txEl>
-                                              <p:pRg st="5" end="5"/>
-                                            </p:txEl>
-                                          </p:spTgt>
-                                        </p:tgtEl>
-                                      </p:cBhvr>
-                                    </p:animEffect>
-                                  </p:childTnLst>
-                                </p:cTn>
-                              </p:par>
-                              <p:par>
-                                <p:cTn id="27" presetID="10" presetClass="entr" presetSubtype="0" fill="hold" nodeType="withEffect">
-                                  <p:stCondLst>
-                                    <p:cond delay="0"/>
-                                  </p:stCondLst>
-                                  <p:childTnLst>
-                                    <p:set>
-                                      <p:cBhvr>
-                                        <p:cTn id="28" dur="1" fill="hold">
-                                          <p:stCondLst>
-                                            <p:cond delay="0"/>
-                                          </p:stCondLst>
-                                        </p:cTn>
-                                        <p:tgtEl>
-                                          <p:spTgt spid="4098">
-                                            <p:txEl>
-                                              <p:pRg st="6" end="6"/>
-                                            </p:txEl>
-                                          </p:spTgt>
-                                        </p:tgtEl>
-                                        <p:attrNameLst>
-                                          <p:attrName>style.visibility</p:attrName>
-                                        </p:attrNameLst>
-                                      </p:cBhvr>
-                                      <p:to>
-                                        <p:strVal val="visible"/>
-                                      </p:to>
-                                    </p:set>
-                                    <p:animEffect transition="in" filter="fade">
-                                      <p:cBhvr>
-                                        <p:cTn id="29" dur="500"/>
-                                        <p:tgtEl>
-                                          <p:spTgt spid="4098">
-                                            <p:txEl>
-                                              <p:pRg st="6" end="6"/>
-                                            </p:txEl>
-                                          </p:spTgt>
-                                        </p:tgtEl>
-                                      </p:cBhvr>
-                                    </p:animEffect>
-                                  </p:childTnLst>
-                                </p:cTn>
-                              </p:par>
-                            </p:childTnLst>
-                          </p:cTn>
-                        </p:par>
-                      </p:childTnLst>
-                    </p:cTn>
-                  </p:par>
-                  <p:par>
-                    <p:cTn id="30" fill="hold" nodeType="clickPar">
-                      <p:stCondLst>
-                        <p:cond delay="indefinite"/>
-                      </p:stCondLst>
-                      <p:childTnLst>
-                        <p:par>
-                          <p:cTn id="31" fill="hold" nodeType="withGroup">
-                            <p:stCondLst>
-                              <p:cond delay="0"/>
-                            </p:stCondLst>
-                            <p:childTnLst>
-                              <p:par>
-                                <p:cTn id="32" presetID="10" presetClass="entr" presetSubtype="0" fill="hold" nodeType="clickEffect">
-                                  <p:stCondLst>
-                                    <p:cond delay="0"/>
-                                  </p:stCondLst>
-                                  <p:childTnLst>
-                                    <p:set>
-                                      <p:cBhvr>
-                                        <p:cTn id="33" dur="1" fill="hold">
-                                          <p:stCondLst>
-                                            <p:cond delay="0"/>
-                                          </p:stCondLst>
-                                        </p:cTn>
-                                        <p:tgtEl>
-                                          <p:spTgt spid="4098">
-                                            <p:txEl>
-                                              <p:pRg st="7" end="7"/>
-                                            </p:txEl>
-                                          </p:spTgt>
-                                        </p:tgtEl>
-                                        <p:attrNameLst>
-                                          <p:attrName>style.visibility</p:attrName>
-                                        </p:attrNameLst>
-                                      </p:cBhvr>
-                                      <p:to>
-                                        <p:strVal val="visible"/>
-                                      </p:to>
-                                    </p:set>
-                                    <p:animEffect transition="in" filter="fade">
-                                      <p:cBhvr>
-                                        <p:cTn id="34" dur="500"/>
-                                        <p:tgtEl>
-                                          <p:spTgt spid="4098">
-                                            <p:txEl>
-                                              <p:pRg st="7" end="7"/>
-                                            </p:txEl>
-                                          </p:spTgt>
-                                        </p:tgtEl>
-                                      </p:cBhvr>
-                                    </p:animEffect>
-                                  </p:childTnLst>
-                                </p:cTn>
-                              </p:par>
-                            </p:childTnLst>
-                          </p:cTn>
-                        </p:par>
-                      </p:childTnLst>
-                    </p:cTn>
-                  </p:par>
-                  <p:par>
-                    <p:cTn id="35" fill="hold" nodeType="clickPar">
-                      <p:stCondLst>
-                        <p:cond delay="indefinite"/>
-                      </p:stCondLst>
-                      <p:childTnLst>
-                        <p:par>
-                          <p:cTn id="36" fill="hold" nodeType="withGroup">
-                            <p:stCondLst>
-                              <p:cond delay="0"/>
-                            </p:stCondLst>
-                            <p:childTnLst>
-                              <p:par>
-                                <p:cTn id="37" presetID="10" presetClass="entr" presetSubtype="0" fill="hold" nodeType="clickEffect">
-                                  <p:stCondLst>
-                                    <p:cond delay="0"/>
-                                  </p:stCondLst>
-                                  <p:childTnLst>
-                                    <p:set>
-                                      <p:cBhvr>
-                                        <p:cTn id="38" dur="1" fill="hold">
-                                          <p:stCondLst>
-                                            <p:cond delay="0"/>
-                                          </p:stCondLst>
-                                        </p:cTn>
-                                        <p:tgtEl>
-                                          <p:spTgt spid="4098">
-                                            <p:txEl>
-                                              <p:pRg st="8" end="8"/>
-                                            </p:txEl>
-                                          </p:spTgt>
-                                        </p:tgtEl>
-                                        <p:attrNameLst>
-                                          <p:attrName>style.visibility</p:attrName>
-                                        </p:attrNameLst>
-                                      </p:cBhvr>
-                                      <p:to>
-                                        <p:strVal val="visible"/>
-                                      </p:to>
-                                    </p:set>
-                                    <p:animEffect transition="in" filter="fade">
-                                      <p:cBhvr>
-                                        <p:cTn id="39" dur="500"/>
-                                        <p:tgtEl>
-                                          <p:spTgt spid="4098">
-                                            <p:txEl>
-                                              <p:pRg st="8" end="8"/>
-                                            </p:txEl>
-                                          </p:spTgt>
-                                        </p:tgtEl>
-                                      </p:cBhvr>
-                                    </p:animEffect>
-                                  </p:childTnLst>
-                                </p:cTn>
-                              </p:par>
-                            </p:childTnLst>
-                          </p:cTn>
-                        </p:par>
-                      </p:childTnLst>
-                    </p:cTn>
-                  </p:par>
-                </p:childTnLst>
-              </p:cTn>
-              <p:prevCondLst>
-                <p:cond evt="onPrev" delay="0">
-                  <p:tgtEl>
-                    <p:sldTgt/>
-                  </p:tgtEl>
-                </p:cond>
-              </p:prevCondLst>
-              <p:nextCondLst>
-                <p:cond evt="onNext" delay="0">
-                  <p:tgtEl>
-                    <p:sldTgt/>
-                  </p:tgtEl>
-                </p:cond>
-              </p:nextCondLst>
-            </p:seq>
-          </p:childTnLst>
-        </p:cTn>
-      </p:par>
-    </p:tnLst>
-    <p:bldLst>
-      <p:bldP spid="2" grpId="0" animBg="1"/>
-    </p:bldLst>
-  </p:timing>
-</p:sld>
-</file>
-
-<file path=ppt/slides/slide11.xml><?xml version="1.0" encoding="utf-8"?>
-<p:sld xmlns:a="http://schemas.openxmlformats.org/drawingml/2006/main" xmlns:r="http://schemas.openxmlformats.org/officeDocument/2006/relationships" xmlns:p="http://schemas.openxmlformats.org/presentationml/2006/main">
-  <p:cSld>
-    <p:spTree>
-      <p:nvGrpSpPr>
-        <p:cNvPr id="1" name=""/>
-        <p:cNvGrpSpPr/>
-        <p:nvPr/>
-      </p:nvGrpSpPr>
-      <p:grpSpPr>
-        <a:xfrm>
-          <a:off x="0" y="0"/>
-          <a:ext cx="0" cy="0"/>
-          <a:chOff x="0" y="0"/>
-          <a:chExt cx="0" cy="0"/>
-        </a:xfrm>
-      </p:grpSpPr>
-      <p:sp>
-        <p:nvSpPr>
           <p:cNvPr id="5122" name="Text Box 2"/>
           <p:cNvSpPr txBox="1">
             <a:spLocks noChangeArrowheads="1"/>
@@ -5423,7 +4144,31 @@
                   <a:srgbClr val="3366FF"/>
                 </a:solidFill>
               </a:rPr>
-              <a:t>Интерфејси (5)</a:t>
+              <a:t>Интерфејси </a:t>
+            </a:r>
+            <a:r>
+              <a:rPr lang="sr-Cyrl-RS" kern="0" dirty="0" smtClean="0">
+                <a:solidFill>
+                  <a:srgbClr val="3366FF"/>
+                </a:solidFill>
+              </a:rPr>
+              <a:t>(</a:t>
+            </a:r>
+            <a:r>
+              <a:rPr lang="en-US" kern="0" dirty="0" smtClean="0">
+                <a:solidFill>
+                  <a:srgbClr val="3366FF"/>
+                </a:solidFill>
+              </a:rPr>
+              <a:t>4</a:t>
+            </a:r>
+            <a:r>
+              <a:rPr lang="sr-Cyrl-RS" kern="0" dirty="0" smtClean="0">
+                <a:solidFill>
+                  <a:srgbClr val="3366FF"/>
+                </a:solidFill>
+              </a:rPr>
+              <a:t>)</a:t>
             </a:r>
             <a:endParaRPr lang="sr-Latn-CS" kern="0" dirty="0" smtClean="0">
               <a:solidFill>
@@ -5881,6 +4626,891 @@
                                           <p:spTgt spid="5122">
                                             <p:txEl>
                                               <p:pRg st="6" end="6"/>
+                                            </p:txEl>
+                                          </p:spTgt>
+                                        </p:tgtEl>
+                                      </p:cBhvr>
+                                    </p:animEffect>
+                                  </p:childTnLst>
+                                </p:cTn>
+                              </p:par>
+                            </p:childTnLst>
+                          </p:cTn>
+                        </p:par>
+                      </p:childTnLst>
+                    </p:cTn>
+                  </p:par>
+                </p:childTnLst>
+              </p:cTn>
+              <p:prevCondLst>
+                <p:cond evt="onPrev" delay="0">
+                  <p:tgtEl>
+                    <p:sldTgt/>
+                  </p:tgtEl>
+                </p:cond>
+              </p:prevCondLst>
+              <p:nextCondLst>
+                <p:cond evt="onNext" delay="0">
+                  <p:tgtEl>
+                    <p:sldTgt/>
+                  </p:tgtEl>
+                </p:cond>
+              </p:nextCondLst>
+            </p:seq>
+          </p:childTnLst>
+        </p:cTn>
+      </p:par>
+    </p:tnLst>
+    <p:bldLst>
+      <p:bldP spid="2" grpId="0" animBg="1"/>
+    </p:bldLst>
+  </p:timing>
+</p:sld>
+</file>
+
+<file path=ppt/slides/slide11.xml><?xml version="1.0" encoding="utf-8"?>
+<p:sld xmlns:a="http://schemas.openxmlformats.org/drawingml/2006/main" xmlns:r="http://schemas.openxmlformats.org/officeDocument/2006/relationships" xmlns:p="http://schemas.openxmlformats.org/presentationml/2006/main">
+  <p:cSld>
+    <p:spTree>
+      <p:nvGrpSpPr>
+        <p:cNvPr id="1" name=""/>
+        <p:cNvGrpSpPr/>
+        <p:nvPr/>
+      </p:nvGrpSpPr>
+      <p:grpSpPr>
+        <a:xfrm>
+          <a:off x="0" y="0"/>
+          <a:ext cx="0" cy="0"/>
+          <a:chOff x="0" y="0"/>
+          <a:chExt cx="0" cy="0"/>
+        </a:xfrm>
+      </p:grpSpPr>
+      <p:sp>
+        <p:nvSpPr>
+          <p:cNvPr id="10242" name="Text Box 2"/>
+          <p:cNvSpPr txBox="1">
+            <a:spLocks noChangeArrowheads="1"/>
+          </p:cNvSpPr>
+          <p:nvPr/>
+        </p:nvSpPr>
+        <p:spPr bwMode="auto">
+          <a:xfrm>
+            <a:off x="395288" y="1557338"/>
+            <a:ext cx="8497887" cy="3247043"/>
+          </a:xfrm>
+          <a:prstGeom prst="rect">
+            <a:avLst/>
+          </a:prstGeom>
+          <a:noFill/>
+          <a:ln w="9525">
+            <a:noFill/>
+            <a:miter lim="800000"/>
+            <a:headEnd/>
+            <a:tailEnd/>
+          </a:ln>
+          <a:effectLst/>
+        </p:spPr>
+        <p:txBody>
+          <a:bodyPr>
+            <a:spAutoFit/>
+          </a:bodyPr>
+          <a:lstStyle/>
+          <a:p>
+            <a:pPr marL="342900" indent="-342900">
+              <a:spcBef>
+                <a:spcPct val="50000"/>
+              </a:spcBef>
+              <a:buFont typeface="Arial" panose="020B0604020202020204" pitchFamily="34" charset="0"/>
+              <a:buChar char="•"/>
+              <a:defRPr/>
+            </a:pPr>
+            <a:r>
+              <a:rPr lang="ru-RU" dirty="0">
+                <a:latin typeface="Garamond" pitchFamily="18" charset="0"/>
+              </a:rPr>
+              <a:t>Могу се декларитати променљиве које ће бити типа интерфејс (јер скоро свуда где користимо класе, можемо користити и интерфејсе!)</a:t>
+            </a:r>
+          </a:p>
+          <a:p>
+            <a:pPr marL="342900" indent="-342900">
+              <a:spcBef>
+                <a:spcPct val="50000"/>
+              </a:spcBef>
+              <a:buFont typeface="Arial" panose="020B0604020202020204" pitchFamily="34" charset="0"/>
+              <a:buChar char="•"/>
+              <a:defRPr/>
+            </a:pPr>
+            <a:r>
+              <a:rPr lang="ru-RU" dirty="0" smtClean="0">
+                <a:latin typeface="Garamond" pitchFamily="18" charset="0"/>
+              </a:rPr>
+              <a:t>На пример, </a:t>
+            </a:r>
+            <a:r>
+              <a:rPr lang="ru-RU" dirty="0" err="1" smtClean="0">
+                <a:latin typeface="Garamond" pitchFamily="18" charset="0"/>
+              </a:rPr>
+              <a:t>могуће</a:t>
+            </a:r>
+            <a:r>
+              <a:rPr lang="ru-RU" dirty="0" smtClean="0">
+                <a:latin typeface="Garamond" pitchFamily="18" charset="0"/>
+              </a:rPr>
+              <a:t> </a:t>
+            </a:r>
+            <a:r>
+              <a:rPr lang="ru-RU" dirty="0" err="1" smtClean="0">
+                <a:latin typeface="Garamond" pitchFamily="18" charset="0"/>
+              </a:rPr>
+              <a:t>је</a:t>
+            </a:r>
+            <a:r>
+              <a:rPr lang="ru-RU" dirty="0" smtClean="0">
+                <a:latin typeface="Garamond" pitchFamily="18" charset="0"/>
+              </a:rPr>
+              <a:t> </a:t>
+            </a:r>
+            <a:r>
+              <a:rPr lang="ru-RU" dirty="0" err="1" smtClean="0">
+                <a:latin typeface="Garamond" pitchFamily="18" charset="0"/>
+              </a:rPr>
+              <a:t>креирати</a:t>
+            </a:r>
+            <a:r>
+              <a:rPr lang="ru-RU" dirty="0" smtClean="0">
+                <a:latin typeface="Garamond" pitchFamily="18" charset="0"/>
+              </a:rPr>
+              <a:t> </a:t>
+            </a:r>
+            <a:r>
+              <a:rPr lang="ru-RU" dirty="0" err="1" smtClean="0">
+                <a:latin typeface="Garamond" pitchFamily="18" charset="0"/>
+              </a:rPr>
+              <a:t>објекат</a:t>
+            </a:r>
+            <a:r>
+              <a:rPr lang="ru-RU" dirty="0" smtClean="0">
+                <a:latin typeface="Garamond" pitchFamily="18" charset="0"/>
+              </a:rPr>
+              <a:t> на </a:t>
+            </a:r>
+            <a:r>
+              <a:rPr lang="ru-RU" dirty="0" err="1" smtClean="0">
+                <a:latin typeface="Garamond" pitchFamily="18" charset="0"/>
+              </a:rPr>
+              <a:t>следећи</a:t>
+            </a:r>
+            <a:r>
+              <a:rPr lang="ru-RU" dirty="0" smtClean="0">
+                <a:latin typeface="Garamond" pitchFamily="18" charset="0"/>
+              </a:rPr>
+              <a:t> начин:</a:t>
+            </a:r>
+          </a:p>
+          <a:p>
+            <a:pPr>
+              <a:spcBef>
+                <a:spcPct val="50000"/>
+              </a:spcBef>
+              <a:defRPr/>
+            </a:pPr>
+            <a:endParaRPr lang="ru-RU" sz="800" dirty="0">
+              <a:latin typeface="Garamond" pitchFamily="18" charset="0"/>
+            </a:endParaRPr>
+          </a:p>
+          <a:p>
+            <a:r>
+              <a:rPr lang="sr-Cyrl-RS" sz="1500" dirty="0" smtClean="0">
+                <a:solidFill>
+                  <a:srgbClr val="000000"/>
+                </a:solidFill>
+                <a:latin typeface="Courier New" panose="02070309020205020404" pitchFamily="49" charset="0"/>
+              </a:rPr>
+              <a:t>	</a:t>
+            </a:r>
+            <a:r>
+              <a:rPr lang="sr-Latn-RS" sz="1500" dirty="0" smtClean="0">
+                <a:solidFill>
+                  <a:srgbClr val="000000"/>
+                </a:solidFill>
+                <a:latin typeface="Courier New" panose="02070309020205020404" pitchFamily="49" charset="0"/>
+              </a:rPr>
+              <a:t>Runnable </a:t>
+            </a:r>
+            <a:r>
+              <a:rPr lang="sr-Latn-RS" sz="1500" dirty="0">
+                <a:solidFill>
+                  <a:srgbClr val="000000"/>
+                </a:solidFill>
+                <a:latin typeface="Courier New" panose="02070309020205020404" pitchFamily="49" charset="0"/>
+              </a:rPr>
+              <a:t>trceci </a:t>
+            </a:r>
+            <a:r>
+              <a:rPr lang="sr-Latn-RS" sz="1500" b="1" dirty="0" smtClean="0">
+                <a:solidFill>
+                  <a:srgbClr val="000080"/>
+                </a:solidFill>
+                <a:effectLst/>
+                <a:latin typeface="Courier New" panose="02070309020205020404" pitchFamily="49" charset="0"/>
+              </a:rPr>
+              <a:t>=</a:t>
+            </a:r>
+            <a:r>
+              <a:rPr lang="sr-Latn-RS" sz="1500" dirty="0">
+                <a:solidFill>
+                  <a:srgbClr val="000000"/>
+                </a:solidFill>
+                <a:latin typeface="Courier New" panose="02070309020205020404" pitchFamily="49" charset="0"/>
+              </a:rPr>
+              <a:t> </a:t>
+            </a:r>
+            <a:r>
+              <a:rPr lang="sr-Latn-RS" sz="1500" b="1" dirty="0" smtClean="0">
+                <a:solidFill>
+                  <a:srgbClr val="0000FF"/>
+                </a:solidFill>
+                <a:effectLst/>
+                <a:latin typeface="Courier New" panose="02070309020205020404" pitchFamily="49" charset="0"/>
+              </a:rPr>
+              <a:t>new</a:t>
+            </a:r>
+            <a:r>
+              <a:rPr lang="sr-Latn-RS" sz="1500" dirty="0">
+                <a:solidFill>
+                  <a:srgbClr val="000000"/>
+                </a:solidFill>
+                <a:latin typeface="Courier New" panose="02070309020205020404" pitchFamily="49" charset="0"/>
+              </a:rPr>
+              <a:t> MojObjekat</a:t>
+            </a:r>
+            <a:r>
+              <a:rPr lang="sr-Latn-RS" sz="1500" b="1" dirty="0" smtClean="0">
+                <a:solidFill>
+                  <a:srgbClr val="000080"/>
+                </a:solidFill>
+                <a:effectLst/>
+                <a:latin typeface="Courier New" panose="02070309020205020404" pitchFamily="49" charset="0"/>
+              </a:rPr>
+              <a:t>();</a:t>
+            </a:r>
+            <a:endParaRPr lang="sr-Cyrl-RS" sz="1500" dirty="0" smtClean="0">
+              <a:latin typeface="Garamond" pitchFamily="18" charset="0"/>
+            </a:endParaRPr>
+          </a:p>
+          <a:p>
+            <a:pPr marL="342900" indent="-342900">
+              <a:spcBef>
+                <a:spcPct val="50000"/>
+              </a:spcBef>
+              <a:buFont typeface="Arial" panose="020B0604020202020204" pitchFamily="34" charset="0"/>
+              <a:buChar char="•"/>
+              <a:defRPr/>
+            </a:pPr>
+            <a:r>
+              <a:rPr lang="sr-Cyrl-RS" dirty="0" smtClean="0">
+                <a:latin typeface="Garamond" pitchFamily="18" charset="0"/>
+              </a:rPr>
+              <a:t>Од </a:t>
+            </a:r>
+            <a:r>
+              <a:rPr lang="sr-Cyrl-RS" dirty="0">
+                <a:latin typeface="Garamond" pitchFamily="18" charset="0"/>
+              </a:rPr>
+              <a:t>објекта</a:t>
+            </a:r>
+            <a:r>
+              <a:rPr lang="en-US" sz="2800" dirty="0">
+                <a:latin typeface="Garamond" pitchFamily="18" charset="0"/>
+              </a:rPr>
+              <a:t> </a:t>
+            </a:r>
+            <a:r>
+              <a:rPr lang="en-US" sz="1800" dirty="0" err="1">
+                <a:latin typeface="+mn-lt"/>
+              </a:rPr>
+              <a:t>trceci</a:t>
+            </a:r>
+            <a:r>
+              <a:rPr lang="en-US" dirty="0">
+                <a:latin typeface="Garamond" pitchFamily="18" charset="0"/>
+              </a:rPr>
+              <a:t> </a:t>
+            </a:r>
+            <a:r>
+              <a:rPr lang="sr-Cyrl-RS" dirty="0">
+                <a:latin typeface="Garamond" pitchFamily="18" charset="0"/>
+              </a:rPr>
+              <a:t>се очекује да извршава метод </a:t>
+            </a:r>
+            <a:r>
+              <a:rPr lang="en-US" sz="1800" dirty="0">
+                <a:latin typeface="+mn-lt"/>
+              </a:rPr>
+              <a:t>run()</a:t>
+            </a:r>
+            <a:r>
+              <a:rPr lang="en-US" dirty="0">
+                <a:latin typeface="Garamond" pitchFamily="18" charset="0"/>
+              </a:rPr>
+              <a:t> </a:t>
+            </a:r>
+            <a:r>
+              <a:rPr lang="sr-Cyrl-RS" dirty="0">
+                <a:latin typeface="Garamond" pitchFamily="18" charset="0"/>
+              </a:rPr>
+              <a:t>интерфејса</a:t>
+            </a:r>
+            <a:r>
+              <a:rPr lang="en-US" sz="2800" dirty="0">
+                <a:latin typeface="Garamond" pitchFamily="18" charset="0"/>
+              </a:rPr>
+              <a:t> </a:t>
+            </a:r>
+            <a:r>
+              <a:rPr lang="en-US" sz="1800" dirty="0">
+                <a:latin typeface="+mn-lt"/>
+              </a:rPr>
+              <a:t>R</a:t>
+            </a:r>
+            <a:r>
+              <a:rPr lang="sr-Latn-ME" sz="1800" dirty="0">
+                <a:latin typeface="+mn-lt"/>
+              </a:rPr>
+              <a:t>u</a:t>
+            </a:r>
+            <a:r>
+              <a:rPr lang="en-US" sz="1800" dirty="0" err="1">
+                <a:latin typeface="+mn-lt"/>
+              </a:rPr>
+              <a:t>nnable</a:t>
+            </a:r>
+            <a:r>
+              <a:rPr lang="en-US" sz="2800" dirty="0">
+                <a:latin typeface="Garamond" pitchFamily="18" charset="0"/>
+              </a:rPr>
+              <a:t>.</a:t>
+            </a:r>
+          </a:p>
+        </p:txBody>
+      </p:sp>
+      <p:sp>
+        <p:nvSpPr>
+          <p:cNvPr id="3" name="Rectangle 2"/>
+          <p:cNvSpPr txBox="1">
+            <a:spLocks noChangeArrowheads="1"/>
+          </p:cNvSpPr>
+          <p:nvPr/>
+        </p:nvSpPr>
+        <p:spPr bwMode="auto">
+          <a:xfrm>
+            <a:off x="1447800" y="427038"/>
+            <a:ext cx="7696200" cy="914400"/>
+          </a:xfrm>
+          <a:prstGeom prst="rect">
+            <a:avLst/>
+          </a:prstGeom>
+          <a:noFill/>
+          <a:ln>
+            <a:noFill/>
+          </a:ln>
+          <a:extLst>
+            <a:ext uri="{909E8E84-426E-40DD-AFC4-6F175D3DCCD1}">
+              <a14:hiddenFill xmlns:a14="http://schemas.microsoft.com/office/drawing/2010/main">
+                <a:solidFill>
+                  <a:srgbClr val="FFFFFF"/>
+                </a:solidFill>
+              </a14:hiddenFill>
+            </a:ext>
+            <a:ext uri="{91240B29-F687-4F45-9708-019B960494DF}">
+              <a14:hiddenLine xmlns:a14="http://schemas.microsoft.com/office/drawing/2010/main" w="9525">
+                <a:solidFill>
+                  <a:srgbClr val="000000"/>
+                </a:solidFill>
+                <a:miter lim="800000"/>
+                <a:headEnd/>
+                <a:tailEnd/>
+              </a14:hiddenLine>
+            </a:ext>
+          </a:extLst>
+        </p:spPr>
+        <p:txBody>
+          <a:bodyPr anchor="ctr"/>
+          <a:lstStyle>
+            <a:lvl1pPr algn="l" rtl="0" eaLnBrk="0" fontAlgn="base" hangingPunct="0">
+              <a:spcBef>
+                <a:spcPct val="0"/>
+              </a:spcBef>
+              <a:spcAft>
+                <a:spcPct val="0"/>
+              </a:spcAft>
+              <a:defRPr sz="3800">
+                <a:solidFill>
+                  <a:schemeClr val="tx2"/>
+                </a:solidFill>
+                <a:latin typeface="+mj-lt"/>
+                <a:ea typeface="+mj-ea"/>
+                <a:cs typeface="+mj-cs"/>
+              </a:defRPr>
+            </a:lvl1pPr>
+            <a:lvl2pPr algn="l" rtl="0" eaLnBrk="0" fontAlgn="base" hangingPunct="0">
+              <a:spcBef>
+                <a:spcPct val="0"/>
+              </a:spcBef>
+              <a:spcAft>
+                <a:spcPct val="0"/>
+              </a:spcAft>
+              <a:defRPr sz="3800">
+                <a:solidFill>
+                  <a:schemeClr val="tx2"/>
+                </a:solidFill>
+                <a:latin typeface="Arial" charset="0"/>
+              </a:defRPr>
+            </a:lvl2pPr>
+            <a:lvl3pPr algn="l" rtl="0" eaLnBrk="0" fontAlgn="base" hangingPunct="0">
+              <a:spcBef>
+                <a:spcPct val="0"/>
+              </a:spcBef>
+              <a:spcAft>
+                <a:spcPct val="0"/>
+              </a:spcAft>
+              <a:defRPr sz="3800">
+                <a:solidFill>
+                  <a:schemeClr val="tx2"/>
+                </a:solidFill>
+                <a:latin typeface="Arial" charset="0"/>
+              </a:defRPr>
+            </a:lvl3pPr>
+            <a:lvl4pPr algn="l" rtl="0" eaLnBrk="0" fontAlgn="base" hangingPunct="0">
+              <a:spcBef>
+                <a:spcPct val="0"/>
+              </a:spcBef>
+              <a:spcAft>
+                <a:spcPct val="0"/>
+              </a:spcAft>
+              <a:defRPr sz="3800">
+                <a:solidFill>
+                  <a:schemeClr val="tx2"/>
+                </a:solidFill>
+                <a:latin typeface="Arial" charset="0"/>
+              </a:defRPr>
+            </a:lvl4pPr>
+            <a:lvl5pPr algn="l" rtl="0" eaLnBrk="0" fontAlgn="base" hangingPunct="0">
+              <a:spcBef>
+                <a:spcPct val="0"/>
+              </a:spcBef>
+              <a:spcAft>
+                <a:spcPct val="0"/>
+              </a:spcAft>
+              <a:defRPr sz="3800">
+                <a:solidFill>
+                  <a:schemeClr val="tx2"/>
+                </a:solidFill>
+                <a:latin typeface="Arial" charset="0"/>
+              </a:defRPr>
+            </a:lvl5pPr>
+            <a:lvl6pPr marL="457200" algn="l" rtl="0" fontAlgn="base">
+              <a:spcBef>
+                <a:spcPct val="0"/>
+              </a:spcBef>
+              <a:spcAft>
+                <a:spcPct val="0"/>
+              </a:spcAft>
+              <a:defRPr sz="3800">
+                <a:solidFill>
+                  <a:schemeClr val="tx2"/>
+                </a:solidFill>
+                <a:latin typeface="Arial" charset="0"/>
+              </a:defRPr>
+            </a:lvl6pPr>
+            <a:lvl7pPr marL="914400" algn="l" rtl="0" fontAlgn="base">
+              <a:spcBef>
+                <a:spcPct val="0"/>
+              </a:spcBef>
+              <a:spcAft>
+                <a:spcPct val="0"/>
+              </a:spcAft>
+              <a:defRPr sz="3800">
+                <a:solidFill>
+                  <a:schemeClr val="tx2"/>
+                </a:solidFill>
+                <a:latin typeface="Arial" charset="0"/>
+              </a:defRPr>
+            </a:lvl7pPr>
+            <a:lvl8pPr marL="1371600" algn="l" rtl="0" fontAlgn="base">
+              <a:spcBef>
+                <a:spcPct val="0"/>
+              </a:spcBef>
+              <a:spcAft>
+                <a:spcPct val="0"/>
+              </a:spcAft>
+              <a:defRPr sz="3800">
+                <a:solidFill>
+                  <a:schemeClr val="tx2"/>
+                </a:solidFill>
+                <a:latin typeface="Arial" charset="0"/>
+              </a:defRPr>
+            </a:lvl8pPr>
+            <a:lvl9pPr marL="1828800" algn="l" rtl="0" fontAlgn="base">
+              <a:spcBef>
+                <a:spcPct val="0"/>
+              </a:spcBef>
+              <a:spcAft>
+                <a:spcPct val="0"/>
+              </a:spcAft>
+              <a:defRPr sz="3800">
+                <a:solidFill>
+                  <a:schemeClr val="tx2"/>
+                </a:solidFill>
+                <a:latin typeface="Arial" charset="0"/>
+              </a:defRPr>
+            </a:lvl9pPr>
+          </a:lstStyle>
+          <a:p>
+            <a:pPr eaLnBrk="1" hangingPunct="1">
+              <a:defRPr/>
+            </a:pPr>
+            <a:r>
+              <a:rPr lang="sr-Cyrl-RS" kern="0" dirty="0" smtClean="0">
+                <a:solidFill>
+                  <a:srgbClr val="3366FF"/>
+                </a:solidFill>
+              </a:rPr>
+              <a:t>Интерфејси </a:t>
+            </a:r>
+            <a:r>
+              <a:rPr lang="sr-Cyrl-RS" kern="0" dirty="0" smtClean="0">
+                <a:solidFill>
+                  <a:srgbClr val="3366FF"/>
+                </a:solidFill>
+              </a:rPr>
+              <a:t>(</a:t>
+            </a:r>
+            <a:r>
+              <a:rPr lang="en-US" kern="0" dirty="0" smtClean="0">
+                <a:solidFill>
+                  <a:srgbClr val="3366FF"/>
+                </a:solidFill>
+              </a:rPr>
+              <a:t>5</a:t>
+            </a:r>
+            <a:r>
+              <a:rPr lang="sr-Cyrl-RS" kern="0" dirty="0" smtClean="0">
+                <a:solidFill>
+                  <a:srgbClr val="3366FF"/>
+                </a:solidFill>
+              </a:rPr>
+              <a:t>)</a:t>
+            </a:r>
+            <a:endParaRPr lang="sr-Latn-CS" kern="0" dirty="0" smtClean="0">
+              <a:solidFill>
+                <a:srgbClr val="3366FF"/>
+              </a:solidFill>
+            </a:endParaRPr>
+          </a:p>
+        </p:txBody>
+      </p:sp>
+      <p:sp>
+        <p:nvSpPr>
+          <p:cNvPr id="2" name="Rectangle 1"/>
+          <p:cNvSpPr/>
+          <p:nvPr/>
+        </p:nvSpPr>
+        <p:spPr>
+          <a:xfrm>
+            <a:off x="1331640" y="3356992"/>
+            <a:ext cx="4176464" cy="432048"/>
+          </a:xfrm>
+          <a:prstGeom prst="rect">
+            <a:avLst/>
+          </a:prstGeom>
+          <a:noFill/>
+        </p:spPr>
+        <p:style>
+          <a:lnRef idx="2">
+            <a:schemeClr val="accent1">
+              <a:shade val="50000"/>
+            </a:schemeClr>
+          </a:lnRef>
+          <a:fillRef idx="1">
+            <a:schemeClr val="accent1"/>
+          </a:fillRef>
+          <a:effectRef idx="0">
+            <a:schemeClr val="accent1"/>
+          </a:effectRef>
+          <a:fontRef idx="minor">
+            <a:schemeClr val="lt1"/>
+          </a:fontRef>
+        </p:style>
+        <p:txBody>
+          <a:bodyPr rtlCol="0" anchor="ctr"/>
+          <a:lstStyle/>
+          <a:p>
+            <a:pPr algn="ctr"/>
+            <a:endParaRPr lang="sr-Latn-RS"/>
+          </a:p>
+        </p:txBody>
+      </p:sp>
+    </p:spTree>
+  </p:cSld>
+  <p:clrMapOvr>
+    <a:masterClrMapping/>
+  </p:clrMapOvr>
+  <p:timing>
+    <p:tnLst>
+      <p:par>
+        <p:cTn id="1" dur="indefinite" restart="never" nodeType="tmRoot">
+          <p:childTnLst>
+            <p:seq concurrent="1" nextAc="seek">
+              <p:cTn id="2" dur="indefinite" nodeType="mainSeq">
+                <p:childTnLst>
+                  <p:par>
+                    <p:cTn id="3" fill="hold" nodeType="clickPar">
+                      <p:stCondLst>
+                        <p:cond delay="indefinite"/>
+                      </p:stCondLst>
+                      <p:childTnLst>
+                        <p:par>
+                          <p:cTn id="4" fill="hold" nodeType="withGroup">
+                            <p:stCondLst>
+                              <p:cond delay="0"/>
+                            </p:stCondLst>
+                            <p:childTnLst>
+                              <p:par>
+                                <p:cTn id="5" presetID="10" presetClass="entr" presetSubtype="0" fill="hold" nodeType="clickEffect">
+                                  <p:stCondLst>
+                                    <p:cond delay="0"/>
+                                  </p:stCondLst>
+                                  <p:childTnLst>
+                                    <p:set>
+                                      <p:cBhvr>
+                                        <p:cTn id="6" dur="1" fill="hold">
+                                          <p:stCondLst>
+                                            <p:cond delay="0"/>
+                                          </p:stCondLst>
+                                        </p:cTn>
+                                        <p:tgtEl>
+                                          <p:spTgt spid="10242">
+                                            <p:txEl>
+                                              <p:pRg st="0" end="0"/>
+                                            </p:txEl>
+                                          </p:spTgt>
+                                        </p:tgtEl>
+                                        <p:attrNameLst>
+                                          <p:attrName>style.visibility</p:attrName>
+                                        </p:attrNameLst>
+                                      </p:cBhvr>
+                                      <p:to>
+                                        <p:strVal val="visible"/>
+                                      </p:to>
+                                    </p:set>
+                                    <p:animEffect transition="in" filter="fade">
+                                      <p:cBhvr>
+                                        <p:cTn id="7" dur="500"/>
+                                        <p:tgtEl>
+                                          <p:spTgt spid="10242">
+                                            <p:txEl>
+                                              <p:pRg st="0" end="0"/>
+                                            </p:txEl>
+                                          </p:spTgt>
+                                        </p:tgtEl>
+                                      </p:cBhvr>
+                                    </p:animEffect>
+                                  </p:childTnLst>
+                                </p:cTn>
+                              </p:par>
+                            </p:childTnLst>
+                          </p:cTn>
+                        </p:par>
+                      </p:childTnLst>
+                    </p:cTn>
+                  </p:par>
+                  <p:par>
+                    <p:cTn id="8" fill="hold" nodeType="clickPar">
+                      <p:stCondLst>
+                        <p:cond delay="indefinite"/>
+                      </p:stCondLst>
+                      <p:childTnLst>
+                        <p:par>
+                          <p:cTn id="9" fill="hold" nodeType="withGroup">
+                            <p:stCondLst>
+                              <p:cond delay="0"/>
+                            </p:stCondLst>
+                            <p:childTnLst>
+                              <p:par>
+                                <p:cTn id="10" presetID="10" presetClass="entr" presetSubtype="0" fill="hold" nodeType="clickEffect">
+                                  <p:stCondLst>
+                                    <p:cond delay="0"/>
+                                  </p:stCondLst>
+                                  <p:childTnLst>
+                                    <p:set>
+                                      <p:cBhvr>
+                                        <p:cTn id="11" dur="1" fill="hold">
+                                          <p:stCondLst>
+                                            <p:cond delay="0"/>
+                                          </p:stCondLst>
+                                        </p:cTn>
+                                        <p:tgtEl>
+                                          <p:spTgt spid="10242">
+                                            <p:txEl>
+                                              <p:pRg st="1" end="1"/>
+                                            </p:txEl>
+                                          </p:spTgt>
+                                        </p:tgtEl>
+                                        <p:attrNameLst>
+                                          <p:attrName>style.visibility</p:attrName>
+                                        </p:attrNameLst>
+                                      </p:cBhvr>
+                                      <p:to>
+                                        <p:strVal val="visible"/>
+                                      </p:to>
+                                    </p:set>
+                                    <p:animEffect transition="in" filter="fade">
+                                      <p:cBhvr>
+                                        <p:cTn id="12" dur="500"/>
+                                        <p:tgtEl>
+                                          <p:spTgt spid="10242">
+                                            <p:txEl>
+                                              <p:pRg st="1" end="1"/>
+                                            </p:txEl>
+                                          </p:spTgt>
+                                        </p:tgtEl>
+                                      </p:cBhvr>
+                                    </p:animEffect>
+                                  </p:childTnLst>
+                                </p:cTn>
+                              </p:par>
+                              <p:par>
+                                <p:cTn id="13" presetID="10" presetClass="entr" presetSubtype="0" fill="hold" grpId="0" nodeType="withEffect">
+                                  <p:stCondLst>
+                                    <p:cond delay="0"/>
+                                  </p:stCondLst>
+                                  <p:childTnLst>
+                                    <p:set>
+                                      <p:cBhvr>
+                                        <p:cTn id="14" dur="1" fill="hold">
+                                          <p:stCondLst>
+                                            <p:cond delay="0"/>
+                                          </p:stCondLst>
+                                        </p:cTn>
+                                        <p:tgtEl>
+                                          <p:spTgt spid="2"/>
+                                        </p:tgtEl>
+                                        <p:attrNameLst>
+                                          <p:attrName>style.visibility</p:attrName>
+                                        </p:attrNameLst>
+                                      </p:cBhvr>
+                                      <p:to>
+                                        <p:strVal val="visible"/>
+                                      </p:to>
+                                    </p:set>
+                                    <p:animEffect transition="in" filter="fade">
+                                      <p:cBhvr>
+                                        <p:cTn id="15" dur="500"/>
+                                        <p:tgtEl>
+                                          <p:spTgt spid="2"/>
+                                        </p:tgtEl>
+                                      </p:cBhvr>
+                                    </p:animEffect>
+                                  </p:childTnLst>
+                                </p:cTn>
+                              </p:par>
+                              <p:par>
+                                <p:cTn id="16" presetID="10" presetClass="entr" presetSubtype="0" fill="hold" nodeType="withEffect">
+                                  <p:stCondLst>
+                                    <p:cond delay="0"/>
+                                  </p:stCondLst>
+                                  <p:childTnLst>
+                                    <p:set>
+                                      <p:cBhvr>
+                                        <p:cTn id="17" dur="1" fill="hold">
+                                          <p:stCondLst>
+                                            <p:cond delay="0"/>
+                                          </p:stCondLst>
+                                        </p:cTn>
+                                        <p:tgtEl>
+                                          <p:spTgt spid="10242">
+                                            <p:txEl>
+                                              <p:pRg st="3" end="3"/>
+                                            </p:txEl>
+                                          </p:spTgt>
+                                        </p:tgtEl>
+                                        <p:attrNameLst>
+                                          <p:attrName>style.visibility</p:attrName>
+                                        </p:attrNameLst>
+                                      </p:cBhvr>
+                                      <p:to>
+                                        <p:strVal val="visible"/>
+                                      </p:to>
+                                    </p:set>
+                                    <p:animEffect transition="in" filter="fade">
+                                      <p:cBhvr>
+                                        <p:cTn id="18" dur="500"/>
+                                        <p:tgtEl>
+                                          <p:spTgt spid="10242">
+                                            <p:txEl>
+                                              <p:pRg st="3" end="3"/>
+                                            </p:txEl>
+                                          </p:spTgt>
+                                        </p:tgtEl>
+                                      </p:cBhvr>
+                                    </p:animEffect>
+                                  </p:childTnLst>
+                                </p:cTn>
+                              </p:par>
+                            </p:childTnLst>
+                          </p:cTn>
+                        </p:par>
+                      </p:childTnLst>
+                    </p:cTn>
+                  </p:par>
+                  <p:par>
+                    <p:cTn id="19" fill="hold" nodeType="clickPar">
+                      <p:stCondLst>
+                        <p:cond delay="indefinite"/>
+                      </p:stCondLst>
+                      <p:childTnLst>
+                        <p:par>
+                          <p:cTn id="20" fill="hold" nodeType="withGroup">
+                            <p:stCondLst>
+                              <p:cond delay="0"/>
+                            </p:stCondLst>
+                            <p:childTnLst>
+                              <p:par>
+                                <p:cTn id="21" presetID="10" presetClass="entr" presetSubtype="0" fill="hold" nodeType="clickEffect">
+                                  <p:stCondLst>
+                                    <p:cond delay="0"/>
+                                  </p:stCondLst>
+                                  <p:childTnLst>
+                                    <p:set>
+                                      <p:cBhvr>
+                                        <p:cTn id="22" dur="1" fill="hold">
+                                          <p:stCondLst>
+                                            <p:cond delay="0"/>
+                                          </p:stCondLst>
+                                        </p:cTn>
+                                        <p:tgtEl>
+                                          <p:spTgt spid="10242">
+                                            <p:txEl>
+                                              <p:pRg st="4" end="4"/>
+                                            </p:txEl>
+                                          </p:spTgt>
+                                        </p:tgtEl>
+                                        <p:attrNameLst>
+                                          <p:attrName>style.visibility</p:attrName>
+                                        </p:attrNameLst>
+                                      </p:cBhvr>
+                                      <p:to>
+                                        <p:strVal val="visible"/>
+                                      </p:to>
+                                    </p:set>
+                                    <p:animEffect transition="in" filter="fade">
+                                      <p:cBhvr>
+                                        <p:cTn id="23" dur="500"/>
+                                        <p:tgtEl>
+                                          <p:spTgt spid="10242">
+                                            <p:txEl>
+                                              <p:pRg st="4" end="4"/>
                                             </p:txEl>
                                           </p:spTgt>
                                         </p:tgtEl>
@@ -7047,7 +6677,31 @@
                   <a:srgbClr val="3366FF"/>
                 </a:solidFill>
               </a:rPr>
-              <a:t>Интерфејси (6)</a:t>
+              <a:t>Интерфејси </a:t>
+            </a:r>
+            <a:r>
+              <a:rPr lang="sr-Cyrl-RS" kern="0" dirty="0" smtClean="0">
+                <a:solidFill>
+                  <a:srgbClr val="3366FF"/>
+                </a:solidFill>
+              </a:rPr>
+              <a:t>(</a:t>
+            </a:r>
+            <a:r>
+              <a:rPr lang="en-US" kern="0" dirty="0" smtClean="0">
+                <a:solidFill>
+                  <a:srgbClr val="3366FF"/>
+                </a:solidFill>
+              </a:rPr>
+              <a:t>6</a:t>
+            </a:r>
+            <a:r>
+              <a:rPr lang="sr-Cyrl-RS" kern="0" dirty="0" smtClean="0">
+                <a:solidFill>
+                  <a:srgbClr val="3366FF"/>
+                </a:solidFill>
+              </a:rPr>
+              <a:t>)</a:t>
             </a:r>
             <a:endParaRPr lang="sr-Latn-CS" kern="0" dirty="0" smtClean="0">
               <a:solidFill>
@@ -8519,7 +8173,31 @@
                   <a:srgbClr val="3366FF"/>
                 </a:solidFill>
               </a:rPr>
-              <a:t>Интерфејси (7)</a:t>
+              <a:t>Интерфејси </a:t>
+            </a:r>
+            <a:r>
+              <a:rPr lang="sr-Cyrl-RS" kern="0" dirty="0" smtClean="0">
+                <a:solidFill>
+                  <a:srgbClr val="3366FF"/>
+                </a:solidFill>
+              </a:rPr>
+              <a:t>(</a:t>
+            </a:r>
+            <a:r>
+              <a:rPr lang="en-US" kern="0" dirty="0">
+                <a:solidFill>
+                  <a:srgbClr val="3366FF"/>
+                </a:solidFill>
+              </a:rPr>
+              <a:t>7</a:t>
+            </a:r>
+            <a:r>
+              <a:rPr lang="sr-Cyrl-RS" kern="0" dirty="0" smtClean="0">
+                <a:solidFill>
+                  <a:srgbClr val="3366FF"/>
+                </a:solidFill>
+              </a:rPr>
+              <a:t>)</a:t>
             </a:r>
             <a:endParaRPr lang="sr-Latn-CS" kern="0" dirty="0" smtClean="0">
               <a:solidFill>
@@ -9081,7 +8759,7 @@
       </p:grpSpPr>
       <p:sp>
         <p:nvSpPr>
-          <p:cNvPr id="10242" name="Text Box 2"/>
+          <p:cNvPr id="4098" name="Text Box 2"/>
           <p:cNvSpPr txBox="1">
             <a:spLocks noChangeArrowheads="1"/>
           </p:cNvSpPr>
@@ -9089,8 +8767,8 @@
         </p:nvSpPr>
         <p:spPr bwMode="auto">
           <a:xfrm>
-            <a:off x="395288" y="1557338"/>
-            <a:ext cx="8497887" cy="3247043"/>
+            <a:off x="611188" y="1412875"/>
+            <a:ext cx="8305800" cy="4385816"/>
           </a:xfrm>
           <a:prstGeom prst="rect">
             <a:avLst/>
@@ -9110,7 +8788,7 @@
           </a:bodyPr>
           <a:lstStyle/>
           <a:p>
-            <a:pPr marL="342900" indent="-342900">
+            <a:pPr marL="342900" indent="-342900" eaLnBrk="0" hangingPunct="0">
               <a:spcBef>
                 <a:spcPct val="50000"/>
               </a:spcBef>
@@ -9119,14 +8797,17 @@
               <a:defRPr/>
             </a:pPr>
             <a:r>
-              <a:rPr lang="ru-RU" dirty="0">
-                <a:latin typeface="Garamond" pitchFamily="18" charset="0"/>
-              </a:rPr>
-              <a:t>Могу се декларитати променљиве које ће бити типа интерфејс (јер скоро свуда где користимо класе, можемо користити и интерфејсе!)</a:t>
-            </a:r>
+              <a:rPr lang="vi-VN" dirty="0">
+                <a:latin typeface="Garamond" pitchFamily="18" charset="0"/>
+              </a:rPr>
+              <a:t>Код интерфејса нема хијерархијске организације. </a:t>
+            </a:r>
+            <a:endParaRPr lang="sr-Cyrl-RS" dirty="0" smtClean="0">
+              <a:latin typeface="Garamond" pitchFamily="18" charset="0"/>
+            </a:endParaRPr>
           </a:p>
           <a:p>
-            <a:pPr marL="342900" indent="-342900">
+            <a:pPr marL="342900" indent="-342900" eaLnBrk="0" hangingPunct="0">
               <a:spcBef>
                 <a:spcPct val="50000"/>
               </a:spcBef>
@@ -9135,84 +8816,236 @@
               <a:defRPr/>
             </a:pPr>
             <a:r>
-              <a:rPr lang="ru-RU" dirty="0" smtClean="0">
-                <a:latin typeface="Garamond" pitchFamily="18" charset="0"/>
-              </a:rPr>
-              <a:t>На пример, </a:t>
-            </a:r>
-            <a:r>
-              <a:rPr lang="ru-RU" dirty="0" err="1" smtClean="0">
-                <a:latin typeface="Garamond" pitchFamily="18" charset="0"/>
-              </a:rPr>
-              <a:t>могуће</a:t>
-            </a:r>
-            <a:r>
-              <a:rPr lang="ru-RU" dirty="0" smtClean="0">
+              <a:rPr lang="sr-Cyrl-RS" dirty="0" smtClean="0">
+                <a:latin typeface="Garamond" pitchFamily="18" charset="0"/>
+              </a:rPr>
+              <a:t>Како </a:t>
+            </a:r>
+            <a:r>
+              <a:rPr lang="sr-Cyrl-RS" dirty="0">
+                <a:latin typeface="Garamond" pitchFamily="18" charset="0"/>
+              </a:rPr>
+              <a:t>би </a:t>
+            </a:r>
+            <a:r>
+              <a:rPr lang="vi-VN" dirty="0">
+                <a:latin typeface="Garamond" pitchFamily="18" charset="0"/>
+              </a:rPr>
+              <a:t>нагласили да један интерфејс насле</a:t>
+            </a:r>
+            <a:r>
+              <a:rPr lang="sr-Cyrl-RS" dirty="0">
+                <a:latin typeface="Garamond" pitchFamily="18" charset="0"/>
+              </a:rPr>
+              <a:t>ђ</a:t>
+            </a:r>
+            <a:r>
+              <a:rPr lang="vi-VN" dirty="0">
+                <a:latin typeface="Garamond" pitchFamily="18" charset="0"/>
+              </a:rPr>
+              <a:t>ује ви</a:t>
+            </a:r>
+            <a:r>
+              <a:rPr lang="sr-Cyrl-RS" dirty="0">
+                <a:latin typeface="Garamond" pitchFamily="18" charset="0"/>
+              </a:rPr>
+              <a:t>ш</a:t>
+            </a:r>
+            <a:r>
+              <a:rPr lang="vi-VN" dirty="0">
+                <a:latin typeface="Garamond" pitchFamily="18" charset="0"/>
+              </a:rPr>
+              <a:t>е других, иза кљу</a:t>
+            </a:r>
+            <a:r>
+              <a:rPr lang="sr-Cyrl-RS" dirty="0">
+                <a:latin typeface="Garamond" pitchFamily="18" charset="0"/>
+              </a:rPr>
+              <a:t>ч</a:t>
+            </a:r>
+            <a:r>
+              <a:rPr lang="vi-VN" dirty="0">
+                <a:latin typeface="Garamond" pitchFamily="18" charset="0"/>
+              </a:rPr>
+              <a:t>не ре</a:t>
+            </a:r>
+            <a:r>
+              <a:rPr lang="sr-Cyrl-RS" dirty="0">
+                <a:latin typeface="Garamond" pitchFamily="18" charset="0"/>
+              </a:rPr>
+              <a:t>ч</a:t>
+            </a:r>
+            <a:r>
+              <a:rPr lang="vi-VN" dirty="0">
+                <a:latin typeface="Garamond" pitchFamily="18" charset="0"/>
+              </a:rPr>
+              <a:t>и </a:t>
+            </a:r>
+            <a:r>
+              <a:rPr lang="en-US" sz="1800" dirty="0">
+                <a:latin typeface="+mn-lt"/>
+              </a:rPr>
+              <a:t>extends</a:t>
+            </a:r>
+            <a:r>
+              <a:rPr lang="en-US" sz="1800" dirty="0">
                 <a:latin typeface="Garamond" pitchFamily="18" charset="0"/>
               </a:rPr>
               <a:t> </a:t>
             </a:r>
             <a:r>
-              <a:rPr lang="ru-RU" dirty="0" err="1" smtClean="0">
-                <a:latin typeface="Garamond" pitchFamily="18" charset="0"/>
-              </a:rPr>
-              <a:t>је</a:t>
-            </a:r>
-            <a:r>
-              <a:rPr lang="ru-RU" dirty="0" smtClean="0">
-                <a:latin typeface="Garamond" pitchFamily="18" charset="0"/>
-              </a:rPr>
-              <a:t> </a:t>
-            </a:r>
-            <a:r>
-              <a:rPr lang="ru-RU" dirty="0" err="1" smtClean="0">
-                <a:latin typeface="Garamond" pitchFamily="18" charset="0"/>
-              </a:rPr>
-              <a:t>креирати</a:t>
-            </a:r>
-            <a:r>
-              <a:rPr lang="ru-RU" dirty="0" smtClean="0">
-                <a:latin typeface="Garamond" pitchFamily="18" charset="0"/>
-              </a:rPr>
-              <a:t> </a:t>
-            </a:r>
-            <a:r>
-              <a:rPr lang="ru-RU" dirty="0" err="1" smtClean="0">
-                <a:latin typeface="Garamond" pitchFamily="18" charset="0"/>
-              </a:rPr>
-              <a:t>објекат</a:t>
-            </a:r>
-            <a:r>
-              <a:rPr lang="ru-RU" dirty="0" smtClean="0">
-                <a:latin typeface="Garamond" pitchFamily="18" charset="0"/>
-              </a:rPr>
-              <a:t> на </a:t>
-            </a:r>
-            <a:r>
-              <a:rPr lang="ru-RU" dirty="0" err="1" smtClean="0">
-                <a:latin typeface="Garamond" pitchFamily="18" charset="0"/>
-              </a:rPr>
-              <a:t>следећи</a:t>
-            </a:r>
-            <a:r>
-              <a:rPr lang="ru-RU" dirty="0" smtClean="0">
-                <a:latin typeface="Garamond" pitchFamily="18" charset="0"/>
-              </a:rPr>
-              <a:t> начин:</a:t>
-            </a:r>
-          </a:p>
-          <a:p>
-            <a:pPr>
-              <a:spcBef>
-                <a:spcPct val="50000"/>
-              </a:spcBef>
-              <a:defRPr/>
-            </a:pPr>
-            <a:endParaRPr lang="ru-RU" sz="800" dirty="0">
+              <a:rPr lang="ru-RU" dirty="0">
+                <a:latin typeface="Garamond" pitchFamily="18" charset="0"/>
+              </a:rPr>
+              <a:t>наводимо све интерфејсе које овај </a:t>
+            </a:r>
+            <a:r>
+              <a:rPr lang="ru-RU" dirty="0" err="1">
+                <a:latin typeface="Garamond" pitchFamily="18" charset="0"/>
+              </a:rPr>
+              <a:t>наслеђује</a:t>
+            </a:r>
+            <a:r>
+              <a:rPr lang="en-US" dirty="0" smtClean="0">
+                <a:latin typeface="Garamond" pitchFamily="18" charset="0"/>
+              </a:rPr>
+              <a:t>.</a:t>
+            </a:r>
+            <a:endParaRPr lang="sr-Cyrl-RS" dirty="0" smtClean="0">
               <a:latin typeface="Garamond" pitchFamily="18" charset="0"/>
             </a:endParaRPr>
           </a:p>
           <a:p>
+            <a:endParaRPr lang="sr-Cyrl-RS" sz="1500" dirty="0" smtClean="0">
+              <a:solidFill>
+                <a:srgbClr val="8000FF"/>
+              </a:solidFill>
+              <a:effectLst/>
+              <a:latin typeface="Courier New" panose="02070309020205020404" pitchFamily="49" charset="0"/>
+            </a:endParaRPr>
+          </a:p>
+          <a:p>
+            <a:r>
+              <a:rPr lang="sr-Cyrl-RS" sz="1500" dirty="0">
+                <a:solidFill>
+                  <a:srgbClr val="8000FF"/>
+                </a:solidFill>
+                <a:latin typeface="Courier New" panose="02070309020205020404" pitchFamily="49" charset="0"/>
+              </a:rPr>
+              <a:t>	</a:t>
+            </a:r>
+            <a:r>
+              <a:rPr lang="sr-Latn-RS" sz="1500" dirty="0" smtClean="0">
+                <a:solidFill>
+                  <a:srgbClr val="8000FF"/>
+                </a:solidFill>
+                <a:effectLst/>
+                <a:latin typeface="Courier New" panose="02070309020205020404" pitchFamily="49" charset="0"/>
+              </a:rPr>
+              <a:t>public</a:t>
+            </a:r>
+            <a:r>
+              <a:rPr lang="sr-Latn-RS" sz="1500" dirty="0" smtClean="0">
+                <a:solidFill>
+                  <a:srgbClr val="000000"/>
+                </a:solidFill>
+                <a:latin typeface="Courier New" panose="02070309020205020404" pitchFamily="49" charset="0"/>
+              </a:rPr>
+              <a:t> </a:t>
+            </a:r>
+            <a:r>
+              <a:rPr lang="sr-Latn-RS" sz="1500" dirty="0" smtClean="0">
+                <a:solidFill>
+                  <a:srgbClr val="8000FF"/>
+                </a:solidFill>
+                <a:effectLst/>
+                <a:latin typeface="Courier New" panose="02070309020205020404" pitchFamily="49" charset="0"/>
+              </a:rPr>
+              <a:t>interface</a:t>
+            </a:r>
+            <a:r>
+              <a:rPr lang="sr-Latn-RS" sz="1500" dirty="0">
+                <a:solidFill>
+                  <a:srgbClr val="000000"/>
+                </a:solidFill>
+                <a:latin typeface="Courier New" panose="02070309020205020404" pitchFamily="49" charset="0"/>
+              </a:rPr>
+              <a:t> DrugiInterfejs </a:t>
+            </a:r>
+            <a:r>
+              <a:rPr lang="sr-Latn-RS" sz="1500" b="1" dirty="0" smtClean="0">
+                <a:solidFill>
+                  <a:srgbClr val="0000FF"/>
+                </a:solidFill>
+                <a:effectLst/>
+                <a:latin typeface="Courier New" panose="02070309020205020404" pitchFamily="49" charset="0"/>
+              </a:rPr>
+              <a:t>extends</a:t>
+            </a:r>
+            <a:r>
+              <a:rPr lang="sr-Latn-RS" sz="1500" dirty="0">
+                <a:solidFill>
+                  <a:srgbClr val="000000"/>
+                </a:solidFill>
+                <a:latin typeface="Courier New" panose="02070309020205020404" pitchFamily="49" charset="0"/>
+              </a:rPr>
+              <a:t> Prvi</a:t>
+            </a:r>
+            <a:r>
+              <a:rPr lang="sr-Latn-RS" sz="1500" b="1" dirty="0" smtClean="0">
+                <a:solidFill>
+                  <a:srgbClr val="000080"/>
+                </a:solidFill>
+                <a:effectLst/>
+                <a:latin typeface="Courier New" panose="02070309020205020404" pitchFamily="49" charset="0"/>
+              </a:rPr>
+              <a:t>,</a:t>
+            </a:r>
+            <a:r>
+              <a:rPr lang="sr-Latn-RS" sz="1500" dirty="0">
+                <a:solidFill>
+                  <a:srgbClr val="000000"/>
+                </a:solidFill>
+                <a:latin typeface="Courier New" panose="02070309020205020404" pitchFamily="49" charset="0"/>
+              </a:rPr>
+              <a:t> Primarni </a:t>
+            </a:r>
+            <a:r>
+              <a:rPr lang="sr-Latn-RS" sz="1500" b="1" dirty="0" smtClean="0">
+                <a:solidFill>
+                  <a:srgbClr val="000080"/>
+                </a:solidFill>
+                <a:effectLst/>
+                <a:latin typeface="Courier New" panose="02070309020205020404" pitchFamily="49" charset="0"/>
+              </a:rPr>
+              <a:t>{</a:t>
+            </a:r>
+            <a:r>
+              <a:rPr lang="sr-Latn-RS" sz="1500" dirty="0">
+                <a:solidFill>
+                  <a:srgbClr val="000000"/>
+                </a:solidFill>
+                <a:latin typeface="Courier New" panose="02070309020205020404" pitchFamily="49" charset="0"/>
+              </a:rPr>
+              <a:t> </a:t>
+            </a:r>
+            <a:endParaRPr lang="sr-Cyrl-RS" sz="1500" dirty="0" smtClean="0">
+              <a:solidFill>
+                <a:srgbClr val="000000"/>
+              </a:solidFill>
+              <a:latin typeface="Courier New" panose="02070309020205020404" pitchFamily="49" charset="0"/>
+            </a:endParaRPr>
+          </a:p>
+          <a:p>
+            <a:r>
+              <a:rPr lang="sr-Cyrl-RS" sz="1500" dirty="0">
+                <a:solidFill>
+                  <a:srgbClr val="000000"/>
+                </a:solidFill>
+                <a:latin typeface="Courier New" panose="02070309020205020404" pitchFamily="49" charset="0"/>
+              </a:rPr>
+              <a:t>	</a:t>
+            </a:r>
             <a:r>
               <a:rPr lang="sr-Cyrl-RS" sz="1500" dirty="0" smtClean="0">
                 <a:solidFill>
@@ -9229,16 +9062,81 @@
                 </a:solidFill>
                 <a:latin typeface="Courier New" panose="02070309020205020404" pitchFamily="49" charset="0"/>
               </a:rPr>
-              <a:t>Runnable </a:t>
-            </a:r>
-            <a:r>
-              <a:rPr lang="sr-Latn-RS" sz="1500" dirty="0">
+              <a:t>…</a:t>
+            </a:r>
+            <a:r>
+              <a:rPr lang="sr-Latn-RS" sz="1500" dirty="0" smtClean="0">
+                <a:solidFill>
+                  <a:srgbClr val="008000"/>
+                </a:solidFill>
+                <a:effectLst/>
+                <a:latin typeface="Courier New" panose="02070309020205020404" pitchFamily="49" charset="0"/>
+              </a:rPr>
+              <a:t>// svi metodi su public i abstract </a:t>
+            </a:r>
+            <a:endParaRPr lang="sr-Cyrl-RS" sz="1500" dirty="0" smtClean="0">
+              <a:solidFill>
+                <a:srgbClr val="008000"/>
+              </a:solidFill>
+              <a:effectLst/>
+              <a:latin typeface="Courier New" panose="02070309020205020404" pitchFamily="49" charset="0"/>
+            </a:endParaRPr>
+          </a:p>
+          <a:p>
+            <a:r>
+              <a:rPr lang="sr-Cyrl-RS" sz="1500" dirty="0">
+                <a:solidFill>
+                  <a:srgbClr val="008000"/>
+                </a:solidFill>
+                <a:latin typeface="Courier New" panose="02070309020205020404" pitchFamily="49" charset="0"/>
+              </a:rPr>
+              <a:t>	</a:t>
+            </a:r>
+            <a:r>
+              <a:rPr lang="sr-Cyrl-RS" sz="1500" dirty="0" smtClean="0">
+                <a:solidFill>
+                  <a:srgbClr val="008000"/>
+                </a:solidFill>
+                <a:latin typeface="Courier New" panose="02070309020205020404" pitchFamily="49" charset="0"/>
+              </a:rPr>
+              <a:t>	</a:t>
+            </a:r>
+            <a:r>
+              <a:rPr lang="sr-Latn-RS" sz="1500" dirty="0" smtClean="0">
                 <a:solidFill>
                   <a:srgbClr val="000000"/>
                 </a:solidFill>
                 <a:latin typeface="Courier New" panose="02070309020205020404" pitchFamily="49" charset="0"/>
               </a:rPr>
-              <a:t>trceci </a:t>
+              <a:t>…</a:t>
+            </a:r>
+            <a:r>
+              <a:rPr lang="sr-Latn-RS" sz="1500" dirty="0" smtClean="0">
+                <a:solidFill>
+                  <a:srgbClr val="008000"/>
+                </a:solidFill>
+                <a:effectLst/>
+                <a:latin typeface="Courier New" panose="02070309020205020404" pitchFamily="49" charset="0"/>
+              </a:rPr>
+              <a:t>//sve promenljive su: public, static i final </a:t>
+            </a:r>
+            <a:endParaRPr lang="sr-Cyrl-RS" sz="1500" dirty="0" smtClean="0">
+              <a:solidFill>
+                <a:srgbClr val="008000"/>
+              </a:solidFill>
+              <a:effectLst/>
+              <a:latin typeface="Courier New" panose="02070309020205020404" pitchFamily="49" charset="0"/>
+            </a:endParaRPr>
+          </a:p>
+          <a:p>
+            <a:r>
+              <a:rPr lang="sr-Cyrl-RS" sz="1500" b="1" dirty="0">
+                <a:solidFill>
+                  <a:srgbClr val="008000"/>
+                </a:solidFill>
+                <a:latin typeface="Courier New" panose="02070309020205020404" pitchFamily="49" charset="0"/>
+              </a:rPr>
+              <a:t>	</a:t>
             </a:r>
             <a:r>
               <a:rPr lang="sr-Latn-RS" sz="1500" b="1" dirty="0" smtClean="0">
@@ -9248,52 +9146,14 @@
                 <a:effectLst/>
                 <a:latin typeface="Courier New" panose="02070309020205020404" pitchFamily="49" charset="0"/>
               </a:rPr>
-              <a:t>=</a:t>
-            </a:r>
-            <a:r>
-              <a:rPr lang="sr-Latn-RS" sz="1500" dirty="0">
-                <a:solidFill>
-                  <a:srgbClr val="000000"/>
-                </a:solidFill>
-                <a:latin typeface="Courier New" panose="02070309020205020404" pitchFamily="49" charset="0"/>
-              </a:rPr>
-              <a:t> </a:t>
-            </a:r>
-            <a:r>
-              <a:rPr lang="sr-Latn-RS" sz="1500" b="1" dirty="0" smtClean="0">
-                <a:solidFill>
-                  <a:srgbClr val="0000FF"/>
-                </a:solidFill>
-                <a:effectLst/>
-                <a:latin typeface="Courier New" panose="02070309020205020404" pitchFamily="49" charset="0"/>
-              </a:rPr>
-              <a:t>new</a:t>
-            </a:r>
-            <a:r>
-              <a:rPr lang="sr-Latn-RS" sz="1500" dirty="0">
-                <a:solidFill>
-                  <a:srgbClr val="000000"/>
-                </a:solidFill>
-                <a:latin typeface="Courier New" panose="02070309020205020404" pitchFamily="49" charset="0"/>
-              </a:rPr>
-              <a:t> MojObjekat</a:t>
-            </a:r>
-            <a:r>
-              <a:rPr lang="sr-Latn-RS" sz="1500" b="1" dirty="0" smtClean="0">
-                <a:solidFill>
-                  <a:srgbClr val="000080"/>
-                </a:solidFill>
-                <a:effectLst/>
-                <a:latin typeface="Courier New" panose="02070309020205020404" pitchFamily="49" charset="0"/>
-              </a:rPr>
-              <a:t>();</a:t>
-            </a:r>
-            <a:endParaRPr lang="sr-Cyrl-RS" sz="1500" dirty="0" smtClean="0">
+              <a:t>}</a:t>
+            </a:r>
+            <a:endParaRPr lang="sr-Latn-ME" sz="1500" dirty="0">
               <a:latin typeface="Garamond" pitchFamily="18" charset="0"/>
             </a:endParaRPr>
           </a:p>
           <a:p>
-            <a:pPr marL="342900" indent="-342900">
+            <a:pPr marL="342900" indent="-342900" eaLnBrk="0" hangingPunct="0">
               <a:spcBef>
                 <a:spcPct val="50000"/>
               </a:spcBef>
@@ -9302,85 +9162,113 @@
               <a:defRPr/>
             </a:pPr>
             <a:r>
-              <a:rPr lang="sr-Cyrl-RS" dirty="0" smtClean="0">
-                <a:latin typeface="Garamond" pitchFamily="18" charset="0"/>
-              </a:rPr>
-              <a:t>Од </a:t>
-            </a:r>
-            <a:r>
-              <a:rPr lang="sr-Cyrl-RS" dirty="0">
-                <a:latin typeface="Garamond" pitchFamily="18" charset="0"/>
-              </a:rPr>
-              <a:t>објекта</a:t>
-            </a:r>
-            <a:r>
-              <a:rPr lang="en-US" sz="2800" dirty="0">
+              <a:rPr lang="ru-RU" dirty="0" err="1" smtClean="0">
+                <a:latin typeface="Garamond" pitchFamily="18" charset="0"/>
+              </a:rPr>
+              <a:t>Интерфејси</a:t>
+            </a:r>
+            <a:r>
+              <a:rPr lang="ru-RU" dirty="0" smtClean="0">
                 <a:latin typeface="Garamond" pitchFamily="18" charset="0"/>
               </a:rPr>
               <a:t> </a:t>
             </a:r>
             <a:r>
-              <a:rPr lang="en-US" sz="1800" dirty="0" err="1">
-                <a:latin typeface="+mn-lt"/>
-              </a:rPr>
-              <a:t>trceci</a:t>
-            </a:r>
-            <a:r>
-              <a:rPr lang="en-US" dirty="0">
+              <a:rPr lang="ru-RU" dirty="0">
+                <a:latin typeface="Garamond" pitchFamily="18" charset="0"/>
+              </a:rPr>
+              <a:t>се, као и класе, смештају у пакете.</a:t>
+            </a:r>
+          </a:p>
+          <a:p>
+            <a:pPr marL="342900" indent="-342900" eaLnBrk="0" hangingPunct="0">
+              <a:spcBef>
+                <a:spcPct val="50000"/>
+              </a:spcBef>
+              <a:buFont typeface="Arial" panose="020B0604020202020204" pitchFamily="34" charset="0"/>
+              <a:buChar char="•"/>
+              <a:defRPr/>
+            </a:pPr>
+            <a:r>
+              <a:rPr lang="ru-RU" dirty="0">
+                <a:latin typeface="Garamond" pitchFamily="18" charset="0"/>
+              </a:rPr>
+              <a:t>Ако се за методе и променљиве у интерфејсу не </a:t>
+            </a:r>
+            <a:r>
+              <a:rPr lang="ru-RU" dirty="0" err="1" smtClean="0">
+                <a:latin typeface="Garamond" pitchFamily="18" charset="0"/>
+              </a:rPr>
+              <a:t>нагласи</a:t>
+            </a:r>
+            <a:r>
+              <a:rPr lang="ru-RU" dirty="0" smtClean="0">
                 <a:latin typeface="Garamond" pitchFamily="18" charset="0"/>
               </a:rPr>
               <a:t> </a:t>
             </a:r>
             <a:r>
-              <a:rPr lang="sr-Cyrl-RS" dirty="0">
-                <a:latin typeface="Garamond" pitchFamily="18" charset="0"/>
-              </a:rPr>
-              <a:t>се очекује да извршава метод </a:t>
+              <a:rPr lang="ru-RU" dirty="0">
+                <a:latin typeface="Garamond" pitchFamily="18" charset="0"/>
+              </a:rPr>
+              <a:t>да су </a:t>
             </a:r>
             <a:r>
               <a:rPr lang="en-US" sz="1800" dirty="0">
                 <a:latin typeface="+mn-lt"/>
               </a:rPr>
-              <a:t>run()</a:t>
+              <a:t>abstract</a:t>
             </a:r>
             <a:r>
               <a:rPr lang="en-US" dirty="0">
                 <a:latin typeface="Garamond" pitchFamily="18" charset="0"/>
               </a:rPr>
-              <a:t> </a:t>
-            </a:r>
-            <a:r>
-              <a:rPr lang="sr-Cyrl-RS" dirty="0">
-                <a:latin typeface="Garamond" pitchFamily="18" charset="0"/>
-              </a:rPr>
-              <a:t>интерфејса</a:t>
-            </a:r>
-            <a:r>
-              <a:rPr lang="en-US" sz="2800" dirty="0">
-                <a:latin typeface="Garamond" pitchFamily="18" charset="0"/>
-              </a:rPr>
-              <a:t> </a:t>
+              <a:t>, </a:t>
             </a:r>
             <a:r>
               <a:rPr lang="en-US" sz="1800" dirty="0">
                 <a:latin typeface="+mn-lt"/>
               </a:rPr>
-              <a:t>R</a:t>
-            </a:r>
-            <a:r>
-              <a:rPr lang="sr-Latn-ME" sz="1800" dirty="0">
+              <a:t>public</a:t>
+            </a:r>
+            <a:r>
+              <a:rPr lang="en-US" sz="1800" dirty="0">
+                <a:latin typeface="Garamond" pitchFamily="18" charset="0"/>
+              </a:rPr>
+              <a:t> </a:t>
+            </a:r>
+            <a:r>
+              <a:rPr lang="sr-Cyrl-RS" dirty="0">
+                <a:latin typeface="Garamond" pitchFamily="18" charset="0"/>
+              </a:rPr>
+              <a:t>и</a:t>
+            </a:r>
+            <a:r>
+              <a:rPr lang="en-US" dirty="0">
+                <a:latin typeface="Garamond" pitchFamily="18" charset="0"/>
+              </a:rPr>
+              <a:t> </a:t>
+            </a:r>
+            <a:r>
+              <a:rPr lang="en-US" sz="1800" dirty="0">
                 <a:latin typeface="+mn-lt"/>
               </a:rPr>
-              <a:t>u</a:t>
-            </a:r>
-            <a:r>
-              <a:rPr lang="en-US" sz="1800" dirty="0" err="1">
-                <a:latin typeface="+mn-lt"/>
-              </a:rPr>
-              <a:t>nnable</a:t>
-            </a:r>
-            <a:r>
-              <a:rPr lang="en-US" sz="2800" dirty="0">
+              <a:t>final</a:t>
+            </a:r>
+            <a:r>
+              <a:rPr lang="en-US" dirty="0">
+                <a:latin typeface="Garamond" pitchFamily="18" charset="0"/>
+              </a:rPr>
+              <a:t>, </a:t>
+            </a:r>
+            <a:r>
+              <a:rPr lang="sr-Cyrl-RS" dirty="0">
+                <a:latin typeface="Garamond" pitchFamily="18" charset="0"/>
+              </a:rPr>
+              <a:t>подразумеваће се да је тако</a:t>
+            </a:r>
+            <a:r>
+              <a:rPr lang="en-US" dirty="0">
                 <a:latin typeface="Garamond" pitchFamily="18" charset="0"/>
               </a:rPr>
               <a:t>.</a:t>
@@ -9570,7 +9458,31 @@
                   <a:srgbClr val="3366FF"/>
                 </a:solidFill>
               </a:rPr>
-              <a:t>Интерфејси (8)</a:t>
+              <a:t>Интерфејси </a:t>
+            </a:r>
+            <a:r>
+              <a:rPr lang="sr-Cyrl-RS" kern="0" dirty="0" smtClean="0">
+                <a:solidFill>
+                  <a:srgbClr val="3366FF"/>
+                </a:solidFill>
+              </a:rPr>
+              <a:t>(</a:t>
+            </a:r>
+            <a:r>
+              <a:rPr lang="en-US" kern="0" dirty="0" smtClean="0">
+                <a:solidFill>
+                  <a:srgbClr val="3366FF"/>
+                </a:solidFill>
+              </a:rPr>
+              <a:t>8</a:t>
+            </a:r>
+            <a:r>
+              <a:rPr lang="sr-Cyrl-RS" kern="0" dirty="0" smtClean="0">
+                <a:solidFill>
+                  <a:srgbClr val="3366FF"/>
+                </a:solidFill>
+              </a:rPr>
+              <a:t>)</a:t>
             </a:r>
             <a:endParaRPr lang="sr-Latn-CS" kern="0" dirty="0" smtClean="0">
               <a:solidFill>
@@ -9588,8 +9500,8 @@
         </p:nvSpPr>
         <p:spPr>
           <a:xfrm>
-            <a:off x="1331640" y="3356992"/>
-            <a:ext cx="4176464" cy="432048"/>
+            <a:off x="1547664" y="3284984"/>
+            <a:ext cx="6624736" cy="1008112"/>
           </a:xfrm>
           <a:prstGeom prst="rect">
             <a:avLst/>
@@ -9660,7 +9572,7 @@
                                           </p:stCondLst>
                                         </p:cTn>
                                         <p:tgtEl>
-                                          <p:spTgt spid="10242">
+                                          <p:spTgt spid="4098">
                                             <p:txEl>
                                               <p:pRg st="0" end="0"/>
                                             </p:txEl>
@@ -9678,7 +9590,7 @@
                                       <p:cBhvr>
                                         <p:cTn id="7" dur="500"/>
                                         <p:tgtEl>
-                                          <p:spTgt spid="10242">
+                                          <p:spTgt spid="4098">
                                             <p:txEl>
                                               <p:pRg st="0" end="0"/>
                                             </p:txEl>
@@ -9696,13 +9608,13 @@
                     </p:cTn>
                   </p:par>
                   <p:par>
-                    <p:cTn id="8" fill="hold" nodeType="clickPar">
+                    <p:cTn id="8" fill="hold">
                       <p:stCondLst>
                         <p:cond delay="indefinite"/>
                       </p:stCondLst>
                       <p:childTnLst>
                         <p:par>
-                          <p:cTn id="9" fill="hold" nodeType="withGroup">
+                          <p:cTn id="9" fill="hold">
                             <p:stCondLst>
                               <p:cond delay="0"/>
                             </p:stCondLst>
@@ -9721,7 +9633,7 @@
                                           </p:stCondLst>
                                         </p:cTn>
                                         <p:tgtEl>
-                                          <p:spTgt spid="10242">
+                                          <p:spTgt spid="4098">
                                             <p:txEl>
                                               <p:pRg st="1" end="1"/>
                                             </p:txEl>
@@ -9739,87 +9651,9 @@
                                       <p:cBhvr>
                                         <p:cTn id="12" dur="500"/>
                                         <p:tgtEl>
-                                          <p:spTgt spid="10242">
+                                          <p:spTgt spid="4098">
                                             <p:txEl>
                                               <p:pRg st="1" end="1"/>
-                                            </p:txEl>
-                                          </p:spTgt>
-                                        </p:tgtEl>
-                                      </p:cBhvr>
-                                    </p:animEffect>
-                                  </p:childTnLst>
-                                </p:cTn>
-                              </p:par>
-                              <p:par>
-                                <p:cTn id="13" presetID="10" presetClass="entr" presetSubtype="0" fill="hold" grpId="0" nodeType="withEffect">
-                                  <p:stCondLst>
-                                    <p:cond delay="0"/>
-                                  </p:stCondLst>
-                                  <p:childTnLst>
-                                    <p:set>
-                                      <p:cBhvr>
-                                        <p:cTn id="14" dur="1" fill="hold">
-                                          <p:stCondLst>
-                                            <p:cond delay="0"/>
-                                          </p:stCondLst>
-                                        </p:cTn>
-                                        <p:tgtEl>
-                                          <p:spTgt spid="2"/>
-                                        </p:tgtEl>
-                                        <p:attrNameLst>
-                                          <p:attrName>style.visibility</p:attrName>
-                                        </p:attrNameLst>
-                                      </p:cBhvr>
-                                      <p:to>
-                                        <p:strVal val="visible"/>
-                                      </p:to>
-                                    </p:set>
-                                    <p:animEffect transition="in" filter="fade">
-                                      <p:cBhvr>
-                                        <p:cTn id="15" dur="500"/>
-                                        <p:tgtEl>
-                                          <p:spTgt spid="2"/>
-                                        </p:tgtEl>
-                                      </p:cBhvr>
-                                    </p:animEffect>
-                                  </p:childTnLst>
-                                </p:cTn>
-                              </p:par>
-                              <p:par>
-                                <p:cTn id="16" presetID="10" presetClass="entr" presetSubtype="0" fill="hold" nodeType="withEffect">
-                                  <p:stCondLst>
-                                    <p:cond delay="0"/>
-                                  </p:stCondLst>
-                                  <p:childTnLst>
-                                    <p:set>
-                                      <p:cBhvr>
-                                        <p:cTn id="17" dur="1" fill="hold">
-                                          <p:stCondLst>
-                                            <p:cond delay="0"/>
-                                          </p:stCondLst>
-                                        </p:cTn>
-                                        <p:tgtEl>
-                                          <p:spTgt spid="10242">
-                                            <p:txEl>
-                                              <p:pRg st="3" end="3"/>
-                                            </p:txEl>
-                                          </p:spTgt>
-                                        </p:tgtEl>
-                                        <p:attrNameLst>
-                                          <p:attrName>style.visibility</p:attrName>
-                                        </p:attrNameLst>
-                                      </p:cBhvr>
-                                      <p:to>
-                                        <p:strVal val="visible"/>
-                                      </p:to>
-                                    </p:set>
-                                    <p:animEffect transition="in" filter="fade">
-                                      <p:cBhvr>
-                                        <p:cTn id="18" dur="500"/>
-                                        <p:tgtEl>
-                                          <p:spTgt spid="10242">
-                                            <p:txEl>
-                                              <p:pRg st="3" end="3"/>
                                             </p:txEl>
                                           </p:spTgt>
                                         </p:tgtEl>
@@ -9835,32 +9669,110 @@
                     </p:cTn>
                   </p:par>
                   <p:par>
-                    <p:cTn id="19" fill="hold" nodeType="clickPar">
+                    <p:cTn id="13" fill="hold">
                       <p:stCondLst>
                         <p:cond delay="indefinite"/>
                       </p:stCondLst>
                       <p:childTnLst>
                         <p:par>
-                          <p:cTn id="20" fill="hold" nodeType="withGroup">
+                          <p:cTn id="14" fill="hold">
                             <p:stCondLst>
                               <p:cond delay="0"/>
                             </p:stCondLst>
                             <p:childTnLst>
                               <p:par>
-                                <p:cTn id="21" presetID="10" presetClass="entr" presetSubtype="0" fill="hold" nodeType="clickEffect">
+                                <p:cTn id="15" presetID="10" presetClass="entr" presetSubtype="0" fill="hold" grpId="0" nodeType="clickEffect">
                                   <p:stCondLst>
                                     <p:cond delay="0"/>
                                   </p:stCondLst>
                                   <p:childTnLst>
                                     <p:set>
                                       <p:cBhvr>
+                                        <p:cTn id="16" dur="1" fill="hold">
+                                          <p:stCondLst>
+                                            <p:cond delay="0"/>
+                                          </p:stCondLst>
+                                        </p:cTn>
+                                        <p:tgtEl>
+                                          <p:spTgt spid="2"/>
+                                        </p:tgtEl>
+                                        <p:attrNameLst>
+                                          <p:attrName>style.visibility</p:attrName>
+                                        </p:attrNameLst>
+                                      </p:cBhvr>
+                                      <p:to>
+                                        <p:strVal val="visible"/>
+                                      </p:to>
+                                    </p:set>
+                                    <p:animEffect transition="in" filter="fade">
+                                      <p:cBhvr>
+                                        <p:cTn id="17" dur="500"/>
+                                        <p:tgtEl>
+                                          <p:spTgt spid="2"/>
+                                        </p:tgtEl>
+                                      </p:cBhvr>
+                                    </p:animEffect>
+                                  </p:childTnLst>
+                                </p:cTn>
+                              </p:par>
+                              <p:par>
+                                <p:cTn id="18" presetID="10" presetClass="entr" presetSubtype="0" fill="hold" nodeType="withEffect">
+                                  <p:stCondLst>
+                                    <p:cond delay="0"/>
+                                  </p:stCondLst>
+                                  <p:childTnLst>
+                                    <p:set>
+                                      <p:cBhvr>
+                                        <p:cTn id="19" dur="1" fill="hold">
+                                          <p:stCondLst>
+                                            <p:cond delay="0"/>
+                                          </p:stCondLst>
+                                        </p:cTn>
+                                        <p:tgtEl>
+                                          <p:spTgt spid="4098">
+                                            <p:txEl>
+                                              <p:pRg st="3" end="3"/>
+                                            </p:txEl>
+                                          </p:spTgt>
+                                        </p:tgtEl>
+                                        <p:attrNameLst>
+                                          <p:attrName>style.visibility</p:attrName>
+                                        </p:attrNameLst>
+                                      </p:cBhvr>
+                                      <p:to>
+                                        <p:strVal val="visible"/>
+                                      </p:to>
+                                    </p:set>
+                                    <p:animEffect transition="in" filter="fade">
+                                      <p:cBhvr>
+                                        <p:cTn id="20" dur="500"/>
+                                        <p:tgtEl>
+                                          <p:spTgt spid="4098">
+                                            <p:txEl>
+                                              <p:pRg st="3" end="3"/>
+                                            </p:txEl>
+                                          </p:spTgt>
+                                        </p:tgtEl>
+                                      </p:cBhvr>
+                                    </p:animEffect>
+                                  </p:childTnLst>
+                                </p:cTn>
+                              </p:par>
+                              <p:par>
+                                <p:cTn id="21" presetID="10" presetClass="entr" presetSubtype="0" fill="hold" nodeType="withEffect">
+                                  <p:stCondLst>
+                                    <p:cond delay="0"/>
+                                  </p:stCondLst>
+                                  <p:childTnLst>
+                                    <p:set>
+                                      <p:cBhvr>
                                         <p:cTn id="22" dur="1" fill="hold">
                                           <p:stCondLst>
                                             <p:cond delay="0"/>
                                           </p:stCondLst>
                                         </p:cTn>
                                         <p:tgtEl>
-                                          <p:spTgt spid="10242">
+                                          <p:spTgt spid="4098">
                                             <p:txEl>
                                               <p:pRg st="4" end="4"/>
                                             </p:txEl>
@@ -9878,9 +9790,217 @@
                                       <p:cBhvr>
                                         <p:cTn id="23" dur="500"/>
                                         <p:tgtEl>
-                                          <p:spTgt spid="10242">
+                                          <p:spTgt spid="4098">
                                             <p:txEl>
                                               <p:pRg st="4" end="4"/>
+                                            </p:txEl>
+                                          </p:spTgt>
+                                        </p:tgtEl>
+                                      </p:cBhvr>
+                                    </p:animEffect>
+                                  </p:childTnLst>
+                                </p:cTn>
+                              </p:par>
+                              <p:par>
+                                <p:cTn id="24" presetID="10" presetClass="entr" presetSubtype="0" fill="hold" nodeType="withEffect">
+                                  <p:stCondLst>
+                                    <p:cond delay="0"/>
+                                  </p:stCondLst>
+                                  <p:childTnLst>
+                                    <p:set>
+                                      <p:cBhvr>
+                                        <p:cTn id="25" dur="1" fill="hold">
+                                          <p:stCondLst>
+                                            <p:cond delay="0"/>
+                                          </p:stCondLst>
+                                        </p:cTn>
+                                        <p:tgtEl>
+                                          <p:spTgt spid="4098">
+                                            <p:txEl>
+                                              <p:pRg st="5" end="5"/>
+                                            </p:txEl>
+                                          </p:spTgt>
+                                        </p:tgtEl>
+                                        <p:attrNameLst>
+                                          <p:attrName>style.visibility</p:attrName>
+                                        </p:attrNameLst>
+                                      </p:cBhvr>
+                                      <p:to>
+                                        <p:strVal val="visible"/>
+                                      </p:to>
+                                    </p:set>
+                                    <p:animEffect transition="in" filter="fade">
+                                      <p:cBhvr>
+                                        <p:cTn id="26" dur="500"/>
+                                        <p:tgtEl>
+                                          <p:spTgt spid="4098">
+                                            <p:txEl>
+                                              <p:pRg st="5" end="5"/>
+                                            </p:txEl>
+                                          </p:spTgt>
+                                        </p:tgtEl>
+                                      </p:cBhvr>
+                                    </p:animEffect>
+                                  </p:childTnLst>
+                                </p:cTn>
+                              </p:par>
+                              <p:par>
+                                <p:cTn id="27" presetID="10" presetClass="entr" presetSubtype="0" fill="hold" nodeType="withEffect">
+                                  <p:stCondLst>
+                                    <p:cond delay="0"/>
+                                  </p:stCondLst>
+                                  <p:childTnLst>
+                                    <p:set>
+                                      <p:cBhvr>
+                                        <p:cTn id="28" dur="1" fill="hold">
+                                          <p:stCondLst>
+                                            <p:cond delay="0"/>
+                                          </p:stCondLst>
+                                        </p:cTn>
+                                        <p:tgtEl>
+                                          <p:spTgt spid="4098">
+                                            <p:txEl>
+                                              <p:pRg st="6" end="6"/>
+                                            </p:txEl>
+                                          </p:spTgt>
+                                        </p:tgtEl>
+                                        <p:attrNameLst>
+                                          <p:attrName>style.visibility</p:attrName>
+                                        </p:attrNameLst>
+                                      </p:cBhvr>
+                                      <p:to>
+                                        <p:strVal val="visible"/>
+                                      </p:to>
+                                    </p:set>
+                                    <p:animEffect transition="in" filter="fade">
+                                      <p:cBhvr>
+                                        <p:cTn id="29" dur="500"/>
+                                        <p:tgtEl>
+                                          <p:spTgt spid="4098">
+                                            <p:txEl>
+                                              <p:pRg st="6" end="6"/>
+                                            </p:txEl>
+                                          </p:spTgt>
+                                        </p:tgtEl>
+                                      </p:cBhvr>
+                                    </p:animEffect>
+                                  </p:childTnLst>
+                                </p:cTn>
+                              </p:par>
+                            </p:childTnLst>
+                          </p:cTn>
+                        </p:par>
+                      </p:childTnLst>
+                    </p:cTn>
+                  </p:par>
+                  <p:par>
+                    <p:cTn id="30" fill="hold" nodeType="clickPar">
+                      <p:stCondLst>
+                        <p:cond delay="indefinite"/>
+                      </p:stCondLst>
+                      <p:childTnLst>
+                        <p:par>
+                          <p:cTn id="31" fill="hold" nodeType="withGroup">
+                            <p:stCondLst>
+                              <p:cond delay="0"/>
+                            </p:stCondLst>
+                            <p:childTnLst>
+                              <p:par>
+                                <p:cTn id="32" presetID="10" presetClass="entr" presetSubtype="0" fill="hold" nodeType="clickEffect">
+                                  <p:stCondLst>
+                                    <p:cond delay="0"/>
+                                  </p:stCondLst>
+                                  <p:childTnLst>
+                                    <p:set>
+                                      <p:cBhvr>
+                                        <p:cTn id="33" dur="1" fill="hold">
+                                          <p:stCondLst>
+                                            <p:cond delay="0"/>
+                                          </p:stCondLst>
+                                        </p:cTn>
+                                        <p:tgtEl>
+                                          <p:spTgt spid="4098">
+                                            <p:txEl>
+                                              <p:pRg st="7" end="7"/>
+                                            </p:txEl>
+                                          </p:spTgt>
+                                        </p:tgtEl>
+                                        <p:attrNameLst>
+                                          <p:attrName>style.visibility</p:attrName>
+                                        </p:attrNameLst>
+                                      </p:cBhvr>
+                                      <p:to>
+                                        <p:strVal val="visible"/>
+                                      </p:to>
+                                    </p:set>
+                                    <p:animEffect transition="in" filter="fade">
+                                      <p:cBhvr>
+                                        <p:cTn id="34" dur="500"/>
+                                        <p:tgtEl>
+                                          <p:spTgt spid="4098">
+                                            <p:txEl>
+                                              <p:pRg st="7" end="7"/>
+                                            </p:txEl>
+                                          </p:spTgt>
+                                        </p:tgtEl>
+                                      </p:cBhvr>
+                                    </p:animEffect>
+                                  </p:childTnLst>
+                                </p:cTn>
+                              </p:par>
+                            </p:childTnLst>
+                          </p:cTn>
+                        </p:par>
+                      </p:childTnLst>
+                    </p:cTn>
+                  </p:par>
+                  <p:par>
+                    <p:cTn id="35" fill="hold" nodeType="clickPar">
+                      <p:stCondLst>
+                        <p:cond delay="indefinite"/>
+                      </p:stCondLst>
+                      <p:childTnLst>
+                        <p:par>
+                          <p:cTn id="36" fill="hold" nodeType="withGroup">
+                            <p:stCondLst>
+                              <p:cond delay="0"/>
+                            </p:stCondLst>
+                            <p:childTnLst>
+                              <p:par>
+                                <p:cTn id="37" presetID="10" presetClass="entr" presetSubtype="0" fill="hold" nodeType="clickEffect">
+                                  <p:stCondLst>
+                                    <p:cond delay="0"/>
+                                  </p:stCondLst>
+                                  <p:childTnLst>
+                                    <p:set>
+                                      <p:cBhvr>
+                                        <p:cTn id="38" dur="1" fill="hold">
+                                          <p:stCondLst>
+                                            <p:cond delay="0"/>
+                                          </p:stCondLst>
+                                        </p:cTn>
+                                        <p:tgtEl>
+                                          <p:spTgt spid="4098">
+                                            <p:txEl>
+                                              <p:pRg st="8" end="8"/>
+                                            </p:txEl>
+                                          </p:spTgt>
+                                        </p:tgtEl>
+                                        <p:attrNameLst>
+                                          <p:attrName>style.visibility</p:attrName>
+                                        </p:attrNameLst>
+                                      </p:cBhvr>
+                                      <p:to>
+                                        <p:strVal val="visible"/>
+                                      </p:to>
+                                    </p:set>
+                                    <p:animEffect transition="in" filter="fade">
+                                      <p:cBhvr>
+                                        <p:cTn id="39" dur="500"/>
+                                        <p:tgtEl>
+                                          <p:spTgt spid="4098">
+                                            <p:txEl>
+                                              <p:pRg st="8" end="8"/>
                                             </p:txEl>
                                           </p:spTgt>
                                         </p:tgtEl>

--- a/predavanja/prezentacije/OOP11-Apstraktne klase i interfejsi.pptx
+++ b/predavanja/prezentacije/OOP11-Apstraktne klase i interfejsi.pptx
@@ -22,24 +22,25 @@
     <p:sldId id="265" r:id="rId16"/>
     <p:sldId id="285" r:id="rId17"/>
     <p:sldId id="286" r:id="rId18"/>
-    <p:sldId id="289" r:id="rId19"/>
-    <p:sldId id="290" r:id="rId20"/>
-    <p:sldId id="291" r:id="rId21"/>
-    <p:sldId id="292" r:id="rId22"/>
-    <p:sldId id="293" r:id="rId23"/>
-    <p:sldId id="271" r:id="rId24"/>
-    <p:sldId id="275" r:id="rId25"/>
-    <p:sldId id="276" r:id="rId26"/>
-    <p:sldId id="277" r:id="rId27"/>
-    <p:sldId id="278" r:id="rId28"/>
-    <p:sldId id="294" r:id="rId29"/>
-    <p:sldId id="295" r:id="rId30"/>
-    <p:sldId id="296" r:id="rId31"/>
-    <p:sldId id="297" r:id="rId32"/>
-    <p:sldId id="298" r:id="rId33"/>
-    <p:sldId id="299" r:id="rId34"/>
-    <p:sldId id="300" r:id="rId35"/>
-    <p:sldId id="272" r:id="rId36"/>
+    <p:sldId id="301" r:id="rId19"/>
+    <p:sldId id="289" r:id="rId20"/>
+    <p:sldId id="290" r:id="rId21"/>
+    <p:sldId id="291" r:id="rId22"/>
+    <p:sldId id="292" r:id="rId23"/>
+    <p:sldId id="293" r:id="rId24"/>
+    <p:sldId id="271" r:id="rId25"/>
+    <p:sldId id="275" r:id="rId26"/>
+    <p:sldId id="276" r:id="rId27"/>
+    <p:sldId id="277" r:id="rId28"/>
+    <p:sldId id="278" r:id="rId29"/>
+    <p:sldId id="294" r:id="rId30"/>
+    <p:sldId id="295" r:id="rId31"/>
+    <p:sldId id="296" r:id="rId32"/>
+    <p:sldId id="297" r:id="rId33"/>
+    <p:sldId id="298" r:id="rId34"/>
+    <p:sldId id="299" r:id="rId35"/>
+    <p:sldId id="300" r:id="rId36"/>
+    <p:sldId id="272" r:id="rId37"/>
   </p:sldIdLst>
   <p:sldSz cx="9144000" cy="6858000" type="screen4x3"/>
   <p:notesSz cx="6858000" cy="9144000"/>
@@ -696,6 +697,13 @@
   <p:clrMapOvr>
     <a:masterClrMapping/>
   </p:clrMapOvr>
+  <p:timing>
+    <p:tnLst>
+      <p:par>
+        <p:cTn id="1" dur="indefinite" restart="never" nodeType="tmRoot"/>
+      </p:par>
+    </p:tnLst>
+  </p:timing>
 </p:sldLayout>
 </file>
 
@@ -1914,7 +1922,7 @@
                 </a:solidFill>
                 <a:cs typeface="Arial" panose="020B0604020202020204" pitchFamily="34" charset="0"/>
               </a:rPr>
-              <a:t>35</a:t>
+              <a:t>36</a:t>
             </a:r>
             <a:endParaRPr lang="en-US" altLang="sr-Latn-RS" sz="800" dirty="0">
               <a:solidFill>
@@ -4144,15 +4152,7 @@
                   <a:srgbClr val="3366FF"/>
                 </a:solidFill>
               </a:rPr>
-              <a:t>Интерфејси </a:t>
-            </a:r>
-            <a:r>
-              <a:rPr lang="sr-Cyrl-RS" kern="0" dirty="0" smtClean="0">
-                <a:solidFill>
-                  <a:srgbClr val="3366FF"/>
-                </a:solidFill>
-              </a:rPr>
-              <a:t>(</a:t>
+              <a:t>Интерфејси (</a:t>
             </a:r>
             <a:r>
               <a:rPr lang="en-US" kern="0" dirty="0" smtClean="0">
@@ -5176,15 +5176,7 @@
                   <a:srgbClr val="3366FF"/>
                 </a:solidFill>
               </a:rPr>
-              <a:t>Интерфејси </a:t>
-            </a:r>
-            <a:r>
-              <a:rPr lang="sr-Cyrl-RS" kern="0" dirty="0" smtClean="0">
-                <a:solidFill>
-                  <a:srgbClr val="3366FF"/>
-                </a:solidFill>
-              </a:rPr>
-              <a:t>(</a:t>
+              <a:t>Интерфејси (</a:t>
             </a:r>
             <a:r>
               <a:rPr lang="en-US" kern="0" dirty="0" smtClean="0">
@@ -6677,15 +6669,7 @@
                   <a:srgbClr val="3366FF"/>
                 </a:solidFill>
               </a:rPr>
-              <a:t>Интерфејси </a:t>
-            </a:r>
-            <a:r>
-              <a:rPr lang="sr-Cyrl-RS" kern="0" dirty="0" smtClean="0">
-                <a:solidFill>
-                  <a:srgbClr val="3366FF"/>
-                </a:solidFill>
-              </a:rPr>
-              <a:t>(</a:t>
+              <a:t>Интерфејси (</a:t>
             </a:r>
             <a:r>
               <a:rPr lang="en-US" kern="0" dirty="0" smtClean="0">
@@ -8173,15 +8157,7 @@
                   <a:srgbClr val="3366FF"/>
                 </a:solidFill>
               </a:rPr>
-              <a:t>Интерфејси </a:t>
-            </a:r>
-            <a:r>
-              <a:rPr lang="sr-Cyrl-RS" kern="0" dirty="0" smtClean="0">
-                <a:solidFill>
-                  <a:srgbClr val="3366FF"/>
-                </a:solidFill>
-              </a:rPr>
-              <a:t>(</a:t>
+              <a:t>Интерфејси (</a:t>
             </a:r>
             <a:r>
               <a:rPr lang="en-US" kern="0" dirty="0">
@@ -9458,15 +9434,7 @@
                   <a:srgbClr val="3366FF"/>
                 </a:solidFill>
               </a:rPr>
-              <a:t>Интерфејси </a:t>
-            </a:r>
-            <a:r>
-              <a:rPr lang="sr-Cyrl-RS" kern="0" dirty="0" smtClean="0">
-                <a:solidFill>
-                  <a:srgbClr val="3366FF"/>
-                </a:solidFill>
-              </a:rPr>
-              <a:t>(</a:t>
+              <a:t>Интерфејси (</a:t>
             </a:r>
             <a:r>
               <a:rPr lang="en-US" kern="0" dirty="0" smtClean="0">
@@ -12006,7 +11974,7 @@
                 <a:solidFill>
                   <a:srgbClr val="8000FF"/>
                 </a:solidFill>
-                <a:latin typeface="Courier New" panose="02070309020205020404" pitchFamily="49" charset="0"/>
+                <a:latin typeface="+mn-lt"/>
               </a:rPr>
               <a:t>public</a:t>
             </a:r>
@@ -12015,7 +11983,7 @@
                 <a:solidFill>
                   <a:srgbClr val="000000"/>
                 </a:solidFill>
-                <a:latin typeface="Courier New" panose="02070309020205020404" pitchFamily="49" charset="0"/>
+                <a:latin typeface="+mn-lt"/>
               </a:rPr>
               <a:t> </a:t>
             </a:r>
@@ -12024,7 +11992,7 @@
                 <a:solidFill>
                   <a:srgbClr val="8000FF"/>
                 </a:solidFill>
-                <a:latin typeface="Courier New" panose="02070309020205020404" pitchFamily="49" charset="0"/>
+                <a:latin typeface="+mn-lt"/>
               </a:rPr>
               <a:t>interface</a:t>
             </a:r>
@@ -12033,7 +12001,7 @@
                 <a:solidFill>
                   <a:srgbClr val="000000"/>
                 </a:solidFill>
-                <a:latin typeface="Courier New" panose="02070309020205020404" pitchFamily="49" charset="0"/>
+                <a:latin typeface="+mn-lt"/>
               </a:rPr>
               <a:t> Comparable </a:t>
             </a:r>
@@ -12042,7 +12010,7 @@
                 <a:solidFill>
                   <a:srgbClr val="000080"/>
                 </a:solidFill>
-                <a:latin typeface="Courier New" panose="02070309020205020404" pitchFamily="49" charset="0"/>
+                <a:latin typeface="+mn-lt"/>
               </a:rPr>
               <a:t>{</a:t>
             </a:r>
@@ -12051,7 +12019,7 @@
                 <a:solidFill>
                   <a:srgbClr val="000000"/>
                 </a:solidFill>
-                <a:latin typeface="Courier New" panose="02070309020205020404" pitchFamily="49" charset="0"/>
+                <a:latin typeface="+mn-lt"/>
               </a:rPr>
               <a:t> </a:t>
             </a:r>
@@ -12059,7 +12027,7 @@
               <a:solidFill>
                 <a:srgbClr val="000000"/>
               </a:solidFill>
-              <a:latin typeface="Courier New" panose="02070309020205020404" pitchFamily="49" charset="0"/>
+              <a:latin typeface="+mn-lt"/>
             </a:endParaRPr>
           </a:p>
           <a:p>
@@ -12068,7 +12036,7 @@
                 <a:solidFill>
                   <a:srgbClr val="000000"/>
                 </a:solidFill>
-                <a:latin typeface="Courier New" panose="02070309020205020404" pitchFamily="49" charset="0"/>
+                <a:latin typeface="+mn-lt"/>
               </a:rPr>
               <a:t>	</a:t>
             </a:r>
@@ -12077,7 +12045,7 @@
                 <a:solidFill>
                   <a:srgbClr val="000000"/>
                 </a:solidFill>
-                <a:latin typeface="Courier New" panose="02070309020205020404" pitchFamily="49" charset="0"/>
+                <a:latin typeface="+mn-lt"/>
               </a:rPr>
               <a:t>	</a:t>
             </a:r>
@@ -12086,7 +12054,7 @@
                 <a:solidFill>
                   <a:srgbClr val="8000FF"/>
                 </a:solidFill>
-                <a:latin typeface="Courier New" panose="02070309020205020404" pitchFamily="49" charset="0"/>
+                <a:latin typeface="+mn-lt"/>
               </a:rPr>
               <a:t>int</a:t>
             </a:r>
@@ -12095,7 +12063,7 @@
                 <a:solidFill>
                   <a:srgbClr val="000000"/>
                 </a:solidFill>
-                <a:latin typeface="Courier New" panose="02070309020205020404" pitchFamily="49" charset="0"/>
+                <a:latin typeface="+mn-lt"/>
               </a:rPr>
               <a:t> </a:t>
             </a:r>
@@ -12104,7 +12072,7 @@
                 <a:solidFill>
                   <a:srgbClr val="000000"/>
                 </a:solidFill>
-                <a:latin typeface="Courier New" panose="02070309020205020404" pitchFamily="49" charset="0"/>
+                <a:latin typeface="+mn-lt"/>
               </a:rPr>
               <a:t>compareTo</a:t>
             </a:r>
@@ -12113,7 +12081,7 @@
                 <a:solidFill>
                   <a:srgbClr val="000080"/>
                 </a:solidFill>
-                <a:latin typeface="Courier New" panose="02070309020205020404" pitchFamily="49" charset="0"/>
+                <a:latin typeface="+mn-lt"/>
               </a:rPr>
               <a:t>(</a:t>
             </a:r>
@@ -12122,7 +12090,7 @@
                 <a:solidFill>
                   <a:srgbClr val="000000"/>
                 </a:solidFill>
-                <a:latin typeface="Courier New" panose="02070309020205020404" pitchFamily="49" charset="0"/>
+                <a:latin typeface="+mn-lt"/>
               </a:rPr>
               <a:t>Object other</a:t>
             </a:r>
@@ -12131,7 +12099,7 @@
                 <a:solidFill>
                   <a:srgbClr val="000080"/>
                 </a:solidFill>
-                <a:latin typeface="Courier New" panose="02070309020205020404" pitchFamily="49" charset="0"/>
+                <a:latin typeface="+mn-lt"/>
               </a:rPr>
               <a:t>);</a:t>
             </a:r>
@@ -12140,7 +12108,7 @@
                 <a:solidFill>
                   <a:srgbClr val="000000"/>
                 </a:solidFill>
-                <a:latin typeface="Courier New" panose="02070309020205020404" pitchFamily="49" charset="0"/>
+                <a:latin typeface="+mn-lt"/>
               </a:rPr>
               <a:t> </a:t>
             </a:r>
@@ -12148,7 +12116,7 @@
               <a:solidFill>
                 <a:srgbClr val="000000"/>
               </a:solidFill>
-              <a:latin typeface="Courier New" panose="02070309020205020404" pitchFamily="49" charset="0"/>
+              <a:latin typeface="+mn-lt"/>
             </a:endParaRPr>
           </a:p>
           <a:p>
@@ -12157,7 +12125,7 @@
                 <a:solidFill>
                   <a:srgbClr val="000000"/>
                 </a:solidFill>
-                <a:latin typeface="Courier New" panose="02070309020205020404" pitchFamily="49" charset="0"/>
+                <a:latin typeface="+mn-lt"/>
               </a:rPr>
               <a:t>	</a:t>
             </a:r>
@@ -12166,7 +12134,7 @@
                 <a:solidFill>
                   <a:srgbClr val="000080"/>
                 </a:solidFill>
-                <a:latin typeface="Courier New" panose="02070309020205020404" pitchFamily="49" charset="0"/>
+                <a:latin typeface="+mn-lt"/>
               </a:rPr>
               <a:t>}</a:t>
             </a:r>
@@ -12419,7 +12387,31 @@
                   <a:srgbClr val="3366FF"/>
                 </a:solidFill>
               </a:rPr>
-              <a:t>Интерфејси у ЈДК-у</a:t>
+              <a:t>Интерфејси у </a:t>
+            </a:r>
+            <a:r>
+              <a:rPr lang="sr-Cyrl-RS" kern="0" dirty="0" smtClean="0">
+                <a:solidFill>
+                  <a:srgbClr val="3366FF"/>
+                </a:solidFill>
+              </a:rPr>
+              <a:t>ЈДК</a:t>
+            </a:r>
+            <a:r>
+              <a:rPr lang="en-US" kern="0" dirty="0" smtClean="0">
+                <a:solidFill>
+                  <a:srgbClr val="3366FF"/>
+                </a:solidFill>
+              </a:rPr>
+              <a:t> </a:t>
+            </a:r>
+            <a:r>
+              <a:rPr lang="sr-Cyrl-RS" kern="0" dirty="0" smtClean="0">
+                <a:solidFill>
+                  <a:srgbClr val="3366FF"/>
+                </a:solidFill>
+              </a:rPr>
+              <a:t>- уређење</a:t>
             </a:r>
             <a:endParaRPr lang="sr-Latn-CS" kern="0" dirty="0" smtClean="0">
               <a:solidFill>
@@ -13672,7 +13664,15 @@
                   <a:srgbClr val="3366FF"/>
                 </a:solidFill>
               </a:rPr>
-              <a:t>Интерфејси у ЈДК-у (5)</a:t>
+              <a:t>Интерфејси у </a:t>
+            </a:r>
+            <a:r>
+              <a:rPr lang="sr-Cyrl-RS" kern="0" dirty="0" smtClean="0">
+                <a:solidFill>
+                  <a:srgbClr val="3366FF"/>
+                </a:solidFill>
+              </a:rPr>
+              <a:t>ЈДК – уређење (2)</a:t>
             </a:r>
             <a:endParaRPr lang="sr-Latn-CS" kern="0" dirty="0" smtClean="0">
               <a:solidFill>
@@ -14316,7 +14316,7 @@
       </p:grpSpPr>
       <p:sp>
         <p:nvSpPr>
-          <p:cNvPr id="26626" name="Text Box 2"/>
+          <p:cNvPr id="23554" name="Text Box 2"/>
           <p:cNvSpPr txBox="1">
             <a:spLocks noChangeArrowheads="1"/>
           </p:cNvSpPr>
@@ -14324,8 +14324,8 @@
         </p:nvSpPr>
         <p:spPr bwMode="auto">
           <a:xfrm>
-            <a:off x="539750" y="1416050"/>
-            <a:ext cx="8451850" cy="5724644"/>
+            <a:off x="198438" y="1422400"/>
+            <a:ext cx="8869362" cy="5262979"/>
           </a:xfrm>
           <a:prstGeom prst="rect">
             <a:avLst/>
@@ -14457,69 +14457,67 @@
             </a:lvl9pPr>
           </a:lstStyle>
           <a:p>
-            <a:pPr>
-              <a:spcBef>
-                <a:spcPts val="600"/>
-              </a:spcBef>
-              <a:defRPr/>
-            </a:pPr>
-            <a:r>
-              <a:rPr lang="sr-Cyrl-RS" dirty="0" smtClean="0">
-                <a:latin typeface="Garamond" pitchFamily="18" charset="0"/>
-              </a:rPr>
-              <a:t>Принцип једнозначне одговорности (</a:t>
-            </a:r>
-            <a:r>
-              <a:rPr lang="en-US" b="1" u="sng" dirty="0" smtClean="0">
-                <a:latin typeface="Garamond" pitchFamily="18" charset="0"/>
-              </a:rPr>
-              <a:t>S</a:t>
-            </a:r>
-            <a:r>
-              <a:rPr lang="en-US" dirty="0" smtClean="0">
-                <a:latin typeface="Garamond" pitchFamily="18" charset="0"/>
-              </a:rPr>
-              <a:t>ingle responsibility) – </a:t>
-            </a:r>
-            <a:r>
-              <a:rPr lang="sr-Cyrl-RS" dirty="0" smtClean="0">
-                <a:latin typeface="Garamond" pitchFamily="18" charset="0"/>
-              </a:rPr>
-              <a:t>свака класа треба да има тачно једну одговорност </a:t>
-            </a:r>
-          </a:p>
-          <a:p>
-            <a:pPr marL="342900" indent="-342900">
-              <a:spcBef>
-                <a:spcPts val="600"/>
+            <a:pPr marL="285750" indent="-342900">
+              <a:spcBef>
+                <a:spcPts val="0"/>
               </a:spcBef>
               <a:buFont typeface="Arial" panose="020B0604020202020204" pitchFamily="34" charset="0"/>
               <a:buChar char="•"/>
               <a:defRPr/>
             </a:pPr>
             <a:r>
-              <a:rPr lang="sr-Cyrl-RS" dirty="0" smtClean="0">
-                <a:latin typeface="Garamond" pitchFamily="18" charset="0"/>
-              </a:rPr>
-              <a:t>По овом принципу</a:t>
-            </a:r>
-            <a:r>
-              <a:rPr lang="en-US" dirty="0" smtClean="0">
-                <a:latin typeface="Garamond" pitchFamily="18" charset="0"/>
-              </a:rPr>
-              <a:t>, </a:t>
-            </a:r>
-            <a:r>
-              <a:rPr lang="sr-Cyrl-RS" dirty="0" smtClean="0">
-                <a:latin typeface="Garamond" pitchFamily="18" charset="0"/>
-              </a:rPr>
-              <a:t>може постојати само један разлог због ког класа треба да буде промењена </a:t>
+              <a:rPr lang="en-US" dirty="0">
+                <a:latin typeface="Garamond" panose="02020404030301010803" pitchFamily="18" charset="0"/>
+              </a:rPr>
+              <a:t>K</a:t>
+            </a:r>
+            <a:r>
+              <a:rPr lang="sr-Cyrl-RS" dirty="0">
+                <a:latin typeface="Garamond" panose="02020404030301010803" pitchFamily="18" charset="0"/>
+              </a:rPr>
+              <a:t>ласа </a:t>
+            </a:r>
+            <a:r>
+              <a:rPr lang="en-US" sz="2000" dirty="0">
+                <a:latin typeface="+mn-lt"/>
+              </a:rPr>
+              <a:t>Object</a:t>
+            </a:r>
+            <a:r>
+              <a:rPr lang="en-US" dirty="0">
+                <a:latin typeface="Garamond" panose="02020404030301010803" pitchFamily="18" charset="0"/>
+              </a:rPr>
+              <a:t> </a:t>
+            </a:r>
+            <a:r>
+              <a:rPr lang="sr-Cyrl-RS" dirty="0">
+                <a:latin typeface="Garamond" panose="02020404030301010803" pitchFamily="18" charset="0"/>
+              </a:rPr>
+              <a:t>садржи метод </a:t>
+            </a:r>
+            <a:r>
+              <a:rPr lang="en-US" sz="2000" dirty="0">
+                <a:latin typeface="+mn-lt"/>
+              </a:rPr>
+              <a:t>clone</a:t>
+            </a:r>
+            <a:r>
+              <a:rPr lang="sr-Cyrl-RS" sz="2000" dirty="0">
+                <a:latin typeface="+mn-lt"/>
+              </a:rPr>
+              <a:t>()</a:t>
+            </a:r>
+            <a:r>
+              <a:rPr lang="sr-Cyrl-RS" dirty="0">
+                <a:latin typeface="Garamond" panose="02020404030301010803" pitchFamily="18" charset="0"/>
+              </a:rPr>
+              <a:t>, који се може искористити за прављење копије датог објекта </a:t>
             </a:r>
           </a:p>
           <a:p>
-            <a:pPr marL="342900" indent="-342900">
-              <a:spcBef>
-                <a:spcPts val="600"/>
+            <a:pPr marL="1028700" lvl="1">
+              <a:spcBef>
+                <a:spcPts val="0"/>
               </a:spcBef>
               <a:buFont typeface="Arial" panose="020B0604020202020204" pitchFamily="34" charset="0"/>
               <a:buChar char="•"/>
@@ -14527,15 +14525,27 @@
             </a:pPr>
             <a:r>
               <a:rPr lang="sr-Cyrl-RS" dirty="0" smtClean="0">
-                <a:latin typeface="Garamond" pitchFamily="18" charset="0"/>
-              </a:rPr>
-              <a:t>Класа треба да реализује само један задатак</a:t>
+                <a:latin typeface="Garamond" panose="02020404030301010803" pitchFamily="18" charset="0"/>
+              </a:rPr>
+              <a:t>Реализација тог метода у класи </a:t>
+            </a:r>
+            <a:r>
+              <a:rPr lang="en-US" dirty="0" smtClean="0">
+                <a:latin typeface="Garamond" panose="02020404030301010803" pitchFamily="18" charset="0"/>
+              </a:rPr>
+              <a:t>Object</a:t>
+            </a:r>
+            <a:r>
+              <a:rPr lang="sr-Cyrl-RS" dirty="0" smtClean="0">
+                <a:latin typeface="Garamond" panose="02020404030301010803" pitchFamily="18" charset="0"/>
+              </a:rPr>
+              <a:t> врши тзв. плитко копирање, које је ефикасно и нема бочног ефекта ако су поља објекта који се клонира примитивног типа или имутабилна</a:t>
             </a:r>
           </a:p>
           <a:p>
-            <a:pPr marL="1085850" lvl="1" indent="-342900">
-              <a:spcBef>
-                <a:spcPts val="600"/>
+            <a:pPr marL="1028700" lvl="1">
+              <a:spcBef>
+                <a:spcPts val="0"/>
               </a:spcBef>
               <a:buFont typeface="Arial" panose="020B0604020202020204" pitchFamily="34" charset="0"/>
               <a:buChar char="•"/>
@@ -14543,21 +14553,15 @@
             </a:pPr>
             <a:r>
               <a:rPr lang="sr-Cyrl-RS" dirty="0" smtClean="0">
-                <a:latin typeface="Garamond" pitchFamily="18" charset="0"/>
-              </a:rPr>
-              <a:t>ако би се у оквиру једне класе налазила функционалност за пословну логику и за чување података примерка у датотеку или у базу, то би нарушавало овај принцип</a:t>
-            </a:r>
-            <a:r>
-              <a:rPr lang="en-US" dirty="0" smtClean="0">
-                <a:latin typeface="Garamond" pitchFamily="18" charset="0"/>
-              </a:rPr>
-              <a:t> </a:t>
+                <a:latin typeface="Garamond" panose="02020404030301010803" pitchFamily="18" charset="0"/>
+              </a:rPr>
+              <a:t>Међутим, плитко клонирање у случају када објекат који се клонира садржи мутабилне објектне податке доводи до бочног ефекта</a:t>
             </a:r>
           </a:p>
           <a:p>
-            <a:pPr marL="342900" indent="-342900">
-              <a:spcBef>
-                <a:spcPts val="600"/>
+            <a:pPr marL="285750">
+              <a:spcBef>
+                <a:spcPts val="0"/>
               </a:spcBef>
               <a:buFont typeface="Arial" panose="020B0604020202020204" pitchFamily="34" charset="0"/>
               <a:buChar char="•"/>
@@ -14565,15 +14569,30 @@
             </a:pPr>
             <a:r>
               <a:rPr lang="sr-Cyrl-RS" dirty="0" smtClean="0">
-                <a:latin typeface="Garamond" pitchFamily="18" charset="0"/>
-              </a:rPr>
-              <a:t>Када се поштује овај принцип, тестирање је једноставније</a:t>
-            </a:r>
+                <a:latin typeface="Garamond" panose="02020404030301010803" pitchFamily="18" charset="0"/>
+              </a:rPr>
+              <a:t> Горњи проблем се може превазићи тако што ће се у самој класи где је потребно дубоко клонирање превазићи метод </a:t>
+            </a:r>
+            <a:r>
+              <a:rPr lang="en-US" sz="2000" dirty="0" smtClean="0">
+                <a:latin typeface="+mn-lt"/>
+              </a:rPr>
+              <a:t>clone</a:t>
+            </a:r>
+            <a:r>
+              <a:rPr lang="sr-Cyrl-RS" sz="2000" dirty="0" smtClean="0">
+                <a:latin typeface="+mn-lt"/>
+              </a:rPr>
+              <a:t>()</a:t>
+            </a:r>
+            <a:endParaRPr lang="sr-Cyrl-RS" dirty="0" smtClean="0">
+              <a:latin typeface="+mn-lt"/>
+            </a:endParaRPr>
           </a:p>
           <a:p>
-            <a:pPr marL="342900" indent="-342900">
-              <a:spcBef>
-                <a:spcPts val="600"/>
+            <a:pPr marL="285750">
+              <a:spcBef>
+                <a:spcPts val="0"/>
               </a:spcBef>
               <a:buFont typeface="Arial" panose="020B0604020202020204" pitchFamily="34" charset="0"/>
               <a:buChar char="•"/>
@@ -14581,45 +14600,131 @@
             </a:pPr>
             <a:r>
               <a:rPr lang="sr-Cyrl-RS" dirty="0" smtClean="0">
-                <a:latin typeface="Garamond" pitchFamily="18" charset="0"/>
-              </a:rPr>
-              <a:t>Мање функционалности у једној класи такође значи да има мање зависности од осталих класа, што доводи до боље организације кода, јер се мање класе са јасном сврхом могу лакше пронаћи</a:t>
-            </a:r>
+                <a:latin typeface="Garamond" panose="02020404030301010803" pitchFamily="18" charset="0"/>
+              </a:rPr>
+              <a:t> Метод </a:t>
+            </a:r>
+            <a:r>
+              <a:rPr lang="en-US" sz="2000" dirty="0">
+                <a:latin typeface="+mn-lt"/>
+              </a:rPr>
+              <a:t>clone</a:t>
+            </a:r>
+            <a:r>
+              <a:rPr lang="sr-Cyrl-RS" sz="2000" dirty="0" smtClean="0">
+                <a:latin typeface="+mn-lt"/>
+              </a:rPr>
+              <a:t>()</a:t>
+            </a:r>
+            <a:r>
+              <a:rPr lang="sr-Cyrl-RS" dirty="0">
+                <a:latin typeface="Garamond" panose="02020404030301010803" pitchFamily="18" charset="0"/>
+              </a:rPr>
+              <a:t> </a:t>
+            </a:r>
+            <a:r>
+              <a:rPr lang="sr-Cyrl-RS" dirty="0" smtClean="0">
+                <a:latin typeface="Garamond" panose="02020404030301010803" pitchFamily="18" charset="0"/>
+              </a:rPr>
+              <a:t>је декларисан као заштићен метод</a:t>
+            </a:r>
+            <a:r>
+              <a:rPr lang="sr-Latn-RS" dirty="0">
+                <a:latin typeface="Garamond" panose="02020404030301010803" pitchFamily="18" charset="0"/>
+              </a:rPr>
+              <a:t> </a:t>
+            </a:r>
+            <a:r>
+              <a:rPr lang="sr-Cyrl-RS" dirty="0" smtClean="0">
+                <a:latin typeface="Garamond" panose="02020404030301010803" pitchFamily="18" charset="0"/>
+              </a:rPr>
+              <a:t>у </a:t>
+            </a:r>
+            <a:r>
+              <a:rPr lang="en-US" sz="2000" dirty="0">
+                <a:latin typeface="+mn-lt"/>
+              </a:rPr>
+              <a:t>Object</a:t>
+            </a:r>
+            <a:endParaRPr lang="sr-Cyrl-RS" dirty="0" smtClean="0">
+              <a:latin typeface="+mn-lt"/>
+            </a:endParaRPr>
           </a:p>
           <a:p>
-            <a:pPr marL="342900" indent="-342900">
-              <a:spcBef>
-                <a:spcPts val="600"/>
+            <a:pPr marL="285750">
+              <a:spcBef>
+                <a:spcPts val="0"/>
               </a:spcBef>
               <a:buFont typeface="Arial" panose="020B0604020202020204" pitchFamily="34" charset="0"/>
               <a:buChar char="•"/>
               <a:defRPr/>
             </a:pPr>
-            <a:endParaRPr lang="en-US" dirty="0" smtClean="0">
-              <a:latin typeface="Garamond" pitchFamily="18" charset="0"/>
+            <a:r>
+              <a:rPr lang="sr-Cyrl-RS" dirty="0">
+                <a:latin typeface="Garamond" panose="02020404030301010803" pitchFamily="18" charset="0"/>
+              </a:rPr>
+              <a:t> </a:t>
+            </a:r>
+            <a:r>
+              <a:rPr lang="sr-Cyrl-RS" dirty="0" smtClean="0">
+                <a:latin typeface="Garamond" panose="02020404030301010803" pitchFamily="18" charset="0"/>
+              </a:rPr>
+              <a:t>Ако се одлучи да ће бити допуштено клонирање примерака дате класе, тада та класа мора имплементирати интерфејс </a:t>
+            </a:r>
+            <a:r>
+              <a:rPr lang="en-US" sz="2000" dirty="0" err="1" smtClean="0">
+                <a:latin typeface="+mn-lt"/>
+              </a:rPr>
+              <a:t>Cloneable</a:t>
+            </a:r>
+            <a:endParaRPr lang="sr-Cyrl-RS" dirty="0">
+              <a:latin typeface="+mn-lt"/>
             </a:endParaRPr>
           </a:p>
         </p:txBody>
       </p:sp>
       <p:sp>
         <p:nvSpPr>
-          <p:cNvPr id="3" name="Title 1"/>
+          <p:cNvPr id="5" name="Rectangle 2"/>
           <p:cNvSpPr txBox="1">
-            <a:spLocks/>
+            <a:spLocks noChangeArrowheads="1"/>
           </p:cNvSpPr>
           <p:nvPr/>
         </p:nvSpPr>
-        <p:spPr>
+        <p:spPr bwMode="auto">
           <a:xfrm>
-            <a:off x="1371600" y="549275"/>
-            <a:ext cx="7772400" cy="868363"/>
+            <a:off x="1447800" y="427038"/>
+            <a:ext cx="7696200" cy="914400"/>
           </a:xfrm>
           <a:prstGeom prst="rect">
             <a:avLst/>
           </a:prstGeom>
+          <a:noFill/>
+          <a:ln>
+            <a:noFill/>
+          </a:ln>
+          <a:extLst>
+            <a:ext uri="{909E8E84-426E-40DD-AFC4-6F175D3DCCD1}">
+              <a14:hiddenFill xmlns:a14="http://schemas.microsoft.com/office/drawing/2010/main">
+                <a:solidFill>
+                  <a:srgbClr val="FFFFFF"/>
+                </a:solidFill>
+              </a14:hiddenFill>
+            </a:ext>
+            <a:ext uri="{91240B29-F687-4F45-9708-019B960494DF}">
+              <a14:hiddenLine xmlns:a14="http://schemas.microsoft.com/office/drawing/2010/main" w="9525">
+                <a:solidFill>
+                  <a:srgbClr val="000000"/>
+                </a:solidFill>
+                <a:miter lim="800000"/>
+                <a:headEnd/>
+                <a:tailEnd/>
+              </a14:hiddenLine>
+            </a:ext>
+          </a:extLst>
         </p:spPr>
         <p:txBody>
-          <a:bodyPr/>
+          <a:bodyPr anchor="ctr"/>
           <a:lstStyle>
             <a:lvl1pPr algn="l" rtl="0" eaLnBrk="0" fontAlgn="base" hangingPunct="0">
               <a:spcBef>
@@ -14751,36 +14856,28 @@
             </a:lvl9pPr>
           </a:lstStyle>
           <a:p>
-            <a:pPr>
+            <a:pPr eaLnBrk="1" hangingPunct="1">
               <a:defRPr/>
             </a:pPr>
             <a:r>
-              <a:rPr lang="en-US" sz="3600" b="1" kern="0" dirty="0">
-                <a:solidFill>
-                  <a:srgbClr val="0070C0"/>
-                </a:solidFill>
-              </a:rPr>
-              <a:t>SOLID </a:t>
-            </a:r>
-            <a:r>
-              <a:rPr lang="sr-Cyrl-RS" sz="3600" b="1" kern="0" dirty="0" smtClean="0">
-                <a:solidFill>
-                  <a:srgbClr val="0070C0"/>
-                </a:solidFill>
-              </a:rPr>
-              <a:t>принципи - </a:t>
-            </a:r>
-            <a:r>
-              <a:rPr lang="en-US" sz="3600" b="1" kern="0" dirty="0" smtClean="0">
-                <a:solidFill>
-                  <a:srgbClr val="0070C0"/>
-                </a:solidFill>
-              </a:rPr>
-              <a:t>S</a:t>
-            </a:r>
-            <a:endParaRPr lang="en-US" sz="3600" b="1" kern="0" dirty="0">
+              <a:rPr lang="sr-Cyrl-RS" kern="0" dirty="0" smtClean="0">
+                <a:solidFill>
+                  <a:srgbClr val="3366FF"/>
+                </a:solidFill>
+              </a:rPr>
+              <a:t>Интерфејси у </a:t>
+            </a:r>
+            <a:r>
+              <a:rPr lang="sr-Cyrl-RS" kern="0" dirty="0" smtClean="0">
+                <a:solidFill>
+                  <a:srgbClr val="3366FF"/>
+                </a:solidFill>
+              </a:rPr>
+              <a:t>ЈДК – клонирање</a:t>
+            </a:r>
+            <a:endParaRPr lang="sr-Latn-CS" kern="0" dirty="0" smtClean="0">
               <a:solidFill>
-                <a:srgbClr val="0070C0"/>
+                <a:srgbClr val="3366FF"/>
               </a:solidFill>
             </a:endParaRPr>
           </a:p>
@@ -14789,7 +14886,7 @@
     </p:spTree>
     <p:extLst>
       <p:ext uri="{BB962C8B-B14F-4D97-AF65-F5344CB8AC3E}">
-        <p14:creationId xmlns:p14="http://schemas.microsoft.com/office/powerpoint/2010/main" val="811905334"/>
+        <p14:creationId xmlns:p14="http://schemas.microsoft.com/office/powerpoint/2010/main" val="518825845"/>
       </p:ext>
     </p:extLst>
   </p:cSld>
@@ -14805,13 +14902,13 @@
               <p:cTn id="2" dur="indefinite" nodeType="mainSeq">
                 <p:childTnLst>
                   <p:par>
-                    <p:cTn id="3" fill="hold">
+                    <p:cTn id="3" fill="hold" nodeType="clickPar">
                       <p:stCondLst>
                         <p:cond delay="indefinite"/>
                       </p:stCondLst>
                       <p:childTnLst>
                         <p:par>
-                          <p:cTn id="4" fill="hold">
+                          <p:cTn id="4" fill="hold" nodeType="withGroup">
                             <p:stCondLst>
                               <p:cond delay="0"/>
                             </p:stCondLst>
@@ -14830,7 +14927,7 @@
                                           </p:stCondLst>
                                         </p:cTn>
                                         <p:tgtEl>
-                                          <p:spTgt spid="26626">
+                                          <p:spTgt spid="23554">
                                             <p:txEl>
                                               <p:pRg st="0" end="0"/>
                                             </p:txEl>
@@ -14848,7 +14945,7 @@
                                       <p:cBhvr>
                                         <p:cTn id="7" dur="500"/>
                                         <p:tgtEl>
-                                          <p:spTgt spid="26626">
+                                          <p:spTgt spid="23554">
                                             <p:txEl>
                                               <p:pRg st="0" end="0"/>
                                             </p:txEl>
@@ -14873,7 +14970,7 @@
                                           </p:stCondLst>
                                         </p:cTn>
                                         <p:tgtEl>
-                                          <p:spTgt spid="26626">
+                                          <p:spTgt spid="23554">
                                             <p:txEl>
                                               <p:pRg st="1" end="1"/>
                                             </p:txEl>
@@ -14891,9 +14988,52 @@
                                       <p:cBhvr>
                                         <p:cTn id="10" dur="500"/>
                                         <p:tgtEl>
-                                          <p:spTgt spid="26626">
+                                          <p:spTgt spid="23554">
                                             <p:txEl>
                                               <p:pRg st="1" end="1"/>
+                                            </p:txEl>
+                                          </p:spTgt>
+                                        </p:tgtEl>
+                                      </p:cBhvr>
+                                    </p:animEffect>
+                                  </p:childTnLst>
+                                </p:cTn>
+                              </p:par>
+                              <p:par>
+                                <p:cTn id="11" presetID="3" presetClass="entr" presetSubtype="10" fill="hold" nodeType="withEffect">
+                                  <p:stCondLst>
+                                    <p:cond delay="0"/>
+                                  </p:stCondLst>
+                                  <p:childTnLst>
+                                    <p:set>
+                                      <p:cBhvr>
+                                        <p:cTn id="12" dur="1" fill="hold">
+                                          <p:stCondLst>
+                                            <p:cond delay="0"/>
+                                          </p:stCondLst>
+                                        </p:cTn>
+                                        <p:tgtEl>
+                                          <p:spTgt spid="23554">
+                                            <p:txEl>
+                                              <p:pRg st="2" end="2"/>
+                                            </p:txEl>
+                                          </p:spTgt>
+                                        </p:tgtEl>
+                                        <p:attrNameLst>
+                                          <p:attrName>style.visibility</p:attrName>
+                                        </p:attrNameLst>
+                                      </p:cBhvr>
+                                      <p:to>
+                                        <p:strVal val="visible"/>
+                                      </p:to>
+                                    </p:set>
+                                    <p:animEffect transition="in" filter="blinds(horizontal)">
+                                      <p:cBhvr>
+                                        <p:cTn id="13" dur="500"/>
+                                        <p:tgtEl>
+                                          <p:spTgt spid="23554">
+                                            <p:txEl>
+                                              <p:pRg st="2" end="2"/>
                                             </p:txEl>
                                           </p:spTgt>
                                         </p:tgtEl>
@@ -14909,34 +15049,34 @@
                     </p:cTn>
                   </p:par>
                   <p:par>
-                    <p:cTn id="11" fill="hold">
+                    <p:cTn id="14" fill="hold">
                       <p:stCondLst>
                         <p:cond delay="indefinite"/>
                       </p:stCondLst>
                       <p:childTnLst>
                         <p:par>
-                          <p:cTn id="12" fill="hold">
+                          <p:cTn id="15" fill="hold">
                             <p:stCondLst>
                               <p:cond delay="0"/>
                             </p:stCondLst>
                             <p:childTnLst>
                               <p:par>
-                                <p:cTn id="13" presetID="3" presetClass="entr" presetSubtype="10" fill="hold" nodeType="clickEffect">
+                                <p:cTn id="16" presetID="3" presetClass="entr" presetSubtype="10" fill="hold" nodeType="clickEffect">
                                   <p:stCondLst>
                                     <p:cond delay="0"/>
                                   </p:stCondLst>
                                   <p:childTnLst>
                                     <p:set>
                                       <p:cBhvr>
-                                        <p:cTn id="14" dur="1" fill="hold">
+                                        <p:cTn id="17" dur="1" fill="hold">
                                           <p:stCondLst>
                                             <p:cond delay="0"/>
                                           </p:stCondLst>
                                         </p:cTn>
                                         <p:tgtEl>
-                                          <p:spTgt spid="26626">
-                                            <p:txEl>
-                                              <p:pRg st="2" end="2"/>
+                                          <p:spTgt spid="23554">
+                                            <p:txEl>
+                                              <p:pRg st="3" end="3"/>
                                             </p:txEl>
                                           </p:spTgt>
                                         </p:tgtEl>
@@ -14950,52 +15090,9 @@
                                     </p:set>
                                     <p:animEffect transition="in" filter="blinds(horizontal)">
                                       <p:cBhvr>
-                                        <p:cTn id="15" dur="500"/>
-                                        <p:tgtEl>
-                                          <p:spTgt spid="26626">
-                                            <p:txEl>
-                                              <p:pRg st="2" end="2"/>
-                                            </p:txEl>
-                                          </p:spTgt>
-                                        </p:tgtEl>
-                                      </p:cBhvr>
-                                    </p:animEffect>
-                                  </p:childTnLst>
-                                </p:cTn>
-                              </p:par>
-                              <p:par>
-                                <p:cTn id="16" presetID="3" presetClass="entr" presetSubtype="10" fill="hold" nodeType="withEffect">
-                                  <p:stCondLst>
-                                    <p:cond delay="0"/>
-                                  </p:stCondLst>
-                                  <p:childTnLst>
-                                    <p:set>
-                                      <p:cBhvr>
-                                        <p:cTn id="17" dur="1" fill="hold">
-                                          <p:stCondLst>
-                                            <p:cond delay="0"/>
-                                          </p:stCondLst>
-                                        </p:cTn>
-                                        <p:tgtEl>
-                                          <p:spTgt spid="26626">
-                                            <p:txEl>
-                                              <p:pRg st="3" end="3"/>
-                                            </p:txEl>
-                                          </p:spTgt>
-                                        </p:tgtEl>
-                                        <p:attrNameLst>
-                                          <p:attrName>style.visibility</p:attrName>
-                                        </p:attrNameLst>
-                                      </p:cBhvr>
-                                      <p:to>
-                                        <p:strVal val="visible"/>
-                                      </p:to>
-                                    </p:set>
-                                    <p:animEffect transition="in" filter="blinds(horizontal)">
-                                      <p:cBhvr>
                                         <p:cTn id="18" dur="500"/>
                                         <p:tgtEl>
-                                          <p:spTgt spid="26626">
+                                          <p:spTgt spid="23554">
                                             <p:txEl>
                                               <p:pRg st="3" end="3"/>
                                             </p:txEl>
@@ -15038,7 +15135,7 @@
                                           </p:stCondLst>
                                         </p:cTn>
                                         <p:tgtEl>
-                                          <p:spTgt spid="26626">
+                                          <p:spTgt spid="23554">
                                             <p:txEl>
                                               <p:pRg st="4" end="4"/>
                                             </p:txEl>
@@ -15056,7 +15153,7 @@
                                       <p:cBhvr>
                                         <p:cTn id="23" dur="500"/>
                                         <p:tgtEl>
-                                          <p:spTgt spid="26626">
+                                          <p:spTgt spid="23554">
                                             <p:txEl>
                                               <p:pRg st="4" end="4"/>
                                             </p:txEl>
@@ -15099,7 +15196,7 @@
                                           </p:stCondLst>
                                         </p:cTn>
                                         <p:tgtEl>
-                                          <p:spTgt spid="26626">
+                                          <p:spTgt spid="23554">
                                             <p:txEl>
                                               <p:pRg st="5" end="5"/>
                                             </p:txEl>
@@ -15117,7 +15214,7 @@
                                       <p:cBhvr>
                                         <p:cTn id="28" dur="500"/>
                                         <p:tgtEl>
-                                          <p:spTgt spid="26626">
+                                          <p:spTgt spid="23554">
                                             <p:txEl>
                                               <p:pRg st="5" end="5"/>
                                             </p:txEl>
@@ -15187,7 +15284,7 @@
         <p:spPr bwMode="auto">
           <a:xfrm>
             <a:off x="539750" y="1416050"/>
-            <a:ext cx="8451850" cy="5355312"/>
+            <a:ext cx="8451850" cy="5724644"/>
           </a:xfrm>
           <a:prstGeom prst="rect">
             <a:avLst/>
@@ -15329,37 +15426,25 @@
               <a:rPr lang="sr-Cyrl-RS" dirty="0" smtClean="0">
                 <a:latin typeface="Garamond" pitchFamily="18" charset="0"/>
               </a:rPr>
-              <a:t>Принцип </a:t>
-            </a:r>
-            <a:r>
-              <a:rPr lang="sr-Cyrl-RS" dirty="0">
-                <a:latin typeface="Garamond" pitchFamily="18" charset="0"/>
-              </a:rPr>
-              <a:t>отворености и затворености </a:t>
+              <a:t>Принцип једнозначне одговорности (</a:t>
+            </a:r>
+            <a:r>
+              <a:rPr lang="en-US" b="1" u="sng" dirty="0" smtClean="0">
+                <a:latin typeface="Garamond" pitchFamily="18" charset="0"/>
+              </a:rPr>
+              <a:t>S</a:t>
+            </a:r>
+            <a:r>
+              <a:rPr lang="en-US" dirty="0" smtClean="0">
+                <a:latin typeface="Garamond" pitchFamily="18" charset="0"/>
+              </a:rPr>
+              <a:t>ingle responsibility) – </a:t>
             </a:r>
             <a:r>
               <a:rPr lang="sr-Cyrl-RS" dirty="0" smtClean="0">
                 <a:latin typeface="Garamond" pitchFamily="18" charset="0"/>
               </a:rPr>
-              <a:t>(</a:t>
-            </a:r>
-            <a:r>
-              <a:rPr lang="en-US" b="1" u="sng" dirty="0" smtClean="0">
-                <a:latin typeface="Garamond" pitchFamily="18" charset="0"/>
-              </a:rPr>
-              <a:t>O</a:t>
-            </a:r>
-            <a:r>
-              <a:rPr lang="en-US" dirty="0" smtClean="0">
-                <a:latin typeface="Garamond" pitchFamily="18" charset="0"/>
-              </a:rPr>
-              <a:t>pen closed) – </a:t>
-            </a:r>
-            <a:r>
-              <a:rPr lang="sr-Cyrl-RS" dirty="0" smtClean="0">
-                <a:latin typeface="Garamond" pitchFamily="18" charset="0"/>
-              </a:rPr>
-              <a:t>Софтверске компонете треба да буду отворене за проширивање, али затворене за модификацију</a:t>
+              <a:t>свака класа треба да има тачно једну одговорност </a:t>
             </a:r>
           </a:p>
           <a:p>
@@ -15387,7 +15472,7 @@
               <a:rPr lang="sr-Cyrl-RS" dirty="0" smtClean="0">
                 <a:latin typeface="Garamond" pitchFamily="18" charset="0"/>
               </a:rPr>
-              <a:t>класа треба да буде структуирана тако да реализује своје задатке без претпостављања да ће у будућности бити мењано њено понашање</a:t>
+              <a:t>може постојати само један разлог због ког класа треба да буде промењена </a:t>
             </a:r>
           </a:p>
           <a:p>
@@ -15403,11 +15488,8 @@
               <a:rPr lang="sr-Cyrl-RS" dirty="0" smtClean="0">
                 <a:latin typeface="Garamond" pitchFamily="18" charset="0"/>
               </a:rPr>
-              <a:t>Истовремено, треба да буде омогућено проширивање функционалности класе, на следећи начин:</a:t>
-            </a:r>
-            <a:endParaRPr lang="en-US" dirty="0">
-              <a:latin typeface="Garamond" pitchFamily="18" charset="0"/>
-            </a:endParaRPr>
+              <a:t>Класа треба да реализује само један задатак</a:t>
+            </a:r>
           </a:p>
           <a:p>
             <a:pPr marL="1085850" lvl="1" indent="-342900">
@@ -15422,14 +15504,17 @@
               <a:rPr lang="sr-Cyrl-RS" dirty="0" smtClean="0">
                 <a:latin typeface="Garamond" pitchFamily="18" charset="0"/>
               </a:rPr>
-              <a:t>Наслеђивањем дате класе</a:t>
-            </a:r>
-            <a:endParaRPr lang="en-US" dirty="0">
-              <a:latin typeface="Garamond" pitchFamily="18" charset="0"/>
-            </a:endParaRPr>
+              <a:t>ако би се у оквиру једне класе налазила функционалност за пословну логику и за чување података примерка у датотеку или у базу, то би нарушавало овај принцип</a:t>
+            </a:r>
+            <a:r>
+              <a:rPr lang="en-US" dirty="0" smtClean="0">
+                <a:latin typeface="Garamond" pitchFamily="18" charset="0"/>
+              </a:rPr>
+              <a:t> </a:t>
+            </a:r>
           </a:p>
           <a:p>
-            <a:pPr marL="1085850" lvl="1" indent="-342900">
+            <a:pPr marL="342900" indent="-342900">
               <a:spcBef>
                 <a:spcPts val="600"/>
               </a:spcBef>
@@ -15441,14 +15526,11 @@
               <a:rPr lang="sr-Cyrl-RS" dirty="0" smtClean="0">
                 <a:latin typeface="Garamond" pitchFamily="18" charset="0"/>
               </a:rPr>
-              <a:t>Превазилажењем понашања које је захтевано од класе</a:t>
-            </a:r>
-            <a:endParaRPr lang="en-US" dirty="0">
-              <a:latin typeface="Garamond" pitchFamily="18" charset="0"/>
-            </a:endParaRPr>
+              <a:t>Када се поштује овај принцип, тестирање је једноставније</a:t>
+            </a:r>
           </a:p>
           <a:p>
-            <a:pPr marL="1085850" lvl="1" indent="-342900">
+            <a:pPr marL="342900" indent="-342900">
               <a:spcBef>
                 <a:spcPts val="600"/>
               </a:spcBef>
@@ -15460,7 +15542,7 @@
               <a:rPr lang="sr-Cyrl-RS" dirty="0" smtClean="0">
                 <a:latin typeface="Garamond" pitchFamily="18" charset="0"/>
               </a:rPr>
-              <a:t>Превазилажењем појединих понашања класе</a:t>
+              <a:t>Мање функционалности у једној класи такође значи да има мање зависности од осталих класа, што доводи до боље организације кода, јер се мање класе са јасном сврхом могу лакше пронаћи</a:t>
             </a:r>
           </a:p>
           <a:p>
@@ -15472,12 +15554,9 @@
               <a:buChar char="•"/>
               <a:defRPr/>
             </a:pPr>
-            <a:r>
-              <a:rPr lang="sr-Cyrl-RS" dirty="0" smtClean="0">
-                <a:latin typeface="Garamond" pitchFamily="18" charset="0"/>
-              </a:rPr>
-              <a:t>Пример: аналогија са прегледачем и проширењима – укључена проширења не ометају функцију прегледача </a:t>
-            </a:r>
+            <a:endParaRPr lang="en-US" dirty="0" smtClean="0">
+              <a:latin typeface="Garamond" pitchFamily="18" charset="0"/>
+            </a:endParaRPr>
           </a:p>
         </p:txBody>
       </p:sp>
@@ -15651,12 +15730,12 @@
               <a:t>принципи - </a:t>
             </a:r>
             <a:r>
-              <a:rPr lang="sr-Cyrl-RS" sz="3600" b="1" kern="0" dirty="0">
+              <a:rPr lang="en-US" sz="3600" b="1" kern="0" dirty="0" smtClean="0">
                 <a:solidFill>
                   <a:srgbClr val="0070C0"/>
                 </a:solidFill>
               </a:rPr>
-              <a:t>О</a:t>
+              <a:t>S</a:t>
             </a:r>
             <a:endParaRPr lang="en-US" sz="3600" b="1" kern="0" dirty="0">
               <a:solidFill>
@@ -15669,7 +15748,7 @@
     </p:spTree>
     <p:extLst>
       <p:ext uri="{BB962C8B-B14F-4D97-AF65-F5344CB8AC3E}">
-        <p14:creationId xmlns:p14="http://schemas.microsoft.com/office/powerpoint/2010/main" val="1060689140"/>
+        <p14:creationId xmlns:p14="http://schemas.microsoft.com/office/powerpoint/2010/main" val="811905334"/>
       </p:ext>
     </p:extLst>
   </p:cSld>
@@ -16000,67 +16079,6 @@
                                           <p:spTgt spid="26626">
                                             <p:txEl>
                                               <p:pRg st="5" end="5"/>
-                                            </p:txEl>
-                                          </p:spTgt>
-                                        </p:tgtEl>
-                                      </p:cBhvr>
-                                    </p:animEffect>
-                                  </p:childTnLst>
-                                </p:cTn>
-                              </p:par>
-                            </p:childTnLst>
-                          </p:cTn>
-                        </p:par>
-                      </p:childTnLst>
-                    </p:cTn>
-                  </p:par>
-                  <p:par>
-                    <p:cTn id="29" fill="hold">
-                      <p:stCondLst>
-                        <p:cond delay="indefinite"/>
-                      </p:stCondLst>
-                      <p:childTnLst>
-                        <p:par>
-                          <p:cTn id="30" fill="hold">
-                            <p:stCondLst>
-                              <p:cond delay="0"/>
-                            </p:stCondLst>
-                            <p:childTnLst>
-                              <p:par>
-                                <p:cTn id="31" presetID="3" presetClass="entr" presetSubtype="10" fill="hold" nodeType="clickEffect">
-                                  <p:stCondLst>
-                                    <p:cond delay="0"/>
-                                  </p:stCondLst>
-                                  <p:childTnLst>
-                                    <p:set>
-                                      <p:cBhvr>
-                                        <p:cTn id="32" dur="1" fill="hold">
-                                          <p:stCondLst>
-                                            <p:cond delay="0"/>
-                                          </p:stCondLst>
-                                        </p:cTn>
-                                        <p:tgtEl>
-                                          <p:spTgt spid="26626">
-                                            <p:txEl>
-                                              <p:pRg st="6" end="6"/>
-                                            </p:txEl>
-                                          </p:spTgt>
-                                        </p:tgtEl>
-                                        <p:attrNameLst>
-                                          <p:attrName>style.visibility</p:attrName>
-                                        </p:attrNameLst>
-                                      </p:cBhvr>
-                                      <p:to>
-                                        <p:strVal val="visible"/>
-                                      </p:to>
-                                    </p:set>
-                                    <p:animEffect transition="in" filter="blinds(horizontal)">
-                                      <p:cBhvr>
-                                        <p:cTn id="33" dur="500"/>
-                                        <p:tgtEl>
-                                          <p:spTgt spid="26626">
-                                            <p:txEl>
-                                              <p:pRg st="6" end="6"/>
                                             </p:txEl>
                                           </p:spTgt>
                                         </p:tgtEl>
@@ -16498,7 +16516,7 @@
         <p:spPr bwMode="auto">
           <a:xfrm>
             <a:off x="539750" y="1416050"/>
-            <a:ext cx="8451850" cy="4385816"/>
+            <a:ext cx="8451850" cy="5355312"/>
           </a:xfrm>
           <a:prstGeom prst="rect">
             <a:avLst/>
@@ -16640,37 +16658,37 @@
               <a:rPr lang="sr-Cyrl-RS" dirty="0" smtClean="0">
                 <a:latin typeface="Garamond" pitchFamily="18" charset="0"/>
               </a:rPr>
-              <a:t>Принцип замене Лисков (</a:t>
-            </a:r>
-            <a:r>
-              <a:rPr lang="en-US" b="1" u="sng" dirty="0" err="1" smtClean="0">
-                <a:latin typeface="Garamond" pitchFamily="18" charset="0"/>
-              </a:rPr>
-              <a:t>L</a:t>
-            </a:r>
-            <a:r>
-              <a:rPr lang="en-US" dirty="0" err="1" smtClean="0">
-                <a:latin typeface="Garamond" pitchFamily="18" charset="0"/>
-              </a:rPr>
-              <a:t>iskov</a:t>
+              <a:t>Принцип </a:t>
+            </a:r>
+            <a:r>
+              <a:rPr lang="sr-Cyrl-RS" dirty="0">
+                <a:latin typeface="Garamond" pitchFamily="18" charset="0"/>
+              </a:rPr>
+              <a:t>отворености и затворености </a:t>
+            </a:r>
+            <a:r>
+              <a:rPr lang="sr-Cyrl-RS" dirty="0" smtClean="0">
+                <a:latin typeface="Garamond" pitchFamily="18" charset="0"/>
+              </a:rPr>
+              <a:t>(</a:t>
+            </a:r>
+            <a:r>
+              <a:rPr lang="en-US" b="1" u="sng" dirty="0" smtClean="0">
+                <a:latin typeface="Garamond" pitchFamily="18" charset="0"/>
+              </a:rPr>
+              <a:t>O</a:t>
             </a:r>
             <a:r>
               <a:rPr lang="en-US" dirty="0" smtClean="0">
                 <a:latin typeface="Garamond" pitchFamily="18" charset="0"/>
               </a:rPr>
-              <a:t> substitution) </a:t>
-            </a:r>
-            <a:r>
-              <a:rPr lang="en-US" dirty="0">
-                <a:latin typeface="Garamond" pitchFamily="18" charset="0"/>
-              </a:rPr>
-              <a:t>– </a:t>
+              <a:t>pen closed) – </a:t>
             </a:r>
             <a:r>
               <a:rPr lang="sr-Cyrl-RS" dirty="0" smtClean="0">
                 <a:latin typeface="Garamond" pitchFamily="18" charset="0"/>
               </a:rPr>
-              <a:t>Примерци поткласа морају да буду у могућности да у потпуности (у свим аспектима и контекстима) замењују примерке надкласе. </a:t>
+              <a:t>Софтверске компонете треба да буду отворене за проширивање, али затворене за модификацију</a:t>
             </a:r>
           </a:p>
           <a:p>
@@ -16686,110 +16704,42 @@
               <a:rPr lang="sr-Cyrl-RS" dirty="0" smtClean="0">
                 <a:latin typeface="Garamond" pitchFamily="18" charset="0"/>
               </a:rPr>
-              <a:t>Принцип захтева да: ако је</a:t>
+              <a:t>По овом принципу</a:t>
             </a:r>
             <a:r>
               <a:rPr lang="en-US" dirty="0" smtClean="0">
                 <a:latin typeface="Garamond" pitchFamily="18" charset="0"/>
               </a:rPr>
-              <a:t> </a:t>
-            </a:r>
-            <a:r>
-              <a:rPr lang="en-US" sz="2000" dirty="0">
-                <a:latin typeface="+mn-lt"/>
-              </a:rPr>
-              <a:t>S</a:t>
-            </a:r>
-            <a:r>
-              <a:rPr lang="en-US" dirty="0">
-                <a:latin typeface="Garamond" pitchFamily="18" charset="0"/>
-              </a:rPr>
-              <a:t> </a:t>
+              <a:t>, </a:t>
             </a:r>
             <a:r>
               <a:rPr lang="sr-Cyrl-RS" dirty="0" smtClean="0">
                 <a:latin typeface="Garamond" pitchFamily="18" charset="0"/>
               </a:rPr>
-              <a:t>подтип типа</a:t>
-            </a:r>
-            <a:r>
-              <a:rPr lang="en-US" dirty="0" smtClean="0">
-                <a:latin typeface="Garamond" pitchFamily="18" charset="0"/>
-              </a:rPr>
-              <a:t> </a:t>
-            </a:r>
-            <a:r>
-              <a:rPr lang="en-US" sz="2000" dirty="0">
-                <a:latin typeface="+mn-lt"/>
-              </a:rPr>
-              <a:t>T</a:t>
-            </a:r>
-            <a:r>
-              <a:rPr lang="en-US" dirty="0">
-                <a:latin typeface="Garamond" pitchFamily="18" charset="0"/>
-              </a:rPr>
-              <a:t>, </a:t>
-            </a:r>
+              <a:t>класа треба да буде структуирана тако да реализује своје задатке без претпостављања да ће у будућности бити мењано њено понашање</a:t>
+            </a:r>
+          </a:p>
+          <a:p>
+            <a:pPr marL="342900" indent="-342900">
+              <a:spcBef>
+                <a:spcPts val="600"/>
+              </a:spcBef>
+              <a:buFont typeface="Arial" panose="020B0604020202020204" pitchFamily="34" charset="0"/>
+              <a:buChar char="•"/>
+              <a:defRPr/>
+            </a:pPr>
             <a:r>
               <a:rPr lang="sr-Cyrl-RS" dirty="0" smtClean="0">
                 <a:latin typeface="Garamond" pitchFamily="18" charset="0"/>
               </a:rPr>
-              <a:t>тада објекти типа</a:t>
-            </a:r>
-            <a:r>
-              <a:rPr lang="en-US" dirty="0" smtClean="0">
-                <a:latin typeface="Garamond" pitchFamily="18" charset="0"/>
-              </a:rPr>
-              <a:t> </a:t>
-            </a:r>
-            <a:r>
-              <a:rPr lang="en-US" sz="2000" dirty="0">
-                <a:latin typeface="+mn-lt"/>
-              </a:rPr>
-              <a:t>T</a:t>
-            </a:r>
-            <a:r>
-              <a:rPr lang="en-US" dirty="0">
-                <a:latin typeface="Garamond" pitchFamily="18" charset="0"/>
-              </a:rPr>
-              <a:t> </a:t>
-            </a:r>
-            <a:r>
-              <a:rPr lang="sr-Cyrl-RS" dirty="0" smtClean="0">
-                <a:latin typeface="Garamond" pitchFamily="18" charset="0"/>
-              </a:rPr>
-              <a:t>у програму могу бити замењени објектима типа</a:t>
-            </a:r>
-            <a:r>
-              <a:rPr lang="en-US" dirty="0" smtClean="0">
-                <a:latin typeface="Garamond" pitchFamily="18" charset="0"/>
-              </a:rPr>
-              <a:t> </a:t>
-            </a:r>
-            <a:r>
-              <a:rPr lang="en-US" sz="2000" dirty="0">
-                <a:latin typeface="+mn-lt"/>
-              </a:rPr>
-              <a:t>S</a:t>
-            </a:r>
-            <a:r>
-              <a:rPr lang="en-US" dirty="0">
-                <a:latin typeface="Garamond" pitchFamily="18" charset="0"/>
-              </a:rPr>
-              <a:t> </a:t>
-            </a:r>
-            <a:r>
-              <a:rPr lang="sr-Cyrl-RS" dirty="0" smtClean="0">
-                <a:latin typeface="Garamond" pitchFamily="18" charset="0"/>
-              </a:rPr>
-              <a:t>без промене пожељних особина програма</a:t>
-            </a:r>
-            <a:endParaRPr lang="sr-Cyrl-RS" dirty="0">
+              <a:t>Истовремено, треба да буде омогућено проширивање функционалности класе, на следећи начин:</a:t>
+            </a:r>
+            <a:endParaRPr lang="en-US" dirty="0">
               <a:latin typeface="Garamond" pitchFamily="18" charset="0"/>
             </a:endParaRPr>
           </a:p>
           <a:p>
-            <a:pPr marL="342900" indent="-342900">
+            <a:pPr marL="1085850" lvl="1" indent="-342900">
               <a:spcBef>
                 <a:spcPts val="600"/>
               </a:spcBef>
@@ -16798,23 +16748,17 @@
               <a:defRPr/>
             </a:pPr>
             <a:r>
-              <a:rPr lang="en-US" dirty="0" smtClean="0">
-                <a:latin typeface="Garamond" pitchFamily="18" charset="0"/>
-              </a:rPr>
-              <a:t> </a:t>
-            </a:r>
-            <a:r>
               <a:rPr lang="sr-Cyrl-RS" dirty="0" smtClean="0">
                 <a:latin typeface="Garamond" pitchFamily="18" charset="0"/>
               </a:rPr>
-              <a:t>Другим речима, класа мора реализовати све уговоре својих надкласа</a:t>
-            </a:r>
-            <a:endParaRPr lang="en-US" dirty="0" smtClean="0">
+              <a:t>Наслеђивањем дате класе</a:t>
+            </a:r>
+            <a:endParaRPr lang="en-US" dirty="0">
               <a:latin typeface="Garamond" pitchFamily="18" charset="0"/>
             </a:endParaRPr>
           </a:p>
           <a:p>
-            <a:pPr marL="342900" indent="-342900">
+            <a:pPr marL="1085850" lvl="1" indent="-342900">
               <a:spcBef>
                 <a:spcPts val="600"/>
               </a:spcBef>
@@ -16826,11 +16770,43 @@
               <a:rPr lang="sr-Cyrl-RS" dirty="0" smtClean="0">
                 <a:latin typeface="Garamond" pitchFamily="18" charset="0"/>
               </a:rPr>
-              <a:t>Поштовањем овог принципа се спречава злоупотреба наслеђивања. Такође, тиме се постиже сагласност са односом наслеђивања „јесте“</a:t>
-            </a:r>
-            <a:endParaRPr lang="en-US" dirty="0" smtClean="0">
+              <a:t>Превазилажењем понашања које је захтевано од класе</a:t>
+            </a:r>
+            <a:endParaRPr lang="en-US" dirty="0">
               <a:latin typeface="Garamond" pitchFamily="18" charset="0"/>
             </a:endParaRPr>
+          </a:p>
+          <a:p>
+            <a:pPr marL="1085850" lvl="1" indent="-342900">
+              <a:spcBef>
+                <a:spcPts val="600"/>
+              </a:spcBef>
+              <a:buFont typeface="Arial" panose="020B0604020202020204" pitchFamily="34" charset="0"/>
+              <a:buChar char="•"/>
+              <a:defRPr/>
+            </a:pPr>
+            <a:r>
+              <a:rPr lang="sr-Cyrl-RS" dirty="0" smtClean="0">
+                <a:latin typeface="Garamond" pitchFamily="18" charset="0"/>
+              </a:rPr>
+              <a:t>Превазилажењем појединих понашања класе</a:t>
+            </a:r>
+          </a:p>
+          <a:p>
+            <a:pPr marL="342900" indent="-342900">
+              <a:spcBef>
+                <a:spcPts val="600"/>
+              </a:spcBef>
+              <a:buFont typeface="Arial" panose="020B0604020202020204" pitchFamily="34" charset="0"/>
+              <a:buChar char="•"/>
+              <a:defRPr/>
+            </a:pPr>
+            <a:r>
+              <a:rPr lang="sr-Cyrl-RS" dirty="0" smtClean="0">
+                <a:latin typeface="Garamond" pitchFamily="18" charset="0"/>
+              </a:rPr>
+              <a:t>Пример: аналогија са прегледачем и проширењима – укључена проширења не ометају функцију прегледача </a:t>
+            </a:r>
           </a:p>
         </p:txBody>
       </p:sp>
@@ -17004,12 +16980,12 @@
               <a:t>принципи - </a:t>
             </a:r>
             <a:r>
-              <a:rPr lang="en-US" sz="3600" b="1" kern="0" dirty="0" smtClean="0">
+              <a:rPr lang="sr-Cyrl-RS" sz="3600" b="1" kern="0" dirty="0">
                 <a:solidFill>
                   <a:srgbClr val="0070C0"/>
                 </a:solidFill>
               </a:rPr>
-              <a:t>L</a:t>
+              <a:t>О</a:t>
             </a:r>
             <a:endParaRPr lang="en-US" sz="3600" b="1" kern="0" dirty="0">
               <a:solidFill>
@@ -17022,7 +16998,7 @@
     </p:spTree>
     <p:extLst>
       <p:ext uri="{BB962C8B-B14F-4D97-AF65-F5344CB8AC3E}">
-        <p14:creationId xmlns:p14="http://schemas.microsoft.com/office/powerpoint/2010/main" val="2753215479"/>
+        <p14:creationId xmlns:p14="http://schemas.microsoft.com/office/powerpoint/2010/main" val="1060689140"/>
       </p:ext>
     </p:extLst>
   </p:cSld>
@@ -17196,6 +17172,49 @@
                                   </p:childTnLst>
                                 </p:cTn>
                               </p:par>
+                              <p:par>
+                                <p:cTn id="16" presetID="3" presetClass="entr" presetSubtype="10" fill="hold" nodeType="withEffect">
+                                  <p:stCondLst>
+                                    <p:cond delay="0"/>
+                                  </p:stCondLst>
+                                  <p:childTnLst>
+                                    <p:set>
+                                      <p:cBhvr>
+                                        <p:cTn id="17" dur="1" fill="hold">
+                                          <p:stCondLst>
+                                            <p:cond delay="0"/>
+                                          </p:stCondLst>
+                                        </p:cTn>
+                                        <p:tgtEl>
+                                          <p:spTgt spid="26626">
+                                            <p:txEl>
+                                              <p:pRg st="3" end="3"/>
+                                            </p:txEl>
+                                          </p:spTgt>
+                                        </p:tgtEl>
+                                        <p:attrNameLst>
+                                          <p:attrName>style.visibility</p:attrName>
+                                        </p:attrNameLst>
+                                      </p:cBhvr>
+                                      <p:to>
+                                        <p:strVal val="visible"/>
+                                      </p:to>
+                                    </p:set>
+                                    <p:animEffect transition="in" filter="blinds(horizontal)">
+                                      <p:cBhvr>
+                                        <p:cTn id="18" dur="500"/>
+                                        <p:tgtEl>
+                                          <p:spTgt spid="26626">
+                                            <p:txEl>
+                                              <p:pRg st="3" end="3"/>
+                                            </p:txEl>
+                                          </p:spTgt>
+                                        </p:tgtEl>
+                                      </p:cBhvr>
+                                    </p:animEffect>
+                                  </p:childTnLst>
+                                </p:cTn>
+                              </p:par>
                             </p:childTnLst>
                           </p:cTn>
                         </p:par>
@@ -17203,26 +17222,26 @@
                     </p:cTn>
                   </p:par>
                   <p:par>
-                    <p:cTn id="16" fill="hold">
+                    <p:cTn id="19" fill="hold">
                       <p:stCondLst>
                         <p:cond delay="indefinite"/>
                       </p:stCondLst>
                       <p:childTnLst>
                         <p:par>
-                          <p:cTn id="17" fill="hold">
+                          <p:cTn id="20" fill="hold">
                             <p:stCondLst>
                               <p:cond delay="0"/>
                             </p:stCondLst>
                             <p:childTnLst>
                               <p:par>
-                                <p:cTn id="18" presetID="3" presetClass="entr" presetSubtype="10" fill="hold" nodeType="clickEffect">
+                                <p:cTn id="21" presetID="3" presetClass="entr" presetSubtype="10" fill="hold" nodeType="clickEffect">
                                   <p:stCondLst>
                                     <p:cond delay="0"/>
                                   </p:stCondLst>
                                   <p:childTnLst>
                                     <p:set>
                                       <p:cBhvr>
-                                        <p:cTn id="19" dur="1" fill="hold">
+                                        <p:cTn id="22" dur="1" fill="hold">
                                           <p:stCondLst>
                                             <p:cond delay="0"/>
                                           </p:stCondLst>
@@ -17230,7 +17249,7 @@
                                         <p:tgtEl>
                                           <p:spTgt spid="26626">
                                             <p:txEl>
-                                              <p:pRg st="3" end="3"/>
+                                              <p:pRg st="4" end="4"/>
                                             </p:txEl>
                                           </p:spTgt>
                                         </p:tgtEl>
@@ -17244,11 +17263,133 @@
                                     </p:set>
                                     <p:animEffect transition="in" filter="blinds(horizontal)">
                                       <p:cBhvr>
-                                        <p:cTn id="20" dur="500"/>
+                                        <p:cTn id="23" dur="500"/>
                                         <p:tgtEl>
                                           <p:spTgt spid="26626">
                                             <p:txEl>
-                                              <p:pRg st="3" end="3"/>
+                                              <p:pRg st="4" end="4"/>
+                                            </p:txEl>
+                                          </p:spTgt>
+                                        </p:tgtEl>
+                                      </p:cBhvr>
+                                    </p:animEffect>
+                                  </p:childTnLst>
+                                </p:cTn>
+                              </p:par>
+                            </p:childTnLst>
+                          </p:cTn>
+                        </p:par>
+                      </p:childTnLst>
+                    </p:cTn>
+                  </p:par>
+                  <p:par>
+                    <p:cTn id="24" fill="hold">
+                      <p:stCondLst>
+                        <p:cond delay="indefinite"/>
+                      </p:stCondLst>
+                      <p:childTnLst>
+                        <p:par>
+                          <p:cTn id="25" fill="hold">
+                            <p:stCondLst>
+                              <p:cond delay="0"/>
+                            </p:stCondLst>
+                            <p:childTnLst>
+                              <p:par>
+                                <p:cTn id="26" presetID="3" presetClass="entr" presetSubtype="10" fill="hold" nodeType="clickEffect">
+                                  <p:stCondLst>
+                                    <p:cond delay="0"/>
+                                  </p:stCondLst>
+                                  <p:childTnLst>
+                                    <p:set>
+                                      <p:cBhvr>
+                                        <p:cTn id="27" dur="1" fill="hold">
+                                          <p:stCondLst>
+                                            <p:cond delay="0"/>
+                                          </p:stCondLst>
+                                        </p:cTn>
+                                        <p:tgtEl>
+                                          <p:spTgt spid="26626">
+                                            <p:txEl>
+                                              <p:pRg st="5" end="5"/>
+                                            </p:txEl>
+                                          </p:spTgt>
+                                        </p:tgtEl>
+                                        <p:attrNameLst>
+                                          <p:attrName>style.visibility</p:attrName>
+                                        </p:attrNameLst>
+                                      </p:cBhvr>
+                                      <p:to>
+                                        <p:strVal val="visible"/>
+                                      </p:to>
+                                    </p:set>
+                                    <p:animEffect transition="in" filter="blinds(horizontal)">
+                                      <p:cBhvr>
+                                        <p:cTn id="28" dur="500"/>
+                                        <p:tgtEl>
+                                          <p:spTgt spid="26626">
+                                            <p:txEl>
+                                              <p:pRg st="5" end="5"/>
+                                            </p:txEl>
+                                          </p:spTgt>
+                                        </p:tgtEl>
+                                      </p:cBhvr>
+                                    </p:animEffect>
+                                  </p:childTnLst>
+                                </p:cTn>
+                              </p:par>
+                            </p:childTnLst>
+                          </p:cTn>
+                        </p:par>
+                      </p:childTnLst>
+                    </p:cTn>
+                  </p:par>
+                  <p:par>
+                    <p:cTn id="29" fill="hold">
+                      <p:stCondLst>
+                        <p:cond delay="indefinite"/>
+                      </p:stCondLst>
+                      <p:childTnLst>
+                        <p:par>
+                          <p:cTn id="30" fill="hold">
+                            <p:stCondLst>
+                              <p:cond delay="0"/>
+                            </p:stCondLst>
+                            <p:childTnLst>
+                              <p:par>
+                                <p:cTn id="31" presetID="3" presetClass="entr" presetSubtype="10" fill="hold" nodeType="clickEffect">
+                                  <p:stCondLst>
+                                    <p:cond delay="0"/>
+                                  </p:stCondLst>
+                                  <p:childTnLst>
+                                    <p:set>
+                                      <p:cBhvr>
+                                        <p:cTn id="32" dur="1" fill="hold">
+                                          <p:stCondLst>
+                                            <p:cond delay="0"/>
+                                          </p:stCondLst>
+                                        </p:cTn>
+                                        <p:tgtEl>
+                                          <p:spTgt spid="26626">
+                                            <p:txEl>
+                                              <p:pRg st="6" end="6"/>
+                                            </p:txEl>
+                                          </p:spTgt>
+                                        </p:tgtEl>
+                                        <p:attrNameLst>
+                                          <p:attrName>style.visibility</p:attrName>
+                                        </p:attrNameLst>
+                                      </p:cBhvr>
+                                      <p:to>
+                                        <p:strVal val="visible"/>
+                                      </p:to>
+                                    </p:set>
+                                    <p:animEffect transition="in" filter="blinds(horizontal)">
+                                      <p:cBhvr>
+                                        <p:cTn id="33" dur="500"/>
+                                        <p:tgtEl>
+                                          <p:spTgt spid="26626">
+                                            <p:txEl>
+                                              <p:pRg st="6" end="6"/>
                                             </p:txEl>
                                           </p:spTgt>
                                         </p:tgtEl>
@@ -17316,7 +17457,7 @@
         <p:spPr bwMode="auto">
           <a:xfrm>
             <a:off x="539750" y="1416050"/>
-            <a:ext cx="8451850" cy="3277820"/>
+            <a:ext cx="8451850" cy="4385816"/>
           </a:xfrm>
           <a:prstGeom prst="rect">
             <a:avLst/>
@@ -17455,52 +17596,40 @@
               <a:defRPr/>
             </a:pPr>
             <a:r>
-              <a:rPr lang="sr-Cyrl-RS" dirty="0">
-                <a:latin typeface="Garamond" pitchFamily="18" charset="0"/>
-              </a:rPr>
-              <a:t>Принцип раздвајања </a:t>
-            </a:r>
-            <a:r>
               <a:rPr lang="sr-Cyrl-RS" dirty="0" smtClean="0">
                 <a:latin typeface="Garamond" pitchFamily="18" charset="0"/>
               </a:rPr>
-              <a:t>интерфејса</a:t>
+              <a:t>Принцип замене Лисков (</a:t>
+            </a:r>
+            <a:r>
+              <a:rPr lang="en-US" b="1" u="sng" dirty="0" err="1" smtClean="0">
+                <a:latin typeface="Garamond" pitchFamily="18" charset="0"/>
+              </a:rPr>
+              <a:t>L</a:t>
+            </a:r>
+            <a:r>
+              <a:rPr lang="en-US" dirty="0" err="1" smtClean="0">
+                <a:latin typeface="Garamond" pitchFamily="18" charset="0"/>
+              </a:rPr>
+              <a:t>iskov</a:t>
             </a:r>
             <a:r>
               <a:rPr lang="en-US" dirty="0" smtClean="0">
                 <a:latin typeface="Garamond" pitchFamily="18" charset="0"/>
               </a:rPr>
-              <a:t> </a:t>
+              <a:t> substitution) </a:t>
+            </a:r>
+            <a:r>
+              <a:rPr lang="en-US" dirty="0">
+                <a:latin typeface="Garamond" pitchFamily="18" charset="0"/>
+              </a:rPr>
+              <a:t>– </a:t>
             </a:r>
             <a:r>
               <a:rPr lang="sr-Cyrl-RS" dirty="0" smtClean="0">
                 <a:latin typeface="Garamond" pitchFamily="18" charset="0"/>
               </a:rPr>
-              <a:t>(</a:t>
-            </a:r>
-            <a:r>
-              <a:rPr lang="en-US" b="1" u="sng" dirty="0">
-                <a:latin typeface="Garamond" pitchFamily="18" charset="0"/>
-              </a:rPr>
-              <a:t>I</a:t>
-            </a:r>
-            <a:r>
-              <a:rPr lang="en-US" dirty="0">
-                <a:latin typeface="Garamond" pitchFamily="18" charset="0"/>
-              </a:rPr>
-              <a:t>nterface </a:t>
-            </a:r>
-            <a:r>
-              <a:rPr lang="en-US" dirty="0" smtClean="0">
-                <a:latin typeface="Garamond" pitchFamily="18" charset="0"/>
-              </a:rPr>
-              <a:t>segregation) –</a:t>
-            </a:r>
-            <a:r>
-              <a:rPr lang="sr-Cyrl-RS" dirty="0" smtClean="0">
-                <a:latin typeface="Garamond" pitchFamily="18" charset="0"/>
-              </a:rPr>
-              <a:t> Клијенти не треба да буду приморани да имплементирају непотребне методе, тј. методе које неће користити</a:t>
+              <a:t>Примерци поткласа морају да буду у могућности да у потпуности (у свим аспектима и контекстима) замењују примерке надкласе. </a:t>
             </a:r>
           </a:p>
           <a:p>
@@ -17516,20 +17645,107 @@
               <a:rPr lang="sr-Cyrl-RS" dirty="0" smtClean="0">
                 <a:latin typeface="Garamond" pitchFamily="18" charset="0"/>
               </a:rPr>
-              <a:t>По овом принципу</a:t>
+              <a:t>Принцип захтева да: ако је</a:t>
             </a:r>
             <a:r>
               <a:rPr lang="en-US" dirty="0" smtClean="0">
                 <a:latin typeface="Garamond" pitchFamily="18" charset="0"/>
               </a:rPr>
+              <a:t> </a:t>
+            </a:r>
+            <a:r>
+              <a:rPr lang="en-US" sz="2000" dirty="0">
+                <a:latin typeface="+mn-lt"/>
+              </a:rPr>
+              <a:t>S</a:t>
+            </a:r>
+            <a:r>
+              <a:rPr lang="en-US" dirty="0">
+                <a:latin typeface="Garamond" pitchFamily="18" charset="0"/>
+              </a:rPr>
+              <a:t> </a:t>
+            </a:r>
+            <a:r>
+              <a:rPr lang="sr-Cyrl-RS" dirty="0" smtClean="0">
+                <a:latin typeface="Garamond" pitchFamily="18" charset="0"/>
+              </a:rPr>
+              <a:t>подтип типа</a:t>
+            </a:r>
+            <a:r>
+              <a:rPr lang="en-US" dirty="0" smtClean="0">
+                <a:latin typeface="Garamond" pitchFamily="18" charset="0"/>
+              </a:rPr>
+              <a:t> </a:t>
+            </a:r>
+            <a:r>
+              <a:rPr lang="en-US" sz="2000" dirty="0">
+                <a:latin typeface="+mn-lt"/>
+              </a:rPr>
+              <a:t>T</a:t>
+            </a:r>
+            <a:r>
+              <a:rPr lang="en-US" dirty="0">
+                <a:latin typeface="Garamond" pitchFamily="18" charset="0"/>
+              </a:rPr>
               <a:t>, </a:t>
             </a:r>
             <a:r>
               <a:rPr lang="sr-Cyrl-RS" dirty="0" smtClean="0">
                 <a:latin typeface="Garamond" pitchFamily="18" charset="0"/>
               </a:rPr>
-              <a:t>клијент никад не сме да има обавезу да зависи од било ког метода који не користи.</a:t>
-            </a:r>
+              <a:t>тада објекти типа</a:t>
+            </a:r>
+            <a:r>
+              <a:rPr lang="en-US" dirty="0" smtClean="0">
+                <a:latin typeface="Garamond" pitchFamily="18" charset="0"/>
+              </a:rPr>
+              <a:t> </a:t>
+            </a:r>
+            <a:r>
+              <a:rPr lang="en-US" sz="2000" dirty="0">
+                <a:latin typeface="+mn-lt"/>
+              </a:rPr>
+              <a:t>T</a:t>
+            </a:r>
+            <a:r>
+              <a:rPr lang="en-US" dirty="0">
+                <a:latin typeface="Garamond" pitchFamily="18" charset="0"/>
+              </a:rPr>
+              <a:t> </a:t>
+            </a:r>
+            <a:r>
+              <a:rPr lang="sr-Cyrl-RS" dirty="0" smtClean="0">
+                <a:latin typeface="Garamond" pitchFamily="18" charset="0"/>
+              </a:rPr>
+              <a:t>у програму могу бити замењени објектима типа</a:t>
+            </a:r>
+            <a:r>
+              <a:rPr lang="en-US" dirty="0" smtClean="0">
+                <a:latin typeface="Garamond" pitchFamily="18" charset="0"/>
+              </a:rPr>
+              <a:t> </a:t>
+            </a:r>
+            <a:r>
+              <a:rPr lang="en-US" sz="2000" dirty="0">
+                <a:latin typeface="+mn-lt"/>
+              </a:rPr>
+              <a:t>S</a:t>
+            </a:r>
+            <a:r>
+              <a:rPr lang="en-US" dirty="0">
+                <a:latin typeface="Garamond" pitchFamily="18" charset="0"/>
+              </a:rPr>
+              <a:t> </a:t>
+            </a:r>
+            <a:r>
+              <a:rPr lang="sr-Cyrl-RS" dirty="0" smtClean="0">
+                <a:latin typeface="Garamond" pitchFamily="18" charset="0"/>
+              </a:rPr>
+              <a:t>без промене пожељних особина програма</a:t>
+            </a:r>
+            <a:endParaRPr lang="sr-Cyrl-RS" dirty="0">
+              <a:latin typeface="Garamond" pitchFamily="18" charset="0"/>
+            </a:endParaRPr>
           </a:p>
           <a:p>
             <a:pPr marL="342900" indent="-342900">
@@ -17541,23 +17757,20 @@
               <a:defRPr/>
             </a:pPr>
             <a:r>
+              <a:rPr lang="en-US" dirty="0" smtClean="0">
+                <a:latin typeface="Garamond" pitchFamily="18" charset="0"/>
+              </a:rPr>
+              <a:t> </a:t>
+            </a:r>
+            <a:r>
               <a:rPr lang="sr-Cyrl-RS" dirty="0" smtClean="0">
                 <a:latin typeface="Garamond" pitchFamily="18" charset="0"/>
               </a:rPr>
-              <a:t>Другим речима</a:t>
-            </a:r>
-            <a:r>
-              <a:rPr lang="en-US" dirty="0" smtClean="0">
-                <a:latin typeface="Garamond" pitchFamily="18" charset="0"/>
-              </a:rPr>
-              <a:t>, </a:t>
-            </a:r>
-            <a:r>
-              <a:rPr lang="sr-Cyrl-RS" dirty="0" smtClean="0">
-                <a:latin typeface="Garamond" pitchFamily="18" charset="0"/>
-              </a:rPr>
-              <a:t>фаворизују се мали интерфејси који зависе од клијента, а не монолитни и велики интерфејси</a:t>
-            </a:r>
+              <a:t>Другим речима, класа мора реализовати све уговоре својих надкласа</a:t>
+            </a:r>
+            <a:endParaRPr lang="en-US" dirty="0" smtClean="0">
+              <a:latin typeface="Garamond" pitchFamily="18" charset="0"/>
+            </a:endParaRPr>
           </a:p>
           <a:p>
             <a:pPr marL="342900" indent="-342900">
@@ -17568,6 +17781,12 @@
               <a:buChar char="•"/>
               <a:defRPr/>
             </a:pPr>
+            <a:r>
+              <a:rPr lang="sr-Cyrl-RS" dirty="0" smtClean="0">
+                <a:latin typeface="Garamond" pitchFamily="18" charset="0"/>
+              </a:rPr>
+              <a:t>Поштовањем овог принципа се спречава злоупотреба наслеђивања. Такође, тиме се постиже сагласност са односом наслеђивања „јесте“</a:t>
+            </a:r>
             <a:endParaRPr lang="en-US" dirty="0" smtClean="0">
               <a:latin typeface="Garamond" pitchFamily="18" charset="0"/>
             </a:endParaRPr>
@@ -17744,20 +17963,25 @@
               <a:t>принципи - </a:t>
             </a:r>
             <a:r>
-              <a:rPr lang="en-US" sz="3600" b="1" kern="0" dirty="0">
+              <a:rPr lang="en-US" sz="3600" b="1" kern="0" dirty="0" smtClean="0">
                 <a:solidFill>
                   <a:srgbClr val="0070C0"/>
                 </a:solidFill>
               </a:rPr>
-              <a:t>I</a:t>
-            </a:r>
+              <a:t>L</a:t>
+            </a:r>
+            <a:endParaRPr lang="en-US" sz="3600" b="1" kern="0" dirty="0">
+              <a:solidFill>
+                <a:srgbClr val="0070C0"/>
+              </a:solidFill>
+            </a:endParaRPr>
           </a:p>
         </p:txBody>
       </p:sp>
     </p:spTree>
     <p:extLst>
       <p:ext uri="{BB962C8B-B14F-4D97-AF65-F5344CB8AC3E}">
-        <p14:creationId xmlns:p14="http://schemas.microsoft.com/office/powerpoint/2010/main" val="2429738003"/>
+        <p14:creationId xmlns:p14="http://schemas.microsoft.com/office/powerpoint/2010/main" val="2753215479"/>
       </p:ext>
     </p:extLst>
   </p:cSld>
@@ -17923,6 +18147,67 @@
                                           <p:spTgt spid="26626">
                                             <p:txEl>
                                               <p:pRg st="2" end="2"/>
+                                            </p:txEl>
+                                          </p:spTgt>
+                                        </p:tgtEl>
+                                      </p:cBhvr>
+                                    </p:animEffect>
+                                  </p:childTnLst>
+                                </p:cTn>
+                              </p:par>
+                            </p:childTnLst>
+                          </p:cTn>
+                        </p:par>
+                      </p:childTnLst>
+                    </p:cTn>
+                  </p:par>
+                  <p:par>
+                    <p:cTn id="16" fill="hold">
+                      <p:stCondLst>
+                        <p:cond delay="indefinite"/>
+                      </p:stCondLst>
+                      <p:childTnLst>
+                        <p:par>
+                          <p:cTn id="17" fill="hold">
+                            <p:stCondLst>
+                              <p:cond delay="0"/>
+                            </p:stCondLst>
+                            <p:childTnLst>
+                              <p:par>
+                                <p:cTn id="18" presetID="3" presetClass="entr" presetSubtype="10" fill="hold" nodeType="clickEffect">
+                                  <p:stCondLst>
+                                    <p:cond delay="0"/>
+                                  </p:stCondLst>
+                                  <p:childTnLst>
+                                    <p:set>
+                                      <p:cBhvr>
+                                        <p:cTn id="19" dur="1" fill="hold">
+                                          <p:stCondLst>
+                                            <p:cond delay="0"/>
+                                          </p:stCondLst>
+                                        </p:cTn>
+                                        <p:tgtEl>
+                                          <p:spTgt spid="26626">
+                                            <p:txEl>
+                                              <p:pRg st="3" end="3"/>
+                                            </p:txEl>
+                                          </p:spTgt>
+                                        </p:tgtEl>
+                                        <p:attrNameLst>
+                                          <p:attrName>style.visibility</p:attrName>
+                                        </p:attrNameLst>
+                                      </p:cBhvr>
+                                      <p:to>
+                                        <p:strVal val="visible"/>
+                                      </p:to>
+                                    </p:set>
+                                    <p:animEffect transition="in" filter="blinds(horizontal)">
+                                      <p:cBhvr>
+                                        <p:cTn id="20" dur="500"/>
+                                        <p:tgtEl>
+                                          <p:spTgt spid="26626">
+                                            <p:txEl>
+                                              <p:pRg st="3" end="3"/>
                                             </p:txEl>
                                           </p:spTgt>
                                         </p:tgtEl>
@@ -17990,7 +18275,7 @@
         <p:spPr bwMode="auto">
           <a:xfrm>
             <a:off x="539750" y="1416050"/>
-            <a:ext cx="8451850" cy="4832092"/>
+            <a:ext cx="8451850" cy="3277820"/>
           </a:xfrm>
           <a:prstGeom prst="rect">
             <a:avLst/>
@@ -18132,13 +18417,13 @@
               <a:rPr lang="sr-Cyrl-RS" dirty="0">
                 <a:latin typeface="Garamond" pitchFamily="18" charset="0"/>
               </a:rPr>
-              <a:t>Принцип инверзије </a:t>
+              <a:t>Принцип раздвајања </a:t>
             </a:r>
             <a:r>
               <a:rPr lang="sr-Cyrl-RS" dirty="0" smtClean="0">
                 <a:latin typeface="Garamond" pitchFamily="18" charset="0"/>
               </a:rPr>
-              <a:t>зависности</a:t>
+              <a:t>интерфејса</a:t>
             </a:r>
             <a:r>
               <a:rPr lang="en-US" dirty="0" smtClean="0">
@@ -18153,34 +18438,28 @@
               <a:t>(</a:t>
             </a:r>
             <a:r>
-              <a:rPr lang="en-US" b="1" u="sng" dirty="0" smtClean="0">
-                <a:latin typeface="Garamond" pitchFamily="18" charset="0"/>
-              </a:rPr>
-              <a:t>D</a:t>
+              <a:rPr lang="en-US" b="1" u="sng" dirty="0">
+                <a:latin typeface="Garamond" pitchFamily="18" charset="0"/>
+              </a:rPr>
+              <a:t>I</a:t>
+            </a:r>
+            <a:r>
+              <a:rPr lang="en-US" dirty="0">
+                <a:latin typeface="Garamond" pitchFamily="18" charset="0"/>
+              </a:rPr>
+              <a:t>nterface </a:t>
             </a:r>
             <a:r>
               <a:rPr lang="en-US" dirty="0" smtClean="0">
                 <a:latin typeface="Garamond" pitchFamily="18" charset="0"/>
               </a:rPr>
-              <a:t>ependency inversion</a:t>
-            </a:r>
-            <a:r>
-              <a:rPr lang="en-US" dirty="0">
-                <a:latin typeface="Garamond" pitchFamily="18" charset="0"/>
-              </a:rPr>
-              <a:t>) </a:t>
-            </a:r>
-            <a:r>
-              <a:rPr lang="en-US" dirty="0" smtClean="0">
-                <a:latin typeface="Garamond" pitchFamily="18" charset="0"/>
-              </a:rPr>
-              <a:t>–</a:t>
+              <a:t>segregation) –</a:t>
             </a:r>
             <a:r>
               <a:rPr lang="sr-Cyrl-RS" dirty="0" smtClean="0">
                 <a:latin typeface="Garamond" pitchFamily="18" charset="0"/>
               </a:rPr>
-              <a:t> Треба зависити од апстрактција, а не од конкретне реализације</a:t>
+              <a:t> Клијенти не треба да буду приморани да имплементирају непотребне методе, тј. методе које неће користити</a:t>
             </a:r>
           </a:p>
           <a:p>
@@ -18208,7 +18487,7 @@
               <a:rPr lang="sr-Cyrl-RS" dirty="0" smtClean="0">
                 <a:latin typeface="Garamond" pitchFamily="18" charset="0"/>
               </a:rPr>
-              <a:t>модули вишег нивоа никако не треба да зависе од модула нижег нивоа, већ и модули нижег нивоа и модули вишег нивоа треба да зависе од апстракција</a:t>
+              <a:t>клијент никад не сме да има обавезу да зависи од било ког метода који не користи.</a:t>
             </a:r>
           </a:p>
           <a:p>
@@ -18224,11 +18503,23 @@
               <a:rPr lang="sr-Cyrl-RS" dirty="0" smtClean="0">
                 <a:latin typeface="Garamond" pitchFamily="18" charset="0"/>
               </a:rPr>
-              <a:t>Апстракције не треба да зависе од детаља, већ детаљи треба да зависе од апстракције</a:t>
+              <a:t>Другим речима</a:t>
+            </a:r>
+            <a:r>
+              <a:rPr lang="en-US" dirty="0" smtClean="0">
+                <a:latin typeface="Garamond" pitchFamily="18" charset="0"/>
+              </a:rPr>
+              <a:t>, </a:t>
+            </a:r>
+            <a:r>
+              <a:rPr lang="sr-Cyrl-RS" dirty="0" smtClean="0">
+                <a:latin typeface="Garamond" pitchFamily="18" charset="0"/>
+              </a:rPr>
+              <a:t>фаворизују се мали интерфејси који зависе од клијента, а не монолитни и велики интерфејси</a:t>
             </a:r>
           </a:p>
           <a:p>
-            <a:pPr marL="1085850" lvl="1" indent="-342900">
+            <a:pPr marL="342900" indent="-342900">
               <a:spcBef>
                 <a:spcPts val="600"/>
               </a:spcBef>
@@ -18236,55 +18527,9 @@
               <a:buChar char="•"/>
               <a:defRPr/>
             </a:pPr>
-            <a:r>
-              <a:rPr lang="sr-Cyrl-RS" dirty="0" smtClean="0">
-                <a:latin typeface="Garamond" pitchFamily="18" charset="0"/>
-              </a:rPr>
-              <a:t>Пример: само </a:t>
-            </a:r>
-            <a:r>
-              <a:rPr lang="sr-Cyrl-RS" dirty="0">
-                <a:latin typeface="Garamond" pitchFamily="18" charset="0"/>
-              </a:rPr>
-              <a:t>процесирање кредитних картица не зависи од типа кредитне картице</a:t>
-            </a:r>
-            <a:r>
-              <a:rPr lang="en-US" dirty="0">
-                <a:latin typeface="Garamond" pitchFamily="18" charset="0"/>
-              </a:rPr>
-              <a:t> </a:t>
-            </a:r>
-            <a:endParaRPr lang="sr-Cyrl-RS" dirty="0" smtClean="0">
+            <a:endParaRPr lang="en-US" dirty="0" smtClean="0">
               <a:latin typeface="Garamond" pitchFamily="18" charset="0"/>
             </a:endParaRPr>
-          </a:p>
-          <a:p>
-            <a:pPr marL="342900" indent="-342900">
-              <a:spcBef>
-                <a:spcPts val="600"/>
-              </a:spcBef>
-              <a:buFont typeface="Arial" panose="020B0604020202020204" pitchFamily="34" charset="0"/>
-              <a:buChar char="•"/>
-              <a:defRPr/>
-            </a:pPr>
-            <a:r>
-              <a:rPr lang="sr-Cyrl-RS" dirty="0" smtClean="0">
-                <a:latin typeface="Garamond" pitchFamily="18" charset="0"/>
-              </a:rPr>
-              <a:t>У реализацији се обично користи контејнер за инверзију зависности (нпр. контејнер у оквиру радног оквира </a:t>
-            </a:r>
-            <a:r>
-              <a:rPr lang="en-US" dirty="0" smtClean="0">
-                <a:latin typeface="Garamond" pitchFamily="18" charset="0"/>
-              </a:rPr>
-              <a:t>Spring</a:t>
-            </a:r>
-            <a:r>
-              <a:rPr lang="sr-Cyrl-RS" dirty="0" smtClean="0">
-                <a:latin typeface="Garamond" pitchFamily="18" charset="0"/>
-              </a:rPr>
-              <a:t> код програмског језика Јава)</a:t>
-            </a:r>
           </a:p>
         </p:txBody>
       </p:sp>
@@ -18463,7 +18708,7 @@
                   <a:srgbClr val="0070C0"/>
                 </a:solidFill>
               </a:rPr>
-              <a:t>D</a:t>
+              <a:t>I</a:t>
             </a:r>
           </a:p>
         </p:txBody>
@@ -18471,7 +18716,7 @@
     </p:spTree>
     <p:extLst>
       <p:ext uri="{BB962C8B-B14F-4D97-AF65-F5344CB8AC3E}">
-        <p14:creationId xmlns:p14="http://schemas.microsoft.com/office/powerpoint/2010/main" val="3377599832"/>
+        <p14:creationId xmlns:p14="http://schemas.microsoft.com/office/powerpoint/2010/main" val="2429738003"/>
       </p:ext>
     </p:extLst>
   </p:cSld>
@@ -18637,128 +18882,6 @@
                                           <p:spTgt spid="26626">
                                             <p:txEl>
                                               <p:pRg st="2" end="2"/>
-                                            </p:txEl>
-                                          </p:spTgt>
-                                        </p:tgtEl>
-                                      </p:cBhvr>
-                                    </p:animEffect>
-                                  </p:childTnLst>
-                                </p:cTn>
-                              </p:par>
-                            </p:childTnLst>
-                          </p:cTn>
-                        </p:par>
-                      </p:childTnLst>
-                    </p:cTn>
-                  </p:par>
-                  <p:par>
-                    <p:cTn id="16" fill="hold">
-                      <p:stCondLst>
-                        <p:cond delay="indefinite"/>
-                      </p:stCondLst>
-                      <p:childTnLst>
-                        <p:par>
-                          <p:cTn id="17" fill="hold">
-                            <p:stCondLst>
-                              <p:cond delay="0"/>
-                            </p:stCondLst>
-                            <p:childTnLst>
-                              <p:par>
-                                <p:cTn id="18" presetID="3" presetClass="entr" presetSubtype="10" fill="hold" nodeType="clickEffect">
-                                  <p:stCondLst>
-                                    <p:cond delay="0"/>
-                                  </p:stCondLst>
-                                  <p:childTnLst>
-                                    <p:set>
-                                      <p:cBhvr>
-                                        <p:cTn id="19" dur="1" fill="hold">
-                                          <p:stCondLst>
-                                            <p:cond delay="0"/>
-                                          </p:stCondLst>
-                                        </p:cTn>
-                                        <p:tgtEl>
-                                          <p:spTgt spid="26626">
-                                            <p:txEl>
-                                              <p:pRg st="3" end="3"/>
-                                            </p:txEl>
-                                          </p:spTgt>
-                                        </p:tgtEl>
-                                        <p:attrNameLst>
-                                          <p:attrName>style.visibility</p:attrName>
-                                        </p:attrNameLst>
-                                      </p:cBhvr>
-                                      <p:to>
-                                        <p:strVal val="visible"/>
-                                      </p:to>
-                                    </p:set>
-                                    <p:animEffect transition="in" filter="blinds(horizontal)">
-                                      <p:cBhvr>
-                                        <p:cTn id="20" dur="500"/>
-                                        <p:tgtEl>
-                                          <p:spTgt spid="26626">
-                                            <p:txEl>
-                                              <p:pRg st="3" end="3"/>
-                                            </p:txEl>
-                                          </p:spTgt>
-                                        </p:tgtEl>
-                                      </p:cBhvr>
-                                    </p:animEffect>
-                                  </p:childTnLst>
-                                </p:cTn>
-                              </p:par>
-                            </p:childTnLst>
-                          </p:cTn>
-                        </p:par>
-                      </p:childTnLst>
-                    </p:cTn>
-                  </p:par>
-                  <p:par>
-                    <p:cTn id="21" fill="hold">
-                      <p:stCondLst>
-                        <p:cond delay="indefinite"/>
-                      </p:stCondLst>
-                      <p:childTnLst>
-                        <p:par>
-                          <p:cTn id="22" fill="hold">
-                            <p:stCondLst>
-                              <p:cond delay="0"/>
-                            </p:stCondLst>
-                            <p:childTnLst>
-                              <p:par>
-                                <p:cTn id="23" presetID="3" presetClass="entr" presetSubtype="10" fill="hold" nodeType="clickEffect">
-                                  <p:stCondLst>
-                                    <p:cond delay="0"/>
-                                  </p:stCondLst>
-                                  <p:childTnLst>
-                                    <p:set>
-                                      <p:cBhvr>
-                                        <p:cTn id="24" dur="1" fill="hold">
-                                          <p:stCondLst>
-                                            <p:cond delay="0"/>
-                                          </p:stCondLst>
-                                        </p:cTn>
-                                        <p:tgtEl>
-                                          <p:spTgt spid="26626">
-                                            <p:txEl>
-                                              <p:pRg st="4" end="4"/>
-                                            </p:txEl>
-                                          </p:spTgt>
-                                        </p:tgtEl>
-                                        <p:attrNameLst>
-                                          <p:attrName>style.visibility</p:attrName>
-                                        </p:attrNameLst>
-                                      </p:cBhvr>
-                                      <p:to>
-                                        <p:strVal val="visible"/>
-                                      </p:to>
-                                    </p:set>
-                                    <p:animEffect transition="in" filter="blinds(horizontal)">
-                                      <p:cBhvr>
-                                        <p:cTn id="25" dur="500"/>
-                                        <p:tgtEl>
-                                          <p:spTgt spid="26626">
-                                            <p:txEl>
-                                              <p:pRg st="4" end="4"/>
                                             </p:txEl>
                                           </p:spTgt>
                                         </p:tgtEl>
@@ -18825,8 +18948,8 @@
         </p:nvSpPr>
         <p:spPr bwMode="auto">
           <a:xfrm>
-            <a:off x="107504" y="1557338"/>
-            <a:ext cx="8884096" cy="4985980"/>
+            <a:off x="539750" y="1416050"/>
+            <a:ext cx="8451850" cy="4832092"/>
           </a:xfrm>
           <a:prstGeom prst="rect">
             <a:avLst/>
@@ -18856,7 +18979,7 @@
           </a:extLst>
         </p:spPr>
         <p:txBody>
-          <a:bodyPr wrap="square">
+          <a:bodyPr>
             <a:spAutoFit/>
           </a:bodyPr>
           <a:lstStyle>
@@ -18958,127 +19081,139 @@
             </a:lvl9pPr>
           </a:lstStyle>
           <a:p>
-            <a:pPr marL="457200" indent="-457200">
+            <a:pPr>
               <a:spcBef>
                 <a:spcPts val="600"/>
               </a:spcBef>
-              <a:buFontTx/>
-              <a:buAutoNum type="arabicPeriod"/>
               <a:defRPr/>
             </a:pPr>
             <a:r>
-              <a:rPr lang="sr-Cyrl-RS" b="1" u="sng" dirty="0" smtClean="0">
-                <a:latin typeface="Garamond" pitchFamily="18" charset="0"/>
-              </a:rPr>
-              <a:t>Заједничке операције и поља сместити у надкласе</a:t>
+              <a:rPr lang="sr-Cyrl-RS" dirty="0">
+                <a:latin typeface="Garamond" pitchFamily="18" charset="0"/>
+              </a:rPr>
+              <a:t>Принцип инверзије </a:t>
+            </a:r>
+            <a:r>
+              <a:rPr lang="sr-Cyrl-RS" dirty="0" smtClean="0">
+                <a:latin typeface="Garamond" pitchFamily="18" charset="0"/>
+              </a:rPr>
+              <a:t>зависности</a:t>
+            </a:r>
+            <a:r>
+              <a:rPr lang="en-US" dirty="0" smtClean="0">
+                <a:latin typeface="Garamond" pitchFamily="18" charset="0"/>
+              </a:rPr>
+              <a:t> </a:t>
+            </a:r>
+            <a:r>
+              <a:rPr lang="sr-Cyrl-RS" dirty="0" smtClean="0">
+                <a:latin typeface="Garamond" pitchFamily="18" charset="0"/>
+              </a:rPr>
+              <a:t>(</a:t>
             </a:r>
             <a:r>
               <a:rPr lang="en-US" b="1" u="sng" dirty="0" smtClean="0">
                 <a:latin typeface="Garamond" pitchFamily="18" charset="0"/>
               </a:rPr>
-              <a:t>.</a:t>
-            </a:r>
-            <a:endParaRPr lang="sr-Cyrl-RS" b="1" u="sng" dirty="0" smtClean="0">
-              <a:latin typeface="Garamond" pitchFamily="18" charset="0"/>
-            </a:endParaRPr>
+              <a:t>D</a:t>
+            </a:r>
+            <a:r>
+              <a:rPr lang="en-US" dirty="0" smtClean="0">
+                <a:latin typeface="Garamond" pitchFamily="18" charset="0"/>
+              </a:rPr>
+              <a:t>ependency inversion</a:t>
+            </a:r>
+            <a:r>
+              <a:rPr lang="en-US" dirty="0">
+                <a:latin typeface="Garamond" pitchFamily="18" charset="0"/>
+              </a:rPr>
+              <a:t>) </a:t>
+            </a:r>
+            <a:r>
+              <a:rPr lang="en-US" dirty="0" smtClean="0">
+                <a:latin typeface="Garamond" pitchFamily="18" charset="0"/>
+              </a:rPr>
+              <a:t>–</a:t>
+            </a:r>
+            <a:r>
+              <a:rPr lang="sr-Cyrl-RS" dirty="0" smtClean="0">
+                <a:latin typeface="Garamond" pitchFamily="18" charset="0"/>
+              </a:rPr>
+              <a:t> Треба зависити од апстрактција, а не од конкретне реализације</a:t>
+            </a:r>
           </a:p>
           <a:p>
-            <a:pPr>
+            <a:pPr marL="342900" indent="-342900">
               <a:spcBef>
                 <a:spcPts val="600"/>
               </a:spcBef>
+              <a:buFont typeface="Arial" panose="020B0604020202020204" pitchFamily="34" charset="0"/>
+              <a:buChar char="•"/>
               <a:defRPr/>
             </a:pPr>
             <a:r>
               <a:rPr lang="sr-Cyrl-RS" dirty="0" smtClean="0">
                 <a:latin typeface="Garamond" pitchFamily="18" charset="0"/>
               </a:rPr>
-              <a:t>Тако је оформљена класа </a:t>
-            </a:r>
-            <a:r>
-              <a:rPr lang="en-US" sz="1800" dirty="0" smtClean="0">
-                <a:latin typeface="+mn-lt"/>
-              </a:rPr>
-              <a:t>Person</a:t>
-            </a:r>
-            <a:r>
-              <a:rPr lang="en-US" sz="1800" dirty="0" smtClean="0">
-                <a:latin typeface="Garamond" pitchFamily="18" charset="0"/>
-              </a:rPr>
-              <a:t> </a:t>
+              <a:t>По овом принципу</a:t>
+            </a:r>
+            <a:r>
+              <a:rPr lang="en-US" dirty="0" smtClean="0">
+                <a:latin typeface="Garamond" pitchFamily="18" charset="0"/>
+              </a:rPr>
+              <a:t>, </a:t>
             </a:r>
             <a:r>
               <a:rPr lang="sr-Cyrl-RS" dirty="0" smtClean="0">
                 <a:latin typeface="Garamond" pitchFamily="18" charset="0"/>
               </a:rPr>
-              <a:t>као надкласа </a:t>
-            </a:r>
-            <a:r>
-              <a:rPr lang="en-US" sz="1800" dirty="0" smtClean="0">
-                <a:latin typeface="+mn-lt"/>
-              </a:rPr>
-              <a:t>Employee</a:t>
-            </a:r>
-            <a:r>
-              <a:rPr lang="en-US" sz="1800" dirty="0" smtClean="0">
-                <a:latin typeface="Garamond" pitchFamily="18" charset="0"/>
-              </a:rPr>
-              <a:t> </a:t>
-            </a:r>
-            <a:r>
-              <a:rPr lang="sr-Cyrl-RS" dirty="0" smtClean="0">
-                <a:latin typeface="Garamond" pitchFamily="18" charset="0"/>
-              </a:rPr>
-              <a:t>и </a:t>
-            </a:r>
-            <a:r>
-              <a:rPr lang="en-US" sz="1800" dirty="0" smtClean="0">
-                <a:latin typeface="+mn-lt"/>
-              </a:rPr>
-              <a:t>Student</a:t>
-            </a:r>
-            <a:r>
-              <a:rPr lang="en-US" dirty="0" smtClean="0">
-                <a:latin typeface="Garamond" pitchFamily="18" charset="0"/>
-              </a:rPr>
-              <a:t>.</a:t>
-            </a:r>
-            <a:endParaRPr lang="en-US" dirty="0">
-              <a:latin typeface="Garamond" pitchFamily="18" charset="0"/>
-            </a:endParaRPr>
+              <a:t>модули вишег нивоа никако не треба да зависе од модула нижег нивоа, већ и модули нижег нивоа и модули вишег нивоа треба да зависе од апстракција</a:t>
+            </a:r>
           </a:p>
           <a:p>
-            <a:pPr>
+            <a:pPr marL="342900" indent="-342900">
               <a:spcBef>
                 <a:spcPts val="600"/>
               </a:spcBef>
+              <a:buFont typeface="Arial" panose="020B0604020202020204" pitchFamily="34" charset="0"/>
+              <a:buChar char="•"/>
               <a:defRPr/>
             </a:pPr>
             <a:r>
-              <a:rPr lang="en-US" b="1" u="sng" dirty="0" smtClean="0">
-                <a:latin typeface="Garamond" pitchFamily="18" charset="0"/>
-              </a:rPr>
-              <a:t>2</a:t>
-            </a:r>
-            <a:r>
-              <a:rPr lang="en-US" b="1" u="sng" dirty="0">
-                <a:latin typeface="Garamond" pitchFamily="18" charset="0"/>
-              </a:rPr>
-              <a:t>. </a:t>
-            </a:r>
-            <a:r>
-              <a:rPr lang="sr-Cyrl-RS" b="1" u="sng" dirty="0" smtClean="0">
-                <a:latin typeface="Garamond" pitchFamily="18" charset="0"/>
-              </a:rPr>
-              <a:t>Избегавати употребу заштићених поља</a:t>
-            </a:r>
-            <a:r>
-              <a:rPr lang="en-US" b="1" u="sng" dirty="0" smtClean="0">
-                <a:latin typeface="Garamond" pitchFamily="18" charset="0"/>
-              </a:rPr>
-              <a:t>.</a:t>
-            </a:r>
-            <a:endParaRPr lang="en-US" b="1" u="sng" dirty="0">
+              <a:rPr lang="sr-Cyrl-RS" dirty="0" smtClean="0">
+                <a:latin typeface="Garamond" pitchFamily="18" charset="0"/>
+              </a:rPr>
+              <a:t>Апстракције не треба да зависе од детаља, већ детаљи треба да зависе од апстракције</a:t>
+            </a:r>
+          </a:p>
+          <a:p>
+            <a:pPr marL="1085850" lvl="1" indent="-342900">
+              <a:spcBef>
+                <a:spcPts val="600"/>
+              </a:spcBef>
+              <a:buFont typeface="Arial" panose="020B0604020202020204" pitchFamily="34" charset="0"/>
+              <a:buChar char="•"/>
+              <a:defRPr/>
+            </a:pPr>
+            <a:r>
+              <a:rPr lang="sr-Cyrl-RS" dirty="0" smtClean="0">
+                <a:latin typeface="Garamond" pitchFamily="18" charset="0"/>
+              </a:rPr>
+              <a:t>Пример: само </a:t>
+            </a:r>
+            <a:r>
+              <a:rPr lang="sr-Cyrl-RS" dirty="0">
+                <a:latin typeface="Garamond" pitchFamily="18" charset="0"/>
+              </a:rPr>
+              <a:t>процесирање кредитних картица не зависи од типа кредитне картице</a:t>
+            </a:r>
+            <a:r>
+              <a:rPr lang="en-US" dirty="0">
+                <a:latin typeface="Garamond" pitchFamily="18" charset="0"/>
+              </a:rPr>
+              <a:t> </a:t>
+            </a:r>
+            <a:endParaRPr lang="sr-Cyrl-RS" dirty="0" smtClean="0">
               <a:latin typeface="Garamond" pitchFamily="18" charset="0"/>
             </a:endParaRPr>
           </a:p>
@@ -19095,137 +19230,20 @@
               <a:rPr lang="sr-Cyrl-RS" dirty="0" smtClean="0">
                 <a:latin typeface="Garamond" pitchFamily="18" charset="0"/>
               </a:rPr>
-              <a:t>Модификатор </a:t>
-            </a:r>
-            <a:r>
-              <a:rPr lang="en-US" sz="1800" dirty="0" smtClean="0">
-                <a:latin typeface="+mn-lt"/>
-              </a:rPr>
-              <a:t>protected</a:t>
+              <a:t>У реализацији се обично користи контејнер за инверзију зависности (нпр. контејнер у оквиру радног оквира </a:t>
             </a:r>
             <a:r>
               <a:rPr lang="en-US" dirty="0" smtClean="0">
                 <a:latin typeface="Garamond" pitchFamily="18" charset="0"/>
               </a:rPr>
-              <a:t> </a:t>
+              <a:t>Spring</a:t>
             </a:r>
             <a:r>
               <a:rPr lang="sr-Cyrl-RS" dirty="0" smtClean="0">
                 <a:latin typeface="Garamond" pitchFamily="18" charset="0"/>
               </a:rPr>
-              <a:t>не пружа много заштите, из два разлога:</a:t>
-            </a:r>
-          </a:p>
-          <a:p>
-            <a:pPr marL="1200150" lvl="1" indent="-457200">
-              <a:spcBef>
-                <a:spcPts val="600"/>
-              </a:spcBef>
-              <a:buFont typeface="+mj-lt"/>
-              <a:buAutoNum type="arabicPeriod"/>
-              <a:defRPr/>
-            </a:pPr>
-            <a:r>
-              <a:rPr lang="sr-Cyrl-RS" dirty="0" smtClean="0">
-                <a:latin typeface="Garamond" pitchFamily="18" charset="0"/>
-              </a:rPr>
-              <a:t>Може се увек направити поткласа неке класе и тиме приступити </a:t>
-            </a:r>
-            <a:r>
-              <a:rPr lang="sr-Latn-RS" sz="1800" dirty="0" smtClean="0">
-                <a:latin typeface="+mn-lt"/>
-              </a:rPr>
-              <a:t>protected</a:t>
-            </a:r>
-            <a:r>
-              <a:rPr lang="sr-Latn-RS" dirty="0" smtClean="0">
-                <a:latin typeface="Garamond" pitchFamily="18" charset="0"/>
-              </a:rPr>
-              <a:t> </a:t>
-            </a:r>
-            <a:r>
-              <a:rPr lang="sr-Cyrl-RS" dirty="0" smtClean="0">
-                <a:latin typeface="Garamond" pitchFamily="18" charset="0"/>
-              </a:rPr>
-              <a:t>променљивој. </a:t>
-            </a:r>
-          </a:p>
-          <a:p>
-            <a:pPr marL="1200150" lvl="1" indent="-457200">
-              <a:spcBef>
-                <a:spcPts val="600"/>
-              </a:spcBef>
-              <a:buFont typeface="+mj-lt"/>
-              <a:buAutoNum type="arabicPeriod"/>
-              <a:defRPr/>
-            </a:pPr>
-            <a:r>
-              <a:rPr lang="sr-Cyrl-RS" dirty="0" smtClean="0">
-                <a:latin typeface="Garamond" pitchFamily="18" charset="0"/>
-              </a:rPr>
-              <a:t>У програмском језику Јава све класе у истом пакету имају приступ </a:t>
-            </a:r>
-            <a:r>
-              <a:rPr lang="en-US" dirty="0">
-                <a:latin typeface="Garamond" pitchFamily="18" charset="0"/>
-              </a:rPr>
-              <a:t> </a:t>
-            </a:r>
-            <a:r>
-              <a:rPr lang="en-US" sz="1800" dirty="0">
-                <a:latin typeface="+mn-lt"/>
-              </a:rPr>
-              <a:t>protected</a:t>
-            </a:r>
-            <a:r>
-              <a:rPr lang="en-US" sz="1800" dirty="0">
-                <a:latin typeface="Garamond" pitchFamily="18" charset="0"/>
-              </a:rPr>
-              <a:t> </a:t>
-            </a:r>
-            <a:r>
-              <a:rPr lang="sr-Cyrl-RS" dirty="0" smtClean="0">
-                <a:latin typeface="Garamond" pitchFamily="18" charset="0"/>
-              </a:rPr>
-              <a:t>пољима, тако да се класа може сместити у исти пакет и тиме омогућити приступ. </a:t>
-            </a:r>
-          </a:p>
-          <a:p>
-            <a:pPr marL="342900" indent="-342900">
-              <a:spcBef>
-                <a:spcPts val="600"/>
-              </a:spcBef>
-              <a:buFont typeface="Arial" panose="020B0604020202020204" pitchFamily="34" charset="0"/>
-              <a:buChar char="•"/>
-              <a:defRPr/>
-            </a:pPr>
-            <a:r>
-              <a:rPr lang="sr-Cyrl-RS" dirty="0" smtClean="0">
-                <a:latin typeface="Garamond" pitchFamily="18" charset="0"/>
-              </a:rPr>
-              <a:t>Међутим, </a:t>
-            </a:r>
-            <a:r>
-              <a:rPr lang="en-US" sz="1800" dirty="0">
-                <a:latin typeface="+mn-lt"/>
-              </a:rPr>
-              <a:t>protected</a:t>
-            </a:r>
-            <a:r>
-              <a:rPr lang="en-US" sz="1800" dirty="0">
-                <a:latin typeface="Garamond" pitchFamily="18" charset="0"/>
-              </a:rPr>
-              <a:t> </a:t>
-            </a:r>
-            <a:r>
-              <a:rPr lang="sr-Cyrl-RS" dirty="0" smtClean="0">
-                <a:latin typeface="Garamond" pitchFamily="18" charset="0"/>
-              </a:rPr>
-              <a:t>методи могу бити корисни за назначавање да дати метод није спреман за општу употребу и да треба да буде редефинисан у поткласама. </a:t>
-            </a:r>
-            <a:endParaRPr lang="en-US" sz="1800" dirty="0" smtClean="0">
-              <a:latin typeface="Garamond" pitchFamily="18" charset="0"/>
-            </a:endParaRPr>
+              <a:t> код програмског језика Јава)</a:t>
+            </a:r>
           </a:p>
         </p:txBody>
       </p:sp>
@@ -19239,7 +19257,7 @@
         </p:nvSpPr>
         <p:spPr>
           <a:xfrm>
-            <a:off x="1371600" y="472405"/>
+            <a:off x="1371600" y="549275"/>
             <a:ext cx="7772400" cy="868363"/>
           </a:xfrm>
           <a:prstGeom prst="rect">
@@ -19383,22 +19401,38 @@
               <a:defRPr/>
             </a:pPr>
             <a:r>
+              <a:rPr lang="en-US" sz="3600" b="1" kern="0" dirty="0">
+                <a:solidFill>
+                  <a:srgbClr val="0070C0"/>
+                </a:solidFill>
+              </a:rPr>
+              <a:t>SOLID </a:t>
+            </a:r>
+            <a:r>
               <a:rPr lang="sr-Cyrl-RS" sz="3600" b="1" kern="0" dirty="0" smtClean="0">
                 <a:solidFill>
                   <a:srgbClr val="0070C0"/>
                 </a:solidFill>
               </a:rPr>
-              <a:t>Додатне препоруке за наслеђивање</a:t>
-            </a:r>
-            <a:endParaRPr lang="en-US" sz="3600" b="1" kern="0" dirty="0">
-              <a:solidFill>
-                <a:srgbClr val="0070C0"/>
-              </a:solidFill>
-            </a:endParaRPr>
+              <a:t>принципи - </a:t>
+            </a:r>
+            <a:r>
+              <a:rPr lang="en-US" sz="3600" b="1" kern="0" dirty="0">
+                <a:solidFill>
+                  <a:srgbClr val="0070C0"/>
+                </a:solidFill>
+              </a:rPr>
+              <a:t>D</a:t>
+            </a:r>
           </a:p>
         </p:txBody>
       </p:sp>
     </p:spTree>
+    <p:extLst>
+      <p:ext uri="{BB962C8B-B14F-4D97-AF65-F5344CB8AC3E}">
+        <p14:creationId xmlns:p14="http://schemas.microsoft.com/office/powerpoint/2010/main" val="3377599832"/>
+      </p:ext>
+    </p:extLst>
   </p:cSld>
   <p:clrMapOvr>
     <a:masterClrMapping/>
@@ -19412,13 +19446,13 @@
               <p:cTn id="2" dur="indefinite" nodeType="mainSeq">
                 <p:childTnLst>
                   <p:par>
-                    <p:cTn id="3" fill="hold" nodeType="clickPar">
+                    <p:cTn id="3" fill="hold">
                       <p:stCondLst>
                         <p:cond delay="indefinite"/>
                       </p:stCondLst>
                       <p:childTnLst>
                         <p:par>
-                          <p:cTn id="4" fill="hold" nodeType="withGroup">
+                          <p:cTn id="4" fill="hold">
                             <p:stCondLst>
                               <p:cond delay="0"/>
                             </p:stCondLst>
@@ -19516,13 +19550,13 @@
                     </p:cTn>
                   </p:par>
                   <p:par>
-                    <p:cTn id="11" fill="hold" nodeType="clickPar">
+                    <p:cTn id="11" fill="hold">
                       <p:stCondLst>
                         <p:cond delay="indefinite"/>
                       </p:stCondLst>
                       <p:childTnLst>
                         <p:par>
-                          <p:cTn id="12" fill="hold" nodeType="withGroup">
+                          <p:cTn id="12" fill="hold">
                             <p:stCondLst>
                               <p:cond delay="0"/>
                             </p:stCondLst>
@@ -19577,13 +19611,13 @@
                     </p:cTn>
                   </p:par>
                   <p:par>
-                    <p:cTn id="16" fill="hold" nodeType="clickPar">
+                    <p:cTn id="16" fill="hold">
                       <p:stCondLst>
                         <p:cond delay="indefinite"/>
                       </p:stCondLst>
                       <p:childTnLst>
                         <p:par>
-                          <p:cTn id="17" fill="hold" nodeType="withGroup">
+                          <p:cTn id="17" fill="hold">
                             <p:stCondLst>
                               <p:cond delay="0"/>
                             </p:stCondLst>
@@ -19631,92 +19665,6 @@
                                   </p:childTnLst>
                                 </p:cTn>
                               </p:par>
-                              <p:par>
-                                <p:cTn id="21" presetID="3" presetClass="entr" presetSubtype="10" fill="hold" nodeType="withEffect">
-                                  <p:stCondLst>
-                                    <p:cond delay="0"/>
-                                  </p:stCondLst>
-                                  <p:childTnLst>
-                                    <p:set>
-                                      <p:cBhvr>
-                                        <p:cTn id="22" dur="1" fill="hold">
-                                          <p:stCondLst>
-                                            <p:cond delay="0"/>
-                                          </p:stCondLst>
-                                        </p:cTn>
-                                        <p:tgtEl>
-                                          <p:spTgt spid="26626">
-                                            <p:txEl>
-                                              <p:pRg st="4" end="4"/>
-                                            </p:txEl>
-                                          </p:spTgt>
-                                        </p:tgtEl>
-                                        <p:attrNameLst>
-                                          <p:attrName>style.visibility</p:attrName>
-                                        </p:attrNameLst>
-                                      </p:cBhvr>
-                                      <p:to>
-                                        <p:strVal val="visible"/>
-                                      </p:to>
-                                    </p:set>
-                                    <p:animEffect transition="in" filter="blinds(horizontal)">
-                                      <p:cBhvr>
-                                        <p:cTn id="23" dur="500"/>
-                                        <p:tgtEl>
-                                          <p:spTgt spid="26626">
-                                            <p:txEl>
-                                              <p:pRg st="4" end="4"/>
-                                            </p:txEl>
-                                          </p:spTgt>
-                                        </p:tgtEl>
-                                      </p:cBhvr>
-                                    </p:animEffect>
-                                  </p:childTnLst>
-                                </p:cTn>
-                              </p:par>
-                              <p:par>
-                                <p:cTn id="24" presetID="3" presetClass="entr" presetSubtype="10" fill="hold" nodeType="withEffect">
-                                  <p:stCondLst>
-                                    <p:cond delay="0"/>
-                                  </p:stCondLst>
-                                  <p:childTnLst>
-                                    <p:set>
-                                      <p:cBhvr>
-                                        <p:cTn id="25" dur="1" fill="hold">
-                                          <p:stCondLst>
-                                            <p:cond delay="0"/>
-                                          </p:stCondLst>
-                                        </p:cTn>
-                                        <p:tgtEl>
-                                          <p:spTgt spid="26626">
-                                            <p:txEl>
-                                              <p:pRg st="5" end="5"/>
-                                            </p:txEl>
-                                          </p:spTgt>
-                                        </p:tgtEl>
-                                        <p:attrNameLst>
-                                          <p:attrName>style.visibility</p:attrName>
-                                        </p:attrNameLst>
-                                      </p:cBhvr>
-                                      <p:to>
-                                        <p:strVal val="visible"/>
-                                      </p:to>
-                                    </p:set>
-                                    <p:animEffect transition="in" filter="blinds(horizontal)">
-                                      <p:cBhvr>
-                                        <p:cTn id="26" dur="500"/>
-                                        <p:tgtEl>
-                                          <p:spTgt spid="26626">
-                                            <p:txEl>
-                                              <p:pRg st="5" end="5"/>
-                                            </p:txEl>
-                                          </p:spTgt>
-                                        </p:tgtEl>
-                                      </p:cBhvr>
-                                    </p:animEffect>
-                                  </p:childTnLst>
-                                </p:cTn>
-                              </p:par>
                             </p:childTnLst>
                           </p:cTn>
                         </p:par>
@@ -19724,26 +19672,26 @@
                     </p:cTn>
                   </p:par>
                   <p:par>
-                    <p:cTn id="27" fill="hold">
+                    <p:cTn id="21" fill="hold">
                       <p:stCondLst>
                         <p:cond delay="indefinite"/>
                       </p:stCondLst>
                       <p:childTnLst>
                         <p:par>
-                          <p:cTn id="28" fill="hold">
+                          <p:cTn id="22" fill="hold">
                             <p:stCondLst>
                               <p:cond delay="0"/>
                             </p:stCondLst>
                             <p:childTnLst>
                               <p:par>
-                                <p:cTn id="29" presetID="3" presetClass="entr" presetSubtype="10" fill="hold" nodeType="clickEffect">
+                                <p:cTn id="23" presetID="3" presetClass="entr" presetSubtype="10" fill="hold" nodeType="clickEffect">
                                   <p:stCondLst>
                                     <p:cond delay="0"/>
                                   </p:stCondLst>
                                   <p:childTnLst>
                                     <p:set>
                                       <p:cBhvr>
-                                        <p:cTn id="30" dur="1" fill="hold">
+                                        <p:cTn id="24" dur="1" fill="hold">
                                           <p:stCondLst>
                                             <p:cond delay="0"/>
                                           </p:stCondLst>
@@ -19751,7 +19699,7 @@
                                         <p:tgtEl>
                                           <p:spTgt spid="26626">
                                             <p:txEl>
-                                              <p:pRg st="6" end="6"/>
+                                              <p:pRg st="4" end="4"/>
                                             </p:txEl>
                                           </p:spTgt>
                                         </p:tgtEl>
@@ -19765,11 +19713,11 @@
                                     </p:set>
                                     <p:animEffect transition="in" filter="blinds(horizontal)">
                                       <p:cBhvr>
-                                        <p:cTn id="31" dur="500"/>
+                                        <p:cTn id="25" dur="500"/>
                                         <p:tgtEl>
                                           <p:spTgt spid="26626">
                                             <p:txEl>
-                                              <p:pRg st="6" end="6"/>
+                                              <p:pRg st="4" end="4"/>
                                             </p:txEl>
                                           </p:spTgt>
                                         </p:tgtEl>
@@ -19836,8 +19784,8 @@
         </p:nvSpPr>
         <p:spPr bwMode="auto">
           <a:xfrm>
-            <a:off x="539552" y="1628800"/>
-            <a:ext cx="8451850" cy="5124480"/>
+            <a:off x="107504" y="1557338"/>
+            <a:ext cx="8884096" cy="4985980"/>
           </a:xfrm>
           <a:prstGeom prst="rect">
             <a:avLst/>
@@ -19867,7 +19815,7 @@
           </a:extLst>
         </p:spPr>
         <p:txBody>
-          <a:bodyPr>
+          <a:bodyPr wrap="square">
             <a:spAutoFit/>
           </a:bodyPr>
           <a:lstStyle>
@@ -19969,61 +19917,131 @@
             </a:lvl9pPr>
           </a:lstStyle>
           <a:p>
-            <a:pPr>
+            <a:pPr marL="457200" indent="-457200">
               <a:spcBef>
                 <a:spcPts val="600"/>
               </a:spcBef>
+              <a:buFontTx/>
+              <a:buAutoNum type="arabicPeriod"/>
               <a:defRPr/>
             </a:pPr>
             <a:r>
               <a:rPr lang="sr-Cyrl-RS" b="1" u="sng" dirty="0" smtClean="0">
                 <a:latin typeface="Garamond" pitchFamily="18" charset="0"/>
               </a:rPr>
-              <a:t>3. Користити наслеђивање за моделирање односа</a:t>
+              <a:t>Заједничке операције и поља сместити у надкласе</a:t>
             </a:r>
             <a:r>
               <a:rPr lang="en-US" b="1" u="sng" dirty="0" smtClean="0">
                 <a:latin typeface="Garamond" pitchFamily="18" charset="0"/>
               </a:rPr>
-              <a:t> “</a:t>
+              <a:t>.</a:t>
+            </a:r>
+            <a:endParaRPr lang="sr-Cyrl-RS" b="1" u="sng" dirty="0" smtClean="0">
+              <a:latin typeface="Garamond" pitchFamily="18" charset="0"/>
+            </a:endParaRPr>
+          </a:p>
+          <a:p>
+            <a:pPr>
+              <a:spcBef>
+                <a:spcPts val="600"/>
+              </a:spcBef>
+              <a:defRPr/>
+            </a:pPr>
+            <a:r>
+              <a:rPr lang="sr-Cyrl-RS" dirty="0" smtClean="0">
+                <a:latin typeface="Garamond" pitchFamily="18" charset="0"/>
+              </a:rPr>
+              <a:t>Тако је оформљена класа </a:t>
+            </a:r>
+            <a:r>
+              <a:rPr lang="en-US" sz="1800" dirty="0" smtClean="0">
+                <a:latin typeface="+mn-lt"/>
+              </a:rPr>
+              <a:t>Person</a:t>
+            </a:r>
+            <a:r>
+              <a:rPr lang="en-US" sz="1800" dirty="0" smtClean="0">
+                <a:latin typeface="Garamond" pitchFamily="18" charset="0"/>
+              </a:rPr>
+              <a:t> </a:t>
+            </a:r>
+            <a:r>
+              <a:rPr lang="sr-Cyrl-RS" dirty="0" smtClean="0">
+                <a:latin typeface="Garamond" pitchFamily="18" charset="0"/>
+              </a:rPr>
+              <a:t>као надкласа </a:t>
+            </a:r>
+            <a:r>
+              <a:rPr lang="en-US" sz="1800" dirty="0" smtClean="0">
+                <a:latin typeface="+mn-lt"/>
+              </a:rPr>
+              <a:t>Employee</a:t>
+            </a:r>
+            <a:r>
+              <a:rPr lang="en-US" sz="1800" dirty="0" smtClean="0">
+                <a:latin typeface="Garamond" pitchFamily="18" charset="0"/>
+              </a:rPr>
+              <a:t> </a:t>
+            </a:r>
+            <a:r>
+              <a:rPr lang="sr-Cyrl-RS" dirty="0" smtClean="0">
+                <a:latin typeface="Garamond" pitchFamily="18" charset="0"/>
+              </a:rPr>
+              <a:t>и </a:t>
+            </a:r>
+            <a:r>
+              <a:rPr lang="en-US" sz="1800" dirty="0" smtClean="0">
+                <a:latin typeface="+mn-lt"/>
+              </a:rPr>
+              <a:t>Student</a:t>
+            </a:r>
+            <a:r>
+              <a:rPr lang="en-US" dirty="0" smtClean="0">
+                <a:latin typeface="Garamond" pitchFamily="18" charset="0"/>
+              </a:rPr>
+              <a:t>.</a:t>
+            </a:r>
+            <a:endParaRPr lang="en-US" dirty="0">
+              <a:latin typeface="Garamond" pitchFamily="18" charset="0"/>
+            </a:endParaRPr>
+          </a:p>
+          <a:p>
+            <a:pPr>
+              <a:spcBef>
+                <a:spcPts val="600"/>
+              </a:spcBef>
+              <a:defRPr/>
+            </a:pPr>
+            <a:r>
+              <a:rPr lang="en-US" b="1" u="sng" dirty="0" smtClean="0">
+                <a:latin typeface="Garamond" pitchFamily="18" charset="0"/>
+              </a:rPr>
+              <a:t>2</a:t>
+            </a:r>
+            <a:r>
+              <a:rPr lang="en-US" b="1" u="sng" dirty="0">
+                <a:latin typeface="Garamond" pitchFamily="18" charset="0"/>
+              </a:rPr>
+              <a:t>. </a:t>
             </a:r>
             <a:r>
               <a:rPr lang="sr-Cyrl-RS" b="1" u="sng" dirty="0" smtClean="0">
                 <a:latin typeface="Garamond" pitchFamily="18" charset="0"/>
               </a:rPr>
-              <a:t>јесте</a:t>
+              <a:t>Избегавати употребу заштићених поља</a:t>
             </a:r>
             <a:r>
               <a:rPr lang="en-US" b="1" u="sng" dirty="0" smtClean="0">
                 <a:latin typeface="Garamond" pitchFamily="18" charset="0"/>
               </a:rPr>
-              <a:t>”.</a:t>
+              <a:t>.</a:t>
             </a:r>
             <a:endParaRPr lang="en-US" b="1" u="sng" dirty="0">
               <a:latin typeface="Garamond" pitchFamily="18" charset="0"/>
             </a:endParaRPr>
           </a:p>
           <a:p>
-            <a:pPr>
-              <a:spcBef>
-                <a:spcPts val="600"/>
-              </a:spcBef>
-              <a:defRPr/>
-            </a:pPr>
-            <a:r>
-              <a:rPr lang="en-US" b="1" u="sng" dirty="0" smtClean="0">
-                <a:latin typeface="Garamond" pitchFamily="18" charset="0"/>
-              </a:rPr>
-              <a:t>SO</a:t>
-            </a:r>
-            <a:r>
-              <a:rPr lang="en-US" dirty="0" smtClean="0">
-                <a:latin typeface="Garamond" pitchFamily="18" charset="0"/>
-              </a:rPr>
-              <a:t>LID</a:t>
-            </a:r>
-          </a:p>
-          <a:p>
             <a:pPr marL="342900" indent="-342900">
               <a:spcBef>
                 <a:spcPts val="600"/>
@@ -20036,237 +20054,173 @@
               <a:rPr lang="sr-Cyrl-RS" dirty="0" smtClean="0">
                 <a:latin typeface="Garamond" pitchFamily="18" charset="0"/>
               </a:rPr>
-              <a:t>Понекад програмери претерују у коришћењу наслеђивања</a:t>
+              <a:t>Модификатор </a:t>
+            </a:r>
+            <a:r>
+              <a:rPr lang="en-US" sz="1800" dirty="0" smtClean="0">
+                <a:latin typeface="+mn-lt"/>
+              </a:rPr>
+              <a:t>protected</a:t>
             </a:r>
             <a:r>
               <a:rPr lang="en-US" dirty="0" smtClean="0">
                 <a:latin typeface="Garamond" pitchFamily="18" charset="0"/>
               </a:rPr>
+              <a:t> </a:t>
+            </a:r>
+            <a:r>
+              <a:rPr lang="sr-Cyrl-RS" dirty="0" smtClean="0">
+                <a:latin typeface="Garamond" pitchFamily="18" charset="0"/>
+              </a:rPr>
+              <a:t>не пружа много заштите, из два разлога:</a:t>
+            </a:r>
+          </a:p>
+          <a:p>
+            <a:pPr marL="1200150" lvl="1" indent="-457200">
+              <a:spcBef>
+                <a:spcPts val="600"/>
+              </a:spcBef>
+              <a:buFont typeface="+mj-lt"/>
+              <a:buAutoNum type="arabicPeriod"/>
+              <a:defRPr/>
+            </a:pPr>
+            <a:r>
+              <a:rPr lang="sr-Cyrl-RS" dirty="0" smtClean="0">
+                <a:latin typeface="Garamond" pitchFamily="18" charset="0"/>
+              </a:rPr>
+              <a:t>Може се увек направити поткласа неке класе и тиме приступити </a:t>
+            </a:r>
+            <a:r>
+              <a:rPr lang="sr-Latn-RS" sz="1800" dirty="0" smtClean="0">
+                <a:latin typeface="+mn-lt"/>
+              </a:rPr>
+              <a:t>protected</a:t>
+            </a:r>
+            <a:r>
+              <a:rPr lang="sr-Latn-RS" dirty="0" smtClean="0">
+                <a:latin typeface="Garamond" pitchFamily="18" charset="0"/>
+              </a:rPr>
+              <a:t> </a:t>
+            </a:r>
+            <a:r>
+              <a:rPr lang="sr-Cyrl-RS" dirty="0" smtClean="0">
+                <a:latin typeface="Garamond" pitchFamily="18" charset="0"/>
+              </a:rPr>
+              <a:t>променљивој. </a:t>
+            </a:r>
+          </a:p>
+          <a:p>
+            <a:pPr marL="1200150" lvl="1" indent="-457200">
+              <a:spcBef>
+                <a:spcPts val="600"/>
+              </a:spcBef>
+              <a:buFont typeface="+mj-lt"/>
+              <a:buAutoNum type="arabicPeriod"/>
+              <a:defRPr/>
+            </a:pPr>
+            <a:r>
+              <a:rPr lang="sr-Cyrl-RS" dirty="0" smtClean="0">
+                <a:latin typeface="Garamond" pitchFamily="18" charset="0"/>
+              </a:rPr>
+              <a:t>У програмском језику Јава све класе у истом пакету имају приступ </a:t>
+            </a:r>
+            <a:r>
+              <a:rPr lang="en-US" dirty="0">
+                <a:latin typeface="Garamond" pitchFamily="18" charset="0"/>
+              </a:rPr>
+              <a:t> </a:t>
+            </a:r>
+            <a:r>
+              <a:rPr lang="en-US" sz="1800" dirty="0">
+                <a:latin typeface="+mn-lt"/>
+              </a:rPr>
+              <a:t>protected</a:t>
+            </a:r>
+            <a:r>
+              <a:rPr lang="en-US" sz="1800" dirty="0">
+                <a:latin typeface="Garamond" pitchFamily="18" charset="0"/>
+              </a:rPr>
+              <a:t> </a:t>
+            </a:r>
+            <a:r>
+              <a:rPr lang="sr-Cyrl-RS" dirty="0" smtClean="0">
+                <a:latin typeface="Garamond" pitchFamily="18" charset="0"/>
+              </a:rPr>
+              <a:t>пољима, тако да се класа може сместити у исти пакет и тиме омогућити приступ. </a:t>
+            </a:r>
+          </a:p>
+          <a:p>
+            <a:pPr marL="342900" indent="-342900">
+              <a:spcBef>
+                <a:spcPts val="600"/>
+              </a:spcBef>
+              <a:buFont typeface="Arial" panose="020B0604020202020204" pitchFamily="34" charset="0"/>
+              <a:buChar char="•"/>
+              <a:defRPr/>
+            </a:pPr>
+            <a:r>
+              <a:rPr lang="sr-Cyrl-RS" dirty="0" smtClean="0">
+                <a:latin typeface="Garamond" pitchFamily="18" charset="0"/>
+              </a:rPr>
+              <a:t>Међутим, </a:t>
+            </a:r>
+            <a:r>
+              <a:rPr lang="en-US" sz="1800" dirty="0">
+                <a:latin typeface="+mn-lt"/>
+              </a:rPr>
+              <a:t>protected</a:t>
+            </a:r>
+            <a:r>
+              <a:rPr lang="en-US" sz="1800" dirty="0">
+                <a:latin typeface="Garamond" pitchFamily="18" charset="0"/>
+              </a:rPr>
+              <a:t> </a:t>
+            </a:r>
+            <a:r>
+              <a:rPr lang="sr-Cyrl-RS" dirty="0" smtClean="0">
+                <a:latin typeface="Garamond" pitchFamily="18" charset="0"/>
+              </a:rPr>
+              <a:t>методи могу бити корисни за назначавање да дати метод није спреман за општу употребу и да треба да буде редефинисан у </a:t>
+            </a:r>
+            <a:r>
+              <a:rPr lang="sr-Cyrl-RS" dirty="0" smtClean="0">
+                <a:latin typeface="Garamond" pitchFamily="18" charset="0"/>
+              </a:rPr>
+              <a:t>поткласама</a:t>
+            </a:r>
+            <a:r>
+              <a:rPr lang="en-US" dirty="0" smtClean="0">
+                <a:latin typeface="Garamond" pitchFamily="18" charset="0"/>
+              </a:rPr>
+              <a:t> (</a:t>
+            </a:r>
+            <a:r>
+              <a:rPr lang="sr-Cyrl-RS" dirty="0" smtClean="0">
+                <a:latin typeface="Garamond" pitchFamily="18" charset="0"/>
+              </a:rPr>
+              <a:t>као код </a:t>
+            </a:r>
+            <a:r>
+              <a:rPr lang="en-US" sz="1800" dirty="0" err="1" smtClean="0">
+                <a:latin typeface="+mn-lt"/>
+              </a:rPr>
+              <a:t>Cloneable</a:t>
+            </a:r>
+            <a:r>
+              <a:rPr lang="en-US" dirty="0" smtClean="0">
+                <a:latin typeface="Garamond" pitchFamily="18" charset="0"/>
+              </a:rPr>
+              <a:t>)</a:t>
+            </a:r>
+            <a:r>
+              <a:rPr lang="sr-Cyrl-RS" dirty="0" smtClean="0">
+                <a:latin typeface="Garamond" pitchFamily="18" charset="0"/>
+              </a:rPr>
               <a:t>. </a:t>
             </a:r>
-            <a:endParaRPr lang="sr-Cyrl-RS" sz="2000" dirty="0" smtClean="0">
+            <a:endParaRPr lang="en-US" sz="1800" dirty="0" smtClean="0">
               <a:latin typeface="Garamond" pitchFamily="18" charset="0"/>
             </a:endParaRPr>
-          </a:p>
-          <a:p>
-            <a:pPr>
-              <a:spcBef>
-                <a:spcPts val="600"/>
-              </a:spcBef>
-              <a:defRPr/>
-            </a:pPr>
-            <a:r>
-              <a:rPr lang="sr-Cyrl-RS" sz="2000" dirty="0" smtClean="0">
-                <a:latin typeface="Garamond" pitchFamily="18" charset="0"/>
-              </a:rPr>
-              <a:t>На пример, претпоставимо да нам требају радници по уговору, тј. класа</a:t>
-            </a:r>
-            <a:r>
-              <a:rPr lang="en-US" sz="2000" dirty="0" smtClean="0">
-                <a:latin typeface="Garamond" pitchFamily="18" charset="0"/>
-              </a:rPr>
-              <a:t> </a:t>
-            </a:r>
-            <a:r>
-              <a:rPr lang="en-US" sz="2000" dirty="0" smtClean="0">
-                <a:latin typeface="+mn-lt"/>
-              </a:rPr>
-              <a:t>Contractor</a:t>
-            </a:r>
-            <a:r>
-              <a:rPr lang="en-US" sz="2000" dirty="0" smtClean="0">
-                <a:latin typeface="Garamond" pitchFamily="18" charset="0"/>
-              </a:rPr>
-              <a:t>. </a:t>
-            </a:r>
-            <a:r>
-              <a:rPr lang="sr-Cyrl-RS" sz="2000" dirty="0" smtClean="0">
-                <a:latin typeface="Garamond" pitchFamily="18" charset="0"/>
-              </a:rPr>
-              <a:t>Радници под уговором садрже имена и датум запослења, али не садрже плату</a:t>
-            </a:r>
-            <a:r>
-              <a:rPr lang="en-US" sz="2000" dirty="0" smtClean="0">
-                <a:latin typeface="Garamond" pitchFamily="18" charset="0"/>
-              </a:rPr>
-              <a:t>, </a:t>
-            </a:r>
-            <a:r>
-              <a:rPr lang="sr-Cyrl-RS" sz="2000" dirty="0" smtClean="0">
-                <a:latin typeface="Garamond" pitchFamily="18" charset="0"/>
-              </a:rPr>
-              <a:t>већ се плаћају по сату</a:t>
-            </a:r>
-            <a:r>
-              <a:rPr lang="en-US" sz="2000" dirty="0" smtClean="0">
-                <a:latin typeface="Garamond" pitchFamily="18" charset="0"/>
-              </a:rPr>
-              <a:t>. </a:t>
-            </a:r>
-            <a:endParaRPr lang="sr-Cyrl-RS" sz="2000" dirty="0" smtClean="0">
-              <a:latin typeface="Garamond" pitchFamily="18" charset="0"/>
-            </a:endParaRPr>
-          </a:p>
-          <a:p>
-            <a:pPr>
-              <a:spcBef>
-                <a:spcPts val="600"/>
-              </a:spcBef>
-              <a:defRPr/>
-            </a:pPr>
-            <a:endParaRPr lang="sr-Cyrl-RS" sz="2000" dirty="0" smtClean="0">
-              <a:latin typeface="Garamond" pitchFamily="18" charset="0"/>
-            </a:endParaRPr>
-          </a:p>
-          <a:p>
-            <a:pPr>
-              <a:spcBef>
-                <a:spcPts val="600"/>
-              </a:spcBef>
-              <a:defRPr/>
-            </a:pPr>
-            <a:r>
-              <a:rPr lang="sr-Cyrl-RS" sz="2000" dirty="0" smtClean="0">
-                <a:latin typeface="Garamond" pitchFamily="18" charset="0"/>
-              </a:rPr>
-              <a:t>Иако постоји изазов да се класа </a:t>
-            </a:r>
-            <a:r>
-              <a:rPr lang="en-US" sz="2000" dirty="0" smtClean="0">
-                <a:latin typeface="+mn-lt"/>
-              </a:rPr>
-              <a:t>Contractor</a:t>
-            </a:r>
-            <a:r>
-              <a:rPr lang="en-US" sz="2000" dirty="0" smtClean="0">
-                <a:latin typeface="Garamond" pitchFamily="18" charset="0"/>
-              </a:rPr>
-              <a:t> </a:t>
-            </a:r>
-            <a:r>
-              <a:rPr lang="sr-Cyrl-RS" sz="2000" dirty="0" smtClean="0">
-                <a:latin typeface="Garamond" pitchFamily="18" charset="0"/>
-              </a:rPr>
-              <a:t>направи као подкласа класе </a:t>
-            </a:r>
-            <a:r>
-              <a:rPr lang="en-US" sz="2000" dirty="0" smtClean="0">
-                <a:latin typeface="+mn-lt"/>
-              </a:rPr>
-              <a:t>Employee</a:t>
-            </a:r>
-            <a:r>
-              <a:rPr lang="en-US" sz="2000" dirty="0" smtClean="0">
-                <a:latin typeface="Garamond" pitchFamily="18" charset="0"/>
-              </a:rPr>
-              <a:t> </a:t>
-            </a:r>
-            <a:r>
-              <a:rPr lang="sr-Cyrl-RS" sz="2000" dirty="0" smtClean="0">
-                <a:latin typeface="Garamond" pitchFamily="18" charset="0"/>
-              </a:rPr>
-              <a:t>којој је додато поље</a:t>
-            </a:r>
-            <a:r>
-              <a:rPr lang="en-US" sz="2000" dirty="0" smtClean="0">
-                <a:latin typeface="Garamond" pitchFamily="18" charset="0"/>
-              </a:rPr>
-              <a:t> </a:t>
-            </a:r>
-            <a:r>
-              <a:rPr lang="en-US" sz="2000" dirty="0" err="1" smtClean="0">
-                <a:latin typeface="+mn-lt"/>
-              </a:rPr>
-              <a:t>hourlyWage</a:t>
-            </a:r>
-            <a:r>
-              <a:rPr lang="sr-Cyrl-RS" sz="2000" dirty="0" smtClean="0">
-                <a:latin typeface="Garamond" pitchFamily="18" charset="0"/>
-              </a:rPr>
-              <a:t>, то не би била добра идеја јер би тада примерак класе</a:t>
-            </a:r>
-            <a:r>
-              <a:rPr lang="en-US" sz="2000" dirty="0">
-                <a:latin typeface="Garamond" pitchFamily="18" charset="0"/>
-              </a:rPr>
-              <a:t> </a:t>
-            </a:r>
-            <a:r>
-              <a:rPr lang="en-US" sz="2000" dirty="0">
-                <a:latin typeface="+mn-lt"/>
-              </a:rPr>
-              <a:t>Contractor</a:t>
-            </a:r>
-            <a:r>
-              <a:rPr lang="sr-Cyrl-RS" sz="2000" dirty="0" smtClean="0">
-                <a:latin typeface="Garamond" pitchFamily="18" charset="0"/>
-              </a:rPr>
-              <a:t> садржао и поље за плату и поље за сатницу, а то би водило у проблеме</a:t>
-            </a:r>
-            <a:r>
-              <a:rPr lang="en-US" sz="2000" dirty="0" smtClean="0">
-                <a:latin typeface="Garamond" pitchFamily="18" charset="0"/>
-              </a:rPr>
-              <a:t>.</a:t>
-            </a:r>
-            <a:endParaRPr lang="sr-Cyrl-RS" sz="2000" dirty="0" smtClean="0">
-              <a:latin typeface="Garamond" pitchFamily="18" charset="0"/>
-            </a:endParaRPr>
-          </a:p>
-          <a:p>
-            <a:pPr>
-              <a:spcBef>
-                <a:spcPts val="600"/>
-              </a:spcBef>
-              <a:defRPr/>
-            </a:pPr>
-            <a:endParaRPr lang="sr-Cyrl-RS" sz="2000" dirty="0" smtClean="0">
-              <a:latin typeface="Garamond" pitchFamily="18" charset="0"/>
-            </a:endParaRPr>
-          </a:p>
-          <a:p>
-            <a:pPr>
-              <a:spcBef>
-                <a:spcPts val="600"/>
-              </a:spcBef>
-              <a:defRPr/>
-            </a:pPr>
-            <a:r>
-              <a:rPr lang="sr-Cyrl-RS" sz="2000" dirty="0" smtClean="0">
-                <a:latin typeface="Garamond" pitchFamily="18" charset="0"/>
-              </a:rPr>
-              <a:t>Наиме однос између ентитета радник по уговору и запослени не пролази тест</a:t>
-            </a:r>
-            <a:r>
-              <a:rPr lang="en-US" sz="2000" dirty="0" smtClean="0">
-                <a:latin typeface="Garamond" pitchFamily="18" charset="0"/>
-              </a:rPr>
-              <a:t> “</a:t>
-            </a:r>
-            <a:r>
-              <a:rPr lang="sr-Cyrl-RS" sz="2000" dirty="0" smtClean="0">
-                <a:latin typeface="Garamond" pitchFamily="18" charset="0"/>
-              </a:rPr>
-              <a:t>јесте</a:t>
-            </a:r>
-            <a:r>
-              <a:rPr lang="en-US" sz="2000" dirty="0" smtClean="0">
-                <a:latin typeface="Garamond" pitchFamily="18" charset="0"/>
-              </a:rPr>
-              <a:t>”. </a:t>
-            </a:r>
-            <a:r>
-              <a:rPr lang="sr-Cyrl-RS" sz="2000" dirty="0" smtClean="0">
-                <a:latin typeface="Garamond" pitchFamily="18" charset="0"/>
-              </a:rPr>
-              <a:t>Радник по уговору није специјалан случај запосленог</a:t>
-            </a:r>
-            <a:r>
-              <a:rPr lang="en-US" sz="2000" dirty="0" smtClean="0">
-                <a:latin typeface="Garamond" pitchFamily="18" charset="0"/>
-              </a:rPr>
-              <a:t>.</a:t>
-            </a:r>
           </a:p>
         </p:txBody>
       </p:sp>
@@ -20280,7 +20234,7 @@
         </p:nvSpPr>
         <p:spPr>
           <a:xfrm>
-            <a:off x="1371600" y="404664"/>
+            <a:off x="1371600" y="472405"/>
             <a:ext cx="7772400" cy="868363"/>
           </a:xfrm>
           <a:prstGeom prst="rect">
@@ -20424,20 +20378,12 @@
               <a:defRPr/>
             </a:pPr>
             <a:r>
-              <a:rPr lang="sr-Cyrl-RS" sz="3600" b="1" kern="0" dirty="0">
+              <a:rPr lang="sr-Cyrl-RS" sz="3600" b="1" kern="0" dirty="0" smtClean="0">
                 <a:solidFill>
                   <a:srgbClr val="0070C0"/>
                 </a:solidFill>
               </a:rPr>
-              <a:t>Додатне препоруке </a:t>
-            </a:r>
-            <a:r>
-              <a:rPr lang="sr-Cyrl-RS" sz="3600" b="1" kern="0" dirty="0" smtClean="0">
-                <a:solidFill>
-                  <a:srgbClr val="0070C0"/>
-                </a:solidFill>
-              </a:rPr>
-              <a:t>за наслеђивање (2)</a:t>
+              <a:t>Додатне препоруке за наслеђивање</a:t>
             </a:r>
             <a:endParaRPr lang="en-US" sz="3600" b="1" kern="0" dirty="0">
               <a:solidFill>
@@ -20626,13 +20572,13 @@
                     </p:cTn>
                   </p:par>
                   <p:par>
-                    <p:cTn id="16" fill="hold">
+                    <p:cTn id="16" fill="hold" nodeType="clickPar">
                       <p:stCondLst>
                         <p:cond delay="indefinite"/>
                       </p:stCondLst>
                       <p:childTnLst>
                         <p:par>
-                          <p:cTn id="17" fill="hold">
+                          <p:cTn id="17" fill="hold" nodeType="withGroup">
                             <p:stCondLst>
                               <p:cond delay="0"/>
                             </p:stCondLst>
@@ -20696,7 +20642,7 @@
                                         <p:tgtEl>
                                           <p:spTgt spid="26626">
                                             <p:txEl>
-                                              <p:pRg st="5" end="5"/>
+                                              <p:pRg st="4" end="4"/>
                                             </p:txEl>
                                           </p:spTgt>
                                         </p:tgtEl>
@@ -20714,7 +20660,7 @@
                                         <p:tgtEl>
                                           <p:spTgt spid="26626">
                                             <p:txEl>
-                                              <p:pRg st="5" end="5"/>
+                                              <p:pRg st="4" end="4"/>
                                             </p:txEl>
                                           </p:spTgt>
                                         </p:tgtEl>
@@ -20739,7 +20685,7 @@
                                         <p:tgtEl>
                                           <p:spTgt spid="26626">
                                             <p:txEl>
-                                              <p:pRg st="7" end="7"/>
+                                              <p:pRg st="5" end="5"/>
                                             </p:txEl>
                                           </p:spTgt>
                                         </p:tgtEl>
@@ -20757,7 +20703,68 @@
                                         <p:tgtEl>
                                           <p:spTgt spid="26626">
                                             <p:txEl>
-                                              <p:pRg st="7" end="7"/>
+                                              <p:pRg st="5" end="5"/>
+                                            </p:txEl>
+                                          </p:spTgt>
+                                        </p:tgtEl>
+                                      </p:cBhvr>
+                                    </p:animEffect>
+                                  </p:childTnLst>
+                                </p:cTn>
+                              </p:par>
+                            </p:childTnLst>
+                          </p:cTn>
+                        </p:par>
+                      </p:childTnLst>
+                    </p:cTn>
+                  </p:par>
+                  <p:par>
+                    <p:cTn id="27" fill="hold">
+                      <p:stCondLst>
+                        <p:cond delay="indefinite"/>
+                      </p:stCondLst>
+                      <p:childTnLst>
+                        <p:par>
+                          <p:cTn id="28" fill="hold">
+                            <p:stCondLst>
+                              <p:cond delay="0"/>
+                            </p:stCondLst>
+                            <p:childTnLst>
+                              <p:par>
+                                <p:cTn id="29" presetID="3" presetClass="entr" presetSubtype="10" fill="hold" nodeType="clickEffect">
+                                  <p:stCondLst>
+                                    <p:cond delay="0"/>
+                                  </p:stCondLst>
+                                  <p:childTnLst>
+                                    <p:set>
+                                      <p:cBhvr>
+                                        <p:cTn id="30" dur="1" fill="hold">
+                                          <p:stCondLst>
+                                            <p:cond delay="0"/>
+                                          </p:stCondLst>
+                                        </p:cTn>
+                                        <p:tgtEl>
+                                          <p:spTgt spid="26626">
+                                            <p:txEl>
+                                              <p:pRg st="6" end="6"/>
+                                            </p:txEl>
+                                          </p:spTgt>
+                                        </p:tgtEl>
+                                        <p:attrNameLst>
+                                          <p:attrName>style.visibility</p:attrName>
+                                        </p:attrNameLst>
+                                      </p:cBhvr>
+                                      <p:to>
+                                        <p:strVal val="visible"/>
+                                      </p:to>
+                                    </p:set>
+                                    <p:animEffect transition="in" filter="blinds(horizontal)">
+                                      <p:cBhvr>
+                                        <p:cTn id="31" dur="500"/>
+                                        <p:tgtEl>
+                                          <p:spTgt spid="26626">
+                                            <p:txEl>
+                                              <p:pRg st="6" end="6"/>
                                             </p:txEl>
                                           </p:spTgt>
                                         </p:tgtEl>
@@ -20798,6 +20805,994 @@
 </file>
 
 <file path=ppt/slides/slide25.xml><?xml version="1.0" encoding="utf-8"?>
+<p:sld xmlns:a="http://schemas.openxmlformats.org/drawingml/2006/main" xmlns:r="http://schemas.openxmlformats.org/officeDocument/2006/relationships" xmlns:p="http://schemas.openxmlformats.org/presentationml/2006/main">
+  <p:cSld>
+    <p:spTree>
+      <p:nvGrpSpPr>
+        <p:cNvPr id="1" name=""/>
+        <p:cNvGrpSpPr/>
+        <p:nvPr/>
+      </p:nvGrpSpPr>
+      <p:grpSpPr>
+        <a:xfrm>
+          <a:off x="0" y="0"/>
+          <a:ext cx="0" cy="0"/>
+          <a:chOff x="0" y="0"/>
+          <a:chExt cx="0" cy="0"/>
+        </a:xfrm>
+      </p:grpSpPr>
+      <p:sp>
+        <p:nvSpPr>
+          <p:cNvPr id="26626" name="Text Box 2"/>
+          <p:cNvSpPr txBox="1">
+            <a:spLocks noChangeArrowheads="1"/>
+          </p:cNvSpPr>
+          <p:nvPr/>
+        </p:nvSpPr>
+        <p:spPr bwMode="auto">
+          <a:xfrm>
+            <a:off x="539552" y="1628800"/>
+            <a:ext cx="8451850" cy="5124480"/>
+          </a:xfrm>
+          <a:prstGeom prst="rect">
+            <a:avLst/>
+          </a:prstGeom>
+          <a:noFill/>
+          <a:ln>
+            <a:noFill/>
+          </a:ln>
+          <a:extLst>
+            <a:ext uri="{909E8E84-426E-40DD-AFC4-6F175D3DCCD1}">
+              <a14:hiddenFill xmlns:a14="http://schemas.microsoft.com/office/drawing/2010/main">
+                <a:solidFill>
+                  <a:srgbClr val="FFFFFF"/>
+                </a:solidFill>
+              </a14:hiddenFill>
+            </a:ext>
+            <a:ext uri="{91240B29-F687-4F45-9708-019B960494DF}">
+              <a14:hiddenLine xmlns:a14="http://schemas.microsoft.com/office/drawing/2010/main" w="9525">
+                <a:solidFill>
+                  <a:srgbClr val="000000"/>
+                </a:solidFill>
+                <a:miter lim="800000"/>
+                <a:headEnd/>
+                <a:tailEnd/>
+              </a14:hiddenLine>
+            </a:ext>
+          </a:extLst>
+        </p:spPr>
+        <p:txBody>
+          <a:bodyPr>
+            <a:spAutoFit/>
+          </a:bodyPr>
+          <a:lstStyle>
+            <a:lvl1pPr eaLnBrk="0" hangingPunct="0">
+              <a:defRPr sz="2400">
+                <a:solidFill>
+                  <a:schemeClr val="tx1"/>
+                </a:solidFill>
+                <a:latin typeface="Times New Roman" pitchFamily="18" charset="0"/>
+              </a:defRPr>
+            </a:lvl1pPr>
+            <a:lvl2pPr marL="742950" indent="-285750" eaLnBrk="0" hangingPunct="0">
+              <a:defRPr sz="2400">
+                <a:solidFill>
+                  <a:schemeClr val="tx1"/>
+                </a:solidFill>
+                <a:latin typeface="Times New Roman" pitchFamily="18" charset="0"/>
+              </a:defRPr>
+            </a:lvl2pPr>
+            <a:lvl3pPr marL="1143000" indent="-228600" eaLnBrk="0" hangingPunct="0">
+              <a:defRPr sz="2400">
+                <a:solidFill>
+                  <a:schemeClr val="tx1"/>
+                </a:solidFill>
+                <a:latin typeface="Times New Roman" pitchFamily="18" charset="0"/>
+              </a:defRPr>
+            </a:lvl3pPr>
+            <a:lvl4pPr marL="1600200" indent="-228600" eaLnBrk="0" hangingPunct="0">
+              <a:defRPr sz="2400">
+                <a:solidFill>
+                  <a:schemeClr val="tx1"/>
+                </a:solidFill>
+                <a:latin typeface="Times New Roman" pitchFamily="18" charset="0"/>
+              </a:defRPr>
+            </a:lvl4pPr>
+            <a:lvl5pPr marL="2057400" indent="-228600" eaLnBrk="0" hangingPunct="0">
+              <a:defRPr sz="2400">
+                <a:solidFill>
+                  <a:schemeClr val="tx1"/>
+                </a:solidFill>
+                <a:latin typeface="Times New Roman" pitchFamily="18" charset="0"/>
+              </a:defRPr>
+            </a:lvl5pPr>
+            <a:lvl6pPr marL="2514600" indent="-228600" eaLnBrk="0" fontAlgn="base" hangingPunct="0">
+              <a:spcBef>
+                <a:spcPct val="0"/>
+              </a:spcBef>
+              <a:spcAft>
+                <a:spcPct val="0"/>
+              </a:spcAft>
+              <a:defRPr sz="2400">
+                <a:solidFill>
+                  <a:schemeClr val="tx1"/>
+                </a:solidFill>
+                <a:latin typeface="Times New Roman" pitchFamily="18" charset="0"/>
+              </a:defRPr>
+            </a:lvl6pPr>
+            <a:lvl7pPr marL="2971800" indent="-228600" eaLnBrk="0" fontAlgn="base" hangingPunct="0">
+              <a:spcBef>
+                <a:spcPct val="0"/>
+              </a:spcBef>
+              <a:spcAft>
+                <a:spcPct val="0"/>
+              </a:spcAft>
+              <a:defRPr sz="2400">
+                <a:solidFill>
+                  <a:schemeClr val="tx1"/>
+                </a:solidFill>
+                <a:latin typeface="Times New Roman" pitchFamily="18" charset="0"/>
+              </a:defRPr>
+            </a:lvl7pPr>
+            <a:lvl8pPr marL="3429000" indent="-228600" eaLnBrk="0" fontAlgn="base" hangingPunct="0">
+              <a:spcBef>
+                <a:spcPct val="0"/>
+              </a:spcBef>
+              <a:spcAft>
+                <a:spcPct val="0"/>
+              </a:spcAft>
+              <a:defRPr sz="2400">
+                <a:solidFill>
+                  <a:schemeClr val="tx1"/>
+                </a:solidFill>
+                <a:latin typeface="Times New Roman" pitchFamily="18" charset="0"/>
+              </a:defRPr>
+            </a:lvl8pPr>
+            <a:lvl9pPr marL="3886200" indent="-228600" eaLnBrk="0" fontAlgn="base" hangingPunct="0">
+              <a:spcBef>
+                <a:spcPct val="0"/>
+              </a:spcBef>
+              <a:spcAft>
+                <a:spcPct val="0"/>
+              </a:spcAft>
+              <a:defRPr sz="2400">
+                <a:solidFill>
+                  <a:schemeClr val="tx1"/>
+                </a:solidFill>
+                <a:latin typeface="Times New Roman" pitchFamily="18" charset="0"/>
+              </a:defRPr>
+            </a:lvl9pPr>
+          </a:lstStyle>
+          <a:p>
+            <a:pPr>
+              <a:spcBef>
+                <a:spcPts val="600"/>
+              </a:spcBef>
+              <a:defRPr/>
+            </a:pPr>
+            <a:r>
+              <a:rPr lang="sr-Cyrl-RS" b="1" u="sng" dirty="0" smtClean="0">
+                <a:latin typeface="Garamond" pitchFamily="18" charset="0"/>
+              </a:rPr>
+              <a:t>3. Користити наслеђивање за моделирање односа</a:t>
+            </a:r>
+            <a:r>
+              <a:rPr lang="en-US" b="1" u="sng" dirty="0" smtClean="0">
+                <a:latin typeface="Garamond" pitchFamily="18" charset="0"/>
+              </a:rPr>
+              <a:t> “</a:t>
+            </a:r>
+            <a:r>
+              <a:rPr lang="sr-Cyrl-RS" b="1" u="sng" dirty="0" smtClean="0">
+                <a:latin typeface="Garamond" pitchFamily="18" charset="0"/>
+              </a:rPr>
+              <a:t>јесте</a:t>
+            </a:r>
+            <a:r>
+              <a:rPr lang="en-US" b="1" u="sng" dirty="0" smtClean="0">
+                <a:latin typeface="Garamond" pitchFamily="18" charset="0"/>
+              </a:rPr>
+              <a:t>”.</a:t>
+            </a:r>
+            <a:endParaRPr lang="en-US" b="1" u="sng" dirty="0">
+              <a:latin typeface="Garamond" pitchFamily="18" charset="0"/>
+            </a:endParaRPr>
+          </a:p>
+          <a:p>
+            <a:pPr>
+              <a:spcBef>
+                <a:spcPts val="600"/>
+              </a:spcBef>
+              <a:defRPr/>
+            </a:pPr>
+            <a:r>
+              <a:rPr lang="en-US" b="1" u="sng" dirty="0" smtClean="0">
+                <a:latin typeface="Garamond" pitchFamily="18" charset="0"/>
+              </a:rPr>
+              <a:t>SO</a:t>
+            </a:r>
+            <a:r>
+              <a:rPr lang="en-US" dirty="0" smtClean="0">
+                <a:latin typeface="Garamond" pitchFamily="18" charset="0"/>
+              </a:rPr>
+              <a:t>LID</a:t>
+            </a:r>
+          </a:p>
+          <a:p>
+            <a:pPr marL="342900" indent="-342900">
+              <a:spcBef>
+                <a:spcPts val="600"/>
+              </a:spcBef>
+              <a:buFont typeface="Arial" panose="020B0604020202020204" pitchFamily="34" charset="0"/>
+              <a:buChar char="•"/>
+              <a:defRPr/>
+            </a:pPr>
+            <a:r>
+              <a:rPr lang="sr-Cyrl-RS" dirty="0" smtClean="0">
+                <a:latin typeface="Garamond" pitchFamily="18" charset="0"/>
+              </a:rPr>
+              <a:t>Понекад програмери претерују у коришћењу наслеђивања</a:t>
+            </a:r>
+            <a:r>
+              <a:rPr lang="en-US" dirty="0" smtClean="0">
+                <a:latin typeface="Garamond" pitchFamily="18" charset="0"/>
+              </a:rPr>
+              <a:t>. </a:t>
+            </a:r>
+            <a:endParaRPr lang="sr-Cyrl-RS" sz="2000" dirty="0" smtClean="0">
+              <a:latin typeface="Garamond" pitchFamily="18" charset="0"/>
+            </a:endParaRPr>
+          </a:p>
+          <a:p>
+            <a:pPr>
+              <a:spcBef>
+                <a:spcPts val="600"/>
+              </a:spcBef>
+              <a:defRPr/>
+            </a:pPr>
+            <a:r>
+              <a:rPr lang="sr-Cyrl-RS" sz="2000" dirty="0" smtClean="0">
+                <a:latin typeface="Garamond" pitchFamily="18" charset="0"/>
+              </a:rPr>
+              <a:t>На пример, претпоставимо да нам требају радници по уговору, тј. класа</a:t>
+            </a:r>
+            <a:r>
+              <a:rPr lang="en-US" sz="2000" dirty="0" smtClean="0">
+                <a:latin typeface="Garamond" pitchFamily="18" charset="0"/>
+              </a:rPr>
+              <a:t> </a:t>
+            </a:r>
+            <a:r>
+              <a:rPr lang="en-US" sz="2000" dirty="0" smtClean="0">
+                <a:latin typeface="+mn-lt"/>
+              </a:rPr>
+              <a:t>Contractor</a:t>
+            </a:r>
+            <a:r>
+              <a:rPr lang="en-US" sz="2000" dirty="0" smtClean="0">
+                <a:latin typeface="Garamond" pitchFamily="18" charset="0"/>
+              </a:rPr>
+              <a:t>. </a:t>
+            </a:r>
+            <a:r>
+              <a:rPr lang="sr-Cyrl-RS" sz="2000" dirty="0" smtClean="0">
+                <a:latin typeface="Garamond" pitchFamily="18" charset="0"/>
+              </a:rPr>
+              <a:t>Радници под уговором садрже имена и датум запослења, али не садрже плату</a:t>
+            </a:r>
+            <a:r>
+              <a:rPr lang="en-US" sz="2000" dirty="0" smtClean="0">
+                <a:latin typeface="Garamond" pitchFamily="18" charset="0"/>
+              </a:rPr>
+              <a:t>, </a:t>
+            </a:r>
+            <a:r>
+              <a:rPr lang="sr-Cyrl-RS" sz="2000" dirty="0" smtClean="0">
+                <a:latin typeface="Garamond" pitchFamily="18" charset="0"/>
+              </a:rPr>
+              <a:t>већ се плаћају по сату</a:t>
+            </a:r>
+            <a:r>
+              <a:rPr lang="en-US" sz="2000" dirty="0" smtClean="0">
+                <a:latin typeface="Garamond" pitchFamily="18" charset="0"/>
+              </a:rPr>
+              <a:t>. </a:t>
+            </a:r>
+            <a:endParaRPr lang="sr-Cyrl-RS" sz="2000" dirty="0" smtClean="0">
+              <a:latin typeface="Garamond" pitchFamily="18" charset="0"/>
+            </a:endParaRPr>
+          </a:p>
+          <a:p>
+            <a:pPr>
+              <a:spcBef>
+                <a:spcPts val="600"/>
+              </a:spcBef>
+              <a:defRPr/>
+            </a:pPr>
+            <a:endParaRPr lang="sr-Cyrl-RS" sz="2000" dirty="0" smtClean="0">
+              <a:latin typeface="Garamond" pitchFamily="18" charset="0"/>
+            </a:endParaRPr>
+          </a:p>
+          <a:p>
+            <a:pPr>
+              <a:spcBef>
+                <a:spcPts val="600"/>
+              </a:spcBef>
+              <a:defRPr/>
+            </a:pPr>
+            <a:r>
+              <a:rPr lang="sr-Cyrl-RS" sz="2000" dirty="0" smtClean="0">
+                <a:latin typeface="Garamond" pitchFamily="18" charset="0"/>
+              </a:rPr>
+              <a:t>Иако постоји изазов да се класа </a:t>
+            </a:r>
+            <a:r>
+              <a:rPr lang="en-US" sz="2000" dirty="0" smtClean="0">
+                <a:latin typeface="+mn-lt"/>
+              </a:rPr>
+              <a:t>Contractor</a:t>
+            </a:r>
+            <a:r>
+              <a:rPr lang="en-US" sz="2000" dirty="0" smtClean="0">
+                <a:latin typeface="Garamond" pitchFamily="18" charset="0"/>
+              </a:rPr>
+              <a:t> </a:t>
+            </a:r>
+            <a:r>
+              <a:rPr lang="sr-Cyrl-RS" sz="2000" dirty="0" smtClean="0">
+                <a:latin typeface="Garamond" pitchFamily="18" charset="0"/>
+              </a:rPr>
+              <a:t>направи као подкласа класе </a:t>
+            </a:r>
+            <a:r>
+              <a:rPr lang="en-US" sz="2000" dirty="0" smtClean="0">
+                <a:latin typeface="+mn-lt"/>
+              </a:rPr>
+              <a:t>Employee</a:t>
+            </a:r>
+            <a:r>
+              <a:rPr lang="en-US" sz="2000" dirty="0" smtClean="0">
+                <a:latin typeface="Garamond" pitchFamily="18" charset="0"/>
+              </a:rPr>
+              <a:t> </a:t>
+            </a:r>
+            <a:r>
+              <a:rPr lang="sr-Cyrl-RS" sz="2000" dirty="0" smtClean="0">
+                <a:latin typeface="Garamond" pitchFamily="18" charset="0"/>
+              </a:rPr>
+              <a:t>којој је додато поље</a:t>
+            </a:r>
+            <a:r>
+              <a:rPr lang="en-US" sz="2000" dirty="0" smtClean="0">
+                <a:latin typeface="Garamond" pitchFamily="18" charset="0"/>
+              </a:rPr>
+              <a:t> </a:t>
+            </a:r>
+            <a:r>
+              <a:rPr lang="en-US" sz="2000" dirty="0" err="1" smtClean="0">
+                <a:latin typeface="+mn-lt"/>
+              </a:rPr>
+              <a:t>hourlyWage</a:t>
+            </a:r>
+            <a:r>
+              <a:rPr lang="sr-Cyrl-RS" sz="2000" dirty="0" smtClean="0">
+                <a:latin typeface="Garamond" pitchFamily="18" charset="0"/>
+              </a:rPr>
+              <a:t>, то не би била добра идеја јер би тада примерак класе</a:t>
+            </a:r>
+            <a:r>
+              <a:rPr lang="en-US" sz="2000" dirty="0">
+                <a:latin typeface="Garamond" pitchFamily="18" charset="0"/>
+              </a:rPr>
+              <a:t> </a:t>
+            </a:r>
+            <a:r>
+              <a:rPr lang="en-US" sz="2000" dirty="0">
+                <a:latin typeface="+mn-lt"/>
+              </a:rPr>
+              <a:t>Contractor</a:t>
+            </a:r>
+            <a:r>
+              <a:rPr lang="sr-Cyrl-RS" sz="2000" dirty="0" smtClean="0">
+                <a:latin typeface="Garamond" pitchFamily="18" charset="0"/>
+              </a:rPr>
+              <a:t> садржао и поље за плату и поље за сатницу, а то би водило у проблеме</a:t>
+            </a:r>
+            <a:r>
+              <a:rPr lang="en-US" sz="2000" dirty="0" smtClean="0">
+                <a:latin typeface="Garamond" pitchFamily="18" charset="0"/>
+              </a:rPr>
+              <a:t>.</a:t>
+            </a:r>
+            <a:endParaRPr lang="sr-Cyrl-RS" sz="2000" dirty="0" smtClean="0">
+              <a:latin typeface="Garamond" pitchFamily="18" charset="0"/>
+            </a:endParaRPr>
+          </a:p>
+          <a:p>
+            <a:pPr>
+              <a:spcBef>
+                <a:spcPts val="600"/>
+              </a:spcBef>
+              <a:defRPr/>
+            </a:pPr>
+            <a:endParaRPr lang="sr-Cyrl-RS" sz="2000" dirty="0" smtClean="0">
+              <a:latin typeface="Garamond" pitchFamily="18" charset="0"/>
+            </a:endParaRPr>
+          </a:p>
+          <a:p>
+            <a:pPr>
+              <a:spcBef>
+                <a:spcPts val="600"/>
+              </a:spcBef>
+              <a:defRPr/>
+            </a:pPr>
+            <a:r>
+              <a:rPr lang="sr-Cyrl-RS" sz="2000" dirty="0" smtClean="0">
+                <a:latin typeface="Garamond" pitchFamily="18" charset="0"/>
+              </a:rPr>
+              <a:t>Наиме однос између ентитета радник по уговору и запослени не пролази тест</a:t>
+            </a:r>
+            <a:r>
+              <a:rPr lang="en-US" sz="2000" dirty="0" smtClean="0">
+                <a:latin typeface="Garamond" pitchFamily="18" charset="0"/>
+              </a:rPr>
+              <a:t> “</a:t>
+            </a:r>
+            <a:r>
+              <a:rPr lang="sr-Cyrl-RS" sz="2000" dirty="0" smtClean="0">
+                <a:latin typeface="Garamond" pitchFamily="18" charset="0"/>
+              </a:rPr>
+              <a:t>јесте</a:t>
+            </a:r>
+            <a:r>
+              <a:rPr lang="en-US" sz="2000" dirty="0" smtClean="0">
+                <a:latin typeface="Garamond" pitchFamily="18" charset="0"/>
+              </a:rPr>
+              <a:t>”. </a:t>
+            </a:r>
+            <a:r>
+              <a:rPr lang="sr-Cyrl-RS" sz="2000" dirty="0" smtClean="0">
+                <a:latin typeface="Garamond" pitchFamily="18" charset="0"/>
+              </a:rPr>
+              <a:t>Радник по уговору није специјалан случај запосленог</a:t>
+            </a:r>
+            <a:r>
+              <a:rPr lang="en-US" sz="2000" dirty="0" smtClean="0">
+                <a:latin typeface="Garamond" pitchFamily="18" charset="0"/>
+              </a:rPr>
+              <a:t>.</a:t>
+            </a:r>
+          </a:p>
+        </p:txBody>
+      </p:sp>
+      <p:sp>
+        <p:nvSpPr>
+          <p:cNvPr id="3" name="Title 1"/>
+          <p:cNvSpPr txBox="1">
+            <a:spLocks/>
+          </p:cNvSpPr>
+          <p:nvPr/>
+        </p:nvSpPr>
+        <p:spPr>
+          <a:xfrm>
+            <a:off x="1371600" y="404664"/>
+            <a:ext cx="7772400" cy="868363"/>
+          </a:xfrm>
+          <a:prstGeom prst="rect">
+            <a:avLst/>
+          </a:prstGeom>
+        </p:spPr>
+        <p:txBody>
+          <a:bodyPr/>
+          <a:lstStyle>
+            <a:lvl1pPr algn="l" rtl="0" eaLnBrk="0" fontAlgn="base" hangingPunct="0">
+              <a:spcBef>
+                <a:spcPct val="0"/>
+              </a:spcBef>
+              <a:spcAft>
+                <a:spcPct val="0"/>
+              </a:spcAft>
+              <a:defRPr sz="3800">
+                <a:solidFill>
+                  <a:schemeClr val="tx2"/>
+                </a:solidFill>
+                <a:latin typeface="+mj-lt"/>
+                <a:ea typeface="+mj-ea"/>
+                <a:cs typeface="+mj-cs"/>
+              </a:defRPr>
+            </a:lvl1pPr>
+            <a:lvl2pPr algn="l" rtl="0" eaLnBrk="0" fontAlgn="base" hangingPunct="0">
+              <a:spcBef>
+                <a:spcPct val="0"/>
+              </a:spcBef>
+              <a:spcAft>
+                <a:spcPct val="0"/>
+              </a:spcAft>
+              <a:defRPr sz="3800">
+                <a:solidFill>
+                  <a:schemeClr val="tx2"/>
+                </a:solidFill>
+                <a:latin typeface="Arial" charset="0"/>
+              </a:defRPr>
+            </a:lvl2pPr>
+            <a:lvl3pPr algn="l" rtl="0" eaLnBrk="0" fontAlgn="base" hangingPunct="0">
+              <a:spcBef>
+                <a:spcPct val="0"/>
+              </a:spcBef>
+              <a:spcAft>
+                <a:spcPct val="0"/>
+              </a:spcAft>
+              <a:defRPr sz="3800">
+                <a:solidFill>
+                  <a:schemeClr val="tx2"/>
+                </a:solidFill>
+                <a:latin typeface="Arial" charset="0"/>
+              </a:defRPr>
+            </a:lvl3pPr>
+            <a:lvl4pPr algn="l" rtl="0" eaLnBrk="0" fontAlgn="base" hangingPunct="0">
+              <a:spcBef>
+                <a:spcPct val="0"/>
+              </a:spcBef>
+              <a:spcAft>
+                <a:spcPct val="0"/>
+              </a:spcAft>
+              <a:defRPr sz="3800">
+                <a:solidFill>
+                  <a:schemeClr val="tx2"/>
+                </a:solidFill>
+                <a:latin typeface="Arial" charset="0"/>
+              </a:defRPr>
+            </a:lvl4pPr>
+            <a:lvl5pPr algn="l" rtl="0" eaLnBrk="0" fontAlgn="base" hangingPunct="0">
+              <a:spcBef>
+                <a:spcPct val="0"/>
+              </a:spcBef>
+              <a:spcAft>
+                <a:spcPct val="0"/>
+              </a:spcAft>
+              <a:defRPr sz="3800">
+                <a:solidFill>
+                  <a:schemeClr val="tx2"/>
+                </a:solidFill>
+                <a:latin typeface="Arial" charset="0"/>
+              </a:defRPr>
+            </a:lvl5pPr>
+            <a:lvl6pPr marL="457200" algn="l" rtl="0" fontAlgn="base">
+              <a:spcBef>
+                <a:spcPct val="0"/>
+              </a:spcBef>
+              <a:spcAft>
+                <a:spcPct val="0"/>
+              </a:spcAft>
+              <a:defRPr sz="3800">
+                <a:solidFill>
+                  <a:schemeClr val="tx2"/>
+                </a:solidFill>
+                <a:latin typeface="Arial" charset="0"/>
+              </a:defRPr>
+            </a:lvl6pPr>
+            <a:lvl7pPr marL="914400" algn="l" rtl="0" fontAlgn="base">
+              <a:spcBef>
+                <a:spcPct val="0"/>
+              </a:spcBef>
+              <a:spcAft>
+                <a:spcPct val="0"/>
+              </a:spcAft>
+              <a:defRPr sz="3800">
+                <a:solidFill>
+                  <a:schemeClr val="tx2"/>
+                </a:solidFill>
+                <a:latin typeface="Arial" charset="0"/>
+              </a:defRPr>
+            </a:lvl7pPr>
+            <a:lvl8pPr marL="1371600" algn="l" rtl="0" fontAlgn="base">
+              <a:spcBef>
+                <a:spcPct val="0"/>
+              </a:spcBef>
+              <a:spcAft>
+                <a:spcPct val="0"/>
+              </a:spcAft>
+              <a:defRPr sz="3800">
+                <a:solidFill>
+                  <a:schemeClr val="tx2"/>
+                </a:solidFill>
+                <a:latin typeface="Arial" charset="0"/>
+              </a:defRPr>
+            </a:lvl8pPr>
+            <a:lvl9pPr marL="1828800" algn="l" rtl="0" fontAlgn="base">
+              <a:spcBef>
+                <a:spcPct val="0"/>
+              </a:spcBef>
+              <a:spcAft>
+                <a:spcPct val="0"/>
+              </a:spcAft>
+              <a:defRPr sz="3800">
+                <a:solidFill>
+                  <a:schemeClr val="tx2"/>
+                </a:solidFill>
+                <a:latin typeface="Arial" charset="0"/>
+              </a:defRPr>
+            </a:lvl9pPr>
+          </a:lstStyle>
+          <a:p>
+            <a:pPr>
+              <a:defRPr/>
+            </a:pPr>
+            <a:r>
+              <a:rPr lang="sr-Cyrl-RS" sz="3600" b="1" kern="0" dirty="0">
+                <a:solidFill>
+                  <a:srgbClr val="0070C0"/>
+                </a:solidFill>
+              </a:rPr>
+              <a:t>Додатне препоруке </a:t>
+            </a:r>
+            <a:r>
+              <a:rPr lang="sr-Cyrl-RS" sz="3600" b="1" kern="0" dirty="0" smtClean="0">
+                <a:solidFill>
+                  <a:srgbClr val="0070C0"/>
+                </a:solidFill>
+              </a:rPr>
+              <a:t>за наслеђивање (2)</a:t>
+            </a:r>
+            <a:endParaRPr lang="en-US" sz="3600" b="1" kern="0" dirty="0">
+              <a:solidFill>
+                <a:srgbClr val="0070C0"/>
+              </a:solidFill>
+            </a:endParaRPr>
+          </a:p>
+        </p:txBody>
+      </p:sp>
+    </p:spTree>
+  </p:cSld>
+  <p:clrMapOvr>
+    <a:masterClrMapping/>
+  </p:clrMapOvr>
+  <p:timing>
+    <p:tnLst>
+      <p:par>
+        <p:cTn id="1" dur="indefinite" restart="never" nodeType="tmRoot">
+          <p:childTnLst>
+            <p:seq concurrent="1" nextAc="seek">
+              <p:cTn id="2" dur="indefinite" nodeType="mainSeq">
+                <p:childTnLst>
+                  <p:par>
+                    <p:cTn id="3" fill="hold" nodeType="clickPar">
+                      <p:stCondLst>
+                        <p:cond delay="indefinite"/>
+                      </p:stCondLst>
+                      <p:childTnLst>
+                        <p:par>
+                          <p:cTn id="4" fill="hold" nodeType="withGroup">
+                            <p:stCondLst>
+                              <p:cond delay="0"/>
+                            </p:stCondLst>
+                            <p:childTnLst>
+                              <p:par>
+                                <p:cTn id="5" presetID="3" presetClass="entr" presetSubtype="10" fill="hold" nodeType="clickEffect">
+                                  <p:stCondLst>
+                                    <p:cond delay="0"/>
+                                  </p:stCondLst>
+                                  <p:childTnLst>
+                                    <p:set>
+                                      <p:cBhvr>
+                                        <p:cTn id="6" dur="1" fill="hold">
+                                          <p:stCondLst>
+                                            <p:cond delay="0"/>
+                                          </p:stCondLst>
+                                        </p:cTn>
+                                        <p:tgtEl>
+                                          <p:spTgt spid="26626">
+                                            <p:txEl>
+                                              <p:pRg st="0" end="0"/>
+                                            </p:txEl>
+                                          </p:spTgt>
+                                        </p:tgtEl>
+                                        <p:attrNameLst>
+                                          <p:attrName>style.visibility</p:attrName>
+                                        </p:attrNameLst>
+                                      </p:cBhvr>
+                                      <p:to>
+                                        <p:strVal val="visible"/>
+                                      </p:to>
+                                    </p:set>
+                                    <p:animEffect transition="in" filter="blinds(horizontal)">
+                                      <p:cBhvr>
+                                        <p:cTn id="7" dur="500"/>
+                                        <p:tgtEl>
+                                          <p:spTgt spid="26626">
+                                            <p:txEl>
+                                              <p:pRg st="0" end="0"/>
+                                            </p:txEl>
+                                          </p:spTgt>
+                                        </p:tgtEl>
+                                      </p:cBhvr>
+                                    </p:animEffect>
+                                  </p:childTnLst>
+                                </p:cTn>
+                              </p:par>
+                              <p:par>
+                                <p:cTn id="8" presetID="3" presetClass="entr" presetSubtype="10" fill="hold" nodeType="withEffect">
+                                  <p:stCondLst>
+                                    <p:cond delay="0"/>
+                                  </p:stCondLst>
+                                  <p:childTnLst>
+                                    <p:set>
+                                      <p:cBhvr>
+                                        <p:cTn id="9" dur="1" fill="hold">
+                                          <p:stCondLst>
+                                            <p:cond delay="0"/>
+                                          </p:stCondLst>
+                                        </p:cTn>
+                                        <p:tgtEl>
+                                          <p:spTgt spid="26626">
+                                            <p:txEl>
+                                              <p:pRg st="1" end="1"/>
+                                            </p:txEl>
+                                          </p:spTgt>
+                                        </p:tgtEl>
+                                        <p:attrNameLst>
+                                          <p:attrName>style.visibility</p:attrName>
+                                        </p:attrNameLst>
+                                      </p:cBhvr>
+                                      <p:to>
+                                        <p:strVal val="visible"/>
+                                      </p:to>
+                                    </p:set>
+                                    <p:animEffect transition="in" filter="blinds(horizontal)">
+                                      <p:cBhvr>
+                                        <p:cTn id="10" dur="500"/>
+                                        <p:tgtEl>
+                                          <p:spTgt spid="26626">
+                                            <p:txEl>
+                                              <p:pRg st="1" end="1"/>
+                                            </p:txEl>
+                                          </p:spTgt>
+                                        </p:tgtEl>
+                                      </p:cBhvr>
+                                    </p:animEffect>
+                                  </p:childTnLst>
+                                </p:cTn>
+                              </p:par>
+                            </p:childTnLst>
+                          </p:cTn>
+                        </p:par>
+                      </p:childTnLst>
+                    </p:cTn>
+                  </p:par>
+                  <p:par>
+                    <p:cTn id="11" fill="hold" nodeType="clickPar">
+                      <p:stCondLst>
+                        <p:cond delay="indefinite"/>
+                      </p:stCondLst>
+                      <p:childTnLst>
+                        <p:par>
+                          <p:cTn id="12" fill="hold" nodeType="withGroup">
+                            <p:stCondLst>
+                              <p:cond delay="0"/>
+                            </p:stCondLst>
+                            <p:childTnLst>
+                              <p:par>
+                                <p:cTn id="13" presetID="3" presetClass="entr" presetSubtype="10" fill="hold" nodeType="clickEffect">
+                                  <p:stCondLst>
+                                    <p:cond delay="0"/>
+                                  </p:stCondLst>
+                                  <p:childTnLst>
+                                    <p:set>
+                                      <p:cBhvr>
+                                        <p:cTn id="14" dur="1" fill="hold">
+                                          <p:stCondLst>
+                                            <p:cond delay="0"/>
+                                          </p:stCondLst>
+                                        </p:cTn>
+                                        <p:tgtEl>
+                                          <p:spTgt spid="26626">
+                                            <p:txEl>
+                                              <p:pRg st="2" end="2"/>
+                                            </p:txEl>
+                                          </p:spTgt>
+                                        </p:tgtEl>
+                                        <p:attrNameLst>
+                                          <p:attrName>style.visibility</p:attrName>
+                                        </p:attrNameLst>
+                                      </p:cBhvr>
+                                      <p:to>
+                                        <p:strVal val="visible"/>
+                                      </p:to>
+                                    </p:set>
+                                    <p:animEffect transition="in" filter="blinds(horizontal)">
+                                      <p:cBhvr>
+                                        <p:cTn id="15" dur="500"/>
+                                        <p:tgtEl>
+                                          <p:spTgt spid="26626">
+                                            <p:txEl>
+                                              <p:pRg st="2" end="2"/>
+                                            </p:txEl>
+                                          </p:spTgt>
+                                        </p:tgtEl>
+                                      </p:cBhvr>
+                                    </p:animEffect>
+                                  </p:childTnLst>
+                                </p:cTn>
+                              </p:par>
+                            </p:childTnLst>
+                          </p:cTn>
+                        </p:par>
+                      </p:childTnLst>
+                    </p:cTn>
+                  </p:par>
+                  <p:par>
+                    <p:cTn id="16" fill="hold">
+                      <p:stCondLst>
+                        <p:cond delay="indefinite"/>
+                      </p:stCondLst>
+                      <p:childTnLst>
+                        <p:par>
+                          <p:cTn id="17" fill="hold">
+                            <p:stCondLst>
+                              <p:cond delay="0"/>
+                            </p:stCondLst>
+                            <p:childTnLst>
+                              <p:par>
+                                <p:cTn id="18" presetID="3" presetClass="entr" presetSubtype="10" fill="hold" nodeType="clickEffect">
+                                  <p:stCondLst>
+                                    <p:cond delay="0"/>
+                                  </p:stCondLst>
+                                  <p:childTnLst>
+                                    <p:set>
+                                      <p:cBhvr>
+                                        <p:cTn id="19" dur="1" fill="hold">
+                                          <p:stCondLst>
+                                            <p:cond delay="0"/>
+                                          </p:stCondLst>
+                                        </p:cTn>
+                                        <p:tgtEl>
+                                          <p:spTgt spid="26626">
+                                            <p:txEl>
+                                              <p:pRg st="3" end="3"/>
+                                            </p:txEl>
+                                          </p:spTgt>
+                                        </p:tgtEl>
+                                        <p:attrNameLst>
+                                          <p:attrName>style.visibility</p:attrName>
+                                        </p:attrNameLst>
+                                      </p:cBhvr>
+                                      <p:to>
+                                        <p:strVal val="visible"/>
+                                      </p:to>
+                                    </p:set>
+                                    <p:animEffect transition="in" filter="blinds(horizontal)">
+                                      <p:cBhvr>
+                                        <p:cTn id="20" dur="500"/>
+                                        <p:tgtEl>
+                                          <p:spTgt spid="26626">
+                                            <p:txEl>
+                                              <p:pRg st="3" end="3"/>
+                                            </p:txEl>
+                                          </p:spTgt>
+                                        </p:tgtEl>
+                                      </p:cBhvr>
+                                    </p:animEffect>
+                                  </p:childTnLst>
+                                </p:cTn>
+                              </p:par>
+                              <p:par>
+                                <p:cTn id="21" presetID="3" presetClass="entr" presetSubtype="10" fill="hold" nodeType="withEffect">
+                                  <p:stCondLst>
+                                    <p:cond delay="0"/>
+                                  </p:stCondLst>
+                                  <p:childTnLst>
+                                    <p:set>
+                                      <p:cBhvr>
+                                        <p:cTn id="22" dur="1" fill="hold">
+                                          <p:stCondLst>
+                                            <p:cond delay="0"/>
+                                          </p:stCondLst>
+                                        </p:cTn>
+                                        <p:tgtEl>
+                                          <p:spTgt spid="26626">
+                                            <p:txEl>
+                                              <p:pRg st="5" end="5"/>
+                                            </p:txEl>
+                                          </p:spTgt>
+                                        </p:tgtEl>
+                                        <p:attrNameLst>
+                                          <p:attrName>style.visibility</p:attrName>
+                                        </p:attrNameLst>
+                                      </p:cBhvr>
+                                      <p:to>
+                                        <p:strVal val="visible"/>
+                                      </p:to>
+                                    </p:set>
+                                    <p:animEffect transition="in" filter="blinds(horizontal)">
+                                      <p:cBhvr>
+                                        <p:cTn id="23" dur="500"/>
+                                        <p:tgtEl>
+                                          <p:spTgt spid="26626">
+                                            <p:txEl>
+                                              <p:pRg st="5" end="5"/>
+                                            </p:txEl>
+                                          </p:spTgt>
+                                        </p:tgtEl>
+                                      </p:cBhvr>
+                                    </p:animEffect>
+                                  </p:childTnLst>
+                                </p:cTn>
+                              </p:par>
+                              <p:par>
+                                <p:cTn id="24" presetID="3" presetClass="entr" presetSubtype="10" fill="hold" nodeType="withEffect">
+                                  <p:stCondLst>
+                                    <p:cond delay="0"/>
+                                  </p:stCondLst>
+                                  <p:childTnLst>
+                                    <p:set>
+                                      <p:cBhvr>
+                                        <p:cTn id="25" dur="1" fill="hold">
+                                          <p:stCondLst>
+                                            <p:cond delay="0"/>
+                                          </p:stCondLst>
+                                        </p:cTn>
+                                        <p:tgtEl>
+                                          <p:spTgt spid="26626">
+                                            <p:txEl>
+                                              <p:pRg st="7" end="7"/>
+                                            </p:txEl>
+                                          </p:spTgt>
+                                        </p:tgtEl>
+                                        <p:attrNameLst>
+                                          <p:attrName>style.visibility</p:attrName>
+                                        </p:attrNameLst>
+                                      </p:cBhvr>
+                                      <p:to>
+                                        <p:strVal val="visible"/>
+                                      </p:to>
+                                    </p:set>
+                                    <p:animEffect transition="in" filter="blinds(horizontal)">
+                                      <p:cBhvr>
+                                        <p:cTn id="26" dur="500"/>
+                                        <p:tgtEl>
+                                          <p:spTgt spid="26626">
+                                            <p:txEl>
+                                              <p:pRg st="7" end="7"/>
+                                            </p:txEl>
+                                          </p:spTgt>
+                                        </p:tgtEl>
+                                      </p:cBhvr>
+                                    </p:animEffect>
+                                  </p:childTnLst>
+                                </p:cTn>
+                              </p:par>
+                            </p:childTnLst>
+                          </p:cTn>
+                        </p:par>
+                      </p:childTnLst>
+                    </p:cTn>
+                  </p:par>
+                </p:childTnLst>
+              </p:cTn>
+              <p:prevCondLst>
+                <p:cond evt="onPrev" delay="0">
+                  <p:tgtEl>
+                    <p:sldTgt/>
+                  </p:tgtEl>
+                </p:cond>
+              </p:prevCondLst>
+              <p:nextCondLst>
+                <p:cond evt="onNext" delay="0">
+                  <p:tgtEl>
+                    <p:sldTgt/>
+                  </p:tgtEl>
+                </p:cond>
+              </p:nextCondLst>
+            </p:seq>
+          </p:childTnLst>
+        </p:cTn>
+      </p:par>
+    </p:tnLst>
+  </p:timing>
+</p:sld>
+</file>
+
+<file path=ppt/slides/slide26.xml><?xml version="1.0" encoding="utf-8"?>
 <p:sld xmlns:a="http://schemas.openxmlformats.org/drawingml/2006/main" xmlns:r="http://schemas.openxmlformats.org/officeDocument/2006/relationships" xmlns:p="http://schemas.openxmlformats.org/presentationml/2006/main">
   <p:cSld>
     <p:spTree>
@@ -22402,7 +23397,7 @@
 </p:sld>
 </file>
 
-<file path=ppt/slides/slide26.xml><?xml version="1.0" encoding="utf-8"?>
+<file path=ppt/slides/slide27.xml><?xml version="1.0" encoding="utf-8"?>
 <p:sld xmlns:a="http://schemas.openxmlformats.org/drawingml/2006/main" xmlns:r="http://schemas.openxmlformats.org/officeDocument/2006/relationships" xmlns:p="http://schemas.openxmlformats.org/presentationml/2006/main">
   <p:cSld>
     <p:spTree>
@@ -23892,7 +24887,7 @@
 </p:sld>
 </file>
 
-<file path=ppt/slides/slide27.xml><?xml version="1.0" encoding="utf-8"?>
+<file path=ppt/slides/slide28.xml><?xml version="1.0" encoding="utf-8"?>
 <p:sld xmlns:a="http://schemas.openxmlformats.org/drawingml/2006/main" xmlns:r="http://schemas.openxmlformats.org/officeDocument/2006/relationships" xmlns:p="http://schemas.openxmlformats.org/presentationml/2006/main">
   <p:cSld>
     <p:spTree>
@@ -25319,902 +26314,6 @@
                                           <p:spTgt spid="26626">
                                             <p:txEl>
                                               <p:pRg st="11" end="11"/>
-                                            </p:txEl>
-                                          </p:spTgt>
-                                        </p:tgtEl>
-                                      </p:cBhvr>
-                                    </p:animEffect>
-                                  </p:childTnLst>
-                                </p:cTn>
-                              </p:par>
-                            </p:childTnLst>
-                          </p:cTn>
-                        </p:par>
-                      </p:childTnLst>
-                    </p:cTn>
-                  </p:par>
-                </p:childTnLst>
-              </p:cTn>
-              <p:prevCondLst>
-                <p:cond evt="onPrev" delay="0">
-                  <p:tgtEl>
-                    <p:sldTgt/>
-                  </p:tgtEl>
-                </p:cond>
-              </p:prevCondLst>
-              <p:nextCondLst>
-                <p:cond evt="onNext" delay="0">
-                  <p:tgtEl>
-                    <p:sldTgt/>
-                  </p:tgtEl>
-                </p:cond>
-              </p:nextCondLst>
-            </p:seq>
-          </p:childTnLst>
-        </p:cTn>
-      </p:par>
-    </p:tnLst>
-  </p:timing>
-</p:sld>
-</file>
-
-<file path=ppt/slides/slide28.xml><?xml version="1.0" encoding="utf-8"?>
-<p:sld xmlns:a="http://schemas.openxmlformats.org/drawingml/2006/main" xmlns:r="http://schemas.openxmlformats.org/officeDocument/2006/relationships" xmlns:p="http://schemas.openxmlformats.org/presentationml/2006/main">
-  <p:cSld>
-    <p:spTree>
-      <p:nvGrpSpPr>
-        <p:cNvPr id="1" name=""/>
-        <p:cNvGrpSpPr/>
-        <p:nvPr/>
-      </p:nvGrpSpPr>
-      <p:grpSpPr>
-        <a:xfrm>
-          <a:off x="0" y="0"/>
-          <a:ext cx="0" cy="0"/>
-          <a:chOff x="0" y="0"/>
-          <a:chExt cx="0" cy="0"/>
-        </a:xfrm>
-      </p:grpSpPr>
-      <p:sp>
-        <p:nvSpPr>
-          <p:cNvPr id="26626" name="Text Box 2"/>
-          <p:cNvSpPr txBox="1">
-            <a:spLocks noChangeArrowheads="1"/>
-          </p:cNvSpPr>
-          <p:nvPr/>
-        </p:nvSpPr>
-        <p:spPr bwMode="auto">
-          <a:xfrm>
-            <a:off x="539750" y="1416050"/>
-            <a:ext cx="8451850" cy="5432256"/>
-          </a:xfrm>
-          <a:prstGeom prst="rect">
-            <a:avLst/>
-          </a:prstGeom>
-          <a:noFill/>
-          <a:ln>
-            <a:noFill/>
-          </a:ln>
-          <a:extLst>
-            <a:ext uri="{909E8E84-426E-40DD-AFC4-6F175D3DCCD1}">
-              <a14:hiddenFill xmlns:a14="http://schemas.microsoft.com/office/drawing/2010/main">
-                <a:solidFill>
-                  <a:srgbClr val="FFFFFF"/>
-                </a:solidFill>
-              </a14:hiddenFill>
-            </a:ext>
-            <a:ext uri="{91240B29-F687-4F45-9708-019B960494DF}">
-              <a14:hiddenLine xmlns:a14="http://schemas.microsoft.com/office/drawing/2010/main" w="9525">
-                <a:solidFill>
-                  <a:srgbClr val="000000"/>
-                </a:solidFill>
-                <a:miter lim="800000"/>
-                <a:headEnd/>
-                <a:tailEnd/>
-              </a14:hiddenLine>
-            </a:ext>
-          </a:extLst>
-        </p:spPr>
-        <p:txBody>
-          <a:bodyPr>
-            <a:spAutoFit/>
-          </a:bodyPr>
-          <a:lstStyle>
-            <a:lvl1pPr eaLnBrk="0" hangingPunct="0">
-              <a:defRPr sz="2400">
-                <a:solidFill>
-                  <a:schemeClr val="tx1"/>
-                </a:solidFill>
-                <a:latin typeface="Times New Roman" pitchFamily="18" charset="0"/>
-              </a:defRPr>
-            </a:lvl1pPr>
-            <a:lvl2pPr marL="742950" indent="-285750" eaLnBrk="0" hangingPunct="0">
-              <a:defRPr sz="2400">
-                <a:solidFill>
-                  <a:schemeClr val="tx1"/>
-                </a:solidFill>
-                <a:latin typeface="Times New Roman" pitchFamily="18" charset="0"/>
-              </a:defRPr>
-            </a:lvl2pPr>
-            <a:lvl3pPr marL="1143000" indent="-228600" eaLnBrk="0" hangingPunct="0">
-              <a:defRPr sz="2400">
-                <a:solidFill>
-                  <a:schemeClr val="tx1"/>
-                </a:solidFill>
-                <a:latin typeface="Times New Roman" pitchFamily="18" charset="0"/>
-              </a:defRPr>
-            </a:lvl3pPr>
-            <a:lvl4pPr marL="1600200" indent="-228600" eaLnBrk="0" hangingPunct="0">
-              <a:defRPr sz="2400">
-                <a:solidFill>
-                  <a:schemeClr val="tx1"/>
-                </a:solidFill>
-                <a:latin typeface="Times New Roman" pitchFamily="18" charset="0"/>
-              </a:defRPr>
-            </a:lvl4pPr>
-            <a:lvl5pPr marL="2057400" indent="-228600" eaLnBrk="0" hangingPunct="0">
-              <a:defRPr sz="2400">
-                <a:solidFill>
-                  <a:schemeClr val="tx1"/>
-                </a:solidFill>
-                <a:latin typeface="Times New Roman" pitchFamily="18" charset="0"/>
-              </a:defRPr>
-            </a:lvl5pPr>
-            <a:lvl6pPr marL="2514600" indent="-228600" eaLnBrk="0" fontAlgn="base" hangingPunct="0">
-              <a:spcBef>
-                <a:spcPct val="0"/>
-              </a:spcBef>
-              <a:spcAft>
-                <a:spcPct val="0"/>
-              </a:spcAft>
-              <a:defRPr sz="2400">
-                <a:solidFill>
-                  <a:schemeClr val="tx1"/>
-                </a:solidFill>
-                <a:latin typeface="Times New Roman" pitchFamily="18" charset="0"/>
-              </a:defRPr>
-            </a:lvl6pPr>
-            <a:lvl7pPr marL="2971800" indent="-228600" eaLnBrk="0" fontAlgn="base" hangingPunct="0">
-              <a:spcBef>
-                <a:spcPct val="0"/>
-              </a:spcBef>
-              <a:spcAft>
-                <a:spcPct val="0"/>
-              </a:spcAft>
-              <a:defRPr sz="2400">
-                <a:solidFill>
-                  <a:schemeClr val="tx1"/>
-                </a:solidFill>
-                <a:latin typeface="Times New Roman" pitchFamily="18" charset="0"/>
-              </a:defRPr>
-            </a:lvl7pPr>
-            <a:lvl8pPr marL="3429000" indent="-228600" eaLnBrk="0" fontAlgn="base" hangingPunct="0">
-              <a:spcBef>
-                <a:spcPct val="0"/>
-              </a:spcBef>
-              <a:spcAft>
-                <a:spcPct val="0"/>
-              </a:spcAft>
-              <a:defRPr sz="2400">
-                <a:solidFill>
-                  <a:schemeClr val="tx1"/>
-                </a:solidFill>
-                <a:latin typeface="Times New Roman" pitchFamily="18" charset="0"/>
-              </a:defRPr>
-            </a:lvl8pPr>
-            <a:lvl9pPr marL="3886200" indent="-228600" eaLnBrk="0" fontAlgn="base" hangingPunct="0">
-              <a:spcBef>
-                <a:spcPct val="0"/>
-              </a:spcBef>
-              <a:spcAft>
-                <a:spcPct val="0"/>
-              </a:spcAft>
-              <a:defRPr sz="2400">
-                <a:solidFill>
-                  <a:schemeClr val="tx1"/>
-                </a:solidFill>
-                <a:latin typeface="Times New Roman" pitchFamily="18" charset="0"/>
-              </a:defRPr>
-            </a:lvl9pPr>
-          </a:lstStyle>
-          <a:p>
-            <a:pPr>
-              <a:spcBef>
-                <a:spcPts val="600"/>
-              </a:spcBef>
-              <a:defRPr/>
-            </a:pPr>
-            <a:r>
-              <a:rPr lang="sr-Cyrl-RS" dirty="0" smtClean="0">
-                <a:latin typeface="Garamond" pitchFamily="18" charset="0"/>
-              </a:rPr>
-              <a:t>Иако различити оквири за развој у Јави имају различите објекте за рад са догађајима, њихово понашање је фундаментално исто.</a:t>
-            </a:r>
-          </a:p>
-          <a:p>
-            <a:pPr>
-              <a:spcBef>
-                <a:spcPts val="600"/>
-              </a:spcBef>
-              <a:defRPr/>
-            </a:pPr>
-            <a:r>
-              <a:rPr lang="sr-Cyrl-RS" dirty="0" smtClean="0">
-                <a:latin typeface="Garamond" pitchFamily="18" charset="0"/>
-              </a:rPr>
-              <a:t>Рад са догађајима (испаљивање и руковање) захтева следеће елементе:</a:t>
-            </a:r>
-          </a:p>
-          <a:p>
-            <a:pPr marL="342900" indent="-342900">
-              <a:spcBef>
-                <a:spcPts val="600"/>
-              </a:spcBef>
-              <a:buFont typeface="Arial" panose="020B0604020202020204" pitchFamily="34" charset="0"/>
-              <a:buChar char="•"/>
-              <a:defRPr/>
-            </a:pPr>
-            <a:r>
-              <a:rPr lang="sr-Cyrl-RS" dirty="0" smtClean="0">
-                <a:latin typeface="Garamond" pitchFamily="18" charset="0"/>
-              </a:rPr>
-              <a:t>Класу за тип догађаја – садржи информације везане за тај тип догађаја</a:t>
-            </a:r>
-          </a:p>
-          <a:p>
-            <a:pPr marL="342900" indent="-342900">
-              <a:spcBef>
-                <a:spcPts val="600"/>
-              </a:spcBef>
-              <a:buFont typeface="Arial" panose="020B0604020202020204" pitchFamily="34" charset="0"/>
-              <a:buChar char="•"/>
-              <a:defRPr/>
-            </a:pPr>
-            <a:r>
-              <a:rPr lang="sr-Cyrl-RS" dirty="0" smtClean="0">
-                <a:latin typeface="Garamond" pitchFamily="18" charset="0"/>
-              </a:rPr>
-              <a:t>Интерфејс који описује како ће о испаљивању догађаја бити информисани заинтересовани објекти, тзв. ослушкивачи</a:t>
-            </a:r>
-          </a:p>
-          <a:p>
-            <a:pPr marL="1085850" lvl="1" indent="-342900">
-              <a:spcBef>
-                <a:spcPts val="600"/>
-              </a:spcBef>
-              <a:buFont typeface="Arial" panose="020B0604020202020204" pitchFamily="34" charset="0"/>
-              <a:buChar char="•"/>
-              <a:defRPr/>
-            </a:pPr>
-            <a:r>
-              <a:rPr lang="sr-Cyrl-RS" dirty="0" smtClean="0">
-                <a:latin typeface="Garamond" pitchFamily="18" charset="0"/>
-              </a:rPr>
-              <a:t>Ослушкивачи морају да имплементирају интерфејс</a:t>
-            </a:r>
-          </a:p>
-          <a:p>
-            <a:pPr marL="342900" indent="-342900">
-              <a:spcBef>
-                <a:spcPts val="600"/>
-              </a:spcBef>
-              <a:buFont typeface="Arial" panose="020B0604020202020204" pitchFamily="34" charset="0"/>
-              <a:buChar char="•"/>
-              <a:defRPr/>
-            </a:pPr>
-            <a:r>
-              <a:rPr lang="sr-Cyrl-RS" dirty="0" smtClean="0">
-                <a:latin typeface="Garamond" pitchFamily="18" charset="0"/>
-              </a:rPr>
-              <a:t>Структура података која води рачуна о томе који су ослушкивачи претплаћени на догађаје</a:t>
-            </a:r>
-            <a:endParaRPr lang="en-US" dirty="0" smtClean="0">
-              <a:latin typeface="Garamond" pitchFamily="18" charset="0"/>
-            </a:endParaRPr>
-          </a:p>
-          <a:p>
-            <a:pPr marL="342900" indent="-342900">
-              <a:spcBef>
-                <a:spcPts val="600"/>
-              </a:spcBef>
-              <a:buFont typeface="Arial" panose="020B0604020202020204" pitchFamily="34" charset="0"/>
-              <a:buChar char="•"/>
-              <a:defRPr/>
-            </a:pPr>
-            <a:r>
-              <a:rPr lang="sr-Cyrl-RS" dirty="0" smtClean="0">
-                <a:latin typeface="Garamond" pitchFamily="18" charset="0"/>
-              </a:rPr>
-              <a:t>Методи којима се омогућује да се додају/уклоне ослушкивачи на догађаје</a:t>
-            </a:r>
-            <a:endParaRPr lang="en-US" dirty="0">
-              <a:latin typeface="Garamond" pitchFamily="18" charset="0"/>
-            </a:endParaRPr>
-          </a:p>
-        </p:txBody>
-      </p:sp>
-      <p:sp>
-        <p:nvSpPr>
-          <p:cNvPr id="3" name="Title 1"/>
-          <p:cNvSpPr txBox="1">
-            <a:spLocks/>
-          </p:cNvSpPr>
-          <p:nvPr/>
-        </p:nvSpPr>
-        <p:spPr>
-          <a:xfrm>
-            <a:off x="1371600" y="549275"/>
-            <a:ext cx="7772400" cy="868363"/>
-          </a:xfrm>
-          <a:prstGeom prst="rect">
-            <a:avLst/>
-          </a:prstGeom>
-        </p:spPr>
-        <p:txBody>
-          <a:bodyPr/>
-          <a:lstStyle>
-            <a:lvl1pPr algn="l" rtl="0" eaLnBrk="0" fontAlgn="base" hangingPunct="0">
-              <a:spcBef>
-                <a:spcPct val="0"/>
-              </a:spcBef>
-              <a:spcAft>
-                <a:spcPct val="0"/>
-              </a:spcAft>
-              <a:defRPr sz="3800">
-                <a:solidFill>
-                  <a:schemeClr val="tx2"/>
-                </a:solidFill>
-                <a:latin typeface="+mj-lt"/>
-                <a:ea typeface="+mj-ea"/>
-                <a:cs typeface="+mj-cs"/>
-              </a:defRPr>
-            </a:lvl1pPr>
-            <a:lvl2pPr algn="l" rtl="0" eaLnBrk="0" fontAlgn="base" hangingPunct="0">
-              <a:spcBef>
-                <a:spcPct val="0"/>
-              </a:spcBef>
-              <a:spcAft>
-                <a:spcPct val="0"/>
-              </a:spcAft>
-              <a:defRPr sz="3800">
-                <a:solidFill>
-                  <a:schemeClr val="tx2"/>
-                </a:solidFill>
-                <a:latin typeface="Arial" charset="0"/>
-              </a:defRPr>
-            </a:lvl2pPr>
-            <a:lvl3pPr algn="l" rtl="0" eaLnBrk="0" fontAlgn="base" hangingPunct="0">
-              <a:spcBef>
-                <a:spcPct val="0"/>
-              </a:spcBef>
-              <a:spcAft>
-                <a:spcPct val="0"/>
-              </a:spcAft>
-              <a:defRPr sz="3800">
-                <a:solidFill>
-                  <a:schemeClr val="tx2"/>
-                </a:solidFill>
-                <a:latin typeface="Arial" charset="0"/>
-              </a:defRPr>
-            </a:lvl3pPr>
-            <a:lvl4pPr algn="l" rtl="0" eaLnBrk="0" fontAlgn="base" hangingPunct="0">
-              <a:spcBef>
-                <a:spcPct val="0"/>
-              </a:spcBef>
-              <a:spcAft>
-                <a:spcPct val="0"/>
-              </a:spcAft>
-              <a:defRPr sz="3800">
-                <a:solidFill>
-                  <a:schemeClr val="tx2"/>
-                </a:solidFill>
-                <a:latin typeface="Arial" charset="0"/>
-              </a:defRPr>
-            </a:lvl4pPr>
-            <a:lvl5pPr algn="l" rtl="0" eaLnBrk="0" fontAlgn="base" hangingPunct="0">
-              <a:spcBef>
-                <a:spcPct val="0"/>
-              </a:spcBef>
-              <a:spcAft>
-                <a:spcPct val="0"/>
-              </a:spcAft>
-              <a:defRPr sz="3800">
-                <a:solidFill>
-                  <a:schemeClr val="tx2"/>
-                </a:solidFill>
-                <a:latin typeface="Arial" charset="0"/>
-              </a:defRPr>
-            </a:lvl5pPr>
-            <a:lvl6pPr marL="457200" algn="l" rtl="0" fontAlgn="base">
-              <a:spcBef>
-                <a:spcPct val="0"/>
-              </a:spcBef>
-              <a:spcAft>
-                <a:spcPct val="0"/>
-              </a:spcAft>
-              <a:defRPr sz="3800">
-                <a:solidFill>
-                  <a:schemeClr val="tx2"/>
-                </a:solidFill>
-                <a:latin typeface="Arial" charset="0"/>
-              </a:defRPr>
-            </a:lvl6pPr>
-            <a:lvl7pPr marL="914400" algn="l" rtl="0" fontAlgn="base">
-              <a:spcBef>
-                <a:spcPct val="0"/>
-              </a:spcBef>
-              <a:spcAft>
-                <a:spcPct val="0"/>
-              </a:spcAft>
-              <a:defRPr sz="3800">
-                <a:solidFill>
-                  <a:schemeClr val="tx2"/>
-                </a:solidFill>
-                <a:latin typeface="Arial" charset="0"/>
-              </a:defRPr>
-            </a:lvl7pPr>
-            <a:lvl8pPr marL="1371600" algn="l" rtl="0" fontAlgn="base">
-              <a:spcBef>
-                <a:spcPct val="0"/>
-              </a:spcBef>
-              <a:spcAft>
-                <a:spcPct val="0"/>
-              </a:spcAft>
-              <a:defRPr sz="3800">
-                <a:solidFill>
-                  <a:schemeClr val="tx2"/>
-                </a:solidFill>
-                <a:latin typeface="Arial" charset="0"/>
-              </a:defRPr>
-            </a:lvl8pPr>
-            <a:lvl9pPr marL="1828800" algn="l" rtl="0" fontAlgn="base">
-              <a:spcBef>
-                <a:spcPct val="0"/>
-              </a:spcBef>
-              <a:spcAft>
-                <a:spcPct val="0"/>
-              </a:spcAft>
-              <a:defRPr sz="3800">
-                <a:solidFill>
-                  <a:schemeClr val="tx2"/>
-                </a:solidFill>
-                <a:latin typeface="Arial" charset="0"/>
-              </a:defRPr>
-            </a:lvl9pPr>
-          </a:lstStyle>
-          <a:p>
-            <a:pPr>
-              <a:defRPr/>
-            </a:pPr>
-            <a:r>
-              <a:rPr lang="sr-Cyrl-RS" sz="3600" b="1" kern="0" dirty="0" smtClean="0">
-                <a:solidFill>
-                  <a:srgbClr val="0070C0"/>
-                </a:solidFill>
-              </a:rPr>
-              <a:t>Догађаји</a:t>
-            </a:r>
-            <a:endParaRPr lang="en-US" sz="3600" b="1" kern="0" dirty="0">
-              <a:solidFill>
-                <a:srgbClr val="0070C0"/>
-              </a:solidFill>
-            </a:endParaRPr>
-          </a:p>
-        </p:txBody>
-      </p:sp>
-    </p:spTree>
-    <p:extLst>
-      <p:ext uri="{BB962C8B-B14F-4D97-AF65-F5344CB8AC3E}">
-        <p14:creationId xmlns:p14="http://schemas.microsoft.com/office/powerpoint/2010/main" val="452198317"/>
-      </p:ext>
-    </p:extLst>
-  </p:cSld>
-  <p:clrMapOvr>
-    <a:masterClrMapping/>
-  </p:clrMapOvr>
-  <p:timing>
-    <p:tnLst>
-      <p:par>
-        <p:cTn id="1" dur="indefinite" restart="never" nodeType="tmRoot">
-          <p:childTnLst>
-            <p:seq concurrent="1" nextAc="seek">
-              <p:cTn id="2" dur="indefinite" nodeType="mainSeq">
-                <p:childTnLst>
-                  <p:par>
-                    <p:cTn id="3" fill="hold">
-                      <p:stCondLst>
-                        <p:cond delay="indefinite"/>
-                      </p:stCondLst>
-                      <p:childTnLst>
-                        <p:par>
-                          <p:cTn id="4" fill="hold">
-                            <p:stCondLst>
-                              <p:cond delay="0"/>
-                            </p:stCondLst>
-                            <p:childTnLst>
-                              <p:par>
-                                <p:cTn id="5" presetID="3" presetClass="entr" presetSubtype="10" fill="hold" nodeType="clickEffect">
-                                  <p:stCondLst>
-                                    <p:cond delay="0"/>
-                                  </p:stCondLst>
-                                  <p:childTnLst>
-                                    <p:set>
-                                      <p:cBhvr>
-                                        <p:cTn id="6" dur="1" fill="hold">
-                                          <p:stCondLst>
-                                            <p:cond delay="0"/>
-                                          </p:stCondLst>
-                                        </p:cTn>
-                                        <p:tgtEl>
-                                          <p:spTgt spid="26626">
-                                            <p:txEl>
-                                              <p:pRg st="1" end="1"/>
-                                            </p:txEl>
-                                          </p:spTgt>
-                                        </p:tgtEl>
-                                        <p:attrNameLst>
-                                          <p:attrName>style.visibility</p:attrName>
-                                        </p:attrNameLst>
-                                      </p:cBhvr>
-                                      <p:to>
-                                        <p:strVal val="visible"/>
-                                      </p:to>
-                                    </p:set>
-                                    <p:animEffect transition="in" filter="blinds(horizontal)">
-                                      <p:cBhvr>
-                                        <p:cTn id="7" dur="500"/>
-                                        <p:tgtEl>
-                                          <p:spTgt spid="26626">
-                                            <p:txEl>
-                                              <p:pRg st="1" end="1"/>
-                                            </p:txEl>
-                                          </p:spTgt>
-                                        </p:tgtEl>
-                                      </p:cBhvr>
-                                    </p:animEffect>
-                                  </p:childTnLst>
-                                </p:cTn>
-                              </p:par>
-                            </p:childTnLst>
-                          </p:cTn>
-                        </p:par>
-                      </p:childTnLst>
-                    </p:cTn>
-                  </p:par>
-                  <p:par>
-                    <p:cTn id="8" fill="hold">
-                      <p:stCondLst>
-                        <p:cond delay="indefinite"/>
-                      </p:stCondLst>
-                      <p:childTnLst>
-                        <p:par>
-                          <p:cTn id="9" fill="hold">
-                            <p:stCondLst>
-                              <p:cond delay="0"/>
-                            </p:stCondLst>
-                            <p:childTnLst>
-                              <p:par>
-                                <p:cTn id="10" presetID="3" presetClass="entr" presetSubtype="10" fill="hold" nodeType="clickEffect">
-                                  <p:stCondLst>
-                                    <p:cond delay="0"/>
-                                  </p:stCondLst>
-                                  <p:childTnLst>
-                                    <p:set>
-                                      <p:cBhvr>
-                                        <p:cTn id="11" dur="1" fill="hold">
-                                          <p:stCondLst>
-                                            <p:cond delay="0"/>
-                                          </p:stCondLst>
-                                        </p:cTn>
-                                        <p:tgtEl>
-                                          <p:spTgt spid="26626">
-                                            <p:txEl>
-                                              <p:pRg st="2" end="2"/>
-                                            </p:txEl>
-                                          </p:spTgt>
-                                        </p:tgtEl>
-                                        <p:attrNameLst>
-                                          <p:attrName>style.visibility</p:attrName>
-                                        </p:attrNameLst>
-                                      </p:cBhvr>
-                                      <p:to>
-                                        <p:strVal val="visible"/>
-                                      </p:to>
-                                    </p:set>
-                                    <p:animEffect transition="in" filter="blinds(horizontal)">
-                                      <p:cBhvr>
-                                        <p:cTn id="12" dur="500"/>
-                                        <p:tgtEl>
-                                          <p:spTgt spid="26626">
-                                            <p:txEl>
-                                              <p:pRg st="2" end="2"/>
-                                            </p:txEl>
-                                          </p:spTgt>
-                                        </p:tgtEl>
-                                      </p:cBhvr>
-                                    </p:animEffect>
-                                  </p:childTnLst>
-                                </p:cTn>
-                              </p:par>
-                            </p:childTnLst>
-                          </p:cTn>
-                        </p:par>
-                      </p:childTnLst>
-                    </p:cTn>
-                  </p:par>
-                  <p:par>
-                    <p:cTn id="13" fill="hold">
-                      <p:stCondLst>
-                        <p:cond delay="indefinite"/>
-                      </p:stCondLst>
-                      <p:childTnLst>
-                        <p:par>
-                          <p:cTn id="14" fill="hold">
-                            <p:stCondLst>
-                              <p:cond delay="0"/>
-                            </p:stCondLst>
-                            <p:childTnLst>
-                              <p:par>
-                                <p:cTn id="15" presetID="3" presetClass="entr" presetSubtype="10" fill="hold" nodeType="clickEffect">
-                                  <p:stCondLst>
-                                    <p:cond delay="0"/>
-                                  </p:stCondLst>
-                                  <p:childTnLst>
-                                    <p:set>
-                                      <p:cBhvr>
-                                        <p:cTn id="16" dur="1" fill="hold">
-                                          <p:stCondLst>
-                                            <p:cond delay="0"/>
-                                          </p:stCondLst>
-                                        </p:cTn>
-                                        <p:tgtEl>
-                                          <p:spTgt spid="26626">
-                                            <p:txEl>
-                                              <p:pRg st="3" end="3"/>
-                                            </p:txEl>
-                                          </p:spTgt>
-                                        </p:tgtEl>
-                                        <p:attrNameLst>
-                                          <p:attrName>style.visibility</p:attrName>
-                                        </p:attrNameLst>
-                                      </p:cBhvr>
-                                      <p:to>
-                                        <p:strVal val="visible"/>
-                                      </p:to>
-                                    </p:set>
-                                    <p:animEffect transition="in" filter="blinds(horizontal)">
-                                      <p:cBhvr>
-                                        <p:cTn id="17" dur="500"/>
-                                        <p:tgtEl>
-                                          <p:spTgt spid="26626">
-                                            <p:txEl>
-                                              <p:pRg st="3" end="3"/>
-                                            </p:txEl>
-                                          </p:spTgt>
-                                        </p:tgtEl>
-                                      </p:cBhvr>
-                                    </p:animEffect>
-                                  </p:childTnLst>
-                                </p:cTn>
-                              </p:par>
-                              <p:par>
-                                <p:cTn id="18" presetID="3" presetClass="entr" presetSubtype="10" fill="hold" nodeType="withEffect">
-                                  <p:stCondLst>
-                                    <p:cond delay="0"/>
-                                  </p:stCondLst>
-                                  <p:childTnLst>
-                                    <p:set>
-                                      <p:cBhvr>
-                                        <p:cTn id="19" dur="1" fill="hold">
-                                          <p:stCondLst>
-                                            <p:cond delay="0"/>
-                                          </p:stCondLst>
-                                        </p:cTn>
-                                        <p:tgtEl>
-                                          <p:spTgt spid="26626">
-                                            <p:txEl>
-                                              <p:pRg st="4" end="4"/>
-                                            </p:txEl>
-                                          </p:spTgt>
-                                        </p:tgtEl>
-                                        <p:attrNameLst>
-                                          <p:attrName>style.visibility</p:attrName>
-                                        </p:attrNameLst>
-                                      </p:cBhvr>
-                                      <p:to>
-                                        <p:strVal val="visible"/>
-                                      </p:to>
-                                    </p:set>
-                                    <p:animEffect transition="in" filter="blinds(horizontal)">
-                                      <p:cBhvr>
-                                        <p:cTn id="20" dur="500"/>
-                                        <p:tgtEl>
-                                          <p:spTgt spid="26626">
-                                            <p:txEl>
-                                              <p:pRg st="4" end="4"/>
-                                            </p:txEl>
-                                          </p:spTgt>
-                                        </p:tgtEl>
-                                      </p:cBhvr>
-                                    </p:animEffect>
-                                  </p:childTnLst>
-                                </p:cTn>
-                              </p:par>
-                            </p:childTnLst>
-                          </p:cTn>
-                        </p:par>
-                      </p:childTnLst>
-                    </p:cTn>
-                  </p:par>
-                  <p:par>
-                    <p:cTn id="21" fill="hold">
-                      <p:stCondLst>
-                        <p:cond delay="indefinite"/>
-                      </p:stCondLst>
-                      <p:childTnLst>
-                        <p:par>
-                          <p:cTn id="22" fill="hold">
-                            <p:stCondLst>
-                              <p:cond delay="0"/>
-                            </p:stCondLst>
-                            <p:childTnLst>
-                              <p:par>
-                                <p:cTn id="23" presetID="3" presetClass="entr" presetSubtype="10" fill="hold" nodeType="clickEffect">
-                                  <p:stCondLst>
-                                    <p:cond delay="0"/>
-                                  </p:stCondLst>
-                                  <p:childTnLst>
-                                    <p:set>
-                                      <p:cBhvr>
-                                        <p:cTn id="24" dur="1" fill="hold">
-                                          <p:stCondLst>
-                                            <p:cond delay="0"/>
-                                          </p:stCondLst>
-                                        </p:cTn>
-                                        <p:tgtEl>
-                                          <p:spTgt spid="26626">
-                                            <p:txEl>
-                                              <p:pRg st="5" end="5"/>
-                                            </p:txEl>
-                                          </p:spTgt>
-                                        </p:tgtEl>
-                                        <p:attrNameLst>
-                                          <p:attrName>style.visibility</p:attrName>
-                                        </p:attrNameLst>
-                                      </p:cBhvr>
-                                      <p:to>
-                                        <p:strVal val="visible"/>
-                                      </p:to>
-                                    </p:set>
-                                    <p:animEffect transition="in" filter="blinds(horizontal)">
-                                      <p:cBhvr>
-                                        <p:cTn id="25" dur="500"/>
-                                        <p:tgtEl>
-                                          <p:spTgt spid="26626">
-                                            <p:txEl>
-                                              <p:pRg st="5" end="5"/>
-                                            </p:txEl>
-                                          </p:spTgt>
-                                        </p:tgtEl>
-                                      </p:cBhvr>
-                                    </p:animEffect>
-                                  </p:childTnLst>
-                                </p:cTn>
-                              </p:par>
-                            </p:childTnLst>
-                          </p:cTn>
-                        </p:par>
-                      </p:childTnLst>
-                    </p:cTn>
-                  </p:par>
-                  <p:par>
-                    <p:cTn id="26" fill="hold">
-                      <p:stCondLst>
-                        <p:cond delay="indefinite"/>
-                      </p:stCondLst>
-                      <p:childTnLst>
-                        <p:par>
-                          <p:cTn id="27" fill="hold">
-                            <p:stCondLst>
-                              <p:cond delay="0"/>
-                            </p:stCondLst>
-                            <p:childTnLst>
-                              <p:par>
-                                <p:cTn id="28" presetID="3" presetClass="entr" presetSubtype="10" fill="hold" nodeType="clickEffect">
-                                  <p:stCondLst>
-                                    <p:cond delay="0"/>
-                                  </p:stCondLst>
-                                  <p:childTnLst>
-                                    <p:set>
-                                      <p:cBhvr>
-                                        <p:cTn id="29" dur="1" fill="hold">
-                                          <p:stCondLst>
-                                            <p:cond delay="0"/>
-                                          </p:stCondLst>
-                                        </p:cTn>
-                                        <p:tgtEl>
-                                          <p:spTgt spid="26626">
-                                            <p:txEl>
-                                              <p:pRg st="6" end="6"/>
-                                            </p:txEl>
-                                          </p:spTgt>
-                                        </p:tgtEl>
-                                        <p:attrNameLst>
-                                          <p:attrName>style.visibility</p:attrName>
-                                        </p:attrNameLst>
-                                      </p:cBhvr>
-                                      <p:to>
-                                        <p:strVal val="visible"/>
-                                      </p:to>
-                                    </p:set>
-                                    <p:animEffect transition="in" filter="blinds(horizontal)">
-                                      <p:cBhvr>
-                                        <p:cTn id="30" dur="500"/>
-                                        <p:tgtEl>
-                                          <p:spTgt spid="26626">
-                                            <p:txEl>
-                                              <p:pRg st="6" end="6"/>
-                                            </p:txEl>
-                                          </p:spTgt>
-                                        </p:tgtEl>
-                                      </p:cBhvr>
-                                    </p:animEffect>
-                                  </p:childTnLst>
-                                </p:cTn>
-                              </p:par>
-                            </p:childTnLst>
-                          </p:cTn>
-                        </p:par>
-                      </p:childTnLst>
-                    </p:cTn>
-                  </p:par>
-                  <p:par>
-                    <p:cTn id="31" fill="hold">
-                      <p:stCondLst>
-                        <p:cond delay="indefinite"/>
-                      </p:stCondLst>
-                      <p:childTnLst>
-                        <p:par>
-                          <p:cTn id="32" fill="hold">
-                            <p:stCondLst>
-                              <p:cond delay="0"/>
-                            </p:stCondLst>
-                            <p:childTnLst>
-                              <p:par>
-                                <p:cTn id="33" presetID="3" presetClass="entr" presetSubtype="10" fill="hold" nodeType="clickEffect">
-                                  <p:stCondLst>
-                                    <p:cond delay="0"/>
-                                  </p:stCondLst>
-                                  <p:childTnLst>
-                                    <p:set>
-                                      <p:cBhvr>
-                                        <p:cTn id="34" dur="1" fill="hold">
-                                          <p:stCondLst>
-                                            <p:cond delay="0"/>
-                                          </p:stCondLst>
-                                        </p:cTn>
-                                        <p:tgtEl>
-                                          <p:spTgt spid="26626">
-                                            <p:txEl>
-                                              <p:pRg st="0" end="0"/>
-                                            </p:txEl>
-                                          </p:spTgt>
-                                        </p:tgtEl>
-                                        <p:attrNameLst>
-                                          <p:attrName>style.visibility</p:attrName>
-                                        </p:attrNameLst>
-                                      </p:cBhvr>
-                                      <p:to>
-                                        <p:strVal val="visible"/>
-                                      </p:to>
-                                    </p:set>
-                                    <p:animEffect transition="in" filter="blinds(horizontal)">
-                                      <p:cBhvr>
-                                        <p:cTn id="35" dur="500"/>
-                                        <p:tgtEl>
-                                          <p:spTgt spid="26626">
-                                            <p:txEl>
-                                              <p:pRg st="0" end="0"/>
                                             </p:txEl>
                                           </p:spTgt>
                                         </p:tgtEl>
@@ -26282,7 +26381,7 @@
         <p:spPr bwMode="auto">
           <a:xfrm>
             <a:off x="539750" y="1416050"/>
-            <a:ext cx="8451850" cy="4909036"/>
+            <a:ext cx="8451850" cy="5432256"/>
           </a:xfrm>
           <a:prstGeom prst="rect">
             <a:avLst/>
@@ -26414,6 +26513,34 @@
             </a:lvl9pPr>
           </a:lstStyle>
           <a:p>
+            <a:pPr>
+              <a:spcBef>
+                <a:spcPts val="600"/>
+              </a:spcBef>
+              <a:defRPr/>
+            </a:pPr>
+            <a:r>
+              <a:rPr lang="sr-Cyrl-RS" dirty="0" smtClean="0">
+                <a:latin typeface="Garamond" pitchFamily="18" charset="0"/>
+              </a:rPr>
+              <a:t>Иако различити оквири за развој у Јави имају различите објекте за рад са догађајима, њихово понашање је фундаментално исто.</a:t>
+            </a:r>
+          </a:p>
+          <a:p>
+            <a:pPr>
+              <a:spcBef>
+                <a:spcPts val="600"/>
+              </a:spcBef>
+              <a:defRPr/>
+            </a:pPr>
+            <a:r>
+              <a:rPr lang="sr-Cyrl-RS" dirty="0" smtClean="0">
+                <a:latin typeface="Garamond" pitchFamily="18" charset="0"/>
+              </a:rPr>
+              <a:t>Рад са догађајима (испаљивање и руковање) захтева следеће елементе:</a:t>
+            </a:r>
+          </a:p>
+          <a:p>
             <a:pPr marL="342900" indent="-342900">
               <a:spcBef>
                 <a:spcPts val="600"/>
@@ -26426,7 +26553,7 @@
               <a:rPr lang="sr-Cyrl-RS" dirty="0" smtClean="0">
                 <a:latin typeface="Garamond" pitchFamily="18" charset="0"/>
               </a:rPr>
-              <a:t>Први захтев за испаљивање догађаја је постојање класе која представља информацију о догађају</a:t>
+              <a:t>Класу за тип догађаја – садржи информације везане за тај тип догађаја</a:t>
             </a:r>
           </a:p>
           <a:p>
@@ -26442,15 +26569,41 @@
               <a:rPr lang="sr-Cyrl-RS" dirty="0" smtClean="0">
                 <a:latin typeface="Garamond" pitchFamily="18" charset="0"/>
               </a:rPr>
-              <a:t>Класе за догађаје треба да буду имутабилне, тј. после креирања не могу бити мењани</a:t>
-            </a:r>
-            <a:r>
-              <a:rPr lang="en-US" dirty="0" smtClean="0">
-                <a:latin typeface="Garamond" pitchFamily="18" charset="0"/>
-              </a:rPr>
-              <a:t> </a:t>
-            </a:r>
-            <a:endParaRPr lang="sr-Cyrl-RS" dirty="0" smtClean="0">
+              <a:t>Интерфејс који описује како ће о испаљивању догађаја бити информисани заинтересовани објекти, тзв. ослушкивачи</a:t>
+            </a:r>
+          </a:p>
+          <a:p>
+            <a:pPr marL="1085850" lvl="1" indent="-342900">
+              <a:spcBef>
+                <a:spcPts val="600"/>
+              </a:spcBef>
+              <a:buFont typeface="Arial" panose="020B0604020202020204" pitchFamily="34" charset="0"/>
+              <a:buChar char="•"/>
+              <a:defRPr/>
+            </a:pPr>
+            <a:r>
+              <a:rPr lang="sr-Cyrl-RS" dirty="0" smtClean="0">
+                <a:latin typeface="Garamond" pitchFamily="18" charset="0"/>
+              </a:rPr>
+              <a:t>Ослушкивачи морају да имплементирају интерфејс</a:t>
+            </a:r>
+          </a:p>
+          <a:p>
+            <a:pPr marL="342900" indent="-342900">
+              <a:spcBef>
+                <a:spcPts val="600"/>
+              </a:spcBef>
+              <a:buFont typeface="Arial" panose="020B0604020202020204" pitchFamily="34" charset="0"/>
+              <a:buChar char="•"/>
+              <a:defRPr/>
+            </a:pPr>
+            <a:r>
+              <a:rPr lang="sr-Cyrl-RS" dirty="0" smtClean="0">
+                <a:latin typeface="Garamond" pitchFamily="18" charset="0"/>
+              </a:rPr>
+              <a:t>Структура података која води рачуна о томе који су ослушкивачи претплаћени на догађаје</a:t>
+            </a:r>
+            <a:endParaRPr lang="en-US" dirty="0" smtClean="0">
               <a:latin typeface="Garamond" pitchFamily="18" charset="0"/>
             </a:endParaRPr>
           </a:p>
@@ -26467,70 +26620,7 @@
               <a:rPr lang="sr-Cyrl-RS" dirty="0" smtClean="0">
                 <a:latin typeface="Garamond" pitchFamily="18" charset="0"/>
               </a:rPr>
-              <a:t>Испаљивање догађаја прослђује референцу на један приемрак догађаја према свим регистрованим ослушкивачима </a:t>
-            </a:r>
-          </a:p>
-          <a:p>
-            <a:pPr marL="1085850" lvl="1" indent="-342900">
-              <a:spcBef>
-                <a:spcPts val="600"/>
-              </a:spcBef>
-              <a:buFont typeface="Arial" panose="020B0604020202020204" pitchFamily="34" charset="0"/>
-              <a:buChar char="•"/>
-              <a:defRPr/>
-            </a:pPr>
-            <a:r>
-              <a:rPr lang="sr-Cyrl-RS" dirty="0">
-                <a:latin typeface="Garamond" pitchFamily="18" charset="0"/>
-              </a:rPr>
-              <a:t>Р</a:t>
-            </a:r>
-            <a:r>
-              <a:rPr lang="sr-Cyrl-RS" dirty="0" smtClean="0">
-                <a:latin typeface="Garamond" pitchFamily="18" charset="0"/>
-              </a:rPr>
-              <a:t>едослед прослеђивања према ослушкивачима није специфициран</a:t>
-            </a:r>
-            <a:r>
-              <a:rPr lang="en-US" dirty="0" smtClean="0">
-                <a:latin typeface="Garamond" pitchFamily="18" charset="0"/>
-              </a:rPr>
-              <a:t> </a:t>
-            </a:r>
-            <a:endParaRPr lang="sr-Cyrl-RS" dirty="0" smtClean="0">
-              <a:latin typeface="Garamond" pitchFamily="18" charset="0"/>
-            </a:endParaRPr>
-          </a:p>
-          <a:p>
-            <a:pPr marL="1085850" lvl="1" indent="-342900">
-              <a:spcBef>
-                <a:spcPts val="600"/>
-              </a:spcBef>
-              <a:buFont typeface="Arial" panose="020B0604020202020204" pitchFamily="34" charset="0"/>
-              <a:buChar char="•"/>
-              <a:defRPr/>
-            </a:pPr>
-            <a:r>
-              <a:rPr lang="sr-Cyrl-RS" dirty="0" smtClean="0">
-                <a:latin typeface="Garamond" pitchFamily="18" charset="0"/>
-              </a:rPr>
-              <a:t>Ослушкивачи не могу модификовати догађај који им је прослеђен</a:t>
-            </a:r>
-          </a:p>
-          <a:p>
-            <a:pPr marL="1085850" lvl="1" indent="-342900">
-              <a:spcBef>
-                <a:spcPts val="600"/>
-              </a:spcBef>
-              <a:buFont typeface="Arial" panose="020B0604020202020204" pitchFamily="34" charset="0"/>
-              <a:buChar char="•"/>
-              <a:defRPr/>
-            </a:pPr>
-            <a:r>
-              <a:rPr lang="sr-Cyrl-RS" dirty="0" smtClean="0">
-                <a:latin typeface="Garamond" pitchFamily="18" charset="0"/>
-              </a:rPr>
-              <a:t>Ослушкивачи не могу променити начин на који ће се наставити процесирање од стране других ослушкивача</a:t>
+              <a:t>Методи којима се омогућује да се додају/уклоне ослушкивачи на догађаје</a:t>
             </a:r>
             <a:endParaRPr lang="en-US" dirty="0">
               <a:latin typeface="Garamond" pitchFamily="18" charset="0"/>
@@ -26692,28 +26782,25 @@
               <a:defRPr/>
             </a:pPr>
             <a:r>
-              <a:rPr lang="sr-Cyrl-RS" sz="3600" b="1" kern="0" dirty="0">
+              <a:rPr lang="sr-Cyrl-RS" sz="3600" b="1" kern="0" dirty="0" smtClean="0">
                 <a:solidFill>
                   <a:srgbClr val="0070C0"/>
                 </a:solidFill>
               </a:rPr>
-              <a:t>Класа </a:t>
-            </a:r>
-            <a:r>
-              <a:rPr lang="en-US" sz="3600" b="1" kern="0" dirty="0">
-                <a:solidFill>
-                  <a:srgbClr val="0070C0"/>
-                </a:solidFill>
-              </a:rPr>
-              <a:t>Event</a:t>
-            </a:r>
+              <a:t>Догађаји</a:t>
+            </a:r>
+            <a:endParaRPr lang="en-US" sz="3600" b="1" kern="0" dirty="0">
+              <a:solidFill>
+                <a:srgbClr val="0070C0"/>
+              </a:solidFill>
+            </a:endParaRPr>
           </a:p>
         </p:txBody>
       </p:sp>
     </p:spTree>
     <p:extLst>
       <p:ext uri="{BB962C8B-B14F-4D97-AF65-F5344CB8AC3E}">
-        <p14:creationId xmlns:p14="http://schemas.microsoft.com/office/powerpoint/2010/main" val="3262392555"/>
+        <p14:creationId xmlns:p14="http://schemas.microsoft.com/office/powerpoint/2010/main" val="452198317"/>
       </p:ext>
     </p:extLst>
   </p:cSld>
@@ -26756,7 +26843,7 @@
                                         <p:tgtEl>
                                           <p:spTgt spid="26626">
                                             <p:txEl>
-                                              <p:pRg st="0" end="0"/>
+                                              <p:pRg st="1" end="1"/>
                                             </p:txEl>
                                           </p:spTgt>
                                         </p:tgtEl>
@@ -26774,7 +26861,7 @@
                                         <p:tgtEl>
                                           <p:spTgt spid="26626">
                                             <p:txEl>
-                                              <p:pRg st="0" end="0"/>
+                                              <p:pRg st="1" end="1"/>
                                             </p:txEl>
                                           </p:spTgt>
                                         </p:tgtEl>
@@ -26817,7 +26904,7 @@
                                         <p:tgtEl>
                                           <p:spTgt spid="26626">
                                             <p:txEl>
-                                              <p:pRg st="1" end="1"/>
+                                              <p:pRg st="2" end="2"/>
                                             </p:txEl>
                                           </p:spTgt>
                                         </p:tgtEl>
@@ -26835,7 +26922,7 @@
                                         <p:tgtEl>
                                           <p:spTgt spid="26626">
                                             <p:txEl>
-                                              <p:pRg st="1" end="1"/>
+                                              <p:pRg st="2" end="2"/>
                                             </p:txEl>
                                           </p:spTgt>
                                         </p:tgtEl>
@@ -26878,7 +26965,7 @@
                                         <p:tgtEl>
                                           <p:spTgt spid="26626">
                                             <p:txEl>
-                                              <p:pRg st="2" end="2"/>
+                                              <p:pRg st="3" end="3"/>
                                             </p:txEl>
                                           </p:spTgt>
                                         </p:tgtEl>
@@ -26896,7 +26983,7 @@
                                         <p:tgtEl>
                                           <p:spTgt spid="26626">
                                             <p:txEl>
-                                              <p:pRg st="2" end="2"/>
+                                              <p:pRg st="3" end="3"/>
                                             </p:txEl>
                                           </p:spTgt>
                                         </p:tgtEl>
@@ -26921,7 +27008,7 @@
                                         <p:tgtEl>
                                           <p:spTgt spid="26626">
                                             <p:txEl>
-                                              <p:pRg st="3" end="3"/>
+                                              <p:pRg st="4" end="4"/>
                                             </p:txEl>
                                           </p:spTgt>
                                         </p:tgtEl>
@@ -26939,7 +27026,7 @@
                                         <p:tgtEl>
                                           <p:spTgt spid="26626">
                                             <p:txEl>
-                                              <p:pRg st="3" end="3"/>
+                                              <p:pRg st="4" end="4"/>
                                             </p:txEl>
                                           </p:spTgt>
                                         </p:tgtEl>
@@ -26982,7 +27069,7 @@
                                         <p:tgtEl>
                                           <p:spTgt spid="26626">
                                             <p:txEl>
-                                              <p:pRg st="4" end="4"/>
+                                              <p:pRg st="5" end="5"/>
                                             </p:txEl>
                                           </p:spTgt>
                                         </p:tgtEl>
@@ -27000,7 +27087,7 @@
                                         <p:tgtEl>
                                           <p:spTgt spid="26626">
                                             <p:txEl>
-                                              <p:pRg st="4" end="4"/>
+                                              <p:pRg st="5" end="5"/>
                                             </p:txEl>
                                           </p:spTgt>
                                         </p:tgtEl>
@@ -27043,7 +27130,7 @@
                                         <p:tgtEl>
                                           <p:spTgt spid="26626">
                                             <p:txEl>
-                                              <p:pRg st="5" end="5"/>
+                                              <p:pRg st="6" end="6"/>
                                             </p:txEl>
                                           </p:spTgt>
                                         </p:tgtEl>
@@ -27061,7 +27148,68 @@
                                         <p:tgtEl>
                                           <p:spTgt spid="26626">
                                             <p:txEl>
-                                              <p:pRg st="5" end="5"/>
+                                              <p:pRg st="6" end="6"/>
+                                            </p:txEl>
+                                          </p:spTgt>
+                                        </p:tgtEl>
+                                      </p:cBhvr>
+                                    </p:animEffect>
+                                  </p:childTnLst>
+                                </p:cTn>
+                              </p:par>
+                            </p:childTnLst>
+                          </p:cTn>
+                        </p:par>
+                      </p:childTnLst>
+                    </p:cTn>
+                  </p:par>
+                  <p:par>
+                    <p:cTn id="31" fill="hold">
+                      <p:stCondLst>
+                        <p:cond delay="indefinite"/>
+                      </p:stCondLst>
+                      <p:childTnLst>
+                        <p:par>
+                          <p:cTn id="32" fill="hold">
+                            <p:stCondLst>
+                              <p:cond delay="0"/>
+                            </p:stCondLst>
+                            <p:childTnLst>
+                              <p:par>
+                                <p:cTn id="33" presetID="3" presetClass="entr" presetSubtype="10" fill="hold" nodeType="clickEffect">
+                                  <p:stCondLst>
+                                    <p:cond delay="0"/>
+                                  </p:stCondLst>
+                                  <p:childTnLst>
+                                    <p:set>
+                                      <p:cBhvr>
+                                        <p:cTn id="34" dur="1" fill="hold">
+                                          <p:stCondLst>
+                                            <p:cond delay="0"/>
+                                          </p:stCondLst>
+                                        </p:cTn>
+                                        <p:tgtEl>
+                                          <p:spTgt spid="26626">
+                                            <p:txEl>
+                                              <p:pRg st="0" end="0"/>
+                                            </p:txEl>
+                                          </p:spTgt>
+                                        </p:tgtEl>
+                                        <p:attrNameLst>
+                                          <p:attrName>style.visibility</p:attrName>
+                                        </p:attrNameLst>
+                                      </p:cBhvr>
+                                      <p:to>
+                                        <p:strVal val="visible"/>
+                                      </p:to>
+                                    </p:set>
+                                    <p:animEffect transition="in" filter="blinds(horizontal)">
+                                      <p:cBhvr>
+                                        <p:cTn id="35" dur="500"/>
+                                        <p:tgtEl>
+                                          <p:spTgt spid="26626">
+                                            <p:txEl>
+                                              <p:pRg st="0" end="0"/>
                                             </p:txEl>
                                           </p:spTgt>
                                         </p:tgtEl>
@@ -28109,7 +28257,7 @@
         <p:spPr bwMode="auto">
           <a:xfrm>
             <a:off x="539750" y="1416050"/>
-            <a:ext cx="8451850" cy="2092881"/>
+            <a:ext cx="8451850" cy="4909036"/>
           </a:xfrm>
           <a:prstGeom prst="rect">
             <a:avLst/>
@@ -28253,7 +28401,23 @@
               <a:rPr lang="sr-Cyrl-RS" dirty="0" smtClean="0">
                 <a:latin typeface="Garamond" pitchFamily="18" charset="0"/>
               </a:rPr>
-              <a:t>Класе за догађаје су изведене из класе</a:t>
+              <a:t>Први захтев за испаљивање догађаја је постојање класе која представља информацију о догађају</a:t>
+            </a:r>
+          </a:p>
+          <a:p>
+            <a:pPr marL="342900" indent="-342900">
+              <a:spcBef>
+                <a:spcPts val="600"/>
+              </a:spcBef>
+              <a:buFont typeface="Arial" panose="020B0604020202020204" pitchFamily="34" charset="0"/>
+              <a:buChar char="•"/>
+              <a:defRPr/>
+            </a:pPr>
+            <a:r>
+              <a:rPr lang="sr-Cyrl-RS" dirty="0" smtClean="0">
+                <a:latin typeface="Garamond" pitchFamily="18" charset="0"/>
+              </a:rPr>
+              <a:t>Класе за догађаје треба да буду имутабилне, тј. после креирања не могу бити мењани</a:t>
             </a:r>
             <a:r>
               <a:rPr lang="en-US" dirty="0" smtClean="0">
@@ -28261,14 +28425,55 @@
               </a:rPr>
               <a:t> </a:t>
             </a:r>
-            <a:r>
-              <a:rPr lang="en-US" sz="2000" dirty="0" err="1" smtClean="0">
-                <a:latin typeface="+mn-lt"/>
-              </a:rPr>
-              <a:t>java.util.EventObject</a:t>
-            </a:r>
             <a:endParaRPr lang="sr-Cyrl-RS" dirty="0" smtClean="0">
-              <a:latin typeface="+mn-lt"/>
+              <a:latin typeface="Garamond" pitchFamily="18" charset="0"/>
+            </a:endParaRPr>
+          </a:p>
+          <a:p>
+            <a:pPr marL="342900" indent="-342900">
+              <a:spcBef>
+                <a:spcPts val="600"/>
+              </a:spcBef>
+              <a:buFont typeface="Arial" panose="020B0604020202020204" pitchFamily="34" charset="0"/>
+              <a:buChar char="•"/>
+              <a:defRPr/>
+            </a:pPr>
+            <a:r>
+              <a:rPr lang="sr-Cyrl-RS" dirty="0" smtClean="0">
+                <a:latin typeface="Garamond" pitchFamily="18" charset="0"/>
+              </a:rPr>
+              <a:t>Испаљивање догађаја прослђује референцу на један приемрак догађаја према свим регистрованим ослушкивачима </a:t>
+            </a:r>
+          </a:p>
+          <a:p>
+            <a:pPr marL="1085850" lvl="1" indent="-342900">
+              <a:spcBef>
+                <a:spcPts val="600"/>
+              </a:spcBef>
+              <a:buFont typeface="Arial" panose="020B0604020202020204" pitchFamily="34" charset="0"/>
+              <a:buChar char="•"/>
+              <a:defRPr/>
+            </a:pPr>
+            <a:r>
+              <a:rPr lang="sr-Cyrl-RS" dirty="0">
+                <a:latin typeface="Garamond" pitchFamily="18" charset="0"/>
+              </a:rPr>
+              <a:t>Р</a:t>
+            </a:r>
+            <a:r>
+              <a:rPr lang="sr-Cyrl-RS" dirty="0" smtClean="0">
+                <a:latin typeface="Garamond" pitchFamily="18" charset="0"/>
+              </a:rPr>
+              <a:t>едослед прослеђивања према ослушкивачима није специфициран</a:t>
+            </a:r>
+            <a:r>
+              <a:rPr lang="en-US" dirty="0" smtClean="0">
+                <a:latin typeface="Garamond" pitchFamily="18" charset="0"/>
+              </a:rPr>
+              <a:t> </a:t>
+            </a:r>
+            <a:endParaRPr lang="sr-Cyrl-RS" dirty="0" smtClean="0">
+              <a:latin typeface="Garamond" pitchFamily="18" charset="0"/>
             </a:endParaRPr>
           </a:p>
           <a:p>
@@ -28281,46 +28486,10 @@
               <a:defRPr/>
             </a:pPr>
             <a:r>
-              <a:rPr lang="en-US" sz="2000" dirty="0" err="1" smtClean="0">
-                <a:latin typeface="+mn-lt"/>
-              </a:rPr>
-              <a:t>EventObject</a:t>
-            </a:r>
-            <a:r>
-              <a:rPr lang="en-US" sz="2000" dirty="0" smtClean="0">
-                <a:latin typeface="+mn-lt"/>
-              </a:rPr>
-              <a:t> </a:t>
-            </a:r>
-            <a:r>
               <a:rPr lang="sr-Cyrl-RS" dirty="0" smtClean="0">
                 <a:latin typeface="Garamond" pitchFamily="18" charset="0"/>
               </a:rPr>
-              <a:t>обезбеђује метод</a:t>
-            </a:r>
-            <a:r>
-              <a:rPr lang="en-US" dirty="0" smtClean="0">
-                <a:latin typeface="Garamond" pitchFamily="18" charset="0"/>
-              </a:rPr>
-              <a:t> </a:t>
-            </a:r>
-            <a:r>
-              <a:rPr lang="en-US" sz="2000" dirty="0" err="1">
-                <a:latin typeface="+mn-lt"/>
-              </a:rPr>
-              <a:t>getSource</a:t>
-            </a:r>
-            <a:r>
-              <a:rPr lang="en-US" sz="2000" dirty="0">
-                <a:latin typeface="+mn-lt"/>
-              </a:rPr>
-              <a:t>() </a:t>
-            </a:r>
-            <a:r>
-              <a:rPr lang="sr-Cyrl-RS" dirty="0" smtClean="0">
-                <a:latin typeface="Garamond" pitchFamily="18" charset="0"/>
-              </a:rPr>
-              <a:t>којим се одређује извор догађаја</a:t>
+              <a:t>Ослушкивачи не могу модификовати догађај који им је прослеђен</a:t>
             </a:r>
           </a:p>
           <a:p>
@@ -28336,31 +28505,7 @@
               <a:rPr lang="sr-Cyrl-RS" dirty="0" smtClean="0">
                 <a:latin typeface="Garamond" pitchFamily="18" charset="0"/>
               </a:rPr>
-              <a:t>Извођењем из класе</a:t>
-            </a:r>
-            <a:r>
-              <a:rPr lang="en-US" dirty="0" smtClean="0">
-                <a:latin typeface="Garamond" pitchFamily="18" charset="0"/>
-              </a:rPr>
-              <a:t> </a:t>
-            </a:r>
-            <a:r>
-              <a:rPr lang="en-US" sz="2000" dirty="0" err="1">
-                <a:latin typeface="+mn-lt"/>
-              </a:rPr>
-              <a:t>EventObject</a:t>
-            </a:r>
-            <a:r>
-              <a:rPr lang="en-US" dirty="0">
-                <a:latin typeface="Garamond" pitchFamily="18" charset="0"/>
-              </a:rPr>
-              <a:t>, </a:t>
-            </a:r>
-            <a:r>
-              <a:rPr lang="sr-Cyrl-RS" dirty="0" smtClean="0">
-                <a:latin typeface="Garamond" pitchFamily="18" charset="0"/>
-              </a:rPr>
-              <a:t>креирани објекти могу да буду генерички обрађени</a:t>
+              <a:t>Ослушкивачи не могу променити начин на који ће се наставити процесирање од стране других ослушкивача</a:t>
             </a:r>
             <a:endParaRPr lang="en-US" dirty="0">
               <a:latin typeface="Garamond" pitchFamily="18" charset="0"/>
@@ -28530,33 +28675,20 @@
               <a:t>Класа </a:t>
             </a:r>
             <a:r>
-              <a:rPr lang="en-US" sz="3600" b="1" kern="0" dirty="0" smtClean="0">
+              <a:rPr lang="en-US" sz="3600" b="1" kern="0" dirty="0">
                 <a:solidFill>
                   <a:srgbClr val="0070C0"/>
                 </a:solidFill>
               </a:rPr>
               <a:t>Event</a:t>
             </a:r>
-            <a:r>
-              <a:rPr lang="sr-Cyrl-RS" sz="3600" b="1" kern="0" dirty="0" smtClean="0">
-                <a:solidFill>
-                  <a:srgbClr val="0070C0"/>
-                </a:solidFill>
-              </a:rPr>
-              <a:t> (2)</a:t>
-            </a:r>
-            <a:endParaRPr lang="en-US" sz="3600" b="1" kern="0" dirty="0">
-              <a:solidFill>
-                <a:srgbClr val="0070C0"/>
-              </a:solidFill>
-            </a:endParaRPr>
           </a:p>
         </p:txBody>
       </p:sp>
     </p:spTree>
     <p:extLst>
       <p:ext uri="{BB962C8B-B14F-4D97-AF65-F5344CB8AC3E}">
-        <p14:creationId xmlns:p14="http://schemas.microsoft.com/office/powerpoint/2010/main" val="2233224937"/>
+        <p14:creationId xmlns:p14="http://schemas.microsoft.com/office/powerpoint/2010/main" val="3262392555"/>
       </p:ext>
     </p:extLst>
   </p:cSld>
@@ -28626,15 +28758,33 @@
                                   </p:childTnLst>
                                 </p:cTn>
                               </p:par>
+                            </p:childTnLst>
+                          </p:cTn>
+                        </p:par>
+                      </p:childTnLst>
+                    </p:cTn>
+                  </p:par>
+                  <p:par>
+                    <p:cTn id="8" fill="hold">
+                      <p:stCondLst>
+                        <p:cond delay="indefinite"/>
+                      </p:stCondLst>
+                      <p:childTnLst>
+                        <p:par>
+                          <p:cTn id="9" fill="hold">
+                            <p:stCondLst>
+                              <p:cond delay="0"/>
+                            </p:stCondLst>
+                            <p:childTnLst>
                               <p:par>
-                                <p:cTn id="8" presetID="3" presetClass="entr" presetSubtype="10" fill="hold" nodeType="withEffect">
+                                <p:cTn id="10" presetID="3" presetClass="entr" presetSubtype="10" fill="hold" nodeType="clickEffect">
                                   <p:stCondLst>
                                     <p:cond delay="0"/>
                                   </p:stCondLst>
                                   <p:childTnLst>
                                     <p:set>
                                       <p:cBhvr>
-                                        <p:cTn id="9" dur="1" fill="hold">
+                                        <p:cTn id="11" dur="1" fill="hold">
                                           <p:stCondLst>
                                             <p:cond delay="0"/>
                                           </p:stCondLst>
@@ -28656,7 +28806,7 @@
                                     </p:set>
                                     <p:animEffect transition="in" filter="blinds(horizontal)">
                                       <p:cBhvr>
-                                        <p:cTn id="10" dur="500"/>
+                                        <p:cTn id="12" dur="500"/>
                                         <p:tgtEl>
                                           <p:spTgt spid="26626">
                                             <p:txEl>
@@ -28676,26 +28826,26 @@
                     </p:cTn>
                   </p:par>
                   <p:par>
-                    <p:cTn id="11" fill="hold">
+                    <p:cTn id="13" fill="hold">
                       <p:stCondLst>
                         <p:cond delay="indefinite"/>
                       </p:stCondLst>
                       <p:childTnLst>
                         <p:par>
-                          <p:cTn id="12" fill="hold">
+                          <p:cTn id="14" fill="hold">
                             <p:stCondLst>
                               <p:cond delay="0"/>
                             </p:stCondLst>
                             <p:childTnLst>
                               <p:par>
-                                <p:cTn id="13" presetID="3" presetClass="entr" presetSubtype="10" fill="hold" nodeType="clickEffect">
+                                <p:cTn id="15" presetID="3" presetClass="entr" presetSubtype="10" fill="hold" nodeType="clickEffect">
                                   <p:stCondLst>
                                     <p:cond delay="0"/>
                                   </p:stCondLst>
                                   <p:childTnLst>
                                     <p:set>
                                       <p:cBhvr>
-                                        <p:cTn id="14" dur="1" fill="hold">
+                                        <p:cTn id="16" dur="1" fill="hold">
                                           <p:stCondLst>
                                             <p:cond delay="0"/>
                                           </p:stCondLst>
@@ -28717,11 +28867,176 @@
                                     </p:set>
                                     <p:animEffect transition="in" filter="blinds(horizontal)">
                                       <p:cBhvr>
-                                        <p:cTn id="15" dur="500"/>
+                                        <p:cTn id="17" dur="500"/>
                                         <p:tgtEl>
                                           <p:spTgt spid="26626">
                                             <p:txEl>
                                               <p:pRg st="2" end="2"/>
+                                            </p:txEl>
+                                          </p:spTgt>
+                                        </p:tgtEl>
+                                      </p:cBhvr>
+                                    </p:animEffect>
+                                  </p:childTnLst>
+                                </p:cTn>
+                              </p:par>
+                              <p:par>
+                                <p:cTn id="18" presetID="3" presetClass="entr" presetSubtype="10" fill="hold" nodeType="withEffect">
+                                  <p:stCondLst>
+                                    <p:cond delay="0"/>
+                                  </p:stCondLst>
+                                  <p:childTnLst>
+                                    <p:set>
+                                      <p:cBhvr>
+                                        <p:cTn id="19" dur="1" fill="hold">
+                                          <p:stCondLst>
+                                            <p:cond delay="0"/>
+                                          </p:stCondLst>
+                                        </p:cTn>
+                                        <p:tgtEl>
+                                          <p:spTgt spid="26626">
+                                            <p:txEl>
+                                              <p:pRg st="3" end="3"/>
+                                            </p:txEl>
+                                          </p:spTgt>
+                                        </p:tgtEl>
+                                        <p:attrNameLst>
+                                          <p:attrName>style.visibility</p:attrName>
+                                        </p:attrNameLst>
+                                      </p:cBhvr>
+                                      <p:to>
+                                        <p:strVal val="visible"/>
+                                      </p:to>
+                                    </p:set>
+                                    <p:animEffect transition="in" filter="blinds(horizontal)">
+                                      <p:cBhvr>
+                                        <p:cTn id="20" dur="500"/>
+                                        <p:tgtEl>
+                                          <p:spTgt spid="26626">
+                                            <p:txEl>
+                                              <p:pRg st="3" end="3"/>
+                                            </p:txEl>
+                                          </p:spTgt>
+                                        </p:tgtEl>
+                                      </p:cBhvr>
+                                    </p:animEffect>
+                                  </p:childTnLst>
+                                </p:cTn>
+                              </p:par>
+                            </p:childTnLst>
+                          </p:cTn>
+                        </p:par>
+                      </p:childTnLst>
+                    </p:cTn>
+                  </p:par>
+                  <p:par>
+                    <p:cTn id="21" fill="hold">
+                      <p:stCondLst>
+                        <p:cond delay="indefinite"/>
+                      </p:stCondLst>
+                      <p:childTnLst>
+                        <p:par>
+                          <p:cTn id="22" fill="hold">
+                            <p:stCondLst>
+                              <p:cond delay="0"/>
+                            </p:stCondLst>
+                            <p:childTnLst>
+                              <p:par>
+                                <p:cTn id="23" presetID="3" presetClass="entr" presetSubtype="10" fill="hold" nodeType="clickEffect">
+                                  <p:stCondLst>
+                                    <p:cond delay="0"/>
+                                  </p:stCondLst>
+                                  <p:childTnLst>
+                                    <p:set>
+                                      <p:cBhvr>
+                                        <p:cTn id="24" dur="1" fill="hold">
+                                          <p:stCondLst>
+                                            <p:cond delay="0"/>
+                                          </p:stCondLst>
+                                        </p:cTn>
+                                        <p:tgtEl>
+                                          <p:spTgt spid="26626">
+                                            <p:txEl>
+                                              <p:pRg st="4" end="4"/>
+                                            </p:txEl>
+                                          </p:spTgt>
+                                        </p:tgtEl>
+                                        <p:attrNameLst>
+                                          <p:attrName>style.visibility</p:attrName>
+                                        </p:attrNameLst>
+                                      </p:cBhvr>
+                                      <p:to>
+                                        <p:strVal val="visible"/>
+                                      </p:to>
+                                    </p:set>
+                                    <p:animEffect transition="in" filter="blinds(horizontal)">
+                                      <p:cBhvr>
+                                        <p:cTn id="25" dur="500"/>
+                                        <p:tgtEl>
+                                          <p:spTgt spid="26626">
+                                            <p:txEl>
+                                              <p:pRg st="4" end="4"/>
+                                            </p:txEl>
+                                          </p:spTgt>
+                                        </p:tgtEl>
+                                      </p:cBhvr>
+                                    </p:animEffect>
+                                  </p:childTnLst>
+                                </p:cTn>
+                              </p:par>
+                            </p:childTnLst>
+                          </p:cTn>
+                        </p:par>
+                      </p:childTnLst>
+                    </p:cTn>
+                  </p:par>
+                  <p:par>
+                    <p:cTn id="26" fill="hold">
+                      <p:stCondLst>
+                        <p:cond delay="indefinite"/>
+                      </p:stCondLst>
+                      <p:childTnLst>
+                        <p:par>
+                          <p:cTn id="27" fill="hold">
+                            <p:stCondLst>
+                              <p:cond delay="0"/>
+                            </p:stCondLst>
+                            <p:childTnLst>
+                              <p:par>
+                                <p:cTn id="28" presetID="3" presetClass="entr" presetSubtype="10" fill="hold" nodeType="clickEffect">
+                                  <p:stCondLst>
+                                    <p:cond delay="0"/>
+                                  </p:stCondLst>
+                                  <p:childTnLst>
+                                    <p:set>
+                                      <p:cBhvr>
+                                        <p:cTn id="29" dur="1" fill="hold">
+                                          <p:stCondLst>
+                                            <p:cond delay="0"/>
+                                          </p:stCondLst>
+                                        </p:cTn>
+                                        <p:tgtEl>
+                                          <p:spTgt spid="26626">
+                                            <p:txEl>
+                                              <p:pRg st="5" end="5"/>
+                                            </p:txEl>
+                                          </p:spTgt>
+                                        </p:tgtEl>
+                                        <p:attrNameLst>
+                                          <p:attrName>style.visibility</p:attrName>
+                                        </p:attrNameLst>
+                                      </p:cBhvr>
+                                      <p:to>
+                                        <p:strVal val="visible"/>
+                                      </p:to>
+                                    </p:set>
+                                    <p:animEffect transition="in" filter="blinds(horizontal)">
+                                      <p:cBhvr>
+                                        <p:cTn id="30" dur="500"/>
+                                        <p:tgtEl>
+                                          <p:spTgt spid="26626">
+                                            <p:txEl>
+                                              <p:pRg st="5" end="5"/>
                                             </p:txEl>
                                           </p:spTgt>
                                         </p:tgtEl>
@@ -28789,7 +29104,7 @@
         <p:spPr bwMode="auto">
           <a:xfrm>
             <a:off x="539750" y="1416050"/>
-            <a:ext cx="8451850" cy="4985980"/>
+            <a:ext cx="8451850" cy="2092881"/>
           </a:xfrm>
           <a:prstGeom prst="rect">
             <a:avLst/>
@@ -28933,11 +29248,26 @@
               <a:rPr lang="sr-Cyrl-RS" dirty="0" smtClean="0">
                 <a:latin typeface="Garamond" pitchFamily="18" charset="0"/>
               </a:rPr>
-              <a:t>Ослушкивачи догађаја су класе које су исказале интерес за догађаје који се испаљују  </a:t>
-            </a:r>
+              <a:t>Класе за догађаје су изведене из класе</a:t>
+            </a:r>
+            <a:r>
+              <a:rPr lang="en-US" dirty="0" smtClean="0">
+                <a:latin typeface="Garamond" pitchFamily="18" charset="0"/>
+              </a:rPr>
+              <a:t> </a:t>
+            </a:r>
+            <a:r>
+              <a:rPr lang="en-US" sz="2000" dirty="0" err="1" smtClean="0">
+                <a:latin typeface="+mn-lt"/>
+              </a:rPr>
+              <a:t>java.util.EventObject</a:t>
+            </a:r>
+            <a:endParaRPr lang="sr-Cyrl-RS" dirty="0" smtClean="0">
+              <a:latin typeface="+mn-lt"/>
+            </a:endParaRPr>
           </a:p>
           <a:p>
-            <a:pPr marL="342900" indent="-342900">
+            <a:pPr marL="1085850" lvl="1" indent="-342900">
               <a:spcBef>
                 <a:spcPts val="600"/>
               </a:spcBef>
@@ -28946,14 +29276,50 @@
               <a:defRPr/>
             </a:pPr>
             <a:r>
+              <a:rPr lang="en-US" sz="2000" dirty="0" err="1" smtClean="0">
+                <a:latin typeface="+mn-lt"/>
+              </a:rPr>
+              <a:t>EventObject</a:t>
+            </a:r>
+            <a:r>
+              <a:rPr lang="en-US" sz="2000" dirty="0" smtClean="0">
+                <a:latin typeface="+mn-lt"/>
+              </a:rPr>
+              <a:t> </a:t>
+            </a:r>
+            <a:r>
               <a:rPr lang="sr-Cyrl-RS" dirty="0" smtClean="0">
                 <a:latin typeface="Garamond" pitchFamily="18" charset="0"/>
               </a:rPr>
-              <a:t>Класе ослушкивачи бивају информисани о испаљеном догађају тако што се позове одговарајући метод ослушкивача</a:t>
+              <a:t>обезбеђује метод</a:t>
+            </a:r>
+            <a:r>
+              <a:rPr lang="en-US" dirty="0" smtClean="0">
+                <a:latin typeface="Garamond" pitchFamily="18" charset="0"/>
+              </a:rPr>
+              <a:t> </a:t>
+            </a:r>
+            <a:r>
+              <a:rPr lang="en-US" sz="2000" dirty="0" err="1">
+                <a:latin typeface="+mn-lt"/>
+              </a:rPr>
+              <a:t>getSource</a:t>
+            </a:r>
+            <a:r>
+              <a:rPr lang="en-US" sz="2000" dirty="0">
+                <a:latin typeface="+mn-lt"/>
+              </a:rPr>
+              <a:t>() </a:t>
+            </a:r>
+            <a:r>
+              <a:rPr lang="sr-Cyrl-RS" dirty="0" smtClean="0">
+                <a:latin typeface="Garamond" pitchFamily="18" charset="0"/>
+              </a:rPr>
+              <a:t>којим се одређује извор догађаја</a:t>
             </a:r>
           </a:p>
           <a:p>
-            <a:pPr marL="342900" indent="-342900">
+            <a:pPr marL="1085850" lvl="1" indent="-342900">
               <a:spcBef>
                 <a:spcPts val="600"/>
               </a:spcBef>
@@ -28965,101 +29331,31 @@
               <a:rPr lang="sr-Cyrl-RS" dirty="0" smtClean="0">
                 <a:latin typeface="Garamond" pitchFamily="18" charset="0"/>
               </a:rPr>
-              <a:t>Како се зна који је метод одговарајући, тј. који ће се метод позвати? </a:t>
-            </a:r>
-            <a:endParaRPr lang="en-US" dirty="0">
-              <a:latin typeface="Garamond" pitchFamily="18" charset="0"/>
-            </a:endParaRPr>
-          </a:p>
-          <a:p>
-            <a:pPr marL="1085850" lvl="1" indent="-342900">
-              <a:spcBef>
-                <a:spcPts val="600"/>
-              </a:spcBef>
-              <a:buFont typeface="Arial" panose="020B0604020202020204" pitchFamily="34" charset="0"/>
-              <a:buChar char="•"/>
-              <a:defRPr/>
-            </a:pPr>
-            <a:r>
-              <a:rPr lang="sr-Cyrl-RS" dirty="0">
-                <a:latin typeface="Garamond" pitchFamily="18" charset="0"/>
-              </a:rPr>
-              <a:t>Дефинисање догађаја захтева да се дефинише уговор између извора </a:t>
+              <a:t>Извођењем из класе</a:t>
+            </a:r>
+            <a:r>
+              <a:rPr lang="en-US" dirty="0" smtClean="0">
+                <a:latin typeface="Garamond" pitchFamily="18" charset="0"/>
+              </a:rPr>
+              <a:t> </a:t>
+            </a:r>
+            <a:r>
+              <a:rPr lang="en-US" sz="2000" dirty="0" err="1">
+                <a:latin typeface="+mn-lt"/>
+              </a:rPr>
+              <a:t>EventObject</a:t>
+            </a:r>
+            <a:r>
+              <a:rPr lang="en-US" dirty="0">
+                <a:latin typeface="Garamond" pitchFamily="18" charset="0"/>
+              </a:rPr>
+              <a:t>, </a:t>
             </a:r>
             <a:r>
               <a:rPr lang="sr-Cyrl-RS" dirty="0" smtClean="0">
                 <a:latin typeface="Garamond" pitchFamily="18" charset="0"/>
               </a:rPr>
-              <a:t>за догађај и ослушкивача тог догађаја</a:t>
-            </a:r>
-          </a:p>
-          <a:p>
-            <a:pPr marL="1085850" lvl="1" indent="-342900">
-              <a:spcBef>
-                <a:spcPts val="600"/>
-              </a:spcBef>
-              <a:buFont typeface="Arial" panose="020B0604020202020204" pitchFamily="34" charset="0"/>
-              <a:buChar char="•"/>
-              <a:defRPr/>
-            </a:pPr>
-            <a:r>
-              <a:rPr lang="sr-Cyrl-RS" dirty="0" smtClean="0">
-                <a:latin typeface="Garamond" pitchFamily="18" charset="0"/>
-              </a:rPr>
-              <a:t>Тај уговор одређује који ће се метод ослушкивача звати</a:t>
-            </a:r>
-          </a:p>
-          <a:p>
-            <a:pPr marL="1085850" lvl="1" indent="-342900">
-              <a:spcBef>
-                <a:spcPts val="600"/>
-              </a:spcBef>
-              <a:buFont typeface="Arial" panose="020B0604020202020204" pitchFamily="34" charset="0"/>
-              <a:buChar char="•"/>
-              <a:defRPr/>
-            </a:pPr>
-            <a:r>
-              <a:rPr lang="sr-Cyrl-RS" dirty="0" smtClean="0">
-                <a:latin typeface="Garamond" pitchFamily="18" charset="0"/>
-              </a:rPr>
-              <a:t>Сваки ослушкивач мора имплементирати метод</a:t>
-            </a:r>
-            <a:endParaRPr lang="en-US" dirty="0">
-              <a:latin typeface="Garamond" pitchFamily="18" charset="0"/>
-            </a:endParaRPr>
-          </a:p>
-          <a:p>
-            <a:pPr marL="342900" indent="-342900">
-              <a:spcBef>
-                <a:spcPts val="600"/>
-              </a:spcBef>
-              <a:buFont typeface="Arial" panose="020B0604020202020204" pitchFamily="34" charset="0"/>
-              <a:buChar char="•"/>
-              <a:defRPr/>
-            </a:pPr>
-            <a:r>
-              <a:rPr lang="sr-Cyrl-RS" dirty="0" smtClean="0">
-                <a:latin typeface="Garamond" pitchFamily="18" charset="0"/>
-              </a:rPr>
-              <a:t>Дакле</a:t>
-            </a:r>
-            <a:r>
-              <a:rPr lang="en-US" dirty="0" smtClean="0">
-                <a:latin typeface="Garamond" pitchFamily="18" charset="0"/>
-              </a:rPr>
-              <a:t>,</a:t>
-            </a:r>
-            <a:r>
-              <a:rPr lang="sr-Cyrl-RS" dirty="0" smtClean="0">
-                <a:latin typeface="Garamond" pitchFamily="18" charset="0"/>
-              </a:rPr>
-              <a:t> помоћу интерфејса се дефинише тај уговор, па сваки ослушкивач мора имплементирати интерфејс</a:t>
-            </a:r>
-            <a:r>
-              <a:rPr lang="en-US" dirty="0" smtClean="0">
-                <a:latin typeface="Garamond" pitchFamily="18" charset="0"/>
-              </a:rPr>
-              <a:t> </a:t>
+              <a:t>креирани објекти могу да буду генерички обрађени</a:t>
             </a:r>
             <a:endParaRPr lang="en-US" dirty="0">
               <a:latin typeface="Garamond" pitchFamily="18" charset="0"/>
@@ -29221,20 +29517,28 @@
               <a:defRPr/>
             </a:pPr>
             <a:r>
+              <a:rPr lang="sr-Cyrl-RS" sz="3600" b="1" kern="0" dirty="0">
+                <a:solidFill>
+                  <a:srgbClr val="0070C0"/>
+                </a:solidFill>
+              </a:rPr>
+              <a:t>Класа </a:t>
+            </a:r>
+            <a:r>
+              <a:rPr lang="en-US" sz="3600" b="1" kern="0" dirty="0" smtClean="0">
+                <a:solidFill>
+                  <a:srgbClr val="0070C0"/>
+                </a:solidFill>
+              </a:rPr>
+              <a:t>Event</a:t>
+            </a:r>
+            <a:r>
               <a:rPr lang="sr-Cyrl-RS" sz="3600" b="1" kern="0" dirty="0" smtClean="0">
                 <a:solidFill>
                   <a:srgbClr val="0070C0"/>
                 </a:solidFill>
               </a:rPr>
-              <a:t>Интерфејс </a:t>
-            </a:r>
-            <a:r>
-              <a:rPr lang="en-US" sz="3600" b="1" kern="0" dirty="0" err="1">
-                <a:solidFill>
-                  <a:srgbClr val="0070C0"/>
-                </a:solidFill>
-              </a:rPr>
-              <a:t>EventListener</a:t>
+              <a:t> (2)</a:t>
             </a:r>
             <a:endParaRPr lang="en-US" sz="3600" b="1" kern="0" dirty="0">
               <a:solidFill>
@@ -29247,7 +29551,7 @@
     </p:spTree>
     <p:extLst>
       <p:ext uri="{BB962C8B-B14F-4D97-AF65-F5344CB8AC3E}">
-        <p14:creationId xmlns:p14="http://schemas.microsoft.com/office/powerpoint/2010/main" val="2540239671"/>
+        <p14:creationId xmlns:p14="http://schemas.microsoft.com/office/powerpoint/2010/main" val="2233224937"/>
       </p:ext>
     </p:extLst>
   </p:cSld>
@@ -29266,9 +29570,6 @@
                     <p:cTn id="3" fill="hold">
                       <p:stCondLst>
                         <p:cond delay="indefinite"/>
-                        <p:cond evt="onBegin" delay="0">
-                          <p:tn val="2"/>
-                        </p:cond>
                       </p:stCondLst>
                       <p:childTnLst>
                         <p:par>
@@ -29278,7 +29579,7 @@
                             </p:stCondLst>
                             <p:childTnLst>
                               <p:par>
-                                <p:cTn id="5" presetID="3" presetClass="entr" presetSubtype="10" fill="hold" nodeType="withEffect">
+                                <p:cTn id="5" presetID="3" presetClass="entr" presetSubtype="10" fill="hold" nodeType="clickEffect">
                                   <p:stCondLst>
                                     <p:cond delay="0"/>
                                   </p:stCondLst>
@@ -29363,15 +29664,33 @@
                                   </p:childTnLst>
                                 </p:cTn>
                               </p:par>
+                            </p:childTnLst>
+                          </p:cTn>
+                        </p:par>
+                      </p:childTnLst>
+                    </p:cTn>
+                  </p:par>
+                  <p:par>
+                    <p:cTn id="11" fill="hold">
+                      <p:stCondLst>
+                        <p:cond delay="indefinite"/>
+                      </p:stCondLst>
+                      <p:childTnLst>
+                        <p:par>
+                          <p:cTn id="12" fill="hold">
+                            <p:stCondLst>
+                              <p:cond delay="0"/>
+                            </p:stCondLst>
+                            <p:childTnLst>
                               <p:par>
-                                <p:cTn id="11" presetID="3" presetClass="entr" presetSubtype="10" fill="hold" nodeType="withEffect">
+                                <p:cTn id="13" presetID="3" presetClass="entr" presetSubtype="10" fill="hold" nodeType="clickEffect">
                                   <p:stCondLst>
                                     <p:cond delay="0"/>
                                   </p:stCondLst>
                                   <p:childTnLst>
                                     <p:set>
                                       <p:cBhvr>
-                                        <p:cTn id="12" dur="1" fill="hold">
+                                        <p:cTn id="14" dur="1" fill="hold">
                                           <p:stCondLst>
                                             <p:cond delay="0"/>
                                           </p:stCondLst>
@@ -29393,183 +29712,11 @@
                                     </p:set>
                                     <p:animEffect transition="in" filter="blinds(horizontal)">
                                       <p:cBhvr>
-                                        <p:cTn id="13" dur="500"/>
+                                        <p:cTn id="15" dur="500"/>
                                         <p:tgtEl>
                                           <p:spTgt spid="26626">
                                             <p:txEl>
                                               <p:pRg st="2" end="2"/>
-                                            </p:txEl>
-                                          </p:spTgt>
-                                        </p:tgtEl>
-                                      </p:cBhvr>
-                                    </p:animEffect>
-                                  </p:childTnLst>
-                                </p:cTn>
-                              </p:par>
-                              <p:par>
-                                <p:cTn id="14" presetID="3" presetClass="entr" presetSubtype="10" fill="hold" nodeType="withEffect">
-                                  <p:stCondLst>
-                                    <p:cond delay="0"/>
-                                  </p:stCondLst>
-                                  <p:childTnLst>
-                                    <p:set>
-                                      <p:cBhvr>
-                                        <p:cTn id="15" dur="1" fill="hold">
-                                          <p:stCondLst>
-                                            <p:cond delay="0"/>
-                                          </p:stCondLst>
-                                        </p:cTn>
-                                        <p:tgtEl>
-                                          <p:spTgt spid="26626">
-                                            <p:txEl>
-                                              <p:pRg st="3" end="3"/>
-                                            </p:txEl>
-                                          </p:spTgt>
-                                        </p:tgtEl>
-                                        <p:attrNameLst>
-                                          <p:attrName>style.visibility</p:attrName>
-                                        </p:attrNameLst>
-                                      </p:cBhvr>
-                                      <p:to>
-                                        <p:strVal val="visible"/>
-                                      </p:to>
-                                    </p:set>
-                                    <p:animEffect transition="in" filter="blinds(horizontal)">
-                                      <p:cBhvr>
-                                        <p:cTn id="16" dur="500"/>
-                                        <p:tgtEl>
-                                          <p:spTgt spid="26626">
-                                            <p:txEl>
-                                              <p:pRg st="3" end="3"/>
-                                            </p:txEl>
-                                          </p:spTgt>
-                                        </p:tgtEl>
-                                      </p:cBhvr>
-                                    </p:animEffect>
-                                  </p:childTnLst>
-                                </p:cTn>
-                              </p:par>
-                              <p:par>
-                                <p:cTn id="17" presetID="3" presetClass="entr" presetSubtype="10" fill="hold" nodeType="withEffect">
-                                  <p:stCondLst>
-                                    <p:cond delay="0"/>
-                                  </p:stCondLst>
-                                  <p:childTnLst>
-                                    <p:set>
-                                      <p:cBhvr>
-                                        <p:cTn id="18" dur="1" fill="hold">
-                                          <p:stCondLst>
-                                            <p:cond delay="0"/>
-                                          </p:stCondLst>
-                                        </p:cTn>
-                                        <p:tgtEl>
-                                          <p:spTgt spid="26626">
-                                            <p:txEl>
-                                              <p:pRg st="4" end="4"/>
-                                            </p:txEl>
-                                          </p:spTgt>
-                                        </p:tgtEl>
-                                        <p:attrNameLst>
-                                          <p:attrName>style.visibility</p:attrName>
-                                        </p:attrNameLst>
-                                      </p:cBhvr>
-                                      <p:to>
-                                        <p:strVal val="visible"/>
-                                      </p:to>
-                                    </p:set>
-                                    <p:animEffect transition="in" filter="blinds(horizontal)">
-                                      <p:cBhvr>
-                                        <p:cTn id="19" dur="500"/>
-                                        <p:tgtEl>
-                                          <p:spTgt spid="26626">
-                                            <p:txEl>
-                                              <p:pRg st="4" end="4"/>
-                                            </p:txEl>
-                                          </p:spTgt>
-                                        </p:tgtEl>
-                                      </p:cBhvr>
-                                    </p:animEffect>
-                                  </p:childTnLst>
-                                </p:cTn>
-                              </p:par>
-                              <p:par>
-                                <p:cTn id="20" presetID="3" presetClass="entr" presetSubtype="10" fill="hold" nodeType="withEffect">
-                                  <p:stCondLst>
-                                    <p:cond delay="0"/>
-                                  </p:stCondLst>
-                                  <p:childTnLst>
-                                    <p:set>
-                                      <p:cBhvr>
-                                        <p:cTn id="21" dur="1" fill="hold">
-                                          <p:stCondLst>
-                                            <p:cond delay="0"/>
-                                          </p:stCondLst>
-                                        </p:cTn>
-                                        <p:tgtEl>
-                                          <p:spTgt spid="26626">
-                                            <p:txEl>
-                                              <p:pRg st="5" end="5"/>
-                                            </p:txEl>
-                                          </p:spTgt>
-                                        </p:tgtEl>
-                                        <p:attrNameLst>
-                                          <p:attrName>style.visibility</p:attrName>
-                                        </p:attrNameLst>
-                                      </p:cBhvr>
-                                      <p:to>
-                                        <p:strVal val="visible"/>
-                                      </p:to>
-                                    </p:set>
-                                    <p:animEffect transition="in" filter="blinds(horizontal)">
-                                      <p:cBhvr>
-                                        <p:cTn id="22" dur="500"/>
-                                        <p:tgtEl>
-                                          <p:spTgt spid="26626">
-                                            <p:txEl>
-                                              <p:pRg st="5" end="5"/>
-                                            </p:txEl>
-                                          </p:spTgt>
-                                        </p:tgtEl>
-                                      </p:cBhvr>
-                                    </p:animEffect>
-                                  </p:childTnLst>
-                                </p:cTn>
-                              </p:par>
-                              <p:par>
-                                <p:cTn id="23" presetID="3" presetClass="entr" presetSubtype="10" fill="hold" nodeType="withEffect">
-                                  <p:stCondLst>
-                                    <p:cond delay="0"/>
-                                  </p:stCondLst>
-                                  <p:childTnLst>
-                                    <p:set>
-                                      <p:cBhvr>
-                                        <p:cTn id="24" dur="1" fill="hold">
-                                          <p:stCondLst>
-                                            <p:cond delay="0"/>
-                                          </p:stCondLst>
-                                        </p:cTn>
-                                        <p:tgtEl>
-                                          <p:spTgt spid="26626">
-                                            <p:txEl>
-                                              <p:pRg st="6" end="6"/>
-                                            </p:txEl>
-                                          </p:spTgt>
-                                        </p:tgtEl>
-                                        <p:attrNameLst>
-                                          <p:attrName>style.visibility</p:attrName>
-                                        </p:attrNameLst>
-                                      </p:cBhvr>
-                                      <p:to>
-                                        <p:strVal val="visible"/>
-                                      </p:to>
-                                    </p:set>
-                                    <p:animEffect transition="in" filter="blinds(horizontal)">
-                                      <p:cBhvr>
-                                        <p:cTn id="25" dur="500"/>
-                                        <p:tgtEl>
-                                          <p:spTgt spid="26626">
-                                            <p:txEl>
-                                              <p:pRg st="6" end="6"/>
                                             </p:txEl>
                                           </p:spTgt>
                                         </p:tgtEl>
@@ -29637,7 +29784,7 @@
         <p:spPr bwMode="auto">
           <a:xfrm>
             <a:off x="539750" y="1416050"/>
-            <a:ext cx="8451850" cy="3200876"/>
+            <a:ext cx="8451850" cy="4985980"/>
           </a:xfrm>
           <a:prstGeom prst="rect">
             <a:avLst/>
@@ -29781,23 +29928,8 @@
               <a:rPr lang="sr-Cyrl-RS" dirty="0" smtClean="0">
                 <a:latin typeface="Garamond" pitchFamily="18" charset="0"/>
               </a:rPr>
-              <a:t>У примерима са догађајима, интерфејси тј. уговори ће проширивати интерфејс</a:t>
-            </a:r>
-            <a:r>
-              <a:rPr lang="en-US" dirty="0" smtClean="0">
-                <a:latin typeface="Garamond" pitchFamily="18" charset="0"/>
-              </a:rPr>
-              <a:t> </a:t>
-            </a:r>
-            <a:r>
-              <a:rPr lang="en-US" sz="2000" dirty="0" err="1" smtClean="0">
-                <a:latin typeface="+mn-lt"/>
-              </a:rPr>
-              <a:t>java.util.EventListener</a:t>
-            </a:r>
-            <a:endParaRPr lang="sr-Cyrl-RS" dirty="0" smtClean="0">
-              <a:latin typeface="+mn-lt"/>
-            </a:endParaRPr>
+              <a:t>Ослушкивачи догађаја су класе које су исказале интерес за догађаје који се испаљују  </a:t>
+            </a:r>
           </a:p>
           <a:p>
             <a:pPr marL="342900" indent="-342900">
@@ -29812,33 +29944,25 @@
               <a:rPr lang="sr-Cyrl-RS" dirty="0" smtClean="0">
                 <a:latin typeface="Garamond" pitchFamily="18" charset="0"/>
               </a:rPr>
-              <a:t>Интерфејс </a:t>
-            </a:r>
-            <a:r>
-              <a:rPr lang="en-US" sz="2000" dirty="0" err="1" smtClean="0">
-                <a:latin typeface="+mn-lt"/>
-              </a:rPr>
-              <a:t>EventListener</a:t>
-            </a:r>
-            <a:r>
-              <a:rPr lang="en-US" dirty="0" smtClean="0">
-                <a:latin typeface="Garamond" pitchFamily="18" charset="0"/>
-              </a:rPr>
-              <a:t> </a:t>
-            </a:r>
+              <a:t>Класе ослушкивачи бивају информисани о испаљеном догађају тако што се позове одговарајући метод ослушкивача</a:t>
+            </a:r>
+          </a:p>
+          <a:p>
+            <a:pPr marL="342900" indent="-342900">
+              <a:spcBef>
+                <a:spcPts val="600"/>
+              </a:spcBef>
+              <a:buFont typeface="Arial" panose="020B0604020202020204" pitchFamily="34" charset="0"/>
+              <a:buChar char="•"/>
+              <a:defRPr/>
+            </a:pPr>
             <a:r>
               <a:rPr lang="sr-Cyrl-RS" dirty="0" smtClean="0">
                 <a:latin typeface="Garamond" pitchFamily="18" charset="0"/>
               </a:rPr>
-              <a:t>не захтева да се имплементира неки метод, већ се ради о тзв. маркерском интерфејсу – то је само ознака да се ради о интерфејсу који служи као ослушкивач догађаја</a:t>
-            </a:r>
-            <a:r>
-              <a:rPr lang="en-US" dirty="0" smtClean="0">
-                <a:latin typeface="Garamond" pitchFamily="18" charset="0"/>
-              </a:rPr>
-              <a:t> </a:t>
-            </a:r>
-            <a:endParaRPr lang="sr-Cyrl-RS" dirty="0" smtClean="0">
+              <a:t>Како се зна који је метод одговарајући, тј. који ће се метод позвати? </a:t>
+            </a:r>
+            <a:endParaRPr lang="en-US" dirty="0">
               <a:latin typeface="Garamond" pitchFamily="18" charset="0"/>
             </a:endParaRPr>
           </a:p>
@@ -29852,10 +29976,85 @@
               <a:defRPr/>
             </a:pPr>
             <a:r>
+              <a:rPr lang="sr-Cyrl-RS" dirty="0">
+                <a:latin typeface="Garamond" pitchFamily="18" charset="0"/>
+              </a:rPr>
+              <a:t>Дефинисање догађаја захтева да се дефинише уговор између извора </a:t>
+            </a:r>
+            <a:r>
               <a:rPr lang="sr-Cyrl-RS" dirty="0" smtClean="0">
                 <a:latin typeface="Garamond" pitchFamily="18" charset="0"/>
               </a:rPr>
-              <a:t>Овим се олакшава да се одреди који догађај може бити испаљен</a:t>
+              <a:t>за догађај и ослушкивача тог догађаја</a:t>
+            </a:r>
+          </a:p>
+          <a:p>
+            <a:pPr marL="1085850" lvl="1" indent="-342900">
+              <a:spcBef>
+                <a:spcPts val="600"/>
+              </a:spcBef>
+              <a:buFont typeface="Arial" panose="020B0604020202020204" pitchFamily="34" charset="0"/>
+              <a:buChar char="•"/>
+              <a:defRPr/>
+            </a:pPr>
+            <a:r>
+              <a:rPr lang="sr-Cyrl-RS" dirty="0" smtClean="0">
+                <a:latin typeface="Garamond" pitchFamily="18" charset="0"/>
+              </a:rPr>
+              <a:t>Тај уговор одређује који ће се метод ослушкивача звати</a:t>
+            </a:r>
+          </a:p>
+          <a:p>
+            <a:pPr marL="1085850" lvl="1" indent="-342900">
+              <a:spcBef>
+                <a:spcPts val="600"/>
+              </a:spcBef>
+              <a:buFont typeface="Arial" panose="020B0604020202020204" pitchFamily="34" charset="0"/>
+              <a:buChar char="•"/>
+              <a:defRPr/>
+            </a:pPr>
+            <a:r>
+              <a:rPr lang="sr-Cyrl-RS" dirty="0" smtClean="0">
+                <a:latin typeface="Garamond" pitchFamily="18" charset="0"/>
+              </a:rPr>
+              <a:t>Сваки ослушкивач мора имплементирати метод</a:t>
+            </a:r>
+            <a:endParaRPr lang="en-US" dirty="0">
+              <a:latin typeface="Garamond" pitchFamily="18" charset="0"/>
+            </a:endParaRPr>
+          </a:p>
+          <a:p>
+            <a:pPr marL="342900" indent="-342900">
+              <a:spcBef>
+                <a:spcPts val="600"/>
+              </a:spcBef>
+              <a:buFont typeface="Arial" panose="020B0604020202020204" pitchFamily="34" charset="0"/>
+              <a:buChar char="•"/>
+              <a:defRPr/>
+            </a:pPr>
+            <a:r>
+              <a:rPr lang="sr-Cyrl-RS" dirty="0" smtClean="0">
+                <a:latin typeface="Garamond" pitchFamily="18" charset="0"/>
+              </a:rPr>
+              <a:t>Дакле</a:t>
+            </a:r>
+            <a:r>
+              <a:rPr lang="en-US" dirty="0" smtClean="0">
+                <a:latin typeface="Garamond" pitchFamily="18" charset="0"/>
+              </a:rPr>
+              <a:t>,</a:t>
+            </a:r>
+            <a:r>
+              <a:rPr lang="sr-Cyrl-RS" dirty="0" smtClean="0">
+                <a:latin typeface="Garamond" pitchFamily="18" charset="0"/>
+              </a:rPr>
+              <a:t> помоћу интерфејса се дефинише тај уговор, па сваки ослушкивач мора имплементирати интерфејс</a:t>
+            </a:r>
+            <a:r>
+              <a:rPr lang="en-US" dirty="0" smtClean="0">
+                <a:latin typeface="Garamond" pitchFamily="18" charset="0"/>
+              </a:rPr>
+              <a:t> </a:t>
             </a:r>
             <a:endParaRPr lang="en-US" dirty="0">
               <a:latin typeface="Garamond" pitchFamily="18" charset="0"/>
@@ -30025,20 +30224,12 @@
               <a:t>Интерфејс </a:t>
             </a:r>
             <a:r>
-              <a:rPr lang="en-US" sz="3600" b="1" kern="0" dirty="0" err="1" smtClean="0">
+              <a:rPr lang="en-US" sz="3600" b="1" kern="0" dirty="0" err="1">
                 <a:solidFill>
                   <a:srgbClr val="0070C0"/>
                 </a:solidFill>
               </a:rPr>
               <a:t>EventListener</a:t>
-            </a:r>
-            <a:r>
-              <a:rPr lang="sr-Cyrl-RS" sz="3600" b="1" kern="0" dirty="0" smtClean="0">
-                <a:solidFill>
-                  <a:srgbClr val="0070C0"/>
-                </a:solidFill>
-              </a:rPr>
-              <a:t> (2)</a:t>
             </a:r>
             <a:endParaRPr lang="en-US" sz="3600" b="1" kern="0" dirty="0">
               <a:solidFill>
@@ -30051,7 +30242,7 @@
     </p:spTree>
     <p:extLst>
       <p:ext uri="{BB962C8B-B14F-4D97-AF65-F5344CB8AC3E}">
-        <p14:creationId xmlns:p14="http://schemas.microsoft.com/office/powerpoint/2010/main" val="695587044"/>
+        <p14:creationId xmlns:p14="http://schemas.microsoft.com/office/powerpoint/2010/main" val="2540239671"/>
       </p:ext>
     </p:extLst>
   </p:cSld>
@@ -30070,6 +30261,9 @@
                     <p:cTn id="3" fill="hold">
                       <p:stCondLst>
                         <p:cond delay="indefinite"/>
+                        <p:cond evt="onBegin" delay="0">
+                          <p:tn val="2"/>
+                        </p:cond>
                       </p:stCondLst>
                       <p:childTnLst>
                         <p:par>
@@ -30079,7 +30273,7 @@
                             </p:stCondLst>
                             <p:childTnLst>
                               <p:par>
-                                <p:cTn id="5" presetID="3" presetClass="entr" presetSubtype="10" fill="hold" nodeType="clickEffect">
+                                <p:cTn id="5" presetID="3" presetClass="entr" presetSubtype="10" fill="hold" nodeType="withEffect">
                                   <p:stCondLst>
                                     <p:cond delay="0"/>
                                   </p:stCondLst>
@@ -30121,33 +30315,15 @@
                                   </p:childTnLst>
                                 </p:cTn>
                               </p:par>
-                            </p:childTnLst>
-                          </p:cTn>
-                        </p:par>
-                      </p:childTnLst>
-                    </p:cTn>
-                  </p:par>
-                  <p:par>
-                    <p:cTn id="8" fill="hold">
-                      <p:stCondLst>
-                        <p:cond delay="indefinite"/>
-                      </p:stCondLst>
-                      <p:childTnLst>
-                        <p:par>
-                          <p:cTn id="9" fill="hold">
-                            <p:stCondLst>
-                              <p:cond delay="0"/>
-                            </p:stCondLst>
-                            <p:childTnLst>
                               <p:par>
-                                <p:cTn id="10" presetID="3" presetClass="entr" presetSubtype="10" fill="hold" nodeType="clickEffect">
+                                <p:cTn id="8" presetID="3" presetClass="entr" presetSubtype="10" fill="hold" nodeType="withEffect">
                                   <p:stCondLst>
                                     <p:cond delay="0"/>
                                   </p:stCondLst>
                                   <p:childTnLst>
                                     <p:set>
                                       <p:cBhvr>
-                                        <p:cTn id="11" dur="1" fill="hold">
+                                        <p:cTn id="9" dur="1" fill="hold">
                                           <p:stCondLst>
                                             <p:cond delay="0"/>
                                           </p:stCondLst>
@@ -30169,7 +30345,7 @@
                                     </p:set>
                                     <p:animEffect transition="in" filter="blinds(horizontal)">
                                       <p:cBhvr>
-                                        <p:cTn id="12" dur="500"/>
+                                        <p:cTn id="10" dur="500"/>
                                         <p:tgtEl>
                                           <p:spTgt spid="26626">
                                             <p:txEl>
@@ -30183,14 +30359,14 @@
                                 </p:cTn>
                               </p:par>
                               <p:par>
-                                <p:cTn id="13" presetID="3" presetClass="entr" presetSubtype="10" fill="hold" nodeType="withEffect">
+                                <p:cTn id="11" presetID="3" presetClass="entr" presetSubtype="10" fill="hold" nodeType="withEffect">
                                   <p:stCondLst>
                                     <p:cond delay="0"/>
                                   </p:stCondLst>
                                   <p:childTnLst>
                                     <p:set>
                                       <p:cBhvr>
-                                        <p:cTn id="14" dur="1" fill="hold">
+                                        <p:cTn id="12" dur="1" fill="hold">
                                           <p:stCondLst>
                                             <p:cond delay="0"/>
                                           </p:stCondLst>
@@ -30212,11 +30388,183 @@
                                     </p:set>
                                     <p:animEffect transition="in" filter="blinds(horizontal)">
                                       <p:cBhvr>
-                                        <p:cTn id="15" dur="500"/>
+                                        <p:cTn id="13" dur="500"/>
                                         <p:tgtEl>
                                           <p:spTgt spid="26626">
                                             <p:txEl>
                                               <p:pRg st="2" end="2"/>
+                                            </p:txEl>
+                                          </p:spTgt>
+                                        </p:tgtEl>
+                                      </p:cBhvr>
+                                    </p:animEffect>
+                                  </p:childTnLst>
+                                </p:cTn>
+                              </p:par>
+                              <p:par>
+                                <p:cTn id="14" presetID="3" presetClass="entr" presetSubtype="10" fill="hold" nodeType="withEffect">
+                                  <p:stCondLst>
+                                    <p:cond delay="0"/>
+                                  </p:stCondLst>
+                                  <p:childTnLst>
+                                    <p:set>
+                                      <p:cBhvr>
+                                        <p:cTn id="15" dur="1" fill="hold">
+                                          <p:stCondLst>
+                                            <p:cond delay="0"/>
+                                          </p:stCondLst>
+                                        </p:cTn>
+                                        <p:tgtEl>
+                                          <p:spTgt spid="26626">
+                                            <p:txEl>
+                                              <p:pRg st="3" end="3"/>
+                                            </p:txEl>
+                                          </p:spTgt>
+                                        </p:tgtEl>
+                                        <p:attrNameLst>
+                                          <p:attrName>style.visibility</p:attrName>
+                                        </p:attrNameLst>
+                                      </p:cBhvr>
+                                      <p:to>
+                                        <p:strVal val="visible"/>
+                                      </p:to>
+                                    </p:set>
+                                    <p:animEffect transition="in" filter="blinds(horizontal)">
+                                      <p:cBhvr>
+                                        <p:cTn id="16" dur="500"/>
+                                        <p:tgtEl>
+                                          <p:spTgt spid="26626">
+                                            <p:txEl>
+                                              <p:pRg st="3" end="3"/>
+                                            </p:txEl>
+                                          </p:spTgt>
+                                        </p:tgtEl>
+                                      </p:cBhvr>
+                                    </p:animEffect>
+                                  </p:childTnLst>
+                                </p:cTn>
+                              </p:par>
+                              <p:par>
+                                <p:cTn id="17" presetID="3" presetClass="entr" presetSubtype="10" fill="hold" nodeType="withEffect">
+                                  <p:stCondLst>
+                                    <p:cond delay="0"/>
+                                  </p:stCondLst>
+                                  <p:childTnLst>
+                                    <p:set>
+                                      <p:cBhvr>
+                                        <p:cTn id="18" dur="1" fill="hold">
+                                          <p:stCondLst>
+                                            <p:cond delay="0"/>
+                                          </p:stCondLst>
+                                        </p:cTn>
+                                        <p:tgtEl>
+                                          <p:spTgt spid="26626">
+                                            <p:txEl>
+                                              <p:pRg st="4" end="4"/>
+                                            </p:txEl>
+                                          </p:spTgt>
+                                        </p:tgtEl>
+                                        <p:attrNameLst>
+                                          <p:attrName>style.visibility</p:attrName>
+                                        </p:attrNameLst>
+                                      </p:cBhvr>
+                                      <p:to>
+                                        <p:strVal val="visible"/>
+                                      </p:to>
+                                    </p:set>
+                                    <p:animEffect transition="in" filter="blinds(horizontal)">
+                                      <p:cBhvr>
+                                        <p:cTn id="19" dur="500"/>
+                                        <p:tgtEl>
+                                          <p:spTgt spid="26626">
+                                            <p:txEl>
+                                              <p:pRg st="4" end="4"/>
+                                            </p:txEl>
+                                          </p:spTgt>
+                                        </p:tgtEl>
+                                      </p:cBhvr>
+                                    </p:animEffect>
+                                  </p:childTnLst>
+                                </p:cTn>
+                              </p:par>
+                              <p:par>
+                                <p:cTn id="20" presetID="3" presetClass="entr" presetSubtype="10" fill="hold" nodeType="withEffect">
+                                  <p:stCondLst>
+                                    <p:cond delay="0"/>
+                                  </p:stCondLst>
+                                  <p:childTnLst>
+                                    <p:set>
+                                      <p:cBhvr>
+                                        <p:cTn id="21" dur="1" fill="hold">
+                                          <p:stCondLst>
+                                            <p:cond delay="0"/>
+                                          </p:stCondLst>
+                                        </p:cTn>
+                                        <p:tgtEl>
+                                          <p:spTgt spid="26626">
+                                            <p:txEl>
+                                              <p:pRg st="5" end="5"/>
+                                            </p:txEl>
+                                          </p:spTgt>
+                                        </p:tgtEl>
+                                        <p:attrNameLst>
+                                          <p:attrName>style.visibility</p:attrName>
+                                        </p:attrNameLst>
+                                      </p:cBhvr>
+                                      <p:to>
+                                        <p:strVal val="visible"/>
+                                      </p:to>
+                                    </p:set>
+                                    <p:animEffect transition="in" filter="blinds(horizontal)">
+                                      <p:cBhvr>
+                                        <p:cTn id="22" dur="500"/>
+                                        <p:tgtEl>
+                                          <p:spTgt spid="26626">
+                                            <p:txEl>
+                                              <p:pRg st="5" end="5"/>
+                                            </p:txEl>
+                                          </p:spTgt>
+                                        </p:tgtEl>
+                                      </p:cBhvr>
+                                    </p:animEffect>
+                                  </p:childTnLst>
+                                </p:cTn>
+                              </p:par>
+                              <p:par>
+                                <p:cTn id="23" presetID="3" presetClass="entr" presetSubtype="10" fill="hold" nodeType="withEffect">
+                                  <p:stCondLst>
+                                    <p:cond delay="0"/>
+                                  </p:stCondLst>
+                                  <p:childTnLst>
+                                    <p:set>
+                                      <p:cBhvr>
+                                        <p:cTn id="24" dur="1" fill="hold">
+                                          <p:stCondLst>
+                                            <p:cond delay="0"/>
+                                          </p:stCondLst>
+                                        </p:cTn>
+                                        <p:tgtEl>
+                                          <p:spTgt spid="26626">
+                                            <p:txEl>
+                                              <p:pRg st="6" end="6"/>
+                                            </p:txEl>
+                                          </p:spTgt>
+                                        </p:tgtEl>
+                                        <p:attrNameLst>
+                                          <p:attrName>style.visibility</p:attrName>
+                                        </p:attrNameLst>
+                                      </p:cBhvr>
+                                      <p:to>
+                                        <p:strVal val="visible"/>
+                                      </p:to>
+                                    </p:set>
+                                    <p:animEffect transition="in" filter="blinds(horizontal)">
+                                      <p:cBhvr>
+                                        <p:cTn id="25" dur="500"/>
+                                        <p:tgtEl>
+                                          <p:spTgt spid="26626">
+                                            <p:txEl>
+                                              <p:pRg st="6" end="6"/>
                                             </p:txEl>
                                           </p:spTgt>
                                         </p:tgtEl>
@@ -30284,7 +30632,7 @@
         <p:spPr bwMode="auto">
           <a:xfrm>
             <a:off x="539750" y="1416050"/>
-            <a:ext cx="8451850" cy="2462213"/>
+            <a:ext cx="8451850" cy="3200876"/>
           </a:xfrm>
           <a:prstGeom prst="rect">
             <a:avLst/>
@@ -30428,8 +30776,23 @@
               <a:rPr lang="sr-Cyrl-RS" dirty="0" smtClean="0">
                 <a:latin typeface="Garamond" pitchFamily="18" charset="0"/>
               </a:rPr>
-              <a:t>Објекат који представља извор за догађаје чува информације о ослушкивачима</a:t>
-            </a:r>
+              <a:t>У примерима са догађајима, интерфејси тј. уговори ће проширивати интерфејс</a:t>
+            </a:r>
+            <a:r>
+              <a:rPr lang="en-US" dirty="0" smtClean="0">
+                <a:latin typeface="Garamond" pitchFamily="18" charset="0"/>
+              </a:rPr>
+              <a:t> </a:t>
+            </a:r>
+            <a:r>
+              <a:rPr lang="en-US" sz="2000" dirty="0" err="1" smtClean="0">
+                <a:latin typeface="+mn-lt"/>
+              </a:rPr>
+              <a:t>java.util.EventListener</a:t>
+            </a:r>
+            <a:endParaRPr lang="sr-Cyrl-RS" dirty="0" smtClean="0">
+              <a:latin typeface="+mn-lt"/>
+            </a:endParaRPr>
           </a:p>
           <a:p>
             <a:pPr marL="342900" indent="-342900">
@@ -30444,11 +30807,38 @@
               <a:rPr lang="sr-Cyrl-RS" dirty="0" smtClean="0">
                 <a:latin typeface="Garamond" pitchFamily="18" charset="0"/>
               </a:rPr>
-              <a:t>Истовремено, објекат ове класе испаљује догађаје</a:t>
-            </a:r>
+              <a:t>Интерфејс </a:t>
+            </a:r>
+            <a:r>
+              <a:rPr lang="en-US" sz="2000" dirty="0" err="1" smtClean="0">
+                <a:latin typeface="+mn-lt"/>
+              </a:rPr>
+              <a:t>EventListener</a:t>
+            </a:r>
+            <a:r>
+              <a:rPr lang="en-US" dirty="0" smtClean="0">
+                <a:latin typeface="Garamond" pitchFamily="18" charset="0"/>
+              </a:rPr>
+              <a:t> </a:t>
+            </a:r>
+            <a:r>
+              <a:rPr lang="sr-Cyrl-RS" dirty="0" smtClean="0">
+                <a:latin typeface="Garamond" pitchFamily="18" charset="0"/>
+              </a:rPr>
+              <a:t>не захтева да се имплементира неки метод, већ се ради о тзв. маркерском интерфејсу – то је само ознака да се ради о интерфејсу који служи као ослушкивач догађаја</a:t>
+            </a:r>
+            <a:r>
+              <a:rPr lang="en-US" dirty="0" smtClean="0">
+                <a:latin typeface="Garamond" pitchFamily="18" charset="0"/>
+              </a:rPr>
+              <a:t> </a:t>
+            </a:r>
+            <a:endParaRPr lang="sr-Cyrl-RS" dirty="0" smtClean="0">
+              <a:latin typeface="Garamond" pitchFamily="18" charset="0"/>
+            </a:endParaRPr>
           </a:p>
           <a:p>
-            <a:pPr marL="342900" indent="-342900">
+            <a:pPr marL="1085850" lvl="1" indent="-342900">
               <a:spcBef>
                 <a:spcPts val="600"/>
               </a:spcBef>
@@ -30460,7 +30850,7 @@
               <a:rPr lang="sr-Cyrl-RS" dirty="0" smtClean="0">
                 <a:latin typeface="Garamond" pitchFamily="18" charset="0"/>
               </a:rPr>
-              <a:t>У различитим оквирима за развој обично већ постоји извор за догађаје, па тада нема потребе да га програмер посебно програмира</a:t>
+              <a:t>Овим се олакшава да се одреди који догађај може бити испаљен</a:t>
             </a:r>
             <a:endParaRPr lang="en-US" dirty="0">
               <a:latin typeface="Garamond" pitchFamily="18" charset="0"/>
@@ -30627,7 +31017,23 @@
                   <a:srgbClr val="0070C0"/>
                 </a:solidFill>
               </a:rPr>
-              <a:t>Извор за догађаје </a:t>
+              <a:t>Интерфејс </a:t>
+            </a:r>
+            <a:r>
+              <a:rPr lang="en-US" sz="3600" b="1" kern="0" dirty="0" err="1" smtClean="0">
+                <a:solidFill>
+                  <a:srgbClr val="0070C0"/>
+                </a:solidFill>
+              </a:rPr>
+              <a:t>EventListener</a:t>
+            </a:r>
+            <a:r>
+              <a:rPr lang="sr-Cyrl-RS" sz="3600" b="1" kern="0" dirty="0" smtClean="0">
+                <a:solidFill>
+                  <a:srgbClr val="0070C0"/>
+                </a:solidFill>
+              </a:rPr>
+              <a:t> (2)</a:t>
             </a:r>
             <a:endParaRPr lang="en-US" sz="3600" b="1" kern="0" dirty="0">
               <a:solidFill>
@@ -30640,7 +31046,7 @@
     </p:spTree>
     <p:extLst>
       <p:ext uri="{BB962C8B-B14F-4D97-AF65-F5344CB8AC3E}">
-        <p14:creationId xmlns:p14="http://schemas.microsoft.com/office/powerpoint/2010/main" val="2637129046"/>
+        <p14:creationId xmlns:p14="http://schemas.microsoft.com/office/powerpoint/2010/main" val="695587044"/>
       </p:ext>
     </p:extLst>
   </p:cSld>
@@ -30771,33 +31177,15 @@
                                   </p:childTnLst>
                                 </p:cTn>
                               </p:par>
-                            </p:childTnLst>
-                          </p:cTn>
-                        </p:par>
-                      </p:childTnLst>
-                    </p:cTn>
-                  </p:par>
-                  <p:par>
-                    <p:cTn id="13" fill="hold">
-                      <p:stCondLst>
-                        <p:cond delay="indefinite"/>
-                      </p:stCondLst>
-                      <p:childTnLst>
-                        <p:par>
-                          <p:cTn id="14" fill="hold">
-                            <p:stCondLst>
-                              <p:cond delay="0"/>
-                            </p:stCondLst>
-                            <p:childTnLst>
                               <p:par>
-                                <p:cTn id="15" presetID="3" presetClass="entr" presetSubtype="10" fill="hold" nodeType="clickEffect">
+                                <p:cTn id="13" presetID="3" presetClass="entr" presetSubtype="10" fill="hold" nodeType="withEffect">
                                   <p:stCondLst>
                                     <p:cond delay="0"/>
                                   </p:stCondLst>
                                   <p:childTnLst>
                                     <p:set>
                                       <p:cBhvr>
-                                        <p:cTn id="16" dur="1" fill="hold">
+                                        <p:cTn id="14" dur="1" fill="hold">
                                           <p:stCondLst>
                                             <p:cond delay="0"/>
                                           </p:stCondLst>
@@ -30819,7 +31207,7 @@
                                     </p:set>
                                     <p:animEffect transition="in" filter="blinds(horizontal)">
                                       <p:cBhvr>
-                                        <p:cTn id="17" dur="500"/>
+                                        <p:cTn id="15" dur="500"/>
                                         <p:tgtEl>
                                           <p:spTgt spid="26626">
                                             <p:txEl>
@@ -30891,6 +31279,613 @@
         <p:spPr bwMode="auto">
           <a:xfrm>
             <a:off x="539750" y="1416050"/>
+            <a:ext cx="8451850" cy="2462213"/>
+          </a:xfrm>
+          <a:prstGeom prst="rect">
+            <a:avLst/>
+          </a:prstGeom>
+          <a:noFill/>
+          <a:ln>
+            <a:noFill/>
+          </a:ln>
+          <a:extLst>
+            <a:ext uri="{909E8E84-426E-40DD-AFC4-6F175D3DCCD1}">
+              <a14:hiddenFill xmlns:a14="http://schemas.microsoft.com/office/drawing/2010/main">
+                <a:solidFill>
+                  <a:srgbClr val="FFFFFF"/>
+                </a:solidFill>
+              </a14:hiddenFill>
+            </a:ext>
+            <a:ext uri="{91240B29-F687-4F45-9708-019B960494DF}">
+              <a14:hiddenLine xmlns:a14="http://schemas.microsoft.com/office/drawing/2010/main" w="9525">
+                <a:solidFill>
+                  <a:srgbClr val="000000"/>
+                </a:solidFill>
+                <a:miter lim="800000"/>
+                <a:headEnd/>
+                <a:tailEnd/>
+              </a14:hiddenLine>
+            </a:ext>
+          </a:extLst>
+        </p:spPr>
+        <p:txBody>
+          <a:bodyPr>
+            <a:spAutoFit/>
+          </a:bodyPr>
+          <a:lstStyle>
+            <a:lvl1pPr eaLnBrk="0" hangingPunct="0">
+              <a:defRPr sz="2400">
+                <a:solidFill>
+                  <a:schemeClr val="tx1"/>
+                </a:solidFill>
+                <a:latin typeface="Times New Roman" pitchFamily="18" charset="0"/>
+              </a:defRPr>
+            </a:lvl1pPr>
+            <a:lvl2pPr marL="742950" indent="-285750" eaLnBrk="0" hangingPunct="0">
+              <a:defRPr sz="2400">
+                <a:solidFill>
+                  <a:schemeClr val="tx1"/>
+                </a:solidFill>
+                <a:latin typeface="Times New Roman" pitchFamily="18" charset="0"/>
+              </a:defRPr>
+            </a:lvl2pPr>
+            <a:lvl3pPr marL="1143000" indent="-228600" eaLnBrk="0" hangingPunct="0">
+              <a:defRPr sz="2400">
+                <a:solidFill>
+                  <a:schemeClr val="tx1"/>
+                </a:solidFill>
+                <a:latin typeface="Times New Roman" pitchFamily="18" charset="0"/>
+              </a:defRPr>
+            </a:lvl3pPr>
+            <a:lvl4pPr marL="1600200" indent="-228600" eaLnBrk="0" hangingPunct="0">
+              <a:defRPr sz="2400">
+                <a:solidFill>
+                  <a:schemeClr val="tx1"/>
+                </a:solidFill>
+                <a:latin typeface="Times New Roman" pitchFamily="18" charset="0"/>
+              </a:defRPr>
+            </a:lvl4pPr>
+            <a:lvl5pPr marL="2057400" indent="-228600" eaLnBrk="0" hangingPunct="0">
+              <a:defRPr sz="2400">
+                <a:solidFill>
+                  <a:schemeClr val="tx1"/>
+                </a:solidFill>
+                <a:latin typeface="Times New Roman" pitchFamily="18" charset="0"/>
+              </a:defRPr>
+            </a:lvl5pPr>
+            <a:lvl6pPr marL="2514600" indent="-228600" eaLnBrk="0" fontAlgn="base" hangingPunct="0">
+              <a:spcBef>
+                <a:spcPct val="0"/>
+              </a:spcBef>
+              <a:spcAft>
+                <a:spcPct val="0"/>
+              </a:spcAft>
+              <a:defRPr sz="2400">
+                <a:solidFill>
+                  <a:schemeClr val="tx1"/>
+                </a:solidFill>
+                <a:latin typeface="Times New Roman" pitchFamily="18" charset="0"/>
+              </a:defRPr>
+            </a:lvl6pPr>
+            <a:lvl7pPr marL="2971800" indent="-228600" eaLnBrk="0" fontAlgn="base" hangingPunct="0">
+              <a:spcBef>
+                <a:spcPct val="0"/>
+              </a:spcBef>
+              <a:spcAft>
+                <a:spcPct val="0"/>
+              </a:spcAft>
+              <a:defRPr sz="2400">
+                <a:solidFill>
+                  <a:schemeClr val="tx1"/>
+                </a:solidFill>
+                <a:latin typeface="Times New Roman" pitchFamily="18" charset="0"/>
+              </a:defRPr>
+            </a:lvl7pPr>
+            <a:lvl8pPr marL="3429000" indent="-228600" eaLnBrk="0" fontAlgn="base" hangingPunct="0">
+              <a:spcBef>
+                <a:spcPct val="0"/>
+              </a:spcBef>
+              <a:spcAft>
+                <a:spcPct val="0"/>
+              </a:spcAft>
+              <a:defRPr sz="2400">
+                <a:solidFill>
+                  <a:schemeClr val="tx1"/>
+                </a:solidFill>
+                <a:latin typeface="Times New Roman" pitchFamily="18" charset="0"/>
+              </a:defRPr>
+            </a:lvl8pPr>
+            <a:lvl9pPr marL="3886200" indent="-228600" eaLnBrk="0" fontAlgn="base" hangingPunct="0">
+              <a:spcBef>
+                <a:spcPct val="0"/>
+              </a:spcBef>
+              <a:spcAft>
+                <a:spcPct val="0"/>
+              </a:spcAft>
+              <a:defRPr sz="2400">
+                <a:solidFill>
+                  <a:schemeClr val="tx1"/>
+                </a:solidFill>
+                <a:latin typeface="Times New Roman" pitchFamily="18" charset="0"/>
+              </a:defRPr>
+            </a:lvl9pPr>
+          </a:lstStyle>
+          <a:p>
+            <a:pPr marL="342900" indent="-342900">
+              <a:spcBef>
+                <a:spcPts val="600"/>
+              </a:spcBef>
+              <a:buFont typeface="Arial" panose="020B0604020202020204" pitchFamily="34" charset="0"/>
+              <a:buChar char="•"/>
+              <a:defRPr/>
+            </a:pPr>
+            <a:r>
+              <a:rPr lang="sr-Cyrl-RS" dirty="0" smtClean="0">
+                <a:latin typeface="Garamond" pitchFamily="18" charset="0"/>
+              </a:rPr>
+              <a:t>Објекат који представља извор за догађаје чува информације о ослушкивачима</a:t>
+            </a:r>
+          </a:p>
+          <a:p>
+            <a:pPr marL="342900" indent="-342900">
+              <a:spcBef>
+                <a:spcPts val="600"/>
+              </a:spcBef>
+              <a:buFont typeface="Arial" panose="020B0604020202020204" pitchFamily="34" charset="0"/>
+              <a:buChar char="•"/>
+              <a:defRPr/>
+            </a:pPr>
+            <a:r>
+              <a:rPr lang="sr-Cyrl-RS" dirty="0" smtClean="0">
+                <a:latin typeface="Garamond" pitchFamily="18" charset="0"/>
+              </a:rPr>
+              <a:t>Истовремено, објекат ове класе испаљује догађаје</a:t>
+            </a:r>
+          </a:p>
+          <a:p>
+            <a:pPr marL="342900" indent="-342900">
+              <a:spcBef>
+                <a:spcPts val="600"/>
+              </a:spcBef>
+              <a:buFont typeface="Arial" panose="020B0604020202020204" pitchFamily="34" charset="0"/>
+              <a:buChar char="•"/>
+              <a:defRPr/>
+            </a:pPr>
+            <a:r>
+              <a:rPr lang="sr-Cyrl-RS" dirty="0" smtClean="0">
+                <a:latin typeface="Garamond" pitchFamily="18" charset="0"/>
+              </a:rPr>
+              <a:t>У различитим оквирима за развој обично већ постоји извор за догађаје, па тада нема потребе да га програмер посебно програмира</a:t>
+            </a:r>
+            <a:endParaRPr lang="en-US" dirty="0">
+              <a:latin typeface="Garamond" pitchFamily="18" charset="0"/>
+            </a:endParaRPr>
+          </a:p>
+        </p:txBody>
+      </p:sp>
+      <p:sp>
+        <p:nvSpPr>
+          <p:cNvPr id="3" name="Title 1"/>
+          <p:cNvSpPr txBox="1">
+            <a:spLocks/>
+          </p:cNvSpPr>
+          <p:nvPr/>
+        </p:nvSpPr>
+        <p:spPr>
+          <a:xfrm>
+            <a:off x="1371600" y="549275"/>
+            <a:ext cx="7772400" cy="868363"/>
+          </a:xfrm>
+          <a:prstGeom prst="rect">
+            <a:avLst/>
+          </a:prstGeom>
+        </p:spPr>
+        <p:txBody>
+          <a:bodyPr/>
+          <a:lstStyle>
+            <a:lvl1pPr algn="l" rtl="0" eaLnBrk="0" fontAlgn="base" hangingPunct="0">
+              <a:spcBef>
+                <a:spcPct val="0"/>
+              </a:spcBef>
+              <a:spcAft>
+                <a:spcPct val="0"/>
+              </a:spcAft>
+              <a:defRPr sz="3800">
+                <a:solidFill>
+                  <a:schemeClr val="tx2"/>
+                </a:solidFill>
+                <a:latin typeface="+mj-lt"/>
+                <a:ea typeface="+mj-ea"/>
+                <a:cs typeface="+mj-cs"/>
+              </a:defRPr>
+            </a:lvl1pPr>
+            <a:lvl2pPr algn="l" rtl="0" eaLnBrk="0" fontAlgn="base" hangingPunct="0">
+              <a:spcBef>
+                <a:spcPct val="0"/>
+              </a:spcBef>
+              <a:spcAft>
+                <a:spcPct val="0"/>
+              </a:spcAft>
+              <a:defRPr sz="3800">
+                <a:solidFill>
+                  <a:schemeClr val="tx2"/>
+                </a:solidFill>
+                <a:latin typeface="Arial" charset="0"/>
+              </a:defRPr>
+            </a:lvl2pPr>
+            <a:lvl3pPr algn="l" rtl="0" eaLnBrk="0" fontAlgn="base" hangingPunct="0">
+              <a:spcBef>
+                <a:spcPct val="0"/>
+              </a:spcBef>
+              <a:spcAft>
+                <a:spcPct val="0"/>
+              </a:spcAft>
+              <a:defRPr sz="3800">
+                <a:solidFill>
+                  <a:schemeClr val="tx2"/>
+                </a:solidFill>
+                <a:latin typeface="Arial" charset="0"/>
+              </a:defRPr>
+            </a:lvl3pPr>
+            <a:lvl4pPr algn="l" rtl="0" eaLnBrk="0" fontAlgn="base" hangingPunct="0">
+              <a:spcBef>
+                <a:spcPct val="0"/>
+              </a:spcBef>
+              <a:spcAft>
+                <a:spcPct val="0"/>
+              </a:spcAft>
+              <a:defRPr sz="3800">
+                <a:solidFill>
+                  <a:schemeClr val="tx2"/>
+                </a:solidFill>
+                <a:latin typeface="Arial" charset="0"/>
+              </a:defRPr>
+            </a:lvl4pPr>
+            <a:lvl5pPr algn="l" rtl="0" eaLnBrk="0" fontAlgn="base" hangingPunct="0">
+              <a:spcBef>
+                <a:spcPct val="0"/>
+              </a:spcBef>
+              <a:spcAft>
+                <a:spcPct val="0"/>
+              </a:spcAft>
+              <a:defRPr sz="3800">
+                <a:solidFill>
+                  <a:schemeClr val="tx2"/>
+                </a:solidFill>
+                <a:latin typeface="Arial" charset="0"/>
+              </a:defRPr>
+            </a:lvl5pPr>
+            <a:lvl6pPr marL="457200" algn="l" rtl="0" fontAlgn="base">
+              <a:spcBef>
+                <a:spcPct val="0"/>
+              </a:spcBef>
+              <a:spcAft>
+                <a:spcPct val="0"/>
+              </a:spcAft>
+              <a:defRPr sz="3800">
+                <a:solidFill>
+                  <a:schemeClr val="tx2"/>
+                </a:solidFill>
+                <a:latin typeface="Arial" charset="0"/>
+              </a:defRPr>
+            </a:lvl6pPr>
+            <a:lvl7pPr marL="914400" algn="l" rtl="0" fontAlgn="base">
+              <a:spcBef>
+                <a:spcPct val="0"/>
+              </a:spcBef>
+              <a:spcAft>
+                <a:spcPct val="0"/>
+              </a:spcAft>
+              <a:defRPr sz="3800">
+                <a:solidFill>
+                  <a:schemeClr val="tx2"/>
+                </a:solidFill>
+                <a:latin typeface="Arial" charset="0"/>
+              </a:defRPr>
+            </a:lvl7pPr>
+            <a:lvl8pPr marL="1371600" algn="l" rtl="0" fontAlgn="base">
+              <a:spcBef>
+                <a:spcPct val="0"/>
+              </a:spcBef>
+              <a:spcAft>
+                <a:spcPct val="0"/>
+              </a:spcAft>
+              <a:defRPr sz="3800">
+                <a:solidFill>
+                  <a:schemeClr val="tx2"/>
+                </a:solidFill>
+                <a:latin typeface="Arial" charset="0"/>
+              </a:defRPr>
+            </a:lvl8pPr>
+            <a:lvl9pPr marL="1828800" algn="l" rtl="0" fontAlgn="base">
+              <a:spcBef>
+                <a:spcPct val="0"/>
+              </a:spcBef>
+              <a:spcAft>
+                <a:spcPct val="0"/>
+              </a:spcAft>
+              <a:defRPr sz="3800">
+                <a:solidFill>
+                  <a:schemeClr val="tx2"/>
+                </a:solidFill>
+                <a:latin typeface="Arial" charset="0"/>
+              </a:defRPr>
+            </a:lvl9pPr>
+          </a:lstStyle>
+          <a:p>
+            <a:pPr>
+              <a:defRPr/>
+            </a:pPr>
+            <a:r>
+              <a:rPr lang="sr-Cyrl-RS" sz="3600" b="1" kern="0" dirty="0" smtClean="0">
+                <a:solidFill>
+                  <a:srgbClr val="0070C0"/>
+                </a:solidFill>
+              </a:rPr>
+              <a:t>Извор за догађаје </a:t>
+            </a:r>
+            <a:endParaRPr lang="en-US" sz="3600" b="1" kern="0" dirty="0">
+              <a:solidFill>
+                <a:srgbClr val="0070C0"/>
+              </a:solidFill>
+            </a:endParaRPr>
+          </a:p>
+        </p:txBody>
+      </p:sp>
+    </p:spTree>
+    <p:extLst>
+      <p:ext uri="{BB962C8B-B14F-4D97-AF65-F5344CB8AC3E}">
+        <p14:creationId xmlns:p14="http://schemas.microsoft.com/office/powerpoint/2010/main" val="2637129046"/>
+      </p:ext>
+    </p:extLst>
+  </p:cSld>
+  <p:clrMapOvr>
+    <a:masterClrMapping/>
+  </p:clrMapOvr>
+  <p:timing>
+    <p:tnLst>
+      <p:par>
+        <p:cTn id="1" dur="indefinite" restart="never" nodeType="tmRoot">
+          <p:childTnLst>
+            <p:seq concurrent="1" nextAc="seek">
+              <p:cTn id="2" dur="indefinite" nodeType="mainSeq">
+                <p:childTnLst>
+                  <p:par>
+                    <p:cTn id="3" fill="hold">
+                      <p:stCondLst>
+                        <p:cond delay="indefinite"/>
+                      </p:stCondLst>
+                      <p:childTnLst>
+                        <p:par>
+                          <p:cTn id="4" fill="hold">
+                            <p:stCondLst>
+                              <p:cond delay="0"/>
+                            </p:stCondLst>
+                            <p:childTnLst>
+                              <p:par>
+                                <p:cTn id="5" presetID="3" presetClass="entr" presetSubtype="10" fill="hold" nodeType="clickEffect">
+                                  <p:stCondLst>
+                                    <p:cond delay="0"/>
+                                  </p:stCondLst>
+                                  <p:childTnLst>
+                                    <p:set>
+                                      <p:cBhvr>
+                                        <p:cTn id="6" dur="1" fill="hold">
+                                          <p:stCondLst>
+                                            <p:cond delay="0"/>
+                                          </p:stCondLst>
+                                        </p:cTn>
+                                        <p:tgtEl>
+                                          <p:spTgt spid="26626">
+                                            <p:txEl>
+                                              <p:pRg st="0" end="0"/>
+                                            </p:txEl>
+                                          </p:spTgt>
+                                        </p:tgtEl>
+                                        <p:attrNameLst>
+                                          <p:attrName>style.visibility</p:attrName>
+                                        </p:attrNameLst>
+                                      </p:cBhvr>
+                                      <p:to>
+                                        <p:strVal val="visible"/>
+                                      </p:to>
+                                    </p:set>
+                                    <p:animEffect transition="in" filter="blinds(horizontal)">
+                                      <p:cBhvr>
+                                        <p:cTn id="7" dur="500"/>
+                                        <p:tgtEl>
+                                          <p:spTgt spid="26626">
+                                            <p:txEl>
+                                              <p:pRg st="0" end="0"/>
+                                            </p:txEl>
+                                          </p:spTgt>
+                                        </p:tgtEl>
+                                      </p:cBhvr>
+                                    </p:animEffect>
+                                  </p:childTnLst>
+                                </p:cTn>
+                              </p:par>
+                            </p:childTnLst>
+                          </p:cTn>
+                        </p:par>
+                      </p:childTnLst>
+                    </p:cTn>
+                  </p:par>
+                  <p:par>
+                    <p:cTn id="8" fill="hold">
+                      <p:stCondLst>
+                        <p:cond delay="indefinite"/>
+                      </p:stCondLst>
+                      <p:childTnLst>
+                        <p:par>
+                          <p:cTn id="9" fill="hold">
+                            <p:stCondLst>
+                              <p:cond delay="0"/>
+                            </p:stCondLst>
+                            <p:childTnLst>
+                              <p:par>
+                                <p:cTn id="10" presetID="3" presetClass="entr" presetSubtype="10" fill="hold" nodeType="clickEffect">
+                                  <p:stCondLst>
+                                    <p:cond delay="0"/>
+                                  </p:stCondLst>
+                                  <p:childTnLst>
+                                    <p:set>
+                                      <p:cBhvr>
+                                        <p:cTn id="11" dur="1" fill="hold">
+                                          <p:stCondLst>
+                                            <p:cond delay="0"/>
+                                          </p:stCondLst>
+                                        </p:cTn>
+                                        <p:tgtEl>
+                                          <p:spTgt spid="26626">
+                                            <p:txEl>
+                                              <p:pRg st="1" end="1"/>
+                                            </p:txEl>
+                                          </p:spTgt>
+                                        </p:tgtEl>
+                                        <p:attrNameLst>
+                                          <p:attrName>style.visibility</p:attrName>
+                                        </p:attrNameLst>
+                                      </p:cBhvr>
+                                      <p:to>
+                                        <p:strVal val="visible"/>
+                                      </p:to>
+                                    </p:set>
+                                    <p:animEffect transition="in" filter="blinds(horizontal)">
+                                      <p:cBhvr>
+                                        <p:cTn id="12" dur="500"/>
+                                        <p:tgtEl>
+                                          <p:spTgt spid="26626">
+                                            <p:txEl>
+                                              <p:pRg st="1" end="1"/>
+                                            </p:txEl>
+                                          </p:spTgt>
+                                        </p:tgtEl>
+                                      </p:cBhvr>
+                                    </p:animEffect>
+                                  </p:childTnLst>
+                                </p:cTn>
+                              </p:par>
+                            </p:childTnLst>
+                          </p:cTn>
+                        </p:par>
+                      </p:childTnLst>
+                    </p:cTn>
+                  </p:par>
+                  <p:par>
+                    <p:cTn id="13" fill="hold">
+                      <p:stCondLst>
+                        <p:cond delay="indefinite"/>
+                      </p:stCondLst>
+                      <p:childTnLst>
+                        <p:par>
+                          <p:cTn id="14" fill="hold">
+                            <p:stCondLst>
+                              <p:cond delay="0"/>
+                            </p:stCondLst>
+                            <p:childTnLst>
+                              <p:par>
+                                <p:cTn id="15" presetID="3" presetClass="entr" presetSubtype="10" fill="hold" nodeType="clickEffect">
+                                  <p:stCondLst>
+                                    <p:cond delay="0"/>
+                                  </p:stCondLst>
+                                  <p:childTnLst>
+                                    <p:set>
+                                      <p:cBhvr>
+                                        <p:cTn id="16" dur="1" fill="hold">
+                                          <p:stCondLst>
+                                            <p:cond delay="0"/>
+                                          </p:stCondLst>
+                                        </p:cTn>
+                                        <p:tgtEl>
+                                          <p:spTgt spid="26626">
+                                            <p:txEl>
+                                              <p:pRg st="2" end="2"/>
+                                            </p:txEl>
+                                          </p:spTgt>
+                                        </p:tgtEl>
+                                        <p:attrNameLst>
+                                          <p:attrName>style.visibility</p:attrName>
+                                        </p:attrNameLst>
+                                      </p:cBhvr>
+                                      <p:to>
+                                        <p:strVal val="visible"/>
+                                      </p:to>
+                                    </p:set>
+                                    <p:animEffect transition="in" filter="blinds(horizontal)">
+                                      <p:cBhvr>
+                                        <p:cTn id="17" dur="500"/>
+                                        <p:tgtEl>
+                                          <p:spTgt spid="26626">
+                                            <p:txEl>
+                                              <p:pRg st="2" end="2"/>
+                                            </p:txEl>
+                                          </p:spTgt>
+                                        </p:tgtEl>
+                                      </p:cBhvr>
+                                    </p:animEffect>
+                                  </p:childTnLst>
+                                </p:cTn>
+                              </p:par>
+                            </p:childTnLst>
+                          </p:cTn>
+                        </p:par>
+                      </p:childTnLst>
+                    </p:cTn>
+                  </p:par>
+                </p:childTnLst>
+              </p:cTn>
+              <p:prevCondLst>
+                <p:cond evt="onPrev" delay="0">
+                  <p:tgtEl>
+                    <p:sldTgt/>
+                  </p:tgtEl>
+                </p:cond>
+              </p:prevCondLst>
+              <p:nextCondLst>
+                <p:cond evt="onNext" delay="0">
+                  <p:tgtEl>
+                    <p:sldTgt/>
+                  </p:tgtEl>
+                </p:cond>
+              </p:nextCondLst>
+            </p:seq>
+          </p:childTnLst>
+        </p:cTn>
+      </p:par>
+    </p:tnLst>
+  </p:timing>
+</p:sld>
+</file>
+
+<file path=ppt/slides/slide35.xml><?xml version="1.0" encoding="utf-8"?>
+<p:sld xmlns:a="http://schemas.openxmlformats.org/drawingml/2006/main" xmlns:r="http://schemas.openxmlformats.org/officeDocument/2006/relationships" xmlns:p="http://schemas.openxmlformats.org/presentationml/2006/main">
+  <p:cSld>
+    <p:spTree>
+      <p:nvGrpSpPr>
+        <p:cNvPr id="1" name=""/>
+        <p:cNvGrpSpPr/>
+        <p:nvPr/>
+      </p:nvGrpSpPr>
+      <p:grpSpPr>
+        <a:xfrm>
+          <a:off x="0" y="0"/>
+          <a:ext cx="0" cy="0"/>
+          <a:chOff x="0" y="0"/>
+          <a:chExt cx="0" cy="0"/>
+        </a:xfrm>
+      </p:grpSpPr>
+      <p:sp>
+        <p:nvSpPr>
+          <p:cNvPr id="26626" name="Text Box 2"/>
+          <p:cNvSpPr txBox="1">
+            <a:spLocks noChangeArrowheads="1"/>
+          </p:cNvSpPr>
+          <p:nvPr/>
+        </p:nvSpPr>
+        <p:spPr bwMode="auto">
+          <a:xfrm>
+            <a:off x="539750" y="1416050"/>
             <a:ext cx="8451850" cy="3123932"/>
           </a:xfrm>
           <a:prstGeom prst="rect">
@@ -31384,7 +32379,7 @@
 </p:sld>
 </file>
 
-<file path=ppt/slides/slide35.xml><?xml version="1.0" encoding="utf-8"?>
+<file path=ppt/slides/slide36.xml><?xml version="1.0" encoding="utf-8"?>
 <p:sld xmlns:a="http://schemas.openxmlformats.org/drawingml/2006/main" xmlns:r="http://schemas.openxmlformats.org/officeDocument/2006/relationships" xmlns:p="http://schemas.openxmlformats.org/presentationml/2006/main">
   <p:cSld>
     <p:spTree>

--- a/predavanja/prezentacije/OOP11-Apstraktne klase i interfejsi.pptx
+++ b/predavanja/prezentacije/OOP11-Apstraktne klase i interfejsi.pptx
@@ -22780,8 +22780,8 @@
         </p:nvSpPr>
         <p:spPr bwMode="auto">
           <a:xfrm>
-            <a:off x="107504" y="1557338"/>
-            <a:ext cx="8884096" cy="4985980"/>
+            <a:off x="107504" y="1484784"/>
+            <a:ext cx="9001000" cy="5432256"/>
           </a:xfrm>
           <a:prstGeom prst="rect">
             <a:avLst/>
@@ -22927,13 +22927,27 @@
               </a:rPr>
               <a:t>Заједничке операције и поља сместити у надкласе</a:t>
             </a:r>
-            <a:r>
-              <a:rPr lang="en-US" b="1" u="sng" dirty="0" smtClean="0">
-                <a:latin typeface="Garamond" pitchFamily="18" charset="0"/>
-              </a:rPr>
-              <a:t>.</a:t>
-            </a:r>
-            <a:endParaRPr lang="sr-Cyrl-RS" b="1" u="sng" dirty="0" smtClean="0">
+          </a:p>
+          <a:p>
+            <a:pPr>
+              <a:spcBef>
+                <a:spcPts val="600"/>
+              </a:spcBef>
+              <a:defRPr/>
+            </a:pPr>
+            <a:r>
+              <a:rPr lang="sr-Cyrl-RS" dirty="0">
+                <a:latin typeface="Garamond" pitchFamily="18" charset="0"/>
+              </a:rPr>
+              <a:t>Овакав рад, уз коришћење интерфејса, омогућује тзв. </a:t>
+            </a:r>
+            <a:r>
+              <a:rPr lang="sr-Cyrl-RS" b="1" dirty="0">
+                <a:latin typeface="Garamond" pitchFamily="18" charset="0"/>
+              </a:rPr>
+              <a:t>полиморфизам</a:t>
+            </a:r>
+            <a:endParaRPr lang="en-US" b="1" dirty="0">
               <a:latin typeface="Garamond" pitchFamily="18" charset="0"/>
             </a:endParaRPr>
           </a:p>
@@ -22992,13 +23006,7 @@
               </a:rPr>
               <a:t>Student</a:t>
             </a:r>
-            <a:r>
-              <a:rPr lang="en-US" dirty="0" smtClean="0">
-                <a:latin typeface="Garamond" pitchFamily="18" charset="0"/>
-              </a:rPr>
-              <a:t>.</a:t>
-            </a:r>
-            <a:endParaRPr lang="en-US" dirty="0">
+            <a:endParaRPr lang="en-US" dirty="0" smtClean="0">
               <a:latin typeface="Garamond" pitchFamily="18" charset="0"/>
             </a:endParaRPr>
           </a:p>
@@ -23026,12 +23034,6 @@
                 <a:latin typeface="Garamond" pitchFamily="18" charset="0"/>
               </a:rPr>
               <a:t>Избегавати употребу заштићених поља</a:t>
-            </a:r>
-            <a:r>
-              <a:rPr lang="en-US" b="1" u="sng" dirty="0" smtClean="0">
-                <a:latin typeface="Garamond" pitchFamily="18" charset="0"/>
-              </a:rPr>
-              <a:t>.</a:t>
             </a:r>
             <a:endParaRPr lang="en-US" b="1" u="sng" dirty="0">
               <a:latin typeface="Garamond" pitchFamily="18" charset="0"/>
@@ -23087,7 +23089,7 @@
               <a:t>Може се увек направити поткласа неке класе и тиме приступити </a:t>
             </a:r>
             <a:r>
-              <a:rPr lang="sr-Latn-RS" sz="1800" dirty="0" smtClean="0">
+              <a:rPr lang="sr-Latn-RS" sz="1800" dirty="0" err="1" smtClean="0">
                 <a:latin typeface="+mn-lt"/>
               </a:rPr>
               <a:t>protected</a:t>
@@ -23102,7 +23104,7 @@
               <a:rPr lang="sr-Cyrl-RS" dirty="0" smtClean="0">
                 <a:latin typeface="Garamond" pitchFamily="18" charset="0"/>
               </a:rPr>
-              <a:t>променљивој. </a:t>
+              <a:t>променљивој </a:t>
             </a:r>
           </a:p>
           <a:p>
@@ -23142,7 +23144,7 @@
               <a:rPr lang="sr-Cyrl-RS" dirty="0" smtClean="0">
                 <a:latin typeface="Garamond" pitchFamily="18" charset="0"/>
               </a:rPr>
-              <a:t>пољима, тако да се класа може сместити у исти пакет и тиме омогућити приступ. </a:t>
+              <a:t>пољима, тако да се класа може сместити у исти пакет и тиме омогућити приступ </a:t>
             </a:r>
           </a:p>
           <a:p>
@@ -23206,7 +23208,7 @@
               <a:rPr lang="sr-Cyrl-RS" dirty="0" smtClean="0">
                 <a:latin typeface="Garamond" pitchFamily="18" charset="0"/>
               </a:rPr>
-              <a:t>. </a:t>
+              <a:t> </a:t>
             </a:r>
             <a:endParaRPr lang="en-US" sz="1800" dirty="0" smtClean="0">
               <a:latin typeface="Garamond" pitchFamily="18" charset="0"/>
@@ -23224,7 +23226,7 @@
         </p:nvSpPr>
         <p:spPr>
           <a:xfrm>
-            <a:off x="1371600" y="472405"/>
+            <a:off x="1371600" y="332656"/>
             <a:ext cx="7772400" cy="868363"/>
           </a:xfrm>
           <a:prstGeom prst="rect">
@@ -23467,7 +23469,7 @@
                                         <p:tgtEl>
                                           <p:spTgt spid="26626">
                                             <p:txEl>
-                                              <p:pRg st="1" end="1"/>
+                                              <p:pRg st="2" end="2"/>
                                             </p:txEl>
                                           </p:spTgt>
                                         </p:tgtEl>
@@ -23482,6 +23484,49 @@
                                     <p:animEffect transition="in" filter="blinds(horizontal)">
                                       <p:cBhvr>
                                         <p:cTn id="10" dur="500"/>
+                                        <p:tgtEl>
+                                          <p:spTgt spid="26626">
+                                            <p:txEl>
+                                              <p:pRg st="2" end="2"/>
+                                            </p:txEl>
+                                          </p:spTgt>
+                                        </p:tgtEl>
+                                      </p:cBhvr>
+                                    </p:animEffect>
+                                  </p:childTnLst>
+                                </p:cTn>
+                              </p:par>
+                              <p:par>
+                                <p:cTn id="11" presetID="3" presetClass="entr" presetSubtype="10" fill="hold" nodeType="withEffect">
+                                  <p:stCondLst>
+                                    <p:cond delay="0"/>
+                                  </p:stCondLst>
+                                  <p:childTnLst>
+                                    <p:set>
+                                      <p:cBhvr>
+                                        <p:cTn id="12" dur="1" fill="hold">
+                                          <p:stCondLst>
+                                            <p:cond delay="0"/>
+                                          </p:stCondLst>
+                                        </p:cTn>
+                                        <p:tgtEl>
+                                          <p:spTgt spid="26626">
+                                            <p:txEl>
+                                              <p:pRg st="1" end="1"/>
+                                            </p:txEl>
+                                          </p:spTgt>
+                                        </p:tgtEl>
+                                        <p:attrNameLst>
+                                          <p:attrName>style.visibility</p:attrName>
+                                        </p:attrNameLst>
+                                      </p:cBhvr>
+                                      <p:to>
+                                        <p:strVal val="visible"/>
+                                      </p:to>
+                                    </p:set>
+                                    <p:animEffect transition="in" filter="blinds(horizontal)">
+                                      <p:cBhvr>
+                                        <p:cTn id="13" dur="500"/>
                                         <p:tgtEl>
                                           <p:spTgt spid="26626">
                                             <p:txEl>
@@ -23501,26 +23546,26 @@
                     </p:cTn>
                   </p:par>
                   <p:par>
-                    <p:cTn id="11" fill="hold" nodeType="clickPar">
+                    <p:cTn id="14" fill="hold" nodeType="clickPar">
                       <p:stCondLst>
                         <p:cond delay="indefinite"/>
                       </p:stCondLst>
                       <p:childTnLst>
                         <p:par>
-                          <p:cTn id="12" fill="hold" nodeType="withGroup">
+                          <p:cTn id="15" fill="hold" nodeType="withGroup">
                             <p:stCondLst>
                               <p:cond delay="0"/>
                             </p:stCondLst>
                             <p:childTnLst>
                               <p:par>
-                                <p:cTn id="13" presetID="3" presetClass="entr" presetSubtype="10" fill="hold" nodeType="clickEffect">
+                                <p:cTn id="16" presetID="3" presetClass="entr" presetSubtype="10" fill="hold" nodeType="clickEffect">
                                   <p:stCondLst>
                                     <p:cond delay="0"/>
                                   </p:stCondLst>
                                   <p:childTnLst>
                                     <p:set>
                                       <p:cBhvr>
-                                        <p:cTn id="14" dur="1" fill="hold">
+                                        <p:cTn id="17" dur="1" fill="hold">
                                           <p:stCondLst>
                                             <p:cond delay="0"/>
                                           </p:stCondLst>
@@ -23528,7 +23573,7 @@
                                         <p:tgtEl>
                                           <p:spTgt spid="26626">
                                             <p:txEl>
-                                              <p:pRg st="2" end="2"/>
+                                              <p:pRg st="3" end="3"/>
                                             </p:txEl>
                                           </p:spTgt>
                                         </p:tgtEl>
@@ -23542,11 +23587,11 @@
                                     </p:set>
                                     <p:animEffect transition="in" filter="blinds(horizontal)">
                                       <p:cBhvr>
-                                        <p:cTn id="15" dur="500"/>
+                                        <p:cTn id="18" dur="500"/>
                                         <p:tgtEl>
                                           <p:spTgt spid="26626">
                                             <p:txEl>
-                                              <p:pRg st="2" end="2"/>
+                                              <p:pRg st="3" end="3"/>
                                             </p:txEl>
                                           </p:spTgt>
                                         </p:tgtEl>
@@ -23562,62 +23607,19 @@
                     </p:cTn>
                   </p:par>
                   <p:par>
-                    <p:cTn id="16" fill="hold" nodeType="clickPar">
+                    <p:cTn id="19" fill="hold" nodeType="clickPar">
                       <p:stCondLst>
                         <p:cond delay="indefinite"/>
                       </p:stCondLst>
                       <p:childTnLst>
                         <p:par>
-                          <p:cTn id="17" fill="hold" nodeType="withGroup">
+                          <p:cTn id="20" fill="hold" nodeType="withGroup">
                             <p:stCondLst>
                               <p:cond delay="0"/>
                             </p:stCondLst>
                             <p:childTnLst>
                               <p:par>
-                                <p:cTn id="18" presetID="3" presetClass="entr" presetSubtype="10" fill="hold" nodeType="clickEffect">
-                                  <p:stCondLst>
-                                    <p:cond delay="0"/>
-                                  </p:stCondLst>
-                                  <p:childTnLst>
-                                    <p:set>
-                                      <p:cBhvr>
-                                        <p:cTn id="19" dur="1" fill="hold">
-                                          <p:stCondLst>
-                                            <p:cond delay="0"/>
-                                          </p:stCondLst>
-                                        </p:cTn>
-                                        <p:tgtEl>
-                                          <p:spTgt spid="26626">
-                                            <p:txEl>
-                                              <p:pRg st="3" end="3"/>
-                                            </p:txEl>
-                                          </p:spTgt>
-                                        </p:tgtEl>
-                                        <p:attrNameLst>
-                                          <p:attrName>style.visibility</p:attrName>
-                                        </p:attrNameLst>
-                                      </p:cBhvr>
-                                      <p:to>
-                                        <p:strVal val="visible"/>
-                                      </p:to>
-                                    </p:set>
-                                    <p:animEffect transition="in" filter="blinds(horizontal)">
-                                      <p:cBhvr>
-                                        <p:cTn id="20" dur="500"/>
-                                        <p:tgtEl>
-                                          <p:spTgt spid="26626">
-                                            <p:txEl>
-                                              <p:pRg st="3" end="3"/>
-                                            </p:txEl>
-                                          </p:spTgt>
-                                        </p:tgtEl>
-                                      </p:cBhvr>
-                                    </p:animEffect>
-                                  </p:childTnLst>
-                                </p:cTn>
-                              </p:par>
-                              <p:par>
-                                <p:cTn id="21" presetID="3" presetClass="entr" presetSubtype="10" fill="hold" nodeType="withEffect">
+                                <p:cTn id="21" presetID="3" presetClass="entr" presetSubtype="10" fill="hold" nodeType="clickEffect">
                                   <p:stCondLst>
                                     <p:cond delay="0"/>
                                   </p:stCondLst>
@@ -23702,6 +23704,49 @@
                                   </p:childTnLst>
                                 </p:cTn>
                               </p:par>
+                              <p:par>
+                                <p:cTn id="27" presetID="3" presetClass="entr" presetSubtype="10" fill="hold" nodeType="withEffect">
+                                  <p:stCondLst>
+                                    <p:cond delay="0"/>
+                                  </p:stCondLst>
+                                  <p:childTnLst>
+                                    <p:set>
+                                      <p:cBhvr>
+                                        <p:cTn id="28" dur="1" fill="hold">
+                                          <p:stCondLst>
+                                            <p:cond delay="0"/>
+                                          </p:stCondLst>
+                                        </p:cTn>
+                                        <p:tgtEl>
+                                          <p:spTgt spid="26626">
+                                            <p:txEl>
+                                              <p:pRg st="6" end="6"/>
+                                            </p:txEl>
+                                          </p:spTgt>
+                                        </p:tgtEl>
+                                        <p:attrNameLst>
+                                          <p:attrName>style.visibility</p:attrName>
+                                        </p:attrNameLst>
+                                      </p:cBhvr>
+                                      <p:to>
+                                        <p:strVal val="visible"/>
+                                      </p:to>
+                                    </p:set>
+                                    <p:animEffect transition="in" filter="blinds(horizontal)">
+                                      <p:cBhvr>
+                                        <p:cTn id="29" dur="500"/>
+                                        <p:tgtEl>
+                                          <p:spTgt spid="26626">
+                                            <p:txEl>
+                                              <p:pRg st="6" end="6"/>
+                                            </p:txEl>
+                                          </p:spTgt>
+                                        </p:tgtEl>
+                                      </p:cBhvr>
+                                    </p:animEffect>
+                                  </p:childTnLst>
+                                </p:cTn>
+                              </p:par>
                             </p:childTnLst>
                           </p:cTn>
                         </p:par>
@@ -23709,26 +23754,26 @@
                     </p:cTn>
                   </p:par>
                   <p:par>
-                    <p:cTn id="27" fill="hold">
+                    <p:cTn id="30" fill="hold">
                       <p:stCondLst>
                         <p:cond delay="indefinite"/>
                       </p:stCondLst>
                       <p:childTnLst>
                         <p:par>
-                          <p:cTn id="28" fill="hold">
+                          <p:cTn id="31" fill="hold">
                             <p:stCondLst>
                               <p:cond delay="0"/>
                             </p:stCondLst>
                             <p:childTnLst>
                               <p:par>
-                                <p:cTn id="29" presetID="3" presetClass="entr" presetSubtype="10" fill="hold" nodeType="clickEffect">
+                                <p:cTn id="32" presetID="3" presetClass="entr" presetSubtype="10" fill="hold" nodeType="clickEffect">
                                   <p:stCondLst>
                                     <p:cond delay="0"/>
                                   </p:stCondLst>
                                   <p:childTnLst>
                                     <p:set>
                                       <p:cBhvr>
-                                        <p:cTn id="30" dur="1" fill="hold">
+                                        <p:cTn id="33" dur="1" fill="hold">
                                           <p:stCondLst>
                                             <p:cond delay="0"/>
                                           </p:stCondLst>
@@ -23736,7 +23781,7 @@
                                         <p:tgtEl>
                                           <p:spTgt spid="26626">
                                             <p:txEl>
-                                              <p:pRg st="6" end="6"/>
+                                              <p:pRg st="7" end="7"/>
                                             </p:txEl>
                                           </p:spTgt>
                                         </p:tgtEl>
@@ -23750,11 +23795,11 @@
                                     </p:set>
                                     <p:animEffect transition="in" filter="blinds(horizontal)">
                                       <p:cBhvr>
-                                        <p:cTn id="31" dur="500"/>
+                                        <p:cTn id="34" dur="500"/>
                                         <p:tgtEl>
                                           <p:spTgt spid="26626">
                                             <p:txEl>
-                                              <p:pRg st="6" end="6"/>
+                                              <p:pRg st="7" end="7"/>
                                             </p:txEl>
                                           </p:spTgt>
                                         </p:tgtEl>
@@ -23982,7 +24027,7 @@
               <a:rPr lang="en-US" b="1" u="sng" dirty="0" smtClean="0">
                 <a:latin typeface="Garamond" pitchFamily="18" charset="0"/>
               </a:rPr>
-              <a:t>”.</a:t>
+              <a:t>”</a:t>
             </a:r>
             <a:endParaRPr lang="en-US" b="1" u="sng" dirty="0">
               <a:latin typeface="Garamond" pitchFamily="18" charset="0"/>
@@ -24009,12 +24054,10 @@
             </a:r>
           </a:p>
           <a:p>
-            <a:pPr marL="342900" indent="-342900">
+            <a:pPr>
               <a:spcBef>
                 <a:spcPts val="600"/>
               </a:spcBef>
-              <a:buFont typeface="Arial" panose="020B0604020202020204" pitchFamily="34" charset="0"/>
-              <a:buChar char="•"/>
               <a:defRPr/>
             </a:pPr>
             <a:r>
@@ -24025,65 +24068,6 @@
             </a:r>
             <a:r>
               <a:rPr lang="en-US" dirty="0" smtClean="0">
-                <a:latin typeface="Garamond" pitchFamily="18" charset="0"/>
-              </a:rPr>
-              <a:t>. </a:t>
-            </a:r>
-            <a:endParaRPr lang="sr-Cyrl-RS" sz="2000" dirty="0" smtClean="0">
-              <a:latin typeface="Garamond" pitchFamily="18" charset="0"/>
-            </a:endParaRPr>
-          </a:p>
-          <a:p>
-            <a:pPr>
-              <a:spcBef>
-                <a:spcPts val="600"/>
-              </a:spcBef>
-              <a:defRPr/>
-            </a:pPr>
-            <a:r>
-              <a:rPr lang="sr-Cyrl-RS" sz="2000" dirty="0" smtClean="0">
-                <a:latin typeface="Garamond" pitchFamily="18" charset="0"/>
-              </a:rPr>
-              <a:t>На пример, претпоставимо да нам требају радници по уговору, тј. класа</a:t>
-            </a:r>
-            <a:r>
-              <a:rPr lang="en-US" sz="2000" dirty="0" smtClean="0">
-                <a:latin typeface="Garamond" pitchFamily="18" charset="0"/>
-              </a:rPr>
-              <a:t> </a:t>
-            </a:r>
-            <a:r>
-              <a:rPr lang="en-US" sz="2000" dirty="0" smtClean="0">
-                <a:latin typeface="+mn-lt"/>
-              </a:rPr>
-              <a:t>Contractor</a:t>
-            </a:r>
-            <a:r>
-              <a:rPr lang="en-US" sz="2000" dirty="0" smtClean="0">
-                <a:latin typeface="Garamond" pitchFamily="18" charset="0"/>
-              </a:rPr>
-              <a:t>. </a:t>
-            </a:r>
-            <a:r>
-              <a:rPr lang="sr-Cyrl-RS" sz="2000" dirty="0" smtClean="0">
-                <a:latin typeface="Garamond" pitchFamily="18" charset="0"/>
-              </a:rPr>
-              <a:t>Радници под уговором садрже имена и датум запослења, али не садрже плату</a:t>
-            </a:r>
-            <a:r>
-              <a:rPr lang="en-US" sz="2000" dirty="0" smtClean="0">
-                <a:latin typeface="Garamond" pitchFamily="18" charset="0"/>
-              </a:rPr>
-              <a:t>, </a:t>
-            </a:r>
-            <a:r>
-              <a:rPr lang="sr-Cyrl-RS" sz="2000" dirty="0" smtClean="0">
-                <a:latin typeface="Garamond" pitchFamily="18" charset="0"/>
-              </a:rPr>
-              <a:t>већ се плаћају по сату</a:t>
-            </a:r>
-            <a:r>
-              <a:rPr lang="en-US" sz="2000" dirty="0" smtClean="0">
                 <a:latin typeface="Garamond" pitchFamily="18" charset="0"/>
               </a:rPr>
               <a:t>. </a:t>
@@ -24114,89 +24098,130 @@
               <a:rPr lang="sr-Cyrl-RS" sz="2000" dirty="0" smtClean="0">
                 <a:latin typeface="Garamond" pitchFamily="18" charset="0"/>
               </a:rPr>
+              <a:t>На пример, претпоставимо да нам требају радници по уговору, тј. класа</a:t>
+            </a:r>
+            <a:r>
+              <a:rPr lang="en-US" sz="2000" dirty="0" smtClean="0">
+                <a:latin typeface="Garamond" pitchFamily="18" charset="0"/>
+              </a:rPr>
+              <a:t> </a:t>
+            </a:r>
+            <a:r>
+              <a:rPr lang="en-US" sz="1800" dirty="0" smtClean="0">
+                <a:latin typeface="+mn-lt"/>
+              </a:rPr>
+              <a:t>Contractor</a:t>
+            </a:r>
+            <a:r>
+              <a:rPr lang="en-US" sz="2000" dirty="0" smtClean="0">
+                <a:latin typeface="Garamond" pitchFamily="18" charset="0"/>
+              </a:rPr>
+              <a:t>. </a:t>
+            </a:r>
+            <a:r>
+              <a:rPr lang="sr-Cyrl-RS" sz="2000" dirty="0" smtClean="0">
+                <a:latin typeface="Garamond" pitchFamily="18" charset="0"/>
+              </a:rPr>
+              <a:t>Радници под уговором садрже имена и датум запослења, али не садрже плату</a:t>
+            </a:r>
+            <a:r>
+              <a:rPr lang="en-US" sz="2000" dirty="0" smtClean="0">
+                <a:latin typeface="Garamond" pitchFamily="18" charset="0"/>
+              </a:rPr>
+              <a:t>, </a:t>
+            </a:r>
+            <a:r>
+              <a:rPr lang="sr-Cyrl-RS" sz="2000" dirty="0" smtClean="0">
+                <a:latin typeface="Garamond" pitchFamily="18" charset="0"/>
+              </a:rPr>
+              <a:t>већ се плаћају по сату</a:t>
+            </a:r>
+          </a:p>
+          <a:p>
+            <a:pPr>
+              <a:spcBef>
+                <a:spcPts val="600"/>
+              </a:spcBef>
+              <a:defRPr/>
+            </a:pPr>
+            <a:r>
+              <a:rPr lang="sr-Cyrl-RS" sz="2000" dirty="0" smtClean="0">
+                <a:latin typeface="Garamond" pitchFamily="18" charset="0"/>
+              </a:rPr>
               <a:t>Иако постоји изазов да се класа </a:t>
             </a:r>
             <a:r>
+              <a:rPr lang="en-US" sz="1800" dirty="0" smtClean="0">
+                <a:latin typeface="+mn-lt"/>
+              </a:rPr>
+              <a:t>Contractor</a:t>
+            </a:r>
+            <a:r>
               <a:rPr lang="en-US" sz="2000" dirty="0" smtClean="0">
+                <a:latin typeface="Garamond" pitchFamily="18" charset="0"/>
+              </a:rPr>
+              <a:t> </a:t>
+            </a:r>
+            <a:r>
+              <a:rPr lang="sr-Cyrl-RS" sz="2000" dirty="0" smtClean="0">
+                <a:latin typeface="Garamond" pitchFamily="18" charset="0"/>
+              </a:rPr>
+              <a:t>направи као подкласа класе </a:t>
+            </a:r>
+            <a:r>
+              <a:rPr lang="en-US" sz="1800" dirty="0" smtClean="0">
                 <a:latin typeface="+mn-lt"/>
               </a:rPr>
+              <a:t>Employee</a:t>
+            </a:r>
+            <a:r>
+              <a:rPr lang="en-US" sz="2000" dirty="0" smtClean="0">
+                <a:latin typeface="Garamond" pitchFamily="18" charset="0"/>
+              </a:rPr>
+              <a:t> </a:t>
+            </a:r>
+            <a:r>
+              <a:rPr lang="sr-Cyrl-RS" sz="2000" dirty="0" smtClean="0">
+                <a:latin typeface="Garamond" pitchFamily="18" charset="0"/>
+              </a:rPr>
+              <a:t>којој је додато поље</a:t>
+            </a:r>
+            <a:r>
+              <a:rPr lang="en-US" sz="2000" dirty="0" smtClean="0">
+                <a:latin typeface="Garamond" pitchFamily="18" charset="0"/>
+              </a:rPr>
+              <a:t> </a:t>
+            </a:r>
+            <a:r>
+              <a:rPr lang="en-US" sz="1800" dirty="0" err="1" smtClean="0">
+                <a:latin typeface="+mn-lt"/>
+              </a:rPr>
+              <a:t>hourlyWage</a:t>
+            </a:r>
+            <a:r>
+              <a:rPr lang="sr-Cyrl-RS" sz="2000" dirty="0" smtClean="0">
+                <a:latin typeface="Garamond" pitchFamily="18" charset="0"/>
+              </a:rPr>
+              <a:t>, то не би била добра идеја јер би тада примерак класе</a:t>
+            </a:r>
+            <a:r>
+              <a:rPr lang="en-US" sz="2000" dirty="0">
+                <a:latin typeface="Garamond" pitchFamily="18" charset="0"/>
+              </a:rPr>
+              <a:t> </a:t>
+            </a:r>
+            <a:r>
+              <a:rPr lang="en-US" sz="1800" dirty="0">
+                <a:latin typeface="+mn-lt"/>
+              </a:rPr>
               <a:t>Contractor</a:t>
             </a:r>
             <a:r>
-              <a:rPr lang="en-US" sz="2000" dirty="0" smtClean="0">
-                <a:latin typeface="Garamond" pitchFamily="18" charset="0"/>
-              </a:rPr>
-              <a:t> </a:t>
-            </a:r>
-            <a:r>
               <a:rPr lang="sr-Cyrl-RS" sz="2000" dirty="0" smtClean="0">
                 <a:latin typeface="Garamond" pitchFamily="18" charset="0"/>
               </a:rPr>
-              <a:t>направи као подкласа класе </a:t>
-            </a:r>
-            <a:r>
-              <a:rPr lang="en-US" sz="2000" dirty="0" smtClean="0">
-                <a:latin typeface="+mn-lt"/>
-              </a:rPr>
-              <a:t>Employee</a:t>
-            </a:r>
-            <a:r>
-              <a:rPr lang="en-US" sz="2000" dirty="0" smtClean="0">
-                <a:latin typeface="Garamond" pitchFamily="18" charset="0"/>
-              </a:rPr>
-              <a:t> </a:t>
-            </a:r>
-            <a:r>
-              <a:rPr lang="sr-Cyrl-RS" sz="2000" dirty="0" smtClean="0">
-                <a:latin typeface="Garamond" pitchFamily="18" charset="0"/>
-              </a:rPr>
-              <a:t>којој је додато поље</a:t>
-            </a:r>
-            <a:r>
-              <a:rPr lang="en-US" sz="2000" dirty="0" smtClean="0">
-                <a:latin typeface="Garamond" pitchFamily="18" charset="0"/>
-              </a:rPr>
-              <a:t> </a:t>
-            </a:r>
-            <a:r>
-              <a:rPr lang="en-US" sz="2000" dirty="0" err="1" smtClean="0">
-                <a:latin typeface="+mn-lt"/>
-              </a:rPr>
-              <a:t>hourlyWage</a:t>
-            </a:r>
-            <a:r>
-              <a:rPr lang="sr-Cyrl-RS" sz="2000" dirty="0" smtClean="0">
-                <a:latin typeface="Garamond" pitchFamily="18" charset="0"/>
-              </a:rPr>
-              <a:t>, то не би била добра идеја јер би тада примерак класе</a:t>
-            </a:r>
-            <a:r>
-              <a:rPr lang="en-US" sz="2000" dirty="0">
-                <a:latin typeface="Garamond" pitchFamily="18" charset="0"/>
-              </a:rPr>
-              <a:t> </a:t>
-            </a:r>
-            <a:r>
-              <a:rPr lang="en-US" sz="2000" dirty="0">
-                <a:latin typeface="+mn-lt"/>
-              </a:rPr>
-              <a:t>Contractor</a:t>
-            </a:r>
-            <a:r>
-              <a:rPr lang="sr-Cyrl-RS" sz="2000" dirty="0" smtClean="0">
-                <a:latin typeface="Garamond" pitchFamily="18" charset="0"/>
-              </a:rPr>
               <a:t> садржао и поље за плату и поље за сатницу, а то би водило у проблеме</a:t>
             </a:r>
-            <a:r>
-              <a:rPr lang="en-US" sz="2000" dirty="0" smtClean="0">
-                <a:latin typeface="Garamond" pitchFamily="18" charset="0"/>
-              </a:rPr>
-              <a:t>.</a:t>
-            </a:r>
-            <a:endParaRPr lang="sr-Cyrl-RS" sz="2000" dirty="0" smtClean="0">
-              <a:latin typeface="Garamond" pitchFamily="18" charset="0"/>
-            </a:endParaRPr>
           </a:p>
           <a:p>
             <a:pPr>
@@ -24246,12 +24271,9 @@
               </a:rPr>
               <a:t>Радник по уговору није специјалан случај запосленог</a:t>
             </a:r>
-            <a:r>
-              <a:rPr lang="en-US" sz="2000" dirty="0" smtClean="0">
-                <a:latin typeface="Garamond" pitchFamily="18" charset="0"/>
-              </a:rPr>
-              <a:t>.</a:t>
-            </a:r>
+            <a:endParaRPr lang="en-US" sz="2000" dirty="0" smtClean="0">
+              <a:latin typeface="Garamond" pitchFamily="18" charset="0"/>
+            </a:endParaRPr>
           </a:p>
         </p:txBody>
       </p:sp>
@@ -24265,7 +24287,7 @@
         </p:nvSpPr>
         <p:spPr>
           <a:xfrm>
-            <a:off x="1371600" y="404664"/>
+            <a:off x="1371600" y="332656"/>
             <a:ext cx="7772400" cy="868363"/>
           </a:xfrm>
           <a:prstGeom prst="rect">
@@ -24638,7 +24660,7 @@
                                         <p:tgtEl>
                                           <p:spTgt spid="26626">
                                             <p:txEl>
-                                              <p:pRg st="3" end="3"/>
+                                              <p:pRg st="4" end="4"/>
                                             </p:txEl>
                                           </p:spTgt>
                                         </p:tgtEl>
@@ -24656,7 +24678,7 @@
                                         <p:tgtEl>
                                           <p:spTgt spid="26626">
                                             <p:txEl>
-                                              <p:pRg st="3" end="3"/>
+                                              <p:pRg st="4" end="4"/>
                                             </p:txEl>
                                           </p:spTgt>
                                         </p:tgtEl>
@@ -25185,7 +25207,7 @@
         <p:spPr bwMode="auto">
           <a:xfrm>
             <a:off x="539750" y="1557338"/>
-            <a:ext cx="8451850" cy="5355312"/>
+            <a:ext cx="8451850" cy="5555367"/>
           </a:xfrm>
           <a:prstGeom prst="rect">
             <a:avLst/>
@@ -25335,39 +25357,7 @@
               </a:rPr>
               <a:t>Не користити наслеђивање сем уколико оно има смисла за све методе класе из које се наслеђује</a:t>
             </a:r>
-            <a:r>
-              <a:rPr lang="en-US" b="1" u="sng" dirty="0" smtClean="0">
-                <a:latin typeface="Garamond" pitchFamily="18" charset="0"/>
-              </a:rPr>
-              <a:t>.</a:t>
-            </a:r>
-          </a:p>
-          <a:p>
-            <a:pPr>
-              <a:spcBef>
-                <a:spcPts val="600"/>
-              </a:spcBef>
-              <a:defRPr/>
-            </a:pPr>
-            <a:r>
-              <a:rPr lang="en-US" dirty="0" smtClean="0">
-                <a:latin typeface="Garamond" pitchFamily="18" charset="0"/>
-              </a:rPr>
-              <a:t>SO</a:t>
-            </a:r>
-            <a:r>
-              <a:rPr lang="en-US" b="1" u="sng" dirty="0" smtClean="0">
-                <a:latin typeface="Garamond" pitchFamily="18" charset="0"/>
-              </a:rPr>
-              <a:t>L</a:t>
-            </a:r>
-            <a:r>
-              <a:rPr lang="en-US" dirty="0" smtClean="0">
-                <a:latin typeface="Garamond" pitchFamily="18" charset="0"/>
-              </a:rPr>
-              <a:t>ID</a:t>
-            </a:r>
-            <a:endParaRPr lang="sr-Cyrl-RS" dirty="0" smtClean="0">
+            <a:endParaRPr lang="en-US" b="1" u="sng" dirty="0" smtClean="0">
               <a:latin typeface="Garamond" pitchFamily="18" charset="0"/>
             </a:endParaRPr>
           </a:p>
@@ -25379,101 +25369,24 @@
               <a:defRPr/>
             </a:pPr>
             <a:r>
-              <a:rPr lang="sr-Cyrl-RS" sz="2000" dirty="0" smtClean="0">
-                <a:latin typeface="Garamond" pitchFamily="18" charset="0"/>
-              </a:rPr>
-              <a:t>На пример, </a:t>
-            </a:r>
-            <a:r>
-              <a:rPr lang="sr-Cyrl-RS" sz="2000" dirty="0">
-                <a:latin typeface="Garamond" pitchFamily="18" charset="0"/>
-              </a:rPr>
-              <a:t>п</a:t>
-            </a:r>
-            <a:r>
-              <a:rPr lang="sr-Cyrl-RS" sz="2000" dirty="0" smtClean="0">
-                <a:latin typeface="Garamond" pitchFamily="18" charset="0"/>
-              </a:rPr>
-              <a:t>ретпоставимо да желимо да направимо класу за празнике</a:t>
-            </a:r>
-            <a:r>
-              <a:rPr lang="en-US" sz="2000" dirty="0" smtClean="0">
-                <a:latin typeface="Garamond" pitchFamily="18" charset="0"/>
-              </a:rPr>
-              <a:t> </a:t>
-            </a:r>
-            <a:r>
-              <a:rPr lang="en-US" sz="2000" dirty="0" smtClean="0">
-                <a:latin typeface="+mn-lt"/>
-              </a:rPr>
-              <a:t>Holiday</a:t>
-            </a:r>
-            <a:r>
-              <a:rPr lang="en-US" sz="2000" dirty="0" smtClean="0">
-                <a:latin typeface="Garamond" pitchFamily="18" charset="0"/>
-              </a:rPr>
-              <a:t>. </a:t>
-            </a:r>
-            <a:endParaRPr lang="sr-Cyrl-RS" sz="2000" dirty="0" smtClean="0">
-              <a:latin typeface="Garamond" pitchFamily="18" charset="0"/>
-            </a:endParaRPr>
-          </a:p>
-          <a:p>
-            <a:pPr>
-              <a:spcBef>
-                <a:spcPts val="600"/>
-              </a:spcBef>
-              <a:defRPr/>
-            </a:pPr>
-            <a:r>
-              <a:rPr lang="sr-Cyrl-RS" sz="2000" dirty="0" smtClean="0">
-                <a:latin typeface="Garamond" pitchFamily="18" charset="0"/>
-              </a:rPr>
-              <a:t>Будући да је сваки празник да</a:t>
-            </a:r>
-            <a:r>
-              <a:rPr lang="sr-Cyrl-RS" sz="2000" dirty="0">
-                <a:latin typeface="Garamond" pitchFamily="18" charset="0"/>
-              </a:rPr>
-              <a:t>н</a:t>
-            </a:r>
-            <a:r>
-              <a:rPr lang="sr-Cyrl-RS" sz="2000" dirty="0" smtClean="0">
-                <a:latin typeface="Garamond" pitchFamily="18" charset="0"/>
-              </a:rPr>
-              <a:t>, а да су дани примерци класе</a:t>
-            </a:r>
-            <a:r>
-              <a:rPr lang="en-US" sz="2000" dirty="0" smtClean="0">
-                <a:latin typeface="Garamond" pitchFamily="18" charset="0"/>
-              </a:rPr>
-              <a:t> </a:t>
-            </a:r>
-            <a:r>
-              <a:rPr lang="en-US" sz="2000" dirty="0" err="1" smtClean="0">
-                <a:latin typeface="+mn-lt"/>
-              </a:rPr>
-              <a:t>LocalDate</a:t>
-            </a:r>
-            <a:r>
-              <a:rPr lang="en-US" sz="2000" dirty="0" smtClean="0">
-                <a:latin typeface="Garamond" pitchFamily="18" charset="0"/>
-              </a:rPr>
-              <a:t>, </a:t>
-            </a:r>
-            <a:r>
-              <a:rPr lang="sr-Cyrl-RS" sz="2000" dirty="0" smtClean="0">
-                <a:latin typeface="Garamond" pitchFamily="18" charset="0"/>
-              </a:rPr>
-              <a:t>то можемо користити наслеђивање</a:t>
-            </a:r>
-            <a:r>
-              <a:rPr lang="en-US" sz="2000" dirty="0" smtClean="0">
-                <a:latin typeface="Garamond" pitchFamily="18" charset="0"/>
-              </a:rPr>
-              <a:t>.</a:t>
-            </a:r>
-            <a:endParaRPr lang="sr-Cyrl-RS" sz="2000" dirty="0">
+              <a:rPr lang="en-US" dirty="0" smtClean="0">
+                <a:latin typeface="Garamond" pitchFamily="18" charset="0"/>
+              </a:rPr>
+              <a:t>SO</a:t>
+            </a:r>
+            <a:r>
+              <a:rPr lang="en-US" b="1" u="sng" dirty="0" smtClean="0">
+                <a:latin typeface="Garamond" pitchFamily="18" charset="0"/>
+              </a:rPr>
+              <a:t>L</a:t>
+            </a:r>
+            <a:r>
+              <a:rPr lang="en-US" dirty="0" smtClean="0">
+                <a:latin typeface="Garamond" pitchFamily="18" charset="0"/>
+              </a:rPr>
+              <a:t>ID</a:t>
+            </a:r>
+            <a:endParaRPr lang="sr-Cyrl-RS" dirty="0" smtClean="0">
               <a:latin typeface="Garamond" pitchFamily="18" charset="0"/>
             </a:endParaRPr>
           </a:p>
@@ -25489,6 +25402,117 @@
             </a:endParaRPr>
           </a:p>
           <a:p>
+            <a:pPr>
+              <a:spcBef>
+                <a:spcPts val="600"/>
+              </a:spcBef>
+              <a:defRPr/>
+            </a:pPr>
+            <a:r>
+              <a:rPr lang="sr-Cyrl-RS" sz="2000" dirty="0" smtClean="0">
+                <a:latin typeface="Garamond" pitchFamily="18" charset="0"/>
+              </a:rPr>
+              <a:t>На пример, </a:t>
+            </a:r>
+            <a:r>
+              <a:rPr lang="sr-Cyrl-RS" sz="2000" dirty="0">
+                <a:latin typeface="Garamond" pitchFamily="18" charset="0"/>
+              </a:rPr>
+              <a:t>п</a:t>
+            </a:r>
+            <a:r>
+              <a:rPr lang="sr-Cyrl-RS" sz="2000" dirty="0" smtClean="0">
+                <a:latin typeface="Garamond" pitchFamily="18" charset="0"/>
+              </a:rPr>
+              <a:t>ретпоставимо да желимо да направимо класу за празнике</a:t>
+            </a:r>
+            <a:r>
+              <a:rPr lang="en-US" sz="2000" dirty="0" smtClean="0">
+                <a:latin typeface="Garamond" pitchFamily="18" charset="0"/>
+              </a:rPr>
+              <a:t> </a:t>
+            </a:r>
+            <a:r>
+              <a:rPr lang="en-US" sz="1800" dirty="0" smtClean="0">
+                <a:latin typeface="+mn-lt"/>
+              </a:rPr>
+              <a:t>Holiday</a:t>
+            </a:r>
+            <a:r>
+              <a:rPr lang="en-US" sz="2000" dirty="0" smtClean="0">
+                <a:latin typeface="Garamond" pitchFamily="18" charset="0"/>
+              </a:rPr>
+              <a:t>. </a:t>
+            </a:r>
+            <a:endParaRPr lang="sr-Cyrl-RS" sz="2000" dirty="0" smtClean="0">
+              <a:latin typeface="Garamond" pitchFamily="18" charset="0"/>
+            </a:endParaRPr>
+          </a:p>
+          <a:p>
+            <a:pPr>
+              <a:spcBef>
+                <a:spcPts val="600"/>
+              </a:spcBef>
+              <a:defRPr/>
+            </a:pPr>
+            <a:r>
+              <a:rPr lang="sr-Cyrl-RS" sz="2000" dirty="0" smtClean="0">
+                <a:latin typeface="Garamond" pitchFamily="18" charset="0"/>
+              </a:rPr>
+              <a:t>Будући да је сваки празник да</a:t>
+            </a:r>
+            <a:r>
+              <a:rPr lang="sr-Cyrl-RS" sz="2000" dirty="0">
+                <a:latin typeface="Garamond" pitchFamily="18" charset="0"/>
+              </a:rPr>
+              <a:t>н</a:t>
+            </a:r>
+            <a:r>
+              <a:rPr lang="sr-Cyrl-RS" sz="2000" dirty="0" smtClean="0">
+                <a:latin typeface="Garamond" pitchFamily="18" charset="0"/>
+              </a:rPr>
+              <a:t>, а да су дани примерци класе</a:t>
+            </a:r>
+            <a:r>
+              <a:rPr lang="en-US" sz="2000" dirty="0" smtClean="0">
+                <a:latin typeface="Garamond" pitchFamily="18" charset="0"/>
+              </a:rPr>
+              <a:t> </a:t>
+            </a:r>
+            <a:r>
+              <a:rPr lang="en-US" sz="1800" dirty="0" err="1" smtClean="0">
+                <a:latin typeface="+mn-lt"/>
+              </a:rPr>
+              <a:t>LocalDate</a:t>
+            </a:r>
+            <a:r>
+              <a:rPr lang="en-US" sz="2000" dirty="0" smtClean="0">
+                <a:latin typeface="Garamond" pitchFamily="18" charset="0"/>
+              </a:rPr>
+              <a:t>, </a:t>
+            </a:r>
+            <a:r>
+              <a:rPr lang="sr-Cyrl-RS" sz="2000" dirty="0" smtClean="0">
+                <a:latin typeface="Garamond" pitchFamily="18" charset="0"/>
+              </a:rPr>
+              <a:t>то можемо користити наслеђивање</a:t>
+            </a:r>
+            <a:endParaRPr lang="sr-Cyrl-RS" sz="2000" dirty="0">
+              <a:latin typeface="Garamond" pitchFamily="18" charset="0"/>
+            </a:endParaRPr>
+          </a:p>
+          <a:p>
+            <a:pPr>
+              <a:spcBef>
+                <a:spcPts val="600"/>
+              </a:spcBef>
+              <a:defRPr/>
+            </a:pPr>
+            <a:endParaRPr lang="sr-Cyrl-RS" sz="800" dirty="0" smtClean="0">
+              <a:latin typeface="Garamond" pitchFamily="18" charset="0"/>
+            </a:endParaRPr>
+          </a:p>
+          <a:p>
             <a:r>
               <a:rPr lang="sr-Cyrl-RS" sz="1500" dirty="0" smtClean="0">
                 <a:solidFill>
@@ -25672,7 +25696,7 @@
               <a:t>Један од јавних метода класе </a:t>
             </a:r>
             <a:r>
-              <a:rPr lang="en-US" sz="2000" dirty="0" err="1" smtClean="0">
+              <a:rPr lang="en-US" sz="1800" dirty="0" err="1" smtClean="0">
                 <a:latin typeface="+mn-lt"/>
               </a:rPr>
               <a:t>LocalDate</a:t>
@@ -25696,16 +25720,16 @@
               <a:t> </a:t>
             </a:r>
             <a:r>
-              <a:rPr lang="en-US" sz="2000" dirty="0">
+              <a:rPr lang="en-US" sz="1800" dirty="0" smtClean="0">
                 <a:latin typeface="+mn-lt"/>
               </a:rPr>
               <a:t>add</a:t>
             </a:r>
             <a:r>
-              <a:rPr lang="en-US" sz="2000" dirty="0">
-                <a:latin typeface="Garamond" pitchFamily="18" charset="0"/>
-              </a:rPr>
-              <a:t>. </a:t>
+              <a:rPr lang="en-US" sz="2000" dirty="0" smtClean="0">
+                <a:latin typeface="Garamond" pitchFamily="18" charset="0"/>
+              </a:rPr>
+              <a:t> </a:t>
             </a:r>
             <a:endParaRPr lang="sr-Cyrl-RS" sz="2000" dirty="0" smtClean="0">
               <a:latin typeface="Garamond" pitchFamily="18" charset="0"/>
@@ -25862,12 +25886,9 @@
               </a:rPr>
               <a:t>Стога, у овом примеру наслеђивање није адекватно</a:t>
             </a:r>
-            <a:r>
-              <a:rPr lang="en-US" sz="2000" dirty="0" smtClean="0">
-                <a:latin typeface="Garamond" pitchFamily="18" charset="0"/>
-              </a:rPr>
-              <a:t>.</a:t>
-            </a:r>
+            <a:endParaRPr lang="en-US" sz="2000" dirty="0" smtClean="0">
+              <a:latin typeface="Garamond" pitchFamily="18" charset="0"/>
+            </a:endParaRPr>
           </a:p>
         </p:txBody>
       </p:sp>
@@ -25881,7 +25902,7 @@
         </p:nvSpPr>
         <p:spPr>
           <a:xfrm>
-            <a:off x="1371600" y="404664"/>
+            <a:off x="1371600" y="332656"/>
             <a:ext cx="7772400" cy="868363"/>
           </a:xfrm>
           <a:prstGeom prst="rect">
@@ -26056,7 +26077,7 @@
         </p:nvSpPr>
         <p:spPr>
           <a:xfrm>
-            <a:off x="1371600" y="4221088"/>
+            <a:off x="1371600" y="4437112"/>
             <a:ext cx="6008712" cy="432048"/>
           </a:xfrm>
           <a:prstGeom prst="rect">
@@ -26097,7 +26118,7 @@
         </p:nvSpPr>
         <p:spPr>
           <a:xfrm>
-            <a:off x="1371600" y="5733256"/>
+            <a:off x="1371600" y="5877272"/>
             <a:ext cx="4928592" cy="576064"/>
           </a:xfrm>
           <a:prstGeom prst="rect">
@@ -26275,7 +26296,7 @@
                                         <p:tgtEl>
                                           <p:spTgt spid="26626">
                                             <p:txEl>
-                                              <p:pRg st="2" end="2"/>
+                                              <p:pRg st="3" end="3"/>
                                             </p:txEl>
                                           </p:spTgt>
                                         </p:tgtEl>
@@ -26293,7 +26314,7 @@
                                         <p:tgtEl>
                                           <p:spTgt spid="26626">
                                             <p:txEl>
-                                              <p:pRg st="2" end="2"/>
+                                              <p:pRg st="3" end="3"/>
                                             </p:txEl>
                                           </p:spTgt>
                                         </p:tgtEl>
@@ -26336,7 +26357,7 @@
                                         <p:tgtEl>
                                           <p:spTgt spid="26626">
                                             <p:txEl>
-                                              <p:pRg st="3" end="3"/>
+                                              <p:pRg st="4" end="4"/>
                                             </p:txEl>
                                           </p:spTgt>
                                         </p:tgtEl>
@@ -26354,7 +26375,7 @@
                                         <p:tgtEl>
                                           <p:spTgt spid="26626">
                                             <p:txEl>
-                                              <p:pRg st="3" end="3"/>
+                                              <p:pRg st="4" end="4"/>
                                             </p:txEl>
                                           </p:spTgt>
                                         </p:tgtEl>
@@ -26414,7 +26435,7 @@
                                         <p:tgtEl>
                                           <p:spTgt spid="26626">
                                             <p:txEl>
-                                              <p:pRg st="5" end="5"/>
+                                              <p:pRg st="6" end="6"/>
                                             </p:txEl>
                                           </p:spTgt>
                                         </p:tgtEl>
@@ -26432,7 +26453,7 @@
                                         <p:tgtEl>
                                           <p:spTgt spid="26626">
                                             <p:txEl>
-                                              <p:pRg st="5" end="5"/>
+                                              <p:pRg st="6" end="6"/>
                                             </p:txEl>
                                           </p:spTgt>
                                         </p:tgtEl>
@@ -26475,7 +26496,7 @@
                                         <p:tgtEl>
                                           <p:spTgt spid="26626">
                                             <p:txEl>
-                                              <p:pRg st="6" end="6"/>
+                                              <p:pRg st="7" end="7"/>
                                             </p:txEl>
                                           </p:spTgt>
                                         </p:tgtEl>
@@ -26493,7 +26514,7 @@
                                         <p:tgtEl>
                                           <p:spTgt spid="26626">
                                             <p:txEl>
-                                              <p:pRg st="6" end="6"/>
+                                              <p:pRg st="7" end="7"/>
                                             </p:txEl>
                                           </p:spTgt>
                                         </p:tgtEl>
@@ -26536,7 +26557,7 @@
                                         <p:tgtEl>
                                           <p:spTgt spid="26626">
                                             <p:txEl>
-                                              <p:pRg st="7" end="7"/>
+                                              <p:pRg st="8" end="8"/>
                                             </p:txEl>
                                           </p:spTgt>
                                         </p:tgtEl>
@@ -26554,7 +26575,7 @@
                                         <p:tgtEl>
                                           <p:spTgt spid="26626">
                                             <p:txEl>
-                                              <p:pRg st="7" end="7"/>
+                                              <p:pRg st="8" end="8"/>
                                             </p:txEl>
                                           </p:spTgt>
                                         </p:tgtEl>
@@ -26614,7 +26635,7 @@
                                         <p:tgtEl>
                                           <p:spTgt spid="26626">
                                             <p:txEl>
-                                              <p:pRg st="8" end="8"/>
+                                              <p:pRg st="9" end="9"/>
                                             </p:txEl>
                                           </p:spTgt>
                                         </p:tgtEl>
@@ -26632,7 +26653,7 @@
                                         <p:tgtEl>
                                           <p:spTgt spid="26626">
                                             <p:txEl>
-                                              <p:pRg st="8" end="8"/>
+                                              <p:pRg st="9" end="9"/>
                                             </p:txEl>
                                           </p:spTgt>
                                         </p:tgtEl>
@@ -26657,7 +26678,7 @@
                                         <p:tgtEl>
                                           <p:spTgt spid="26626">
                                             <p:txEl>
-                                              <p:pRg st="9" end="9"/>
+                                              <p:pRg st="10" end="10"/>
                                             </p:txEl>
                                           </p:spTgt>
                                         </p:tgtEl>
@@ -26675,7 +26696,7 @@
                                         <p:tgtEl>
                                           <p:spTgt spid="26626">
                                             <p:txEl>
-                                              <p:pRg st="9" end="9"/>
+                                              <p:pRg st="10" end="10"/>
                                             </p:txEl>
                                           </p:spTgt>
                                         </p:tgtEl>
@@ -26700,7 +26721,7 @@
                                         <p:tgtEl>
                                           <p:spTgt spid="26626">
                                             <p:txEl>
-                                              <p:pRg st="10" end="10"/>
+                                              <p:pRg st="11" end="11"/>
                                             </p:txEl>
                                           </p:spTgt>
                                         </p:tgtEl>
@@ -26718,7 +26739,7 @@
                                         <p:tgtEl>
                                           <p:spTgt spid="26626">
                                             <p:txEl>
-                                              <p:pRg st="10" end="10"/>
+                                              <p:pRg st="11" end="11"/>
                                             </p:txEl>
                                           </p:spTgt>
                                         </p:tgtEl>
@@ -26790,7 +26811,7 @@
         <p:spPr bwMode="auto">
           <a:xfrm>
             <a:off x="539552" y="1417638"/>
-            <a:ext cx="8451850" cy="4878259"/>
+            <a:ext cx="8451850" cy="5262979"/>
           </a:xfrm>
           <a:prstGeom prst="rect">
             <a:avLst/>
@@ -26934,12 +26955,6 @@
               </a:rPr>
               <a:t>5. Приликом превазилажења метода не мењати очекивано понашање тј. поштовати принцип замене</a:t>
             </a:r>
-            <a:r>
-              <a:rPr lang="en-US" b="1" u="sng" dirty="0" smtClean="0">
-                <a:latin typeface="Garamond" pitchFamily="18" charset="0"/>
-              </a:rPr>
-              <a:t>.</a:t>
-            </a:r>
             <a:endParaRPr lang="en-US" b="1" u="sng" dirty="0">
               <a:latin typeface="Garamond" pitchFamily="18" charset="0"/>
             </a:endParaRPr>
@@ -26975,8 +26990,16 @@
               <a:rPr lang="sr-Cyrl-RS" sz="2000" dirty="0" smtClean="0">
                 <a:latin typeface="Garamond" pitchFamily="18" charset="0"/>
               </a:rPr>
-              <a:t>Принцип замене се примењује и на синтаксу и на понашање.</a:t>
-            </a:r>
+              <a:t>Принцип замене се примењује и на синтаксу и на понашање</a:t>
+            </a:r>
+          </a:p>
+          <a:p>
+            <a:pPr>
+              <a:spcBef>
+                <a:spcPts val="600"/>
+              </a:spcBef>
+              <a:defRPr/>
+            </a:pPr>
             <a:endParaRPr lang="en-US" sz="2000" dirty="0">
               <a:latin typeface="Garamond" pitchFamily="18" charset="0"/>
             </a:endParaRPr>
@@ -27013,10 +27036,34 @@
               <a:t> </a:t>
             </a:r>
             <a:r>
+              <a:rPr lang="en-US" sz="1800" dirty="0">
+                <a:latin typeface="+mn-lt"/>
+              </a:rPr>
+              <a:t>add</a:t>
+            </a:r>
+            <a:r>
               <a:rPr lang="en-US" sz="2000" dirty="0">
+                <a:latin typeface="Garamond" pitchFamily="18" charset="0"/>
+              </a:rPr>
+              <a:t> </a:t>
+            </a:r>
+            <a:r>
+              <a:rPr lang="sr-Cyrl-RS" sz="2000" dirty="0" smtClean="0">
+                <a:latin typeface="Garamond" pitchFamily="18" charset="0"/>
+              </a:rPr>
+              <a:t>у класи</a:t>
+            </a:r>
+            <a:r>
+              <a:rPr lang="en-US" sz="2000" dirty="0" smtClean="0">
+                <a:latin typeface="Garamond" pitchFamily="18" charset="0"/>
+              </a:rPr>
+              <a:t> </a:t>
+            </a:r>
+            <a:r>
+              <a:rPr lang="en-US" sz="1800" dirty="0">
                 <a:latin typeface="+mn-lt"/>
               </a:rPr>
-              <a:t>add</a:t>
+              <a:t>Holiday</a:t>
             </a:r>
             <a:r>
               <a:rPr lang="en-US" sz="2000" dirty="0">
@@ -27028,7 +27075,7 @@
               <a:rPr lang="sr-Cyrl-RS" sz="2000" dirty="0" smtClean="0">
                 <a:latin typeface="Garamond" pitchFamily="18" charset="0"/>
               </a:rPr>
-              <a:t>у класи</a:t>
+              <a:t>тако да сада</a:t>
             </a:r>
             <a:r>
               <a:rPr lang="en-US" sz="2000" dirty="0" smtClean="0">
@@ -27037,31 +27084,7 @@
               <a:t> </a:t>
             </a:r>
             <a:r>
-              <a:rPr lang="en-US" sz="2000" dirty="0">
-                <a:latin typeface="+mn-lt"/>
-              </a:rPr>
-              <a:t>Holiday</a:t>
-            </a:r>
-            <a:r>
-              <a:rPr lang="en-US" sz="2000" dirty="0">
-                <a:latin typeface="Garamond" pitchFamily="18" charset="0"/>
-              </a:rPr>
-              <a:t> </a:t>
-            </a:r>
-            <a:r>
-              <a:rPr lang="sr-Cyrl-RS" sz="2000" dirty="0" smtClean="0">
-                <a:latin typeface="Garamond" pitchFamily="18" charset="0"/>
-              </a:rPr>
-              <a:t>тако да сада</a:t>
-            </a:r>
-            <a:r>
-              <a:rPr lang="en-US" sz="2000" dirty="0" smtClean="0">
-                <a:latin typeface="Garamond" pitchFamily="18" charset="0"/>
-              </a:rPr>
-              <a:t> </a:t>
-            </a:r>
-            <a:r>
-              <a:rPr lang="en-US" sz="2000" dirty="0" smtClean="0">
+              <a:rPr lang="en-US" sz="1800" dirty="0" smtClean="0">
                 <a:latin typeface="+mn-lt"/>
               </a:rPr>
               <a:t>add</a:t>
@@ -27394,19 +27417,19 @@
               <a:t>треба да има очекивано понашање, тј. да врати </a:t>
             </a:r>
             <a:r>
+              <a:rPr lang="sr-Cyrl-RS" sz="1800" dirty="0" smtClean="0">
+                <a:latin typeface="+mn-lt"/>
+              </a:rPr>
+              <a:t>1</a:t>
+            </a:r>
+            <a:r>
               <a:rPr lang="sr-Cyrl-RS" sz="2000" dirty="0" smtClean="0">
-                <a:latin typeface="+mn-lt"/>
-              </a:rPr>
-              <a:t>1</a:t>
-            </a:r>
-            <a:r>
-              <a:rPr lang="sr-Cyrl-RS" sz="2000" dirty="0" smtClean="0">
                 <a:latin typeface="Garamond" pitchFamily="18" charset="0"/>
               </a:rPr>
               <a:t>, без обзира да ли су променљиве </a:t>
             </a:r>
             <a:r>
-              <a:rPr lang="en-US" sz="2000" dirty="0" smtClean="0">
+              <a:rPr lang="en-US" sz="1800" dirty="0" smtClean="0">
                 <a:latin typeface="+mn-lt"/>
               </a:rPr>
               <a:t>d1</a:t>
@@ -27422,10 +27445,34 @@
               <a:t>и </a:t>
             </a:r>
             <a:r>
+              <a:rPr lang="en-US" sz="1800" dirty="0" smtClean="0">
+                <a:latin typeface="+mn-lt"/>
+              </a:rPr>
+              <a:t>d2</a:t>
+            </a:r>
+            <a:r>
               <a:rPr lang="en-US" sz="2000" dirty="0" smtClean="0">
+                <a:latin typeface="Garamond" pitchFamily="18" charset="0"/>
+              </a:rPr>
+              <a:t> </a:t>
+            </a:r>
+            <a:r>
+              <a:rPr lang="sr-Cyrl-RS" sz="2000" dirty="0" smtClean="0">
+                <a:latin typeface="Garamond" pitchFamily="18" charset="0"/>
+              </a:rPr>
+              <a:t>типа</a:t>
+            </a:r>
+            <a:r>
+              <a:rPr lang="en-US" sz="2000" dirty="0" smtClean="0">
+                <a:latin typeface="Garamond" pitchFamily="18" charset="0"/>
+              </a:rPr>
+              <a:t> </a:t>
+            </a:r>
+            <a:r>
+              <a:rPr lang="en-US" sz="1800" dirty="0" err="1" smtClean="0">
                 <a:latin typeface="+mn-lt"/>
               </a:rPr>
-              <a:t>d2</a:t>
+              <a:t>LocalDate</a:t>
             </a:r>
             <a:r>
               <a:rPr lang="en-US" sz="2000" dirty="0" smtClean="0">
@@ -27437,34 +27484,10 @@
               <a:rPr lang="sr-Cyrl-RS" sz="2000" dirty="0" smtClean="0">
                 <a:latin typeface="Garamond" pitchFamily="18" charset="0"/>
               </a:rPr>
-              <a:t>типа</a:t>
-            </a:r>
-            <a:r>
-              <a:rPr lang="en-US" sz="2000" dirty="0" smtClean="0">
-                <a:latin typeface="Garamond" pitchFamily="18" charset="0"/>
-              </a:rPr>
-              <a:t> </a:t>
-            </a:r>
-            <a:r>
-              <a:rPr lang="en-US" sz="2000" dirty="0" err="1" smtClean="0">
-                <a:latin typeface="+mn-lt"/>
-              </a:rPr>
-              <a:t>LocalDate</a:t>
-            </a:r>
-            <a:r>
-              <a:rPr lang="en-US" sz="2000" dirty="0" smtClean="0">
-                <a:latin typeface="Garamond" pitchFamily="18" charset="0"/>
-              </a:rPr>
-              <a:t> </a:t>
-            </a:r>
-            <a:r>
-              <a:rPr lang="sr-Cyrl-RS" sz="2000" dirty="0" smtClean="0">
-                <a:latin typeface="Garamond" pitchFamily="18" charset="0"/>
-              </a:rPr>
               <a:t>или </a:t>
             </a:r>
             <a:r>
-              <a:rPr lang="en-US" sz="2000" dirty="0" smtClean="0">
+              <a:rPr lang="en-US" sz="1800" dirty="0" smtClean="0">
                 <a:latin typeface="+mn-lt"/>
               </a:rPr>
               <a:t>Holiday</a:t>
@@ -27491,7 +27514,7 @@
         </p:nvSpPr>
         <p:spPr>
           <a:xfrm>
-            <a:off x="1371600" y="404664"/>
+            <a:off x="1371600" y="332656"/>
             <a:ext cx="7772400" cy="868363"/>
           </a:xfrm>
           <a:prstGeom prst="rect">
@@ -27666,7 +27689,7 @@
         </p:nvSpPr>
         <p:spPr>
           <a:xfrm>
-            <a:off x="539552" y="4725144"/>
+            <a:off x="539552" y="5157192"/>
             <a:ext cx="8451850" cy="864096"/>
           </a:xfrm>
           <a:prstGeom prst="rect">
@@ -27923,7 +27946,7 @@
                                         <p:tgtEl>
                                           <p:spTgt spid="26626">
                                             <p:txEl>
-                                              <p:pRg st="3" end="3"/>
+                                              <p:pRg st="4" end="4"/>
                                             </p:txEl>
                                           </p:spTgt>
                                         </p:tgtEl>
@@ -27941,7 +27964,7 @@
                                         <p:tgtEl>
                                           <p:spTgt spid="26626">
                                             <p:txEl>
-                                              <p:pRg st="3" end="3"/>
+                                              <p:pRg st="4" end="4"/>
                                             </p:txEl>
                                           </p:spTgt>
                                         </p:tgtEl>
@@ -27984,7 +28007,7 @@
                                         <p:tgtEl>
                                           <p:spTgt spid="26626">
                                             <p:txEl>
-                                              <p:pRg st="4" end="4"/>
+                                              <p:pRg st="5" end="5"/>
                                             </p:txEl>
                                           </p:spTgt>
                                         </p:tgtEl>
@@ -28002,7 +28025,7 @@
                                         <p:tgtEl>
                                           <p:spTgt spid="26626">
                                             <p:txEl>
-                                              <p:pRg st="4" end="4"/>
+                                              <p:pRg st="5" end="5"/>
                                             </p:txEl>
                                           </p:spTgt>
                                         </p:tgtEl>
@@ -28062,7 +28085,7 @@
                                         <p:tgtEl>
                                           <p:spTgt spid="26626">
                                             <p:txEl>
-                                              <p:pRg st="6" end="6"/>
+                                              <p:pRg st="7" end="7"/>
                                             </p:txEl>
                                           </p:spTgt>
                                         </p:tgtEl>
@@ -28080,7 +28103,7 @@
                                         <p:tgtEl>
                                           <p:spTgt spid="26626">
                                             <p:txEl>
-                                              <p:pRg st="6" end="6"/>
+                                              <p:pRg st="7" end="7"/>
                                             </p:txEl>
                                           </p:spTgt>
                                         </p:tgtEl>
@@ -28105,7 +28128,7 @@
                                         <p:tgtEl>
                                           <p:spTgt spid="26626">
                                             <p:txEl>
-                                              <p:pRg st="7" end="7"/>
+                                              <p:pRg st="8" end="8"/>
                                             </p:txEl>
                                           </p:spTgt>
                                         </p:tgtEl>
@@ -28123,7 +28146,7 @@
                                         <p:tgtEl>
                                           <p:spTgt spid="26626">
                                             <p:txEl>
-                                              <p:pRg st="7" end="7"/>
+                                              <p:pRg st="8" end="8"/>
                                             </p:txEl>
                                           </p:spTgt>
                                         </p:tgtEl>
@@ -28148,7 +28171,7 @@
                                         <p:tgtEl>
                                           <p:spTgt spid="26626">
                                             <p:txEl>
-                                              <p:pRg st="8" end="8"/>
+                                              <p:pRg st="9" end="9"/>
                                             </p:txEl>
                                           </p:spTgt>
                                         </p:tgtEl>
@@ -28166,7 +28189,7 @@
                                         <p:tgtEl>
                                           <p:spTgt spid="26626">
                                             <p:txEl>
-                                              <p:pRg st="8" end="8"/>
+                                              <p:pRg st="9" end="9"/>
                                             </p:txEl>
                                           </p:spTgt>
                                         </p:tgtEl>
@@ -28191,7 +28214,7 @@
                                         <p:tgtEl>
                                           <p:spTgt spid="26626">
                                             <p:txEl>
-                                              <p:pRg st="9" end="9"/>
+                                              <p:pRg st="10" end="10"/>
                                             </p:txEl>
                                           </p:spTgt>
                                         </p:tgtEl>
@@ -28209,7 +28232,7 @@
                                         <p:tgtEl>
                                           <p:spTgt spid="26626">
                                             <p:txEl>
-                                              <p:pRg st="9" end="9"/>
+                                              <p:pRg st="10" end="10"/>
                                             </p:txEl>
                                           </p:spTgt>
                                         </p:tgtEl>
@@ -28279,8 +28302,8 @@
         </p:nvSpPr>
         <p:spPr bwMode="auto">
           <a:xfrm>
-            <a:off x="539750" y="1416050"/>
-            <a:ext cx="8451850" cy="5216813"/>
+            <a:off x="539750" y="1412776"/>
+            <a:ext cx="8451850" cy="5032147"/>
           </a:xfrm>
           <a:prstGeom prst="rect">
             <a:avLst/>
@@ -28424,12 +28447,6 @@
               </a:rPr>
               <a:t>6. Користити полиморфизам, а не информације о типу</a:t>
             </a:r>
-            <a:r>
-              <a:rPr lang="en-US" b="1" u="sng" dirty="0" smtClean="0">
-                <a:latin typeface="Garamond" pitchFamily="18" charset="0"/>
-              </a:rPr>
-              <a:t>.</a:t>
-            </a:r>
             <a:endParaRPr lang="en-US" b="1" u="sng" dirty="0">
               <a:latin typeface="Garamond" pitchFamily="18" charset="0"/>
             </a:endParaRPr>
@@ -28455,21 +28472,19 @@
             </a:r>
           </a:p>
           <a:p>
-            <a:pPr marL="342900" indent="-342900">
+            <a:pPr>
               <a:spcBef>
                 <a:spcPts val="600"/>
               </a:spcBef>
-              <a:buFont typeface="Arial" panose="020B0604020202020204" pitchFamily="34" charset="0"/>
-              <a:buChar char="•"/>
               <a:defRPr/>
             </a:pPr>
             <a:r>
-              <a:rPr lang="sr-Cyrl-RS" dirty="0" smtClean="0">
-                <a:latin typeface="Garamond" pitchFamily="18" charset="0"/>
-              </a:rPr>
-              <a:t>Кад год се наиђе на код облика:</a:t>
-            </a:r>
-            <a:endParaRPr lang="en-US" dirty="0">
+              <a:rPr lang="sr-Cyrl-RS" sz="2000" dirty="0" smtClean="0">
+                <a:latin typeface="Garamond" pitchFamily="18" charset="0"/>
+              </a:rPr>
+              <a:t>На пример, кад год се наиђе на код облика:</a:t>
+            </a:r>
+            <a:endParaRPr lang="en-US" sz="2000" dirty="0">
               <a:latin typeface="Garamond" pitchFamily="18" charset="0"/>
             </a:endParaRPr>
           </a:p>
@@ -28803,35 +28818,35 @@
               <a:defRPr/>
             </a:pPr>
             <a:r>
-              <a:rPr lang="sr-Cyrl-RS" dirty="0" smtClean="0">
-                <a:latin typeface="Garamond" pitchFamily="18" charset="0"/>
-              </a:rPr>
-              <a:t>    треба размотрити могућност полиморфизма</a:t>
-            </a:r>
-            <a:r>
-              <a:rPr lang="en-US" dirty="0" smtClean="0">
-                <a:latin typeface="Garamond" pitchFamily="18" charset="0"/>
-              </a:rPr>
-              <a:t>.</a:t>
-            </a:r>
-            <a:r>
-              <a:rPr lang="sr-Cyrl-RS" dirty="0" smtClean="0">
-                <a:latin typeface="Garamond" pitchFamily="18" charset="0"/>
-              </a:rPr>
-              <a:t> </a:t>
-            </a:r>
+              <a:rPr lang="sr-Cyrl-RS" sz="2000" dirty="0" smtClean="0">
+                <a:latin typeface="Garamond" pitchFamily="18" charset="0"/>
+              </a:rPr>
+              <a:t>треба размотрити могућност полиморфизма</a:t>
+            </a:r>
+            <a:endParaRPr lang="sr-Cyrl-RS" sz="2000" dirty="0">
+              <a:latin typeface="Garamond" pitchFamily="18" charset="0"/>
+            </a:endParaRPr>
           </a:p>
           <a:p>
-            <a:pPr marL="342900" indent="-342900">
-              <a:spcBef>
-                <a:spcPts val="600"/>
-              </a:spcBef>
-              <a:buFont typeface="Arial" panose="020B0604020202020204" pitchFamily="34" charset="0"/>
-              <a:buChar char="•"/>
+            <a:pPr>
+              <a:spcBef>
+                <a:spcPts val="0"/>
+              </a:spcBef>
               <a:defRPr/>
             </a:pPr>
-            <a:r>
-              <a:rPr lang="sr-Cyrl-RS" dirty="0" smtClean="0">
+            <a:endParaRPr lang="sr-Cyrl-RS" sz="800" dirty="0" smtClean="0">
+              <a:latin typeface="Garamond" pitchFamily="18" charset="0"/>
+            </a:endParaRPr>
+          </a:p>
+          <a:p>
+            <a:pPr>
+              <a:spcBef>
+                <a:spcPts val="600"/>
+              </a:spcBef>
+              <a:defRPr/>
+            </a:pPr>
+            <a:r>
+              <a:rPr lang="sr-Cyrl-RS" sz="2000" dirty="0" smtClean="0">
                 <a:latin typeface="Garamond" pitchFamily="18" charset="0"/>
               </a:rPr>
               <a:t>Да ли </a:t>
@@ -28843,19 +28858,19 @@
               <a:t>action1</a:t>
             </a:r>
             <a:r>
-              <a:rPr lang="en-US" sz="1800" dirty="0" smtClean="0">
+              <a:rPr lang="en-US" sz="2000" dirty="0" smtClean="0">
                 <a:latin typeface="Garamond" pitchFamily="18" charset="0"/>
               </a:rPr>
               <a:t> </a:t>
             </a:r>
             <a:r>
-              <a:rPr lang="sr-Cyrl-RS" dirty="0" smtClean="0">
+              <a:rPr lang="sr-Cyrl-RS" sz="2000" dirty="0" smtClean="0">
                 <a:latin typeface="Garamond" pitchFamily="18" charset="0"/>
               </a:rPr>
               <a:t>и</a:t>
             </a:r>
             <a:r>
-              <a:rPr lang="en-US" dirty="0" smtClean="0">
+              <a:rPr lang="en-US" sz="2000" dirty="0" smtClean="0">
                 <a:latin typeface="Garamond" pitchFamily="18" charset="0"/>
               </a:rPr>
               <a:t> </a:t>
@@ -28867,24 +28882,24 @@
               <a:t>action2</a:t>
             </a:r>
             <a:r>
-              <a:rPr lang="en-US" sz="1800" dirty="0">
+              <a:rPr lang="en-US" sz="2000" dirty="0">
                 <a:latin typeface="Garamond" pitchFamily="18" charset="0"/>
               </a:rPr>
               <a:t> </a:t>
             </a:r>
             <a:r>
-              <a:rPr lang="sr-Cyrl-RS" dirty="0" smtClean="0">
+              <a:rPr lang="sr-Cyrl-RS" sz="2000" dirty="0" smtClean="0">
                 <a:latin typeface="Garamond" pitchFamily="18" charset="0"/>
               </a:rPr>
               <a:t>представљају заједничке концепте</a:t>
             </a:r>
             <a:r>
-              <a:rPr lang="en-US" dirty="0" smtClean="0">
+              <a:rPr lang="en-US" sz="2000" dirty="0" smtClean="0">
                 <a:latin typeface="Garamond" pitchFamily="18" charset="0"/>
               </a:rPr>
               <a:t>? </a:t>
             </a:r>
-            <a:endParaRPr lang="sr-Cyrl-RS" dirty="0" smtClean="0">
+            <a:endParaRPr lang="sr-Cyrl-RS" sz="2000" dirty="0" smtClean="0">
               <a:latin typeface="Garamond" pitchFamily="18" charset="0"/>
             </a:endParaRPr>
           </a:p>
@@ -28898,20 +28913,11 @@
               <a:defRPr/>
             </a:pPr>
             <a:r>
-              <a:rPr lang="sr-Cyrl-RS" dirty="0" smtClean="0">
+              <a:rPr lang="sr-Cyrl-RS" sz="2000" dirty="0" smtClean="0">
                 <a:latin typeface="Garamond" pitchFamily="18" charset="0"/>
               </a:rPr>
               <a:t>Ако је одговор да, тај заједнички концепт треба да буде метод заједничке надкласе или интерфејса</a:t>
             </a:r>
-            <a:r>
-              <a:rPr lang="en-US" dirty="0" smtClean="0">
-                <a:latin typeface="Garamond" pitchFamily="18" charset="0"/>
-              </a:rPr>
-              <a:t>. </a:t>
-            </a:r>
-            <a:endParaRPr lang="sr-Cyrl-RS" dirty="0" smtClean="0">
-              <a:latin typeface="Garamond" pitchFamily="18" charset="0"/>
-            </a:endParaRPr>
           </a:p>
           <a:p>
             <a:pPr marL="1085850" lvl="1" indent="-342900">
@@ -28923,7 +28929,7 @@
               <a:defRPr/>
             </a:pPr>
             <a:r>
-              <a:rPr lang="sr-Cyrl-RS" dirty="0" smtClean="0">
+              <a:rPr lang="sr-Cyrl-RS" sz="2000" dirty="0" smtClean="0">
                 <a:latin typeface="Garamond" pitchFamily="18" charset="0"/>
               </a:rPr>
               <a:t>Потом се једноставно треба позвати </a:t>
@@ -28941,18 +28947,12 @@
               <a:t>();</a:t>
             </a:r>
             <a:r>
-              <a:rPr lang="sr-Cyrl-RS" dirty="0" smtClean="0">
+              <a:rPr lang="sr-Cyrl-RS" sz="2000" dirty="0" smtClean="0">
                 <a:latin typeface="Garamond" pitchFamily="18" charset="0"/>
               </a:rPr>
               <a:t> па да механизам динамичког активирања који је инхерентан полиморфизму покреће одговарајућу акцију</a:t>
             </a:r>
-            <a:r>
-              <a:rPr lang="en-US" dirty="0" smtClean="0">
-                <a:latin typeface="Garamond" pitchFamily="18" charset="0"/>
-              </a:rPr>
-              <a:t>.</a:t>
-            </a:r>
-            <a:endParaRPr lang="en-US" dirty="0">
+            <a:endParaRPr lang="en-US" sz="2000" dirty="0">
               <a:latin typeface="Garamond" pitchFamily="18" charset="0"/>
             </a:endParaRPr>
           </a:p>
@@ -28968,7 +28968,7 @@
         </p:nvSpPr>
         <p:spPr>
           <a:xfrm>
-            <a:off x="1371600" y="476672"/>
+            <a:off x="1371600" y="404664"/>
             <a:ext cx="7772400" cy="868363"/>
           </a:xfrm>
           <a:prstGeom prst="rect">
@@ -29132,6 +29132,47 @@
                 <a:srgbClr val="0070C0"/>
               </a:solidFill>
             </a:endParaRPr>
+          </a:p>
+        </p:txBody>
+      </p:sp>
+      <p:sp>
+        <p:nvSpPr>
+          <p:cNvPr id="4" name="Rectangle 3"/>
+          <p:cNvSpPr/>
+          <p:nvPr/>
+        </p:nvSpPr>
+        <p:spPr>
+          <a:xfrm>
+            <a:off x="539750" y="2708920"/>
+            <a:ext cx="8451850" cy="1008112"/>
+          </a:xfrm>
+          <a:prstGeom prst="rect">
+            <a:avLst/>
+          </a:prstGeom>
+          <a:noFill/>
+        </p:spPr>
+        <p:style>
+          <a:lnRef idx="2">
+            <a:schemeClr val="accent1">
+              <a:shade val="50000"/>
+            </a:schemeClr>
+          </a:lnRef>
+          <a:fillRef idx="1">
+            <a:schemeClr val="accent1"/>
+          </a:fillRef>
+          <a:effectRef idx="0">
+            <a:schemeClr val="accent1"/>
+          </a:effectRef>
+          <a:fontRef idx="minor">
+            <a:schemeClr val="lt1"/>
+          </a:fontRef>
+        </p:style>
+        <p:txBody>
+          <a:bodyPr rtlCol="0" anchor="ctr"/>
+          <a:lstStyle/>
+          <a:p>
+            <a:pPr algn="ctr"/>
+            <a:endParaRPr lang="sr-Latn-RS"/>
           </a:p>
         </p:txBody>
       </p:sp>
@@ -29498,7 +29539,7 @@
                                 </p:cTn>
                               </p:par>
                               <p:par>
-                                <p:cTn id="30" presetID="10" presetClass="entr" presetSubtype="0" fill="hold" nodeType="withEffect">
+                                <p:cTn id="30" presetID="10" presetClass="entr" presetSubtype="0" fill="hold" grpId="0" nodeType="withEffect">
                                   <p:stCondLst>
                                     <p:cond delay="0"/>
                                   </p:stCondLst>
@@ -29511,11 +29552,7 @@
                                           </p:stCondLst>
                                         </p:cTn>
                                         <p:tgtEl>
-                                          <p:spTgt spid="26626">
-                                            <p:txEl>
-                                              <p:pRg st="8" end="8"/>
-                                            </p:txEl>
-                                          </p:spTgt>
+                                          <p:spTgt spid="4"/>
                                         </p:tgtEl>
                                         <p:attrNameLst>
                                           <p:attrName>style.visibility</p:attrName>
@@ -29528,6 +29565,45 @@
                                     <p:animEffect transition="in" filter="fade">
                                       <p:cBhvr>
                                         <p:cTn id="32" dur="500"/>
+                                        <p:tgtEl>
+                                          <p:spTgt spid="4"/>
+                                        </p:tgtEl>
+                                      </p:cBhvr>
+                                    </p:animEffect>
+                                  </p:childTnLst>
+                                </p:cTn>
+                              </p:par>
+                              <p:par>
+                                <p:cTn id="33" presetID="10" presetClass="entr" presetSubtype="0" fill="hold" nodeType="withEffect">
+                                  <p:stCondLst>
+                                    <p:cond delay="0"/>
+                                  </p:stCondLst>
+                                  <p:childTnLst>
+                                    <p:set>
+                                      <p:cBhvr>
+                                        <p:cTn id="34" dur="1" fill="hold">
+                                          <p:stCondLst>
+                                            <p:cond delay="0"/>
+                                          </p:stCondLst>
+                                        </p:cTn>
+                                        <p:tgtEl>
+                                          <p:spTgt spid="26626">
+                                            <p:txEl>
+                                              <p:pRg st="8" end="8"/>
+                                            </p:txEl>
+                                          </p:spTgt>
+                                        </p:tgtEl>
+                                        <p:attrNameLst>
+                                          <p:attrName>style.visibility</p:attrName>
+                                        </p:attrNameLst>
+                                      </p:cBhvr>
+                                      <p:to>
+                                        <p:strVal val="visible"/>
+                                      </p:to>
+                                    </p:set>
+                                    <p:animEffect transition="in" filter="fade">
+                                      <p:cBhvr>
+                                        <p:cTn id="35" dur="500"/>
                                         <p:tgtEl>
                                           <p:spTgt spid="26626">
                                             <p:txEl>
@@ -29547,62 +29623,19 @@
                     </p:cTn>
                   </p:par>
                   <p:par>
-                    <p:cTn id="33" fill="hold" nodeType="clickPar">
+                    <p:cTn id="36" fill="hold">
                       <p:stCondLst>
                         <p:cond delay="indefinite"/>
                       </p:stCondLst>
                       <p:childTnLst>
                         <p:par>
-                          <p:cTn id="34" fill="hold" nodeType="withGroup">
+                          <p:cTn id="37" fill="hold">
                             <p:stCondLst>
                               <p:cond delay="0"/>
                             </p:stCondLst>
                             <p:childTnLst>
                               <p:par>
-                                <p:cTn id="35" presetID="10" presetClass="entr" presetSubtype="0" fill="hold" nodeType="clickEffect">
-                                  <p:stCondLst>
-                                    <p:cond delay="0"/>
-                                  </p:stCondLst>
-                                  <p:childTnLst>
-                                    <p:set>
-                                      <p:cBhvr>
-                                        <p:cTn id="36" dur="1" fill="hold">
-                                          <p:stCondLst>
-                                            <p:cond delay="0"/>
-                                          </p:stCondLst>
-                                        </p:cTn>
-                                        <p:tgtEl>
-                                          <p:spTgt spid="26626">
-                                            <p:txEl>
-                                              <p:pRg st="9" end="9"/>
-                                            </p:txEl>
-                                          </p:spTgt>
-                                        </p:tgtEl>
-                                        <p:attrNameLst>
-                                          <p:attrName>style.visibility</p:attrName>
-                                        </p:attrNameLst>
-                                      </p:cBhvr>
-                                      <p:to>
-                                        <p:strVal val="visible"/>
-                                      </p:to>
-                                    </p:set>
-                                    <p:animEffect transition="in" filter="fade">
-                                      <p:cBhvr>
-                                        <p:cTn id="37" dur="500"/>
-                                        <p:tgtEl>
-                                          <p:spTgt spid="26626">
-                                            <p:txEl>
-                                              <p:pRg st="9" end="9"/>
-                                            </p:txEl>
-                                          </p:spTgt>
-                                        </p:tgtEl>
-                                      </p:cBhvr>
-                                    </p:animEffect>
-                                  </p:childTnLst>
-                                </p:cTn>
-                              </p:par>
-                              <p:par>
-                                <p:cTn id="38" presetID="10" presetClass="entr" presetSubtype="0" fill="hold" nodeType="withEffect">
+                                <p:cTn id="38" presetID="10" presetClass="entr" presetSubtype="0" fill="hold" nodeType="clickEffect">
                                   <p:stCondLst>
                                     <p:cond delay="0"/>
                                   </p:stCondLst>
@@ -29679,6 +29712,49 @@
                                           <p:spTgt spid="26626">
                                             <p:txEl>
                                               <p:pRg st="11" end="11"/>
+                                            </p:txEl>
+                                          </p:spTgt>
+                                        </p:tgtEl>
+                                      </p:cBhvr>
+                                    </p:animEffect>
+                                  </p:childTnLst>
+                                </p:cTn>
+                              </p:par>
+                              <p:par>
+                                <p:cTn id="44" presetID="10" presetClass="entr" presetSubtype="0" fill="hold" nodeType="withEffect">
+                                  <p:stCondLst>
+                                    <p:cond delay="0"/>
+                                  </p:stCondLst>
+                                  <p:childTnLst>
+                                    <p:set>
+                                      <p:cBhvr>
+                                        <p:cTn id="45" dur="1" fill="hold">
+                                          <p:stCondLst>
+                                            <p:cond delay="0"/>
+                                          </p:stCondLst>
+                                        </p:cTn>
+                                        <p:tgtEl>
+                                          <p:spTgt spid="26626">
+                                            <p:txEl>
+                                              <p:pRg st="12" end="12"/>
+                                            </p:txEl>
+                                          </p:spTgt>
+                                        </p:tgtEl>
+                                        <p:attrNameLst>
+                                          <p:attrName>style.visibility</p:attrName>
+                                        </p:attrNameLst>
+                                      </p:cBhvr>
+                                      <p:to>
+                                        <p:strVal val="visible"/>
+                                      </p:to>
+                                    </p:set>
+                                    <p:animEffect transition="in" filter="fade">
+                                      <p:cBhvr>
+                                        <p:cTn id="46" dur="500"/>
+                                        <p:tgtEl>
+                                          <p:spTgt spid="26626">
+                                            <p:txEl>
+                                              <p:pRg st="12" end="12"/>
                                             </p:txEl>
                                           </p:spTgt>
                                         </p:tgtEl>
@@ -29714,6 +29790,9 @@
         </p:cTn>
       </p:par>
     </p:tnLst>
+    <p:bldLst>
+      <p:bldP spid="4" grpId="0" animBg="1"/>
+    </p:bldLst>
   </p:timing>
 </p:sld>
 </file>
@@ -30583,7 +30662,7 @@
                                         <p:tgtEl>
                                           <p:spTgt spid="26626">
                                             <p:txEl>
-                                              <p:pRg st="1" end="1"/>
+                                              <p:pRg st="0" end="0"/>
                                             </p:txEl>
                                           </p:spTgt>
                                         </p:tgtEl>
@@ -30601,7 +30680,7 @@
                                         <p:tgtEl>
                                           <p:spTgt spid="26626">
                                             <p:txEl>
-                                              <p:pRg st="1" end="1"/>
+                                              <p:pRg st="0" end="0"/>
                                             </p:txEl>
                                           </p:spTgt>
                                         </p:tgtEl>
@@ -30644,7 +30723,7 @@
                                         <p:tgtEl>
                                           <p:spTgt spid="26626">
                                             <p:txEl>
-                                              <p:pRg st="2" end="2"/>
+                                              <p:pRg st="1" end="1"/>
                                             </p:txEl>
                                           </p:spTgt>
                                         </p:tgtEl>
@@ -30662,7 +30741,7 @@
                                         <p:tgtEl>
                                           <p:spTgt spid="26626">
                                             <p:txEl>
-                                              <p:pRg st="2" end="2"/>
+                                              <p:pRg st="1" end="1"/>
                                             </p:txEl>
                                           </p:spTgt>
                                         </p:tgtEl>
@@ -30705,7 +30784,7 @@
                                         <p:tgtEl>
                                           <p:spTgt spid="26626">
                                             <p:txEl>
-                                              <p:pRg st="3" end="3"/>
+                                              <p:pRg st="2" end="2"/>
                                             </p:txEl>
                                           </p:spTgt>
                                         </p:tgtEl>
@@ -30723,50 +30802,7 @@
                                         <p:tgtEl>
                                           <p:spTgt spid="26626">
                                             <p:txEl>
-                                              <p:pRg st="3" end="3"/>
-                                            </p:txEl>
-                                          </p:spTgt>
-                                        </p:tgtEl>
-                                      </p:cBhvr>
-                                    </p:animEffect>
-                                  </p:childTnLst>
-                                </p:cTn>
-                              </p:par>
-                              <p:par>
-                                <p:cTn id="18" presetID="3" presetClass="entr" presetSubtype="10" fill="hold" nodeType="withEffect">
-                                  <p:stCondLst>
-                                    <p:cond delay="0"/>
-                                  </p:stCondLst>
-                                  <p:childTnLst>
-                                    <p:set>
-                                      <p:cBhvr>
-                                        <p:cTn id="19" dur="1" fill="hold">
-                                          <p:stCondLst>
-                                            <p:cond delay="0"/>
-                                          </p:stCondLst>
-                                        </p:cTn>
-                                        <p:tgtEl>
-                                          <p:spTgt spid="26626">
-                                            <p:txEl>
-                                              <p:pRg st="4" end="4"/>
-                                            </p:txEl>
-                                          </p:spTgt>
-                                        </p:tgtEl>
-                                        <p:attrNameLst>
-                                          <p:attrName>style.visibility</p:attrName>
-                                        </p:attrNameLst>
-                                      </p:cBhvr>
-                                      <p:to>
-                                        <p:strVal val="visible"/>
-                                      </p:to>
-                                    </p:set>
-                                    <p:animEffect transition="in" filter="blinds(horizontal)">
-                                      <p:cBhvr>
-                                        <p:cTn id="20" dur="500"/>
-                                        <p:tgtEl>
-                                          <p:spTgt spid="26626">
-                                            <p:txEl>
-                                              <p:pRg st="4" end="4"/>
+                                              <p:pRg st="2" end="2"/>
                                             </p:txEl>
                                           </p:spTgt>
                                         </p:tgtEl>
@@ -30782,25 +30818,68 @@
                     </p:cTn>
                   </p:par>
                   <p:par>
-                    <p:cTn id="21" fill="hold">
+                    <p:cTn id="18" fill="hold">
                       <p:stCondLst>
                         <p:cond delay="indefinite"/>
                       </p:stCondLst>
                       <p:childTnLst>
                         <p:par>
-                          <p:cTn id="22" fill="hold">
+                          <p:cTn id="19" fill="hold">
                             <p:stCondLst>
                               <p:cond delay="0"/>
                             </p:stCondLst>
                             <p:childTnLst>
                               <p:par>
-                                <p:cTn id="23" presetID="3" presetClass="entr" presetSubtype="10" fill="hold" nodeType="clickEffect">
+                                <p:cTn id="20" presetID="3" presetClass="entr" presetSubtype="10" fill="hold" nodeType="clickEffect">
                                   <p:stCondLst>
                                     <p:cond delay="0"/>
                                   </p:stCondLst>
                                   <p:childTnLst>
                                     <p:set>
                                       <p:cBhvr>
+                                        <p:cTn id="21" dur="1" fill="hold">
+                                          <p:stCondLst>
+                                            <p:cond delay="0"/>
+                                          </p:stCondLst>
+                                        </p:cTn>
+                                        <p:tgtEl>
+                                          <p:spTgt spid="26626">
+                                            <p:txEl>
+                                              <p:pRg st="3" end="3"/>
+                                            </p:txEl>
+                                          </p:spTgt>
+                                        </p:tgtEl>
+                                        <p:attrNameLst>
+                                          <p:attrName>style.visibility</p:attrName>
+                                        </p:attrNameLst>
+                                      </p:cBhvr>
+                                      <p:to>
+                                        <p:strVal val="visible"/>
+                                      </p:to>
+                                    </p:set>
+                                    <p:animEffect transition="in" filter="blinds(horizontal)">
+                                      <p:cBhvr>
+                                        <p:cTn id="22" dur="500"/>
+                                        <p:tgtEl>
+                                          <p:spTgt spid="26626">
+                                            <p:txEl>
+                                              <p:pRg st="3" end="3"/>
+                                            </p:txEl>
+                                          </p:spTgt>
+                                        </p:tgtEl>
+                                      </p:cBhvr>
+                                    </p:animEffect>
+                                  </p:childTnLst>
+                                </p:cTn>
+                              </p:par>
+                              <p:par>
+                                <p:cTn id="23" presetID="3" presetClass="entr" presetSubtype="10" fill="hold" nodeType="withEffect">
+                                  <p:stCondLst>
+                                    <p:cond delay="0"/>
+                                  </p:stCondLst>
+                                  <p:childTnLst>
+                                    <p:set>
+                                      <p:cBhvr>
                                         <p:cTn id="24" dur="1" fill="hold">
                                           <p:stCondLst>
                                             <p:cond delay="0"/>
@@ -30809,7 +30888,7 @@
                                         <p:tgtEl>
                                           <p:spTgt spid="26626">
                                             <p:txEl>
-                                              <p:pRg st="5" end="5"/>
+                                              <p:pRg st="4" end="4"/>
                                             </p:txEl>
                                           </p:spTgt>
                                         </p:tgtEl>
@@ -30827,7 +30906,7 @@
                                         <p:tgtEl>
                                           <p:spTgt spid="26626">
                                             <p:txEl>
-                                              <p:pRg st="5" end="5"/>
+                                              <p:pRg st="4" end="4"/>
                                             </p:txEl>
                                           </p:spTgt>
                                         </p:tgtEl>
@@ -30870,7 +30949,7 @@
                                         <p:tgtEl>
                                           <p:spTgt spid="26626">
                                             <p:txEl>
-                                              <p:pRg st="6" end="6"/>
+                                              <p:pRg st="5" end="5"/>
                                             </p:txEl>
                                           </p:spTgt>
                                         </p:tgtEl>
@@ -30888,7 +30967,7 @@
                                         <p:tgtEl>
                                           <p:spTgt spid="26626">
                                             <p:txEl>
-                                              <p:pRg st="6" end="6"/>
+                                              <p:pRg st="5" end="5"/>
                                             </p:txEl>
                                           </p:spTgt>
                                         </p:tgtEl>
@@ -30931,7 +31010,7 @@
                                         <p:tgtEl>
                                           <p:spTgt spid="26626">
                                             <p:txEl>
-                                              <p:pRg st="0" end="0"/>
+                                              <p:pRg st="6" end="6"/>
                                             </p:txEl>
                                           </p:spTgt>
                                         </p:tgtEl>
@@ -30949,7 +31028,7 @@
                                         <p:tgtEl>
                                           <p:spTgt spid="26626">
                                             <p:txEl>
-                                              <p:pRg st="0" end="0"/>
+                                              <p:pRg st="6" end="6"/>
                                             </p:txEl>
                                           </p:spTgt>
                                         </p:tgtEl>
@@ -33021,9 +33100,6 @@
                     <p:cTn id="3" fill="hold">
                       <p:stCondLst>
                         <p:cond delay="indefinite"/>
-                        <p:cond evt="onBegin" delay="0">
-                          <p:tn val="2"/>
-                        </p:cond>
                       </p:stCondLst>
                       <p:childTnLst>
                         <p:par>
@@ -33033,7 +33109,7 @@
                             </p:stCondLst>
                             <p:childTnLst>
                               <p:par>
-                                <p:cTn id="5" presetID="3" presetClass="entr" presetSubtype="10" fill="hold" nodeType="withEffect">
+                                <p:cTn id="5" presetID="3" presetClass="entr" presetSubtype="10" fill="hold" nodeType="clickEffect">
                                   <p:stCondLst>
                                     <p:cond delay="0"/>
                                   </p:stCondLst>
@@ -33075,15 +33151,33 @@
                                   </p:childTnLst>
                                 </p:cTn>
                               </p:par>
+                            </p:childTnLst>
+                          </p:cTn>
+                        </p:par>
+                      </p:childTnLst>
+                    </p:cTn>
+                  </p:par>
+                  <p:par>
+                    <p:cTn id="8" fill="hold">
+                      <p:stCondLst>
+                        <p:cond delay="indefinite"/>
+                      </p:stCondLst>
+                      <p:childTnLst>
+                        <p:par>
+                          <p:cTn id="9" fill="hold">
+                            <p:stCondLst>
+                              <p:cond delay="0"/>
+                            </p:stCondLst>
+                            <p:childTnLst>
                               <p:par>
-                                <p:cTn id="8" presetID="3" presetClass="entr" presetSubtype="10" fill="hold" nodeType="withEffect">
+                                <p:cTn id="10" presetID="3" presetClass="entr" presetSubtype="10" fill="hold" nodeType="clickEffect">
                                   <p:stCondLst>
                                     <p:cond delay="0"/>
                                   </p:stCondLst>
                                   <p:childTnLst>
                                     <p:set>
                                       <p:cBhvr>
-                                        <p:cTn id="9" dur="1" fill="hold">
+                                        <p:cTn id="11" dur="1" fill="hold">
                                           <p:stCondLst>
                                             <p:cond delay="0"/>
                                           </p:stCondLst>
@@ -33105,11 +33199,72 @@
                                     </p:set>
                                     <p:animEffect transition="in" filter="blinds(horizontal)">
                                       <p:cBhvr>
-                                        <p:cTn id="10" dur="500"/>
+                                        <p:cTn id="12" dur="500"/>
                                         <p:tgtEl>
                                           <p:spTgt spid="26626">
                                             <p:txEl>
                                               <p:pRg st="1" end="1"/>
+                                            </p:txEl>
+                                          </p:spTgt>
+                                        </p:tgtEl>
+                                      </p:cBhvr>
+                                    </p:animEffect>
+                                  </p:childTnLst>
+                                </p:cTn>
+                              </p:par>
+                            </p:childTnLst>
+                          </p:cTn>
+                        </p:par>
+                      </p:childTnLst>
+                    </p:cTn>
+                  </p:par>
+                  <p:par>
+                    <p:cTn id="13" fill="hold">
+                      <p:stCondLst>
+                        <p:cond delay="indefinite"/>
+                      </p:stCondLst>
+                      <p:childTnLst>
+                        <p:par>
+                          <p:cTn id="14" fill="hold">
+                            <p:stCondLst>
+                              <p:cond delay="0"/>
+                            </p:stCondLst>
+                            <p:childTnLst>
+                              <p:par>
+                                <p:cTn id="15" presetID="3" presetClass="entr" presetSubtype="10" fill="hold" nodeType="clickEffect">
+                                  <p:stCondLst>
+                                    <p:cond delay="0"/>
+                                  </p:stCondLst>
+                                  <p:childTnLst>
+                                    <p:set>
+                                      <p:cBhvr>
+                                        <p:cTn id="16" dur="1" fill="hold">
+                                          <p:stCondLst>
+                                            <p:cond delay="0"/>
+                                          </p:stCondLst>
+                                        </p:cTn>
+                                        <p:tgtEl>
+                                          <p:spTgt spid="26626">
+                                            <p:txEl>
+                                              <p:pRg st="2" end="2"/>
+                                            </p:txEl>
+                                          </p:spTgt>
+                                        </p:tgtEl>
+                                        <p:attrNameLst>
+                                          <p:attrName>style.visibility</p:attrName>
+                                        </p:attrNameLst>
+                                      </p:cBhvr>
+                                      <p:to>
+                                        <p:strVal val="visible"/>
+                                      </p:to>
+                                    </p:set>
+                                    <p:animEffect transition="in" filter="blinds(horizontal)">
+                                      <p:cBhvr>
+                                        <p:cTn id="17" dur="500"/>
+                                        <p:tgtEl>
+                                          <p:spTgt spid="26626">
+                                            <p:txEl>
+                                              <p:pRg st="2" end="2"/>
                                             </p:txEl>
                                           </p:spTgt>
                                         </p:tgtEl>
@@ -33119,14 +33274,14 @@
                                 </p:cTn>
                               </p:par>
                               <p:par>
-                                <p:cTn id="11" presetID="3" presetClass="entr" presetSubtype="10" fill="hold" nodeType="withEffect">
+                                <p:cTn id="18" presetID="3" presetClass="entr" presetSubtype="10" fill="hold" nodeType="withEffect">
                                   <p:stCondLst>
                                     <p:cond delay="0"/>
                                   </p:stCondLst>
                                   <p:childTnLst>
                                     <p:set>
                                       <p:cBhvr>
-                                        <p:cTn id="12" dur="1" fill="hold">
+                                        <p:cTn id="19" dur="1" fill="hold">
                                           <p:stCondLst>
                                             <p:cond delay="0"/>
                                           </p:stCondLst>
@@ -33134,7 +33289,7 @@
                                         <p:tgtEl>
                                           <p:spTgt spid="26626">
                                             <p:txEl>
-                                              <p:pRg st="2" end="2"/>
+                                              <p:pRg st="3" end="3"/>
                                             </p:txEl>
                                           </p:spTgt>
                                         </p:tgtEl>
@@ -33148,11 +33303,11 @@
                                     </p:set>
                                     <p:animEffect transition="in" filter="blinds(horizontal)">
                                       <p:cBhvr>
-                                        <p:cTn id="13" dur="500"/>
+                                        <p:cTn id="20" dur="500"/>
                                         <p:tgtEl>
                                           <p:spTgt spid="26626">
                                             <p:txEl>
-                                              <p:pRg st="2" end="2"/>
+                                              <p:pRg st="3" end="3"/>
                                             </p:txEl>
                                           </p:spTgt>
                                         </p:tgtEl>
@@ -33162,14 +33317,14 @@
                                 </p:cTn>
                               </p:par>
                               <p:par>
-                                <p:cTn id="14" presetID="3" presetClass="entr" presetSubtype="10" fill="hold" nodeType="withEffect">
+                                <p:cTn id="21" presetID="3" presetClass="entr" presetSubtype="10" fill="hold" nodeType="withEffect">
                                   <p:stCondLst>
                                     <p:cond delay="0"/>
                                   </p:stCondLst>
                                   <p:childTnLst>
                                     <p:set>
                                       <p:cBhvr>
-                                        <p:cTn id="15" dur="1" fill="hold">
+                                        <p:cTn id="22" dur="1" fill="hold">
                                           <p:stCondLst>
                                             <p:cond delay="0"/>
                                           </p:stCondLst>
@@ -33177,7 +33332,7 @@
                                         <p:tgtEl>
                                           <p:spTgt spid="26626">
                                             <p:txEl>
-                                              <p:pRg st="3" end="3"/>
+                                              <p:pRg st="4" end="4"/>
                                             </p:txEl>
                                           </p:spTgt>
                                         </p:tgtEl>
@@ -33191,11 +33346,11 @@
                                     </p:set>
                                     <p:animEffect transition="in" filter="blinds(horizontal)">
                                       <p:cBhvr>
-                                        <p:cTn id="16" dur="500"/>
+                                        <p:cTn id="23" dur="500"/>
                                         <p:tgtEl>
                                           <p:spTgt spid="26626">
                                             <p:txEl>
-                                              <p:pRg st="3" end="3"/>
+                                              <p:pRg st="4" end="4"/>
                                             </p:txEl>
                                           </p:spTgt>
                                         </p:tgtEl>
@@ -33205,14 +33360,14 @@
                                 </p:cTn>
                               </p:par>
                               <p:par>
-                                <p:cTn id="17" presetID="3" presetClass="entr" presetSubtype="10" fill="hold" nodeType="withEffect">
+                                <p:cTn id="24" presetID="3" presetClass="entr" presetSubtype="10" fill="hold" nodeType="withEffect">
                                   <p:stCondLst>
                                     <p:cond delay="0"/>
                                   </p:stCondLst>
                                   <p:childTnLst>
                                     <p:set>
                                       <p:cBhvr>
-                                        <p:cTn id="18" dur="1" fill="hold">
+                                        <p:cTn id="25" dur="1" fill="hold">
                                           <p:stCondLst>
                                             <p:cond delay="0"/>
                                           </p:stCondLst>
@@ -33220,7 +33375,7 @@
                                         <p:tgtEl>
                                           <p:spTgt spid="26626">
                                             <p:txEl>
-                                              <p:pRg st="4" end="4"/>
+                                              <p:pRg st="5" end="5"/>
                                             </p:txEl>
                                           </p:spTgt>
                                         </p:tgtEl>
@@ -33234,11 +33389,11 @@
                                     </p:set>
                                     <p:animEffect transition="in" filter="blinds(horizontal)">
                                       <p:cBhvr>
-                                        <p:cTn id="19" dur="500"/>
+                                        <p:cTn id="26" dur="500"/>
                                         <p:tgtEl>
                                           <p:spTgt spid="26626">
                                             <p:txEl>
-                                              <p:pRg st="4" end="4"/>
+                                              <p:pRg st="5" end="5"/>
                                             </p:txEl>
                                           </p:spTgt>
                                         </p:tgtEl>
@@ -33247,15 +33402,33 @@
                                   </p:childTnLst>
                                 </p:cTn>
                               </p:par>
+                            </p:childTnLst>
+                          </p:cTn>
+                        </p:par>
+                      </p:childTnLst>
+                    </p:cTn>
+                  </p:par>
+                  <p:par>
+                    <p:cTn id="27" fill="hold">
+                      <p:stCondLst>
+                        <p:cond delay="indefinite"/>
+                      </p:stCondLst>
+                      <p:childTnLst>
+                        <p:par>
+                          <p:cTn id="28" fill="hold">
+                            <p:stCondLst>
+                              <p:cond delay="0"/>
+                            </p:stCondLst>
+                            <p:childTnLst>
                               <p:par>
-                                <p:cTn id="20" presetID="3" presetClass="entr" presetSubtype="10" fill="hold" nodeType="withEffect">
+                                <p:cTn id="29" presetID="3" presetClass="entr" presetSubtype="10" fill="hold" nodeType="clickEffect">
                                   <p:stCondLst>
                                     <p:cond delay="0"/>
                                   </p:stCondLst>
                                   <p:childTnLst>
                                     <p:set>
                                       <p:cBhvr>
-                                        <p:cTn id="21" dur="1" fill="hold">
+                                        <p:cTn id="30" dur="1" fill="hold">
                                           <p:stCondLst>
                                             <p:cond delay="0"/>
                                           </p:stCondLst>
@@ -33263,7 +33436,7 @@
                                         <p:tgtEl>
                                           <p:spTgt spid="26626">
                                             <p:txEl>
-                                              <p:pRg st="5" end="5"/>
+                                              <p:pRg st="6" end="6"/>
                                             </p:txEl>
                                           </p:spTgt>
                                         </p:tgtEl>
@@ -33277,50 +33450,7 @@
                                     </p:set>
                                     <p:animEffect transition="in" filter="blinds(horizontal)">
                                       <p:cBhvr>
-                                        <p:cTn id="22" dur="500"/>
-                                        <p:tgtEl>
-                                          <p:spTgt spid="26626">
-                                            <p:txEl>
-                                              <p:pRg st="5" end="5"/>
-                                            </p:txEl>
-                                          </p:spTgt>
-                                        </p:tgtEl>
-                                      </p:cBhvr>
-                                    </p:animEffect>
-                                  </p:childTnLst>
-                                </p:cTn>
-                              </p:par>
-                              <p:par>
-                                <p:cTn id="23" presetID="3" presetClass="entr" presetSubtype="10" fill="hold" nodeType="withEffect">
-                                  <p:stCondLst>
-                                    <p:cond delay="0"/>
-                                  </p:stCondLst>
-                                  <p:childTnLst>
-                                    <p:set>
-                                      <p:cBhvr>
-                                        <p:cTn id="24" dur="1" fill="hold">
-                                          <p:stCondLst>
-                                            <p:cond delay="0"/>
-                                          </p:stCondLst>
-                                        </p:cTn>
-                                        <p:tgtEl>
-                                          <p:spTgt spid="26626">
-                                            <p:txEl>
-                                              <p:pRg st="6" end="6"/>
-                                            </p:txEl>
-                                          </p:spTgt>
-                                        </p:tgtEl>
-                                        <p:attrNameLst>
-                                          <p:attrName>style.visibility</p:attrName>
-                                        </p:attrNameLst>
-                                      </p:cBhvr>
-                                      <p:to>
-                                        <p:strVal val="visible"/>
-                                      </p:to>
-                                    </p:set>
-                                    <p:animEffect transition="in" filter="blinds(horizontal)">
-                                      <p:cBhvr>
-                                        <p:cTn id="25" dur="500"/>
+                                        <p:cTn id="31" dur="500"/>
                                         <p:tgtEl>
                                           <p:spTgt spid="26626">
                                             <p:txEl>

--- a/predavanja/prezentacije/OOP11-Apstraktne klase i interfejsi.pptx
+++ b/predavanja/prezentacije/OOP11-Apstraktne klase i interfejsi.pptx
@@ -35,17 +35,16 @@
     <p:sldId id="271" r:id="rId29"/>
     <p:sldId id="275" r:id="rId30"/>
     <p:sldId id="276" r:id="rId31"/>
-    <p:sldId id="277" r:id="rId32"/>
-    <p:sldId id="278" r:id="rId33"/>
-    <p:sldId id="306" r:id="rId34"/>
-    <p:sldId id="294" r:id="rId35"/>
-    <p:sldId id="295" r:id="rId36"/>
-    <p:sldId id="296" r:id="rId37"/>
-    <p:sldId id="297" r:id="rId38"/>
-    <p:sldId id="298" r:id="rId39"/>
-    <p:sldId id="299" r:id="rId40"/>
-    <p:sldId id="300" r:id="rId41"/>
-    <p:sldId id="272" r:id="rId42"/>
+    <p:sldId id="278" r:id="rId32"/>
+    <p:sldId id="306" r:id="rId33"/>
+    <p:sldId id="294" r:id="rId34"/>
+    <p:sldId id="295" r:id="rId35"/>
+    <p:sldId id="296" r:id="rId36"/>
+    <p:sldId id="297" r:id="rId37"/>
+    <p:sldId id="298" r:id="rId38"/>
+    <p:sldId id="299" r:id="rId39"/>
+    <p:sldId id="300" r:id="rId40"/>
+    <p:sldId id="272" r:id="rId41"/>
   </p:sldIdLst>
   <p:sldSz cx="9144000" cy="6858000" type="screen4x3"/>
   <p:notesSz cx="6858000" cy="9144000"/>
@@ -1927,7 +1926,7 @@
                 </a:solidFill>
                 <a:cs typeface="Arial" panose="020B0604020202020204" pitchFamily="34" charset="0"/>
               </a:rPr>
-              <a:t>41</a:t>
+              <a:t>40</a:t>
             </a:r>
             <a:endParaRPr lang="en-US" altLang="sr-Latn-RS" sz="800" dirty="0">
               <a:solidFill>
@@ -25207,7 +25206,7 @@
         <p:spPr bwMode="auto">
           <a:xfrm>
             <a:off x="539750" y="1557338"/>
-            <a:ext cx="8451850" cy="5555367"/>
+            <a:ext cx="8451850" cy="4678204"/>
           </a:xfrm>
           <a:prstGeom prst="rect">
             <a:avLst/>
@@ -25409,44 +25408,65 @@
               <a:defRPr/>
             </a:pPr>
             <a:r>
-              <a:rPr lang="sr-Cyrl-RS" sz="2000" dirty="0" smtClean="0">
+              <a:rPr lang="sr-Cyrl-RS" sz="1800" dirty="0" smtClean="0">
                 <a:latin typeface="Garamond" pitchFamily="18" charset="0"/>
               </a:rPr>
               <a:t>На пример, </a:t>
             </a:r>
             <a:r>
-              <a:rPr lang="sr-Cyrl-RS" sz="2000" dirty="0">
+              <a:rPr lang="sr-Cyrl-RS" sz="1800" dirty="0" smtClean="0">
                 <a:latin typeface="Garamond" pitchFamily="18" charset="0"/>
               </a:rPr>
-              <a:t>п</a:t>
-            </a:r>
-            <a:r>
-              <a:rPr lang="sr-Cyrl-RS" sz="2000" dirty="0" smtClean="0">
+              <a:t>извођење класе </a:t>
+            </a:r>
+            <a:r>
+              <a:rPr lang="en-US" sz="1600" dirty="0" err="1" smtClean="0">
+                <a:latin typeface="+mn-lt"/>
+              </a:rPr>
+              <a:t>Kvadrat</a:t>
+            </a:r>
+            <a:r>
+              <a:rPr lang="en-US" sz="1800" dirty="0" smtClean="0">
                 <a:latin typeface="Garamond" pitchFamily="18" charset="0"/>
               </a:rPr>
-              <a:t>ретпоставимо да желимо да направимо класу за празнике</a:t>
-            </a:r>
-            <a:r>
-              <a:rPr lang="en-US" sz="2000" dirty="0" smtClean="0">
+              <a:t> </a:t>
+            </a:r>
+            <a:r>
+              <a:rPr lang="sr-Cyrl-RS" sz="1800" dirty="0" smtClean="0">
                 <a:latin typeface="Garamond" pitchFamily="18" charset="0"/>
               </a:rPr>
+              <a:t>из класе </a:t>
+            </a:r>
+            <a:r>
+              <a:rPr lang="en-US" sz="1600" dirty="0" err="1" smtClean="0">
+                <a:latin typeface="+mn-lt"/>
+              </a:rPr>
+              <a:t>Pravougaonik</a:t>
+            </a:r>
+            <a:r>
+              <a:rPr lang="en-US" sz="1800" dirty="0" smtClean="0">
+                <a:latin typeface="Garamond" pitchFamily="18" charset="0"/>
+              </a:rPr>
               <a:t> </a:t>
             </a:r>
             <a:r>
-              <a:rPr lang="en-US" sz="1800" dirty="0" smtClean="0">
+              <a:rPr lang="sr-Cyrl-RS" sz="1800" dirty="0" smtClean="0">
+                <a:latin typeface="Garamond" pitchFamily="18" charset="0"/>
+              </a:rPr>
+              <a:t>може да не буде адекватно, ако новонаправљена класа не испуњава све уговоре на које се обавезала класа </a:t>
+            </a:r>
+            <a:r>
+              <a:rPr lang="en-US" sz="1600" dirty="0" err="1" smtClean="0">
                 <a:latin typeface="+mn-lt"/>
               </a:rPr>
-              <a:t>Holiday</a:t>
-            </a:r>
-            <a:r>
-              <a:rPr lang="en-US" sz="2000" dirty="0" smtClean="0">
+              <a:t>Pravougaonik</a:t>
+            </a:r>
+            <a:r>
+              <a:rPr lang="sr-Cyrl-RS" sz="1800" dirty="0" smtClean="0">
                 <a:latin typeface="Garamond" pitchFamily="18" charset="0"/>
               </a:rPr>
-              <a:t>. </a:t>
-            </a:r>
-            <a:endParaRPr lang="sr-Cyrl-RS" sz="2000" dirty="0" smtClean="0">
-              <a:latin typeface="Garamond" pitchFamily="18" charset="0"/>
-            </a:endParaRPr>
+              <a:t>.</a:t>
+            </a:r>
           </a:p>
           <a:p>
             <a:pPr>
@@ -25455,48 +25475,6 @@
               </a:spcBef>
               <a:defRPr/>
             </a:pPr>
-            <a:r>
-              <a:rPr lang="sr-Cyrl-RS" sz="2000" dirty="0" smtClean="0">
-                <a:latin typeface="Garamond" pitchFamily="18" charset="0"/>
-              </a:rPr>
-              <a:t>Будући да је сваки празник да</a:t>
-            </a:r>
-            <a:r>
-              <a:rPr lang="sr-Cyrl-RS" sz="2000" dirty="0">
-                <a:latin typeface="Garamond" pitchFamily="18" charset="0"/>
-              </a:rPr>
-              <a:t>н</a:t>
-            </a:r>
-            <a:r>
-              <a:rPr lang="sr-Cyrl-RS" sz="2000" dirty="0" smtClean="0">
-                <a:latin typeface="Garamond" pitchFamily="18" charset="0"/>
-              </a:rPr>
-              <a:t>, а да су дани примерци класе</a:t>
-            </a:r>
-            <a:r>
-              <a:rPr lang="en-US" sz="2000" dirty="0" smtClean="0">
-                <a:latin typeface="Garamond" pitchFamily="18" charset="0"/>
-              </a:rPr>
-              <a:t> </a:t>
-            </a:r>
-            <a:r>
-              <a:rPr lang="en-US" sz="1800" dirty="0" err="1" smtClean="0">
-                <a:latin typeface="+mn-lt"/>
-              </a:rPr>
-              <a:t>LocalDate</a:t>
-            </a:r>
-            <a:r>
-              <a:rPr lang="en-US" sz="2000" dirty="0" smtClean="0">
-                <a:latin typeface="Garamond" pitchFamily="18" charset="0"/>
-              </a:rPr>
-              <a:t>, </a:t>
-            </a:r>
-            <a:r>
-              <a:rPr lang="sr-Cyrl-RS" sz="2000" dirty="0" smtClean="0">
-                <a:latin typeface="Garamond" pitchFamily="18" charset="0"/>
-              </a:rPr>
-              <a:t>то можемо користити наслеђивање</a:t>
-            </a:r>
             <a:endParaRPr lang="sr-Cyrl-RS" sz="2000" dirty="0">
               <a:latin typeface="Garamond" pitchFamily="18" charset="0"/>
             </a:endParaRPr>
@@ -25508,165 +25486,13 @@
               </a:spcBef>
               <a:defRPr/>
             </a:pPr>
-            <a:endParaRPr lang="sr-Cyrl-RS" sz="800" dirty="0" smtClean="0">
-              <a:latin typeface="Garamond" pitchFamily="18" charset="0"/>
-            </a:endParaRPr>
-          </a:p>
-          <a:p>
-            <a:r>
-              <a:rPr lang="sr-Cyrl-RS" sz="1500" dirty="0" smtClean="0">
-                <a:solidFill>
-                  <a:srgbClr val="8000FF"/>
-                </a:solidFill>
-                <a:latin typeface="Courier New" panose="02070309020205020404" pitchFamily="49" charset="0"/>
-              </a:rPr>
-              <a:t>	</a:t>
-            </a:r>
-            <a:r>
-              <a:rPr lang="en-US" sz="1500" dirty="0" smtClean="0">
-                <a:solidFill>
-                  <a:srgbClr val="8000FF"/>
-                </a:solidFill>
-                <a:latin typeface="Courier New" panose="02070309020205020404" pitchFamily="49" charset="0"/>
-              </a:rPr>
-              <a:t>class</a:t>
-            </a:r>
-            <a:r>
-              <a:rPr lang="en-US" sz="1500" dirty="0" smtClean="0">
-                <a:solidFill>
-                  <a:srgbClr val="000000"/>
-                </a:solidFill>
-                <a:latin typeface="Courier New" panose="02070309020205020404" pitchFamily="49" charset="0"/>
-              </a:rPr>
-              <a:t> </a:t>
-            </a:r>
-            <a:r>
-              <a:rPr lang="en-US" sz="1500" dirty="0">
-                <a:solidFill>
-                  <a:srgbClr val="000000"/>
-                </a:solidFill>
-                <a:latin typeface="Courier New" panose="02070309020205020404" pitchFamily="49" charset="0"/>
-              </a:rPr>
-              <a:t>Holiday </a:t>
-            </a:r>
-            <a:r>
-              <a:rPr lang="en-US" sz="1500" b="1" dirty="0">
-                <a:solidFill>
-                  <a:srgbClr val="0000FF"/>
-                </a:solidFill>
-                <a:latin typeface="Courier New" panose="02070309020205020404" pitchFamily="49" charset="0"/>
-              </a:rPr>
-              <a:t>extends</a:t>
-            </a:r>
-            <a:r>
-              <a:rPr lang="en-US" sz="1500" dirty="0">
-                <a:solidFill>
-                  <a:srgbClr val="000000"/>
-                </a:solidFill>
-                <a:latin typeface="Courier New" panose="02070309020205020404" pitchFamily="49" charset="0"/>
-              </a:rPr>
-              <a:t> </a:t>
-            </a:r>
-            <a:r>
-              <a:rPr lang="en-US" sz="1500" dirty="0" err="1" smtClean="0">
-                <a:solidFill>
-                  <a:srgbClr val="000000"/>
-                </a:solidFill>
-                <a:latin typeface="Courier New" panose="02070309020205020404" pitchFamily="49" charset="0"/>
-              </a:rPr>
-              <a:t>LocalDate</a:t>
-            </a:r>
-            <a:r>
-              <a:rPr lang="en-US" sz="1500" dirty="0" smtClean="0">
-                <a:solidFill>
-                  <a:srgbClr val="000000"/>
-                </a:solidFill>
-                <a:latin typeface="Courier New" panose="02070309020205020404" pitchFamily="49" charset="0"/>
-              </a:rPr>
-              <a:t> </a:t>
-            </a:r>
-            <a:r>
-              <a:rPr lang="en-US" sz="1500" b="1" dirty="0">
-                <a:solidFill>
-                  <a:srgbClr val="000080"/>
-                </a:solidFill>
-                <a:latin typeface="Courier New" panose="02070309020205020404" pitchFamily="49" charset="0"/>
-              </a:rPr>
-              <a:t>{</a:t>
-            </a:r>
-            <a:r>
-              <a:rPr lang="en-US" sz="1500" dirty="0">
-                <a:solidFill>
-                  <a:srgbClr val="000000"/>
-                </a:solidFill>
-                <a:latin typeface="Courier New" panose="02070309020205020404" pitchFamily="49" charset="0"/>
-              </a:rPr>
-              <a:t> </a:t>
-            </a:r>
-            <a:r>
-              <a:rPr lang="en-US" sz="1500" b="1" dirty="0">
-                <a:solidFill>
-                  <a:srgbClr val="000080"/>
-                </a:solidFill>
-                <a:latin typeface="Courier New" panose="02070309020205020404" pitchFamily="49" charset="0"/>
-              </a:rPr>
-              <a:t>.</a:t>
-            </a:r>
-            <a:r>
-              <a:rPr lang="en-US" sz="1500" dirty="0">
-                <a:solidFill>
-                  <a:srgbClr val="000000"/>
-                </a:solidFill>
-                <a:latin typeface="Courier New" panose="02070309020205020404" pitchFamily="49" charset="0"/>
-              </a:rPr>
-              <a:t> </a:t>
-            </a:r>
-            <a:r>
-              <a:rPr lang="en-US" sz="1500" b="1" dirty="0">
-                <a:solidFill>
-                  <a:srgbClr val="000080"/>
-                </a:solidFill>
-                <a:latin typeface="Courier New" panose="02070309020205020404" pitchFamily="49" charset="0"/>
-              </a:rPr>
-              <a:t>.</a:t>
-            </a:r>
-            <a:r>
-              <a:rPr lang="en-US" sz="1500" dirty="0">
-                <a:solidFill>
-                  <a:srgbClr val="000000"/>
-                </a:solidFill>
-                <a:latin typeface="Courier New" panose="02070309020205020404" pitchFamily="49" charset="0"/>
-              </a:rPr>
-              <a:t> </a:t>
-            </a:r>
-            <a:r>
-              <a:rPr lang="en-US" sz="1500" b="1" dirty="0">
-                <a:solidFill>
-                  <a:srgbClr val="000080"/>
-                </a:solidFill>
-                <a:latin typeface="Courier New" panose="02070309020205020404" pitchFamily="49" charset="0"/>
-              </a:rPr>
-              <a:t>.</a:t>
-            </a:r>
-            <a:r>
-              <a:rPr lang="en-US" sz="1500" dirty="0">
-                <a:solidFill>
-                  <a:srgbClr val="000000"/>
-                </a:solidFill>
-                <a:latin typeface="Courier New" panose="02070309020205020404" pitchFamily="49" charset="0"/>
-              </a:rPr>
-              <a:t> </a:t>
-            </a:r>
-            <a:r>
-              <a:rPr lang="en-US" sz="1500" b="1" dirty="0" smtClean="0">
-                <a:solidFill>
-                  <a:srgbClr val="000080"/>
-                </a:solidFill>
-                <a:latin typeface="Courier New" panose="02070309020205020404" pitchFamily="49" charset="0"/>
-              </a:rPr>
-              <a:t>}</a:t>
-            </a:r>
-            <a:endParaRPr lang="en-US" sz="2000" dirty="0">
+            <a:r>
+              <a:rPr lang="sr-Cyrl-RS" b="1" u="sng" dirty="0">
+                <a:latin typeface="Garamond" pitchFamily="18" charset="0"/>
+              </a:rPr>
+              <a:t>5. Приликом превазилажења метода не мењати очекивано понашање тј. поштовати принцип замене</a:t>
+            </a:r>
+            <a:endParaRPr lang="en-US" b="1" u="sng" dirty="0">
               <a:latin typeface="Garamond" pitchFamily="18" charset="0"/>
             </a:endParaRPr>
           </a:p>
@@ -25678,62 +25504,17 @@
               <a:defRPr/>
             </a:pPr>
             <a:r>
-              <a:rPr lang="sr-Cyrl-RS" sz="2000" dirty="0" smtClean="0">
+              <a:rPr lang="en-US" sz="1800" b="1" u="sng" dirty="0">
                 <a:latin typeface="Garamond" pitchFamily="18" charset="0"/>
               </a:rPr>
-              <a:t>На несрећу, скуп празника није затворен у односу на наслеђене операције</a:t>
-            </a:r>
-            <a:r>
-              <a:rPr lang="en-US" sz="2000" dirty="0" smtClean="0">
+              <a:t>SOL</a:t>
+            </a:r>
+            <a:r>
+              <a:rPr lang="en-US" sz="1800" dirty="0">
                 <a:latin typeface="Garamond" pitchFamily="18" charset="0"/>
               </a:rPr>
-              <a:t>. </a:t>
-            </a:r>
-            <a:r>
-              <a:rPr lang="sr-Cyrl-RS" sz="2000" dirty="0" smtClean="0">
-                <a:latin typeface="Garamond" pitchFamily="18" charset="0"/>
-              </a:rPr>
-              <a:t>Један од јавних метода класе </a:t>
-            </a:r>
-            <a:r>
-              <a:rPr lang="en-US" sz="1800" dirty="0" err="1" smtClean="0">
-                <a:latin typeface="+mn-lt"/>
-              </a:rPr>
-              <a:t>LocalDate</a:t>
-            </a:r>
-            <a:r>
-              <a:rPr lang="en-US" sz="2000" dirty="0" smtClean="0">
-                <a:latin typeface="Garamond" pitchFamily="18" charset="0"/>
-              </a:rPr>
-              <a:t> </a:t>
-            </a:r>
-            <a:r>
-              <a:rPr lang="sr-Cyrl-RS" sz="2000" dirty="0" smtClean="0">
-                <a:latin typeface="Garamond" pitchFamily="18" charset="0"/>
-              </a:rPr>
-              <a:t>је метод</a:t>
-            </a:r>
-            <a:r>
-              <a:rPr lang="en-US" sz="2000" dirty="0" smtClean="0">
-                <a:latin typeface="Garamond" pitchFamily="18" charset="0"/>
-              </a:rPr>
-              <a:t> </a:t>
-            </a:r>
-            <a:r>
-              <a:rPr lang="en-US" sz="1800" dirty="0" smtClean="0">
-                <a:latin typeface="+mn-lt"/>
-              </a:rPr>
-              <a:t>add</a:t>
-            </a:r>
-            <a:r>
-              <a:rPr lang="en-US" sz="2000" dirty="0" smtClean="0">
-                <a:latin typeface="Garamond" pitchFamily="18" charset="0"/>
-              </a:rPr>
-              <a:t> </a:t>
-            </a:r>
-            <a:endParaRPr lang="sr-Cyrl-RS" sz="2000" dirty="0" smtClean="0">
-              <a:latin typeface="Garamond" pitchFamily="18" charset="0"/>
-            </a:endParaRPr>
+              <a:t>ID</a:t>
+            </a:r>
           </a:p>
           <a:p>
             <a:pPr>
@@ -25743,20 +25524,11 @@
               <a:defRPr/>
             </a:pPr>
             <a:r>
-              <a:rPr lang="sr-Cyrl-RS" sz="2000" dirty="0" smtClean="0">
+              <a:rPr lang="sr-Cyrl-RS" sz="1800" dirty="0">
                 <a:latin typeface="Garamond" pitchFamily="18" charset="0"/>
               </a:rPr>
-              <a:t>Међутим, овај метод може да претвори празник у нерадни дан</a:t>
-            </a:r>
-            <a:r>
-              <a:rPr lang="en-US" sz="2000" dirty="0" smtClean="0">
-                <a:latin typeface="Garamond" pitchFamily="18" charset="0"/>
-              </a:rPr>
-              <a:t>:</a:t>
-            </a:r>
-            <a:endParaRPr lang="sr-Cyrl-RS" sz="2000" dirty="0" smtClean="0">
-              <a:latin typeface="Garamond" pitchFamily="18" charset="0"/>
-            </a:endParaRPr>
+              <a:t>Принцип замене се примењује и на синтаксу и на понашање</a:t>
+            </a:r>
           </a:p>
           <a:p>
             <a:pPr>
@@ -25765,127 +25537,6 @@
               </a:spcBef>
               <a:defRPr/>
             </a:pPr>
-            <a:r>
-              <a:rPr lang="sr-Cyrl-RS" sz="1500" dirty="0" smtClean="0">
-                <a:solidFill>
-                  <a:srgbClr val="000000"/>
-                </a:solidFill>
-                <a:latin typeface="Courier New" panose="02070309020205020404" pitchFamily="49" charset="0"/>
-              </a:rPr>
-              <a:t>	</a:t>
-            </a:r>
-            <a:r>
-              <a:rPr lang="en-US" sz="1500" dirty="0" smtClean="0">
-                <a:solidFill>
-                  <a:srgbClr val="000000"/>
-                </a:solidFill>
-                <a:latin typeface="Courier New" panose="02070309020205020404" pitchFamily="49" charset="0"/>
-              </a:rPr>
-              <a:t>Holiday </a:t>
-            </a:r>
-            <a:r>
-              <a:rPr lang="en-US" sz="1500" dirty="0" err="1">
-                <a:solidFill>
-                  <a:srgbClr val="000000"/>
-                </a:solidFill>
-                <a:latin typeface="Courier New" panose="02070309020205020404" pitchFamily="49" charset="0"/>
-              </a:rPr>
-              <a:t>christmas</a:t>
-            </a:r>
-            <a:r>
-              <a:rPr lang="en-US" sz="1500" b="1" dirty="0">
-                <a:solidFill>
-                  <a:srgbClr val="000080"/>
-                </a:solidFill>
-                <a:latin typeface="Courier New" panose="02070309020205020404" pitchFamily="49" charset="0"/>
-              </a:rPr>
-              <a:t>;</a:t>
-            </a:r>
-            <a:r>
-              <a:rPr lang="en-US" sz="1500" dirty="0">
-                <a:solidFill>
-                  <a:srgbClr val="000000"/>
-                </a:solidFill>
-                <a:latin typeface="Courier New" panose="02070309020205020404" pitchFamily="49" charset="0"/>
-              </a:rPr>
-              <a:t> </a:t>
-            </a:r>
-            <a:endParaRPr lang="sr-Cyrl-RS" sz="1500" dirty="0" smtClean="0">
-              <a:solidFill>
-                <a:srgbClr val="000000"/>
-              </a:solidFill>
-              <a:latin typeface="Courier New" panose="02070309020205020404" pitchFamily="49" charset="0"/>
-            </a:endParaRPr>
-          </a:p>
-          <a:p>
-            <a:pPr>
-              <a:spcBef>
-                <a:spcPts val="600"/>
-              </a:spcBef>
-              <a:defRPr/>
-            </a:pPr>
-            <a:r>
-              <a:rPr lang="sr-Cyrl-RS" sz="1500" dirty="0" smtClean="0">
-                <a:solidFill>
-                  <a:srgbClr val="000000"/>
-                </a:solidFill>
-                <a:latin typeface="Courier New" panose="02070309020205020404" pitchFamily="49" charset="0"/>
-              </a:rPr>
-              <a:t>	</a:t>
-            </a:r>
-            <a:r>
-              <a:rPr lang="en-US" sz="1500" dirty="0" err="1" smtClean="0">
-                <a:solidFill>
-                  <a:srgbClr val="000000"/>
-                </a:solidFill>
-                <a:latin typeface="Courier New" panose="02070309020205020404" pitchFamily="49" charset="0"/>
-              </a:rPr>
-              <a:t>christmas.plusDays</a:t>
-            </a:r>
-            <a:r>
-              <a:rPr lang="en-US" sz="1500" dirty="0" smtClean="0">
-                <a:solidFill>
-                  <a:srgbClr val="000000"/>
-                </a:solidFill>
-                <a:latin typeface="Courier New" panose="02070309020205020404" pitchFamily="49" charset="0"/>
-              </a:rPr>
-              <a:t>(</a:t>
-            </a:r>
-            <a:r>
-              <a:rPr lang="en-US" sz="1500" dirty="0" smtClean="0">
-                <a:solidFill>
-                  <a:srgbClr val="FF8000"/>
-                </a:solidFill>
-                <a:latin typeface="Courier New" panose="02070309020205020404" pitchFamily="49" charset="0"/>
-              </a:rPr>
-              <a:t>12</a:t>
-            </a:r>
-            <a:r>
-              <a:rPr lang="en-US" sz="1500" b="1" dirty="0" smtClean="0">
-                <a:solidFill>
-                  <a:srgbClr val="000080"/>
-                </a:solidFill>
-                <a:latin typeface="Courier New" panose="02070309020205020404" pitchFamily="49" charset="0"/>
-              </a:rPr>
-              <a:t>);</a:t>
-            </a:r>
-            <a:endParaRPr lang="en-US" sz="1500" dirty="0">
-              <a:latin typeface="Garamond" pitchFamily="18" charset="0"/>
-            </a:endParaRPr>
-          </a:p>
-          <a:p>
-            <a:pPr>
-              <a:spcBef>
-                <a:spcPts val="600"/>
-              </a:spcBef>
-              <a:defRPr/>
-            </a:pPr>
-            <a:r>
-              <a:rPr lang="sr-Cyrl-RS" sz="2000" dirty="0" smtClean="0">
-                <a:latin typeface="Garamond" pitchFamily="18" charset="0"/>
-              </a:rPr>
-              <a:t>Стога, у овом примеру наслеђивање није адекватно</a:t>
-            </a:r>
             <a:endParaRPr lang="en-US" sz="2000" dirty="0" smtClean="0">
               <a:latin typeface="Garamond" pitchFamily="18" charset="0"/>
             </a:endParaRPr>
@@ -26066,88 +25717,6 @@
                 <a:srgbClr val="0070C0"/>
               </a:solidFill>
             </a:endParaRPr>
-          </a:p>
-        </p:txBody>
-      </p:sp>
-      <p:sp>
-        <p:nvSpPr>
-          <p:cNvPr id="2" name="Rectangle 1"/>
-          <p:cNvSpPr/>
-          <p:nvPr/>
-        </p:nvSpPr>
-        <p:spPr>
-          <a:xfrm>
-            <a:off x="1371600" y="4437112"/>
-            <a:ext cx="6008712" cy="432048"/>
-          </a:xfrm>
-          <a:prstGeom prst="rect">
-            <a:avLst/>
-          </a:prstGeom>
-          <a:noFill/>
-        </p:spPr>
-        <p:style>
-          <a:lnRef idx="2">
-            <a:schemeClr val="accent1">
-              <a:shade val="50000"/>
-            </a:schemeClr>
-          </a:lnRef>
-          <a:fillRef idx="1">
-            <a:schemeClr val="accent1"/>
-          </a:fillRef>
-          <a:effectRef idx="0">
-            <a:schemeClr val="accent1"/>
-          </a:effectRef>
-          <a:fontRef idx="minor">
-            <a:schemeClr val="lt1"/>
-          </a:fontRef>
-        </p:style>
-        <p:txBody>
-          <a:bodyPr rtlCol="0" anchor="ctr"/>
-          <a:lstStyle/>
-          <a:p>
-            <a:pPr algn="ctr"/>
-            <a:endParaRPr lang="sr-Latn-RS"/>
-          </a:p>
-        </p:txBody>
-      </p:sp>
-      <p:sp>
-        <p:nvSpPr>
-          <p:cNvPr id="4" name="Rectangle 3"/>
-          <p:cNvSpPr/>
-          <p:nvPr/>
-        </p:nvSpPr>
-        <p:spPr>
-          <a:xfrm>
-            <a:off x="1371600" y="5877272"/>
-            <a:ext cx="4928592" cy="576064"/>
-          </a:xfrm>
-          <a:prstGeom prst="rect">
-            <a:avLst/>
-          </a:prstGeom>
-          <a:noFill/>
-        </p:spPr>
-        <p:style>
-          <a:lnRef idx="2">
-            <a:schemeClr val="accent1">
-              <a:shade val="50000"/>
-            </a:schemeClr>
-          </a:lnRef>
-          <a:fillRef idx="1">
-            <a:schemeClr val="accent1"/>
-          </a:fillRef>
-          <a:effectRef idx="0">
-            <a:schemeClr val="accent1"/>
-          </a:effectRef>
-          <a:fontRef idx="minor">
-            <a:schemeClr val="lt1"/>
-          </a:fontRef>
-        </p:style>
-        <p:txBody>
-          <a:bodyPr rtlCol="0" anchor="ctr"/>
-          <a:lstStyle/>
-          <a:p>
-            <a:pPr algn="ctr"/>
-            <a:endParaRPr lang="sr-Latn-RS"/>
           </a:p>
         </p:txBody>
       </p:sp>
@@ -26357,7 +25926,7 @@
                                         <p:tgtEl>
                                           <p:spTgt spid="26626">
                                             <p:txEl>
-                                              <p:pRg st="4" end="4"/>
+                                              <p:pRg st="5" end="5"/>
                                             </p:txEl>
                                           </p:spTgt>
                                         </p:tgtEl>
@@ -26375,85 +25944,7 @@
                                         <p:tgtEl>
                                           <p:spTgt spid="26626">
                                             <p:txEl>
-                                              <p:pRg st="4" end="4"/>
-                                            </p:txEl>
-                                          </p:spTgt>
-                                        </p:tgtEl>
-                                      </p:cBhvr>
-                                    </p:animEffect>
-                                  </p:childTnLst>
-                                </p:cTn>
-                              </p:par>
-                              <p:par>
-                                <p:cTn id="21" presetID="10" presetClass="entr" presetSubtype="0" fill="hold" grpId="0" nodeType="withEffect">
-                                  <p:stCondLst>
-                                    <p:cond delay="0"/>
-                                  </p:stCondLst>
-                                  <p:childTnLst>
-                                    <p:set>
-                                      <p:cBhvr>
-                                        <p:cTn id="22" dur="1" fill="hold">
-                                          <p:stCondLst>
-                                            <p:cond delay="0"/>
-                                          </p:stCondLst>
-                                        </p:cTn>
-                                        <p:tgtEl>
-                                          <p:spTgt spid="2"/>
-                                        </p:tgtEl>
-                                        <p:attrNameLst>
-                                          <p:attrName>style.visibility</p:attrName>
-                                        </p:attrNameLst>
-                                      </p:cBhvr>
-                                      <p:to>
-                                        <p:strVal val="visible"/>
-                                      </p:to>
-                                    </p:set>
-                                    <p:animEffect transition="in" filter="fade">
-                                      <p:cBhvr>
-                                        <p:cTn id="23" dur="500"/>
-                                        <p:tgtEl>
-                                          <p:spTgt spid="2"/>
-                                        </p:tgtEl>
-                                      </p:cBhvr>
-                                    </p:animEffect>
-                                  </p:childTnLst>
-                                </p:cTn>
-                              </p:par>
-                              <p:par>
-                                <p:cTn id="24" presetID="3" presetClass="entr" presetSubtype="10" fill="hold" nodeType="withEffect">
-                                  <p:stCondLst>
-                                    <p:cond delay="0"/>
-                                  </p:stCondLst>
-                                  <p:childTnLst>
-                                    <p:set>
-                                      <p:cBhvr>
-                                        <p:cTn id="25" dur="1" fill="hold">
-                                          <p:stCondLst>
-                                            <p:cond delay="0"/>
-                                          </p:stCondLst>
-                                        </p:cTn>
-                                        <p:tgtEl>
-                                          <p:spTgt spid="26626">
-                                            <p:txEl>
-                                              <p:pRg st="6" end="6"/>
-                                            </p:txEl>
-                                          </p:spTgt>
-                                        </p:tgtEl>
-                                        <p:attrNameLst>
-                                          <p:attrName>style.visibility</p:attrName>
-                                        </p:attrNameLst>
-                                      </p:cBhvr>
-                                      <p:to>
-                                        <p:strVal val="visible"/>
-                                      </p:to>
-                                    </p:set>
-                                    <p:animEffect transition="in" filter="blinds(horizontal)">
-                                      <p:cBhvr>
-                                        <p:cTn id="26" dur="500"/>
-                                        <p:tgtEl>
-                                          <p:spTgt spid="26626">
-                                            <p:txEl>
-                                              <p:pRg st="6" end="6"/>
+                                              <p:pRg st="5" end="5"/>
                                             </p:txEl>
                                           </p:spTgt>
                                         </p:tgtEl>
@@ -26469,26 +25960,26 @@
                     </p:cTn>
                   </p:par>
                   <p:par>
-                    <p:cTn id="27" fill="hold" nodeType="clickPar">
+                    <p:cTn id="21" fill="hold">
                       <p:stCondLst>
                         <p:cond delay="indefinite"/>
                       </p:stCondLst>
                       <p:childTnLst>
                         <p:par>
-                          <p:cTn id="28" fill="hold" nodeType="withGroup">
+                          <p:cTn id="22" fill="hold">
                             <p:stCondLst>
                               <p:cond delay="0"/>
                             </p:stCondLst>
                             <p:childTnLst>
                               <p:par>
-                                <p:cTn id="29" presetID="3" presetClass="entr" presetSubtype="10" fill="hold" nodeType="clickEffect">
+                                <p:cTn id="23" presetID="3" presetClass="entr" presetSubtype="10" fill="hold" nodeType="clickEffect">
                                   <p:stCondLst>
                                     <p:cond delay="0"/>
                                   </p:stCondLst>
                                   <p:childTnLst>
                                     <p:set>
                                       <p:cBhvr>
-                                        <p:cTn id="30" dur="1" fill="hold">
+                                        <p:cTn id="24" dur="1" fill="hold">
                                           <p:stCondLst>
                                             <p:cond delay="0"/>
                                           </p:stCondLst>
@@ -26496,7 +25987,7 @@
                                         <p:tgtEl>
                                           <p:spTgt spid="26626">
                                             <p:txEl>
-                                              <p:pRg st="7" end="7"/>
+                                              <p:pRg st="6" end="6"/>
                                             </p:txEl>
                                           </p:spTgt>
                                         </p:tgtEl>
@@ -26510,11 +26001,11 @@
                                     </p:set>
                                     <p:animEffect transition="in" filter="blinds(horizontal)">
                                       <p:cBhvr>
-                                        <p:cTn id="31" dur="500"/>
+                                        <p:cTn id="25" dur="500"/>
                                         <p:tgtEl>
                                           <p:spTgt spid="26626">
                                             <p:txEl>
-                                              <p:pRg st="7" end="7"/>
+                                              <p:pRg st="6" end="6"/>
                                             </p:txEl>
                                           </p:spTgt>
                                         </p:tgtEl>
@@ -26530,26 +26021,26 @@
                     </p:cTn>
                   </p:par>
                   <p:par>
-                    <p:cTn id="32" fill="hold">
+                    <p:cTn id="26" fill="hold">
                       <p:stCondLst>
                         <p:cond delay="indefinite"/>
                       </p:stCondLst>
                       <p:childTnLst>
                         <p:par>
-                          <p:cTn id="33" fill="hold">
+                          <p:cTn id="27" fill="hold">
                             <p:stCondLst>
                               <p:cond delay="0"/>
                             </p:stCondLst>
                             <p:childTnLst>
                               <p:par>
-                                <p:cTn id="34" presetID="3" presetClass="entr" presetSubtype="10" fill="hold" nodeType="clickEffect">
+                                <p:cTn id="28" presetID="3" presetClass="entr" presetSubtype="10" fill="hold" nodeType="clickEffect">
                                   <p:stCondLst>
                                     <p:cond delay="0"/>
                                   </p:stCondLst>
                                   <p:childTnLst>
                                     <p:set>
                                       <p:cBhvr>
-                                        <p:cTn id="35" dur="1" fill="hold">
+                                        <p:cTn id="29" dur="1" fill="hold">
                                           <p:stCondLst>
                                             <p:cond delay="0"/>
                                           </p:stCondLst>
@@ -26557,7 +26048,7 @@
                                         <p:tgtEl>
                                           <p:spTgt spid="26626">
                                             <p:txEl>
-                                              <p:pRg st="8" end="8"/>
+                                              <p:pRg st="7" end="7"/>
                                             </p:txEl>
                                           </p:spTgt>
                                         </p:tgtEl>
@@ -26571,175 +26062,11 @@
                                     </p:set>
                                     <p:animEffect transition="in" filter="blinds(horizontal)">
                                       <p:cBhvr>
-                                        <p:cTn id="36" dur="500"/>
+                                        <p:cTn id="30" dur="500"/>
                                         <p:tgtEl>
                                           <p:spTgt spid="26626">
                                             <p:txEl>
-                                              <p:pRg st="8" end="8"/>
-                                            </p:txEl>
-                                          </p:spTgt>
-                                        </p:tgtEl>
-                                      </p:cBhvr>
-                                    </p:animEffect>
-                                  </p:childTnLst>
-                                </p:cTn>
-                              </p:par>
-                              <p:par>
-                                <p:cTn id="37" presetID="10" presetClass="entr" presetSubtype="0" fill="hold" grpId="0" nodeType="withEffect">
-                                  <p:stCondLst>
-                                    <p:cond delay="0"/>
-                                  </p:stCondLst>
-                                  <p:childTnLst>
-                                    <p:set>
-                                      <p:cBhvr>
-                                        <p:cTn id="38" dur="1" fill="hold">
-                                          <p:stCondLst>
-                                            <p:cond delay="0"/>
-                                          </p:stCondLst>
-                                        </p:cTn>
-                                        <p:tgtEl>
-                                          <p:spTgt spid="4"/>
-                                        </p:tgtEl>
-                                        <p:attrNameLst>
-                                          <p:attrName>style.visibility</p:attrName>
-                                        </p:attrNameLst>
-                                      </p:cBhvr>
-                                      <p:to>
-                                        <p:strVal val="visible"/>
-                                      </p:to>
-                                    </p:set>
-                                    <p:animEffect transition="in" filter="fade">
-                                      <p:cBhvr>
-                                        <p:cTn id="39" dur="500"/>
-                                        <p:tgtEl>
-                                          <p:spTgt spid="4"/>
-                                        </p:tgtEl>
-                                      </p:cBhvr>
-                                    </p:animEffect>
-                                  </p:childTnLst>
-                                </p:cTn>
-                              </p:par>
-                              <p:par>
-                                <p:cTn id="40" presetID="3" presetClass="entr" presetSubtype="10" fill="hold" nodeType="withEffect">
-                                  <p:stCondLst>
-                                    <p:cond delay="0"/>
-                                  </p:stCondLst>
-                                  <p:childTnLst>
-                                    <p:set>
-                                      <p:cBhvr>
-                                        <p:cTn id="41" dur="1" fill="hold">
-                                          <p:stCondLst>
-                                            <p:cond delay="0"/>
-                                          </p:stCondLst>
-                                        </p:cTn>
-                                        <p:tgtEl>
-                                          <p:spTgt spid="26626">
-                                            <p:txEl>
-                                              <p:pRg st="9" end="9"/>
-                                            </p:txEl>
-                                          </p:spTgt>
-                                        </p:tgtEl>
-                                        <p:attrNameLst>
-                                          <p:attrName>style.visibility</p:attrName>
-                                        </p:attrNameLst>
-                                      </p:cBhvr>
-                                      <p:to>
-                                        <p:strVal val="visible"/>
-                                      </p:to>
-                                    </p:set>
-                                    <p:animEffect transition="in" filter="blinds(horizontal)">
-                                      <p:cBhvr>
-                                        <p:cTn id="42" dur="500"/>
-                                        <p:tgtEl>
-                                          <p:spTgt spid="26626">
-                                            <p:txEl>
-                                              <p:pRg st="9" end="9"/>
-                                            </p:txEl>
-                                          </p:spTgt>
-                                        </p:tgtEl>
-                                      </p:cBhvr>
-                                    </p:animEffect>
-                                  </p:childTnLst>
-                                </p:cTn>
-                              </p:par>
-                              <p:par>
-                                <p:cTn id="43" presetID="3" presetClass="entr" presetSubtype="10" fill="hold" nodeType="withEffect">
-                                  <p:stCondLst>
-                                    <p:cond delay="0"/>
-                                  </p:stCondLst>
-                                  <p:childTnLst>
-                                    <p:set>
-                                      <p:cBhvr>
-                                        <p:cTn id="44" dur="1" fill="hold">
-                                          <p:stCondLst>
-                                            <p:cond delay="0"/>
-                                          </p:stCondLst>
-                                        </p:cTn>
-                                        <p:tgtEl>
-                                          <p:spTgt spid="26626">
-                                            <p:txEl>
-                                              <p:pRg st="10" end="10"/>
-                                            </p:txEl>
-                                          </p:spTgt>
-                                        </p:tgtEl>
-                                        <p:attrNameLst>
-                                          <p:attrName>style.visibility</p:attrName>
-                                        </p:attrNameLst>
-                                      </p:cBhvr>
-                                      <p:to>
-                                        <p:strVal val="visible"/>
-                                      </p:to>
-                                    </p:set>
-                                    <p:animEffect transition="in" filter="blinds(horizontal)">
-                                      <p:cBhvr>
-                                        <p:cTn id="45" dur="500"/>
-                                        <p:tgtEl>
-                                          <p:spTgt spid="26626">
-                                            <p:txEl>
-                                              <p:pRg st="10" end="10"/>
-                                            </p:txEl>
-                                          </p:spTgt>
-                                        </p:tgtEl>
-                                      </p:cBhvr>
-                                    </p:animEffect>
-                                  </p:childTnLst>
-                                </p:cTn>
-                              </p:par>
-                              <p:par>
-                                <p:cTn id="46" presetID="3" presetClass="entr" presetSubtype="10" fill="hold" nodeType="withEffect">
-                                  <p:stCondLst>
-                                    <p:cond delay="0"/>
-                                  </p:stCondLst>
-                                  <p:childTnLst>
-                                    <p:set>
-                                      <p:cBhvr>
-                                        <p:cTn id="47" dur="1" fill="hold">
-                                          <p:stCondLst>
-                                            <p:cond delay="0"/>
-                                          </p:stCondLst>
-                                        </p:cTn>
-                                        <p:tgtEl>
-                                          <p:spTgt spid="26626">
-                                            <p:txEl>
-                                              <p:pRg st="11" end="11"/>
-                                            </p:txEl>
-                                          </p:spTgt>
-                                        </p:tgtEl>
-                                        <p:attrNameLst>
-                                          <p:attrName>style.visibility</p:attrName>
-                                        </p:attrNameLst>
-                                      </p:cBhvr>
-                                      <p:to>
-                                        <p:strVal val="visible"/>
-                                      </p:to>
-                                    </p:set>
-                                    <p:animEffect transition="in" filter="blinds(horizontal)">
-                                      <p:cBhvr>
-                                        <p:cTn id="48" dur="500"/>
-                                        <p:tgtEl>
-                                          <p:spTgt spid="26626">
-                                            <p:txEl>
-                                              <p:pRg st="11" end="11"/>
+                                              <p:pRg st="7" end="7"/>
                                             </p:txEl>
                                           </p:spTgt>
                                         </p:tgtEl>
@@ -26775,1507 +26102,11 @@
         </p:cTn>
       </p:par>
     </p:tnLst>
-    <p:bldLst>
-      <p:bldP spid="2" grpId="0" animBg="1"/>
-      <p:bldP spid="4" grpId="0" animBg="1"/>
-    </p:bldLst>
   </p:timing>
 </p:sld>
 </file>
 
 <file path=ppt/slides/slide31.xml><?xml version="1.0" encoding="utf-8"?>
-<p:sld xmlns:a="http://schemas.openxmlformats.org/drawingml/2006/main" xmlns:r="http://schemas.openxmlformats.org/officeDocument/2006/relationships" xmlns:p="http://schemas.openxmlformats.org/presentationml/2006/main">
-  <p:cSld>
-    <p:spTree>
-      <p:nvGrpSpPr>
-        <p:cNvPr id="1" name=""/>
-        <p:cNvGrpSpPr/>
-        <p:nvPr/>
-      </p:nvGrpSpPr>
-      <p:grpSpPr>
-        <a:xfrm>
-          <a:off x="0" y="0"/>
-          <a:ext cx="0" cy="0"/>
-          <a:chOff x="0" y="0"/>
-          <a:chExt cx="0" cy="0"/>
-        </a:xfrm>
-      </p:grpSpPr>
-      <p:sp>
-        <p:nvSpPr>
-          <p:cNvPr id="26626" name="Text Box 2"/>
-          <p:cNvSpPr txBox="1">
-            <a:spLocks noChangeArrowheads="1"/>
-          </p:cNvSpPr>
-          <p:nvPr/>
-        </p:nvSpPr>
-        <p:spPr bwMode="auto">
-          <a:xfrm>
-            <a:off x="539552" y="1417638"/>
-            <a:ext cx="8451850" cy="5262979"/>
-          </a:xfrm>
-          <a:prstGeom prst="rect">
-            <a:avLst/>
-          </a:prstGeom>
-          <a:noFill/>
-          <a:ln>
-            <a:noFill/>
-          </a:ln>
-          <a:extLst>
-            <a:ext uri="{909E8E84-426E-40DD-AFC4-6F175D3DCCD1}">
-              <a14:hiddenFill xmlns:a14="http://schemas.microsoft.com/office/drawing/2010/main">
-                <a:solidFill>
-                  <a:srgbClr val="FFFFFF"/>
-                </a:solidFill>
-              </a14:hiddenFill>
-            </a:ext>
-            <a:ext uri="{91240B29-F687-4F45-9708-019B960494DF}">
-              <a14:hiddenLine xmlns:a14="http://schemas.microsoft.com/office/drawing/2010/main" w="9525">
-                <a:solidFill>
-                  <a:srgbClr val="000000"/>
-                </a:solidFill>
-                <a:miter lim="800000"/>
-                <a:headEnd/>
-                <a:tailEnd/>
-              </a14:hiddenLine>
-            </a:ext>
-          </a:extLst>
-        </p:spPr>
-        <p:txBody>
-          <a:bodyPr>
-            <a:spAutoFit/>
-          </a:bodyPr>
-          <a:lstStyle>
-            <a:lvl1pPr eaLnBrk="0" hangingPunct="0">
-              <a:defRPr sz="2400">
-                <a:solidFill>
-                  <a:schemeClr val="tx1"/>
-                </a:solidFill>
-                <a:latin typeface="Times New Roman" pitchFamily="18" charset="0"/>
-              </a:defRPr>
-            </a:lvl1pPr>
-            <a:lvl2pPr marL="742950" indent="-285750" eaLnBrk="0" hangingPunct="0">
-              <a:defRPr sz="2400">
-                <a:solidFill>
-                  <a:schemeClr val="tx1"/>
-                </a:solidFill>
-                <a:latin typeface="Times New Roman" pitchFamily="18" charset="0"/>
-              </a:defRPr>
-            </a:lvl2pPr>
-            <a:lvl3pPr marL="1143000" indent="-228600" eaLnBrk="0" hangingPunct="0">
-              <a:defRPr sz="2400">
-                <a:solidFill>
-                  <a:schemeClr val="tx1"/>
-                </a:solidFill>
-                <a:latin typeface="Times New Roman" pitchFamily="18" charset="0"/>
-              </a:defRPr>
-            </a:lvl3pPr>
-            <a:lvl4pPr marL="1600200" indent="-228600" eaLnBrk="0" hangingPunct="0">
-              <a:defRPr sz="2400">
-                <a:solidFill>
-                  <a:schemeClr val="tx1"/>
-                </a:solidFill>
-                <a:latin typeface="Times New Roman" pitchFamily="18" charset="0"/>
-              </a:defRPr>
-            </a:lvl4pPr>
-            <a:lvl5pPr marL="2057400" indent="-228600" eaLnBrk="0" hangingPunct="0">
-              <a:defRPr sz="2400">
-                <a:solidFill>
-                  <a:schemeClr val="tx1"/>
-                </a:solidFill>
-                <a:latin typeface="Times New Roman" pitchFamily="18" charset="0"/>
-              </a:defRPr>
-            </a:lvl5pPr>
-            <a:lvl6pPr marL="2514600" indent="-228600" eaLnBrk="0" fontAlgn="base" hangingPunct="0">
-              <a:spcBef>
-                <a:spcPct val="0"/>
-              </a:spcBef>
-              <a:spcAft>
-                <a:spcPct val="0"/>
-              </a:spcAft>
-              <a:defRPr sz="2400">
-                <a:solidFill>
-                  <a:schemeClr val="tx1"/>
-                </a:solidFill>
-                <a:latin typeface="Times New Roman" pitchFamily="18" charset="0"/>
-              </a:defRPr>
-            </a:lvl6pPr>
-            <a:lvl7pPr marL="2971800" indent="-228600" eaLnBrk="0" fontAlgn="base" hangingPunct="0">
-              <a:spcBef>
-                <a:spcPct val="0"/>
-              </a:spcBef>
-              <a:spcAft>
-                <a:spcPct val="0"/>
-              </a:spcAft>
-              <a:defRPr sz="2400">
-                <a:solidFill>
-                  <a:schemeClr val="tx1"/>
-                </a:solidFill>
-                <a:latin typeface="Times New Roman" pitchFamily="18" charset="0"/>
-              </a:defRPr>
-            </a:lvl7pPr>
-            <a:lvl8pPr marL="3429000" indent="-228600" eaLnBrk="0" fontAlgn="base" hangingPunct="0">
-              <a:spcBef>
-                <a:spcPct val="0"/>
-              </a:spcBef>
-              <a:spcAft>
-                <a:spcPct val="0"/>
-              </a:spcAft>
-              <a:defRPr sz="2400">
-                <a:solidFill>
-                  <a:schemeClr val="tx1"/>
-                </a:solidFill>
-                <a:latin typeface="Times New Roman" pitchFamily="18" charset="0"/>
-              </a:defRPr>
-            </a:lvl8pPr>
-            <a:lvl9pPr marL="3886200" indent="-228600" eaLnBrk="0" fontAlgn="base" hangingPunct="0">
-              <a:spcBef>
-                <a:spcPct val="0"/>
-              </a:spcBef>
-              <a:spcAft>
-                <a:spcPct val="0"/>
-              </a:spcAft>
-              <a:defRPr sz="2400">
-                <a:solidFill>
-                  <a:schemeClr val="tx1"/>
-                </a:solidFill>
-                <a:latin typeface="Times New Roman" pitchFamily="18" charset="0"/>
-              </a:defRPr>
-            </a:lvl9pPr>
-          </a:lstStyle>
-          <a:p>
-            <a:pPr>
-              <a:spcBef>
-                <a:spcPts val="600"/>
-              </a:spcBef>
-              <a:defRPr/>
-            </a:pPr>
-            <a:r>
-              <a:rPr lang="sr-Cyrl-RS" b="1" u="sng" dirty="0" smtClean="0">
-                <a:latin typeface="Garamond" pitchFamily="18" charset="0"/>
-              </a:rPr>
-              <a:t>5. Приликом превазилажења метода не мењати очекивано понашање тј. поштовати принцип замене</a:t>
-            </a:r>
-            <a:endParaRPr lang="en-US" b="1" u="sng" dirty="0">
-              <a:latin typeface="Garamond" pitchFamily="18" charset="0"/>
-            </a:endParaRPr>
-          </a:p>
-          <a:p>
-            <a:pPr>
-              <a:spcBef>
-                <a:spcPts val="600"/>
-              </a:spcBef>
-              <a:defRPr/>
-            </a:pPr>
-            <a:r>
-              <a:rPr lang="en-US" sz="2000" b="1" u="sng" dirty="0" smtClean="0">
-                <a:latin typeface="Garamond" pitchFamily="18" charset="0"/>
-              </a:rPr>
-              <a:t>SOL</a:t>
-            </a:r>
-            <a:r>
-              <a:rPr lang="en-US" sz="2000" dirty="0" smtClean="0">
-                <a:latin typeface="Garamond" pitchFamily="18" charset="0"/>
-              </a:rPr>
-              <a:t>ID</a:t>
-            </a:r>
-          </a:p>
-          <a:p>
-            <a:pPr>
-              <a:spcBef>
-                <a:spcPts val="600"/>
-              </a:spcBef>
-              <a:defRPr/>
-            </a:pPr>
-            <a:r>
-              <a:rPr lang="sr-Cyrl-RS" sz="2000" dirty="0" smtClean="0">
-                <a:latin typeface="Garamond" pitchFamily="18" charset="0"/>
-              </a:rPr>
-              <a:t>Принцип замене се примењује и на синтаксу и на понашање</a:t>
-            </a:r>
-          </a:p>
-          <a:p>
-            <a:pPr>
-              <a:spcBef>
-                <a:spcPts val="600"/>
-              </a:spcBef>
-              <a:defRPr/>
-            </a:pPr>
-            <a:endParaRPr lang="en-US" sz="2000" dirty="0">
-              <a:latin typeface="Garamond" pitchFamily="18" charset="0"/>
-            </a:endParaRPr>
-          </a:p>
-          <a:p>
-            <a:pPr>
-              <a:spcBef>
-                <a:spcPts val="600"/>
-              </a:spcBef>
-              <a:defRPr/>
-            </a:pPr>
-            <a:r>
-              <a:rPr lang="sr-Cyrl-RS" sz="2000" dirty="0" smtClean="0">
-                <a:latin typeface="Garamond" pitchFamily="18" charset="0"/>
-              </a:rPr>
-              <a:t>На пример, при превазилажењу метода се не сме неразумно мењати његово понашање</a:t>
-            </a:r>
-            <a:r>
-              <a:rPr lang="en-US" sz="2000" dirty="0" smtClean="0">
-                <a:latin typeface="Garamond" pitchFamily="18" charset="0"/>
-              </a:rPr>
-              <a:t>. </a:t>
-            </a:r>
-            <a:r>
-              <a:rPr lang="sr-Cyrl-RS" sz="2000" dirty="0" smtClean="0">
-                <a:latin typeface="Garamond" pitchFamily="18" charset="0"/>
-              </a:rPr>
-              <a:t>На пример, ако се „поправи“ проблем са методом</a:t>
-            </a:r>
-            <a:r>
-              <a:rPr lang="en-US" sz="2000" dirty="0" smtClean="0">
-                <a:latin typeface="Garamond" pitchFamily="18" charset="0"/>
-              </a:rPr>
-              <a:t> </a:t>
-            </a:r>
-            <a:r>
-              <a:rPr lang="en-US" sz="1800" dirty="0">
-                <a:latin typeface="+mn-lt"/>
-              </a:rPr>
-              <a:t>add</a:t>
-            </a:r>
-            <a:r>
-              <a:rPr lang="en-US" sz="2000" dirty="0">
-                <a:latin typeface="Garamond" pitchFamily="18" charset="0"/>
-              </a:rPr>
-              <a:t> </a:t>
-            </a:r>
-            <a:r>
-              <a:rPr lang="sr-Cyrl-RS" sz="2000" dirty="0" smtClean="0">
-                <a:latin typeface="Garamond" pitchFamily="18" charset="0"/>
-              </a:rPr>
-              <a:t>у класи</a:t>
-            </a:r>
-            <a:r>
-              <a:rPr lang="en-US" sz="2000" dirty="0" smtClean="0">
-                <a:latin typeface="Garamond" pitchFamily="18" charset="0"/>
-              </a:rPr>
-              <a:t> </a:t>
-            </a:r>
-            <a:r>
-              <a:rPr lang="en-US" sz="1800" dirty="0">
-                <a:latin typeface="+mn-lt"/>
-              </a:rPr>
-              <a:t>Holiday</a:t>
-            </a:r>
-            <a:r>
-              <a:rPr lang="en-US" sz="2000" dirty="0">
-                <a:latin typeface="Garamond" pitchFamily="18" charset="0"/>
-              </a:rPr>
-              <a:t> </a:t>
-            </a:r>
-            <a:r>
-              <a:rPr lang="sr-Cyrl-RS" sz="2000" dirty="0" smtClean="0">
-                <a:latin typeface="Garamond" pitchFamily="18" charset="0"/>
-              </a:rPr>
-              <a:t>тако да сада</a:t>
-            </a:r>
-            <a:r>
-              <a:rPr lang="en-US" sz="2000" dirty="0" smtClean="0">
-                <a:latin typeface="Garamond" pitchFamily="18" charset="0"/>
-              </a:rPr>
-              <a:t> </a:t>
-            </a:r>
-            <a:r>
-              <a:rPr lang="en-US" sz="1800" dirty="0" smtClean="0">
-                <a:latin typeface="+mn-lt"/>
-              </a:rPr>
-              <a:t>add</a:t>
-            </a:r>
-            <a:r>
-              <a:rPr lang="sr-Cyrl-RS" sz="2000" dirty="0" smtClean="0">
-                <a:latin typeface="Garamond" pitchFamily="18" charset="0"/>
-              </a:rPr>
-              <a:t> пребацује на следећи празник</a:t>
-            </a:r>
-            <a:r>
-              <a:rPr lang="en-US" sz="2000" dirty="0" smtClean="0">
-                <a:latin typeface="Garamond" pitchFamily="18" charset="0"/>
-              </a:rPr>
-              <a:t>, </a:t>
-            </a:r>
-            <a:r>
-              <a:rPr lang="sr-Cyrl-RS" sz="2000" dirty="0" smtClean="0">
-                <a:latin typeface="Garamond" pitchFamily="18" charset="0"/>
-              </a:rPr>
-              <a:t>тада бива нарушен принцип замене</a:t>
-            </a:r>
-            <a:r>
-              <a:rPr lang="en-US" sz="2000" dirty="0" smtClean="0">
-                <a:latin typeface="Garamond" pitchFamily="18" charset="0"/>
-              </a:rPr>
-              <a:t>.</a:t>
-            </a:r>
-            <a:r>
-              <a:rPr lang="sr-Cyrl-RS" sz="2000" dirty="0" smtClean="0">
-                <a:latin typeface="Garamond" pitchFamily="18" charset="0"/>
-              </a:rPr>
-              <a:t> </a:t>
-            </a:r>
-          </a:p>
-          <a:p>
-            <a:pPr>
-              <a:spcBef>
-                <a:spcPts val="600"/>
-              </a:spcBef>
-              <a:defRPr/>
-            </a:pPr>
-            <a:r>
-              <a:rPr lang="sr-Cyrl-RS" sz="2000" dirty="0" smtClean="0">
-                <a:latin typeface="Garamond" pitchFamily="18" charset="0"/>
-              </a:rPr>
-              <a:t>Наиме, секвенца нареби:</a:t>
-            </a:r>
-          </a:p>
-          <a:p>
-            <a:pPr>
-              <a:spcBef>
-                <a:spcPts val="600"/>
-              </a:spcBef>
-              <a:defRPr/>
-            </a:pPr>
-            <a:endParaRPr lang="en-US" sz="800" dirty="0">
-              <a:latin typeface="Garamond" pitchFamily="18" charset="0"/>
-            </a:endParaRPr>
-          </a:p>
-          <a:p>
-            <a:r>
-              <a:rPr lang="sr-Cyrl-RS" sz="1500" dirty="0" smtClean="0">
-                <a:solidFill>
-                  <a:srgbClr val="8000FF"/>
-                </a:solidFill>
-                <a:latin typeface="Courier New" panose="02070309020205020404" pitchFamily="49" charset="0"/>
-              </a:rPr>
-              <a:t>	</a:t>
-            </a:r>
-            <a:r>
-              <a:rPr lang="en-US" sz="1500" dirty="0" smtClean="0">
-                <a:solidFill>
-                  <a:srgbClr val="000000"/>
-                </a:solidFill>
-                <a:latin typeface="Courier New" panose="02070309020205020404" pitchFamily="49" charset="0"/>
-              </a:rPr>
-              <a:t>d1 </a:t>
-            </a:r>
-            <a:r>
-              <a:rPr lang="en-US" sz="1500" b="1" dirty="0">
-                <a:solidFill>
-                  <a:srgbClr val="000080"/>
-                </a:solidFill>
-                <a:latin typeface="Courier New" panose="02070309020205020404" pitchFamily="49" charset="0"/>
-              </a:rPr>
-              <a:t>=</a:t>
-            </a:r>
-            <a:r>
-              <a:rPr lang="en-US" sz="1500" dirty="0">
-                <a:solidFill>
-                  <a:srgbClr val="000000"/>
-                </a:solidFill>
-                <a:latin typeface="Courier New" panose="02070309020205020404" pitchFamily="49" charset="0"/>
-              </a:rPr>
-              <a:t> </a:t>
-            </a:r>
-            <a:r>
-              <a:rPr lang="en-US" sz="1500" dirty="0" smtClean="0">
-                <a:solidFill>
-                  <a:srgbClr val="000000"/>
-                </a:solidFill>
-                <a:latin typeface="Courier New" panose="02070309020205020404" pitchFamily="49" charset="0"/>
-              </a:rPr>
-              <a:t>…</a:t>
-            </a:r>
-            <a:r>
-              <a:rPr lang="en-US" sz="1500" b="1" dirty="0" smtClean="0">
-                <a:solidFill>
-                  <a:srgbClr val="000080"/>
-                </a:solidFill>
-                <a:latin typeface="Courier New" panose="02070309020205020404" pitchFamily="49" charset="0"/>
-              </a:rPr>
-              <a:t>;</a:t>
-            </a:r>
-          </a:p>
-          <a:p>
-            <a:r>
-              <a:rPr lang="en-US" sz="1500" dirty="0" smtClean="0">
-                <a:solidFill>
-                  <a:srgbClr val="000000"/>
-                </a:solidFill>
-                <a:latin typeface="Courier New" panose="02070309020205020404" pitchFamily="49" charset="0"/>
-              </a:rPr>
-              <a:t> </a:t>
-            </a:r>
-            <a:r>
-              <a:rPr lang="sr-Cyrl-RS" sz="1500" dirty="0" smtClean="0">
-                <a:solidFill>
-                  <a:srgbClr val="000000"/>
-                </a:solidFill>
-                <a:latin typeface="Courier New" panose="02070309020205020404" pitchFamily="49" charset="0"/>
-              </a:rPr>
-              <a:t>	</a:t>
-            </a:r>
-            <a:r>
-              <a:rPr lang="en-US" sz="1500" dirty="0" smtClean="0">
-                <a:solidFill>
-                  <a:srgbClr val="000000"/>
-                </a:solidFill>
-                <a:latin typeface="Courier New" panose="02070309020205020404" pitchFamily="49" charset="0"/>
-              </a:rPr>
-              <a:t>d2 </a:t>
-            </a:r>
-            <a:r>
-              <a:rPr lang="en-US" sz="1500" b="1" dirty="0" smtClean="0">
-                <a:solidFill>
-                  <a:srgbClr val="000080"/>
-                </a:solidFill>
-                <a:latin typeface="Courier New" panose="02070309020205020404" pitchFamily="49" charset="0"/>
-              </a:rPr>
-              <a:t>= </a:t>
-            </a:r>
-            <a:r>
-              <a:rPr lang="en-US" sz="1500" dirty="0" smtClean="0">
-                <a:solidFill>
-                  <a:srgbClr val="000080"/>
-                </a:solidFill>
-                <a:latin typeface="Courier New" panose="02070309020205020404" pitchFamily="49" charset="0"/>
-              </a:rPr>
-              <a:t>d1</a:t>
-            </a:r>
-            <a:r>
-              <a:rPr lang="en-US" sz="1500" b="1" dirty="0" smtClean="0">
-                <a:solidFill>
-                  <a:srgbClr val="000080"/>
-                </a:solidFill>
-                <a:latin typeface="Courier New" panose="02070309020205020404" pitchFamily="49" charset="0"/>
-              </a:rPr>
-              <a:t>.</a:t>
-            </a:r>
-            <a:r>
-              <a:rPr lang="en-US" sz="1500" dirty="0" smtClean="0">
-                <a:solidFill>
-                  <a:srgbClr val="000000"/>
-                </a:solidFill>
-                <a:latin typeface="Courier New" panose="02070309020205020404" pitchFamily="49" charset="0"/>
-              </a:rPr>
-              <a:t>plusDays</a:t>
-            </a:r>
-            <a:r>
-              <a:rPr lang="en-US" sz="1500" b="1" dirty="0" smtClean="0">
-                <a:solidFill>
-                  <a:srgbClr val="000080"/>
-                </a:solidFill>
-                <a:latin typeface="Courier New" panose="02070309020205020404" pitchFamily="49" charset="0"/>
-              </a:rPr>
-              <a:t>(</a:t>
-            </a:r>
-            <a:r>
-              <a:rPr lang="en-US" sz="1500" dirty="0" smtClean="0">
-                <a:solidFill>
-                  <a:srgbClr val="FF8000"/>
-                </a:solidFill>
-                <a:latin typeface="Courier New" panose="02070309020205020404" pitchFamily="49" charset="0"/>
-              </a:rPr>
-              <a:t>1</a:t>
-            </a:r>
-            <a:r>
-              <a:rPr lang="en-US" sz="1500" b="1" dirty="0">
-                <a:solidFill>
-                  <a:srgbClr val="000080"/>
-                </a:solidFill>
-                <a:latin typeface="Courier New" panose="02070309020205020404" pitchFamily="49" charset="0"/>
-              </a:rPr>
-              <a:t>);</a:t>
-            </a:r>
-            <a:r>
-              <a:rPr lang="en-US" sz="1500" dirty="0">
-                <a:solidFill>
-                  <a:srgbClr val="000000"/>
-                </a:solidFill>
-                <a:latin typeface="Courier New" panose="02070309020205020404" pitchFamily="49" charset="0"/>
-              </a:rPr>
-              <a:t> </a:t>
-            </a:r>
-            <a:endParaRPr lang="sr-Cyrl-RS" sz="1500" dirty="0" smtClean="0">
-              <a:solidFill>
-                <a:srgbClr val="000000"/>
-              </a:solidFill>
-              <a:latin typeface="Courier New" panose="02070309020205020404" pitchFamily="49" charset="0"/>
-            </a:endParaRPr>
-          </a:p>
-          <a:p>
-            <a:r>
-              <a:rPr lang="sr-Cyrl-RS" sz="1500" dirty="0">
-                <a:solidFill>
-                  <a:srgbClr val="000000"/>
-                </a:solidFill>
-                <a:latin typeface="Courier New" panose="02070309020205020404" pitchFamily="49" charset="0"/>
-              </a:rPr>
-              <a:t>	</a:t>
-            </a:r>
-            <a:r>
-              <a:rPr lang="en-US" sz="1500" dirty="0" err="1" smtClean="0">
-                <a:solidFill>
-                  <a:srgbClr val="000000"/>
-                </a:solidFill>
-                <a:latin typeface="Courier New" panose="02070309020205020404" pitchFamily="49" charset="0"/>
-              </a:rPr>
-              <a:t>System</a:t>
-            </a:r>
-            <a:r>
-              <a:rPr lang="en-US" sz="1500" b="1" dirty="0" err="1" smtClean="0">
-                <a:solidFill>
-                  <a:srgbClr val="000080"/>
-                </a:solidFill>
-                <a:latin typeface="Courier New" panose="02070309020205020404" pitchFamily="49" charset="0"/>
-              </a:rPr>
-              <a:t>.</a:t>
-            </a:r>
-            <a:r>
-              <a:rPr lang="en-US" sz="1500" dirty="0" err="1" smtClean="0">
-                <a:solidFill>
-                  <a:srgbClr val="000000"/>
-                </a:solidFill>
-                <a:latin typeface="Courier New" panose="02070309020205020404" pitchFamily="49" charset="0"/>
-              </a:rPr>
-              <a:t>out</a:t>
-            </a:r>
-            <a:r>
-              <a:rPr lang="en-US" sz="1500" b="1" dirty="0" err="1" smtClean="0">
-                <a:solidFill>
-                  <a:srgbClr val="000080"/>
-                </a:solidFill>
-                <a:latin typeface="Courier New" panose="02070309020205020404" pitchFamily="49" charset="0"/>
-              </a:rPr>
-              <a:t>.</a:t>
-            </a:r>
-            <a:r>
-              <a:rPr lang="en-US" sz="1500" dirty="0" err="1" smtClean="0">
-                <a:solidFill>
-                  <a:srgbClr val="000000"/>
-                </a:solidFill>
-                <a:latin typeface="Courier New" panose="02070309020205020404" pitchFamily="49" charset="0"/>
-              </a:rPr>
-              <a:t>println</a:t>
-            </a:r>
-            <a:r>
-              <a:rPr lang="en-US" sz="1500" b="1" dirty="0" smtClean="0">
-                <a:solidFill>
-                  <a:srgbClr val="000080"/>
-                </a:solidFill>
-                <a:latin typeface="Courier New" panose="02070309020205020404" pitchFamily="49" charset="0"/>
-              </a:rPr>
-              <a:t>(</a:t>
-            </a:r>
-            <a:r>
-              <a:rPr lang="en-US" sz="1500" dirty="0" smtClean="0">
-                <a:solidFill>
-                  <a:srgbClr val="000000"/>
-                </a:solidFill>
-                <a:latin typeface="Courier New" panose="02070309020205020404" pitchFamily="49" charset="0"/>
-              </a:rPr>
-              <a:t>datum2.until(datum1,ChronoUnit.DAYS</a:t>
-            </a:r>
-            <a:r>
-              <a:rPr lang="en-US" sz="1500" dirty="0">
-                <a:solidFill>
-                  <a:srgbClr val="000000"/>
-                </a:solidFill>
-                <a:latin typeface="Courier New" panose="02070309020205020404" pitchFamily="49" charset="0"/>
-              </a:rPr>
-              <a:t>)</a:t>
-            </a:r>
-            <a:r>
-              <a:rPr lang="en-US" sz="1500" b="1" dirty="0" smtClean="0">
-                <a:solidFill>
-                  <a:srgbClr val="000080"/>
-                </a:solidFill>
-                <a:latin typeface="Courier New" panose="02070309020205020404" pitchFamily="49" charset="0"/>
-              </a:rPr>
-              <a:t>);</a:t>
-            </a:r>
-            <a:endParaRPr lang="sr-Cyrl-RS" sz="2000" dirty="0" smtClean="0">
-              <a:latin typeface="Garamond" pitchFamily="18" charset="0"/>
-            </a:endParaRPr>
-          </a:p>
-          <a:p>
-            <a:pPr>
-              <a:spcBef>
-                <a:spcPts val="600"/>
-              </a:spcBef>
-              <a:defRPr/>
-            </a:pPr>
-            <a:r>
-              <a:rPr lang="sr-Cyrl-RS" sz="2000" dirty="0" smtClean="0">
-                <a:latin typeface="Garamond" pitchFamily="18" charset="0"/>
-              </a:rPr>
-              <a:t>треба да има очекивано понашање, тј. да врати </a:t>
-            </a:r>
-            <a:r>
-              <a:rPr lang="sr-Cyrl-RS" sz="1800" dirty="0" smtClean="0">
-                <a:latin typeface="+mn-lt"/>
-              </a:rPr>
-              <a:t>1</a:t>
-            </a:r>
-            <a:r>
-              <a:rPr lang="sr-Cyrl-RS" sz="2000" dirty="0" smtClean="0">
-                <a:latin typeface="Garamond" pitchFamily="18" charset="0"/>
-              </a:rPr>
-              <a:t>, без обзира да ли су променљиве </a:t>
-            </a:r>
-            <a:r>
-              <a:rPr lang="en-US" sz="1800" dirty="0" smtClean="0">
-                <a:latin typeface="+mn-lt"/>
-              </a:rPr>
-              <a:t>d1</a:t>
-            </a:r>
-            <a:r>
-              <a:rPr lang="en-US" sz="2000" dirty="0" smtClean="0"/>
-              <a:t> </a:t>
-            </a:r>
-            <a:r>
-              <a:rPr lang="sr-Cyrl-RS" sz="2000" dirty="0" smtClean="0">
-                <a:latin typeface="Garamond" pitchFamily="18" charset="0"/>
-              </a:rPr>
-              <a:t>и </a:t>
-            </a:r>
-            <a:r>
-              <a:rPr lang="en-US" sz="1800" dirty="0" smtClean="0">
-                <a:latin typeface="+mn-lt"/>
-              </a:rPr>
-              <a:t>d2</a:t>
-            </a:r>
-            <a:r>
-              <a:rPr lang="en-US" sz="2000" dirty="0" smtClean="0">
-                <a:latin typeface="Garamond" pitchFamily="18" charset="0"/>
-              </a:rPr>
-              <a:t> </a:t>
-            </a:r>
-            <a:r>
-              <a:rPr lang="sr-Cyrl-RS" sz="2000" dirty="0" smtClean="0">
-                <a:latin typeface="Garamond" pitchFamily="18" charset="0"/>
-              </a:rPr>
-              <a:t>типа</a:t>
-            </a:r>
-            <a:r>
-              <a:rPr lang="en-US" sz="2000" dirty="0" smtClean="0">
-                <a:latin typeface="Garamond" pitchFamily="18" charset="0"/>
-              </a:rPr>
-              <a:t> </a:t>
-            </a:r>
-            <a:r>
-              <a:rPr lang="en-US" sz="1800" dirty="0" err="1" smtClean="0">
-                <a:latin typeface="+mn-lt"/>
-              </a:rPr>
-              <a:t>LocalDate</a:t>
-            </a:r>
-            <a:r>
-              <a:rPr lang="en-US" sz="2000" dirty="0" smtClean="0">
-                <a:latin typeface="Garamond" pitchFamily="18" charset="0"/>
-              </a:rPr>
-              <a:t> </a:t>
-            </a:r>
-            <a:r>
-              <a:rPr lang="sr-Cyrl-RS" sz="2000" dirty="0" smtClean="0">
-                <a:latin typeface="Garamond" pitchFamily="18" charset="0"/>
-              </a:rPr>
-              <a:t>или </a:t>
-            </a:r>
-            <a:r>
-              <a:rPr lang="en-US" sz="1800" dirty="0" smtClean="0">
-                <a:latin typeface="+mn-lt"/>
-              </a:rPr>
-              <a:t>Holiday</a:t>
-            </a:r>
-            <a:r>
-              <a:rPr lang="en-US" sz="2000" dirty="0">
-                <a:latin typeface="Garamond" pitchFamily="18" charset="0"/>
-              </a:rPr>
-              <a:t>.</a:t>
-            </a:r>
-            <a:endParaRPr lang="en-US" sz="2000" dirty="0" smtClean="0">
-              <a:latin typeface="Garamond" pitchFamily="18" charset="0"/>
-            </a:endParaRPr>
-          </a:p>
-        </p:txBody>
-      </p:sp>
-      <p:sp>
-        <p:nvSpPr>
-          <p:cNvPr id="3" name="Title 1"/>
-          <p:cNvSpPr txBox="1">
-            <a:spLocks/>
-          </p:cNvSpPr>
-          <p:nvPr/>
-        </p:nvSpPr>
-        <p:spPr>
-          <a:xfrm>
-            <a:off x="1371600" y="332656"/>
-            <a:ext cx="7772400" cy="868363"/>
-          </a:xfrm>
-          <a:prstGeom prst="rect">
-            <a:avLst/>
-          </a:prstGeom>
-        </p:spPr>
-        <p:txBody>
-          <a:bodyPr/>
-          <a:lstStyle>
-            <a:lvl1pPr algn="l" rtl="0" eaLnBrk="0" fontAlgn="base" hangingPunct="0">
-              <a:spcBef>
-                <a:spcPct val="0"/>
-              </a:spcBef>
-              <a:spcAft>
-                <a:spcPct val="0"/>
-              </a:spcAft>
-              <a:defRPr sz="3800">
-                <a:solidFill>
-                  <a:schemeClr val="tx2"/>
-                </a:solidFill>
-                <a:latin typeface="+mj-lt"/>
-                <a:ea typeface="+mj-ea"/>
-                <a:cs typeface="+mj-cs"/>
-              </a:defRPr>
-            </a:lvl1pPr>
-            <a:lvl2pPr algn="l" rtl="0" eaLnBrk="0" fontAlgn="base" hangingPunct="0">
-              <a:spcBef>
-                <a:spcPct val="0"/>
-              </a:spcBef>
-              <a:spcAft>
-                <a:spcPct val="0"/>
-              </a:spcAft>
-              <a:defRPr sz="3800">
-                <a:solidFill>
-                  <a:schemeClr val="tx2"/>
-                </a:solidFill>
-                <a:latin typeface="Arial" charset="0"/>
-              </a:defRPr>
-            </a:lvl2pPr>
-            <a:lvl3pPr algn="l" rtl="0" eaLnBrk="0" fontAlgn="base" hangingPunct="0">
-              <a:spcBef>
-                <a:spcPct val="0"/>
-              </a:spcBef>
-              <a:spcAft>
-                <a:spcPct val="0"/>
-              </a:spcAft>
-              <a:defRPr sz="3800">
-                <a:solidFill>
-                  <a:schemeClr val="tx2"/>
-                </a:solidFill>
-                <a:latin typeface="Arial" charset="0"/>
-              </a:defRPr>
-            </a:lvl3pPr>
-            <a:lvl4pPr algn="l" rtl="0" eaLnBrk="0" fontAlgn="base" hangingPunct="0">
-              <a:spcBef>
-                <a:spcPct val="0"/>
-              </a:spcBef>
-              <a:spcAft>
-                <a:spcPct val="0"/>
-              </a:spcAft>
-              <a:defRPr sz="3800">
-                <a:solidFill>
-                  <a:schemeClr val="tx2"/>
-                </a:solidFill>
-                <a:latin typeface="Arial" charset="0"/>
-              </a:defRPr>
-            </a:lvl4pPr>
-            <a:lvl5pPr algn="l" rtl="0" eaLnBrk="0" fontAlgn="base" hangingPunct="0">
-              <a:spcBef>
-                <a:spcPct val="0"/>
-              </a:spcBef>
-              <a:spcAft>
-                <a:spcPct val="0"/>
-              </a:spcAft>
-              <a:defRPr sz="3800">
-                <a:solidFill>
-                  <a:schemeClr val="tx2"/>
-                </a:solidFill>
-                <a:latin typeface="Arial" charset="0"/>
-              </a:defRPr>
-            </a:lvl5pPr>
-            <a:lvl6pPr marL="457200" algn="l" rtl="0" fontAlgn="base">
-              <a:spcBef>
-                <a:spcPct val="0"/>
-              </a:spcBef>
-              <a:spcAft>
-                <a:spcPct val="0"/>
-              </a:spcAft>
-              <a:defRPr sz="3800">
-                <a:solidFill>
-                  <a:schemeClr val="tx2"/>
-                </a:solidFill>
-                <a:latin typeface="Arial" charset="0"/>
-              </a:defRPr>
-            </a:lvl6pPr>
-            <a:lvl7pPr marL="914400" algn="l" rtl="0" fontAlgn="base">
-              <a:spcBef>
-                <a:spcPct val="0"/>
-              </a:spcBef>
-              <a:spcAft>
-                <a:spcPct val="0"/>
-              </a:spcAft>
-              <a:defRPr sz="3800">
-                <a:solidFill>
-                  <a:schemeClr val="tx2"/>
-                </a:solidFill>
-                <a:latin typeface="Arial" charset="0"/>
-              </a:defRPr>
-            </a:lvl7pPr>
-            <a:lvl8pPr marL="1371600" algn="l" rtl="0" fontAlgn="base">
-              <a:spcBef>
-                <a:spcPct val="0"/>
-              </a:spcBef>
-              <a:spcAft>
-                <a:spcPct val="0"/>
-              </a:spcAft>
-              <a:defRPr sz="3800">
-                <a:solidFill>
-                  <a:schemeClr val="tx2"/>
-                </a:solidFill>
-                <a:latin typeface="Arial" charset="0"/>
-              </a:defRPr>
-            </a:lvl8pPr>
-            <a:lvl9pPr marL="1828800" algn="l" rtl="0" fontAlgn="base">
-              <a:spcBef>
-                <a:spcPct val="0"/>
-              </a:spcBef>
-              <a:spcAft>
-                <a:spcPct val="0"/>
-              </a:spcAft>
-              <a:defRPr sz="3800">
-                <a:solidFill>
-                  <a:schemeClr val="tx2"/>
-                </a:solidFill>
-                <a:latin typeface="Arial" charset="0"/>
-              </a:defRPr>
-            </a:lvl9pPr>
-          </a:lstStyle>
-          <a:p>
-            <a:pPr>
-              <a:defRPr/>
-            </a:pPr>
-            <a:r>
-              <a:rPr lang="sr-Cyrl-RS" sz="3600" b="1" kern="0" dirty="0">
-                <a:solidFill>
-                  <a:srgbClr val="0070C0"/>
-                </a:solidFill>
-              </a:rPr>
-              <a:t>Додатне препоруке </a:t>
-            </a:r>
-            <a:r>
-              <a:rPr lang="sr-Cyrl-RS" sz="3600" b="1" kern="0" dirty="0" smtClean="0">
-                <a:solidFill>
-                  <a:srgbClr val="0070C0"/>
-                </a:solidFill>
-              </a:rPr>
-              <a:t>за наслеђивање (4)</a:t>
-            </a:r>
-            <a:endParaRPr lang="en-US" sz="3600" b="1" kern="0" dirty="0">
-              <a:solidFill>
-                <a:srgbClr val="0070C0"/>
-              </a:solidFill>
-            </a:endParaRPr>
-          </a:p>
-        </p:txBody>
-      </p:sp>
-      <p:sp>
-        <p:nvSpPr>
-          <p:cNvPr id="2" name="Rectangle 1"/>
-          <p:cNvSpPr/>
-          <p:nvPr/>
-        </p:nvSpPr>
-        <p:spPr>
-          <a:xfrm>
-            <a:off x="539552" y="5157192"/>
-            <a:ext cx="8451850" cy="864096"/>
-          </a:xfrm>
-          <a:prstGeom prst="rect">
-            <a:avLst/>
-          </a:prstGeom>
-          <a:noFill/>
-        </p:spPr>
-        <p:style>
-          <a:lnRef idx="2">
-            <a:schemeClr val="accent1">
-              <a:shade val="50000"/>
-            </a:schemeClr>
-          </a:lnRef>
-          <a:fillRef idx="1">
-            <a:schemeClr val="accent1"/>
-          </a:fillRef>
-          <a:effectRef idx="0">
-            <a:schemeClr val="accent1"/>
-          </a:effectRef>
-          <a:fontRef idx="minor">
-            <a:schemeClr val="lt1"/>
-          </a:fontRef>
-        </p:style>
-        <p:txBody>
-          <a:bodyPr rtlCol="0" anchor="ctr"/>
-          <a:lstStyle/>
-          <a:p>
-            <a:pPr algn="ctr"/>
-            <a:endParaRPr lang="sr-Latn-RS"/>
-          </a:p>
-        </p:txBody>
-      </p:sp>
-    </p:spTree>
-  </p:cSld>
-  <p:clrMapOvr>
-    <a:masterClrMapping/>
-  </p:clrMapOvr>
-  <p:timing>
-    <p:tnLst>
-      <p:par>
-        <p:cTn id="1" dur="indefinite" restart="never" nodeType="tmRoot">
-          <p:childTnLst>
-            <p:seq concurrent="1" nextAc="seek">
-              <p:cTn id="2" dur="indefinite" nodeType="mainSeq">
-                <p:childTnLst>
-                  <p:par>
-                    <p:cTn id="3" fill="hold" nodeType="clickPar">
-                      <p:stCondLst>
-                        <p:cond delay="indefinite"/>
-                      </p:stCondLst>
-                      <p:childTnLst>
-                        <p:par>
-                          <p:cTn id="4" fill="hold" nodeType="withGroup">
-                            <p:stCondLst>
-                              <p:cond delay="0"/>
-                            </p:stCondLst>
-                            <p:childTnLst>
-                              <p:par>
-                                <p:cTn id="5" presetID="3" presetClass="entr" presetSubtype="10" fill="hold" nodeType="clickEffect">
-                                  <p:stCondLst>
-                                    <p:cond delay="0"/>
-                                  </p:stCondLst>
-                                  <p:childTnLst>
-                                    <p:set>
-                                      <p:cBhvr>
-                                        <p:cTn id="6" dur="1" fill="hold">
-                                          <p:stCondLst>
-                                            <p:cond delay="0"/>
-                                          </p:stCondLst>
-                                        </p:cTn>
-                                        <p:tgtEl>
-                                          <p:spTgt spid="26626">
-                                            <p:txEl>
-                                              <p:pRg st="0" end="0"/>
-                                            </p:txEl>
-                                          </p:spTgt>
-                                        </p:tgtEl>
-                                        <p:attrNameLst>
-                                          <p:attrName>style.visibility</p:attrName>
-                                        </p:attrNameLst>
-                                      </p:cBhvr>
-                                      <p:to>
-                                        <p:strVal val="visible"/>
-                                      </p:to>
-                                    </p:set>
-                                    <p:animEffect transition="in" filter="blinds(horizontal)">
-                                      <p:cBhvr>
-                                        <p:cTn id="7" dur="500"/>
-                                        <p:tgtEl>
-                                          <p:spTgt spid="26626">
-                                            <p:txEl>
-                                              <p:pRg st="0" end="0"/>
-                                            </p:txEl>
-                                          </p:spTgt>
-                                        </p:tgtEl>
-                                      </p:cBhvr>
-                                    </p:animEffect>
-                                  </p:childTnLst>
-                                </p:cTn>
-                              </p:par>
-                            </p:childTnLst>
-                          </p:cTn>
-                        </p:par>
-                      </p:childTnLst>
-                    </p:cTn>
-                  </p:par>
-                  <p:par>
-                    <p:cTn id="8" fill="hold">
-                      <p:stCondLst>
-                        <p:cond delay="indefinite"/>
-                      </p:stCondLst>
-                      <p:childTnLst>
-                        <p:par>
-                          <p:cTn id="9" fill="hold">
-                            <p:stCondLst>
-                              <p:cond delay="0"/>
-                            </p:stCondLst>
-                            <p:childTnLst>
-                              <p:par>
-                                <p:cTn id="10" presetID="3" presetClass="entr" presetSubtype="10" fill="hold" nodeType="clickEffect">
-                                  <p:stCondLst>
-                                    <p:cond delay="0"/>
-                                  </p:stCondLst>
-                                  <p:childTnLst>
-                                    <p:set>
-                                      <p:cBhvr>
-                                        <p:cTn id="11" dur="1" fill="hold">
-                                          <p:stCondLst>
-                                            <p:cond delay="0"/>
-                                          </p:stCondLst>
-                                        </p:cTn>
-                                        <p:tgtEl>
-                                          <p:spTgt spid="26626">
-                                            <p:txEl>
-                                              <p:pRg st="1" end="1"/>
-                                            </p:txEl>
-                                          </p:spTgt>
-                                        </p:tgtEl>
-                                        <p:attrNameLst>
-                                          <p:attrName>style.visibility</p:attrName>
-                                        </p:attrNameLst>
-                                      </p:cBhvr>
-                                      <p:to>
-                                        <p:strVal val="visible"/>
-                                      </p:to>
-                                    </p:set>
-                                    <p:animEffect transition="in" filter="blinds(horizontal)">
-                                      <p:cBhvr>
-                                        <p:cTn id="12" dur="500"/>
-                                        <p:tgtEl>
-                                          <p:spTgt spid="26626">
-                                            <p:txEl>
-                                              <p:pRg st="1" end="1"/>
-                                            </p:txEl>
-                                          </p:spTgt>
-                                        </p:tgtEl>
-                                      </p:cBhvr>
-                                    </p:animEffect>
-                                  </p:childTnLst>
-                                </p:cTn>
-                              </p:par>
-                            </p:childTnLst>
-                          </p:cTn>
-                        </p:par>
-                      </p:childTnLst>
-                    </p:cTn>
-                  </p:par>
-                  <p:par>
-                    <p:cTn id="13" fill="hold" nodeType="clickPar">
-                      <p:stCondLst>
-                        <p:cond delay="indefinite"/>
-                      </p:stCondLst>
-                      <p:childTnLst>
-                        <p:par>
-                          <p:cTn id="14" fill="hold" nodeType="withGroup">
-                            <p:stCondLst>
-                              <p:cond delay="0"/>
-                            </p:stCondLst>
-                            <p:childTnLst>
-                              <p:par>
-                                <p:cTn id="15" presetID="3" presetClass="entr" presetSubtype="10" fill="hold" nodeType="clickEffect">
-                                  <p:stCondLst>
-                                    <p:cond delay="0"/>
-                                  </p:stCondLst>
-                                  <p:childTnLst>
-                                    <p:set>
-                                      <p:cBhvr>
-                                        <p:cTn id="16" dur="1" fill="hold">
-                                          <p:stCondLst>
-                                            <p:cond delay="0"/>
-                                          </p:stCondLst>
-                                        </p:cTn>
-                                        <p:tgtEl>
-                                          <p:spTgt spid="26626">
-                                            <p:txEl>
-                                              <p:pRg st="2" end="2"/>
-                                            </p:txEl>
-                                          </p:spTgt>
-                                        </p:tgtEl>
-                                        <p:attrNameLst>
-                                          <p:attrName>style.visibility</p:attrName>
-                                        </p:attrNameLst>
-                                      </p:cBhvr>
-                                      <p:to>
-                                        <p:strVal val="visible"/>
-                                      </p:to>
-                                    </p:set>
-                                    <p:animEffect transition="in" filter="blinds(horizontal)">
-                                      <p:cBhvr>
-                                        <p:cTn id="17" dur="500"/>
-                                        <p:tgtEl>
-                                          <p:spTgt spid="26626">
-                                            <p:txEl>
-                                              <p:pRg st="2" end="2"/>
-                                            </p:txEl>
-                                          </p:spTgt>
-                                        </p:tgtEl>
-                                      </p:cBhvr>
-                                    </p:animEffect>
-                                  </p:childTnLst>
-                                </p:cTn>
-                              </p:par>
-                            </p:childTnLst>
-                          </p:cTn>
-                        </p:par>
-                      </p:childTnLst>
-                    </p:cTn>
-                  </p:par>
-                  <p:par>
-                    <p:cTn id="18" fill="hold" nodeType="clickPar">
-                      <p:stCondLst>
-                        <p:cond delay="indefinite"/>
-                      </p:stCondLst>
-                      <p:childTnLst>
-                        <p:par>
-                          <p:cTn id="19" fill="hold" nodeType="withGroup">
-                            <p:stCondLst>
-                              <p:cond delay="0"/>
-                            </p:stCondLst>
-                            <p:childTnLst>
-                              <p:par>
-                                <p:cTn id="20" presetID="3" presetClass="entr" presetSubtype="10" fill="hold" nodeType="clickEffect">
-                                  <p:stCondLst>
-                                    <p:cond delay="0"/>
-                                  </p:stCondLst>
-                                  <p:childTnLst>
-                                    <p:set>
-                                      <p:cBhvr>
-                                        <p:cTn id="21" dur="1" fill="hold">
-                                          <p:stCondLst>
-                                            <p:cond delay="0"/>
-                                          </p:stCondLst>
-                                        </p:cTn>
-                                        <p:tgtEl>
-                                          <p:spTgt spid="26626">
-                                            <p:txEl>
-                                              <p:pRg st="4" end="4"/>
-                                            </p:txEl>
-                                          </p:spTgt>
-                                        </p:tgtEl>
-                                        <p:attrNameLst>
-                                          <p:attrName>style.visibility</p:attrName>
-                                        </p:attrNameLst>
-                                      </p:cBhvr>
-                                      <p:to>
-                                        <p:strVal val="visible"/>
-                                      </p:to>
-                                    </p:set>
-                                    <p:animEffect transition="in" filter="blinds(horizontal)">
-                                      <p:cBhvr>
-                                        <p:cTn id="22" dur="500"/>
-                                        <p:tgtEl>
-                                          <p:spTgt spid="26626">
-                                            <p:txEl>
-                                              <p:pRg st="4" end="4"/>
-                                            </p:txEl>
-                                          </p:spTgt>
-                                        </p:tgtEl>
-                                      </p:cBhvr>
-                                    </p:animEffect>
-                                  </p:childTnLst>
-                                </p:cTn>
-                              </p:par>
-                            </p:childTnLst>
-                          </p:cTn>
-                        </p:par>
-                      </p:childTnLst>
-                    </p:cTn>
-                  </p:par>
-                  <p:par>
-                    <p:cTn id="23" fill="hold">
-                      <p:stCondLst>
-                        <p:cond delay="indefinite"/>
-                      </p:stCondLst>
-                      <p:childTnLst>
-                        <p:par>
-                          <p:cTn id="24" fill="hold">
-                            <p:stCondLst>
-                              <p:cond delay="0"/>
-                            </p:stCondLst>
-                            <p:childTnLst>
-                              <p:par>
-                                <p:cTn id="25" presetID="3" presetClass="entr" presetSubtype="10" fill="hold" nodeType="clickEffect">
-                                  <p:stCondLst>
-                                    <p:cond delay="0"/>
-                                  </p:stCondLst>
-                                  <p:childTnLst>
-                                    <p:set>
-                                      <p:cBhvr>
-                                        <p:cTn id="26" dur="1" fill="hold">
-                                          <p:stCondLst>
-                                            <p:cond delay="0"/>
-                                          </p:stCondLst>
-                                        </p:cTn>
-                                        <p:tgtEl>
-                                          <p:spTgt spid="26626">
-                                            <p:txEl>
-                                              <p:pRg st="5" end="5"/>
-                                            </p:txEl>
-                                          </p:spTgt>
-                                        </p:tgtEl>
-                                        <p:attrNameLst>
-                                          <p:attrName>style.visibility</p:attrName>
-                                        </p:attrNameLst>
-                                      </p:cBhvr>
-                                      <p:to>
-                                        <p:strVal val="visible"/>
-                                      </p:to>
-                                    </p:set>
-                                    <p:animEffect transition="in" filter="blinds(horizontal)">
-                                      <p:cBhvr>
-                                        <p:cTn id="27" dur="500"/>
-                                        <p:tgtEl>
-                                          <p:spTgt spid="26626">
-                                            <p:txEl>
-                                              <p:pRg st="5" end="5"/>
-                                            </p:txEl>
-                                          </p:spTgt>
-                                        </p:tgtEl>
-                                      </p:cBhvr>
-                                    </p:animEffect>
-                                  </p:childTnLst>
-                                </p:cTn>
-                              </p:par>
-                              <p:par>
-                                <p:cTn id="28" presetID="10" presetClass="entr" presetSubtype="0" fill="hold" grpId="0" nodeType="withEffect">
-                                  <p:stCondLst>
-                                    <p:cond delay="0"/>
-                                  </p:stCondLst>
-                                  <p:childTnLst>
-                                    <p:set>
-                                      <p:cBhvr>
-                                        <p:cTn id="29" dur="1" fill="hold">
-                                          <p:stCondLst>
-                                            <p:cond delay="0"/>
-                                          </p:stCondLst>
-                                        </p:cTn>
-                                        <p:tgtEl>
-                                          <p:spTgt spid="2"/>
-                                        </p:tgtEl>
-                                        <p:attrNameLst>
-                                          <p:attrName>style.visibility</p:attrName>
-                                        </p:attrNameLst>
-                                      </p:cBhvr>
-                                      <p:to>
-                                        <p:strVal val="visible"/>
-                                      </p:to>
-                                    </p:set>
-                                    <p:animEffect transition="in" filter="fade">
-                                      <p:cBhvr>
-                                        <p:cTn id="30" dur="500"/>
-                                        <p:tgtEl>
-                                          <p:spTgt spid="2"/>
-                                        </p:tgtEl>
-                                      </p:cBhvr>
-                                    </p:animEffect>
-                                  </p:childTnLst>
-                                </p:cTn>
-                              </p:par>
-                              <p:par>
-                                <p:cTn id="31" presetID="3" presetClass="entr" presetSubtype="10" fill="hold" nodeType="withEffect">
-                                  <p:stCondLst>
-                                    <p:cond delay="0"/>
-                                  </p:stCondLst>
-                                  <p:childTnLst>
-                                    <p:set>
-                                      <p:cBhvr>
-                                        <p:cTn id="32" dur="1" fill="hold">
-                                          <p:stCondLst>
-                                            <p:cond delay="0"/>
-                                          </p:stCondLst>
-                                        </p:cTn>
-                                        <p:tgtEl>
-                                          <p:spTgt spid="26626">
-                                            <p:txEl>
-                                              <p:pRg st="7" end="7"/>
-                                            </p:txEl>
-                                          </p:spTgt>
-                                        </p:tgtEl>
-                                        <p:attrNameLst>
-                                          <p:attrName>style.visibility</p:attrName>
-                                        </p:attrNameLst>
-                                      </p:cBhvr>
-                                      <p:to>
-                                        <p:strVal val="visible"/>
-                                      </p:to>
-                                    </p:set>
-                                    <p:animEffect transition="in" filter="blinds(horizontal)">
-                                      <p:cBhvr>
-                                        <p:cTn id="33" dur="500"/>
-                                        <p:tgtEl>
-                                          <p:spTgt spid="26626">
-                                            <p:txEl>
-                                              <p:pRg st="7" end="7"/>
-                                            </p:txEl>
-                                          </p:spTgt>
-                                        </p:tgtEl>
-                                      </p:cBhvr>
-                                    </p:animEffect>
-                                  </p:childTnLst>
-                                </p:cTn>
-                              </p:par>
-                              <p:par>
-                                <p:cTn id="34" presetID="3" presetClass="entr" presetSubtype="10" fill="hold" nodeType="withEffect">
-                                  <p:stCondLst>
-                                    <p:cond delay="0"/>
-                                  </p:stCondLst>
-                                  <p:childTnLst>
-                                    <p:set>
-                                      <p:cBhvr>
-                                        <p:cTn id="35" dur="1" fill="hold">
-                                          <p:stCondLst>
-                                            <p:cond delay="0"/>
-                                          </p:stCondLst>
-                                        </p:cTn>
-                                        <p:tgtEl>
-                                          <p:spTgt spid="26626">
-                                            <p:txEl>
-                                              <p:pRg st="8" end="8"/>
-                                            </p:txEl>
-                                          </p:spTgt>
-                                        </p:tgtEl>
-                                        <p:attrNameLst>
-                                          <p:attrName>style.visibility</p:attrName>
-                                        </p:attrNameLst>
-                                      </p:cBhvr>
-                                      <p:to>
-                                        <p:strVal val="visible"/>
-                                      </p:to>
-                                    </p:set>
-                                    <p:animEffect transition="in" filter="blinds(horizontal)">
-                                      <p:cBhvr>
-                                        <p:cTn id="36" dur="500"/>
-                                        <p:tgtEl>
-                                          <p:spTgt spid="26626">
-                                            <p:txEl>
-                                              <p:pRg st="8" end="8"/>
-                                            </p:txEl>
-                                          </p:spTgt>
-                                        </p:tgtEl>
-                                      </p:cBhvr>
-                                    </p:animEffect>
-                                  </p:childTnLst>
-                                </p:cTn>
-                              </p:par>
-                              <p:par>
-                                <p:cTn id="37" presetID="3" presetClass="entr" presetSubtype="10" fill="hold" nodeType="withEffect">
-                                  <p:stCondLst>
-                                    <p:cond delay="0"/>
-                                  </p:stCondLst>
-                                  <p:childTnLst>
-                                    <p:set>
-                                      <p:cBhvr>
-                                        <p:cTn id="38" dur="1" fill="hold">
-                                          <p:stCondLst>
-                                            <p:cond delay="0"/>
-                                          </p:stCondLst>
-                                        </p:cTn>
-                                        <p:tgtEl>
-                                          <p:spTgt spid="26626">
-                                            <p:txEl>
-                                              <p:pRg st="9" end="9"/>
-                                            </p:txEl>
-                                          </p:spTgt>
-                                        </p:tgtEl>
-                                        <p:attrNameLst>
-                                          <p:attrName>style.visibility</p:attrName>
-                                        </p:attrNameLst>
-                                      </p:cBhvr>
-                                      <p:to>
-                                        <p:strVal val="visible"/>
-                                      </p:to>
-                                    </p:set>
-                                    <p:animEffect transition="in" filter="blinds(horizontal)">
-                                      <p:cBhvr>
-                                        <p:cTn id="39" dur="500"/>
-                                        <p:tgtEl>
-                                          <p:spTgt spid="26626">
-                                            <p:txEl>
-                                              <p:pRg st="9" end="9"/>
-                                            </p:txEl>
-                                          </p:spTgt>
-                                        </p:tgtEl>
-                                      </p:cBhvr>
-                                    </p:animEffect>
-                                  </p:childTnLst>
-                                </p:cTn>
-                              </p:par>
-                              <p:par>
-                                <p:cTn id="40" presetID="3" presetClass="entr" presetSubtype="10" fill="hold" nodeType="withEffect">
-                                  <p:stCondLst>
-                                    <p:cond delay="0"/>
-                                  </p:stCondLst>
-                                  <p:childTnLst>
-                                    <p:set>
-                                      <p:cBhvr>
-                                        <p:cTn id="41" dur="1" fill="hold">
-                                          <p:stCondLst>
-                                            <p:cond delay="0"/>
-                                          </p:stCondLst>
-                                        </p:cTn>
-                                        <p:tgtEl>
-                                          <p:spTgt spid="26626">
-                                            <p:txEl>
-                                              <p:pRg st="10" end="10"/>
-                                            </p:txEl>
-                                          </p:spTgt>
-                                        </p:tgtEl>
-                                        <p:attrNameLst>
-                                          <p:attrName>style.visibility</p:attrName>
-                                        </p:attrNameLst>
-                                      </p:cBhvr>
-                                      <p:to>
-                                        <p:strVal val="visible"/>
-                                      </p:to>
-                                    </p:set>
-                                    <p:animEffect transition="in" filter="blinds(horizontal)">
-                                      <p:cBhvr>
-                                        <p:cTn id="42" dur="500"/>
-                                        <p:tgtEl>
-                                          <p:spTgt spid="26626">
-                                            <p:txEl>
-                                              <p:pRg st="10" end="10"/>
-                                            </p:txEl>
-                                          </p:spTgt>
-                                        </p:tgtEl>
-                                      </p:cBhvr>
-                                    </p:animEffect>
-                                  </p:childTnLst>
-                                </p:cTn>
-                              </p:par>
-                            </p:childTnLst>
-                          </p:cTn>
-                        </p:par>
-                      </p:childTnLst>
-                    </p:cTn>
-                  </p:par>
-                </p:childTnLst>
-              </p:cTn>
-              <p:prevCondLst>
-                <p:cond evt="onPrev" delay="0">
-                  <p:tgtEl>
-                    <p:sldTgt/>
-                  </p:tgtEl>
-                </p:cond>
-              </p:prevCondLst>
-              <p:nextCondLst>
-                <p:cond evt="onNext" delay="0">
-                  <p:tgtEl>
-                    <p:sldTgt/>
-                  </p:tgtEl>
-                </p:cond>
-              </p:nextCondLst>
-            </p:seq>
-          </p:childTnLst>
-        </p:cTn>
-      </p:par>
-    </p:tnLst>
-    <p:bldLst>
-      <p:bldP spid="2" grpId="0" animBg="1"/>
-    </p:bldLst>
-  </p:timing>
-</p:sld>
-</file>
-
-<file path=ppt/slides/slide32.xml><?xml version="1.0" encoding="utf-8"?>
 <p:sld xmlns:a="http://schemas.openxmlformats.org/drawingml/2006/main" xmlns:r="http://schemas.openxmlformats.org/officeDocument/2006/relationships" xmlns:p="http://schemas.openxmlformats.org/presentationml/2006/main">
   <p:cSld>
     <p:spTree>
@@ -29125,7 +26956,15 @@
                   <a:srgbClr val="0070C0"/>
                 </a:solidFill>
               </a:rPr>
-              <a:t>за наслеђивање (5)</a:t>
+              <a:t>за наслеђивање </a:t>
+            </a:r>
+            <a:r>
+              <a:rPr lang="sr-Cyrl-RS" sz="3600" b="1" kern="0" dirty="0" smtClean="0">
+                <a:solidFill>
+                  <a:srgbClr val="0070C0"/>
+                </a:solidFill>
+              </a:rPr>
+              <a:t>(4)</a:t>
             </a:r>
             <a:endParaRPr lang="en-US" sz="3600" b="1" kern="0" dirty="0">
               <a:solidFill>
@@ -29797,7 +27636,7 @@
 </p:sld>
 </file>
 
-<file path=ppt/slides/slide33.xml><?xml version="1.0" encoding="utf-8"?>
+<file path=ppt/slides/slide32.xml><?xml version="1.0" encoding="utf-8"?>
 <p:sld xmlns:a="http://schemas.openxmlformats.org/drawingml/2006/main" xmlns:r="http://schemas.openxmlformats.org/officeDocument/2006/relationships" xmlns:p="http://schemas.openxmlformats.org/presentationml/2006/main">
   <p:cSld>
     <p:spTree>
@@ -30172,7 +28011,7 @@
 </p:sld>
 </file>
 
-<file path=ppt/slides/slide34.xml><?xml version="1.0" encoding="utf-8"?>
+<file path=ppt/slides/slide33.xml><?xml version="1.0" encoding="utf-8"?>
 <p:sld xmlns:a="http://schemas.openxmlformats.org/drawingml/2006/main" xmlns:r="http://schemas.openxmlformats.org/officeDocument/2006/relationships" xmlns:p="http://schemas.openxmlformats.org/presentationml/2006/main">
   <p:cSld>
     <p:spTree>
@@ -31029,6 +28868,853 @@
                                           <p:spTgt spid="26626">
                                             <p:txEl>
                                               <p:pRg st="6" end="6"/>
+                                            </p:txEl>
+                                          </p:spTgt>
+                                        </p:tgtEl>
+                                      </p:cBhvr>
+                                    </p:animEffect>
+                                  </p:childTnLst>
+                                </p:cTn>
+                              </p:par>
+                            </p:childTnLst>
+                          </p:cTn>
+                        </p:par>
+                      </p:childTnLst>
+                    </p:cTn>
+                  </p:par>
+                </p:childTnLst>
+              </p:cTn>
+              <p:prevCondLst>
+                <p:cond evt="onPrev" delay="0">
+                  <p:tgtEl>
+                    <p:sldTgt/>
+                  </p:tgtEl>
+                </p:cond>
+              </p:prevCondLst>
+              <p:nextCondLst>
+                <p:cond evt="onNext" delay="0">
+                  <p:tgtEl>
+                    <p:sldTgt/>
+                  </p:tgtEl>
+                </p:cond>
+              </p:nextCondLst>
+            </p:seq>
+          </p:childTnLst>
+        </p:cTn>
+      </p:par>
+    </p:tnLst>
+  </p:timing>
+</p:sld>
+</file>
+
+<file path=ppt/slides/slide34.xml><?xml version="1.0" encoding="utf-8"?>
+<p:sld xmlns:a="http://schemas.openxmlformats.org/drawingml/2006/main" xmlns:r="http://schemas.openxmlformats.org/officeDocument/2006/relationships" xmlns:p="http://schemas.openxmlformats.org/presentationml/2006/main">
+  <p:cSld>
+    <p:spTree>
+      <p:nvGrpSpPr>
+        <p:cNvPr id="1" name=""/>
+        <p:cNvGrpSpPr/>
+        <p:nvPr/>
+      </p:nvGrpSpPr>
+      <p:grpSpPr>
+        <a:xfrm>
+          <a:off x="0" y="0"/>
+          <a:ext cx="0" cy="0"/>
+          <a:chOff x="0" y="0"/>
+          <a:chExt cx="0" cy="0"/>
+        </a:xfrm>
+      </p:grpSpPr>
+      <p:sp>
+        <p:nvSpPr>
+          <p:cNvPr id="26626" name="Text Box 2"/>
+          <p:cNvSpPr txBox="1">
+            <a:spLocks noChangeArrowheads="1"/>
+          </p:cNvSpPr>
+          <p:nvPr/>
+        </p:nvSpPr>
+        <p:spPr bwMode="auto">
+          <a:xfrm>
+            <a:off x="539750" y="1416050"/>
+            <a:ext cx="8451850" cy="4909036"/>
+          </a:xfrm>
+          <a:prstGeom prst="rect">
+            <a:avLst/>
+          </a:prstGeom>
+          <a:noFill/>
+          <a:ln>
+            <a:noFill/>
+          </a:ln>
+          <a:extLst>
+            <a:ext uri="{909E8E84-426E-40DD-AFC4-6F175D3DCCD1}">
+              <a14:hiddenFill xmlns:a14="http://schemas.microsoft.com/office/drawing/2010/main">
+                <a:solidFill>
+                  <a:srgbClr val="FFFFFF"/>
+                </a:solidFill>
+              </a14:hiddenFill>
+            </a:ext>
+            <a:ext uri="{91240B29-F687-4F45-9708-019B960494DF}">
+              <a14:hiddenLine xmlns:a14="http://schemas.microsoft.com/office/drawing/2010/main" w="9525">
+                <a:solidFill>
+                  <a:srgbClr val="000000"/>
+                </a:solidFill>
+                <a:miter lim="800000"/>
+                <a:headEnd/>
+                <a:tailEnd/>
+              </a14:hiddenLine>
+            </a:ext>
+          </a:extLst>
+        </p:spPr>
+        <p:txBody>
+          <a:bodyPr>
+            <a:spAutoFit/>
+          </a:bodyPr>
+          <a:lstStyle>
+            <a:lvl1pPr eaLnBrk="0" hangingPunct="0">
+              <a:defRPr sz="2400">
+                <a:solidFill>
+                  <a:schemeClr val="tx1"/>
+                </a:solidFill>
+                <a:latin typeface="Times New Roman" pitchFamily="18" charset="0"/>
+              </a:defRPr>
+            </a:lvl1pPr>
+            <a:lvl2pPr marL="742950" indent="-285750" eaLnBrk="0" hangingPunct="0">
+              <a:defRPr sz="2400">
+                <a:solidFill>
+                  <a:schemeClr val="tx1"/>
+                </a:solidFill>
+                <a:latin typeface="Times New Roman" pitchFamily="18" charset="0"/>
+              </a:defRPr>
+            </a:lvl2pPr>
+            <a:lvl3pPr marL="1143000" indent="-228600" eaLnBrk="0" hangingPunct="0">
+              <a:defRPr sz="2400">
+                <a:solidFill>
+                  <a:schemeClr val="tx1"/>
+                </a:solidFill>
+                <a:latin typeface="Times New Roman" pitchFamily="18" charset="0"/>
+              </a:defRPr>
+            </a:lvl3pPr>
+            <a:lvl4pPr marL="1600200" indent="-228600" eaLnBrk="0" hangingPunct="0">
+              <a:defRPr sz="2400">
+                <a:solidFill>
+                  <a:schemeClr val="tx1"/>
+                </a:solidFill>
+                <a:latin typeface="Times New Roman" pitchFamily="18" charset="0"/>
+              </a:defRPr>
+            </a:lvl4pPr>
+            <a:lvl5pPr marL="2057400" indent="-228600" eaLnBrk="0" hangingPunct="0">
+              <a:defRPr sz="2400">
+                <a:solidFill>
+                  <a:schemeClr val="tx1"/>
+                </a:solidFill>
+                <a:latin typeface="Times New Roman" pitchFamily="18" charset="0"/>
+              </a:defRPr>
+            </a:lvl5pPr>
+            <a:lvl6pPr marL="2514600" indent="-228600" eaLnBrk="0" fontAlgn="base" hangingPunct="0">
+              <a:spcBef>
+                <a:spcPct val="0"/>
+              </a:spcBef>
+              <a:spcAft>
+                <a:spcPct val="0"/>
+              </a:spcAft>
+              <a:defRPr sz="2400">
+                <a:solidFill>
+                  <a:schemeClr val="tx1"/>
+                </a:solidFill>
+                <a:latin typeface="Times New Roman" pitchFamily="18" charset="0"/>
+              </a:defRPr>
+            </a:lvl6pPr>
+            <a:lvl7pPr marL="2971800" indent="-228600" eaLnBrk="0" fontAlgn="base" hangingPunct="0">
+              <a:spcBef>
+                <a:spcPct val="0"/>
+              </a:spcBef>
+              <a:spcAft>
+                <a:spcPct val="0"/>
+              </a:spcAft>
+              <a:defRPr sz="2400">
+                <a:solidFill>
+                  <a:schemeClr val="tx1"/>
+                </a:solidFill>
+                <a:latin typeface="Times New Roman" pitchFamily="18" charset="0"/>
+              </a:defRPr>
+            </a:lvl7pPr>
+            <a:lvl8pPr marL="3429000" indent="-228600" eaLnBrk="0" fontAlgn="base" hangingPunct="0">
+              <a:spcBef>
+                <a:spcPct val="0"/>
+              </a:spcBef>
+              <a:spcAft>
+                <a:spcPct val="0"/>
+              </a:spcAft>
+              <a:defRPr sz="2400">
+                <a:solidFill>
+                  <a:schemeClr val="tx1"/>
+                </a:solidFill>
+                <a:latin typeface="Times New Roman" pitchFamily="18" charset="0"/>
+              </a:defRPr>
+            </a:lvl8pPr>
+            <a:lvl9pPr marL="3886200" indent="-228600" eaLnBrk="0" fontAlgn="base" hangingPunct="0">
+              <a:spcBef>
+                <a:spcPct val="0"/>
+              </a:spcBef>
+              <a:spcAft>
+                <a:spcPct val="0"/>
+              </a:spcAft>
+              <a:defRPr sz="2400">
+                <a:solidFill>
+                  <a:schemeClr val="tx1"/>
+                </a:solidFill>
+                <a:latin typeface="Times New Roman" pitchFamily="18" charset="0"/>
+              </a:defRPr>
+            </a:lvl9pPr>
+          </a:lstStyle>
+          <a:p>
+            <a:pPr marL="342900" indent="-342900">
+              <a:spcBef>
+                <a:spcPts val="600"/>
+              </a:spcBef>
+              <a:buFont typeface="Arial" panose="020B0604020202020204" pitchFamily="34" charset="0"/>
+              <a:buChar char="•"/>
+              <a:defRPr/>
+            </a:pPr>
+            <a:r>
+              <a:rPr lang="sr-Cyrl-RS" dirty="0" smtClean="0">
+                <a:latin typeface="Garamond" pitchFamily="18" charset="0"/>
+              </a:rPr>
+              <a:t>Први захтев за испаљивање догађаја је постојање класе која представља информацију о догађају</a:t>
+            </a:r>
+          </a:p>
+          <a:p>
+            <a:pPr marL="342900" indent="-342900">
+              <a:spcBef>
+                <a:spcPts val="600"/>
+              </a:spcBef>
+              <a:buFont typeface="Arial" panose="020B0604020202020204" pitchFamily="34" charset="0"/>
+              <a:buChar char="•"/>
+              <a:defRPr/>
+            </a:pPr>
+            <a:r>
+              <a:rPr lang="sr-Cyrl-RS" dirty="0" smtClean="0">
+                <a:latin typeface="Garamond" pitchFamily="18" charset="0"/>
+              </a:rPr>
+              <a:t>Класе за догађаје треба да буду имутабилне, тј. после креирања не могу бити мењани</a:t>
+            </a:r>
+            <a:r>
+              <a:rPr lang="en-US" dirty="0" smtClean="0">
+                <a:latin typeface="Garamond" pitchFamily="18" charset="0"/>
+              </a:rPr>
+              <a:t> </a:t>
+            </a:r>
+            <a:endParaRPr lang="sr-Cyrl-RS" dirty="0" smtClean="0">
+              <a:latin typeface="Garamond" pitchFamily="18" charset="0"/>
+            </a:endParaRPr>
+          </a:p>
+          <a:p>
+            <a:pPr marL="342900" indent="-342900">
+              <a:spcBef>
+                <a:spcPts val="600"/>
+              </a:spcBef>
+              <a:buFont typeface="Arial" panose="020B0604020202020204" pitchFamily="34" charset="0"/>
+              <a:buChar char="•"/>
+              <a:defRPr/>
+            </a:pPr>
+            <a:r>
+              <a:rPr lang="sr-Cyrl-RS" dirty="0" smtClean="0">
+                <a:latin typeface="Garamond" pitchFamily="18" charset="0"/>
+              </a:rPr>
+              <a:t>Испаљивање догађаја прослђује референцу на један приемрак догађаја према свим регистрованим ослушкивачима </a:t>
+            </a:r>
+          </a:p>
+          <a:p>
+            <a:pPr marL="1085850" lvl="1" indent="-342900">
+              <a:spcBef>
+                <a:spcPts val="600"/>
+              </a:spcBef>
+              <a:buFont typeface="Arial" panose="020B0604020202020204" pitchFamily="34" charset="0"/>
+              <a:buChar char="•"/>
+              <a:defRPr/>
+            </a:pPr>
+            <a:r>
+              <a:rPr lang="sr-Cyrl-RS" dirty="0">
+                <a:latin typeface="Garamond" pitchFamily="18" charset="0"/>
+              </a:rPr>
+              <a:t>Р</a:t>
+            </a:r>
+            <a:r>
+              <a:rPr lang="sr-Cyrl-RS" dirty="0" smtClean="0">
+                <a:latin typeface="Garamond" pitchFamily="18" charset="0"/>
+              </a:rPr>
+              <a:t>едослед прослеђивања према ослушкивачима није специфициран</a:t>
+            </a:r>
+            <a:r>
+              <a:rPr lang="en-US" dirty="0" smtClean="0">
+                <a:latin typeface="Garamond" pitchFamily="18" charset="0"/>
+              </a:rPr>
+              <a:t> </a:t>
+            </a:r>
+            <a:endParaRPr lang="sr-Cyrl-RS" dirty="0" smtClean="0">
+              <a:latin typeface="Garamond" pitchFamily="18" charset="0"/>
+            </a:endParaRPr>
+          </a:p>
+          <a:p>
+            <a:pPr marL="1085850" lvl="1" indent="-342900">
+              <a:spcBef>
+                <a:spcPts val="600"/>
+              </a:spcBef>
+              <a:buFont typeface="Arial" panose="020B0604020202020204" pitchFamily="34" charset="0"/>
+              <a:buChar char="•"/>
+              <a:defRPr/>
+            </a:pPr>
+            <a:r>
+              <a:rPr lang="sr-Cyrl-RS" dirty="0" smtClean="0">
+                <a:latin typeface="Garamond" pitchFamily="18" charset="0"/>
+              </a:rPr>
+              <a:t>Ослушкивачи не могу модификовати догађај који им је прослеђен</a:t>
+            </a:r>
+          </a:p>
+          <a:p>
+            <a:pPr marL="1085850" lvl="1" indent="-342900">
+              <a:spcBef>
+                <a:spcPts val="600"/>
+              </a:spcBef>
+              <a:buFont typeface="Arial" panose="020B0604020202020204" pitchFamily="34" charset="0"/>
+              <a:buChar char="•"/>
+              <a:defRPr/>
+            </a:pPr>
+            <a:r>
+              <a:rPr lang="sr-Cyrl-RS" dirty="0" smtClean="0">
+                <a:latin typeface="Garamond" pitchFamily="18" charset="0"/>
+              </a:rPr>
+              <a:t>Ослушкивачи не могу променити начин на који ће се наставити процесирање од стране других ослушкивача</a:t>
+            </a:r>
+            <a:endParaRPr lang="en-US" dirty="0">
+              <a:latin typeface="Garamond" pitchFamily="18" charset="0"/>
+            </a:endParaRPr>
+          </a:p>
+        </p:txBody>
+      </p:sp>
+      <p:sp>
+        <p:nvSpPr>
+          <p:cNvPr id="3" name="Title 1"/>
+          <p:cNvSpPr txBox="1">
+            <a:spLocks/>
+          </p:cNvSpPr>
+          <p:nvPr/>
+        </p:nvSpPr>
+        <p:spPr>
+          <a:xfrm>
+            <a:off x="1371600" y="549275"/>
+            <a:ext cx="7772400" cy="868363"/>
+          </a:xfrm>
+          <a:prstGeom prst="rect">
+            <a:avLst/>
+          </a:prstGeom>
+        </p:spPr>
+        <p:txBody>
+          <a:bodyPr/>
+          <a:lstStyle>
+            <a:lvl1pPr algn="l" rtl="0" eaLnBrk="0" fontAlgn="base" hangingPunct="0">
+              <a:spcBef>
+                <a:spcPct val="0"/>
+              </a:spcBef>
+              <a:spcAft>
+                <a:spcPct val="0"/>
+              </a:spcAft>
+              <a:defRPr sz="3800">
+                <a:solidFill>
+                  <a:schemeClr val="tx2"/>
+                </a:solidFill>
+                <a:latin typeface="+mj-lt"/>
+                <a:ea typeface="+mj-ea"/>
+                <a:cs typeface="+mj-cs"/>
+              </a:defRPr>
+            </a:lvl1pPr>
+            <a:lvl2pPr algn="l" rtl="0" eaLnBrk="0" fontAlgn="base" hangingPunct="0">
+              <a:spcBef>
+                <a:spcPct val="0"/>
+              </a:spcBef>
+              <a:spcAft>
+                <a:spcPct val="0"/>
+              </a:spcAft>
+              <a:defRPr sz="3800">
+                <a:solidFill>
+                  <a:schemeClr val="tx2"/>
+                </a:solidFill>
+                <a:latin typeface="Arial" charset="0"/>
+              </a:defRPr>
+            </a:lvl2pPr>
+            <a:lvl3pPr algn="l" rtl="0" eaLnBrk="0" fontAlgn="base" hangingPunct="0">
+              <a:spcBef>
+                <a:spcPct val="0"/>
+              </a:spcBef>
+              <a:spcAft>
+                <a:spcPct val="0"/>
+              </a:spcAft>
+              <a:defRPr sz="3800">
+                <a:solidFill>
+                  <a:schemeClr val="tx2"/>
+                </a:solidFill>
+                <a:latin typeface="Arial" charset="0"/>
+              </a:defRPr>
+            </a:lvl3pPr>
+            <a:lvl4pPr algn="l" rtl="0" eaLnBrk="0" fontAlgn="base" hangingPunct="0">
+              <a:spcBef>
+                <a:spcPct val="0"/>
+              </a:spcBef>
+              <a:spcAft>
+                <a:spcPct val="0"/>
+              </a:spcAft>
+              <a:defRPr sz="3800">
+                <a:solidFill>
+                  <a:schemeClr val="tx2"/>
+                </a:solidFill>
+                <a:latin typeface="Arial" charset="0"/>
+              </a:defRPr>
+            </a:lvl4pPr>
+            <a:lvl5pPr algn="l" rtl="0" eaLnBrk="0" fontAlgn="base" hangingPunct="0">
+              <a:spcBef>
+                <a:spcPct val="0"/>
+              </a:spcBef>
+              <a:spcAft>
+                <a:spcPct val="0"/>
+              </a:spcAft>
+              <a:defRPr sz="3800">
+                <a:solidFill>
+                  <a:schemeClr val="tx2"/>
+                </a:solidFill>
+                <a:latin typeface="Arial" charset="0"/>
+              </a:defRPr>
+            </a:lvl5pPr>
+            <a:lvl6pPr marL="457200" algn="l" rtl="0" fontAlgn="base">
+              <a:spcBef>
+                <a:spcPct val="0"/>
+              </a:spcBef>
+              <a:spcAft>
+                <a:spcPct val="0"/>
+              </a:spcAft>
+              <a:defRPr sz="3800">
+                <a:solidFill>
+                  <a:schemeClr val="tx2"/>
+                </a:solidFill>
+                <a:latin typeface="Arial" charset="0"/>
+              </a:defRPr>
+            </a:lvl6pPr>
+            <a:lvl7pPr marL="914400" algn="l" rtl="0" fontAlgn="base">
+              <a:spcBef>
+                <a:spcPct val="0"/>
+              </a:spcBef>
+              <a:spcAft>
+                <a:spcPct val="0"/>
+              </a:spcAft>
+              <a:defRPr sz="3800">
+                <a:solidFill>
+                  <a:schemeClr val="tx2"/>
+                </a:solidFill>
+                <a:latin typeface="Arial" charset="0"/>
+              </a:defRPr>
+            </a:lvl7pPr>
+            <a:lvl8pPr marL="1371600" algn="l" rtl="0" fontAlgn="base">
+              <a:spcBef>
+                <a:spcPct val="0"/>
+              </a:spcBef>
+              <a:spcAft>
+                <a:spcPct val="0"/>
+              </a:spcAft>
+              <a:defRPr sz="3800">
+                <a:solidFill>
+                  <a:schemeClr val="tx2"/>
+                </a:solidFill>
+                <a:latin typeface="Arial" charset="0"/>
+              </a:defRPr>
+            </a:lvl8pPr>
+            <a:lvl9pPr marL="1828800" algn="l" rtl="0" fontAlgn="base">
+              <a:spcBef>
+                <a:spcPct val="0"/>
+              </a:spcBef>
+              <a:spcAft>
+                <a:spcPct val="0"/>
+              </a:spcAft>
+              <a:defRPr sz="3800">
+                <a:solidFill>
+                  <a:schemeClr val="tx2"/>
+                </a:solidFill>
+                <a:latin typeface="Arial" charset="0"/>
+              </a:defRPr>
+            </a:lvl9pPr>
+          </a:lstStyle>
+          <a:p>
+            <a:pPr>
+              <a:defRPr/>
+            </a:pPr>
+            <a:r>
+              <a:rPr lang="sr-Cyrl-RS" sz="3600" b="1" kern="0" dirty="0">
+                <a:solidFill>
+                  <a:srgbClr val="0070C0"/>
+                </a:solidFill>
+              </a:rPr>
+              <a:t>Класа </a:t>
+            </a:r>
+            <a:r>
+              <a:rPr lang="en-US" sz="3600" b="1" kern="0" dirty="0">
+                <a:solidFill>
+                  <a:srgbClr val="0070C0"/>
+                </a:solidFill>
+              </a:rPr>
+              <a:t>Event</a:t>
+            </a:r>
+          </a:p>
+        </p:txBody>
+      </p:sp>
+    </p:spTree>
+    <p:extLst>
+      <p:ext uri="{BB962C8B-B14F-4D97-AF65-F5344CB8AC3E}">
+        <p14:creationId xmlns:p14="http://schemas.microsoft.com/office/powerpoint/2010/main" val="3262392555"/>
+      </p:ext>
+    </p:extLst>
+  </p:cSld>
+  <p:clrMapOvr>
+    <a:masterClrMapping/>
+  </p:clrMapOvr>
+  <p:timing>
+    <p:tnLst>
+      <p:par>
+        <p:cTn id="1" dur="indefinite" restart="never" nodeType="tmRoot">
+          <p:childTnLst>
+            <p:seq concurrent="1" nextAc="seek">
+              <p:cTn id="2" dur="indefinite" nodeType="mainSeq">
+                <p:childTnLst>
+                  <p:par>
+                    <p:cTn id="3" fill="hold">
+                      <p:stCondLst>
+                        <p:cond delay="indefinite"/>
+                      </p:stCondLst>
+                      <p:childTnLst>
+                        <p:par>
+                          <p:cTn id="4" fill="hold">
+                            <p:stCondLst>
+                              <p:cond delay="0"/>
+                            </p:stCondLst>
+                            <p:childTnLst>
+                              <p:par>
+                                <p:cTn id="5" presetID="3" presetClass="entr" presetSubtype="10" fill="hold" nodeType="clickEffect">
+                                  <p:stCondLst>
+                                    <p:cond delay="0"/>
+                                  </p:stCondLst>
+                                  <p:childTnLst>
+                                    <p:set>
+                                      <p:cBhvr>
+                                        <p:cTn id="6" dur="1" fill="hold">
+                                          <p:stCondLst>
+                                            <p:cond delay="0"/>
+                                          </p:stCondLst>
+                                        </p:cTn>
+                                        <p:tgtEl>
+                                          <p:spTgt spid="26626">
+                                            <p:txEl>
+                                              <p:pRg st="0" end="0"/>
+                                            </p:txEl>
+                                          </p:spTgt>
+                                        </p:tgtEl>
+                                        <p:attrNameLst>
+                                          <p:attrName>style.visibility</p:attrName>
+                                        </p:attrNameLst>
+                                      </p:cBhvr>
+                                      <p:to>
+                                        <p:strVal val="visible"/>
+                                      </p:to>
+                                    </p:set>
+                                    <p:animEffect transition="in" filter="blinds(horizontal)">
+                                      <p:cBhvr>
+                                        <p:cTn id="7" dur="500"/>
+                                        <p:tgtEl>
+                                          <p:spTgt spid="26626">
+                                            <p:txEl>
+                                              <p:pRg st="0" end="0"/>
+                                            </p:txEl>
+                                          </p:spTgt>
+                                        </p:tgtEl>
+                                      </p:cBhvr>
+                                    </p:animEffect>
+                                  </p:childTnLst>
+                                </p:cTn>
+                              </p:par>
+                            </p:childTnLst>
+                          </p:cTn>
+                        </p:par>
+                      </p:childTnLst>
+                    </p:cTn>
+                  </p:par>
+                  <p:par>
+                    <p:cTn id="8" fill="hold">
+                      <p:stCondLst>
+                        <p:cond delay="indefinite"/>
+                      </p:stCondLst>
+                      <p:childTnLst>
+                        <p:par>
+                          <p:cTn id="9" fill="hold">
+                            <p:stCondLst>
+                              <p:cond delay="0"/>
+                            </p:stCondLst>
+                            <p:childTnLst>
+                              <p:par>
+                                <p:cTn id="10" presetID="3" presetClass="entr" presetSubtype="10" fill="hold" nodeType="clickEffect">
+                                  <p:stCondLst>
+                                    <p:cond delay="0"/>
+                                  </p:stCondLst>
+                                  <p:childTnLst>
+                                    <p:set>
+                                      <p:cBhvr>
+                                        <p:cTn id="11" dur="1" fill="hold">
+                                          <p:stCondLst>
+                                            <p:cond delay="0"/>
+                                          </p:stCondLst>
+                                        </p:cTn>
+                                        <p:tgtEl>
+                                          <p:spTgt spid="26626">
+                                            <p:txEl>
+                                              <p:pRg st="1" end="1"/>
+                                            </p:txEl>
+                                          </p:spTgt>
+                                        </p:tgtEl>
+                                        <p:attrNameLst>
+                                          <p:attrName>style.visibility</p:attrName>
+                                        </p:attrNameLst>
+                                      </p:cBhvr>
+                                      <p:to>
+                                        <p:strVal val="visible"/>
+                                      </p:to>
+                                    </p:set>
+                                    <p:animEffect transition="in" filter="blinds(horizontal)">
+                                      <p:cBhvr>
+                                        <p:cTn id="12" dur="500"/>
+                                        <p:tgtEl>
+                                          <p:spTgt spid="26626">
+                                            <p:txEl>
+                                              <p:pRg st="1" end="1"/>
+                                            </p:txEl>
+                                          </p:spTgt>
+                                        </p:tgtEl>
+                                      </p:cBhvr>
+                                    </p:animEffect>
+                                  </p:childTnLst>
+                                </p:cTn>
+                              </p:par>
+                            </p:childTnLst>
+                          </p:cTn>
+                        </p:par>
+                      </p:childTnLst>
+                    </p:cTn>
+                  </p:par>
+                  <p:par>
+                    <p:cTn id="13" fill="hold">
+                      <p:stCondLst>
+                        <p:cond delay="indefinite"/>
+                      </p:stCondLst>
+                      <p:childTnLst>
+                        <p:par>
+                          <p:cTn id="14" fill="hold">
+                            <p:stCondLst>
+                              <p:cond delay="0"/>
+                            </p:stCondLst>
+                            <p:childTnLst>
+                              <p:par>
+                                <p:cTn id="15" presetID="3" presetClass="entr" presetSubtype="10" fill="hold" nodeType="clickEffect">
+                                  <p:stCondLst>
+                                    <p:cond delay="0"/>
+                                  </p:stCondLst>
+                                  <p:childTnLst>
+                                    <p:set>
+                                      <p:cBhvr>
+                                        <p:cTn id="16" dur="1" fill="hold">
+                                          <p:stCondLst>
+                                            <p:cond delay="0"/>
+                                          </p:stCondLst>
+                                        </p:cTn>
+                                        <p:tgtEl>
+                                          <p:spTgt spid="26626">
+                                            <p:txEl>
+                                              <p:pRg st="2" end="2"/>
+                                            </p:txEl>
+                                          </p:spTgt>
+                                        </p:tgtEl>
+                                        <p:attrNameLst>
+                                          <p:attrName>style.visibility</p:attrName>
+                                        </p:attrNameLst>
+                                      </p:cBhvr>
+                                      <p:to>
+                                        <p:strVal val="visible"/>
+                                      </p:to>
+                                    </p:set>
+                                    <p:animEffect transition="in" filter="blinds(horizontal)">
+                                      <p:cBhvr>
+                                        <p:cTn id="17" dur="500"/>
+                                        <p:tgtEl>
+                                          <p:spTgt spid="26626">
+                                            <p:txEl>
+                                              <p:pRg st="2" end="2"/>
+                                            </p:txEl>
+                                          </p:spTgt>
+                                        </p:tgtEl>
+                                      </p:cBhvr>
+                                    </p:animEffect>
+                                  </p:childTnLst>
+                                </p:cTn>
+                              </p:par>
+                              <p:par>
+                                <p:cTn id="18" presetID="3" presetClass="entr" presetSubtype="10" fill="hold" nodeType="withEffect">
+                                  <p:stCondLst>
+                                    <p:cond delay="0"/>
+                                  </p:stCondLst>
+                                  <p:childTnLst>
+                                    <p:set>
+                                      <p:cBhvr>
+                                        <p:cTn id="19" dur="1" fill="hold">
+                                          <p:stCondLst>
+                                            <p:cond delay="0"/>
+                                          </p:stCondLst>
+                                        </p:cTn>
+                                        <p:tgtEl>
+                                          <p:spTgt spid="26626">
+                                            <p:txEl>
+                                              <p:pRg st="3" end="3"/>
+                                            </p:txEl>
+                                          </p:spTgt>
+                                        </p:tgtEl>
+                                        <p:attrNameLst>
+                                          <p:attrName>style.visibility</p:attrName>
+                                        </p:attrNameLst>
+                                      </p:cBhvr>
+                                      <p:to>
+                                        <p:strVal val="visible"/>
+                                      </p:to>
+                                    </p:set>
+                                    <p:animEffect transition="in" filter="blinds(horizontal)">
+                                      <p:cBhvr>
+                                        <p:cTn id="20" dur="500"/>
+                                        <p:tgtEl>
+                                          <p:spTgt spid="26626">
+                                            <p:txEl>
+                                              <p:pRg st="3" end="3"/>
+                                            </p:txEl>
+                                          </p:spTgt>
+                                        </p:tgtEl>
+                                      </p:cBhvr>
+                                    </p:animEffect>
+                                  </p:childTnLst>
+                                </p:cTn>
+                              </p:par>
+                            </p:childTnLst>
+                          </p:cTn>
+                        </p:par>
+                      </p:childTnLst>
+                    </p:cTn>
+                  </p:par>
+                  <p:par>
+                    <p:cTn id="21" fill="hold">
+                      <p:stCondLst>
+                        <p:cond delay="indefinite"/>
+                      </p:stCondLst>
+                      <p:childTnLst>
+                        <p:par>
+                          <p:cTn id="22" fill="hold">
+                            <p:stCondLst>
+                              <p:cond delay="0"/>
+                            </p:stCondLst>
+                            <p:childTnLst>
+                              <p:par>
+                                <p:cTn id="23" presetID="3" presetClass="entr" presetSubtype="10" fill="hold" nodeType="clickEffect">
+                                  <p:stCondLst>
+                                    <p:cond delay="0"/>
+                                  </p:stCondLst>
+                                  <p:childTnLst>
+                                    <p:set>
+                                      <p:cBhvr>
+                                        <p:cTn id="24" dur="1" fill="hold">
+                                          <p:stCondLst>
+                                            <p:cond delay="0"/>
+                                          </p:stCondLst>
+                                        </p:cTn>
+                                        <p:tgtEl>
+                                          <p:spTgt spid="26626">
+                                            <p:txEl>
+                                              <p:pRg st="4" end="4"/>
+                                            </p:txEl>
+                                          </p:spTgt>
+                                        </p:tgtEl>
+                                        <p:attrNameLst>
+                                          <p:attrName>style.visibility</p:attrName>
+                                        </p:attrNameLst>
+                                      </p:cBhvr>
+                                      <p:to>
+                                        <p:strVal val="visible"/>
+                                      </p:to>
+                                    </p:set>
+                                    <p:animEffect transition="in" filter="blinds(horizontal)">
+                                      <p:cBhvr>
+                                        <p:cTn id="25" dur="500"/>
+                                        <p:tgtEl>
+                                          <p:spTgt spid="26626">
+                                            <p:txEl>
+                                              <p:pRg st="4" end="4"/>
+                                            </p:txEl>
+                                          </p:spTgt>
+                                        </p:tgtEl>
+                                      </p:cBhvr>
+                                    </p:animEffect>
+                                  </p:childTnLst>
+                                </p:cTn>
+                              </p:par>
+                            </p:childTnLst>
+                          </p:cTn>
+                        </p:par>
+                      </p:childTnLst>
+                    </p:cTn>
+                  </p:par>
+                  <p:par>
+                    <p:cTn id="26" fill="hold">
+                      <p:stCondLst>
+                        <p:cond delay="indefinite"/>
+                      </p:stCondLst>
+                      <p:childTnLst>
+                        <p:par>
+                          <p:cTn id="27" fill="hold">
+                            <p:stCondLst>
+                              <p:cond delay="0"/>
+                            </p:stCondLst>
+                            <p:childTnLst>
+                              <p:par>
+                                <p:cTn id="28" presetID="3" presetClass="entr" presetSubtype="10" fill="hold" nodeType="clickEffect">
+                                  <p:stCondLst>
+                                    <p:cond delay="0"/>
+                                  </p:stCondLst>
+                                  <p:childTnLst>
+                                    <p:set>
+                                      <p:cBhvr>
+                                        <p:cTn id="29" dur="1" fill="hold">
+                                          <p:stCondLst>
+                                            <p:cond delay="0"/>
+                                          </p:stCondLst>
+                                        </p:cTn>
+                                        <p:tgtEl>
+                                          <p:spTgt spid="26626">
+                                            <p:txEl>
+                                              <p:pRg st="5" end="5"/>
+                                            </p:txEl>
+                                          </p:spTgt>
+                                        </p:tgtEl>
+                                        <p:attrNameLst>
+                                          <p:attrName>style.visibility</p:attrName>
+                                        </p:attrNameLst>
+                                      </p:cBhvr>
+                                      <p:to>
+                                        <p:strVal val="visible"/>
+                                      </p:to>
+                                    </p:set>
+                                    <p:animEffect transition="in" filter="blinds(horizontal)">
+                                      <p:cBhvr>
+                                        <p:cTn id="30" dur="500"/>
+                                        <p:tgtEl>
+                                          <p:spTgt spid="26626">
+                                            <p:txEl>
+                                              <p:pRg st="5" end="5"/>
                                             </p:txEl>
                                           </p:spTgt>
                                         </p:tgtEl>
@@ -31096,7 +29782,7 @@
         <p:spPr bwMode="auto">
           <a:xfrm>
             <a:off x="539750" y="1416050"/>
-            <a:ext cx="8451850" cy="4909036"/>
+            <a:ext cx="8451850" cy="2092881"/>
           </a:xfrm>
           <a:prstGeom prst="rect">
             <a:avLst/>
@@ -31240,11 +29926,26 @@
               <a:rPr lang="sr-Cyrl-RS" dirty="0" smtClean="0">
                 <a:latin typeface="Garamond" pitchFamily="18" charset="0"/>
               </a:rPr>
-              <a:t>Први захтев за испаљивање догађаја је постојање класе која представља информацију о догађају</a:t>
-            </a:r>
+              <a:t>Класе за догађаје су изведене из класе</a:t>
+            </a:r>
+            <a:r>
+              <a:rPr lang="en-US" dirty="0" smtClean="0">
+                <a:latin typeface="Garamond" pitchFamily="18" charset="0"/>
+              </a:rPr>
+              <a:t> </a:t>
+            </a:r>
+            <a:r>
+              <a:rPr lang="en-US" sz="2000" dirty="0" err="1" smtClean="0">
+                <a:latin typeface="+mn-lt"/>
+              </a:rPr>
+              <a:t>java.util.EventObject</a:t>
+            </a:r>
+            <a:endParaRPr lang="sr-Cyrl-RS" dirty="0" smtClean="0">
+              <a:latin typeface="+mn-lt"/>
+            </a:endParaRPr>
           </a:p>
           <a:p>
-            <a:pPr marL="342900" indent="-342900">
+            <a:pPr marL="1085850" lvl="1" indent="-342900">
               <a:spcBef>
                 <a:spcPts val="600"/>
               </a:spcBef>
@@ -31253,10 +29954,22 @@
               <a:defRPr/>
             </a:pPr>
             <a:r>
+              <a:rPr lang="en-US" sz="2000" dirty="0" err="1" smtClean="0">
+                <a:latin typeface="+mn-lt"/>
+              </a:rPr>
+              <a:t>EventObject</a:t>
+            </a:r>
+            <a:r>
+              <a:rPr lang="en-US" sz="2000" dirty="0" smtClean="0">
+                <a:latin typeface="+mn-lt"/>
+              </a:rPr>
+              <a:t> </a:t>
+            </a:r>
+            <a:r>
               <a:rPr lang="sr-Cyrl-RS" dirty="0" smtClean="0">
                 <a:latin typeface="Garamond" pitchFamily="18" charset="0"/>
               </a:rPr>
-              <a:t>Класе за догађаје треба да буду имутабилне, тј. после креирања не могу бити мењани</a:t>
+              <a:t>обезбеђује метод</a:t>
             </a:r>
             <a:r>
               <a:rPr lang="en-US" dirty="0" smtClean="0">
@@ -31264,12 +29977,27 @@
               </a:rPr>
               <a:t> </a:t>
             </a:r>
-            <a:endParaRPr lang="sr-Cyrl-RS" dirty="0" smtClean="0">
-              <a:latin typeface="Garamond" pitchFamily="18" charset="0"/>
-            </a:endParaRPr>
+            <a:r>
+              <a:rPr lang="en-US" sz="2000" dirty="0" err="1">
+                <a:latin typeface="+mn-lt"/>
+              </a:rPr>
+              <a:t>getSource</a:t>
+            </a:r>
+            <a:r>
+              <a:rPr lang="en-US" sz="2000" dirty="0">
+                <a:latin typeface="+mn-lt"/>
+              </a:rPr>
+              <a:t>() </a:t>
+            </a:r>
+            <a:r>
+              <a:rPr lang="sr-Cyrl-RS" dirty="0" smtClean="0">
+                <a:latin typeface="Garamond" pitchFamily="18" charset="0"/>
+              </a:rPr>
+              <a:t>којим се одређује извор догађаја</a:t>
+            </a:r>
           </a:p>
           <a:p>
-            <a:pPr marL="342900" indent="-342900">
+            <a:pPr marL="1085850" lvl="1" indent="-342900">
               <a:spcBef>
                 <a:spcPts val="600"/>
               </a:spcBef>
@@ -31281,70 +30009,31 @@
               <a:rPr lang="sr-Cyrl-RS" dirty="0" smtClean="0">
                 <a:latin typeface="Garamond" pitchFamily="18" charset="0"/>
               </a:rPr>
-              <a:t>Испаљивање догађаја прослђује референцу на један приемрак догађаја према свим регистрованим ослушкивачима </a:t>
-            </a:r>
-          </a:p>
-          <a:p>
-            <a:pPr marL="1085850" lvl="1" indent="-342900">
-              <a:spcBef>
-                <a:spcPts val="600"/>
-              </a:spcBef>
-              <a:buFont typeface="Arial" panose="020B0604020202020204" pitchFamily="34" charset="0"/>
-              <a:buChar char="•"/>
-              <a:defRPr/>
-            </a:pPr>
-            <a:r>
-              <a:rPr lang="sr-Cyrl-RS" dirty="0">
+              <a:t>Извођењем из класе</a:t>
+            </a:r>
+            <a:r>
+              <a:rPr lang="en-US" dirty="0" smtClean="0">
                 <a:latin typeface="Garamond" pitchFamily="18" charset="0"/>
               </a:rPr>
-              <a:t>Р</a:t>
+              <a:t> </a:t>
+            </a:r>
+            <a:r>
+              <a:rPr lang="en-US" sz="2000" dirty="0" err="1">
+                <a:latin typeface="+mn-lt"/>
+              </a:rPr>
+              <a:t>EventObject</a:t>
+            </a:r>
+            <a:r>
+              <a:rPr lang="en-US" dirty="0">
+                <a:latin typeface="Garamond" pitchFamily="18" charset="0"/>
+              </a:rPr>
+              <a:t>, </a:t>
             </a:r>
             <a:r>
               <a:rPr lang="sr-Cyrl-RS" dirty="0" smtClean="0">
                 <a:latin typeface="Garamond" pitchFamily="18" charset="0"/>
               </a:rPr>
-              <a:t>едослед прослеђивања према ослушкивачима није специфициран</a:t>
-            </a:r>
-            <a:r>
-              <a:rPr lang="en-US" dirty="0" smtClean="0">
-                <a:latin typeface="Garamond" pitchFamily="18" charset="0"/>
-              </a:rPr>
-              <a:t> </a:t>
-            </a:r>
-            <a:endParaRPr lang="sr-Cyrl-RS" dirty="0" smtClean="0">
-              <a:latin typeface="Garamond" pitchFamily="18" charset="0"/>
-            </a:endParaRPr>
-          </a:p>
-          <a:p>
-            <a:pPr marL="1085850" lvl="1" indent="-342900">
-              <a:spcBef>
-                <a:spcPts val="600"/>
-              </a:spcBef>
-              <a:buFont typeface="Arial" panose="020B0604020202020204" pitchFamily="34" charset="0"/>
-              <a:buChar char="•"/>
-              <a:defRPr/>
-            </a:pPr>
-            <a:r>
-              <a:rPr lang="sr-Cyrl-RS" dirty="0" smtClean="0">
-                <a:latin typeface="Garamond" pitchFamily="18" charset="0"/>
-              </a:rPr>
-              <a:t>Ослушкивачи не могу модификовати догађај који им је прослеђен</a:t>
-            </a:r>
-          </a:p>
-          <a:p>
-            <a:pPr marL="1085850" lvl="1" indent="-342900">
-              <a:spcBef>
-                <a:spcPts val="600"/>
-              </a:spcBef>
-              <a:buFont typeface="Arial" panose="020B0604020202020204" pitchFamily="34" charset="0"/>
-              <a:buChar char="•"/>
-              <a:defRPr/>
-            </a:pPr>
-            <a:r>
-              <a:rPr lang="sr-Cyrl-RS" dirty="0" smtClean="0">
-                <a:latin typeface="Garamond" pitchFamily="18" charset="0"/>
-              </a:rPr>
-              <a:t>Ослушкивачи не могу променити начин на који ће се наставити процесирање од стране других ослушкивача</a:t>
+              <a:t>креирани објекти могу да буду генерички обрађени</a:t>
             </a:r>
             <a:endParaRPr lang="en-US" dirty="0">
               <a:latin typeface="Garamond" pitchFamily="18" charset="0"/>
@@ -31514,20 +30203,33 @@
               <a:t>Класа </a:t>
             </a:r>
             <a:r>
-              <a:rPr lang="en-US" sz="3600" b="1" kern="0" dirty="0">
+              <a:rPr lang="en-US" sz="3600" b="1" kern="0" dirty="0" smtClean="0">
                 <a:solidFill>
                   <a:srgbClr val="0070C0"/>
                 </a:solidFill>
               </a:rPr>
               <a:t>Event</a:t>
             </a:r>
+            <a:r>
+              <a:rPr lang="sr-Cyrl-RS" sz="3600" b="1" kern="0" dirty="0" smtClean="0">
+                <a:solidFill>
+                  <a:srgbClr val="0070C0"/>
+                </a:solidFill>
+              </a:rPr>
+              <a:t> (2)</a:t>
+            </a:r>
+            <a:endParaRPr lang="en-US" sz="3600" b="1" kern="0" dirty="0">
+              <a:solidFill>
+                <a:srgbClr val="0070C0"/>
+              </a:solidFill>
+            </a:endParaRPr>
           </a:p>
         </p:txBody>
       </p:sp>
     </p:spTree>
     <p:extLst>
       <p:ext uri="{BB962C8B-B14F-4D97-AF65-F5344CB8AC3E}">
-        <p14:creationId xmlns:p14="http://schemas.microsoft.com/office/powerpoint/2010/main" val="3262392555"/>
+        <p14:creationId xmlns:p14="http://schemas.microsoft.com/office/powerpoint/2010/main" val="2233224937"/>
       </p:ext>
     </p:extLst>
   </p:cSld>
@@ -31597,33 +30299,15 @@
                                   </p:childTnLst>
                                 </p:cTn>
                               </p:par>
-                            </p:childTnLst>
-                          </p:cTn>
-                        </p:par>
-                      </p:childTnLst>
-                    </p:cTn>
-                  </p:par>
-                  <p:par>
-                    <p:cTn id="8" fill="hold">
-                      <p:stCondLst>
-                        <p:cond delay="indefinite"/>
-                      </p:stCondLst>
-                      <p:childTnLst>
-                        <p:par>
-                          <p:cTn id="9" fill="hold">
-                            <p:stCondLst>
-                              <p:cond delay="0"/>
-                            </p:stCondLst>
-                            <p:childTnLst>
                               <p:par>
-                                <p:cTn id="10" presetID="3" presetClass="entr" presetSubtype="10" fill="hold" nodeType="clickEffect">
+                                <p:cTn id="8" presetID="3" presetClass="entr" presetSubtype="10" fill="hold" nodeType="withEffect">
                                   <p:stCondLst>
                                     <p:cond delay="0"/>
                                   </p:stCondLst>
                                   <p:childTnLst>
                                     <p:set>
                                       <p:cBhvr>
-                                        <p:cTn id="11" dur="1" fill="hold">
+                                        <p:cTn id="9" dur="1" fill="hold">
                                           <p:stCondLst>
                                             <p:cond delay="0"/>
                                           </p:stCondLst>
@@ -31645,7 +30329,7 @@
                                     </p:set>
                                     <p:animEffect transition="in" filter="blinds(horizontal)">
                                       <p:cBhvr>
-                                        <p:cTn id="12" dur="500"/>
+                                        <p:cTn id="10" dur="500"/>
                                         <p:tgtEl>
                                           <p:spTgt spid="26626">
                                             <p:txEl>
@@ -31665,26 +30349,26 @@
                     </p:cTn>
                   </p:par>
                   <p:par>
-                    <p:cTn id="13" fill="hold">
+                    <p:cTn id="11" fill="hold">
                       <p:stCondLst>
                         <p:cond delay="indefinite"/>
                       </p:stCondLst>
                       <p:childTnLst>
                         <p:par>
-                          <p:cTn id="14" fill="hold">
+                          <p:cTn id="12" fill="hold">
                             <p:stCondLst>
                               <p:cond delay="0"/>
                             </p:stCondLst>
                             <p:childTnLst>
                               <p:par>
-                                <p:cTn id="15" presetID="3" presetClass="entr" presetSubtype="10" fill="hold" nodeType="clickEffect">
+                                <p:cTn id="13" presetID="3" presetClass="entr" presetSubtype="10" fill="hold" nodeType="clickEffect">
                                   <p:stCondLst>
                                     <p:cond delay="0"/>
                                   </p:stCondLst>
                                   <p:childTnLst>
                                     <p:set>
                                       <p:cBhvr>
-                                        <p:cTn id="16" dur="1" fill="hold">
+                                        <p:cTn id="14" dur="1" fill="hold">
                                           <p:stCondLst>
                                             <p:cond delay="0"/>
                                           </p:stCondLst>
@@ -31706,176 +30390,11 @@
                                     </p:set>
                                     <p:animEffect transition="in" filter="blinds(horizontal)">
                                       <p:cBhvr>
-                                        <p:cTn id="17" dur="500"/>
+                                        <p:cTn id="15" dur="500"/>
                                         <p:tgtEl>
                                           <p:spTgt spid="26626">
                                             <p:txEl>
                                               <p:pRg st="2" end="2"/>
-                                            </p:txEl>
-                                          </p:spTgt>
-                                        </p:tgtEl>
-                                      </p:cBhvr>
-                                    </p:animEffect>
-                                  </p:childTnLst>
-                                </p:cTn>
-                              </p:par>
-                              <p:par>
-                                <p:cTn id="18" presetID="3" presetClass="entr" presetSubtype="10" fill="hold" nodeType="withEffect">
-                                  <p:stCondLst>
-                                    <p:cond delay="0"/>
-                                  </p:stCondLst>
-                                  <p:childTnLst>
-                                    <p:set>
-                                      <p:cBhvr>
-                                        <p:cTn id="19" dur="1" fill="hold">
-                                          <p:stCondLst>
-                                            <p:cond delay="0"/>
-                                          </p:stCondLst>
-                                        </p:cTn>
-                                        <p:tgtEl>
-                                          <p:spTgt spid="26626">
-                                            <p:txEl>
-                                              <p:pRg st="3" end="3"/>
-                                            </p:txEl>
-                                          </p:spTgt>
-                                        </p:tgtEl>
-                                        <p:attrNameLst>
-                                          <p:attrName>style.visibility</p:attrName>
-                                        </p:attrNameLst>
-                                      </p:cBhvr>
-                                      <p:to>
-                                        <p:strVal val="visible"/>
-                                      </p:to>
-                                    </p:set>
-                                    <p:animEffect transition="in" filter="blinds(horizontal)">
-                                      <p:cBhvr>
-                                        <p:cTn id="20" dur="500"/>
-                                        <p:tgtEl>
-                                          <p:spTgt spid="26626">
-                                            <p:txEl>
-                                              <p:pRg st="3" end="3"/>
-                                            </p:txEl>
-                                          </p:spTgt>
-                                        </p:tgtEl>
-                                      </p:cBhvr>
-                                    </p:animEffect>
-                                  </p:childTnLst>
-                                </p:cTn>
-                              </p:par>
-                            </p:childTnLst>
-                          </p:cTn>
-                        </p:par>
-                      </p:childTnLst>
-                    </p:cTn>
-                  </p:par>
-                  <p:par>
-                    <p:cTn id="21" fill="hold">
-                      <p:stCondLst>
-                        <p:cond delay="indefinite"/>
-                      </p:stCondLst>
-                      <p:childTnLst>
-                        <p:par>
-                          <p:cTn id="22" fill="hold">
-                            <p:stCondLst>
-                              <p:cond delay="0"/>
-                            </p:stCondLst>
-                            <p:childTnLst>
-                              <p:par>
-                                <p:cTn id="23" presetID="3" presetClass="entr" presetSubtype="10" fill="hold" nodeType="clickEffect">
-                                  <p:stCondLst>
-                                    <p:cond delay="0"/>
-                                  </p:stCondLst>
-                                  <p:childTnLst>
-                                    <p:set>
-                                      <p:cBhvr>
-                                        <p:cTn id="24" dur="1" fill="hold">
-                                          <p:stCondLst>
-                                            <p:cond delay="0"/>
-                                          </p:stCondLst>
-                                        </p:cTn>
-                                        <p:tgtEl>
-                                          <p:spTgt spid="26626">
-                                            <p:txEl>
-                                              <p:pRg st="4" end="4"/>
-                                            </p:txEl>
-                                          </p:spTgt>
-                                        </p:tgtEl>
-                                        <p:attrNameLst>
-                                          <p:attrName>style.visibility</p:attrName>
-                                        </p:attrNameLst>
-                                      </p:cBhvr>
-                                      <p:to>
-                                        <p:strVal val="visible"/>
-                                      </p:to>
-                                    </p:set>
-                                    <p:animEffect transition="in" filter="blinds(horizontal)">
-                                      <p:cBhvr>
-                                        <p:cTn id="25" dur="500"/>
-                                        <p:tgtEl>
-                                          <p:spTgt spid="26626">
-                                            <p:txEl>
-                                              <p:pRg st="4" end="4"/>
-                                            </p:txEl>
-                                          </p:spTgt>
-                                        </p:tgtEl>
-                                      </p:cBhvr>
-                                    </p:animEffect>
-                                  </p:childTnLst>
-                                </p:cTn>
-                              </p:par>
-                            </p:childTnLst>
-                          </p:cTn>
-                        </p:par>
-                      </p:childTnLst>
-                    </p:cTn>
-                  </p:par>
-                  <p:par>
-                    <p:cTn id="26" fill="hold">
-                      <p:stCondLst>
-                        <p:cond delay="indefinite"/>
-                      </p:stCondLst>
-                      <p:childTnLst>
-                        <p:par>
-                          <p:cTn id="27" fill="hold">
-                            <p:stCondLst>
-                              <p:cond delay="0"/>
-                            </p:stCondLst>
-                            <p:childTnLst>
-                              <p:par>
-                                <p:cTn id="28" presetID="3" presetClass="entr" presetSubtype="10" fill="hold" nodeType="clickEffect">
-                                  <p:stCondLst>
-                                    <p:cond delay="0"/>
-                                  </p:stCondLst>
-                                  <p:childTnLst>
-                                    <p:set>
-                                      <p:cBhvr>
-                                        <p:cTn id="29" dur="1" fill="hold">
-                                          <p:stCondLst>
-                                            <p:cond delay="0"/>
-                                          </p:stCondLst>
-                                        </p:cTn>
-                                        <p:tgtEl>
-                                          <p:spTgt spid="26626">
-                                            <p:txEl>
-                                              <p:pRg st="5" end="5"/>
-                                            </p:txEl>
-                                          </p:spTgt>
-                                        </p:tgtEl>
-                                        <p:attrNameLst>
-                                          <p:attrName>style.visibility</p:attrName>
-                                        </p:attrNameLst>
-                                      </p:cBhvr>
-                                      <p:to>
-                                        <p:strVal val="visible"/>
-                                      </p:to>
-                                    </p:set>
-                                    <p:animEffect transition="in" filter="blinds(horizontal)">
-                                      <p:cBhvr>
-                                        <p:cTn id="30" dur="500"/>
-                                        <p:tgtEl>
-                                          <p:spTgt spid="26626">
-                                            <p:txEl>
-                                              <p:pRg st="5" end="5"/>
                                             </p:txEl>
                                           </p:spTgt>
                                         </p:tgtEl>
@@ -31943,7 +30462,7 @@
         <p:spPr bwMode="auto">
           <a:xfrm>
             <a:off x="539750" y="1416050"/>
-            <a:ext cx="8451850" cy="2092881"/>
+            <a:ext cx="8451850" cy="4985980"/>
           </a:xfrm>
           <a:prstGeom prst="rect">
             <a:avLst/>
@@ -32087,22 +30606,42 @@
               <a:rPr lang="sr-Cyrl-RS" dirty="0" smtClean="0">
                 <a:latin typeface="Garamond" pitchFamily="18" charset="0"/>
               </a:rPr>
-              <a:t>Класе за догађаје су изведене из класе</a:t>
-            </a:r>
-            <a:r>
-              <a:rPr lang="en-US" dirty="0" smtClean="0">
+              <a:t>Ослушкивачи догађаја су класе које су исказале интерес за догађаје који се испаљују  </a:t>
+            </a:r>
+          </a:p>
+          <a:p>
+            <a:pPr marL="342900" indent="-342900">
+              <a:spcBef>
+                <a:spcPts val="600"/>
+              </a:spcBef>
+              <a:buFont typeface="Arial" panose="020B0604020202020204" pitchFamily="34" charset="0"/>
+              <a:buChar char="•"/>
+              <a:defRPr/>
+            </a:pPr>
+            <a:r>
+              <a:rPr lang="sr-Cyrl-RS" dirty="0" smtClean="0">
                 <a:latin typeface="Garamond" pitchFamily="18" charset="0"/>
               </a:rPr>
-              <a:t> </a:t>
-            </a:r>
-            <a:r>
-              <a:rPr lang="en-US" sz="2000" dirty="0" err="1" smtClean="0">
-                <a:latin typeface="+mn-lt"/>
-              </a:rPr>
-              <a:t>java.util.EventObject</a:t>
-            </a:r>
-            <a:endParaRPr lang="sr-Cyrl-RS" dirty="0" smtClean="0">
-              <a:latin typeface="+mn-lt"/>
+              <a:t>Класе ослушкивачи бивају информисани о испаљеном догађају тако што се позове одговарајући метод ослушкивача</a:t>
+            </a:r>
+          </a:p>
+          <a:p>
+            <a:pPr marL="342900" indent="-342900">
+              <a:spcBef>
+                <a:spcPts val="600"/>
+              </a:spcBef>
+              <a:buFont typeface="Arial" panose="020B0604020202020204" pitchFamily="34" charset="0"/>
+              <a:buChar char="•"/>
+              <a:defRPr/>
+            </a:pPr>
+            <a:r>
+              <a:rPr lang="sr-Cyrl-RS" dirty="0" smtClean="0">
+                <a:latin typeface="Garamond" pitchFamily="18" charset="0"/>
+              </a:rPr>
+              <a:t>Како се зна који је метод одговарајући, тј. који ће се метод позвати? </a:t>
+            </a:r>
+            <a:endParaRPr lang="en-US" dirty="0">
+              <a:latin typeface="Garamond" pitchFamily="18" charset="0"/>
             </a:endParaRPr>
           </a:p>
           <a:p>
@@ -32115,46 +30654,16 @@
               <a:defRPr/>
             </a:pPr>
             <a:r>
-              <a:rPr lang="en-US" sz="2000" dirty="0" err="1" smtClean="0">
-                <a:latin typeface="+mn-lt"/>
-              </a:rPr>
-              <a:t>EventObject</a:t>
-            </a:r>
-            <a:r>
-              <a:rPr lang="en-US" sz="2000" dirty="0" smtClean="0">
-                <a:latin typeface="+mn-lt"/>
-              </a:rPr>
-              <a:t> </a:t>
+              <a:rPr lang="sr-Cyrl-RS" dirty="0">
+                <a:latin typeface="Garamond" pitchFamily="18" charset="0"/>
+              </a:rPr>
+              <a:t>Дефинисање догађаја захтева да се дефинише уговор између извора </a:t>
             </a:r>
             <a:r>
               <a:rPr lang="sr-Cyrl-RS" dirty="0" smtClean="0">
                 <a:latin typeface="Garamond" pitchFamily="18" charset="0"/>
               </a:rPr>
-              <a:t>обезбеђује метод</a:t>
-            </a:r>
-            <a:r>
-              <a:rPr lang="en-US" dirty="0" smtClean="0">
-                <a:latin typeface="Garamond" pitchFamily="18" charset="0"/>
-              </a:rPr>
-              <a:t> </a:t>
-            </a:r>
-            <a:r>
-              <a:rPr lang="en-US" sz="2000" dirty="0" err="1">
-                <a:latin typeface="+mn-lt"/>
-              </a:rPr>
-              <a:t>getSource</a:t>
-            </a:r>
-            <a:r>
-              <a:rPr lang="en-US" sz="2000" dirty="0">
-                <a:latin typeface="+mn-lt"/>
-              </a:rPr>
-              <a:t>() </a:t>
-            </a:r>
-            <a:r>
-              <a:rPr lang="sr-Cyrl-RS" dirty="0" smtClean="0">
-                <a:latin typeface="Garamond" pitchFamily="18" charset="0"/>
-              </a:rPr>
-              <a:t>којим се одређује извор догађаја</a:t>
+              <a:t>за догађај и ослушкивача тог догађаја</a:t>
             </a:r>
           </a:p>
           <a:p>
@@ -32170,31 +30679,60 @@
               <a:rPr lang="sr-Cyrl-RS" dirty="0" smtClean="0">
                 <a:latin typeface="Garamond" pitchFamily="18" charset="0"/>
               </a:rPr>
-              <a:t>Извођењем из класе</a:t>
+              <a:t>Тај уговор одређује који ће се метод ослушкивача звати</a:t>
+            </a:r>
+          </a:p>
+          <a:p>
+            <a:pPr marL="1085850" lvl="1" indent="-342900">
+              <a:spcBef>
+                <a:spcPts val="600"/>
+              </a:spcBef>
+              <a:buFont typeface="Arial" panose="020B0604020202020204" pitchFamily="34" charset="0"/>
+              <a:buChar char="•"/>
+              <a:defRPr/>
+            </a:pPr>
+            <a:r>
+              <a:rPr lang="sr-Cyrl-RS" dirty="0" smtClean="0">
+                <a:latin typeface="Garamond" pitchFamily="18" charset="0"/>
+              </a:rPr>
+              <a:t>Сваки ослушкивач мора имплементирати метод</a:t>
+            </a:r>
+            <a:endParaRPr lang="en-US" dirty="0">
+              <a:latin typeface="Garamond" pitchFamily="18" charset="0"/>
+            </a:endParaRPr>
+          </a:p>
+          <a:p>
+            <a:pPr marL="342900" indent="-342900">
+              <a:spcBef>
+                <a:spcPts val="600"/>
+              </a:spcBef>
+              <a:buFont typeface="Arial" panose="020B0604020202020204" pitchFamily="34" charset="0"/>
+              <a:buChar char="•"/>
+              <a:defRPr/>
+            </a:pPr>
+            <a:r>
+              <a:rPr lang="sr-Cyrl-RS" dirty="0" smtClean="0">
+                <a:latin typeface="Garamond" pitchFamily="18" charset="0"/>
+              </a:rPr>
+              <a:t>Дакле</a:t>
             </a:r>
             <a:r>
               <a:rPr lang="en-US" dirty="0" smtClean="0">
                 <a:latin typeface="Garamond" pitchFamily="18" charset="0"/>
               </a:rPr>
-              <a:t> </a:t>
-            </a:r>
-            <a:r>
-              <a:rPr lang="en-US" sz="2000" dirty="0" err="1">
-                <a:latin typeface="+mn-lt"/>
-              </a:rPr>
-              <a:t>EventObject</a:t>
-            </a:r>
-            <a:r>
-              <a:rPr lang="en-US" dirty="0">
-                <a:latin typeface="Garamond" pitchFamily="18" charset="0"/>
-              </a:rPr>
-              <a:t>, </a:t>
+              <a:t>,</a:t>
             </a:r>
             <a:r>
               <a:rPr lang="sr-Cyrl-RS" dirty="0" smtClean="0">
                 <a:latin typeface="Garamond" pitchFamily="18" charset="0"/>
               </a:rPr>
-              <a:t>креирани објекти могу да буду генерички обрађени</a:t>
+              <a:t> помоћу интерфејса се дефинише тај уговор, па сваки ослушкивач мора имплементирати интерфејс</a:t>
+            </a:r>
+            <a:r>
+              <a:rPr lang="en-US" dirty="0" smtClean="0">
+                <a:latin typeface="Garamond" pitchFamily="18" charset="0"/>
+              </a:rPr>
+              <a:t> </a:t>
             </a:r>
             <a:endParaRPr lang="en-US" dirty="0">
               <a:latin typeface="Garamond" pitchFamily="18" charset="0"/>
@@ -32356,28 +30894,20 @@
               <a:defRPr/>
             </a:pPr>
             <a:r>
-              <a:rPr lang="sr-Cyrl-RS" sz="3600" b="1" kern="0" dirty="0">
+              <a:rPr lang="sr-Cyrl-RS" sz="3600" b="1" kern="0" dirty="0" smtClean="0">
                 <a:solidFill>
                   <a:srgbClr val="0070C0"/>
                 </a:solidFill>
               </a:rPr>
-              <a:t>Класа </a:t>
-            </a:r>
-            <a:r>
-              <a:rPr lang="en-US" sz="3600" b="1" kern="0" dirty="0" smtClean="0">
+              <a:t>Интерфејс </a:t>
+            </a:r>
+            <a:r>
+              <a:rPr lang="en-US" sz="3600" b="1" kern="0" dirty="0" err="1">
                 <a:solidFill>
                   <a:srgbClr val="0070C0"/>
                 </a:solidFill>
               </a:rPr>
-              <a:t>Event</a:t>
-            </a:r>
-            <a:r>
-              <a:rPr lang="sr-Cyrl-RS" sz="3600" b="1" kern="0" dirty="0" smtClean="0">
-                <a:solidFill>
-                  <a:srgbClr val="0070C0"/>
-                </a:solidFill>
-              </a:rPr>
-              <a:t> (2)</a:t>
+              <a:t>EventListener</a:t>
             </a:r>
             <a:endParaRPr lang="en-US" sz="3600" b="1" kern="0" dirty="0">
               <a:solidFill>
@@ -32390,7 +30920,7 @@
     </p:spTree>
     <p:extLst>
       <p:ext uri="{BB962C8B-B14F-4D97-AF65-F5344CB8AC3E}">
-        <p14:creationId xmlns:p14="http://schemas.microsoft.com/office/powerpoint/2010/main" val="2233224937"/>
+        <p14:creationId xmlns:p14="http://schemas.microsoft.com/office/powerpoint/2010/main" val="2540239671"/>
       </p:ext>
     </p:extLst>
   </p:cSld>
@@ -32460,15 +30990,33 @@
                                   </p:childTnLst>
                                 </p:cTn>
                               </p:par>
+                            </p:childTnLst>
+                          </p:cTn>
+                        </p:par>
+                      </p:childTnLst>
+                    </p:cTn>
+                  </p:par>
+                  <p:par>
+                    <p:cTn id="8" fill="hold">
+                      <p:stCondLst>
+                        <p:cond delay="indefinite"/>
+                      </p:stCondLst>
+                      <p:childTnLst>
+                        <p:par>
+                          <p:cTn id="9" fill="hold">
+                            <p:stCondLst>
+                              <p:cond delay="0"/>
+                            </p:stCondLst>
+                            <p:childTnLst>
                               <p:par>
-                                <p:cTn id="8" presetID="3" presetClass="entr" presetSubtype="10" fill="hold" nodeType="withEffect">
+                                <p:cTn id="10" presetID="3" presetClass="entr" presetSubtype="10" fill="hold" nodeType="clickEffect">
                                   <p:stCondLst>
                                     <p:cond delay="0"/>
                                   </p:stCondLst>
                                   <p:childTnLst>
                                     <p:set>
                                       <p:cBhvr>
-                                        <p:cTn id="9" dur="1" fill="hold">
+                                        <p:cTn id="11" dur="1" fill="hold">
                                           <p:stCondLst>
                                             <p:cond delay="0"/>
                                           </p:stCondLst>
@@ -32490,7 +31038,7 @@
                                     </p:set>
                                     <p:animEffect transition="in" filter="blinds(horizontal)">
                                       <p:cBhvr>
-                                        <p:cTn id="10" dur="500"/>
+                                        <p:cTn id="12" dur="500"/>
                                         <p:tgtEl>
                                           <p:spTgt spid="26626">
                                             <p:txEl>
@@ -32510,26 +31058,26 @@
                     </p:cTn>
                   </p:par>
                   <p:par>
-                    <p:cTn id="11" fill="hold">
+                    <p:cTn id="13" fill="hold">
                       <p:stCondLst>
                         <p:cond delay="indefinite"/>
                       </p:stCondLst>
                       <p:childTnLst>
                         <p:par>
-                          <p:cTn id="12" fill="hold">
+                          <p:cTn id="14" fill="hold">
                             <p:stCondLst>
                               <p:cond delay="0"/>
                             </p:stCondLst>
                             <p:childTnLst>
                               <p:par>
-                                <p:cTn id="13" presetID="3" presetClass="entr" presetSubtype="10" fill="hold" nodeType="clickEffect">
+                                <p:cTn id="15" presetID="3" presetClass="entr" presetSubtype="10" fill="hold" nodeType="clickEffect">
                                   <p:stCondLst>
                                     <p:cond delay="0"/>
                                   </p:stCondLst>
                                   <p:childTnLst>
                                     <p:set>
                                       <p:cBhvr>
-                                        <p:cTn id="14" dur="1" fill="hold">
+                                        <p:cTn id="16" dur="1" fill="hold">
                                           <p:stCondLst>
                                             <p:cond delay="0"/>
                                           </p:stCondLst>
@@ -32551,11 +31099,201 @@
                                     </p:set>
                                     <p:animEffect transition="in" filter="blinds(horizontal)">
                                       <p:cBhvr>
-                                        <p:cTn id="15" dur="500"/>
+                                        <p:cTn id="17" dur="500"/>
                                         <p:tgtEl>
                                           <p:spTgt spid="26626">
                                             <p:txEl>
                                               <p:pRg st="2" end="2"/>
+                                            </p:txEl>
+                                          </p:spTgt>
+                                        </p:tgtEl>
+                                      </p:cBhvr>
+                                    </p:animEffect>
+                                  </p:childTnLst>
+                                </p:cTn>
+                              </p:par>
+                              <p:par>
+                                <p:cTn id="18" presetID="3" presetClass="entr" presetSubtype="10" fill="hold" nodeType="withEffect">
+                                  <p:stCondLst>
+                                    <p:cond delay="0"/>
+                                  </p:stCondLst>
+                                  <p:childTnLst>
+                                    <p:set>
+                                      <p:cBhvr>
+                                        <p:cTn id="19" dur="1" fill="hold">
+                                          <p:stCondLst>
+                                            <p:cond delay="0"/>
+                                          </p:stCondLst>
+                                        </p:cTn>
+                                        <p:tgtEl>
+                                          <p:spTgt spid="26626">
+                                            <p:txEl>
+                                              <p:pRg st="3" end="3"/>
+                                            </p:txEl>
+                                          </p:spTgt>
+                                        </p:tgtEl>
+                                        <p:attrNameLst>
+                                          <p:attrName>style.visibility</p:attrName>
+                                        </p:attrNameLst>
+                                      </p:cBhvr>
+                                      <p:to>
+                                        <p:strVal val="visible"/>
+                                      </p:to>
+                                    </p:set>
+                                    <p:animEffect transition="in" filter="blinds(horizontal)">
+                                      <p:cBhvr>
+                                        <p:cTn id="20" dur="500"/>
+                                        <p:tgtEl>
+                                          <p:spTgt spid="26626">
+                                            <p:txEl>
+                                              <p:pRg st="3" end="3"/>
+                                            </p:txEl>
+                                          </p:spTgt>
+                                        </p:tgtEl>
+                                      </p:cBhvr>
+                                    </p:animEffect>
+                                  </p:childTnLst>
+                                </p:cTn>
+                              </p:par>
+                              <p:par>
+                                <p:cTn id="21" presetID="3" presetClass="entr" presetSubtype="10" fill="hold" nodeType="withEffect">
+                                  <p:stCondLst>
+                                    <p:cond delay="0"/>
+                                  </p:stCondLst>
+                                  <p:childTnLst>
+                                    <p:set>
+                                      <p:cBhvr>
+                                        <p:cTn id="22" dur="1" fill="hold">
+                                          <p:stCondLst>
+                                            <p:cond delay="0"/>
+                                          </p:stCondLst>
+                                        </p:cTn>
+                                        <p:tgtEl>
+                                          <p:spTgt spid="26626">
+                                            <p:txEl>
+                                              <p:pRg st="4" end="4"/>
+                                            </p:txEl>
+                                          </p:spTgt>
+                                        </p:tgtEl>
+                                        <p:attrNameLst>
+                                          <p:attrName>style.visibility</p:attrName>
+                                        </p:attrNameLst>
+                                      </p:cBhvr>
+                                      <p:to>
+                                        <p:strVal val="visible"/>
+                                      </p:to>
+                                    </p:set>
+                                    <p:animEffect transition="in" filter="blinds(horizontal)">
+                                      <p:cBhvr>
+                                        <p:cTn id="23" dur="500"/>
+                                        <p:tgtEl>
+                                          <p:spTgt spid="26626">
+                                            <p:txEl>
+                                              <p:pRg st="4" end="4"/>
+                                            </p:txEl>
+                                          </p:spTgt>
+                                        </p:tgtEl>
+                                      </p:cBhvr>
+                                    </p:animEffect>
+                                  </p:childTnLst>
+                                </p:cTn>
+                              </p:par>
+                              <p:par>
+                                <p:cTn id="24" presetID="3" presetClass="entr" presetSubtype="10" fill="hold" nodeType="withEffect">
+                                  <p:stCondLst>
+                                    <p:cond delay="0"/>
+                                  </p:stCondLst>
+                                  <p:childTnLst>
+                                    <p:set>
+                                      <p:cBhvr>
+                                        <p:cTn id="25" dur="1" fill="hold">
+                                          <p:stCondLst>
+                                            <p:cond delay="0"/>
+                                          </p:stCondLst>
+                                        </p:cTn>
+                                        <p:tgtEl>
+                                          <p:spTgt spid="26626">
+                                            <p:txEl>
+                                              <p:pRg st="5" end="5"/>
+                                            </p:txEl>
+                                          </p:spTgt>
+                                        </p:tgtEl>
+                                        <p:attrNameLst>
+                                          <p:attrName>style.visibility</p:attrName>
+                                        </p:attrNameLst>
+                                      </p:cBhvr>
+                                      <p:to>
+                                        <p:strVal val="visible"/>
+                                      </p:to>
+                                    </p:set>
+                                    <p:animEffect transition="in" filter="blinds(horizontal)">
+                                      <p:cBhvr>
+                                        <p:cTn id="26" dur="500"/>
+                                        <p:tgtEl>
+                                          <p:spTgt spid="26626">
+                                            <p:txEl>
+                                              <p:pRg st="5" end="5"/>
+                                            </p:txEl>
+                                          </p:spTgt>
+                                        </p:tgtEl>
+                                      </p:cBhvr>
+                                    </p:animEffect>
+                                  </p:childTnLst>
+                                </p:cTn>
+                              </p:par>
+                            </p:childTnLst>
+                          </p:cTn>
+                        </p:par>
+                      </p:childTnLst>
+                    </p:cTn>
+                  </p:par>
+                  <p:par>
+                    <p:cTn id="27" fill="hold">
+                      <p:stCondLst>
+                        <p:cond delay="indefinite"/>
+                      </p:stCondLst>
+                      <p:childTnLst>
+                        <p:par>
+                          <p:cTn id="28" fill="hold">
+                            <p:stCondLst>
+                              <p:cond delay="0"/>
+                            </p:stCondLst>
+                            <p:childTnLst>
+                              <p:par>
+                                <p:cTn id="29" presetID="3" presetClass="entr" presetSubtype="10" fill="hold" nodeType="clickEffect">
+                                  <p:stCondLst>
+                                    <p:cond delay="0"/>
+                                  </p:stCondLst>
+                                  <p:childTnLst>
+                                    <p:set>
+                                      <p:cBhvr>
+                                        <p:cTn id="30" dur="1" fill="hold">
+                                          <p:stCondLst>
+                                            <p:cond delay="0"/>
+                                          </p:stCondLst>
+                                        </p:cTn>
+                                        <p:tgtEl>
+                                          <p:spTgt spid="26626">
+                                            <p:txEl>
+                                              <p:pRg st="6" end="6"/>
+                                            </p:txEl>
+                                          </p:spTgt>
+                                        </p:tgtEl>
+                                        <p:attrNameLst>
+                                          <p:attrName>style.visibility</p:attrName>
+                                        </p:attrNameLst>
+                                      </p:cBhvr>
+                                      <p:to>
+                                        <p:strVal val="visible"/>
+                                      </p:to>
+                                    </p:set>
+                                    <p:animEffect transition="in" filter="blinds(horizontal)">
+                                      <p:cBhvr>
+                                        <p:cTn id="31" dur="500"/>
+                                        <p:tgtEl>
+                                          <p:spTgt spid="26626">
+                                            <p:txEl>
+                                              <p:pRg st="6" end="6"/>
                                             </p:txEl>
                                           </p:spTgt>
                                         </p:tgtEl>
@@ -32623,7 +31361,7 @@
         <p:spPr bwMode="auto">
           <a:xfrm>
             <a:off x="539750" y="1416050"/>
-            <a:ext cx="8451850" cy="4985980"/>
+            <a:ext cx="8451850" cy="3200876"/>
           </a:xfrm>
           <a:prstGeom prst="rect">
             <a:avLst/>
@@ -32767,8 +31505,23 @@
               <a:rPr lang="sr-Cyrl-RS" dirty="0" smtClean="0">
                 <a:latin typeface="Garamond" pitchFamily="18" charset="0"/>
               </a:rPr>
-              <a:t>Ослушкивачи догађаја су класе које су исказале интерес за догађаје који се испаљују  </a:t>
-            </a:r>
+              <a:t>У примерима са догађајима, интерфејси тј. уговори ће проширивати интерфејс</a:t>
+            </a:r>
+            <a:r>
+              <a:rPr lang="en-US" dirty="0" smtClean="0">
+                <a:latin typeface="Garamond" pitchFamily="18" charset="0"/>
+              </a:rPr>
+              <a:t> </a:t>
+            </a:r>
+            <a:r>
+              <a:rPr lang="en-US" sz="2000" dirty="0" err="1" smtClean="0">
+                <a:latin typeface="+mn-lt"/>
+              </a:rPr>
+              <a:t>java.util.EventListener</a:t>
+            </a:r>
+            <a:endParaRPr lang="sr-Cyrl-RS" dirty="0" smtClean="0">
+              <a:latin typeface="+mn-lt"/>
+            </a:endParaRPr>
           </a:p>
           <a:p>
             <a:pPr marL="342900" indent="-342900">
@@ -32783,25 +31536,33 @@
               <a:rPr lang="sr-Cyrl-RS" dirty="0" smtClean="0">
                 <a:latin typeface="Garamond" pitchFamily="18" charset="0"/>
               </a:rPr>
-              <a:t>Класе ослушкивачи бивају информисани о испаљеном догађају тако што се позове одговарајући метод ослушкивача</a:t>
-            </a:r>
-          </a:p>
-          <a:p>
-            <a:pPr marL="342900" indent="-342900">
-              <a:spcBef>
-                <a:spcPts val="600"/>
-              </a:spcBef>
-              <a:buFont typeface="Arial" panose="020B0604020202020204" pitchFamily="34" charset="0"/>
-              <a:buChar char="•"/>
-              <a:defRPr/>
-            </a:pPr>
+              <a:t>Интерфејс </a:t>
+            </a:r>
+            <a:r>
+              <a:rPr lang="en-US" sz="2000" dirty="0" err="1" smtClean="0">
+                <a:latin typeface="+mn-lt"/>
+              </a:rPr>
+              <a:t>EventListener</a:t>
+            </a:r>
+            <a:r>
+              <a:rPr lang="en-US" dirty="0" smtClean="0">
+                <a:latin typeface="Garamond" pitchFamily="18" charset="0"/>
+              </a:rPr>
+              <a:t> </a:t>
+            </a:r>
             <a:r>
               <a:rPr lang="sr-Cyrl-RS" dirty="0" smtClean="0">
                 <a:latin typeface="Garamond" pitchFamily="18" charset="0"/>
               </a:rPr>
-              <a:t>Како се зна који је метод одговарајући, тј. који ће се метод позвати? </a:t>
-            </a:r>
-            <a:endParaRPr lang="en-US" dirty="0">
+              <a:t>не захтева да се имплементира неки метод, већ се ради о тзв. маркерском интерфејсу – то је само ознака да се ради о интерфејсу који служи као ослушкивач догађаја</a:t>
+            </a:r>
+            <a:r>
+              <a:rPr lang="en-US" dirty="0" smtClean="0">
+                <a:latin typeface="Garamond" pitchFamily="18" charset="0"/>
+              </a:rPr>
+              <a:t> </a:t>
+            </a:r>
+            <a:endParaRPr lang="sr-Cyrl-RS" dirty="0" smtClean="0">
               <a:latin typeface="Garamond" pitchFamily="18" charset="0"/>
             </a:endParaRPr>
           </a:p>
@@ -32815,85 +31576,10 @@
               <a:defRPr/>
             </a:pPr>
             <a:r>
-              <a:rPr lang="sr-Cyrl-RS" dirty="0">
-                <a:latin typeface="Garamond" pitchFamily="18" charset="0"/>
-              </a:rPr>
-              <a:t>Дефинисање догађаја захтева да се дефинише уговор између извора </a:t>
-            </a:r>
-            <a:r>
               <a:rPr lang="sr-Cyrl-RS" dirty="0" smtClean="0">
                 <a:latin typeface="Garamond" pitchFamily="18" charset="0"/>
               </a:rPr>
-              <a:t>за догађај и ослушкивача тог догађаја</a:t>
-            </a:r>
-          </a:p>
-          <a:p>
-            <a:pPr marL="1085850" lvl="1" indent="-342900">
-              <a:spcBef>
-                <a:spcPts val="600"/>
-              </a:spcBef>
-              <a:buFont typeface="Arial" panose="020B0604020202020204" pitchFamily="34" charset="0"/>
-              <a:buChar char="•"/>
-              <a:defRPr/>
-            </a:pPr>
-            <a:r>
-              <a:rPr lang="sr-Cyrl-RS" dirty="0" smtClean="0">
-                <a:latin typeface="Garamond" pitchFamily="18" charset="0"/>
-              </a:rPr>
-              <a:t>Тај уговор одређује који ће се метод ослушкивача звати</a:t>
-            </a:r>
-          </a:p>
-          <a:p>
-            <a:pPr marL="1085850" lvl="1" indent="-342900">
-              <a:spcBef>
-                <a:spcPts val="600"/>
-              </a:spcBef>
-              <a:buFont typeface="Arial" panose="020B0604020202020204" pitchFamily="34" charset="0"/>
-              <a:buChar char="•"/>
-              <a:defRPr/>
-            </a:pPr>
-            <a:r>
-              <a:rPr lang="sr-Cyrl-RS" dirty="0" smtClean="0">
-                <a:latin typeface="Garamond" pitchFamily="18" charset="0"/>
-              </a:rPr>
-              <a:t>Сваки ослушкивач мора имплементирати метод</a:t>
-            </a:r>
-            <a:endParaRPr lang="en-US" dirty="0">
-              <a:latin typeface="Garamond" pitchFamily="18" charset="0"/>
-            </a:endParaRPr>
-          </a:p>
-          <a:p>
-            <a:pPr marL="342900" indent="-342900">
-              <a:spcBef>
-                <a:spcPts val="600"/>
-              </a:spcBef>
-              <a:buFont typeface="Arial" panose="020B0604020202020204" pitchFamily="34" charset="0"/>
-              <a:buChar char="•"/>
-              <a:defRPr/>
-            </a:pPr>
-            <a:r>
-              <a:rPr lang="sr-Cyrl-RS" dirty="0" smtClean="0">
-                <a:latin typeface="Garamond" pitchFamily="18" charset="0"/>
-              </a:rPr>
-              <a:t>Дакле</a:t>
-            </a:r>
-            <a:r>
-              <a:rPr lang="en-US" dirty="0" smtClean="0">
-                <a:latin typeface="Garamond" pitchFamily="18" charset="0"/>
-              </a:rPr>
-              <a:t>,</a:t>
-            </a:r>
-            <a:r>
-              <a:rPr lang="sr-Cyrl-RS" dirty="0" smtClean="0">
-                <a:latin typeface="Garamond" pitchFamily="18" charset="0"/>
-              </a:rPr>
-              <a:t> помоћу интерфејса се дефинише тај уговор, па сваки ослушкивач мора имплементирати интерфејс</a:t>
-            </a:r>
-            <a:r>
-              <a:rPr lang="en-US" dirty="0" smtClean="0">
-                <a:latin typeface="Garamond" pitchFamily="18" charset="0"/>
-              </a:rPr>
-              <a:t> </a:t>
+              <a:t>Овим се олакшава да се одреди који догађај може бити испаљен</a:t>
             </a:r>
             <a:endParaRPr lang="en-US" dirty="0">
               <a:latin typeface="Garamond" pitchFamily="18" charset="0"/>
@@ -33063,12 +31749,20 @@
               <a:t>Интерфејс </a:t>
             </a:r>
             <a:r>
-              <a:rPr lang="en-US" sz="3600" b="1" kern="0" dirty="0" err="1">
+              <a:rPr lang="en-US" sz="3600" b="1" kern="0" dirty="0" err="1" smtClean="0">
                 <a:solidFill>
                   <a:srgbClr val="0070C0"/>
                 </a:solidFill>
               </a:rPr>
               <a:t>EventListener</a:t>
+            </a:r>
+            <a:r>
+              <a:rPr lang="sr-Cyrl-RS" sz="3600" b="1" kern="0" dirty="0" smtClean="0">
+                <a:solidFill>
+                  <a:srgbClr val="0070C0"/>
+                </a:solidFill>
+              </a:rPr>
+              <a:t> (2)</a:t>
             </a:r>
             <a:endParaRPr lang="en-US" sz="3600" b="1" kern="0" dirty="0">
               <a:solidFill>
@@ -33081,7 +31775,7 @@
     </p:spTree>
     <p:extLst>
       <p:ext uri="{BB962C8B-B14F-4D97-AF65-F5344CB8AC3E}">
-        <p14:creationId xmlns:p14="http://schemas.microsoft.com/office/powerpoint/2010/main" val="2540239671"/>
+        <p14:creationId xmlns:p14="http://schemas.microsoft.com/office/powerpoint/2010/main" val="695587044"/>
       </p:ext>
     </p:extLst>
   </p:cSld>
@@ -33212,33 +31906,15 @@
                                   </p:childTnLst>
                                 </p:cTn>
                               </p:par>
-                            </p:childTnLst>
-                          </p:cTn>
-                        </p:par>
-                      </p:childTnLst>
-                    </p:cTn>
-                  </p:par>
-                  <p:par>
-                    <p:cTn id="13" fill="hold">
-                      <p:stCondLst>
-                        <p:cond delay="indefinite"/>
-                      </p:stCondLst>
-                      <p:childTnLst>
-                        <p:par>
-                          <p:cTn id="14" fill="hold">
-                            <p:stCondLst>
-                              <p:cond delay="0"/>
-                            </p:stCondLst>
-                            <p:childTnLst>
                               <p:par>
-                                <p:cTn id="15" presetID="3" presetClass="entr" presetSubtype="10" fill="hold" nodeType="clickEffect">
+                                <p:cTn id="13" presetID="3" presetClass="entr" presetSubtype="10" fill="hold" nodeType="withEffect">
                                   <p:stCondLst>
                                     <p:cond delay="0"/>
                                   </p:stCondLst>
                                   <p:childTnLst>
                                     <p:set>
                                       <p:cBhvr>
-                                        <p:cTn id="16" dur="1" fill="hold">
+                                        <p:cTn id="14" dur="1" fill="hold">
                                           <p:stCondLst>
                                             <p:cond delay="0"/>
                                           </p:stCondLst>
@@ -33260,201 +31936,11 @@
                                     </p:set>
                                     <p:animEffect transition="in" filter="blinds(horizontal)">
                                       <p:cBhvr>
-                                        <p:cTn id="17" dur="500"/>
+                                        <p:cTn id="15" dur="500"/>
                                         <p:tgtEl>
                                           <p:spTgt spid="26626">
                                             <p:txEl>
                                               <p:pRg st="2" end="2"/>
-                                            </p:txEl>
-                                          </p:spTgt>
-                                        </p:tgtEl>
-                                      </p:cBhvr>
-                                    </p:animEffect>
-                                  </p:childTnLst>
-                                </p:cTn>
-                              </p:par>
-                              <p:par>
-                                <p:cTn id="18" presetID="3" presetClass="entr" presetSubtype="10" fill="hold" nodeType="withEffect">
-                                  <p:stCondLst>
-                                    <p:cond delay="0"/>
-                                  </p:stCondLst>
-                                  <p:childTnLst>
-                                    <p:set>
-                                      <p:cBhvr>
-                                        <p:cTn id="19" dur="1" fill="hold">
-                                          <p:stCondLst>
-                                            <p:cond delay="0"/>
-                                          </p:stCondLst>
-                                        </p:cTn>
-                                        <p:tgtEl>
-                                          <p:spTgt spid="26626">
-                                            <p:txEl>
-                                              <p:pRg st="3" end="3"/>
-                                            </p:txEl>
-                                          </p:spTgt>
-                                        </p:tgtEl>
-                                        <p:attrNameLst>
-                                          <p:attrName>style.visibility</p:attrName>
-                                        </p:attrNameLst>
-                                      </p:cBhvr>
-                                      <p:to>
-                                        <p:strVal val="visible"/>
-                                      </p:to>
-                                    </p:set>
-                                    <p:animEffect transition="in" filter="blinds(horizontal)">
-                                      <p:cBhvr>
-                                        <p:cTn id="20" dur="500"/>
-                                        <p:tgtEl>
-                                          <p:spTgt spid="26626">
-                                            <p:txEl>
-                                              <p:pRg st="3" end="3"/>
-                                            </p:txEl>
-                                          </p:spTgt>
-                                        </p:tgtEl>
-                                      </p:cBhvr>
-                                    </p:animEffect>
-                                  </p:childTnLst>
-                                </p:cTn>
-                              </p:par>
-                              <p:par>
-                                <p:cTn id="21" presetID="3" presetClass="entr" presetSubtype="10" fill="hold" nodeType="withEffect">
-                                  <p:stCondLst>
-                                    <p:cond delay="0"/>
-                                  </p:stCondLst>
-                                  <p:childTnLst>
-                                    <p:set>
-                                      <p:cBhvr>
-                                        <p:cTn id="22" dur="1" fill="hold">
-                                          <p:stCondLst>
-                                            <p:cond delay="0"/>
-                                          </p:stCondLst>
-                                        </p:cTn>
-                                        <p:tgtEl>
-                                          <p:spTgt spid="26626">
-                                            <p:txEl>
-                                              <p:pRg st="4" end="4"/>
-                                            </p:txEl>
-                                          </p:spTgt>
-                                        </p:tgtEl>
-                                        <p:attrNameLst>
-                                          <p:attrName>style.visibility</p:attrName>
-                                        </p:attrNameLst>
-                                      </p:cBhvr>
-                                      <p:to>
-                                        <p:strVal val="visible"/>
-                                      </p:to>
-                                    </p:set>
-                                    <p:animEffect transition="in" filter="blinds(horizontal)">
-                                      <p:cBhvr>
-                                        <p:cTn id="23" dur="500"/>
-                                        <p:tgtEl>
-                                          <p:spTgt spid="26626">
-                                            <p:txEl>
-                                              <p:pRg st="4" end="4"/>
-                                            </p:txEl>
-                                          </p:spTgt>
-                                        </p:tgtEl>
-                                      </p:cBhvr>
-                                    </p:animEffect>
-                                  </p:childTnLst>
-                                </p:cTn>
-                              </p:par>
-                              <p:par>
-                                <p:cTn id="24" presetID="3" presetClass="entr" presetSubtype="10" fill="hold" nodeType="withEffect">
-                                  <p:stCondLst>
-                                    <p:cond delay="0"/>
-                                  </p:stCondLst>
-                                  <p:childTnLst>
-                                    <p:set>
-                                      <p:cBhvr>
-                                        <p:cTn id="25" dur="1" fill="hold">
-                                          <p:stCondLst>
-                                            <p:cond delay="0"/>
-                                          </p:stCondLst>
-                                        </p:cTn>
-                                        <p:tgtEl>
-                                          <p:spTgt spid="26626">
-                                            <p:txEl>
-                                              <p:pRg st="5" end="5"/>
-                                            </p:txEl>
-                                          </p:spTgt>
-                                        </p:tgtEl>
-                                        <p:attrNameLst>
-                                          <p:attrName>style.visibility</p:attrName>
-                                        </p:attrNameLst>
-                                      </p:cBhvr>
-                                      <p:to>
-                                        <p:strVal val="visible"/>
-                                      </p:to>
-                                    </p:set>
-                                    <p:animEffect transition="in" filter="blinds(horizontal)">
-                                      <p:cBhvr>
-                                        <p:cTn id="26" dur="500"/>
-                                        <p:tgtEl>
-                                          <p:spTgt spid="26626">
-                                            <p:txEl>
-                                              <p:pRg st="5" end="5"/>
-                                            </p:txEl>
-                                          </p:spTgt>
-                                        </p:tgtEl>
-                                      </p:cBhvr>
-                                    </p:animEffect>
-                                  </p:childTnLst>
-                                </p:cTn>
-                              </p:par>
-                            </p:childTnLst>
-                          </p:cTn>
-                        </p:par>
-                      </p:childTnLst>
-                    </p:cTn>
-                  </p:par>
-                  <p:par>
-                    <p:cTn id="27" fill="hold">
-                      <p:stCondLst>
-                        <p:cond delay="indefinite"/>
-                      </p:stCondLst>
-                      <p:childTnLst>
-                        <p:par>
-                          <p:cTn id="28" fill="hold">
-                            <p:stCondLst>
-                              <p:cond delay="0"/>
-                            </p:stCondLst>
-                            <p:childTnLst>
-                              <p:par>
-                                <p:cTn id="29" presetID="3" presetClass="entr" presetSubtype="10" fill="hold" nodeType="clickEffect">
-                                  <p:stCondLst>
-                                    <p:cond delay="0"/>
-                                  </p:stCondLst>
-                                  <p:childTnLst>
-                                    <p:set>
-                                      <p:cBhvr>
-                                        <p:cTn id="30" dur="1" fill="hold">
-                                          <p:stCondLst>
-                                            <p:cond delay="0"/>
-                                          </p:stCondLst>
-                                        </p:cTn>
-                                        <p:tgtEl>
-                                          <p:spTgt spid="26626">
-                                            <p:txEl>
-                                              <p:pRg st="6" end="6"/>
-                                            </p:txEl>
-                                          </p:spTgt>
-                                        </p:tgtEl>
-                                        <p:attrNameLst>
-                                          <p:attrName>style.visibility</p:attrName>
-                                        </p:attrNameLst>
-                                      </p:cBhvr>
-                                      <p:to>
-                                        <p:strVal val="visible"/>
-                                      </p:to>
-                                    </p:set>
-                                    <p:animEffect transition="in" filter="blinds(horizontal)">
-                                      <p:cBhvr>
-                                        <p:cTn id="31" dur="500"/>
-                                        <p:tgtEl>
-                                          <p:spTgt spid="26626">
-                                            <p:txEl>
-                                              <p:pRg st="6" end="6"/>
                                             </p:txEl>
                                           </p:spTgt>
                                         </p:tgtEl>
@@ -33522,7 +32008,7 @@
         <p:spPr bwMode="auto">
           <a:xfrm>
             <a:off x="539750" y="1416050"/>
-            <a:ext cx="8451850" cy="3200876"/>
+            <a:ext cx="8451850" cy="2462213"/>
           </a:xfrm>
           <a:prstGeom prst="rect">
             <a:avLst/>
@@ -33666,23 +32152,8 @@
               <a:rPr lang="sr-Cyrl-RS" dirty="0" smtClean="0">
                 <a:latin typeface="Garamond" pitchFamily="18" charset="0"/>
               </a:rPr>
-              <a:t>У примерима са догађајима, интерфејси тј. уговори ће проширивати интерфејс</a:t>
-            </a:r>
-            <a:r>
-              <a:rPr lang="en-US" dirty="0" smtClean="0">
-                <a:latin typeface="Garamond" pitchFamily="18" charset="0"/>
-              </a:rPr>
-              <a:t> </a:t>
-            </a:r>
-            <a:r>
-              <a:rPr lang="en-US" sz="2000" dirty="0" err="1" smtClean="0">
-                <a:latin typeface="+mn-lt"/>
-              </a:rPr>
-              <a:t>java.util.EventListener</a:t>
-            </a:r>
-            <a:endParaRPr lang="sr-Cyrl-RS" dirty="0" smtClean="0">
-              <a:latin typeface="+mn-lt"/>
-            </a:endParaRPr>
+              <a:t>Објекат који представља извор за догађаје чува информације о ослушкивачима</a:t>
+            </a:r>
           </a:p>
           <a:p>
             <a:pPr marL="342900" indent="-342900">
@@ -33697,38 +32168,11 @@
               <a:rPr lang="sr-Cyrl-RS" dirty="0" smtClean="0">
                 <a:latin typeface="Garamond" pitchFamily="18" charset="0"/>
               </a:rPr>
-              <a:t>Интерфејс </a:t>
-            </a:r>
-            <a:r>
-              <a:rPr lang="en-US" sz="2000" dirty="0" err="1" smtClean="0">
-                <a:latin typeface="+mn-lt"/>
-              </a:rPr>
-              <a:t>EventListener</a:t>
-            </a:r>
-            <a:r>
-              <a:rPr lang="en-US" dirty="0" smtClean="0">
-                <a:latin typeface="Garamond" pitchFamily="18" charset="0"/>
-              </a:rPr>
-              <a:t> </a:t>
-            </a:r>
-            <a:r>
-              <a:rPr lang="sr-Cyrl-RS" dirty="0" smtClean="0">
-                <a:latin typeface="Garamond" pitchFamily="18" charset="0"/>
-              </a:rPr>
-              <a:t>не захтева да се имплементира неки метод, већ се ради о тзв. маркерском интерфејсу – то је само ознака да се ради о интерфејсу који служи као ослушкивач догађаја</a:t>
-            </a:r>
-            <a:r>
-              <a:rPr lang="en-US" dirty="0" smtClean="0">
-                <a:latin typeface="Garamond" pitchFamily="18" charset="0"/>
-              </a:rPr>
-              <a:t> </a:t>
-            </a:r>
-            <a:endParaRPr lang="sr-Cyrl-RS" dirty="0" smtClean="0">
-              <a:latin typeface="Garamond" pitchFamily="18" charset="0"/>
-            </a:endParaRPr>
+              <a:t>Истовремено, објекат ове класе испаљује догађаје</a:t>
+            </a:r>
           </a:p>
           <a:p>
-            <a:pPr marL="1085850" lvl="1" indent="-342900">
+            <a:pPr marL="342900" indent="-342900">
               <a:spcBef>
                 <a:spcPts val="600"/>
               </a:spcBef>
@@ -33740,7 +32184,7 @@
               <a:rPr lang="sr-Cyrl-RS" dirty="0" smtClean="0">
                 <a:latin typeface="Garamond" pitchFamily="18" charset="0"/>
               </a:rPr>
-              <a:t>Овим се олакшава да се одреди који догађај може бити испаљен</a:t>
+              <a:t>У различитим оквирима за развој обично већ постоји извор за догађаје, па тада нема потребе да га програмер посебно програмира</a:t>
             </a:r>
             <a:endParaRPr lang="en-US" dirty="0">
               <a:latin typeface="Garamond" pitchFamily="18" charset="0"/>
@@ -33907,23 +32351,7 @@
                   <a:srgbClr val="0070C0"/>
                 </a:solidFill>
               </a:rPr>
-              <a:t>Интерфејс </a:t>
-            </a:r>
-            <a:r>
-              <a:rPr lang="en-US" sz="3600" b="1" kern="0" dirty="0" err="1" smtClean="0">
-                <a:solidFill>
-                  <a:srgbClr val="0070C0"/>
-                </a:solidFill>
-              </a:rPr>
-              <a:t>EventListener</a:t>
-            </a:r>
-            <a:r>
-              <a:rPr lang="sr-Cyrl-RS" sz="3600" b="1" kern="0" dirty="0" smtClean="0">
-                <a:solidFill>
-                  <a:srgbClr val="0070C0"/>
-                </a:solidFill>
-              </a:rPr>
-              <a:t> (2)</a:t>
+              <a:t>Извор за догађаје </a:t>
             </a:r>
             <a:endParaRPr lang="en-US" sz="3600" b="1" kern="0" dirty="0">
               <a:solidFill>
@@ -33936,7 +32364,7 @@
     </p:spTree>
     <p:extLst>
       <p:ext uri="{BB962C8B-B14F-4D97-AF65-F5344CB8AC3E}">
-        <p14:creationId xmlns:p14="http://schemas.microsoft.com/office/powerpoint/2010/main" val="695587044"/>
+        <p14:creationId xmlns:p14="http://schemas.microsoft.com/office/powerpoint/2010/main" val="2637129046"/>
       </p:ext>
     </p:extLst>
   </p:cSld>
@@ -34067,15 +32495,33 @@
                                   </p:childTnLst>
                                 </p:cTn>
                               </p:par>
+                            </p:childTnLst>
+                          </p:cTn>
+                        </p:par>
+                      </p:childTnLst>
+                    </p:cTn>
+                  </p:par>
+                  <p:par>
+                    <p:cTn id="13" fill="hold">
+                      <p:stCondLst>
+                        <p:cond delay="indefinite"/>
+                      </p:stCondLst>
+                      <p:childTnLst>
+                        <p:par>
+                          <p:cTn id="14" fill="hold">
+                            <p:stCondLst>
+                              <p:cond delay="0"/>
+                            </p:stCondLst>
+                            <p:childTnLst>
                               <p:par>
-                                <p:cTn id="13" presetID="3" presetClass="entr" presetSubtype="10" fill="hold" nodeType="withEffect">
+                                <p:cTn id="15" presetID="3" presetClass="entr" presetSubtype="10" fill="hold" nodeType="clickEffect">
                                   <p:stCondLst>
                                     <p:cond delay="0"/>
                                   </p:stCondLst>
                                   <p:childTnLst>
                                     <p:set>
                                       <p:cBhvr>
-                                        <p:cTn id="14" dur="1" fill="hold">
+                                        <p:cTn id="16" dur="1" fill="hold">
                                           <p:stCondLst>
                                             <p:cond delay="0"/>
                                           </p:stCondLst>
@@ -34097,7 +32543,7 @@
                                     </p:set>
                                     <p:animEffect transition="in" filter="blinds(horizontal)">
                                       <p:cBhvr>
-                                        <p:cTn id="15" dur="500"/>
+                                        <p:cTn id="17" dur="500"/>
                                         <p:tgtEl>
                                           <p:spTgt spid="26626">
                                             <p:txEl>
@@ -34169,7 +32615,7 @@
         <p:spPr bwMode="auto">
           <a:xfrm>
             <a:off x="539750" y="1416050"/>
-            <a:ext cx="8451850" cy="2462213"/>
+            <a:ext cx="8451850" cy="3123932"/>
           </a:xfrm>
           <a:prstGeom prst="rect">
             <a:avLst/>
@@ -34313,11 +32759,23 @@
               <a:rPr lang="sr-Cyrl-RS" dirty="0" smtClean="0">
                 <a:latin typeface="Garamond" pitchFamily="18" charset="0"/>
               </a:rPr>
-              <a:t>Објекат који представља извор за догађаје чува информације о ослушкивачима</a:t>
+              <a:t>Објекат који представља ослушкивач догађаја, у методи која имплементира интерфејс изведен из интерфејса </a:t>
+            </a:r>
+            <a:r>
+              <a:rPr lang="en-US" sz="2000" dirty="0" err="1">
+                <a:latin typeface="+mn-lt"/>
+              </a:rPr>
+              <a:t>EventListener</a:t>
+            </a:r>
+            <a:r>
+              <a:rPr lang="sr-Cyrl-RS" dirty="0" smtClean="0">
+                <a:latin typeface="Garamond" pitchFamily="18" charset="0"/>
+              </a:rPr>
+              <a:t> специфицира шта ће се урадити када догађај буде испаљен – наравно под претпоставком да је објекат ослушкивач догађаја већ регистрован за слушање датог догађаја</a:t>
             </a:r>
           </a:p>
           <a:p>
-            <a:pPr marL="342900" indent="-342900">
+            <a:pPr marL="1085850" lvl="1" indent="-342900">
               <a:spcBef>
                 <a:spcPts val="600"/>
               </a:spcBef>
@@ -34329,27 +32787,8 @@
               <a:rPr lang="sr-Cyrl-RS" dirty="0" smtClean="0">
                 <a:latin typeface="Garamond" pitchFamily="18" charset="0"/>
               </a:rPr>
-              <a:t>Истовремено, објекат ове класе испаљује догађаје</a:t>
-            </a:r>
-          </a:p>
-          <a:p>
-            <a:pPr marL="342900" indent="-342900">
-              <a:spcBef>
-                <a:spcPts val="600"/>
-              </a:spcBef>
-              <a:buFont typeface="Arial" panose="020B0604020202020204" pitchFamily="34" charset="0"/>
-              <a:buChar char="•"/>
-              <a:defRPr/>
-            </a:pPr>
-            <a:r>
-              <a:rPr lang="sr-Cyrl-RS" dirty="0" smtClean="0">
-                <a:latin typeface="Garamond" pitchFamily="18" charset="0"/>
-              </a:rPr>
-              <a:t>У различитим оквирима за развој обично већ постоји извор за догађаје, па тада нема потребе да га програмер посебно програмира</a:t>
-            </a:r>
-            <a:endParaRPr lang="en-US" dirty="0">
-              <a:latin typeface="Garamond" pitchFamily="18" charset="0"/>
-            </a:endParaRPr>
+              <a:t>Метод ослушкивача који се реализује приликом испаљивања догађаја обично има један параметар – догађај који је испаљен</a:t>
+            </a:r>
           </a:p>
         </p:txBody>
       </p:sp>
@@ -34512,7 +32951,7 @@
                   <a:srgbClr val="0070C0"/>
                 </a:solidFill>
               </a:rPr>
-              <a:t>Извор за догађаје </a:t>
+              <a:t>Ослушкивач догађаја </a:t>
             </a:r>
             <a:endParaRPr lang="en-US" sz="3600" b="1" kern="0" dirty="0">
               <a:solidFill>
@@ -34525,7 +32964,7 @@
     </p:spTree>
     <p:extLst>
       <p:ext uri="{BB962C8B-B14F-4D97-AF65-F5344CB8AC3E}">
-        <p14:creationId xmlns:p14="http://schemas.microsoft.com/office/powerpoint/2010/main" val="2637129046"/>
+        <p14:creationId xmlns:p14="http://schemas.microsoft.com/office/powerpoint/2010/main" val="1149876621"/>
       </p:ext>
     </p:extLst>
   </p:cSld>
@@ -34595,33 +33034,15 @@
                                   </p:childTnLst>
                                 </p:cTn>
                               </p:par>
-                            </p:childTnLst>
-                          </p:cTn>
-                        </p:par>
-                      </p:childTnLst>
-                    </p:cTn>
-                  </p:par>
-                  <p:par>
-                    <p:cTn id="8" fill="hold">
-                      <p:stCondLst>
-                        <p:cond delay="indefinite"/>
-                      </p:stCondLst>
-                      <p:childTnLst>
-                        <p:par>
-                          <p:cTn id="9" fill="hold">
-                            <p:stCondLst>
-                              <p:cond delay="0"/>
-                            </p:stCondLst>
-                            <p:childTnLst>
                               <p:par>
-                                <p:cTn id="10" presetID="3" presetClass="entr" presetSubtype="10" fill="hold" nodeType="clickEffect">
+                                <p:cTn id="8" presetID="3" presetClass="entr" presetSubtype="10" fill="hold" nodeType="withEffect">
                                   <p:stCondLst>
                                     <p:cond delay="0"/>
                                   </p:stCondLst>
                                   <p:childTnLst>
                                     <p:set>
                                       <p:cBhvr>
-                                        <p:cTn id="11" dur="1" fill="hold">
+                                        <p:cTn id="9" dur="1" fill="hold">
                                           <p:stCondLst>
                                             <p:cond delay="0"/>
                                           </p:stCondLst>
@@ -34643,72 +33064,11 @@
                                     </p:set>
                                     <p:animEffect transition="in" filter="blinds(horizontal)">
                                       <p:cBhvr>
-                                        <p:cTn id="12" dur="500"/>
+                                        <p:cTn id="10" dur="500"/>
                                         <p:tgtEl>
                                           <p:spTgt spid="26626">
                                             <p:txEl>
                                               <p:pRg st="1" end="1"/>
-                                            </p:txEl>
-                                          </p:spTgt>
-                                        </p:tgtEl>
-                                      </p:cBhvr>
-                                    </p:animEffect>
-                                  </p:childTnLst>
-                                </p:cTn>
-                              </p:par>
-                            </p:childTnLst>
-                          </p:cTn>
-                        </p:par>
-                      </p:childTnLst>
-                    </p:cTn>
-                  </p:par>
-                  <p:par>
-                    <p:cTn id="13" fill="hold">
-                      <p:stCondLst>
-                        <p:cond delay="indefinite"/>
-                      </p:stCondLst>
-                      <p:childTnLst>
-                        <p:par>
-                          <p:cTn id="14" fill="hold">
-                            <p:stCondLst>
-                              <p:cond delay="0"/>
-                            </p:stCondLst>
-                            <p:childTnLst>
-                              <p:par>
-                                <p:cTn id="15" presetID="3" presetClass="entr" presetSubtype="10" fill="hold" nodeType="clickEffect">
-                                  <p:stCondLst>
-                                    <p:cond delay="0"/>
-                                  </p:stCondLst>
-                                  <p:childTnLst>
-                                    <p:set>
-                                      <p:cBhvr>
-                                        <p:cTn id="16" dur="1" fill="hold">
-                                          <p:stCondLst>
-                                            <p:cond delay="0"/>
-                                          </p:stCondLst>
-                                        </p:cTn>
-                                        <p:tgtEl>
-                                          <p:spTgt spid="26626">
-                                            <p:txEl>
-                                              <p:pRg st="2" end="2"/>
-                                            </p:txEl>
-                                          </p:spTgt>
-                                        </p:tgtEl>
-                                        <p:attrNameLst>
-                                          <p:attrName>style.visibility</p:attrName>
-                                        </p:attrNameLst>
-                                      </p:cBhvr>
-                                      <p:to>
-                                        <p:strVal val="visible"/>
-                                      </p:to>
-                                    </p:set>
-                                    <p:animEffect transition="in" filter="blinds(horizontal)">
-                                      <p:cBhvr>
-                                        <p:cTn id="17" dur="500"/>
-                                        <p:tgtEl>
-                                          <p:spTgt spid="26626">
-                                            <p:txEl>
-                                              <p:pRg st="2" end="2"/>
                                             </p:txEl>
                                           </p:spTgt>
                                         </p:tgtEl>
@@ -35729,527 +34089,6 @@
 </file>
 
 <file path=ppt/slides/slide40.xml><?xml version="1.0" encoding="utf-8"?>
-<p:sld xmlns:a="http://schemas.openxmlformats.org/drawingml/2006/main" xmlns:r="http://schemas.openxmlformats.org/officeDocument/2006/relationships" xmlns:p="http://schemas.openxmlformats.org/presentationml/2006/main">
-  <p:cSld>
-    <p:spTree>
-      <p:nvGrpSpPr>
-        <p:cNvPr id="1" name=""/>
-        <p:cNvGrpSpPr/>
-        <p:nvPr/>
-      </p:nvGrpSpPr>
-      <p:grpSpPr>
-        <a:xfrm>
-          <a:off x="0" y="0"/>
-          <a:ext cx="0" cy="0"/>
-          <a:chOff x="0" y="0"/>
-          <a:chExt cx="0" cy="0"/>
-        </a:xfrm>
-      </p:grpSpPr>
-      <p:sp>
-        <p:nvSpPr>
-          <p:cNvPr id="26626" name="Text Box 2"/>
-          <p:cNvSpPr txBox="1">
-            <a:spLocks noChangeArrowheads="1"/>
-          </p:cNvSpPr>
-          <p:nvPr/>
-        </p:nvSpPr>
-        <p:spPr bwMode="auto">
-          <a:xfrm>
-            <a:off x="539750" y="1416050"/>
-            <a:ext cx="8451850" cy="3123932"/>
-          </a:xfrm>
-          <a:prstGeom prst="rect">
-            <a:avLst/>
-          </a:prstGeom>
-          <a:noFill/>
-          <a:ln>
-            <a:noFill/>
-          </a:ln>
-          <a:extLst>
-            <a:ext uri="{909E8E84-426E-40DD-AFC4-6F175D3DCCD1}">
-              <a14:hiddenFill xmlns:a14="http://schemas.microsoft.com/office/drawing/2010/main">
-                <a:solidFill>
-                  <a:srgbClr val="FFFFFF"/>
-                </a:solidFill>
-              </a14:hiddenFill>
-            </a:ext>
-            <a:ext uri="{91240B29-F687-4F45-9708-019B960494DF}">
-              <a14:hiddenLine xmlns:a14="http://schemas.microsoft.com/office/drawing/2010/main" w="9525">
-                <a:solidFill>
-                  <a:srgbClr val="000000"/>
-                </a:solidFill>
-                <a:miter lim="800000"/>
-                <a:headEnd/>
-                <a:tailEnd/>
-              </a14:hiddenLine>
-            </a:ext>
-          </a:extLst>
-        </p:spPr>
-        <p:txBody>
-          <a:bodyPr>
-            <a:spAutoFit/>
-          </a:bodyPr>
-          <a:lstStyle>
-            <a:lvl1pPr eaLnBrk="0" hangingPunct="0">
-              <a:defRPr sz="2400">
-                <a:solidFill>
-                  <a:schemeClr val="tx1"/>
-                </a:solidFill>
-                <a:latin typeface="Times New Roman" pitchFamily="18" charset="0"/>
-              </a:defRPr>
-            </a:lvl1pPr>
-            <a:lvl2pPr marL="742950" indent="-285750" eaLnBrk="0" hangingPunct="0">
-              <a:defRPr sz="2400">
-                <a:solidFill>
-                  <a:schemeClr val="tx1"/>
-                </a:solidFill>
-                <a:latin typeface="Times New Roman" pitchFamily="18" charset="0"/>
-              </a:defRPr>
-            </a:lvl2pPr>
-            <a:lvl3pPr marL="1143000" indent="-228600" eaLnBrk="0" hangingPunct="0">
-              <a:defRPr sz="2400">
-                <a:solidFill>
-                  <a:schemeClr val="tx1"/>
-                </a:solidFill>
-                <a:latin typeface="Times New Roman" pitchFamily="18" charset="0"/>
-              </a:defRPr>
-            </a:lvl3pPr>
-            <a:lvl4pPr marL="1600200" indent="-228600" eaLnBrk="0" hangingPunct="0">
-              <a:defRPr sz="2400">
-                <a:solidFill>
-                  <a:schemeClr val="tx1"/>
-                </a:solidFill>
-                <a:latin typeface="Times New Roman" pitchFamily="18" charset="0"/>
-              </a:defRPr>
-            </a:lvl4pPr>
-            <a:lvl5pPr marL="2057400" indent="-228600" eaLnBrk="0" hangingPunct="0">
-              <a:defRPr sz="2400">
-                <a:solidFill>
-                  <a:schemeClr val="tx1"/>
-                </a:solidFill>
-                <a:latin typeface="Times New Roman" pitchFamily="18" charset="0"/>
-              </a:defRPr>
-            </a:lvl5pPr>
-            <a:lvl6pPr marL="2514600" indent="-228600" eaLnBrk="0" fontAlgn="base" hangingPunct="0">
-              <a:spcBef>
-                <a:spcPct val="0"/>
-              </a:spcBef>
-              <a:spcAft>
-                <a:spcPct val="0"/>
-              </a:spcAft>
-              <a:defRPr sz="2400">
-                <a:solidFill>
-                  <a:schemeClr val="tx1"/>
-                </a:solidFill>
-                <a:latin typeface="Times New Roman" pitchFamily="18" charset="0"/>
-              </a:defRPr>
-            </a:lvl6pPr>
-            <a:lvl7pPr marL="2971800" indent="-228600" eaLnBrk="0" fontAlgn="base" hangingPunct="0">
-              <a:spcBef>
-                <a:spcPct val="0"/>
-              </a:spcBef>
-              <a:spcAft>
-                <a:spcPct val="0"/>
-              </a:spcAft>
-              <a:defRPr sz="2400">
-                <a:solidFill>
-                  <a:schemeClr val="tx1"/>
-                </a:solidFill>
-                <a:latin typeface="Times New Roman" pitchFamily="18" charset="0"/>
-              </a:defRPr>
-            </a:lvl7pPr>
-            <a:lvl8pPr marL="3429000" indent="-228600" eaLnBrk="0" fontAlgn="base" hangingPunct="0">
-              <a:spcBef>
-                <a:spcPct val="0"/>
-              </a:spcBef>
-              <a:spcAft>
-                <a:spcPct val="0"/>
-              </a:spcAft>
-              <a:defRPr sz="2400">
-                <a:solidFill>
-                  <a:schemeClr val="tx1"/>
-                </a:solidFill>
-                <a:latin typeface="Times New Roman" pitchFamily="18" charset="0"/>
-              </a:defRPr>
-            </a:lvl8pPr>
-            <a:lvl9pPr marL="3886200" indent="-228600" eaLnBrk="0" fontAlgn="base" hangingPunct="0">
-              <a:spcBef>
-                <a:spcPct val="0"/>
-              </a:spcBef>
-              <a:spcAft>
-                <a:spcPct val="0"/>
-              </a:spcAft>
-              <a:defRPr sz="2400">
-                <a:solidFill>
-                  <a:schemeClr val="tx1"/>
-                </a:solidFill>
-                <a:latin typeface="Times New Roman" pitchFamily="18" charset="0"/>
-              </a:defRPr>
-            </a:lvl9pPr>
-          </a:lstStyle>
-          <a:p>
-            <a:pPr marL="342900" indent="-342900">
-              <a:spcBef>
-                <a:spcPts val="600"/>
-              </a:spcBef>
-              <a:buFont typeface="Arial" panose="020B0604020202020204" pitchFamily="34" charset="0"/>
-              <a:buChar char="•"/>
-              <a:defRPr/>
-            </a:pPr>
-            <a:r>
-              <a:rPr lang="sr-Cyrl-RS" dirty="0" smtClean="0">
-                <a:latin typeface="Garamond" pitchFamily="18" charset="0"/>
-              </a:rPr>
-              <a:t>Објекат који представља ослушкивач догађаја, у методи која имплементира интерфејс изведен из интерфејса </a:t>
-            </a:r>
-            <a:r>
-              <a:rPr lang="en-US" sz="2000" dirty="0" err="1">
-                <a:latin typeface="+mn-lt"/>
-              </a:rPr>
-              <a:t>EventListener</a:t>
-            </a:r>
-            <a:r>
-              <a:rPr lang="sr-Cyrl-RS" dirty="0" smtClean="0">
-                <a:latin typeface="Garamond" pitchFamily="18" charset="0"/>
-              </a:rPr>
-              <a:t> специфицира шта ће се урадити када догађај буде испаљен – наравно под претпоставком да је објекат ослушкивач догађаја већ регистрован за слушање датог догађаја</a:t>
-            </a:r>
-          </a:p>
-          <a:p>
-            <a:pPr marL="1085850" lvl="1" indent="-342900">
-              <a:spcBef>
-                <a:spcPts val="600"/>
-              </a:spcBef>
-              <a:buFont typeface="Arial" panose="020B0604020202020204" pitchFamily="34" charset="0"/>
-              <a:buChar char="•"/>
-              <a:defRPr/>
-            </a:pPr>
-            <a:r>
-              <a:rPr lang="sr-Cyrl-RS" dirty="0" smtClean="0">
-                <a:latin typeface="Garamond" pitchFamily="18" charset="0"/>
-              </a:rPr>
-              <a:t>Метод ослушкивача који се реализује приликом испаљивања догађаја обично има један параметар – догађај који је испаљен</a:t>
-            </a:r>
-          </a:p>
-        </p:txBody>
-      </p:sp>
-      <p:sp>
-        <p:nvSpPr>
-          <p:cNvPr id="3" name="Title 1"/>
-          <p:cNvSpPr txBox="1">
-            <a:spLocks/>
-          </p:cNvSpPr>
-          <p:nvPr/>
-        </p:nvSpPr>
-        <p:spPr>
-          <a:xfrm>
-            <a:off x="1371600" y="549275"/>
-            <a:ext cx="7772400" cy="868363"/>
-          </a:xfrm>
-          <a:prstGeom prst="rect">
-            <a:avLst/>
-          </a:prstGeom>
-        </p:spPr>
-        <p:txBody>
-          <a:bodyPr/>
-          <a:lstStyle>
-            <a:lvl1pPr algn="l" rtl="0" eaLnBrk="0" fontAlgn="base" hangingPunct="0">
-              <a:spcBef>
-                <a:spcPct val="0"/>
-              </a:spcBef>
-              <a:spcAft>
-                <a:spcPct val="0"/>
-              </a:spcAft>
-              <a:defRPr sz="3800">
-                <a:solidFill>
-                  <a:schemeClr val="tx2"/>
-                </a:solidFill>
-                <a:latin typeface="+mj-lt"/>
-                <a:ea typeface="+mj-ea"/>
-                <a:cs typeface="+mj-cs"/>
-              </a:defRPr>
-            </a:lvl1pPr>
-            <a:lvl2pPr algn="l" rtl="0" eaLnBrk="0" fontAlgn="base" hangingPunct="0">
-              <a:spcBef>
-                <a:spcPct val="0"/>
-              </a:spcBef>
-              <a:spcAft>
-                <a:spcPct val="0"/>
-              </a:spcAft>
-              <a:defRPr sz="3800">
-                <a:solidFill>
-                  <a:schemeClr val="tx2"/>
-                </a:solidFill>
-                <a:latin typeface="Arial" charset="0"/>
-              </a:defRPr>
-            </a:lvl2pPr>
-            <a:lvl3pPr algn="l" rtl="0" eaLnBrk="0" fontAlgn="base" hangingPunct="0">
-              <a:spcBef>
-                <a:spcPct val="0"/>
-              </a:spcBef>
-              <a:spcAft>
-                <a:spcPct val="0"/>
-              </a:spcAft>
-              <a:defRPr sz="3800">
-                <a:solidFill>
-                  <a:schemeClr val="tx2"/>
-                </a:solidFill>
-                <a:latin typeface="Arial" charset="0"/>
-              </a:defRPr>
-            </a:lvl3pPr>
-            <a:lvl4pPr algn="l" rtl="0" eaLnBrk="0" fontAlgn="base" hangingPunct="0">
-              <a:spcBef>
-                <a:spcPct val="0"/>
-              </a:spcBef>
-              <a:spcAft>
-                <a:spcPct val="0"/>
-              </a:spcAft>
-              <a:defRPr sz="3800">
-                <a:solidFill>
-                  <a:schemeClr val="tx2"/>
-                </a:solidFill>
-                <a:latin typeface="Arial" charset="0"/>
-              </a:defRPr>
-            </a:lvl4pPr>
-            <a:lvl5pPr algn="l" rtl="0" eaLnBrk="0" fontAlgn="base" hangingPunct="0">
-              <a:spcBef>
-                <a:spcPct val="0"/>
-              </a:spcBef>
-              <a:spcAft>
-                <a:spcPct val="0"/>
-              </a:spcAft>
-              <a:defRPr sz="3800">
-                <a:solidFill>
-                  <a:schemeClr val="tx2"/>
-                </a:solidFill>
-                <a:latin typeface="Arial" charset="0"/>
-              </a:defRPr>
-            </a:lvl5pPr>
-            <a:lvl6pPr marL="457200" algn="l" rtl="0" fontAlgn="base">
-              <a:spcBef>
-                <a:spcPct val="0"/>
-              </a:spcBef>
-              <a:spcAft>
-                <a:spcPct val="0"/>
-              </a:spcAft>
-              <a:defRPr sz="3800">
-                <a:solidFill>
-                  <a:schemeClr val="tx2"/>
-                </a:solidFill>
-                <a:latin typeface="Arial" charset="0"/>
-              </a:defRPr>
-            </a:lvl6pPr>
-            <a:lvl7pPr marL="914400" algn="l" rtl="0" fontAlgn="base">
-              <a:spcBef>
-                <a:spcPct val="0"/>
-              </a:spcBef>
-              <a:spcAft>
-                <a:spcPct val="0"/>
-              </a:spcAft>
-              <a:defRPr sz="3800">
-                <a:solidFill>
-                  <a:schemeClr val="tx2"/>
-                </a:solidFill>
-                <a:latin typeface="Arial" charset="0"/>
-              </a:defRPr>
-            </a:lvl7pPr>
-            <a:lvl8pPr marL="1371600" algn="l" rtl="0" fontAlgn="base">
-              <a:spcBef>
-                <a:spcPct val="0"/>
-              </a:spcBef>
-              <a:spcAft>
-                <a:spcPct val="0"/>
-              </a:spcAft>
-              <a:defRPr sz="3800">
-                <a:solidFill>
-                  <a:schemeClr val="tx2"/>
-                </a:solidFill>
-                <a:latin typeface="Arial" charset="0"/>
-              </a:defRPr>
-            </a:lvl8pPr>
-            <a:lvl9pPr marL="1828800" algn="l" rtl="0" fontAlgn="base">
-              <a:spcBef>
-                <a:spcPct val="0"/>
-              </a:spcBef>
-              <a:spcAft>
-                <a:spcPct val="0"/>
-              </a:spcAft>
-              <a:defRPr sz="3800">
-                <a:solidFill>
-                  <a:schemeClr val="tx2"/>
-                </a:solidFill>
-                <a:latin typeface="Arial" charset="0"/>
-              </a:defRPr>
-            </a:lvl9pPr>
-          </a:lstStyle>
-          <a:p>
-            <a:pPr>
-              <a:defRPr/>
-            </a:pPr>
-            <a:r>
-              <a:rPr lang="sr-Cyrl-RS" sz="3600" b="1" kern="0" dirty="0" smtClean="0">
-                <a:solidFill>
-                  <a:srgbClr val="0070C0"/>
-                </a:solidFill>
-              </a:rPr>
-              <a:t>Ослушкивач догађаја </a:t>
-            </a:r>
-            <a:endParaRPr lang="en-US" sz="3600" b="1" kern="0" dirty="0">
-              <a:solidFill>
-                <a:srgbClr val="0070C0"/>
-              </a:solidFill>
-            </a:endParaRPr>
-          </a:p>
-        </p:txBody>
-      </p:sp>
-    </p:spTree>
-    <p:extLst>
-      <p:ext uri="{BB962C8B-B14F-4D97-AF65-F5344CB8AC3E}">
-        <p14:creationId xmlns:p14="http://schemas.microsoft.com/office/powerpoint/2010/main" val="1149876621"/>
-      </p:ext>
-    </p:extLst>
-  </p:cSld>
-  <p:clrMapOvr>
-    <a:masterClrMapping/>
-  </p:clrMapOvr>
-  <p:timing>
-    <p:tnLst>
-      <p:par>
-        <p:cTn id="1" dur="indefinite" restart="never" nodeType="tmRoot">
-          <p:childTnLst>
-            <p:seq concurrent="1" nextAc="seek">
-              <p:cTn id="2" dur="indefinite" nodeType="mainSeq">
-                <p:childTnLst>
-                  <p:par>
-                    <p:cTn id="3" fill="hold">
-                      <p:stCondLst>
-                        <p:cond delay="indefinite"/>
-                      </p:stCondLst>
-                      <p:childTnLst>
-                        <p:par>
-                          <p:cTn id="4" fill="hold">
-                            <p:stCondLst>
-                              <p:cond delay="0"/>
-                            </p:stCondLst>
-                            <p:childTnLst>
-                              <p:par>
-                                <p:cTn id="5" presetID="3" presetClass="entr" presetSubtype="10" fill="hold" nodeType="clickEffect">
-                                  <p:stCondLst>
-                                    <p:cond delay="0"/>
-                                  </p:stCondLst>
-                                  <p:childTnLst>
-                                    <p:set>
-                                      <p:cBhvr>
-                                        <p:cTn id="6" dur="1" fill="hold">
-                                          <p:stCondLst>
-                                            <p:cond delay="0"/>
-                                          </p:stCondLst>
-                                        </p:cTn>
-                                        <p:tgtEl>
-                                          <p:spTgt spid="26626">
-                                            <p:txEl>
-                                              <p:pRg st="0" end="0"/>
-                                            </p:txEl>
-                                          </p:spTgt>
-                                        </p:tgtEl>
-                                        <p:attrNameLst>
-                                          <p:attrName>style.visibility</p:attrName>
-                                        </p:attrNameLst>
-                                      </p:cBhvr>
-                                      <p:to>
-                                        <p:strVal val="visible"/>
-                                      </p:to>
-                                    </p:set>
-                                    <p:animEffect transition="in" filter="blinds(horizontal)">
-                                      <p:cBhvr>
-                                        <p:cTn id="7" dur="500"/>
-                                        <p:tgtEl>
-                                          <p:spTgt spid="26626">
-                                            <p:txEl>
-                                              <p:pRg st="0" end="0"/>
-                                            </p:txEl>
-                                          </p:spTgt>
-                                        </p:tgtEl>
-                                      </p:cBhvr>
-                                    </p:animEffect>
-                                  </p:childTnLst>
-                                </p:cTn>
-                              </p:par>
-                              <p:par>
-                                <p:cTn id="8" presetID="3" presetClass="entr" presetSubtype="10" fill="hold" nodeType="withEffect">
-                                  <p:stCondLst>
-                                    <p:cond delay="0"/>
-                                  </p:stCondLst>
-                                  <p:childTnLst>
-                                    <p:set>
-                                      <p:cBhvr>
-                                        <p:cTn id="9" dur="1" fill="hold">
-                                          <p:stCondLst>
-                                            <p:cond delay="0"/>
-                                          </p:stCondLst>
-                                        </p:cTn>
-                                        <p:tgtEl>
-                                          <p:spTgt spid="26626">
-                                            <p:txEl>
-                                              <p:pRg st="1" end="1"/>
-                                            </p:txEl>
-                                          </p:spTgt>
-                                        </p:tgtEl>
-                                        <p:attrNameLst>
-                                          <p:attrName>style.visibility</p:attrName>
-                                        </p:attrNameLst>
-                                      </p:cBhvr>
-                                      <p:to>
-                                        <p:strVal val="visible"/>
-                                      </p:to>
-                                    </p:set>
-                                    <p:animEffect transition="in" filter="blinds(horizontal)">
-                                      <p:cBhvr>
-                                        <p:cTn id="10" dur="500"/>
-                                        <p:tgtEl>
-                                          <p:spTgt spid="26626">
-                                            <p:txEl>
-                                              <p:pRg st="1" end="1"/>
-                                            </p:txEl>
-                                          </p:spTgt>
-                                        </p:tgtEl>
-                                      </p:cBhvr>
-                                    </p:animEffect>
-                                  </p:childTnLst>
-                                </p:cTn>
-                              </p:par>
-                            </p:childTnLst>
-                          </p:cTn>
-                        </p:par>
-                      </p:childTnLst>
-                    </p:cTn>
-                  </p:par>
-                </p:childTnLst>
-              </p:cTn>
-              <p:prevCondLst>
-                <p:cond evt="onPrev" delay="0">
-                  <p:tgtEl>
-                    <p:sldTgt/>
-                  </p:tgtEl>
-                </p:cond>
-              </p:prevCondLst>
-              <p:nextCondLst>
-                <p:cond evt="onNext" delay="0">
-                  <p:tgtEl>
-                    <p:sldTgt/>
-                  </p:tgtEl>
-                </p:cond>
-              </p:nextCondLst>
-            </p:seq>
-          </p:childTnLst>
-        </p:cTn>
-      </p:par>
-    </p:tnLst>
-  </p:timing>
-</p:sld>
-</file>
-
-<file path=ppt/slides/slide41.xml><?xml version="1.0" encoding="utf-8"?>
 <p:sld xmlns:a="http://schemas.openxmlformats.org/drawingml/2006/main" xmlns:r="http://schemas.openxmlformats.org/officeDocument/2006/relationships" xmlns:p="http://schemas.openxmlformats.org/presentationml/2006/main">
   <p:cSld>
     <p:spTree>

--- a/predavanja/prezentacije/OOP11-Apstraktne klase i interfejsi.pptx
+++ b/predavanja/prezentacije/OOP11-Apstraktne klase i interfejsi.pptx
@@ -25411,13 +25411,7 @@
               <a:rPr lang="sr-Cyrl-RS" sz="1800" dirty="0" smtClean="0">
                 <a:latin typeface="Garamond" pitchFamily="18" charset="0"/>
               </a:rPr>
-              <a:t>На пример, </a:t>
-            </a:r>
-            <a:r>
-              <a:rPr lang="sr-Cyrl-RS" sz="1800" dirty="0" smtClean="0">
-                <a:latin typeface="Garamond" pitchFamily="18" charset="0"/>
-              </a:rPr>
-              <a:t>извођење класе </a:t>
+              <a:t>На пример, извођење класе </a:t>
             </a:r>
             <a:r>
               <a:rPr lang="en-US" sz="1600" dirty="0" err="1" smtClean="0">
@@ -26956,15 +26950,7 @@
                   <a:srgbClr val="0070C0"/>
                 </a:solidFill>
               </a:rPr>
-              <a:t>за наслеђивање </a:t>
-            </a:r>
-            <a:r>
-              <a:rPr lang="sr-Cyrl-RS" sz="3600" b="1" kern="0" dirty="0" smtClean="0">
-                <a:solidFill>
-                  <a:srgbClr val="0070C0"/>
-                </a:solidFill>
-              </a:rPr>
-              <a:t>(4)</a:t>
+              <a:t>за наслеђивање (4)</a:t>
             </a:r>
             <a:endParaRPr lang="en-US" sz="3600" b="1" kern="0" dirty="0">
               <a:solidFill>
@@ -32168,8 +32154,23 @@
               <a:rPr lang="sr-Cyrl-RS" dirty="0" smtClean="0">
                 <a:latin typeface="Garamond" pitchFamily="18" charset="0"/>
               </a:rPr>
-              <a:t>Истовремено, објекат ове класе испаљује догађаје</a:t>
-            </a:r>
+              <a:t>Истовремено, објекат ове класе испаљује </a:t>
+            </a:r>
+            <a:r>
+              <a:rPr lang="sr-Cyrl-RS" dirty="0" smtClean="0">
+                <a:latin typeface="Garamond" pitchFamily="18" charset="0"/>
+              </a:rPr>
+              <a:t>(емитује) </a:t>
+            </a:r>
+            <a:r>
+              <a:rPr lang="sr-Cyrl-RS" dirty="0" smtClean="0">
+                <a:latin typeface="Garamond" pitchFamily="18" charset="0"/>
+              </a:rPr>
+              <a:t>догађаје</a:t>
+            </a:r>
+            <a:endParaRPr lang="sr-Cyrl-RS" dirty="0" smtClean="0">
+              <a:latin typeface="Garamond" pitchFamily="18" charset="0"/>
+            </a:endParaRPr>
           </a:p>
           <a:p>
             <a:pPr marL="342900" indent="-342900">
